--- a/Kicad 2025.pptx
+++ b/Kicad 2025.pptx
@@ -5,7 +5,7 @@
     <p:sldMasterId id="2147483832" r:id="rId1"/>
   </p:sldMasterIdLst>
   <p:notesMasterIdLst>
-    <p:notesMasterId r:id="rId24"/>
+    <p:notesMasterId r:id="rId26"/>
   </p:notesMasterIdLst>
   <p:sldIdLst>
     <p:sldId id="256" r:id="rId2"/>
@@ -25,11 +25,13 @@
     <p:sldId id="294" r:id="rId16"/>
     <p:sldId id="298" r:id="rId17"/>
     <p:sldId id="299" r:id="rId18"/>
-    <p:sldId id="303" r:id="rId19"/>
-    <p:sldId id="304" r:id="rId20"/>
-    <p:sldId id="302" r:id="rId21"/>
-    <p:sldId id="300" r:id="rId22"/>
-    <p:sldId id="301" r:id="rId23"/>
+    <p:sldId id="306" r:id="rId19"/>
+    <p:sldId id="305" r:id="rId20"/>
+    <p:sldId id="303" r:id="rId21"/>
+    <p:sldId id="304" r:id="rId22"/>
+    <p:sldId id="302" r:id="rId23"/>
+    <p:sldId id="300" r:id="rId24"/>
+    <p:sldId id="301" r:id="rId25"/>
   </p:sldIdLst>
   <p:sldSz cx="12192000" cy="6858000"/>
   <p:notesSz cx="6858000" cy="9144000"/>
@@ -7637,7 +7639,7 @@
           <a:p>
             <a:fld id="{707C0392-ED8F-47C6-BCD0-1687EF07CF70}" type="datetimeFigureOut">
               <a:rPr lang="da-DK" smtClean="0"/>
-              <a:t>27-03-2025</a:t>
+              <a:t>28-03-2025</a:t>
             </a:fld>
             <a:endParaRPr lang="da-DK"/>
           </a:p>
@@ -8367,7 +8369,7 @@
             <a:fld id="{A37D6D71-8B28-4ED6-B932-04B197003D23}" type="datetimeFigureOut">
               <a:rPr lang="en-US" smtClean="0"/>
               <a:pPr algn="r"/>
-              <a:t>3/27/2025</a:t>
+              <a:t>3/28/2025</a:t>
             </a:fld>
             <a:endParaRPr lang="en-US" spc="50" dirty="0"/>
           </a:p>
@@ -8646,7 +8648,7 @@
             <a:fld id="{A37D6D71-8B28-4ED6-B932-04B197003D23}" type="datetimeFigureOut">
               <a:rPr lang="en-US" smtClean="0"/>
               <a:pPr algn="r"/>
-              <a:t>3/27/2025</a:t>
+              <a:t>3/28/2025</a:t>
             </a:fld>
             <a:endParaRPr lang="en-US" spc="50" dirty="0"/>
           </a:p>
@@ -8844,7 +8846,7 @@
             <a:fld id="{A37D6D71-8B28-4ED6-B932-04B197003D23}" type="datetimeFigureOut">
               <a:rPr lang="en-US" smtClean="0"/>
               <a:pPr algn="r"/>
-              <a:t>3/27/2025</a:t>
+              <a:t>3/28/2025</a:t>
             </a:fld>
             <a:endParaRPr lang="en-US" spc="50" dirty="0"/>
           </a:p>
@@ -9121,7 +9123,7 @@
             <a:fld id="{A37D6D71-8B28-4ED6-B932-04B197003D23}" type="datetimeFigureOut">
               <a:rPr lang="en-US" smtClean="0"/>
               <a:pPr algn="r"/>
-              <a:t>3/27/2025</a:t>
+              <a:t>3/28/2025</a:t>
             </a:fld>
             <a:endParaRPr lang="en-US" spc="50" dirty="0"/>
           </a:p>
@@ -9466,7 +9468,7 @@
             <a:fld id="{A37D6D71-8B28-4ED6-B932-04B197003D23}" type="datetimeFigureOut">
               <a:rPr lang="en-US" smtClean="0"/>
               <a:pPr algn="r"/>
-              <a:t>3/27/2025</a:t>
+              <a:t>3/28/2025</a:t>
             </a:fld>
             <a:endParaRPr lang="en-US" spc="50" dirty="0"/>
           </a:p>
@@ -10093,7 +10095,7 @@
             <a:fld id="{A37D6D71-8B28-4ED6-B932-04B197003D23}" type="datetimeFigureOut">
               <a:rPr lang="en-US" smtClean="0"/>
               <a:pPr algn="r"/>
-              <a:t>3/27/2025</a:t>
+              <a:t>3/28/2025</a:t>
             </a:fld>
             <a:endParaRPr lang="en-US" spc="50" dirty="0"/>
           </a:p>
@@ -10957,7 +10959,7 @@
             <a:fld id="{A37D6D71-8B28-4ED6-B932-04B197003D23}" type="datetimeFigureOut">
               <a:rPr lang="en-US" smtClean="0"/>
               <a:pPr algn="r"/>
-              <a:t>3/27/2025</a:t>
+              <a:t>3/28/2025</a:t>
             </a:fld>
             <a:endParaRPr lang="en-US" spc="50" dirty="0"/>
           </a:p>
@@ -11131,7 +11133,7 @@
             <a:fld id="{A37D6D71-8B28-4ED6-B932-04B197003D23}" type="datetimeFigureOut">
               <a:rPr lang="en-US" smtClean="0"/>
               <a:pPr algn="r"/>
-              <a:t>3/27/2025</a:t>
+              <a:t>3/28/2025</a:t>
             </a:fld>
             <a:endParaRPr lang="en-US" spc="50" dirty="0"/>
           </a:p>
@@ -11315,7 +11317,7 @@
             <a:fld id="{A37D6D71-8B28-4ED6-B932-04B197003D23}" type="datetimeFigureOut">
               <a:rPr lang="en-US" smtClean="0"/>
               <a:pPr algn="r"/>
-              <a:t>3/27/2025</a:t>
+              <a:t>3/28/2025</a:t>
             </a:fld>
             <a:endParaRPr lang="en-US" spc="50" dirty="0"/>
           </a:p>
@@ -11489,7 +11491,7 @@
             <a:fld id="{A37D6D71-8B28-4ED6-B932-04B197003D23}" type="datetimeFigureOut">
               <a:rPr lang="en-US" smtClean="0"/>
               <a:pPr algn="r"/>
-              <a:t>3/27/2025</a:t>
+              <a:t>3/28/2025</a:t>
             </a:fld>
             <a:endParaRPr lang="en-US" spc="50" dirty="0"/>
           </a:p>
@@ -11740,7 +11742,7 @@
             <a:fld id="{A37D6D71-8B28-4ED6-B932-04B197003D23}" type="datetimeFigureOut">
               <a:rPr lang="en-US" smtClean="0"/>
               <a:pPr algn="r"/>
-              <a:t>3/27/2025</a:t>
+              <a:t>3/28/2025</a:t>
             </a:fld>
             <a:endParaRPr lang="en-US" spc="50" dirty="0"/>
           </a:p>
@@ -12036,7 +12038,7 @@
             <a:fld id="{A37D6D71-8B28-4ED6-B932-04B197003D23}" type="datetimeFigureOut">
               <a:rPr lang="en-US" smtClean="0"/>
               <a:pPr algn="r"/>
-              <a:t>3/27/2025</a:t>
+              <a:t>3/28/2025</a:t>
             </a:fld>
             <a:endParaRPr lang="en-US" spc="50" dirty="0"/>
           </a:p>
@@ -12484,7 +12486,7 @@
             <a:fld id="{A37D6D71-8B28-4ED6-B932-04B197003D23}" type="datetimeFigureOut">
               <a:rPr lang="en-US" smtClean="0"/>
               <a:pPr algn="r"/>
-              <a:t>3/27/2025</a:t>
+              <a:t>3/28/2025</a:t>
             </a:fld>
             <a:endParaRPr lang="en-US" spc="50" dirty="0"/>
           </a:p>
@@ -12606,7 +12608,7 @@
             <a:fld id="{A37D6D71-8B28-4ED6-B932-04B197003D23}" type="datetimeFigureOut">
               <a:rPr lang="en-US" smtClean="0"/>
               <a:pPr algn="r"/>
-              <a:t>3/27/2025</a:t>
+              <a:t>3/28/2025</a:t>
             </a:fld>
             <a:endParaRPr lang="en-US" spc="50" dirty="0"/>
           </a:p>
@@ -12705,7 +12707,7 @@
             <a:fld id="{A37D6D71-8B28-4ED6-B932-04B197003D23}" type="datetimeFigureOut">
               <a:rPr lang="en-US" smtClean="0"/>
               <a:pPr algn="r"/>
-              <a:t>3/27/2025</a:t>
+              <a:t>3/28/2025</a:t>
             </a:fld>
             <a:endParaRPr lang="en-US" spc="50" dirty="0"/>
           </a:p>
@@ -12988,7 +12990,7 @@
             <a:fld id="{A37D6D71-8B28-4ED6-B932-04B197003D23}" type="datetimeFigureOut">
               <a:rPr lang="en-US" smtClean="0"/>
               <a:pPr algn="r"/>
-              <a:t>3/27/2025</a:t>
+              <a:t>3/28/2025</a:t>
             </a:fld>
             <a:endParaRPr lang="en-US" spc="50" dirty="0"/>
           </a:p>
@@ -13267,7 +13269,7 @@
             <a:fld id="{A37D6D71-8B28-4ED6-B932-04B197003D23}" type="datetimeFigureOut">
               <a:rPr lang="en-US" smtClean="0"/>
               <a:pPr algn="r"/>
-              <a:t>3/27/2025</a:t>
+              <a:t>3/28/2025</a:t>
             </a:fld>
             <a:endParaRPr lang="en-US" spc="50" dirty="0"/>
           </a:p>
@@ -13700,7 +13702,7 @@
             <a:fld id="{A37D6D71-8B28-4ED6-B932-04B197003D23}" type="datetimeFigureOut">
               <a:rPr lang="en-US" smtClean="0"/>
               <a:pPr algn="r"/>
-              <a:t>3/27/2025</a:t>
+              <a:t>3/28/2025</a:t>
             </a:fld>
             <a:endParaRPr lang="en-US" spc="50" dirty="0"/>
           </a:p>
@@ -19842,9 +19844,25 @@
   <p:cSld>
     <p:bg>
       <p:bgPr>
-        <a:solidFill>
-          <a:schemeClr val="bg2"/>
-        </a:solidFill>
+        <a:blipFill rotWithShape="1">
+          <a:blip r:embed="rId2">
+            <a:duotone>
+              <a:schemeClr val="bg2">
+                <a:shade val="69000"/>
+                <a:hueMod val="108000"/>
+                <a:satMod val="164000"/>
+                <a:lumMod val="74000"/>
+              </a:schemeClr>
+              <a:schemeClr val="bg2">
+                <a:tint val="96000"/>
+                <a:hueMod val="88000"/>
+                <a:satMod val="140000"/>
+                <a:lumMod val="132000"/>
+              </a:schemeClr>
+            </a:duotone>
+          </a:blip>
+          <a:stretch/>
+        </a:blipFill>
         <a:effectLst/>
       </p:bgPr>
     </p:bg>
@@ -19862,12 +19880,100 @@
           <a:chExt cx="0" cy="0"/>
         </a:xfrm>
       </p:grpSpPr>
-      <p:sp useBgFill="1">
-        <p:nvSpPr>
-          <p:cNvPr id="8" name="Rectangle 7">
+      <p:pic>
+        <p:nvPicPr>
+          <p:cNvPr id="12" name="Picture 11">
             <a:extLst>
               <a:ext uri="{FF2B5EF4-FFF2-40B4-BE49-F238E27FC236}">
-                <a16:creationId xmlns:a16="http://schemas.microsoft.com/office/drawing/2014/main" id="{052BEFF1-896C-45B1-B02C-96A6A1BC389A}"/>
+                <a16:creationId xmlns:a16="http://schemas.microsoft.com/office/drawing/2014/main" id="{412E3267-7ABE-412B-8580-47EC0D1F61FE}"/>
+              </a:ext>
+              <a:ext uri="{C183D7F6-B498-43B3-948B-1728B52AA6E4}">
+                <adec:decorative xmlns:adec="http://schemas.microsoft.com/office/drawing/2017/decorative" val="1"/>
+              </a:ext>
+            </a:extLst>
+          </p:cNvPr>
+          <p:cNvPicPr>
+            <a:picLocks noGrp="1" noRot="1" noChangeAspect="1" noMove="1" noResize="1" noEditPoints="1" noAdjustHandles="1" noChangeArrowheads="1" noChangeShapeType="1" noCrop="1"/>
+          </p:cNvPicPr>
+          <p:nvPr>
+            <p:extLst>
+              <p:ext uri="{386F3935-93C4-4BCD-93E2-E3B085C9AB24}">
+                <p16:designElem xmlns:p16="http://schemas.microsoft.com/office/powerpoint/2015/main" val="1"/>
+              </p:ext>
+            </p:extLst>
+          </p:nvPr>
+        </p:nvPicPr>
+        <p:blipFill rotWithShape="1">
+          <a:blip r:embed="rId3">
+            <a:extLst>
+              <a:ext uri="{28A0092B-C50C-407E-A947-70E740481C1C}">
+                <a14:useLocalDpi xmlns:a14="http://schemas.microsoft.com/office/drawing/2010/main" val="0"/>
+              </a:ext>
+            </a:extLst>
+          </a:blip>
+          <a:srcRect l="3613"/>
+          <a:stretch/>
+        </p:blipFill>
+        <p:spPr>
+          <a:xfrm>
+            <a:off x="0" y="2669685"/>
+            <a:ext cx="4037012" cy="4188315"/>
+          </a:xfrm>
+          <a:prstGeom prst="rect">
+            <a:avLst/>
+          </a:prstGeom>
+        </p:spPr>
+      </p:pic>
+      <p:pic>
+        <p:nvPicPr>
+          <p:cNvPr id="14" name="Picture 13">
+            <a:extLst>
+              <a:ext uri="{FF2B5EF4-FFF2-40B4-BE49-F238E27FC236}">
+                <a16:creationId xmlns:a16="http://schemas.microsoft.com/office/drawing/2014/main" id="{20B62C5A-2250-4380-AB23-DB87446CCED0}"/>
+              </a:ext>
+              <a:ext uri="{C183D7F6-B498-43B3-948B-1728B52AA6E4}">
+                <adec:decorative xmlns:adec="http://schemas.microsoft.com/office/drawing/2017/decorative" val="1"/>
+              </a:ext>
+            </a:extLst>
+          </p:cNvPr>
+          <p:cNvPicPr>
+            <a:picLocks noGrp="1" noRot="1" noChangeAspect="1" noMove="1" noResize="1" noEditPoints="1" noAdjustHandles="1" noChangeArrowheads="1" noChangeShapeType="1" noCrop="1"/>
+          </p:cNvPicPr>
+          <p:nvPr>
+            <p:extLst>
+              <p:ext uri="{386F3935-93C4-4BCD-93E2-E3B085C9AB24}">
+                <p16:designElem xmlns:p16="http://schemas.microsoft.com/office/powerpoint/2015/main" val="1"/>
+              </p:ext>
+            </p:extLst>
+          </p:nvPr>
+        </p:nvPicPr>
+        <p:blipFill rotWithShape="1">
+          <a:blip r:embed="rId4">
+            <a:extLst>
+              <a:ext uri="{28A0092B-C50C-407E-A947-70E740481C1C}">
+                <a14:useLocalDpi xmlns:a14="http://schemas.microsoft.com/office/drawing/2010/main" val="0"/>
+              </a:ext>
+            </a:extLst>
+          </a:blip>
+          <a:srcRect l="35640"/>
+          <a:stretch/>
+        </p:blipFill>
+        <p:spPr>
+          <a:xfrm>
+            <a:off x="0" y="2892347"/>
+            <a:ext cx="1522412" cy="2365453"/>
+          </a:xfrm>
+          <a:prstGeom prst="rect">
+            <a:avLst/>
+          </a:prstGeom>
+        </p:spPr>
+      </p:pic>
+      <p:sp>
+        <p:nvSpPr>
+          <p:cNvPr id="16" name="Oval 15">
+            <a:extLst>
+              <a:ext uri="{FF2B5EF4-FFF2-40B4-BE49-F238E27FC236}">
+                <a16:creationId xmlns:a16="http://schemas.microsoft.com/office/drawing/2014/main" id="{D42CF425-7213-4F89-B0FF-4C2BDDD9C680}"/>
               </a:ext>
               <a:ext uri="{C183D7F6-B498-43B3-948B-1728B52AA6E4}">
                 <adec:decorative xmlns:adec="http://schemas.microsoft.com/office/drawing/2017/decorative" val="1"/>
@@ -19887,12 +19993,712 @@
         </p:nvSpPr>
         <p:spPr>
           <a:xfrm>
-            <a:off x="1" y="0"/>
-            <a:ext cx="12192000" cy="6858000"/>
+            <a:off x="8609012" y="1676400"/>
+            <a:ext cx="2819400" cy="2819400"/>
+          </a:xfrm>
+          <a:prstGeom prst="ellipse">
+            <a:avLst/>
+          </a:prstGeom>
+          <a:gradFill flip="none" rotWithShape="1">
+            <a:gsLst>
+              <a:gs pos="0">
+                <a:schemeClr val="bg2">
+                  <a:lumMod val="60000"/>
+                  <a:lumOff val="40000"/>
+                  <a:alpha val="7000"/>
+                </a:schemeClr>
+              </a:gs>
+              <a:gs pos="69000">
+                <a:schemeClr val="bg2">
+                  <a:lumMod val="60000"/>
+                  <a:lumOff val="40000"/>
+                  <a:alpha val="0"/>
+                </a:schemeClr>
+              </a:gs>
+              <a:gs pos="36000">
+                <a:schemeClr val="bg2">
+                  <a:lumMod val="60000"/>
+                  <a:lumOff val="40000"/>
+                  <a:alpha val="6000"/>
+                </a:schemeClr>
+              </a:gs>
+            </a:gsLst>
+            <a:path path="circle">
+              <a:fillToRect l="50000" t="50000" r="50000" b="50000"/>
+            </a:path>
+            <a:tileRect/>
+          </a:gradFill>
+          <a:ln>
+            <a:noFill/>
+          </a:ln>
+          <a:effectLst/>
+        </p:spPr>
+        <p:style>
+          <a:lnRef idx="1">
+            <a:schemeClr val="accent1"/>
+          </a:lnRef>
+          <a:fillRef idx="3">
+            <a:schemeClr val="accent1"/>
+          </a:fillRef>
+          <a:effectRef idx="2">
+            <a:schemeClr val="accent1"/>
+          </a:effectRef>
+          <a:fontRef idx="minor">
+            <a:schemeClr val="lt1"/>
+          </a:fontRef>
+        </p:style>
+        <p:txBody>
+          <a:bodyPr/>
+          <a:lstStyle/>
+          <a:p>
+            <a:endParaRPr lang="en-DK"/>
+          </a:p>
+        </p:txBody>
+      </p:sp>
+      <p:pic>
+        <p:nvPicPr>
+          <p:cNvPr id="18" name="Picture 17">
+            <a:extLst>
+              <a:ext uri="{FF2B5EF4-FFF2-40B4-BE49-F238E27FC236}">
+                <a16:creationId xmlns:a16="http://schemas.microsoft.com/office/drawing/2014/main" id="{D35DA97D-88F8-4249-B650-4FC9FD50A382}"/>
+              </a:ext>
+              <a:ext uri="{C183D7F6-B498-43B3-948B-1728B52AA6E4}">
+                <adec:decorative xmlns:adec="http://schemas.microsoft.com/office/drawing/2017/decorative" val="1"/>
+              </a:ext>
+            </a:extLst>
+          </p:cNvPr>
+          <p:cNvPicPr>
+            <a:picLocks noGrp="1" noRot="1" noChangeAspect="1" noMove="1" noResize="1" noEditPoints="1" noAdjustHandles="1" noChangeArrowheads="1" noChangeShapeType="1" noCrop="1"/>
+          </p:cNvPicPr>
+          <p:nvPr>
+            <p:extLst>
+              <p:ext uri="{386F3935-93C4-4BCD-93E2-E3B085C9AB24}">
+                <p16:designElem xmlns:p16="http://schemas.microsoft.com/office/powerpoint/2015/main" val="1"/>
+              </p:ext>
+            </p:extLst>
+          </p:nvPr>
+        </p:nvPicPr>
+        <p:blipFill rotWithShape="1">
+          <a:blip r:embed="rId5">
+            <a:extLst>
+              <a:ext uri="{28A0092B-C50C-407E-A947-70E740481C1C}">
+                <a14:useLocalDpi xmlns:a14="http://schemas.microsoft.com/office/drawing/2010/main" val="0"/>
+              </a:ext>
+            </a:extLst>
+          </a:blip>
+          <a:srcRect t="28813"/>
+          <a:stretch/>
+        </p:blipFill>
+        <p:spPr>
+          <a:xfrm>
+            <a:off x="7999412" y="0"/>
+            <a:ext cx="1603387" cy="1141407"/>
           </a:xfrm>
           <a:prstGeom prst="rect">
             <a:avLst/>
           </a:prstGeom>
+        </p:spPr>
+      </p:pic>
+      <p:pic>
+        <p:nvPicPr>
+          <p:cNvPr id="20" name="Picture 19">
+            <a:extLst>
+              <a:ext uri="{FF2B5EF4-FFF2-40B4-BE49-F238E27FC236}">
+                <a16:creationId xmlns:a16="http://schemas.microsoft.com/office/drawing/2014/main" id="{43F38673-6E30-4BAE-AC67-0B283EBF4291}"/>
+              </a:ext>
+              <a:ext uri="{C183D7F6-B498-43B3-948B-1728B52AA6E4}">
+                <adec:decorative xmlns:adec="http://schemas.microsoft.com/office/drawing/2017/decorative" val="1"/>
+              </a:ext>
+            </a:extLst>
+          </p:cNvPr>
+          <p:cNvPicPr>
+            <a:picLocks noGrp="1" noRot="1" noChangeAspect="1" noMove="1" noResize="1" noEditPoints="1" noAdjustHandles="1" noChangeArrowheads="1" noChangeShapeType="1" noCrop="1"/>
+          </p:cNvPicPr>
+          <p:nvPr>
+            <p:extLst>
+              <p:ext uri="{386F3935-93C4-4BCD-93E2-E3B085C9AB24}">
+                <p16:designElem xmlns:p16="http://schemas.microsoft.com/office/powerpoint/2015/main" val="1"/>
+              </p:ext>
+            </p:extLst>
+          </p:nvPr>
+        </p:nvPicPr>
+        <p:blipFill rotWithShape="1">
+          <a:blip r:embed="rId6">
+            <a:extLst>
+              <a:ext uri="{28A0092B-C50C-407E-A947-70E740481C1C}">
+                <a14:useLocalDpi xmlns:a14="http://schemas.microsoft.com/office/drawing/2010/main" val="0"/>
+              </a:ext>
+            </a:extLst>
+          </a:blip>
+          <a:srcRect b="23320"/>
+          <a:stretch/>
+        </p:blipFill>
+        <p:spPr>
+          <a:xfrm>
+            <a:off x="8605878" y="6096000"/>
+            <a:ext cx="993734" cy="762000"/>
+          </a:xfrm>
+          <a:prstGeom prst="rect">
+            <a:avLst/>
+          </a:prstGeom>
+        </p:spPr>
+      </p:pic>
+      <p:sp>
+        <p:nvSpPr>
+          <p:cNvPr id="22" name="Rectangle 21">
+            <a:extLst>
+              <a:ext uri="{FF2B5EF4-FFF2-40B4-BE49-F238E27FC236}">
+                <a16:creationId xmlns:a16="http://schemas.microsoft.com/office/drawing/2014/main" id="{202A25CB-1ED1-4C87-AB49-8D3BC684D1CE}"/>
+              </a:ext>
+              <a:ext uri="{C183D7F6-B498-43B3-948B-1728B52AA6E4}">
+                <adec:decorative xmlns:adec="http://schemas.microsoft.com/office/drawing/2017/decorative" val="1"/>
+              </a:ext>
+            </a:extLst>
+          </p:cNvPr>
+          <p:cNvSpPr>
+            <a:spLocks noGrp="1" noRot="1" noChangeAspect="1" noMove="1" noResize="1" noEditPoints="1" noAdjustHandles="1" noChangeArrowheads="1" noChangeShapeType="1" noTextEdit="1"/>
+          </p:cNvSpPr>
+          <p:nvPr>
+            <p:extLst>
+              <p:ext uri="{386F3935-93C4-4BCD-93E2-E3B085C9AB24}">
+                <p16:designElem xmlns:p16="http://schemas.microsoft.com/office/powerpoint/2015/main" val="1"/>
+              </p:ext>
+            </p:extLst>
+          </p:nvPr>
+        </p:nvSpPr>
+        <p:spPr>
+          <a:xfrm>
+            <a:off x="10437812" y="0"/>
+            <a:ext cx="685800" cy="1143000"/>
+          </a:xfrm>
+          <a:prstGeom prst="rect">
+            <a:avLst/>
+          </a:prstGeom>
+          <a:solidFill>
+            <a:schemeClr val="accent1"/>
+          </a:solidFill>
+          <a:ln>
+            <a:noFill/>
+          </a:ln>
+        </p:spPr>
+        <p:style>
+          <a:lnRef idx="1">
+            <a:schemeClr val="accent1"/>
+          </a:lnRef>
+          <a:fillRef idx="3">
+            <a:schemeClr val="accent1"/>
+          </a:fillRef>
+          <a:effectRef idx="2">
+            <a:schemeClr val="accent1"/>
+          </a:effectRef>
+          <a:fontRef idx="minor">
+            <a:schemeClr val="lt1"/>
+          </a:fontRef>
+        </p:style>
+        <p:txBody>
+          <a:bodyPr/>
+          <a:lstStyle/>
+          <a:p>
+            <a:endParaRPr lang="en-DK"/>
+          </a:p>
+        </p:txBody>
+      </p:sp>
+      <p:sp>
+        <p:nvSpPr>
+          <p:cNvPr id="2" name="Titel 1">
+            <a:extLst>
+              <a:ext uri="{FF2B5EF4-FFF2-40B4-BE49-F238E27FC236}">
+                <a16:creationId xmlns:a16="http://schemas.microsoft.com/office/drawing/2014/main" id="{7208B38B-A81D-19CC-EFE6-2677E1A72244}"/>
+              </a:ext>
+            </a:extLst>
+          </p:cNvPr>
+          <p:cNvSpPr>
+            <a:spLocks noGrp="1"/>
+          </p:cNvSpPr>
+          <p:nvPr>
+            <p:ph type="title"/>
+          </p:nvPr>
+        </p:nvSpPr>
+        <p:spPr>
+          <a:xfrm>
+            <a:off x="7400518" y="1447800"/>
+            <a:ext cx="4143781" cy="3096987"/>
+          </a:xfrm>
+        </p:spPr>
+        <p:txBody>
+          <a:bodyPr vert="horz" lIns="91440" tIns="45720" rIns="91440" bIns="45720" rtlCol="0" anchor="b">
+            <a:normAutofit/>
+          </a:bodyPr>
+          <a:lstStyle/>
+          <a:p>
+            <a:r>
+              <a:rPr lang="en-US" sz="5400"/>
+              <a:t>Bootmode</a:t>
+            </a:r>
+          </a:p>
+        </p:txBody>
+      </p:sp>
+      <p:sp>
+        <p:nvSpPr>
+          <p:cNvPr id="24" name="Freeform: Shape 23">
+            <a:extLst>
+              <a:ext uri="{FF2B5EF4-FFF2-40B4-BE49-F238E27FC236}">
+                <a16:creationId xmlns:a16="http://schemas.microsoft.com/office/drawing/2014/main" id="{D68108A9-1C65-4950-B8D3-D53A8ED976DA}"/>
+              </a:ext>
+              <a:ext uri="{C183D7F6-B498-43B3-948B-1728B52AA6E4}">
+                <adec:decorative xmlns:adec="http://schemas.microsoft.com/office/drawing/2017/decorative" val="1"/>
+              </a:ext>
+            </a:extLst>
+          </p:cNvPr>
+          <p:cNvSpPr>
+            <a:spLocks noGrp="1" noRot="1" noChangeAspect="1" noMove="1" noResize="1" noEditPoints="1" noAdjustHandles="1" noChangeArrowheads="1" noChangeShapeType="1" noTextEdit="1"/>
+          </p:cNvSpPr>
+          <p:nvPr>
+            <p:extLst>
+              <p:ext uri="{386F3935-93C4-4BCD-93E2-E3B085C9AB24}">
+                <p16:designElem xmlns:p16="http://schemas.microsoft.com/office/powerpoint/2015/main" val="1"/>
+              </p:ext>
+            </p:extLst>
+          </p:nvPr>
+        </p:nvSpPr>
+        <p:spPr>
+          <a:xfrm>
+            <a:off x="0" y="0"/>
+            <a:ext cx="6995919" cy="6858000"/>
+          </a:xfrm>
+          <a:custGeom>
+            <a:avLst/>
+            <a:gdLst>
+              <a:gd name="connsiteX0" fmla="*/ 5651204 w 6995919"/>
+              <a:gd name="connsiteY0" fmla="*/ 0 h 6858000"/>
+              <a:gd name="connsiteX1" fmla="*/ 6994742 w 6995919"/>
+              <a:gd name="connsiteY1" fmla="*/ 0 h 6858000"/>
+              <a:gd name="connsiteX2" fmla="*/ 6969697 w 6995919"/>
+              <a:gd name="connsiteY2" fmla="*/ 155676 h 6858000"/>
+              <a:gd name="connsiteX3" fmla="*/ 6945828 w 6995919"/>
+              <a:gd name="connsiteY3" fmla="*/ 310667 h 6858000"/>
+              <a:gd name="connsiteX4" fmla="*/ 6922464 w 6995919"/>
+              <a:gd name="connsiteY4" fmla="*/ 466344 h 6858000"/>
+              <a:gd name="connsiteX5" fmla="*/ 6902461 w 6995919"/>
+              <a:gd name="connsiteY5" fmla="*/ 622706 h 6858000"/>
+              <a:gd name="connsiteX6" fmla="*/ 6882290 w 6995919"/>
+              <a:gd name="connsiteY6" fmla="*/ 778383 h 6858000"/>
+              <a:gd name="connsiteX7" fmla="*/ 6863464 w 6995919"/>
+              <a:gd name="connsiteY7" fmla="*/ 934745 h 6858000"/>
+              <a:gd name="connsiteX8" fmla="*/ 6847328 w 6995919"/>
+              <a:gd name="connsiteY8" fmla="*/ 1089050 h 6858000"/>
+              <a:gd name="connsiteX9" fmla="*/ 6832032 w 6995919"/>
+              <a:gd name="connsiteY9" fmla="*/ 1245413 h 6858000"/>
+              <a:gd name="connsiteX10" fmla="*/ 6818080 w 6995919"/>
+              <a:gd name="connsiteY10" fmla="*/ 1401089 h 6858000"/>
+              <a:gd name="connsiteX11" fmla="*/ 6805978 w 6995919"/>
+              <a:gd name="connsiteY11" fmla="*/ 1554023 h 6858000"/>
+              <a:gd name="connsiteX12" fmla="*/ 6793875 w 6995919"/>
+              <a:gd name="connsiteY12" fmla="*/ 1709013 h 6858000"/>
+              <a:gd name="connsiteX13" fmla="*/ 6783790 w 6995919"/>
+              <a:gd name="connsiteY13" fmla="*/ 1861947 h 6858000"/>
+              <a:gd name="connsiteX14" fmla="*/ 6775890 w 6995919"/>
+              <a:gd name="connsiteY14" fmla="*/ 2014880 h 6858000"/>
+              <a:gd name="connsiteX15" fmla="*/ 6767653 w 6995919"/>
+              <a:gd name="connsiteY15" fmla="*/ 2167128 h 6858000"/>
+              <a:gd name="connsiteX16" fmla="*/ 6760762 w 6995919"/>
+              <a:gd name="connsiteY16" fmla="*/ 2318004 h 6858000"/>
+              <a:gd name="connsiteX17" fmla="*/ 6755887 w 6995919"/>
+              <a:gd name="connsiteY17" fmla="*/ 2467508 h 6858000"/>
+              <a:gd name="connsiteX18" fmla="*/ 6751685 w 6995919"/>
+              <a:gd name="connsiteY18" fmla="*/ 2617013 h 6858000"/>
+              <a:gd name="connsiteX19" fmla="*/ 6747651 w 6995919"/>
+              <a:gd name="connsiteY19" fmla="*/ 2765145 h 6858000"/>
+              <a:gd name="connsiteX20" fmla="*/ 6745802 w 6995919"/>
+              <a:gd name="connsiteY20" fmla="*/ 2911221 h 6858000"/>
+              <a:gd name="connsiteX21" fmla="*/ 6743785 w 6995919"/>
+              <a:gd name="connsiteY21" fmla="*/ 3057296 h 6858000"/>
+              <a:gd name="connsiteX22" fmla="*/ 6742776 w 6995919"/>
+              <a:gd name="connsiteY22" fmla="*/ 3201314 h 6858000"/>
+              <a:gd name="connsiteX23" fmla="*/ 6743785 w 6995919"/>
+              <a:gd name="connsiteY23" fmla="*/ 3343960 h 6858000"/>
+              <a:gd name="connsiteX24" fmla="*/ 6743785 w 6995919"/>
+              <a:gd name="connsiteY24" fmla="*/ 3485235 h 6858000"/>
+              <a:gd name="connsiteX25" fmla="*/ 6745802 w 6995919"/>
+              <a:gd name="connsiteY25" fmla="*/ 3625138 h 6858000"/>
+              <a:gd name="connsiteX26" fmla="*/ 6748827 w 6995919"/>
+              <a:gd name="connsiteY26" fmla="*/ 3762298 h 6858000"/>
+              <a:gd name="connsiteX27" fmla="*/ 6751685 w 6995919"/>
+              <a:gd name="connsiteY27" fmla="*/ 3898087 h 6858000"/>
+              <a:gd name="connsiteX28" fmla="*/ 6754879 w 6995919"/>
+              <a:gd name="connsiteY28" fmla="*/ 4031132 h 6858000"/>
+              <a:gd name="connsiteX29" fmla="*/ 6759753 w 6995919"/>
+              <a:gd name="connsiteY29" fmla="*/ 4163491 h 6858000"/>
+              <a:gd name="connsiteX30" fmla="*/ 6764964 w 6995919"/>
+              <a:gd name="connsiteY30" fmla="*/ 4293793 h 6858000"/>
+              <a:gd name="connsiteX31" fmla="*/ 6769670 w 6995919"/>
+              <a:gd name="connsiteY31" fmla="*/ 4421352 h 6858000"/>
+              <a:gd name="connsiteX32" fmla="*/ 6782950 w 6995919"/>
+              <a:gd name="connsiteY32" fmla="*/ 4670298 h 6858000"/>
+              <a:gd name="connsiteX33" fmla="*/ 6797069 w 6995919"/>
+              <a:gd name="connsiteY33" fmla="*/ 4908956 h 6858000"/>
+              <a:gd name="connsiteX34" fmla="*/ 6811861 w 6995919"/>
+              <a:gd name="connsiteY34" fmla="*/ 5138013 h 6858000"/>
+              <a:gd name="connsiteX35" fmla="*/ 6828166 w 6995919"/>
+              <a:gd name="connsiteY35" fmla="*/ 5354726 h 6858000"/>
+              <a:gd name="connsiteX36" fmla="*/ 6845143 w 6995919"/>
+              <a:gd name="connsiteY36" fmla="*/ 5561838 h 6858000"/>
+              <a:gd name="connsiteX37" fmla="*/ 6863464 w 6995919"/>
+              <a:gd name="connsiteY37" fmla="*/ 5753862 h 6858000"/>
+              <a:gd name="connsiteX38" fmla="*/ 6881450 w 6995919"/>
+              <a:gd name="connsiteY38" fmla="*/ 5934227 h 6858000"/>
+              <a:gd name="connsiteX39" fmla="*/ 6899435 w 6995919"/>
+              <a:gd name="connsiteY39" fmla="*/ 6100191 h 6858000"/>
+              <a:gd name="connsiteX40" fmla="*/ 6916412 w 6995919"/>
+              <a:gd name="connsiteY40" fmla="*/ 6252438 h 6858000"/>
+              <a:gd name="connsiteX41" fmla="*/ 6932549 w 6995919"/>
+              <a:gd name="connsiteY41" fmla="*/ 6387541 h 6858000"/>
+              <a:gd name="connsiteX42" fmla="*/ 6947845 w 6995919"/>
+              <a:gd name="connsiteY42" fmla="*/ 6509613 h 6858000"/>
+              <a:gd name="connsiteX43" fmla="*/ 6960620 w 6995919"/>
+              <a:gd name="connsiteY43" fmla="*/ 6612483 h 6858000"/>
+              <a:gd name="connsiteX44" fmla="*/ 6972722 w 6995919"/>
+              <a:gd name="connsiteY44" fmla="*/ 6698894 h 6858000"/>
+              <a:gd name="connsiteX45" fmla="*/ 6990036 w 6995919"/>
+              <a:gd name="connsiteY45" fmla="*/ 6817538 h 6858000"/>
+              <a:gd name="connsiteX46" fmla="*/ 6995919 w 6995919"/>
+              <a:gd name="connsiteY46" fmla="*/ 6858000 h 6858000"/>
+              <a:gd name="connsiteX47" fmla="*/ 6090565 w 6995919"/>
+              <a:gd name="connsiteY47" fmla="*/ 6858000 h 6858000"/>
+              <a:gd name="connsiteX48" fmla="*/ 6090565 w 6995919"/>
+              <a:gd name="connsiteY48" fmla="*/ 6858000 h 6858000"/>
+              <a:gd name="connsiteX49" fmla="*/ 0 w 6995919"/>
+              <a:gd name="connsiteY49" fmla="*/ 6858000 h 6858000"/>
+              <a:gd name="connsiteX50" fmla="*/ 0 w 6995919"/>
+              <a:gd name="connsiteY50" fmla="*/ 0 h 6858000"/>
+              <a:gd name="connsiteX51" fmla="*/ 5651204 w 6995919"/>
+              <a:gd name="connsiteY51" fmla="*/ 0 h 6858000"/>
+            </a:gdLst>
+            <a:ahLst/>
+            <a:cxnLst>
+              <a:cxn ang="0">
+                <a:pos x="connsiteX0" y="connsiteY0"/>
+              </a:cxn>
+              <a:cxn ang="0">
+                <a:pos x="connsiteX1" y="connsiteY1"/>
+              </a:cxn>
+              <a:cxn ang="0">
+                <a:pos x="connsiteX2" y="connsiteY2"/>
+              </a:cxn>
+              <a:cxn ang="0">
+                <a:pos x="connsiteX3" y="connsiteY3"/>
+              </a:cxn>
+              <a:cxn ang="0">
+                <a:pos x="connsiteX4" y="connsiteY4"/>
+              </a:cxn>
+              <a:cxn ang="0">
+                <a:pos x="connsiteX5" y="connsiteY5"/>
+              </a:cxn>
+              <a:cxn ang="0">
+                <a:pos x="connsiteX6" y="connsiteY6"/>
+              </a:cxn>
+              <a:cxn ang="0">
+                <a:pos x="connsiteX7" y="connsiteY7"/>
+              </a:cxn>
+              <a:cxn ang="0">
+                <a:pos x="connsiteX8" y="connsiteY8"/>
+              </a:cxn>
+              <a:cxn ang="0">
+                <a:pos x="connsiteX9" y="connsiteY9"/>
+              </a:cxn>
+              <a:cxn ang="0">
+                <a:pos x="connsiteX10" y="connsiteY10"/>
+              </a:cxn>
+              <a:cxn ang="0">
+                <a:pos x="connsiteX11" y="connsiteY11"/>
+              </a:cxn>
+              <a:cxn ang="0">
+                <a:pos x="connsiteX12" y="connsiteY12"/>
+              </a:cxn>
+              <a:cxn ang="0">
+                <a:pos x="connsiteX13" y="connsiteY13"/>
+              </a:cxn>
+              <a:cxn ang="0">
+                <a:pos x="connsiteX14" y="connsiteY14"/>
+              </a:cxn>
+              <a:cxn ang="0">
+                <a:pos x="connsiteX15" y="connsiteY15"/>
+              </a:cxn>
+              <a:cxn ang="0">
+                <a:pos x="connsiteX16" y="connsiteY16"/>
+              </a:cxn>
+              <a:cxn ang="0">
+                <a:pos x="connsiteX17" y="connsiteY17"/>
+              </a:cxn>
+              <a:cxn ang="0">
+                <a:pos x="connsiteX18" y="connsiteY18"/>
+              </a:cxn>
+              <a:cxn ang="0">
+                <a:pos x="connsiteX19" y="connsiteY19"/>
+              </a:cxn>
+              <a:cxn ang="0">
+                <a:pos x="connsiteX20" y="connsiteY20"/>
+              </a:cxn>
+              <a:cxn ang="0">
+                <a:pos x="connsiteX21" y="connsiteY21"/>
+              </a:cxn>
+              <a:cxn ang="0">
+                <a:pos x="connsiteX22" y="connsiteY22"/>
+              </a:cxn>
+              <a:cxn ang="0">
+                <a:pos x="connsiteX23" y="connsiteY23"/>
+              </a:cxn>
+              <a:cxn ang="0">
+                <a:pos x="connsiteX24" y="connsiteY24"/>
+              </a:cxn>
+              <a:cxn ang="0">
+                <a:pos x="connsiteX25" y="connsiteY25"/>
+              </a:cxn>
+              <a:cxn ang="0">
+                <a:pos x="connsiteX26" y="connsiteY26"/>
+              </a:cxn>
+              <a:cxn ang="0">
+                <a:pos x="connsiteX27" y="connsiteY27"/>
+              </a:cxn>
+              <a:cxn ang="0">
+                <a:pos x="connsiteX28" y="connsiteY28"/>
+              </a:cxn>
+              <a:cxn ang="0">
+                <a:pos x="connsiteX29" y="connsiteY29"/>
+              </a:cxn>
+              <a:cxn ang="0">
+                <a:pos x="connsiteX30" y="connsiteY30"/>
+              </a:cxn>
+              <a:cxn ang="0">
+                <a:pos x="connsiteX31" y="connsiteY31"/>
+              </a:cxn>
+              <a:cxn ang="0">
+                <a:pos x="connsiteX32" y="connsiteY32"/>
+              </a:cxn>
+              <a:cxn ang="0">
+                <a:pos x="connsiteX33" y="connsiteY33"/>
+              </a:cxn>
+              <a:cxn ang="0">
+                <a:pos x="connsiteX34" y="connsiteY34"/>
+              </a:cxn>
+              <a:cxn ang="0">
+                <a:pos x="connsiteX35" y="connsiteY35"/>
+              </a:cxn>
+              <a:cxn ang="0">
+                <a:pos x="connsiteX36" y="connsiteY36"/>
+              </a:cxn>
+              <a:cxn ang="0">
+                <a:pos x="connsiteX37" y="connsiteY37"/>
+              </a:cxn>
+              <a:cxn ang="0">
+                <a:pos x="connsiteX38" y="connsiteY38"/>
+              </a:cxn>
+              <a:cxn ang="0">
+                <a:pos x="connsiteX39" y="connsiteY39"/>
+              </a:cxn>
+              <a:cxn ang="0">
+                <a:pos x="connsiteX40" y="connsiteY40"/>
+              </a:cxn>
+              <a:cxn ang="0">
+                <a:pos x="connsiteX41" y="connsiteY41"/>
+              </a:cxn>
+              <a:cxn ang="0">
+                <a:pos x="connsiteX42" y="connsiteY42"/>
+              </a:cxn>
+              <a:cxn ang="0">
+                <a:pos x="connsiteX43" y="connsiteY43"/>
+              </a:cxn>
+              <a:cxn ang="0">
+                <a:pos x="connsiteX44" y="connsiteY44"/>
+              </a:cxn>
+              <a:cxn ang="0">
+                <a:pos x="connsiteX45" y="connsiteY45"/>
+              </a:cxn>
+              <a:cxn ang="0">
+                <a:pos x="connsiteX46" y="connsiteY46"/>
+              </a:cxn>
+              <a:cxn ang="0">
+                <a:pos x="connsiteX47" y="connsiteY47"/>
+              </a:cxn>
+              <a:cxn ang="0">
+                <a:pos x="connsiteX48" y="connsiteY48"/>
+              </a:cxn>
+              <a:cxn ang="0">
+                <a:pos x="connsiteX49" y="connsiteY49"/>
+              </a:cxn>
+              <a:cxn ang="0">
+                <a:pos x="connsiteX50" y="connsiteY50"/>
+              </a:cxn>
+              <a:cxn ang="0">
+                <a:pos x="connsiteX51" y="connsiteY51"/>
+              </a:cxn>
+            </a:cxnLst>
+            <a:rect l="l" t="t" r="r" b="b"/>
+            <a:pathLst>
+              <a:path w="6995919" h="6858000">
+                <a:moveTo>
+                  <a:pt x="5651204" y="0"/>
+                </a:moveTo>
+                <a:lnTo>
+                  <a:pt x="6994742" y="0"/>
+                </a:lnTo>
+                <a:lnTo>
+                  <a:pt x="6969697" y="155676"/>
+                </a:lnTo>
+                <a:lnTo>
+                  <a:pt x="6945828" y="310667"/>
+                </a:lnTo>
+                <a:lnTo>
+                  <a:pt x="6922464" y="466344"/>
+                </a:lnTo>
+                <a:lnTo>
+                  <a:pt x="6902461" y="622706"/>
+                </a:lnTo>
+                <a:lnTo>
+                  <a:pt x="6882290" y="778383"/>
+                </a:lnTo>
+                <a:lnTo>
+                  <a:pt x="6863464" y="934745"/>
+                </a:lnTo>
+                <a:lnTo>
+                  <a:pt x="6847328" y="1089050"/>
+                </a:lnTo>
+                <a:lnTo>
+                  <a:pt x="6832032" y="1245413"/>
+                </a:lnTo>
+                <a:lnTo>
+                  <a:pt x="6818080" y="1401089"/>
+                </a:lnTo>
+                <a:lnTo>
+                  <a:pt x="6805978" y="1554023"/>
+                </a:lnTo>
+                <a:lnTo>
+                  <a:pt x="6793875" y="1709013"/>
+                </a:lnTo>
+                <a:lnTo>
+                  <a:pt x="6783790" y="1861947"/>
+                </a:lnTo>
+                <a:lnTo>
+                  <a:pt x="6775890" y="2014880"/>
+                </a:lnTo>
+                <a:lnTo>
+                  <a:pt x="6767653" y="2167128"/>
+                </a:lnTo>
+                <a:lnTo>
+                  <a:pt x="6760762" y="2318004"/>
+                </a:lnTo>
+                <a:lnTo>
+                  <a:pt x="6755887" y="2467508"/>
+                </a:lnTo>
+                <a:lnTo>
+                  <a:pt x="6751685" y="2617013"/>
+                </a:lnTo>
+                <a:lnTo>
+                  <a:pt x="6747651" y="2765145"/>
+                </a:lnTo>
+                <a:lnTo>
+                  <a:pt x="6745802" y="2911221"/>
+                </a:lnTo>
+                <a:lnTo>
+                  <a:pt x="6743785" y="3057296"/>
+                </a:lnTo>
+                <a:lnTo>
+                  <a:pt x="6742776" y="3201314"/>
+                </a:lnTo>
+                <a:lnTo>
+                  <a:pt x="6743785" y="3343960"/>
+                </a:lnTo>
+                <a:lnTo>
+                  <a:pt x="6743785" y="3485235"/>
+                </a:lnTo>
+                <a:lnTo>
+                  <a:pt x="6745802" y="3625138"/>
+                </a:lnTo>
+                <a:lnTo>
+                  <a:pt x="6748827" y="3762298"/>
+                </a:lnTo>
+                <a:lnTo>
+                  <a:pt x="6751685" y="3898087"/>
+                </a:lnTo>
+                <a:lnTo>
+                  <a:pt x="6754879" y="4031132"/>
+                </a:lnTo>
+                <a:lnTo>
+                  <a:pt x="6759753" y="4163491"/>
+                </a:lnTo>
+                <a:lnTo>
+                  <a:pt x="6764964" y="4293793"/>
+                </a:lnTo>
+                <a:lnTo>
+                  <a:pt x="6769670" y="4421352"/>
+                </a:lnTo>
+                <a:lnTo>
+                  <a:pt x="6782950" y="4670298"/>
+                </a:lnTo>
+                <a:lnTo>
+                  <a:pt x="6797069" y="4908956"/>
+                </a:lnTo>
+                <a:lnTo>
+                  <a:pt x="6811861" y="5138013"/>
+                </a:lnTo>
+                <a:lnTo>
+                  <a:pt x="6828166" y="5354726"/>
+                </a:lnTo>
+                <a:lnTo>
+                  <a:pt x="6845143" y="5561838"/>
+                </a:lnTo>
+                <a:lnTo>
+                  <a:pt x="6863464" y="5753862"/>
+                </a:lnTo>
+                <a:lnTo>
+                  <a:pt x="6881450" y="5934227"/>
+                </a:lnTo>
+                <a:lnTo>
+                  <a:pt x="6899435" y="6100191"/>
+                </a:lnTo>
+                <a:lnTo>
+                  <a:pt x="6916412" y="6252438"/>
+                </a:lnTo>
+                <a:lnTo>
+                  <a:pt x="6932549" y="6387541"/>
+                </a:lnTo>
+                <a:lnTo>
+                  <a:pt x="6947845" y="6509613"/>
+                </a:lnTo>
+                <a:lnTo>
+                  <a:pt x="6960620" y="6612483"/>
+                </a:lnTo>
+                <a:lnTo>
+                  <a:pt x="6972722" y="6698894"/>
+                </a:lnTo>
+                <a:lnTo>
+                  <a:pt x="6990036" y="6817538"/>
+                </a:lnTo>
+                <a:lnTo>
+                  <a:pt x="6995919" y="6858000"/>
+                </a:lnTo>
+                <a:lnTo>
+                  <a:pt x="6090565" y="6858000"/>
+                </a:lnTo>
+                <a:lnTo>
+                  <a:pt x="6090565" y="6858000"/>
+                </a:lnTo>
+                <a:lnTo>
+                  <a:pt x="0" y="6858000"/>
+                </a:lnTo>
+                <a:lnTo>
+                  <a:pt x="0" y="0"/>
+                </a:lnTo>
+                <a:lnTo>
+                  <a:pt x="5651204" y="0"/>
+                </a:lnTo>
+                <a:close/>
+              </a:path>
+            </a:pathLst>
+          </a:custGeom>
+          <a:solidFill>
+            <a:srgbClr val="FFFFFF"/>
+          </a:solidFill>
           <a:ln>
             <a:noFill/>
           </a:ln>
@@ -19903,8 +20709,8 @@
               <a:shade val="50000"/>
             </a:schemeClr>
           </a:lnRef>
-          <a:fillRef idx="1003">
-            <a:schemeClr val="dk2"/>
+          <a:fillRef idx="1">
+            <a:schemeClr val="accent1"/>
           </a:fillRef>
           <a:effectRef idx="0">
             <a:schemeClr val="accent1"/>
@@ -19914,7 +20720,9 @@
           </a:fontRef>
         </p:style>
         <p:txBody>
-          <a:bodyPr rtlCol="0" anchor="ctr"/>
+          <a:bodyPr wrap="square" rtlCol="0" anchor="ctr">
+            <a:noAutofit/>
+          </a:bodyPr>
           <a:lstStyle/>
           <a:p>
             <a:pPr algn="ctr"/>
@@ -19922,12 +20730,43 @@
           </a:p>
         </p:txBody>
       </p:sp>
+      <p:pic>
+        <p:nvPicPr>
+          <p:cNvPr id="7" name="Billede 6" descr="Et billede, der indeholder tekst, skærmbillede, Font/skrifttype&#10;&#10;Indhold genereret af kunstig intelligens kan være forkert.">
+            <a:extLst>
+              <a:ext uri="{FF2B5EF4-FFF2-40B4-BE49-F238E27FC236}">
+                <a16:creationId xmlns:a16="http://schemas.microsoft.com/office/drawing/2014/main" id="{F9CB4EB9-FEE9-00B6-C80B-D267FC3CA820}"/>
+              </a:ext>
+            </a:extLst>
+          </p:cNvPr>
+          <p:cNvPicPr>
+            <a:picLocks noChangeAspect="1"/>
+          </p:cNvPicPr>
+          <p:nvPr/>
+        </p:nvPicPr>
+        <p:blipFill>
+          <a:blip r:embed="rId7"/>
+          <a:stretch>
+            <a:fillRect/>
+          </a:stretch>
+        </p:blipFill>
+        <p:spPr>
+          <a:xfrm>
+            <a:off x="643855" y="1118173"/>
+            <a:ext cx="5454404" cy="1786316"/>
+          </a:xfrm>
+          <a:prstGeom prst="rect">
+            <a:avLst/>
+          </a:prstGeom>
+          <a:effectLst/>
+        </p:spPr>
+      </p:pic>
       <p:sp>
         <p:nvSpPr>
-          <p:cNvPr id="10" name="Freeform 36">
+          <p:cNvPr id="26" name="Freeform 27">
             <a:extLst>
               <a:ext uri="{FF2B5EF4-FFF2-40B4-BE49-F238E27FC236}">
-                <a16:creationId xmlns:a16="http://schemas.microsoft.com/office/drawing/2014/main" id="{BB237A14-61B1-4C00-A670-5D8D68A8668E}"/>
+                <a16:creationId xmlns:a16="http://schemas.microsoft.com/office/drawing/2014/main" id="{6F1C2839-EFB8-47B3-9488-B0F191886DBA}"/>
               </a:ext>
               <a:ext uri="{C183D7F6-B498-43B3-948B-1728B52AA6E4}">
                 <adec:decorative xmlns:adec="http://schemas.microsoft.com/office/drawing/2017/decorative" val="1"/>
@@ -19947,7 +20786,7 @@
         </p:nvSpPr>
         <p:spPr>
           <a:xfrm flipH="1">
-            <a:off x="4644637" y="0"/>
+            <a:off x="6649646" y="-1"/>
             <a:ext cx="559472" cy="3709642"/>
           </a:xfrm>
           <a:custGeom>
@@ -20257,7 +21096,7 @@
             </a:pathLst>
           </a:custGeom>
           <a:solidFill>
-            <a:schemeClr val="tx2">
+            <a:schemeClr val="tx1">
               <a:alpha val="20000"/>
             </a:schemeClr>
           </a:solidFill>
@@ -20274,1642 +21113,46 @@
           </a:p>
         </p:txBody>
       </p:sp>
-      <p:sp>
-        <p:nvSpPr>
-          <p:cNvPr id="12" name="Freeform: Shape 11">
+      <p:pic>
+        <p:nvPicPr>
+          <p:cNvPr id="5" name="Billede 4" descr="Et billede, der indeholder tekst, skærmbillede, software, Font/skrifttype&#10;&#10;Indhold genereret af kunstig intelligens kan være forkert.">
             <a:extLst>
               <a:ext uri="{FF2B5EF4-FFF2-40B4-BE49-F238E27FC236}">
-                <a16:creationId xmlns:a16="http://schemas.microsoft.com/office/drawing/2014/main" id="{8598F259-6F54-47A3-8D13-1603D786A328}"/>
-              </a:ext>
-              <a:ext uri="{C183D7F6-B498-43B3-948B-1728B52AA6E4}">
-                <adec:decorative xmlns:adec="http://schemas.microsoft.com/office/drawing/2017/decorative" val="1"/>
+                <a16:creationId xmlns:a16="http://schemas.microsoft.com/office/drawing/2014/main" id="{35645AD6-B96C-348D-EB38-FECF80C7CD72}"/>
               </a:ext>
             </a:extLst>
           </p:cNvPr>
-          <p:cNvSpPr>
-            <a:spLocks noGrp="1" noRot="1" noChangeAspect="1" noMove="1" noResize="1" noEditPoints="1" noAdjustHandles="1" noChangeArrowheads="1" noChangeShapeType="1" noTextEdit="1"/>
-          </p:cNvSpPr>
-          <p:nvPr>
-            <p:extLst>
-              <p:ext uri="{386F3935-93C4-4BCD-93E2-E3B085C9AB24}">
-                <p16:designElem xmlns:p16="http://schemas.microsoft.com/office/powerpoint/2015/main" val="1"/>
-              </p:ext>
-            </p:extLst>
-          </p:nvPr>
-        </p:nvSpPr>
+          <p:cNvPicPr>
+            <a:picLocks noChangeAspect="1"/>
+          </p:cNvPicPr>
+          <p:nvPr/>
+        </p:nvPicPr>
+        <p:blipFill>
+          <a:blip r:embed="rId8"/>
+          <a:stretch>
+            <a:fillRect/>
+          </a:stretch>
+        </p:blipFill>
         <p:spPr>
           <a:xfrm>
-            <a:off x="1" y="1"/>
-            <a:ext cx="4990911" cy="6858001"/>
-          </a:xfrm>
-          <a:custGeom>
-            <a:avLst/>
-            <a:gdLst>
-              <a:gd name="connsiteX0" fmla="*/ 3646196 w 4990911"/>
-              <a:gd name="connsiteY0" fmla="*/ 0 h 6858001"/>
-              <a:gd name="connsiteX1" fmla="*/ 4989734 w 4990911"/>
-              <a:gd name="connsiteY1" fmla="*/ 0 h 6858001"/>
-              <a:gd name="connsiteX2" fmla="*/ 4964689 w 4990911"/>
-              <a:gd name="connsiteY2" fmla="*/ 155677 h 6858001"/>
-              <a:gd name="connsiteX3" fmla="*/ 4940820 w 4990911"/>
-              <a:gd name="connsiteY3" fmla="*/ 310668 h 6858001"/>
-              <a:gd name="connsiteX4" fmla="*/ 4917456 w 4990911"/>
-              <a:gd name="connsiteY4" fmla="*/ 466344 h 6858001"/>
-              <a:gd name="connsiteX5" fmla="*/ 4897453 w 4990911"/>
-              <a:gd name="connsiteY5" fmla="*/ 622707 h 6858001"/>
-              <a:gd name="connsiteX6" fmla="*/ 4877282 w 4990911"/>
-              <a:gd name="connsiteY6" fmla="*/ 778383 h 6858001"/>
-              <a:gd name="connsiteX7" fmla="*/ 4858456 w 4990911"/>
-              <a:gd name="connsiteY7" fmla="*/ 934746 h 6858001"/>
-              <a:gd name="connsiteX8" fmla="*/ 4842320 w 4990911"/>
-              <a:gd name="connsiteY8" fmla="*/ 1089051 h 6858001"/>
-              <a:gd name="connsiteX9" fmla="*/ 4827024 w 4990911"/>
-              <a:gd name="connsiteY9" fmla="*/ 1245413 h 6858001"/>
-              <a:gd name="connsiteX10" fmla="*/ 4813072 w 4990911"/>
-              <a:gd name="connsiteY10" fmla="*/ 1401090 h 6858001"/>
-              <a:gd name="connsiteX11" fmla="*/ 4800970 w 4990911"/>
-              <a:gd name="connsiteY11" fmla="*/ 1554023 h 6858001"/>
-              <a:gd name="connsiteX12" fmla="*/ 4788867 w 4990911"/>
-              <a:gd name="connsiteY12" fmla="*/ 1709014 h 6858001"/>
-              <a:gd name="connsiteX13" fmla="*/ 4778782 w 4990911"/>
-              <a:gd name="connsiteY13" fmla="*/ 1861947 h 6858001"/>
-              <a:gd name="connsiteX14" fmla="*/ 4770882 w 4990911"/>
-              <a:gd name="connsiteY14" fmla="*/ 2014881 h 6858001"/>
-              <a:gd name="connsiteX15" fmla="*/ 4762645 w 4990911"/>
-              <a:gd name="connsiteY15" fmla="*/ 2167128 h 6858001"/>
-              <a:gd name="connsiteX16" fmla="*/ 4755754 w 4990911"/>
-              <a:gd name="connsiteY16" fmla="*/ 2318004 h 6858001"/>
-              <a:gd name="connsiteX17" fmla="*/ 4750879 w 4990911"/>
-              <a:gd name="connsiteY17" fmla="*/ 2467509 h 6858001"/>
-              <a:gd name="connsiteX18" fmla="*/ 4746677 w 4990911"/>
-              <a:gd name="connsiteY18" fmla="*/ 2617013 h 6858001"/>
-              <a:gd name="connsiteX19" fmla="*/ 4742643 w 4990911"/>
-              <a:gd name="connsiteY19" fmla="*/ 2765146 h 6858001"/>
-              <a:gd name="connsiteX20" fmla="*/ 4740794 w 4990911"/>
-              <a:gd name="connsiteY20" fmla="*/ 2911221 h 6858001"/>
-              <a:gd name="connsiteX21" fmla="*/ 4738777 w 4990911"/>
-              <a:gd name="connsiteY21" fmla="*/ 3057297 h 6858001"/>
-              <a:gd name="connsiteX22" fmla="*/ 4737768 w 4990911"/>
-              <a:gd name="connsiteY22" fmla="*/ 3201315 h 6858001"/>
-              <a:gd name="connsiteX23" fmla="*/ 4738777 w 4990911"/>
-              <a:gd name="connsiteY23" fmla="*/ 3343961 h 6858001"/>
-              <a:gd name="connsiteX24" fmla="*/ 4738777 w 4990911"/>
-              <a:gd name="connsiteY24" fmla="*/ 3485236 h 6858001"/>
-              <a:gd name="connsiteX25" fmla="*/ 4740794 w 4990911"/>
-              <a:gd name="connsiteY25" fmla="*/ 3625139 h 6858001"/>
-              <a:gd name="connsiteX26" fmla="*/ 4743819 w 4990911"/>
-              <a:gd name="connsiteY26" fmla="*/ 3762299 h 6858001"/>
-              <a:gd name="connsiteX27" fmla="*/ 4746677 w 4990911"/>
-              <a:gd name="connsiteY27" fmla="*/ 3898087 h 6858001"/>
-              <a:gd name="connsiteX28" fmla="*/ 4749871 w 4990911"/>
-              <a:gd name="connsiteY28" fmla="*/ 4031133 h 6858001"/>
-              <a:gd name="connsiteX29" fmla="*/ 4754745 w 4990911"/>
-              <a:gd name="connsiteY29" fmla="*/ 4163492 h 6858001"/>
-              <a:gd name="connsiteX30" fmla="*/ 4759956 w 4990911"/>
-              <a:gd name="connsiteY30" fmla="*/ 4293793 h 6858001"/>
-              <a:gd name="connsiteX31" fmla="*/ 4764662 w 4990911"/>
-              <a:gd name="connsiteY31" fmla="*/ 4421352 h 6858001"/>
-              <a:gd name="connsiteX32" fmla="*/ 4777942 w 4990911"/>
-              <a:gd name="connsiteY32" fmla="*/ 4670298 h 6858001"/>
-              <a:gd name="connsiteX33" fmla="*/ 4792061 w 4990911"/>
-              <a:gd name="connsiteY33" fmla="*/ 4908956 h 6858001"/>
-              <a:gd name="connsiteX34" fmla="*/ 4806853 w 4990911"/>
-              <a:gd name="connsiteY34" fmla="*/ 5138013 h 6858001"/>
-              <a:gd name="connsiteX35" fmla="*/ 4823158 w 4990911"/>
-              <a:gd name="connsiteY35" fmla="*/ 5354726 h 6858001"/>
-              <a:gd name="connsiteX36" fmla="*/ 4840135 w 4990911"/>
-              <a:gd name="connsiteY36" fmla="*/ 5561838 h 6858001"/>
-              <a:gd name="connsiteX37" fmla="*/ 4858456 w 4990911"/>
-              <a:gd name="connsiteY37" fmla="*/ 5753862 h 6858001"/>
-              <a:gd name="connsiteX38" fmla="*/ 4876442 w 4990911"/>
-              <a:gd name="connsiteY38" fmla="*/ 5934227 h 6858001"/>
-              <a:gd name="connsiteX39" fmla="*/ 4894427 w 4990911"/>
-              <a:gd name="connsiteY39" fmla="*/ 6100191 h 6858001"/>
-              <a:gd name="connsiteX40" fmla="*/ 4911404 w 4990911"/>
-              <a:gd name="connsiteY40" fmla="*/ 6252438 h 6858001"/>
-              <a:gd name="connsiteX41" fmla="*/ 4927541 w 4990911"/>
-              <a:gd name="connsiteY41" fmla="*/ 6387541 h 6858001"/>
-              <a:gd name="connsiteX42" fmla="*/ 4942837 w 4990911"/>
-              <a:gd name="connsiteY42" fmla="*/ 6509613 h 6858001"/>
-              <a:gd name="connsiteX43" fmla="*/ 4955612 w 4990911"/>
-              <a:gd name="connsiteY43" fmla="*/ 6612483 h 6858001"/>
-              <a:gd name="connsiteX44" fmla="*/ 4967714 w 4990911"/>
-              <a:gd name="connsiteY44" fmla="*/ 6698894 h 6858001"/>
-              <a:gd name="connsiteX45" fmla="*/ 4985028 w 4990911"/>
-              <a:gd name="connsiteY45" fmla="*/ 6817538 h 6858001"/>
-              <a:gd name="connsiteX46" fmla="*/ 4990911 w 4990911"/>
-              <a:gd name="connsiteY46" fmla="*/ 6858000 h 6858001"/>
-              <a:gd name="connsiteX47" fmla="*/ 4085557 w 4990911"/>
-              <a:gd name="connsiteY47" fmla="*/ 6858000 h 6858001"/>
-              <a:gd name="connsiteX48" fmla="*/ 4085557 w 4990911"/>
-              <a:gd name="connsiteY48" fmla="*/ 6858001 h 6858001"/>
-              <a:gd name="connsiteX49" fmla="*/ 0 w 4990911"/>
-              <a:gd name="connsiteY49" fmla="*/ 6858001 h 6858001"/>
-              <a:gd name="connsiteX50" fmla="*/ 0 w 4990911"/>
-              <a:gd name="connsiteY50" fmla="*/ 1 h 6858001"/>
-              <a:gd name="connsiteX51" fmla="*/ 3646196 w 4990911"/>
-              <a:gd name="connsiteY51" fmla="*/ 1 h 6858001"/>
-            </a:gdLst>
-            <a:ahLst/>
-            <a:cxnLst>
-              <a:cxn ang="0">
-                <a:pos x="connsiteX0" y="connsiteY0"/>
-              </a:cxn>
-              <a:cxn ang="0">
-                <a:pos x="connsiteX1" y="connsiteY1"/>
-              </a:cxn>
-              <a:cxn ang="0">
-                <a:pos x="connsiteX2" y="connsiteY2"/>
-              </a:cxn>
-              <a:cxn ang="0">
-                <a:pos x="connsiteX3" y="connsiteY3"/>
-              </a:cxn>
-              <a:cxn ang="0">
-                <a:pos x="connsiteX4" y="connsiteY4"/>
-              </a:cxn>
-              <a:cxn ang="0">
-                <a:pos x="connsiteX5" y="connsiteY5"/>
-              </a:cxn>
-              <a:cxn ang="0">
-                <a:pos x="connsiteX6" y="connsiteY6"/>
-              </a:cxn>
-              <a:cxn ang="0">
-                <a:pos x="connsiteX7" y="connsiteY7"/>
-              </a:cxn>
-              <a:cxn ang="0">
-                <a:pos x="connsiteX8" y="connsiteY8"/>
-              </a:cxn>
-              <a:cxn ang="0">
-                <a:pos x="connsiteX9" y="connsiteY9"/>
-              </a:cxn>
-              <a:cxn ang="0">
-                <a:pos x="connsiteX10" y="connsiteY10"/>
-              </a:cxn>
-              <a:cxn ang="0">
-                <a:pos x="connsiteX11" y="connsiteY11"/>
-              </a:cxn>
-              <a:cxn ang="0">
-                <a:pos x="connsiteX12" y="connsiteY12"/>
-              </a:cxn>
-              <a:cxn ang="0">
-                <a:pos x="connsiteX13" y="connsiteY13"/>
-              </a:cxn>
-              <a:cxn ang="0">
-                <a:pos x="connsiteX14" y="connsiteY14"/>
-              </a:cxn>
-              <a:cxn ang="0">
-                <a:pos x="connsiteX15" y="connsiteY15"/>
-              </a:cxn>
-              <a:cxn ang="0">
-                <a:pos x="connsiteX16" y="connsiteY16"/>
-              </a:cxn>
-              <a:cxn ang="0">
-                <a:pos x="connsiteX17" y="connsiteY17"/>
-              </a:cxn>
-              <a:cxn ang="0">
-                <a:pos x="connsiteX18" y="connsiteY18"/>
-              </a:cxn>
-              <a:cxn ang="0">
-                <a:pos x="connsiteX19" y="connsiteY19"/>
-              </a:cxn>
-              <a:cxn ang="0">
-                <a:pos x="connsiteX20" y="connsiteY20"/>
-              </a:cxn>
-              <a:cxn ang="0">
-                <a:pos x="connsiteX21" y="connsiteY21"/>
-              </a:cxn>
-              <a:cxn ang="0">
-                <a:pos x="connsiteX22" y="connsiteY22"/>
-              </a:cxn>
-              <a:cxn ang="0">
-                <a:pos x="connsiteX23" y="connsiteY23"/>
-              </a:cxn>
-              <a:cxn ang="0">
-                <a:pos x="connsiteX24" y="connsiteY24"/>
-              </a:cxn>
-              <a:cxn ang="0">
-                <a:pos x="connsiteX25" y="connsiteY25"/>
-              </a:cxn>
-              <a:cxn ang="0">
-                <a:pos x="connsiteX26" y="connsiteY26"/>
-              </a:cxn>
-              <a:cxn ang="0">
-                <a:pos x="connsiteX27" y="connsiteY27"/>
-              </a:cxn>
-              <a:cxn ang="0">
-                <a:pos x="connsiteX28" y="connsiteY28"/>
-              </a:cxn>
-              <a:cxn ang="0">
-                <a:pos x="connsiteX29" y="connsiteY29"/>
-              </a:cxn>
-              <a:cxn ang="0">
-                <a:pos x="connsiteX30" y="connsiteY30"/>
-              </a:cxn>
-              <a:cxn ang="0">
-                <a:pos x="connsiteX31" y="connsiteY31"/>
-              </a:cxn>
-              <a:cxn ang="0">
-                <a:pos x="connsiteX32" y="connsiteY32"/>
-              </a:cxn>
-              <a:cxn ang="0">
-                <a:pos x="connsiteX33" y="connsiteY33"/>
-              </a:cxn>
-              <a:cxn ang="0">
-                <a:pos x="connsiteX34" y="connsiteY34"/>
-              </a:cxn>
-              <a:cxn ang="0">
-                <a:pos x="connsiteX35" y="connsiteY35"/>
-              </a:cxn>
-              <a:cxn ang="0">
-                <a:pos x="connsiteX36" y="connsiteY36"/>
-              </a:cxn>
-              <a:cxn ang="0">
-                <a:pos x="connsiteX37" y="connsiteY37"/>
-              </a:cxn>
-              <a:cxn ang="0">
-                <a:pos x="connsiteX38" y="connsiteY38"/>
-              </a:cxn>
-              <a:cxn ang="0">
-                <a:pos x="connsiteX39" y="connsiteY39"/>
-              </a:cxn>
-              <a:cxn ang="0">
-                <a:pos x="connsiteX40" y="connsiteY40"/>
-              </a:cxn>
-              <a:cxn ang="0">
-                <a:pos x="connsiteX41" y="connsiteY41"/>
-              </a:cxn>
-              <a:cxn ang="0">
-                <a:pos x="connsiteX42" y="connsiteY42"/>
-              </a:cxn>
-              <a:cxn ang="0">
-                <a:pos x="connsiteX43" y="connsiteY43"/>
-              </a:cxn>
-              <a:cxn ang="0">
-                <a:pos x="connsiteX44" y="connsiteY44"/>
-              </a:cxn>
-              <a:cxn ang="0">
-                <a:pos x="connsiteX45" y="connsiteY45"/>
-              </a:cxn>
-              <a:cxn ang="0">
-                <a:pos x="connsiteX46" y="connsiteY46"/>
-              </a:cxn>
-              <a:cxn ang="0">
-                <a:pos x="connsiteX47" y="connsiteY47"/>
-              </a:cxn>
-              <a:cxn ang="0">
-                <a:pos x="connsiteX48" y="connsiteY48"/>
-              </a:cxn>
-              <a:cxn ang="0">
-                <a:pos x="connsiteX49" y="connsiteY49"/>
-              </a:cxn>
-              <a:cxn ang="0">
-                <a:pos x="connsiteX50" y="connsiteY50"/>
-              </a:cxn>
-              <a:cxn ang="0">
-                <a:pos x="connsiteX51" y="connsiteY51"/>
-              </a:cxn>
-            </a:cxnLst>
-            <a:rect l="l" t="t" r="r" b="b"/>
-            <a:pathLst>
-              <a:path w="4990911" h="6858001">
-                <a:moveTo>
-                  <a:pt x="3646196" y="0"/>
-                </a:moveTo>
-                <a:lnTo>
-                  <a:pt x="4989734" y="0"/>
-                </a:lnTo>
-                <a:lnTo>
-                  <a:pt x="4964689" y="155677"/>
-                </a:lnTo>
-                <a:lnTo>
-                  <a:pt x="4940820" y="310668"/>
-                </a:lnTo>
-                <a:lnTo>
-                  <a:pt x="4917456" y="466344"/>
-                </a:lnTo>
-                <a:lnTo>
-                  <a:pt x="4897453" y="622707"/>
-                </a:lnTo>
-                <a:lnTo>
-                  <a:pt x="4877282" y="778383"/>
-                </a:lnTo>
-                <a:lnTo>
-                  <a:pt x="4858456" y="934746"/>
-                </a:lnTo>
-                <a:lnTo>
-                  <a:pt x="4842320" y="1089051"/>
-                </a:lnTo>
-                <a:lnTo>
-                  <a:pt x="4827024" y="1245413"/>
-                </a:lnTo>
-                <a:lnTo>
-                  <a:pt x="4813072" y="1401090"/>
-                </a:lnTo>
-                <a:lnTo>
-                  <a:pt x="4800970" y="1554023"/>
-                </a:lnTo>
-                <a:lnTo>
-                  <a:pt x="4788867" y="1709014"/>
-                </a:lnTo>
-                <a:lnTo>
-                  <a:pt x="4778782" y="1861947"/>
-                </a:lnTo>
-                <a:lnTo>
-                  <a:pt x="4770882" y="2014881"/>
-                </a:lnTo>
-                <a:lnTo>
-                  <a:pt x="4762645" y="2167128"/>
-                </a:lnTo>
-                <a:lnTo>
-                  <a:pt x="4755754" y="2318004"/>
-                </a:lnTo>
-                <a:lnTo>
-                  <a:pt x="4750879" y="2467509"/>
-                </a:lnTo>
-                <a:lnTo>
-                  <a:pt x="4746677" y="2617013"/>
-                </a:lnTo>
-                <a:lnTo>
-                  <a:pt x="4742643" y="2765146"/>
-                </a:lnTo>
-                <a:lnTo>
-                  <a:pt x="4740794" y="2911221"/>
-                </a:lnTo>
-                <a:lnTo>
-                  <a:pt x="4738777" y="3057297"/>
-                </a:lnTo>
-                <a:lnTo>
-                  <a:pt x="4737768" y="3201315"/>
-                </a:lnTo>
-                <a:lnTo>
-                  <a:pt x="4738777" y="3343961"/>
-                </a:lnTo>
-                <a:lnTo>
-                  <a:pt x="4738777" y="3485236"/>
-                </a:lnTo>
-                <a:lnTo>
-                  <a:pt x="4740794" y="3625139"/>
-                </a:lnTo>
-                <a:lnTo>
-                  <a:pt x="4743819" y="3762299"/>
-                </a:lnTo>
-                <a:lnTo>
-                  <a:pt x="4746677" y="3898087"/>
-                </a:lnTo>
-                <a:lnTo>
-                  <a:pt x="4749871" y="4031133"/>
-                </a:lnTo>
-                <a:lnTo>
-                  <a:pt x="4754745" y="4163492"/>
-                </a:lnTo>
-                <a:lnTo>
-                  <a:pt x="4759956" y="4293793"/>
-                </a:lnTo>
-                <a:lnTo>
-                  <a:pt x="4764662" y="4421352"/>
-                </a:lnTo>
-                <a:lnTo>
-                  <a:pt x="4777942" y="4670298"/>
-                </a:lnTo>
-                <a:lnTo>
-                  <a:pt x="4792061" y="4908956"/>
-                </a:lnTo>
-                <a:lnTo>
-                  <a:pt x="4806853" y="5138013"/>
-                </a:lnTo>
-                <a:lnTo>
-                  <a:pt x="4823158" y="5354726"/>
-                </a:lnTo>
-                <a:lnTo>
-                  <a:pt x="4840135" y="5561838"/>
-                </a:lnTo>
-                <a:lnTo>
-                  <a:pt x="4858456" y="5753862"/>
-                </a:lnTo>
-                <a:lnTo>
-                  <a:pt x="4876442" y="5934227"/>
-                </a:lnTo>
-                <a:lnTo>
-                  <a:pt x="4894427" y="6100191"/>
-                </a:lnTo>
-                <a:lnTo>
-                  <a:pt x="4911404" y="6252438"/>
-                </a:lnTo>
-                <a:lnTo>
-                  <a:pt x="4927541" y="6387541"/>
-                </a:lnTo>
-                <a:lnTo>
-                  <a:pt x="4942837" y="6509613"/>
-                </a:lnTo>
-                <a:lnTo>
-                  <a:pt x="4955612" y="6612483"/>
-                </a:lnTo>
-                <a:lnTo>
-                  <a:pt x="4967714" y="6698894"/>
-                </a:lnTo>
-                <a:lnTo>
-                  <a:pt x="4985028" y="6817538"/>
-                </a:lnTo>
-                <a:lnTo>
-                  <a:pt x="4990911" y="6858000"/>
-                </a:lnTo>
-                <a:lnTo>
-                  <a:pt x="4085557" y="6858000"/>
-                </a:lnTo>
-                <a:lnTo>
-                  <a:pt x="4085557" y="6858001"/>
-                </a:lnTo>
-                <a:lnTo>
-                  <a:pt x="0" y="6858001"/>
-                </a:lnTo>
-                <a:lnTo>
-                  <a:pt x="0" y="1"/>
-                </a:lnTo>
-                <a:lnTo>
-                  <a:pt x="3646196" y="1"/>
-                </a:lnTo>
-                <a:close/>
-              </a:path>
-            </a:pathLst>
-          </a:custGeom>
-          <a:ln>
-            <a:noFill/>
-          </a:ln>
-        </p:spPr>
-        <p:style>
-          <a:lnRef idx="2">
-            <a:schemeClr val="accent1">
-              <a:shade val="50000"/>
-            </a:schemeClr>
-          </a:lnRef>
-          <a:fillRef idx="1003">
-            <a:schemeClr val="dk2"/>
-          </a:fillRef>
-          <a:effectRef idx="0">
-            <a:schemeClr val="accent1"/>
-          </a:effectRef>
-          <a:fontRef idx="minor">
-            <a:schemeClr val="lt1"/>
-          </a:fontRef>
-        </p:style>
-        <p:txBody>
-          <a:bodyPr rtlCol="0" anchor="ctr"/>
-          <a:lstStyle/>
-          <a:p>
-            <a:pPr algn="ctr"/>
-            <a:endParaRPr lang="en-US"/>
-          </a:p>
-        </p:txBody>
-      </p:sp>
-      <p:sp>
-        <p:nvSpPr>
-          <p:cNvPr id="14" name="Rectangle 13">
-            <a:extLst>
-              <a:ext uri="{FF2B5EF4-FFF2-40B4-BE49-F238E27FC236}">
-                <a16:creationId xmlns:a16="http://schemas.microsoft.com/office/drawing/2014/main" id="{0BA768A8-4FED-4ED8-9E46-6BE72188ECD2}"/>
-              </a:ext>
-              <a:ext uri="{C183D7F6-B498-43B3-948B-1728B52AA6E4}">
-                <adec:decorative xmlns:adec="http://schemas.microsoft.com/office/drawing/2017/decorative" val="1"/>
-              </a:ext>
-            </a:extLst>
-          </p:cNvPr>
-          <p:cNvSpPr>
-            <a:spLocks noGrp="1" noRot="1" noChangeAspect="1" noMove="1" noResize="1" noEditPoints="1" noAdjustHandles="1" noChangeArrowheads="1" noChangeShapeType="1" noTextEdit="1"/>
-          </p:cNvSpPr>
-          <p:nvPr>
-            <p:extLst>
-              <p:ext uri="{386F3935-93C4-4BCD-93E2-E3B085C9AB24}">
-                <p16:designElem xmlns:p16="http://schemas.microsoft.com/office/powerpoint/2015/main" val="1"/>
-              </p:ext>
-            </p:extLst>
-          </p:nvPr>
-        </p:nvSpPr>
-        <p:spPr>
-          <a:xfrm>
-            <a:off x="10437812" y="0"/>
-            <a:ext cx="685800" cy="1143000"/>
+            <a:off x="643854" y="3926191"/>
+            <a:ext cx="5450557" cy="1839562"/>
           </a:xfrm>
           <a:prstGeom prst="rect">
             <a:avLst/>
           </a:prstGeom>
-          <a:solidFill>
-            <a:schemeClr val="accent1"/>
-          </a:solidFill>
-          <a:ln>
-            <a:noFill/>
-          </a:ln>
+          <a:effectLst/>
         </p:spPr>
-        <p:style>
-          <a:lnRef idx="1">
-            <a:schemeClr val="accent1"/>
-          </a:lnRef>
-          <a:fillRef idx="3">
-            <a:schemeClr val="accent1"/>
-          </a:fillRef>
-          <a:effectRef idx="2">
-            <a:schemeClr val="accent1"/>
-          </a:effectRef>
-          <a:fontRef idx="minor">
-            <a:schemeClr val="lt1"/>
-          </a:fontRef>
-        </p:style>
-        <p:txBody>
-          <a:bodyPr/>
-          <a:lstStyle/>
-          <a:p>
-            <a:endParaRPr lang="en-DK"/>
-          </a:p>
-        </p:txBody>
-      </p:sp>
-      <p:sp>
-        <p:nvSpPr>
-          <p:cNvPr id="2" name="Titel 1">
-            <a:extLst>
-              <a:ext uri="{FF2B5EF4-FFF2-40B4-BE49-F238E27FC236}">
-                <a16:creationId xmlns:a16="http://schemas.microsoft.com/office/drawing/2014/main" id="{0A69EEEE-C965-4E46-FAB8-79523327711F}"/>
-              </a:ext>
-            </a:extLst>
-          </p:cNvPr>
-          <p:cNvSpPr>
-            <a:spLocks noGrp="1"/>
-          </p:cNvSpPr>
-          <p:nvPr>
-            <p:ph type="title"/>
-          </p:nvPr>
-        </p:nvSpPr>
-        <p:spPr>
-          <a:xfrm>
-            <a:off x="653143" y="1645920"/>
-            <a:ext cx="3522879" cy="4470821"/>
-          </a:xfrm>
-        </p:spPr>
-        <p:txBody>
-          <a:bodyPr>
-            <a:normAutofit/>
-          </a:bodyPr>
-          <a:lstStyle/>
-          <a:p>
-            <a:pPr algn="r"/>
-            <a:r>
-              <a:rPr lang="en-DK" sz="3900">
-                <a:solidFill>
-                  <a:srgbClr val="FFFFFF"/>
-                </a:solidFill>
-              </a:rPr>
-              <a:t>GPIO/Analog input</a:t>
-            </a:r>
-          </a:p>
-        </p:txBody>
-      </p:sp>
-      <p:sp>
-        <p:nvSpPr>
-          <p:cNvPr id="3" name="Pladsholder til indhold 2">
-            <a:extLst>
-              <a:ext uri="{FF2B5EF4-FFF2-40B4-BE49-F238E27FC236}">
-                <a16:creationId xmlns:a16="http://schemas.microsoft.com/office/drawing/2014/main" id="{ADAC461C-F3E1-421E-845E-6C0137FB9CF0}"/>
-              </a:ext>
-            </a:extLst>
-          </p:cNvPr>
-          <p:cNvSpPr>
-            <a:spLocks noGrp="1"/>
-          </p:cNvSpPr>
-          <p:nvPr>
-            <p:ph idx="1"/>
-          </p:nvPr>
-        </p:nvSpPr>
-        <p:spPr>
-          <a:xfrm>
-            <a:off x="5204109" y="1645920"/>
-            <a:ext cx="5919503" cy="4470821"/>
-          </a:xfrm>
-        </p:spPr>
-        <p:txBody>
-          <a:bodyPr>
-            <a:normAutofit/>
-          </a:bodyPr>
-          <a:lstStyle/>
-          <a:p>
-            <a:pPr marL="0" indent="0">
-              <a:lnSpc>
-                <a:spcPct val="90000"/>
-              </a:lnSpc>
-              <a:buNone/>
-            </a:pPr>
-            <a:r>
-              <a:rPr lang="en-GB" sz="800"/>
-              <a:t>GPIO - De </a:t>
-            </a:r>
-            <a:r>
-              <a:rPr lang="en-GB" sz="800" err="1"/>
-              <a:t>Digitale</a:t>
-            </a:r>
-            <a:r>
-              <a:rPr lang="en-GB" sz="800"/>
-              <a:t> </a:t>
-            </a:r>
-            <a:r>
-              <a:rPr lang="en-GB" sz="800" err="1"/>
-              <a:t>Schweizerknive</a:t>
-            </a:r>
-            <a:r>
-              <a:rPr lang="en-DK" sz="800"/>
-              <a:t> (</a:t>
-            </a:r>
-            <a:r>
-              <a:rPr lang="en-GB" sz="800"/>
-              <a:t>GPIO: </a:t>
-            </a:r>
-            <a:r>
-              <a:rPr lang="en-GB" sz="800" err="1"/>
-              <a:t>Står</a:t>
-            </a:r>
-            <a:r>
-              <a:rPr lang="en-GB" sz="800"/>
-              <a:t> for General Purpose Input/Output</a:t>
-            </a:r>
-            <a:r>
-              <a:rPr lang="en-DK" sz="800"/>
-              <a:t>)</a:t>
-            </a:r>
-            <a:endParaRPr lang="en-GB" sz="800"/>
-          </a:p>
-          <a:p>
-            <a:pPr marL="0" indent="0">
-              <a:lnSpc>
-                <a:spcPct val="90000"/>
-              </a:lnSpc>
-              <a:buNone/>
-            </a:pPr>
-            <a:r>
-              <a:rPr lang="en-GB" sz="800" err="1"/>
-              <a:t>Hvad</a:t>
-            </a:r>
-            <a:r>
-              <a:rPr lang="en-GB" sz="800"/>
-              <a:t> er det? </a:t>
-            </a:r>
-            <a:r>
-              <a:rPr lang="en-GB" sz="800" err="1"/>
-              <a:t>Fysiske</a:t>
-            </a:r>
-            <a:r>
-              <a:rPr lang="en-GB" sz="800"/>
-              <a:t> ben (pins) </a:t>
-            </a:r>
-            <a:r>
-              <a:rPr lang="en-GB" sz="800" err="1"/>
-              <a:t>på</a:t>
-            </a:r>
-            <a:r>
-              <a:rPr lang="en-GB" sz="800"/>
-              <a:t> ESP32-chippen, </a:t>
-            </a:r>
-            <a:r>
-              <a:rPr lang="en-GB" sz="800" err="1"/>
-              <a:t>hvis</a:t>
-            </a:r>
-            <a:r>
-              <a:rPr lang="en-GB" sz="800"/>
-              <a:t> </a:t>
-            </a:r>
-            <a:r>
-              <a:rPr lang="en-GB" sz="800" err="1"/>
-              <a:t>funktion</a:t>
-            </a:r>
-            <a:r>
-              <a:rPr lang="en-GB" sz="800"/>
-              <a:t> </a:t>
-            </a:r>
-            <a:r>
-              <a:rPr lang="en-GB" sz="800" err="1"/>
-              <a:t>kan</a:t>
-            </a:r>
-            <a:r>
-              <a:rPr lang="en-GB" sz="800"/>
-              <a:t> </a:t>
-            </a:r>
-            <a:r>
-              <a:rPr lang="en-GB" sz="800" err="1"/>
-              <a:t>styres</a:t>
-            </a:r>
-            <a:r>
-              <a:rPr lang="en-GB" sz="800"/>
-              <a:t> via software. De er </a:t>
-            </a:r>
-            <a:r>
-              <a:rPr lang="en-GB" sz="800" err="1"/>
-              <a:t>ESP'ens</a:t>
-            </a:r>
-            <a:r>
-              <a:rPr lang="en-GB" sz="800"/>
-              <a:t> </a:t>
-            </a:r>
-            <a:r>
-              <a:rPr lang="en-GB" sz="800" err="1"/>
-              <a:t>primære</a:t>
-            </a:r>
-            <a:r>
-              <a:rPr lang="en-GB" sz="800"/>
-              <a:t> </a:t>
-            </a:r>
-            <a:r>
-              <a:rPr lang="en-GB" sz="800" err="1"/>
-              <a:t>måde</a:t>
-            </a:r>
-            <a:r>
-              <a:rPr lang="en-GB" sz="800"/>
-              <a:t> at </a:t>
-            </a:r>
-            <a:r>
-              <a:rPr lang="en-GB" sz="800" err="1"/>
-              <a:t>interagere</a:t>
-            </a:r>
-            <a:r>
-              <a:rPr lang="en-GB" sz="800"/>
-              <a:t> med den </a:t>
-            </a:r>
-            <a:r>
-              <a:rPr lang="en-GB" sz="800" err="1"/>
-              <a:t>fysiske</a:t>
-            </a:r>
-            <a:r>
-              <a:rPr lang="en-GB" sz="800"/>
-              <a:t> </a:t>
-            </a:r>
-            <a:r>
-              <a:rPr lang="en-GB" sz="800" err="1"/>
-              <a:t>verden</a:t>
-            </a:r>
-            <a:r>
-              <a:rPr lang="en-GB" sz="800"/>
-              <a:t> </a:t>
-            </a:r>
-            <a:r>
-              <a:rPr lang="en-GB" sz="800" err="1"/>
-              <a:t>på</a:t>
-            </a:r>
-            <a:r>
-              <a:rPr lang="en-GB" sz="800"/>
-              <a:t>.</a:t>
-            </a:r>
-          </a:p>
-          <a:p>
-            <a:pPr marL="0" indent="0">
-              <a:lnSpc>
-                <a:spcPct val="90000"/>
-              </a:lnSpc>
-              <a:buNone/>
-            </a:pPr>
-            <a:r>
-              <a:rPr lang="en-GB" sz="800" err="1"/>
-              <a:t>Fleksibilitet</a:t>
-            </a:r>
-            <a:r>
-              <a:rPr lang="en-GB" sz="800"/>
-              <a:t>: De </a:t>
-            </a:r>
-            <a:r>
-              <a:rPr lang="en-GB" sz="800" err="1"/>
-              <a:t>fleste</a:t>
-            </a:r>
-            <a:r>
-              <a:rPr lang="en-GB" sz="800"/>
-              <a:t> GPIO pins </a:t>
-            </a:r>
-            <a:r>
-              <a:rPr lang="en-GB" sz="800" err="1"/>
-              <a:t>på</a:t>
-            </a:r>
-            <a:r>
-              <a:rPr lang="en-GB" sz="800"/>
-              <a:t> ESP32 </a:t>
-            </a:r>
-            <a:r>
-              <a:rPr lang="en-GB" sz="800" err="1"/>
-              <a:t>kan</a:t>
-            </a:r>
-            <a:r>
-              <a:rPr lang="en-GB" sz="800"/>
-              <a:t> </a:t>
-            </a:r>
-            <a:r>
-              <a:rPr lang="en-GB" sz="800" err="1"/>
-              <a:t>konfigureres</a:t>
-            </a:r>
-            <a:r>
-              <a:rPr lang="en-GB" sz="800"/>
-              <a:t> </a:t>
-            </a:r>
-            <a:r>
-              <a:rPr lang="en-GB" sz="800" err="1"/>
-              <a:t>til</a:t>
-            </a:r>
-            <a:r>
-              <a:rPr lang="en-GB" sz="800"/>
-              <a:t> </a:t>
-            </a:r>
-            <a:r>
-              <a:rPr lang="en-GB" sz="800" err="1"/>
-              <a:t>flere</a:t>
-            </a:r>
-            <a:r>
-              <a:rPr lang="en-GB" sz="800"/>
-              <a:t> </a:t>
-            </a:r>
-            <a:r>
-              <a:rPr lang="en-GB" sz="800" err="1"/>
-              <a:t>forskellige</a:t>
-            </a:r>
-            <a:r>
-              <a:rPr lang="en-GB" sz="800"/>
-              <a:t> </a:t>
-            </a:r>
-            <a:r>
-              <a:rPr lang="en-GB" sz="800" err="1"/>
-              <a:t>funktioner</a:t>
-            </a:r>
-            <a:r>
-              <a:rPr lang="en-GB" sz="800"/>
-              <a:t>.</a:t>
-            </a:r>
-          </a:p>
-          <a:p>
-            <a:pPr marL="0" indent="0">
-              <a:lnSpc>
-                <a:spcPct val="90000"/>
-              </a:lnSpc>
-              <a:buNone/>
-            </a:pPr>
-            <a:r>
-              <a:rPr lang="en-GB" sz="800"/>
-              <a:t>GPIO </a:t>
-            </a:r>
-            <a:r>
-              <a:rPr lang="en-GB" sz="800" err="1"/>
-              <a:t>Funktioner</a:t>
-            </a:r>
-            <a:r>
-              <a:rPr lang="en-GB" sz="800"/>
-              <a:t> (Primære):</a:t>
-            </a:r>
-          </a:p>
-          <a:p>
-            <a:pPr>
-              <a:lnSpc>
-                <a:spcPct val="90000"/>
-              </a:lnSpc>
-            </a:pPr>
-            <a:r>
-              <a:rPr lang="en-GB" sz="800"/>
-              <a:t>Digital Input (INPUT):</a:t>
-            </a:r>
-          </a:p>
-          <a:p>
-            <a:pPr>
-              <a:lnSpc>
-                <a:spcPct val="90000"/>
-              </a:lnSpc>
-            </a:pPr>
-            <a:r>
-              <a:rPr lang="en-GB" sz="800" err="1"/>
-              <a:t>Læser</a:t>
-            </a:r>
-            <a:r>
-              <a:rPr lang="en-GB" sz="800"/>
-              <a:t> </a:t>
-            </a:r>
-            <a:r>
-              <a:rPr lang="en-GB" sz="800" err="1"/>
-              <a:t>en</a:t>
-            </a:r>
-            <a:r>
-              <a:rPr lang="en-GB" sz="800"/>
-              <a:t> digital </a:t>
-            </a:r>
-            <a:r>
-              <a:rPr lang="en-GB" sz="800" err="1"/>
-              <a:t>tilstand</a:t>
-            </a:r>
-            <a:r>
-              <a:rPr lang="en-GB" sz="800"/>
-              <a:t>: HØJ (</a:t>
-            </a:r>
-            <a:r>
-              <a:rPr lang="en-GB" sz="800" err="1"/>
-              <a:t>typisk</a:t>
-            </a:r>
-            <a:r>
-              <a:rPr lang="en-GB" sz="800"/>
-              <a:t> ~3.3V) </a:t>
-            </a:r>
-            <a:r>
-              <a:rPr lang="en-GB" sz="800" err="1"/>
-              <a:t>eller</a:t>
-            </a:r>
-            <a:r>
-              <a:rPr lang="en-GB" sz="800"/>
-              <a:t> LAV (</a:t>
-            </a:r>
-            <a:r>
-              <a:rPr lang="en-GB" sz="800" err="1"/>
-              <a:t>typisk</a:t>
-            </a:r>
-            <a:r>
-              <a:rPr lang="en-GB" sz="800"/>
-              <a:t> ~0V / GND).</a:t>
-            </a:r>
-          </a:p>
-          <a:p>
-            <a:pPr>
-              <a:lnSpc>
-                <a:spcPct val="90000"/>
-              </a:lnSpc>
-            </a:pPr>
-            <a:r>
-              <a:rPr lang="en-GB" sz="800"/>
-              <a:t>Bruges </a:t>
-            </a:r>
-            <a:r>
-              <a:rPr lang="en-GB" sz="800" err="1"/>
-              <a:t>til</a:t>
-            </a:r>
-            <a:r>
-              <a:rPr lang="en-GB" sz="800"/>
-              <a:t> </a:t>
-            </a:r>
-            <a:r>
-              <a:rPr lang="en-GB" sz="800" err="1"/>
-              <a:t>knapper</a:t>
-            </a:r>
-            <a:r>
-              <a:rPr lang="en-GB" sz="800"/>
-              <a:t>, simple </a:t>
-            </a:r>
-            <a:r>
-              <a:rPr lang="en-GB" sz="800" err="1"/>
-              <a:t>sensorer</a:t>
-            </a:r>
-            <a:r>
-              <a:rPr lang="en-GB" sz="800"/>
-              <a:t> (</a:t>
-            </a:r>
-            <a:r>
-              <a:rPr lang="en-GB" sz="800" err="1"/>
-              <a:t>f.eks</a:t>
-            </a:r>
-            <a:r>
-              <a:rPr lang="en-GB" sz="800"/>
-              <a:t>. </a:t>
-            </a:r>
-            <a:r>
-              <a:rPr lang="en-GB" sz="800" err="1"/>
-              <a:t>bevægelsessensor</a:t>
-            </a:r>
-            <a:r>
-              <a:rPr lang="en-GB" sz="800"/>
-              <a:t>), signal fra </a:t>
-            </a:r>
-            <a:r>
-              <a:rPr lang="en-GB" sz="800" err="1"/>
-              <a:t>andre</a:t>
-            </a:r>
-            <a:r>
-              <a:rPr lang="en-GB" sz="800"/>
-              <a:t> </a:t>
-            </a:r>
-            <a:r>
-              <a:rPr lang="en-GB" sz="800" err="1"/>
-              <a:t>enheder</a:t>
-            </a:r>
-            <a:r>
-              <a:rPr lang="en-GB" sz="800"/>
-              <a:t>.</a:t>
-            </a:r>
-          </a:p>
-          <a:p>
-            <a:pPr>
-              <a:lnSpc>
-                <a:spcPct val="90000"/>
-              </a:lnSpc>
-            </a:pPr>
-            <a:r>
-              <a:rPr lang="en-GB" sz="800"/>
-              <a:t>Kan </a:t>
-            </a:r>
-            <a:r>
-              <a:rPr lang="en-GB" sz="800" err="1"/>
-              <a:t>ofte</a:t>
-            </a:r>
-            <a:r>
-              <a:rPr lang="en-GB" sz="800"/>
-              <a:t> </a:t>
-            </a:r>
-            <a:r>
-              <a:rPr lang="en-GB" sz="800" err="1"/>
-              <a:t>konfigureres</a:t>
-            </a:r>
-            <a:r>
-              <a:rPr lang="en-GB" sz="800"/>
-              <a:t> med INPUT_PULLUP (intern </a:t>
-            </a:r>
-            <a:r>
-              <a:rPr lang="en-GB" sz="800" err="1"/>
-              <a:t>modstand</a:t>
-            </a:r>
-            <a:r>
-              <a:rPr lang="en-GB" sz="800"/>
-              <a:t> </a:t>
-            </a:r>
-            <a:r>
-              <a:rPr lang="en-GB" sz="800" err="1"/>
-              <a:t>til</a:t>
-            </a:r>
-            <a:r>
-              <a:rPr lang="en-GB" sz="800"/>
-              <a:t> 3.3V) </a:t>
-            </a:r>
-            <a:r>
-              <a:rPr lang="en-GB" sz="800" err="1"/>
-              <a:t>eller</a:t>
-            </a:r>
-            <a:r>
-              <a:rPr lang="en-GB" sz="800"/>
-              <a:t> INPUT_PULLDOWN (intern </a:t>
-            </a:r>
-            <a:r>
-              <a:rPr lang="en-GB" sz="800" err="1"/>
-              <a:t>modstand</a:t>
-            </a:r>
-            <a:r>
-              <a:rPr lang="en-GB" sz="800"/>
-              <a:t> </a:t>
-            </a:r>
-            <a:r>
-              <a:rPr lang="en-GB" sz="800" err="1"/>
-              <a:t>til</a:t>
-            </a:r>
-            <a:r>
-              <a:rPr lang="en-GB" sz="800"/>
-              <a:t> GND) for at </a:t>
-            </a:r>
-            <a:r>
-              <a:rPr lang="en-GB" sz="800" err="1"/>
-              <a:t>sikre</a:t>
-            </a:r>
-            <a:r>
-              <a:rPr lang="en-GB" sz="800"/>
-              <a:t> </a:t>
-            </a:r>
-            <a:r>
-              <a:rPr lang="en-GB" sz="800" err="1"/>
-              <a:t>en</a:t>
-            </a:r>
-            <a:r>
-              <a:rPr lang="en-GB" sz="800"/>
-              <a:t> </a:t>
-            </a:r>
-            <a:r>
-              <a:rPr lang="en-GB" sz="800" err="1"/>
-              <a:t>stabil</a:t>
-            </a:r>
-            <a:r>
-              <a:rPr lang="en-GB" sz="800"/>
-              <a:t> </a:t>
-            </a:r>
-            <a:r>
-              <a:rPr lang="en-GB" sz="800" err="1"/>
-              <a:t>tilstand</a:t>
-            </a:r>
-            <a:r>
-              <a:rPr lang="en-GB" sz="800"/>
-              <a:t>, </a:t>
-            </a:r>
-            <a:r>
-              <a:rPr lang="en-GB" sz="800" err="1"/>
-              <a:t>når</a:t>
-            </a:r>
-            <a:r>
-              <a:rPr lang="en-GB" sz="800"/>
-              <a:t> </a:t>
-            </a:r>
-            <a:r>
-              <a:rPr lang="en-GB" sz="800" err="1"/>
-              <a:t>intet</a:t>
-            </a:r>
-            <a:r>
-              <a:rPr lang="en-GB" sz="800"/>
-              <a:t> er </a:t>
-            </a:r>
-            <a:r>
-              <a:rPr lang="en-GB" sz="800" err="1"/>
-              <a:t>tilsluttet</a:t>
-            </a:r>
-            <a:r>
-              <a:rPr lang="en-GB" sz="800"/>
-              <a:t>.</a:t>
-            </a:r>
-          </a:p>
-          <a:p>
-            <a:pPr marL="0" indent="0">
-              <a:lnSpc>
-                <a:spcPct val="90000"/>
-              </a:lnSpc>
-              <a:buNone/>
-            </a:pPr>
-            <a:r>
-              <a:rPr lang="en-GB" sz="800"/>
-              <a:t>Digital Output (OUTPUT):</a:t>
-            </a:r>
-          </a:p>
-          <a:p>
-            <a:pPr>
-              <a:lnSpc>
-                <a:spcPct val="90000"/>
-              </a:lnSpc>
-            </a:pPr>
-            <a:r>
-              <a:rPr lang="en-GB" sz="800"/>
-              <a:t>Sætter </a:t>
-            </a:r>
-            <a:r>
-              <a:rPr lang="en-GB" sz="800" err="1"/>
-              <a:t>en</a:t>
-            </a:r>
-            <a:r>
-              <a:rPr lang="en-GB" sz="800"/>
-              <a:t> digital </a:t>
-            </a:r>
-            <a:r>
-              <a:rPr lang="en-GB" sz="800" err="1"/>
-              <a:t>tilstand</a:t>
-            </a:r>
-            <a:r>
-              <a:rPr lang="en-GB" sz="800"/>
-              <a:t>: HØJ (3.3V) </a:t>
-            </a:r>
-            <a:r>
-              <a:rPr lang="en-GB" sz="800" err="1"/>
-              <a:t>eller</a:t>
-            </a:r>
-            <a:r>
-              <a:rPr lang="en-GB" sz="800"/>
-              <a:t> LAV (GND).</a:t>
-            </a:r>
-          </a:p>
-          <a:p>
-            <a:pPr>
-              <a:lnSpc>
-                <a:spcPct val="90000"/>
-              </a:lnSpc>
-            </a:pPr>
-            <a:r>
-              <a:rPr lang="en-GB" sz="800"/>
-              <a:t>Bruges </a:t>
-            </a:r>
-            <a:r>
-              <a:rPr lang="en-GB" sz="800" err="1"/>
-              <a:t>til</a:t>
-            </a:r>
-            <a:r>
-              <a:rPr lang="en-GB" sz="800"/>
-              <a:t> at </a:t>
-            </a:r>
-            <a:r>
-              <a:rPr lang="en-GB" sz="800" err="1"/>
-              <a:t>tænde</a:t>
-            </a:r>
-            <a:r>
-              <a:rPr lang="en-GB" sz="800"/>
-              <a:t>/</a:t>
-            </a:r>
-            <a:r>
-              <a:rPr lang="en-GB" sz="800" err="1"/>
-              <a:t>slukke</a:t>
-            </a:r>
-            <a:r>
-              <a:rPr lang="en-GB" sz="800"/>
-              <a:t> LEDs, </a:t>
-            </a:r>
-            <a:r>
-              <a:rPr lang="en-GB" sz="800" err="1"/>
-              <a:t>styre</a:t>
-            </a:r>
-            <a:r>
-              <a:rPr lang="en-GB" sz="800"/>
-              <a:t> </a:t>
-            </a:r>
-            <a:r>
-              <a:rPr lang="en-GB" sz="800" err="1"/>
-              <a:t>relæer</a:t>
-            </a:r>
-            <a:r>
-              <a:rPr lang="en-GB" sz="800"/>
-              <a:t> (via transistor), </a:t>
-            </a:r>
-            <a:r>
-              <a:rPr lang="en-GB" sz="800" err="1"/>
-              <a:t>sende</a:t>
-            </a:r>
-            <a:r>
-              <a:rPr lang="en-GB" sz="800"/>
-              <a:t> simple </a:t>
-            </a:r>
-            <a:r>
-              <a:rPr lang="en-GB" sz="800" err="1"/>
-              <a:t>signaler</a:t>
-            </a:r>
-            <a:r>
-              <a:rPr lang="en-GB" sz="800"/>
-              <a:t>.</a:t>
-            </a:r>
-          </a:p>
-          <a:p>
-            <a:pPr marL="0" indent="0">
-              <a:lnSpc>
-                <a:spcPct val="90000"/>
-              </a:lnSpc>
-              <a:buNone/>
-            </a:pPr>
-            <a:r>
-              <a:rPr lang="en-GB" sz="800"/>
-              <a:t>VIGTIGT for ESP32:</a:t>
-            </a:r>
-          </a:p>
-          <a:p>
-            <a:pPr>
-              <a:lnSpc>
-                <a:spcPct val="90000"/>
-              </a:lnSpc>
-            </a:pPr>
-            <a:r>
-              <a:rPr lang="en-GB" sz="800" err="1"/>
-              <a:t>Logisk</a:t>
-            </a:r>
-            <a:r>
-              <a:rPr lang="en-GB" sz="800"/>
-              <a:t> </a:t>
-            </a:r>
-            <a:r>
-              <a:rPr lang="en-GB" sz="800" err="1"/>
-              <a:t>Niveau</a:t>
-            </a:r>
-            <a:r>
-              <a:rPr lang="en-GB" sz="800"/>
-              <a:t>: ESP32 </a:t>
-            </a:r>
-            <a:r>
-              <a:rPr lang="en-GB" sz="800" err="1"/>
-              <a:t>arbejder</a:t>
-            </a:r>
-            <a:r>
-              <a:rPr lang="en-GB" sz="800"/>
-              <a:t> med 3.3V </a:t>
-            </a:r>
-            <a:r>
-              <a:rPr lang="en-GB" sz="800" err="1"/>
-              <a:t>logik</a:t>
-            </a:r>
-            <a:r>
-              <a:rPr lang="en-GB" sz="800"/>
-              <a:t>.</a:t>
-            </a:r>
-          </a:p>
-          <a:p>
-            <a:pPr>
-              <a:lnSpc>
-                <a:spcPct val="90000"/>
-              </a:lnSpc>
-            </a:pPr>
-            <a:r>
-              <a:rPr lang="en-GB" sz="800"/>
-              <a:t>Tolerance: Pins er </a:t>
-            </a:r>
-            <a:r>
-              <a:rPr lang="en-GB" sz="800" err="1"/>
-              <a:t>generelt</a:t>
-            </a:r>
-            <a:r>
-              <a:rPr lang="en-GB" sz="800"/>
-              <a:t> IKKE 5V </a:t>
-            </a:r>
-            <a:r>
-              <a:rPr lang="en-GB" sz="800" err="1"/>
-              <a:t>tolerante</a:t>
-            </a:r>
-            <a:r>
-              <a:rPr lang="en-GB" sz="800"/>
-              <a:t>! </a:t>
-            </a:r>
-            <a:r>
-              <a:rPr lang="en-GB" sz="800" err="1"/>
-              <a:t>Tilslutning</a:t>
-            </a:r>
-            <a:r>
-              <a:rPr lang="en-GB" sz="800"/>
-              <a:t> </a:t>
-            </a:r>
-            <a:r>
-              <a:rPr lang="en-GB" sz="800" err="1"/>
-              <a:t>af</a:t>
-            </a:r>
-            <a:r>
-              <a:rPr lang="en-GB" sz="800"/>
-              <a:t> 5V </a:t>
-            </a:r>
-            <a:r>
-              <a:rPr lang="en-GB" sz="800" err="1"/>
-              <a:t>signaler</a:t>
-            </a:r>
-            <a:r>
-              <a:rPr lang="en-GB" sz="800"/>
-              <a:t> </a:t>
-            </a:r>
-            <a:r>
-              <a:rPr lang="en-GB" sz="800" err="1"/>
-              <a:t>direkte</a:t>
-            </a:r>
-            <a:r>
-              <a:rPr lang="en-GB" sz="800"/>
-              <a:t> </a:t>
-            </a:r>
-            <a:r>
-              <a:rPr lang="en-GB" sz="800" err="1"/>
-              <a:t>kan</a:t>
-            </a:r>
-            <a:r>
-              <a:rPr lang="en-GB" sz="800"/>
-              <a:t> </a:t>
-            </a:r>
-            <a:r>
-              <a:rPr lang="en-GB" sz="800" err="1"/>
-              <a:t>beskadige</a:t>
-            </a:r>
-            <a:r>
-              <a:rPr lang="en-GB" sz="800"/>
-              <a:t> </a:t>
-            </a:r>
-            <a:r>
-              <a:rPr lang="en-GB" sz="800" err="1"/>
-              <a:t>ESP'en</a:t>
-            </a:r>
-            <a:r>
-              <a:rPr lang="en-GB" sz="800"/>
-              <a:t>. Brug level shifters </a:t>
-            </a:r>
-            <a:r>
-              <a:rPr lang="en-GB" sz="800" err="1"/>
-              <a:t>hvis</a:t>
-            </a:r>
-            <a:r>
-              <a:rPr lang="en-GB" sz="800"/>
-              <a:t> </a:t>
-            </a:r>
-            <a:r>
-              <a:rPr lang="en-GB" sz="800" err="1"/>
-              <a:t>nødvendigt</a:t>
-            </a:r>
-            <a:r>
-              <a:rPr lang="en-GB" sz="800"/>
-              <a:t>.</a:t>
-            </a:r>
-          </a:p>
-          <a:p>
-            <a:pPr>
-              <a:lnSpc>
-                <a:spcPct val="90000"/>
-              </a:lnSpc>
-            </a:pPr>
-            <a:r>
-              <a:rPr lang="en-GB" sz="800"/>
-              <a:t>Strøm: </a:t>
-            </a:r>
-            <a:r>
-              <a:rPr lang="en-GB" sz="800" err="1"/>
-              <a:t>Hver</a:t>
-            </a:r>
-            <a:r>
-              <a:rPr lang="en-GB" sz="800"/>
-              <a:t> pin </a:t>
-            </a:r>
-            <a:r>
-              <a:rPr lang="en-GB" sz="800" err="1"/>
-              <a:t>kan</a:t>
-            </a:r>
-            <a:r>
-              <a:rPr lang="en-GB" sz="800"/>
-              <a:t> </a:t>
-            </a:r>
-            <a:r>
-              <a:rPr lang="en-GB" sz="800" err="1"/>
-              <a:t>kun</a:t>
-            </a:r>
-            <a:r>
-              <a:rPr lang="en-GB" sz="800"/>
-              <a:t> </a:t>
-            </a:r>
-            <a:r>
-              <a:rPr lang="en-GB" sz="800" err="1"/>
-              <a:t>levere</a:t>
-            </a:r>
-            <a:r>
-              <a:rPr lang="en-GB" sz="800"/>
-              <a:t>/</a:t>
-            </a:r>
-            <a:r>
-              <a:rPr lang="en-GB" sz="800" err="1"/>
-              <a:t>modtage</a:t>
-            </a:r>
-            <a:r>
-              <a:rPr lang="en-GB" sz="800"/>
-              <a:t> </a:t>
-            </a:r>
-            <a:r>
-              <a:rPr lang="en-GB" sz="800" err="1"/>
-              <a:t>en</a:t>
-            </a:r>
-            <a:r>
-              <a:rPr lang="en-GB" sz="800"/>
-              <a:t> </a:t>
-            </a:r>
-            <a:r>
-              <a:rPr lang="en-GB" sz="800" err="1"/>
-              <a:t>begrænset</a:t>
-            </a:r>
-            <a:r>
-              <a:rPr lang="en-GB" sz="800"/>
-              <a:t> </a:t>
-            </a:r>
-            <a:r>
-              <a:rPr lang="en-GB" sz="800" err="1"/>
-              <a:t>mængde</a:t>
-            </a:r>
-            <a:r>
-              <a:rPr lang="en-GB" sz="800"/>
-              <a:t> </a:t>
-            </a:r>
-            <a:r>
-              <a:rPr lang="en-GB" sz="800" err="1"/>
-              <a:t>strøm</a:t>
-            </a:r>
-            <a:r>
-              <a:rPr lang="en-GB" sz="800"/>
-              <a:t> (</a:t>
-            </a:r>
-            <a:r>
-              <a:rPr lang="en-GB" sz="800" err="1"/>
-              <a:t>typisk</a:t>
-            </a:r>
-            <a:r>
-              <a:rPr lang="en-GB" sz="800"/>
-              <a:t> &lt; 40mA, </a:t>
-            </a:r>
-            <a:r>
-              <a:rPr lang="en-GB" sz="800" err="1"/>
-              <a:t>ofte</a:t>
-            </a:r>
-            <a:r>
-              <a:rPr lang="en-GB" sz="800"/>
-              <a:t> </a:t>
-            </a:r>
-            <a:r>
-              <a:rPr lang="en-GB" sz="800" err="1"/>
-              <a:t>anbefales</a:t>
-            </a:r>
-            <a:r>
-              <a:rPr lang="en-GB" sz="800"/>
-              <a:t> &lt; 12mA for output). Til </a:t>
-            </a:r>
-            <a:r>
-              <a:rPr lang="en-GB" sz="800" err="1"/>
-              <a:t>større</a:t>
-            </a:r>
-            <a:r>
-              <a:rPr lang="en-GB" sz="800"/>
-              <a:t> </a:t>
-            </a:r>
-            <a:r>
-              <a:rPr lang="en-GB" sz="800" err="1"/>
-              <a:t>belastninger</a:t>
-            </a:r>
-            <a:r>
-              <a:rPr lang="en-GB" sz="800"/>
-              <a:t> (motorer, mange LEDs) </a:t>
-            </a:r>
-            <a:r>
-              <a:rPr lang="en-GB" sz="800" err="1"/>
-              <a:t>kræves</a:t>
-            </a:r>
-            <a:r>
-              <a:rPr lang="en-GB" sz="800"/>
-              <a:t> </a:t>
-            </a:r>
-            <a:r>
-              <a:rPr lang="en-GB" sz="800" err="1"/>
-              <a:t>ekstern</a:t>
-            </a:r>
-            <a:r>
-              <a:rPr lang="en-GB" sz="800"/>
-              <a:t> driver (transistor, MOSFET, </a:t>
-            </a:r>
-            <a:r>
-              <a:rPr lang="en-GB" sz="800" err="1"/>
-              <a:t>relæ-modul</a:t>
-            </a:r>
-            <a:r>
-              <a:rPr lang="en-GB" sz="800"/>
-              <a:t>).</a:t>
-            </a:r>
-          </a:p>
-          <a:p>
-            <a:pPr>
-              <a:lnSpc>
-                <a:spcPct val="90000"/>
-              </a:lnSpc>
-            </a:pPr>
-            <a:r>
-              <a:rPr lang="en-GB" sz="800" err="1"/>
-              <a:t>Specielle</a:t>
-            </a:r>
-            <a:r>
-              <a:rPr lang="en-GB" sz="800"/>
-              <a:t> Pins: Nogle pins </a:t>
-            </a:r>
-            <a:r>
-              <a:rPr lang="en-GB" sz="800" err="1"/>
-              <a:t>har</a:t>
-            </a:r>
-            <a:r>
-              <a:rPr lang="en-GB" sz="800"/>
-              <a:t> </a:t>
-            </a:r>
-            <a:r>
-              <a:rPr lang="en-GB" sz="800" err="1"/>
-              <a:t>begrænsninger</a:t>
-            </a:r>
-            <a:r>
-              <a:rPr lang="en-GB" sz="800"/>
-              <a:t> (</a:t>
-            </a:r>
-            <a:r>
-              <a:rPr lang="en-GB" sz="800" err="1"/>
-              <a:t>f.eks</a:t>
-            </a:r>
-            <a:r>
-              <a:rPr lang="en-GB" sz="800"/>
-              <a:t>. </a:t>
-            </a:r>
-            <a:r>
-              <a:rPr lang="en-GB" sz="800" err="1"/>
-              <a:t>kun</a:t>
-            </a:r>
-            <a:r>
-              <a:rPr lang="en-GB" sz="800"/>
-              <a:t> input: 34, 35, 36, 39) </a:t>
-            </a:r>
-            <a:r>
-              <a:rPr lang="en-GB" sz="800" err="1"/>
-              <a:t>eller</a:t>
-            </a:r>
-            <a:r>
-              <a:rPr lang="en-GB" sz="800"/>
-              <a:t> </a:t>
-            </a:r>
-            <a:r>
-              <a:rPr lang="en-GB" sz="800" err="1"/>
-              <a:t>specielle</a:t>
-            </a:r>
-            <a:r>
-              <a:rPr lang="en-GB" sz="800"/>
-              <a:t> </a:t>
-            </a:r>
-            <a:r>
-              <a:rPr lang="en-GB" sz="800" err="1"/>
-              <a:t>funktioner</a:t>
-            </a:r>
-            <a:r>
-              <a:rPr lang="en-GB" sz="800"/>
-              <a:t> (touch, strapping pins </a:t>
-            </a:r>
-            <a:r>
-              <a:rPr lang="en-GB" sz="800" err="1"/>
-              <a:t>ved</a:t>
-            </a:r>
-            <a:r>
-              <a:rPr lang="en-GB" sz="800"/>
-              <a:t> boot).</a:t>
-            </a:r>
-          </a:p>
-        </p:txBody>
-      </p:sp>
+      </p:pic>
     </p:spTree>
     <p:extLst>
       <p:ext uri="{BB962C8B-B14F-4D97-AF65-F5344CB8AC3E}">
-        <p14:creationId xmlns:p14="http://schemas.microsoft.com/office/powerpoint/2010/main" val="3955616230"/>
+        <p14:creationId xmlns:p14="http://schemas.microsoft.com/office/powerpoint/2010/main" val="2784208224"/>
       </p:ext>
     </p:extLst>
   </p:cSld>
   <p:clrMapOvr>
-    <a:overrideClrMapping bg1="lt1" tx1="dk1" bg2="lt2" tx2="dk2" accent1="accent1" accent2="accent2" accent3="accent3" accent4="accent4" accent5="accent5" accent6="accent6" hlink="hlink" folHlink="folHlink"/>
+    <a:masterClrMapping/>
   </p:clrMapOvr>
 </p:sld>
 </file>
@@ -21936,7 +21179,7 @@
           <p:cNvPr id="2" name="Titel 1">
             <a:extLst>
               <a:ext uri="{FF2B5EF4-FFF2-40B4-BE49-F238E27FC236}">
-                <a16:creationId xmlns:a16="http://schemas.microsoft.com/office/drawing/2014/main" id="{E29A0DFD-BCCE-99D8-3064-360E4533D969}"/>
+                <a16:creationId xmlns:a16="http://schemas.microsoft.com/office/drawing/2014/main" id="{1A5C5727-24E5-C3E7-BC1B-9C3F836DECEB}"/>
               </a:ext>
             </a:extLst>
           </p:cNvPr>
@@ -21954,7 +21197,7 @@
           <a:p>
             <a:r>
               <a:rPr lang="en-DK" dirty="0"/>
-              <a:t>GPIO/Analog input</a:t>
+              <a:t>Boot Errors</a:t>
             </a:r>
           </a:p>
         </p:txBody>
@@ -21964,7 +21207,7 @@
           <p:cNvPr id="3" name="Pladsholder til indhold 2">
             <a:extLst>
               <a:ext uri="{FF2B5EF4-FFF2-40B4-BE49-F238E27FC236}">
-                <a16:creationId xmlns:a16="http://schemas.microsoft.com/office/drawing/2014/main" id="{46637D79-421A-6068-E386-31D2BC2425C3}"/>
+                <a16:creationId xmlns:a16="http://schemas.microsoft.com/office/drawing/2014/main" id="{20388B4B-4792-3335-1B65-796267768A23}"/>
               </a:ext>
             </a:extLst>
           </p:cNvPr>
@@ -21977,1117 +21220,587 @@
         </p:nvSpPr>
         <p:spPr/>
         <p:txBody>
-          <a:bodyPr>
-            <a:normAutofit fontScale="40000" lnSpcReduction="20000"/>
-          </a:bodyPr>
+          <a:bodyPr/>
           <a:lstStyle/>
           <a:p>
-            <a:pPr marL="0" indent="0">
-              <a:buNone/>
-            </a:pPr>
-            <a:r>
-              <a:rPr lang="en-GB" dirty="0"/>
-              <a:t>Analog Input - </a:t>
-            </a:r>
-            <a:r>
-              <a:rPr lang="en-GB" dirty="0" err="1"/>
-              <a:t>Måling</a:t>
-            </a:r>
-            <a:r>
-              <a:rPr lang="en-GB" dirty="0"/>
-              <a:t> </a:t>
-            </a:r>
-            <a:r>
-              <a:rPr lang="en-GB" dirty="0" err="1"/>
-              <a:t>af</a:t>
-            </a:r>
-            <a:r>
-              <a:rPr lang="en-GB" dirty="0"/>
-              <a:t> </a:t>
-            </a:r>
-            <a:r>
-              <a:rPr lang="en-GB" dirty="0" err="1"/>
-              <a:t>Kontinuerlige</a:t>
-            </a:r>
-            <a:r>
-              <a:rPr lang="en-GB" dirty="0"/>
-              <a:t> </a:t>
-            </a:r>
-            <a:r>
-              <a:rPr lang="en-GB" dirty="0" err="1"/>
-              <a:t>Værdier</a:t>
-            </a:r>
-            <a:endParaRPr lang="en-GB" dirty="0"/>
-          </a:p>
-          <a:p>
-            <a:r>
-              <a:rPr lang="en-GB" dirty="0" err="1"/>
-              <a:t>Hvad</a:t>
-            </a:r>
-            <a:r>
-              <a:rPr lang="en-GB" dirty="0"/>
-              <a:t> er det? </a:t>
-            </a:r>
-            <a:r>
-              <a:rPr lang="en-GB" dirty="0" err="1"/>
-              <a:t>Evnen</a:t>
-            </a:r>
-            <a:r>
-              <a:rPr lang="en-GB" dirty="0"/>
-              <a:t> </a:t>
-            </a:r>
-            <a:r>
-              <a:rPr lang="en-GB" dirty="0" err="1"/>
-              <a:t>til</a:t>
-            </a:r>
-            <a:r>
-              <a:rPr lang="en-GB" dirty="0"/>
-              <a:t> at </a:t>
-            </a:r>
-            <a:r>
-              <a:rPr lang="en-GB" dirty="0" err="1"/>
-              <a:t>måle</a:t>
-            </a:r>
-            <a:r>
-              <a:rPr lang="en-GB" dirty="0"/>
-              <a:t> </a:t>
-            </a:r>
-            <a:r>
-              <a:rPr lang="en-GB" dirty="0" err="1"/>
-              <a:t>en</a:t>
-            </a:r>
-            <a:r>
-              <a:rPr lang="en-GB" dirty="0"/>
-              <a:t> </a:t>
-            </a:r>
-            <a:r>
-              <a:rPr lang="en-GB" dirty="0" err="1"/>
-              <a:t>kontinuert</a:t>
-            </a:r>
-            <a:r>
-              <a:rPr lang="en-GB" dirty="0"/>
-              <a:t> </a:t>
-            </a:r>
-            <a:r>
-              <a:rPr lang="en-GB" dirty="0" err="1"/>
-              <a:t>spænding</a:t>
-            </a:r>
-            <a:r>
-              <a:rPr lang="en-GB" dirty="0"/>
-              <a:t> (</a:t>
-            </a:r>
-            <a:r>
-              <a:rPr lang="en-GB" dirty="0" err="1"/>
-              <a:t>inden</a:t>
-            </a:r>
-            <a:r>
-              <a:rPr lang="en-GB" dirty="0"/>
-              <a:t> for et </a:t>
-            </a:r>
-            <a:r>
-              <a:rPr lang="en-GB" dirty="0" err="1"/>
-              <a:t>bestemt</a:t>
-            </a:r>
-            <a:r>
-              <a:rPr lang="en-GB" dirty="0"/>
-              <a:t> </a:t>
-            </a:r>
-            <a:r>
-              <a:rPr lang="en-GB" dirty="0" err="1"/>
-              <a:t>område</a:t>
-            </a:r>
-            <a:r>
-              <a:rPr lang="en-GB" dirty="0"/>
-              <a:t>) </a:t>
-            </a:r>
-            <a:r>
-              <a:rPr lang="en-GB" dirty="0" err="1"/>
-              <a:t>i</a:t>
-            </a:r>
-            <a:r>
-              <a:rPr lang="en-GB" dirty="0"/>
-              <a:t> </a:t>
-            </a:r>
-            <a:r>
-              <a:rPr lang="en-GB" dirty="0" err="1"/>
-              <a:t>stedet</a:t>
-            </a:r>
-            <a:r>
-              <a:rPr lang="en-GB" dirty="0"/>
-              <a:t> for </a:t>
-            </a:r>
-            <a:r>
-              <a:rPr lang="en-GB" dirty="0" err="1"/>
-              <a:t>kun</a:t>
-            </a:r>
-            <a:r>
-              <a:rPr lang="en-GB" dirty="0"/>
-              <a:t> HØJ/LAV.</a:t>
-            </a:r>
-          </a:p>
-          <a:p>
-            <a:pPr marL="0" indent="0">
-              <a:buNone/>
-            </a:pPr>
-            <a:r>
-              <a:rPr lang="en-GB" dirty="0"/>
-              <a:t>ADC: </a:t>
-            </a:r>
-            <a:r>
-              <a:rPr lang="en-GB" dirty="0" err="1"/>
-              <a:t>Foregår</a:t>
-            </a:r>
-            <a:r>
-              <a:rPr lang="en-GB" dirty="0"/>
-              <a:t> via </a:t>
-            </a:r>
-            <a:r>
-              <a:rPr lang="en-GB" dirty="0" err="1"/>
-              <a:t>en</a:t>
-            </a:r>
-            <a:r>
-              <a:rPr lang="en-GB" dirty="0"/>
-              <a:t> Analog-to-Digital Converter (ADC) </a:t>
-            </a:r>
-            <a:r>
-              <a:rPr lang="en-GB" dirty="0" err="1"/>
-              <a:t>indbygget</a:t>
-            </a:r>
-            <a:r>
-              <a:rPr lang="en-GB" dirty="0"/>
-              <a:t> </a:t>
-            </a:r>
-            <a:r>
-              <a:rPr lang="en-GB" dirty="0" err="1"/>
-              <a:t>i</a:t>
-            </a:r>
-            <a:r>
-              <a:rPr lang="en-GB" dirty="0"/>
-              <a:t> ESP32.</a:t>
-            </a:r>
-          </a:p>
-          <a:p>
-            <a:r>
-              <a:rPr lang="en-GB" dirty="0" err="1"/>
-              <a:t>Anvendelse</a:t>
-            </a:r>
-            <a:r>
-              <a:rPr lang="en-GB" dirty="0"/>
-              <a:t>: </a:t>
-            </a:r>
-            <a:r>
-              <a:rPr lang="en-GB" dirty="0" err="1"/>
-              <a:t>Læsning</a:t>
-            </a:r>
-            <a:r>
-              <a:rPr lang="en-GB" dirty="0"/>
-              <a:t> </a:t>
-            </a:r>
-            <a:r>
-              <a:rPr lang="en-GB" dirty="0" err="1"/>
-              <a:t>af</a:t>
-            </a:r>
-            <a:r>
-              <a:rPr lang="en-GB" dirty="0"/>
-              <a:t> </a:t>
-            </a:r>
-            <a:r>
-              <a:rPr lang="en-GB" dirty="0" err="1"/>
-              <a:t>potentiometre</a:t>
-            </a:r>
-            <a:r>
-              <a:rPr lang="en-GB" dirty="0"/>
-              <a:t>, </a:t>
-            </a:r>
-            <a:r>
-              <a:rPr lang="en-GB" dirty="0" err="1"/>
-              <a:t>lyssensorer</a:t>
-            </a:r>
-            <a:r>
-              <a:rPr lang="en-GB" dirty="0"/>
-              <a:t> (LDR), </a:t>
-            </a:r>
-            <a:r>
-              <a:rPr lang="en-GB" dirty="0" err="1"/>
-              <a:t>analoge</a:t>
-            </a:r>
-            <a:r>
-              <a:rPr lang="en-GB" dirty="0"/>
-              <a:t> </a:t>
-            </a:r>
-            <a:r>
-              <a:rPr lang="en-GB" dirty="0" err="1"/>
-              <a:t>temperatursensorer</a:t>
-            </a:r>
-            <a:r>
-              <a:rPr lang="en-GB" dirty="0"/>
-              <a:t>, joysticks, etc.</a:t>
-            </a:r>
-          </a:p>
-          <a:p>
-            <a:pPr marL="0" indent="0">
-              <a:buNone/>
-            </a:pPr>
-            <a:r>
-              <a:rPr lang="en-GB" dirty="0"/>
-              <a:t>ESP32 ADC </a:t>
-            </a:r>
-            <a:r>
-              <a:rPr lang="en-GB" dirty="0" err="1"/>
-              <a:t>Specifikationer</a:t>
-            </a:r>
-            <a:r>
-              <a:rPr lang="en-GB" dirty="0"/>
-              <a:t>:</a:t>
-            </a:r>
-          </a:p>
-          <a:p>
-            <a:r>
-              <a:rPr lang="en-GB" dirty="0"/>
-              <a:t>Hardware: ESP32 </a:t>
-            </a:r>
-            <a:r>
-              <a:rPr lang="en-GB" dirty="0" err="1"/>
-              <a:t>har</a:t>
-            </a:r>
-            <a:r>
-              <a:rPr lang="en-GB" dirty="0"/>
-              <a:t> </a:t>
-            </a:r>
-            <a:r>
-              <a:rPr lang="en-GB" dirty="0" err="1"/>
-              <a:t>typisk</a:t>
-            </a:r>
-            <a:r>
-              <a:rPr lang="en-GB" dirty="0"/>
-              <a:t> to ADCs (ADC1 </a:t>
-            </a:r>
-            <a:r>
-              <a:rPr lang="en-GB" dirty="0" err="1"/>
-              <a:t>og</a:t>
-            </a:r>
-            <a:r>
-              <a:rPr lang="en-GB" dirty="0"/>
-              <a:t> ADC2).</a:t>
-            </a:r>
-          </a:p>
-          <a:p>
-            <a:r>
-              <a:rPr lang="en-GB" dirty="0" err="1"/>
-              <a:t>Opløsning</a:t>
-            </a:r>
-            <a:r>
-              <a:rPr lang="en-GB" dirty="0"/>
-              <a:t>: Standard er 12-bit. Dette </a:t>
-            </a:r>
-            <a:r>
-              <a:rPr lang="en-GB" dirty="0" err="1"/>
-              <a:t>betyder</a:t>
-            </a:r>
-            <a:r>
-              <a:rPr lang="en-GB" dirty="0"/>
-              <a:t>, at </a:t>
-            </a:r>
-            <a:r>
-              <a:rPr lang="en-GB" dirty="0" err="1"/>
-              <a:t>ADC'en</a:t>
-            </a:r>
-            <a:r>
-              <a:rPr lang="en-GB" dirty="0"/>
-              <a:t> </a:t>
-            </a:r>
-            <a:r>
-              <a:rPr lang="en-GB" dirty="0" err="1"/>
-              <a:t>kan</a:t>
-            </a:r>
-            <a:r>
-              <a:rPr lang="en-GB" dirty="0"/>
-              <a:t> </a:t>
-            </a:r>
-            <a:r>
-              <a:rPr lang="en-GB" dirty="0" err="1"/>
-              <a:t>repræsentere</a:t>
-            </a:r>
-            <a:r>
-              <a:rPr lang="en-GB" dirty="0"/>
-              <a:t> </a:t>
-            </a:r>
-            <a:r>
-              <a:rPr lang="en-GB" dirty="0" err="1"/>
-              <a:t>spændingen</a:t>
-            </a:r>
-            <a:r>
-              <a:rPr lang="en-GB" dirty="0"/>
-              <a:t> </a:t>
-            </a:r>
-            <a:r>
-              <a:rPr lang="en-GB" dirty="0" err="1"/>
-              <a:t>som</a:t>
-            </a:r>
-            <a:r>
-              <a:rPr lang="en-GB" dirty="0"/>
-              <a:t> </a:t>
-            </a:r>
-            <a:r>
-              <a:rPr lang="en-GB" dirty="0" err="1"/>
-              <a:t>en</a:t>
-            </a:r>
-            <a:r>
-              <a:rPr lang="en-GB" dirty="0"/>
-              <a:t> digital </a:t>
-            </a:r>
-            <a:r>
-              <a:rPr lang="en-GB" dirty="0" err="1"/>
-              <a:t>værdi</a:t>
-            </a:r>
-            <a:r>
-              <a:rPr lang="en-GB" dirty="0"/>
-              <a:t> </a:t>
-            </a:r>
-            <a:r>
-              <a:rPr lang="en-GB" dirty="0" err="1"/>
-              <a:t>mellem</a:t>
-            </a:r>
-            <a:r>
-              <a:rPr lang="en-GB" dirty="0"/>
-              <a:t> 0 </a:t>
-            </a:r>
-            <a:r>
-              <a:rPr lang="en-GB" dirty="0" err="1"/>
-              <a:t>og</a:t>
-            </a:r>
-            <a:r>
-              <a:rPr lang="en-GB" dirty="0"/>
-              <a:t> 4095.</a:t>
-            </a:r>
-          </a:p>
-          <a:p>
-            <a:r>
-              <a:rPr lang="en-GB" dirty="0"/>
-              <a:t>Input </a:t>
-            </a:r>
-            <a:r>
-              <a:rPr lang="en-GB" dirty="0" err="1"/>
-              <a:t>Spændingsområde</a:t>
-            </a:r>
-            <a:r>
-              <a:rPr lang="en-GB" dirty="0"/>
-              <a:t>: </a:t>
-            </a:r>
-            <a:r>
-              <a:rPr lang="en-GB" dirty="0" err="1"/>
-              <a:t>Måler</a:t>
-            </a:r>
-            <a:r>
-              <a:rPr lang="en-GB" dirty="0"/>
-              <a:t> </a:t>
-            </a:r>
-            <a:r>
-              <a:rPr lang="en-GB" dirty="0" err="1"/>
-              <a:t>typisk</a:t>
-            </a:r>
-            <a:r>
-              <a:rPr lang="en-GB" dirty="0"/>
-              <a:t> </a:t>
-            </a:r>
-            <a:r>
-              <a:rPr lang="en-GB" dirty="0" err="1"/>
-              <a:t>spændinger</a:t>
-            </a:r>
-            <a:r>
-              <a:rPr lang="en-GB" dirty="0"/>
-              <a:t> </a:t>
-            </a:r>
-            <a:r>
-              <a:rPr lang="en-GB" dirty="0" err="1"/>
-              <a:t>mellem</a:t>
-            </a:r>
-            <a:r>
-              <a:rPr lang="en-GB" dirty="0"/>
-              <a:t> 0V </a:t>
-            </a:r>
-            <a:r>
-              <a:rPr lang="en-GB" dirty="0" err="1"/>
-              <a:t>og</a:t>
-            </a:r>
-            <a:r>
-              <a:rPr lang="en-GB" dirty="0"/>
-              <a:t> ~3.3V (</a:t>
-            </a:r>
-            <a:r>
-              <a:rPr lang="en-GB" dirty="0" err="1"/>
-              <a:t>eller</a:t>
-            </a:r>
-            <a:r>
-              <a:rPr lang="en-GB" dirty="0"/>
-              <a:t> et </a:t>
-            </a:r>
-            <a:r>
-              <a:rPr lang="en-GB" dirty="0" err="1"/>
-              <a:t>lidt</a:t>
-            </a:r>
-            <a:r>
-              <a:rPr lang="en-GB" dirty="0"/>
-              <a:t> </a:t>
-            </a:r>
-            <a:r>
-              <a:rPr lang="en-GB" dirty="0" err="1"/>
-              <a:t>lavere</a:t>
-            </a:r>
-            <a:r>
-              <a:rPr lang="en-GB" dirty="0"/>
-              <a:t> </a:t>
-            </a:r>
-            <a:r>
-              <a:rPr lang="en-GB" dirty="0" err="1"/>
-              <a:t>referencepunkt</a:t>
-            </a:r>
-            <a:r>
-              <a:rPr lang="en-GB" dirty="0"/>
-              <a:t>, check </a:t>
-            </a:r>
-            <a:r>
-              <a:rPr lang="en-GB" dirty="0" err="1"/>
-              <a:t>datablad</a:t>
-            </a:r>
-            <a:r>
-              <a:rPr lang="en-GB" dirty="0"/>
-              <a:t>/attenuation). </a:t>
-            </a:r>
-            <a:r>
-              <a:rPr lang="en-GB" dirty="0" err="1"/>
-              <a:t>Igen</a:t>
-            </a:r>
-            <a:r>
-              <a:rPr lang="en-GB" dirty="0"/>
-              <a:t>: IKKE 5V!</a:t>
-            </a:r>
-          </a:p>
-          <a:p>
-            <a:pPr marL="0" indent="0">
-              <a:buNone/>
-            </a:pPr>
-            <a:r>
-              <a:rPr lang="en-GB" dirty="0"/>
-              <a:t>Mapping:</a:t>
-            </a:r>
-          </a:p>
-          <a:p>
-            <a:pPr marL="0" indent="0">
-              <a:buNone/>
-            </a:pPr>
-            <a:r>
-              <a:rPr lang="en-GB" dirty="0"/>
-              <a:t>0V input ≈ Digital </a:t>
-            </a:r>
-            <a:r>
-              <a:rPr lang="en-GB" dirty="0" err="1"/>
-              <a:t>værdi</a:t>
-            </a:r>
-            <a:r>
-              <a:rPr lang="en-GB" dirty="0"/>
-              <a:t> 0</a:t>
-            </a:r>
-          </a:p>
-          <a:p>
-            <a:pPr marL="0" indent="0">
-              <a:buNone/>
-            </a:pPr>
-            <a:r>
-              <a:rPr lang="en-GB" dirty="0"/>
-              <a:t>~3.3V input ≈ Digital </a:t>
-            </a:r>
-            <a:r>
-              <a:rPr lang="en-GB" dirty="0" err="1"/>
-              <a:t>værdi</a:t>
-            </a:r>
-            <a:r>
-              <a:rPr lang="en-GB" dirty="0"/>
-              <a:t> 4095</a:t>
-            </a:r>
-          </a:p>
-          <a:p>
-            <a:pPr marL="0" indent="0">
-              <a:buNone/>
-            </a:pPr>
-            <a:r>
-              <a:rPr lang="en-GB" dirty="0"/>
-              <a:t>VIGTIGT: ADC2 &amp; Wi-Fi: Pins </a:t>
-            </a:r>
-            <a:r>
-              <a:rPr lang="en-GB" dirty="0" err="1"/>
-              <a:t>tilsluttet</a:t>
-            </a:r>
-            <a:r>
-              <a:rPr lang="en-GB" dirty="0"/>
-              <a:t> ADC2 </a:t>
-            </a:r>
-            <a:r>
-              <a:rPr lang="en-GB" dirty="0" err="1"/>
-              <a:t>kan</a:t>
-            </a:r>
-            <a:r>
-              <a:rPr lang="en-GB" dirty="0"/>
-              <a:t> IKKE </a:t>
-            </a:r>
-            <a:r>
-              <a:rPr lang="en-GB" dirty="0" err="1"/>
-              <a:t>bruges</a:t>
-            </a:r>
-            <a:r>
-              <a:rPr lang="en-GB" dirty="0"/>
-              <a:t> </a:t>
-            </a:r>
-            <a:r>
-              <a:rPr lang="en-GB" dirty="0" err="1"/>
-              <a:t>til</a:t>
-            </a:r>
-            <a:r>
-              <a:rPr lang="en-GB" dirty="0"/>
-              <a:t> </a:t>
-            </a:r>
-            <a:r>
-              <a:rPr lang="en-GB" dirty="0" err="1"/>
-              <a:t>analog</a:t>
-            </a:r>
-            <a:r>
-              <a:rPr lang="en-GB" dirty="0"/>
-              <a:t> </a:t>
-            </a:r>
-            <a:r>
-              <a:rPr lang="en-GB" dirty="0" err="1"/>
-              <a:t>læsning</a:t>
-            </a:r>
-            <a:r>
-              <a:rPr lang="en-GB" dirty="0"/>
-              <a:t>, </a:t>
-            </a:r>
-            <a:r>
-              <a:rPr lang="en-GB" dirty="0" err="1"/>
-              <a:t>mens</a:t>
-            </a:r>
-            <a:r>
-              <a:rPr lang="en-GB" dirty="0"/>
-              <a:t> Wi-Fi er </a:t>
-            </a:r>
-            <a:r>
-              <a:rPr lang="en-GB" dirty="0" err="1"/>
-              <a:t>aktivt</a:t>
-            </a:r>
-            <a:r>
-              <a:rPr lang="en-GB" dirty="0"/>
-              <a:t>! Brug </a:t>
-            </a:r>
-            <a:r>
-              <a:rPr lang="en-GB" dirty="0" err="1"/>
-              <a:t>primært</a:t>
-            </a:r>
-            <a:r>
-              <a:rPr lang="en-GB" dirty="0"/>
-              <a:t> pins </a:t>
-            </a:r>
-            <a:r>
-              <a:rPr lang="en-GB" dirty="0" err="1"/>
-              <a:t>på</a:t>
-            </a:r>
-            <a:r>
-              <a:rPr lang="en-GB" dirty="0"/>
-              <a:t> ADC1 (</a:t>
-            </a:r>
-            <a:r>
-              <a:rPr lang="en-GB" dirty="0" err="1"/>
-              <a:t>f.eks</a:t>
-            </a:r>
-            <a:r>
-              <a:rPr lang="en-GB" dirty="0"/>
-              <a:t>. GPIO 32-39) </a:t>
-            </a:r>
-            <a:r>
-              <a:rPr lang="en-GB" dirty="0" err="1"/>
-              <a:t>hvis</a:t>
-            </a:r>
-            <a:r>
-              <a:rPr lang="en-GB" dirty="0"/>
-              <a:t> du </a:t>
-            </a:r>
-            <a:r>
-              <a:rPr lang="en-GB" dirty="0" err="1"/>
-              <a:t>også</a:t>
-            </a:r>
-            <a:r>
-              <a:rPr lang="en-GB" dirty="0"/>
-              <a:t> </a:t>
-            </a:r>
-            <a:r>
-              <a:rPr lang="en-GB" dirty="0" err="1"/>
-              <a:t>bruger</a:t>
-            </a:r>
-            <a:r>
-              <a:rPr lang="en-GB" dirty="0"/>
-              <a:t> Wi-Fi. </a:t>
-            </a:r>
-            <a:r>
-              <a:rPr lang="en-GB" dirty="0" err="1"/>
-              <a:t>Almindelige</a:t>
-            </a:r>
-            <a:r>
-              <a:rPr lang="en-GB" dirty="0"/>
-              <a:t> ADC2 pins: 4, 12, 13, 14, 15, 25, 26, 27 (</a:t>
-            </a:r>
-            <a:r>
-              <a:rPr lang="en-GB" dirty="0" err="1"/>
-              <a:t>tjek</a:t>
-            </a:r>
-            <a:r>
-              <a:rPr lang="en-GB" dirty="0"/>
-              <a:t> din </a:t>
-            </a:r>
-            <a:r>
-              <a:rPr lang="en-GB" dirty="0" err="1"/>
-              <a:t>specifikke</a:t>
-            </a:r>
-            <a:r>
-              <a:rPr lang="en-GB" dirty="0"/>
-              <a:t> board pinout).</a:t>
-            </a:r>
-          </a:p>
-          <a:p>
-            <a:pPr marL="0" indent="0">
-              <a:buNone/>
-            </a:pPr>
-            <a:r>
-              <a:rPr lang="en-GB" dirty="0" err="1"/>
-              <a:t>Linearitet</a:t>
-            </a:r>
-            <a:r>
-              <a:rPr lang="en-GB" dirty="0"/>
-              <a:t>: </a:t>
-            </a:r>
-            <a:r>
-              <a:rPr lang="en-GB" dirty="0" err="1"/>
-              <a:t>Vær</a:t>
-            </a:r>
-            <a:r>
-              <a:rPr lang="en-GB" dirty="0"/>
-              <a:t> </a:t>
-            </a:r>
-            <a:r>
-              <a:rPr lang="en-GB" dirty="0" err="1"/>
-              <a:t>opmærksom</a:t>
-            </a:r>
-            <a:r>
-              <a:rPr lang="en-GB" dirty="0"/>
-              <a:t> </a:t>
-            </a:r>
-            <a:r>
-              <a:rPr lang="en-GB" dirty="0" err="1"/>
-              <a:t>på</a:t>
-            </a:r>
-            <a:r>
-              <a:rPr lang="en-GB" dirty="0"/>
-              <a:t>, at ESP32's ADC </a:t>
-            </a:r>
-            <a:r>
-              <a:rPr lang="en-GB" dirty="0" err="1"/>
-              <a:t>ikke</a:t>
-            </a:r>
-            <a:r>
-              <a:rPr lang="en-GB" dirty="0"/>
-              <a:t> er </a:t>
-            </a:r>
-            <a:r>
-              <a:rPr lang="en-GB" dirty="0" err="1"/>
-              <a:t>perfekt</a:t>
-            </a:r>
-            <a:r>
-              <a:rPr lang="en-GB" dirty="0"/>
-              <a:t> </a:t>
-            </a:r>
-            <a:r>
-              <a:rPr lang="en-GB" dirty="0" err="1"/>
-              <a:t>lineær</a:t>
-            </a:r>
-            <a:r>
-              <a:rPr lang="en-GB" dirty="0"/>
-              <a:t>, </a:t>
-            </a:r>
-            <a:r>
-              <a:rPr lang="en-GB" dirty="0" err="1"/>
-              <a:t>især</a:t>
-            </a:r>
-            <a:r>
-              <a:rPr lang="en-GB" dirty="0"/>
-              <a:t> </a:t>
-            </a:r>
-            <a:r>
-              <a:rPr lang="en-GB" dirty="0" err="1"/>
-              <a:t>nær</a:t>
-            </a:r>
-            <a:r>
-              <a:rPr lang="en-GB" dirty="0"/>
-              <a:t> 0V </a:t>
-            </a:r>
-            <a:r>
-              <a:rPr lang="en-GB" dirty="0" err="1"/>
-              <a:t>og</a:t>
-            </a:r>
-            <a:r>
-              <a:rPr lang="en-GB" dirty="0"/>
-              <a:t> 3.3V. </a:t>
-            </a:r>
-            <a:r>
-              <a:rPr lang="en-GB" dirty="0" err="1"/>
-              <a:t>Kalibrering</a:t>
-            </a:r>
-            <a:r>
-              <a:rPr lang="en-GB" dirty="0"/>
-              <a:t> </a:t>
-            </a:r>
-            <a:r>
-              <a:rPr lang="en-GB" dirty="0" err="1"/>
-              <a:t>kan</a:t>
-            </a:r>
-            <a:r>
-              <a:rPr lang="en-GB" dirty="0"/>
-              <a:t> </a:t>
-            </a:r>
-            <a:r>
-              <a:rPr lang="en-GB" dirty="0" err="1"/>
-              <a:t>være</a:t>
-            </a:r>
-            <a:r>
-              <a:rPr lang="en-GB" dirty="0"/>
-              <a:t> </a:t>
-            </a:r>
-            <a:r>
-              <a:rPr lang="en-GB" dirty="0" err="1"/>
-              <a:t>nødvendig</a:t>
-            </a:r>
-            <a:r>
-              <a:rPr lang="en-GB" dirty="0"/>
-              <a:t> for </a:t>
-            </a:r>
-            <a:r>
-              <a:rPr lang="en-GB" dirty="0" err="1"/>
-              <a:t>præcise</a:t>
-            </a:r>
-            <a:r>
-              <a:rPr lang="en-GB" dirty="0"/>
-              <a:t> </a:t>
-            </a:r>
-            <a:r>
-              <a:rPr lang="en-GB" dirty="0" err="1"/>
-              <a:t>målinger</a:t>
-            </a:r>
-            <a:r>
-              <a:rPr lang="en-GB" dirty="0"/>
-              <a:t>.</a:t>
-            </a:r>
-          </a:p>
-          <a:p>
-            <a:pPr marL="0" indent="0">
-              <a:buNone/>
-            </a:pPr>
-            <a:r>
-              <a:rPr lang="en-GB" dirty="0"/>
-              <a:t>Arduino IDE </a:t>
-            </a:r>
-            <a:r>
-              <a:rPr lang="en-GB" dirty="0" err="1"/>
-              <a:t>Funktioner</a:t>
-            </a:r>
-            <a:r>
-              <a:rPr lang="en-GB" dirty="0"/>
-              <a:t>:</a:t>
-            </a:r>
-          </a:p>
-          <a:p>
-            <a:r>
-              <a:rPr lang="en-GB" dirty="0" err="1"/>
-              <a:t>pinMode</a:t>
-            </a:r>
-            <a:r>
-              <a:rPr lang="en-GB" dirty="0"/>
-              <a:t>(pin, MODE); // Sætter pin </a:t>
-            </a:r>
-            <a:r>
-              <a:rPr lang="en-GB" dirty="0" err="1"/>
-              <a:t>til</a:t>
-            </a:r>
-            <a:r>
-              <a:rPr lang="en-GB" dirty="0"/>
-              <a:t> INPUT, OUTPUT, INPUT_PULLUP etc.</a:t>
-            </a:r>
-          </a:p>
-          <a:p>
-            <a:r>
-              <a:rPr lang="en-GB" dirty="0" err="1"/>
-              <a:t>digitalRead</a:t>
-            </a:r>
-            <a:r>
-              <a:rPr lang="en-GB" dirty="0"/>
-              <a:t>(pin); // </a:t>
-            </a:r>
-            <a:r>
-              <a:rPr lang="en-GB" dirty="0" err="1"/>
-              <a:t>Læser</a:t>
-            </a:r>
-            <a:r>
-              <a:rPr lang="en-GB" dirty="0"/>
-              <a:t> digital </a:t>
-            </a:r>
-            <a:r>
-              <a:rPr lang="en-GB" dirty="0" err="1"/>
-              <a:t>værdi</a:t>
-            </a:r>
-            <a:r>
-              <a:rPr lang="en-GB" dirty="0"/>
-              <a:t> (HIGH/LOW).</a:t>
-            </a:r>
-          </a:p>
-          <a:p>
-            <a:r>
-              <a:rPr lang="en-GB" dirty="0" err="1"/>
-              <a:t>digitalWrite</a:t>
-            </a:r>
-            <a:r>
-              <a:rPr lang="en-GB" dirty="0"/>
-              <a:t>(pin, VALUE); // Skriver digital </a:t>
-            </a:r>
-            <a:r>
-              <a:rPr lang="en-GB" dirty="0" err="1"/>
-              <a:t>værdi</a:t>
-            </a:r>
-            <a:r>
-              <a:rPr lang="en-GB" dirty="0"/>
-              <a:t> (HIGH/LOW).</a:t>
-            </a:r>
-          </a:p>
-          <a:p>
-            <a:r>
-              <a:rPr lang="en-GB" dirty="0" err="1"/>
-              <a:t>analogRead</a:t>
-            </a:r>
-            <a:r>
-              <a:rPr lang="en-GB" dirty="0"/>
-              <a:t>(pin); // </a:t>
-            </a:r>
-            <a:r>
-              <a:rPr lang="en-GB" dirty="0" err="1"/>
-              <a:t>Læser</a:t>
-            </a:r>
-            <a:r>
-              <a:rPr lang="en-GB" dirty="0"/>
-              <a:t> </a:t>
-            </a:r>
-            <a:r>
-              <a:rPr lang="en-GB" dirty="0" err="1"/>
-              <a:t>analog</a:t>
-            </a:r>
-            <a:r>
-              <a:rPr lang="en-GB" dirty="0"/>
-              <a:t> </a:t>
-            </a:r>
-            <a:r>
-              <a:rPr lang="en-GB" dirty="0" err="1"/>
-              <a:t>værdi</a:t>
-            </a:r>
-            <a:r>
-              <a:rPr lang="en-GB" dirty="0"/>
-              <a:t> (0-4095).</a:t>
-            </a:r>
+            <a:r>
+              <a:rPr lang="en-DK" dirty="0"/>
+              <a:t>PSRAM</a:t>
+            </a:r>
+          </a:p>
+          <a:p>
+            <a:r>
+              <a:rPr lang="en-DK" dirty="0"/>
+              <a:t>No core dump  </a:t>
+            </a:r>
+          </a:p>
+          <a:p>
             <a:endParaRPr lang="en-DK" dirty="0"/>
           </a:p>
         </p:txBody>
       </p:sp>
       <p:sp>
         <p:nvSpPr>
-          <p:cNvPr id="4" name="Tekstfelt 3">
+          <p:cNvPr id="4" name="Rectangle 1">
             <a:extLst>
               <a:ext uri="{FF2B5EF4-FFF2-40B4-BE49-F238E27FC236}">
-                <a16:creationId xmlns:a16="http://schemas.microsoft.com/office/drawing/2014/main" id="{957EB935-EBCD-5024-2ACA-1435C8FFB986}"/>
+                <a16:creationId xmlns:a16="http://schemas.microsoft.com/office/drawing/2014/main" id="{A0C1B609-036A-E630-0C71-CF6E97EB3610}"/>
               </a:ext>
             </a:extLst>
           </p:cNvPr>
-          <p:cNvSpPr txBox="1"/>
+          <p:cNvSpPr>
+            <a:spLocks noChangeArrowheads="1"/>
+          </p:cNvSpPr>
           <p:nvPr/>
         </p:nvSpPr>
-        <p:spPr>
-          <a:xfrm rot="17890160">
-            <a:off x="6562395" y="2508001"/>
-            <a:ext cx="8946541" cy="830997"/>
+        <p:spPr bwMode="auto">
+          <a:xfrm>
+            <a:off x="2758965" y="2216750"/>
+            <a:ext cx="4740080" cy="138499"/>
           </a:xfrm>
           <a:prstGeom prst="rect">
             <a:avLst/>
           </a:prstGeom>
-          <a:noFill/>
+          <a:solidFill>
+            <a:srgbClr val="1F272A"/>
+          </a:solidFill>
+          <a:ln>
+            <a:noFill/>
+          </a:ln>
+          <a:effectLst/>
+          <a:extLst>
+            <a:ext uri="{91240B29-F687-4F45-9708-019B960494DF}">
+              <a14:hiddenLine xmlns:a14="http://schemas.microsoft.com/office/drawing/2010/main" w="9525">
+                <a:solidFill>
+                  <a:schemeClr val="tx1"/>
+                </a:solidFill>
+                <a:miter lim="800000"/>
+                <a:headEnd/>
+                <a:tailEnd/>
+              </a14:hiddenLine>
+            </a:ext>
+            <a:ext uri="{AF507438-7753-43E0-B8FC-AC1667EBCBE1}">
+              <a14:hiddenEffects xmlns:a14="http://schemas.microsoft.com/office/drawing/2010/main">
+                <a:effectLst>
+                  <a:outerShdw dist="35921" dir="2700000" algn="ctr" rotWithShape="0">
+                    <a:schemeClr val="bg2"/>
+                  </a:outerShdw>
+                </a:effectLst>
+              </a14:hiddenEffects>
+            </a:ext>
+          </a:extLst>
         </p:spPr>
         <p:txBody>
-          <a:bodyPr wrap="square" rtlCol="0">
+          <a:bodyPr vert="horz" wrap="none" lIns="0" tIns="0" rIns="0" bIns="0" numCol="1" anchor="ctr" anchorCtr="0" compatLnSpc="1">
+            <a:prstTxWarp prst="textNoShape">
+              <a:avLst/>
+            </a:prstTxWarp>
             <a:spAutoFit/>
           </a:bodyPr>
           <a:lstStyle/>
           <a:p>
-            <a:r>
-              <a:rPr lang="en-GB" sz="1000" dirty="0"/>
-              <a:t>VIGTIGT: ADC2 &amp; Wi-Fi: Pins </a:t>
-            </a:r>
-            <a:r>
-              <a:rPr lang="en-GB" sz="1000" dirty="0" err="1"/>
-              <a:t>tilsluttet</a:t>
-            </a:r>
-            <a:r>
-              <a:rPr lang="en-GB" sz="1000" dirty="0"/>
-              <a:t> ADC2 </a:t>
-            </a:r>
-            <a:r>
-              <a:rPr lang="en-GB" sz="1000" dirty="0" err="1"/>
-              <a:t>kan</a:t>
-            </a:r>
-            <a:r>
-              <a:rPr lang="en-GB" sz="1000" dirty="0"/>
-              <a:t> IKKE </a:t>
-            </a:r>
-            <a:r>
-              <a:rPr lang="en-GB" sz="1000" dirty="0" err="1"/>
-              <a:t>bruges</a:t>
-            </a:r>
-            <a:r>
-              <a:rPr lang="en-GB" sz="1000" dirty="0"/>
+            <a:pPr marL="0" marR="0" lvl="0" indent="0" algn="l" defTabSz="914400" rtl="0" eaLnBrk="0" fontAlgn="base" latinLnBrk="0" hangingPunct="0">
+              <a:lnSpc>
+                <a:spcPct val="100000"/>
+              </a:lnSpc>
+              <a:spcBef>
+                <a:spcPct val="0"/>
+              </a:spcBef>
+              <a:spcAft>
+                <a:spcPct val="0"/>
+              </a:spcAft>
+              <a:buClrTx/>
+              <a:buSzTx/>
+              <a:buFontTx/>
+              <a:buNone/>
+              <a:tabLst/>
+            </a:pPr>
+            <a:r>
+              <a:rPr kumimoji="0" lang="en-DK" altLang="en-DK" sz="900" b="0" i="0" u="none" strike="noStrike" cap="none" normalizeH="0" baseline="0" dirty="0">
+                <a:ln>
+                  <a:noFill/>
+                </a:ln>
+                <a:solidFill>
+                  <a:srgbClr val="DAE3E3"/>
+                </a:solidFill>
+                <a:effectLst/>
+                <a:latin typeface="Arial Unicode MS"/>
+              </a:rPr>
+              <a:t>E (709) </a:t>
+            </a:r>
+            <a:r>
+              <a:rPr kumimoji="0" lang="en-DK" altLang="en-DK" sz="900" b="0" i="0" u="none" strike="noStrike" cap="none" normalizeH="0" baseline="0" dirty="0" err="1">
+                <a:ln>
+                  <a:noFill/>
+                </a:ln>
+                <a:solidFill>
+                  <a:srgbClr val="DAE3E3"/>
+                </a:solidFill>
+                <a:effectLst/>
+                <a:latin typeface="Arial Unicode MS"/>
+              </a:rPr>
+              <a:t>quad_psra</a:t>
+            </a:r>
+            <a:r>
+              <a:rPr kumimoji="0" lang="en-DK" altLang="en-DK" sz="900" b="0" i="0" u="none" strike="noStrike" cap="none" normalizeH="0" baseline="0" dirty="0">
+                <a:ln>
+                  <a:noFill/>
+                </a:ln>
+                <a:solidFill>
+                  <a:srgbClr val="DAE3E3"/>
+                </a:solidFill>
+                <a:effectLst/>
+                <a:latin typeface="Arial Unicode MS"/>
+              </a:rPr>
+              <a:t>: PSRAM ID read error: 0x00ffffff, PSRAM chip not found or not supported</a:t>
+            </a:r>
+            <a:r>
+              <a:rPr kumimoji="0" lang="en-DK" altLang="en-DK" sz="400" b="0" i="0" u="none" strike="noStrike" cap="none" normalizeH="0" baseline="0" dirty="0">
+                <a:ln>
+                  <a:noFill/>
+                </a:ln>
+                <a:solidFill>
+                  <a:schemeClr val="tx1"/>
+                </a:solidFill>
+                <a:effectLst/>
+              </a:rPr>
               <a:t> </a:t>
             </a:r>
-            <a:r>
-              <a:rPr lang="en-GB" sz="1000" dirty="0" err="1"/>
-              <a:t>til</a:t>
-            </a:r>
-            <a:r>
-              <a:rPr lang="en-GB" sz="1000" dirty="0"/>
-              <a:t> </a:t>
-            </a:r>
-            <a:r>
-              <a:rPr lang="en-GB" sz="1000" dirty="0" err="1"/>
-              <a:t>analog</a:t>
-            </a:r>
-            <a:r>
-              <a:rPr lang="en-GB" sz="1000" dirty="0"/>
-              <a:t> </a:t>
-            </a:r>
-            <a:r>
-              <a:rPr lang="en-GB" sz="1000" dirty="0" err="1"/>
-              <a:t>læsning</a:t>
-            </a:r>
-            <a:r>
-              <a:rPr lang="en-GB" sz="1000" dirty="0"/>
-              <a:t>, </a:t>
-            </a:r>
-            <a:r>
-              <a:rPr lang="en-GB" sz="1000" dirty="0" err="1"/>
-              <a:t>mens</a:t>
-            </a:r>
-            <a:r>
-              <a:rPr lang="en-GB" sz="1000" dirty="0"/>
-              <a:t> Wi-Fi er </a:t>
-            </a:r>
-            <a:r>
-              <a:rPr lang="en-GB" sz="1000" dirty="0" err="1"/>
-              <a:t>aktivt</a:t>
-            </a:r>
-            <a:r>
-              <a:rPr lang="en-GB" sz="1000" dirty="0"/>
-              <a:t>! </a:t>
-            </a:r>
-            <a:endParaRPr lang="en-DK" sz="1000" dirty="0"/>
-          </a:p>
-          <a:p>
-            <a:r>
-              <a:rPr lang="en-GB" sz="1000" dirty="0"/>
-              <a:t>Brug </a:t>
-            </a:r>
-            <a:r>
-              <a:rPr lang="en-GB" sz="1000" dirty="0" err="1"/>
-              <a:t>primært</a:t>
-            </a:r>
-            <a:r>
-              <a:rPr lang="en-GB" sz="1000" dirty="0"/>
-              <a:t> pins </a:t>
-            </a:r>
-            <a:r>
-              <a:rPr lang="en-GB" sz="1000" dirty="0" err="1"/>
-              <a:t>på</a:t>
-            </a:r>
-            <a:r>
-              <a:rPr lang="en-GB" sz="1000" dirty="0"/>
-              <a:t> ADC1 (</a:t>
-            </a:r>
-            <a:r>
-              <a:rPr lang="en-GB" sz="1000" dirty="0" err="1"/>
-              <a:t>f.eks</a:t>
-            </a:r>
-            <a:r>
-              <a:rPr lang="en-GB" sz="1000" dirty="0"/>
-              <a:t>. GPIO 32-39) </a:t>
-            </a:r>
-            <a:endParaRPr lang="en-DK" sz="1000" dirty="0"/>
-          </a:p>
-          <a:p>
-            <a:r>
-              <a:rPr lang="en-GB" sz="1000" dirty="0" err="1"/>
-              <a:t>hvis</a:t>
-            </a:r>
-            <a:r>
-              <a:rPr lang="en-GB" sz="1000" dirty="0"/>
-              <a:t> du </a:t>
-            </a:r>
-            <a:r>
-              <a:rPr lang="en-GB" sz="1000" dirty="0" err="1"/>
-              <a:t>også</a:t>
-            </a:r>
-            <a:r>
-              <a:rPr lang="en-GB" sz="1000" dirty="0"/>
-              <a:t> </a:t>
-            </a:r>
-            <a:r>
-              <a:rPr lang="en-GB" sz="1000" dirty="0" err="1"/>
-              <a:t>bruger</a:t>
-            </a:r>
-            <a:r>
-              <a:rPr lang="en-GB" sz="1000" dirty="0"/>
-              <a:t> Wi-Fi. </a:t>
-            </a:r>
-            <a:r>
-              <a:rPr lang="en-GB" sz="1000" dirty="0" err="1"/>
-              <a:t>Almindelige</a:t>
-            </a:r>
-            <a:r>
-              <a:rPr lang="en-GB" sz="1000" dirty="0"/>
-              <a:t> ADC2 pins: 4, 12, 13, 14, 15, 25, 26, 27 (</a:t>
-            </a:r>
-            <a:r>
-              <a:rPr lang="en-GB" sz="1000" dirty="0" err="1"/>
-              <a:t>tjek</a:t>
-            </a:r>
-            <a:r>
-              <a:rPr lang="en-GB" sz="1000" dirty="0"/>
-              <a:t> din </a:t>
-            </a:r>
-            <a:r>
-              <a:rPr lang="en-GB" sz="1000" dirty="0" err="1"/>
-              <a:t>specifikke</a:t>
-            </a:r>
-            <a:r>
-              <a:rPr lang="en-GB" sz="1000" dirty="0"/>
-              <a:t> board pinout).</a:t>
-            </a:r>
-          </a:p>
-          <a:p>
-            <a:endParaRPr lang="en-DK" dirty="0"/>
+            <a:endParaRPr kumimoji="0" lang="en-DK" altLang="en-DK" sz="1800" b="0" i="0" u="none" strike="noStrike" cap="none" normalizeH="0" baseline="0" dirty="0">
+              <a:ln>
+                <a:noFill/>
+              </a:ln>
+              <a:solidFill>
+                <a:schemeClr val="tx1"/>
+              </a:solidFill>
+              <a:effectLst/>
+              <a:latin typeface="Arial" panose="020B0604020202020204" pitchFamily="34" charset="0"/>
+            </a:endParaRPr>
           </a:p>
         </p:txBody>
       </p:sp>
+      <p:sp>
+        <p:nvSpPr>
+          <p:cNvPr id="6" name="Rectangle 3">
+            <a:extLst>
+              <a:ext uri="{FF2B5EF4-FFF2-40B4-BE49-F238E27FC236}">
+                <a16:creationId xmlns:a16="http://schemas.microsoft.com/office/drawing/2014/main" id="{0E32AD7E-3AC3-152D-591E-E7403F8E8ABE}"/>
+              </a:ext>
+            </a:extLst>
+          </p:cNvPr>
+          <p:cNvSpPr>
+            <a:spLocks noChangeArrowheads="1"/>
+          </p:cNvSpPr>
+          <p:nvPr/>
+        </p:nvSpPr>
+        <p:spPr bwMode="auto">
+          <a:xfrm>
+            <a:off x="0" y="60064650"/>
+            <a:ext cx="7861300" cy="57150"/>
+          </a:xfrm>
+          <a:prstGeom prst="rect">
+            <a:avLst/>
+          </a:prstGeom>
+          <a:solidFill>
+            <a:srgbClr val="1F272A"/>
+          </a:solidFill>
+          <a:ln>
+            <a:noFill/>
+          </a:ln>
+          <a:effectLst/>
+          <a:extLst>
+            <a:ext uri="{91240B29-F687-4F45-9708-019B960494DF}">
+              <a14:hiddenLine xmlns:a14="http://schemas.microsoft.com/office/drawing/2010/main" w="9525">
+                <a:solidFill>
+                  <a:schemeClr val="tx1"/>
+                </a:solidFill>
+                <a:miter lim="800000"/>
+                <a:headEnd/>
+                <a:tailEnd/>
+              </a14:hiddenLine>
+            </a:ext>
+            <a:ext uri="{AF507438-7753-43E0-B8FC-AC1667EBCBE1}">
+              <a14:hiddenEffects xmlns:a14="http://schemas.microsoft.com/office/drawing/2010/main">
+                <a:effectLst>
+                  <a:outerShdw dist="35921" dir="2700000" algn="ctr" rotWithShape="0">
+                    <a:schemeClr val="bg2"/>
+                  </a:outerShdw>
+                </a:effectLst>
+              </a14:hiddenEffects>
+            </a:ext>
+          </a:extLst>
+        </p:spPr>
+        <p:txBody>
+          <a:bodyPr vert="horz" wrap="none" lIns="0" tIns="0" rIns="0" bIns="0" numCol="1" anchor="ctr" anchorCtr="0" compatLnSpc="1">
+            <a:prstTxWarp prst="textNoShape">
+              <a:avLst/>
+            </a:prstTxWarp>
+            <a:spAutoFit/>
+          </a:bodyPr>
+          <a:lstStyle>
+            <a:lvl1pPr eaLnBrk="0" fontAlgn="base" hangingPunct="0">
+              <a:spcBef>
+                <a:spcPct val="0"/>
+              </a:spcBef>
+              <a:spcAft>
+                <a:spcPct val="0"/>
+              </a:spcAft>
+              <a:defRPr>
+                <a:solidFill>
+                  <a:schemeClr val="tx1"/>
+                </a:solidFill>
+                <a:latin typeface="Arial" panose="020B0604020202020204" pitchFamily="34" charset="0"/>
+              </a:defRPr>
+            </a:lvl1pPr>
+            <a:lvl2pPr eaLnBrk="0" fontAlgn="base" hangingPunct="0">
+              <a:spcBef>
+                <a:spcPct val="0"/>
+              </a:spcBef>
+              <a:spcAft>
+                <a:spcPct val="0"/>
+              </a:spcAft>
+              <a:defRPr>
+                <a:solidFill>
+                  <a:schemeClr val="tx1"/>
+                </a:solidFill>
+                <a:latin typeface="Arial" panose="020B0604020202020204" pitchFamily="34" charset="0"/>
+              </a:defRPr>
+            </a:lvl2pPr>
+            <a:lvl3pPr eaLnBrk="0" fontAlgn="base" hangingPunct="0">
+              <a:spcBef>
+                <a:spcPct val="0"/>
+              </a:spcBef>
+              <a:spcAft>
+                <a:spcPct val="0"/>
+              </a:spcAft>
+              <a:defRPr>
+                <a:solidFill>
+                  <a:schemeClr val="tx1"/>
+                </a:solidFill>
+                <a:latin typeface="Arial" panose="020B0604020202020204" pitchFamily="34" charset="0"/>
+              </a:defRPr>
+            </a:lvl3pPr>
+            <a:lvl4pPr eaLnBrk="0" fontAlgn="base" hangingPunct="0">
+              <a:spcBef>
+                <a:spcPct val="0"/>
+              </a:spcBef>
+              <a:spcAft>
+                <a:spcPct val="0"/>
+              </a:spcAft>
+              <a:defRPr>
+                <a:solidFill>
+                  <a:schemeClr val="tx1"/>
+                </a:solidFill>
+                <a:latin typeface="Arial" panose="020B0604020202020204" pitchFamily="34" charset="0"/>
+              </a:defRPr>
+            </a:lvl4pPr>
+            <a:lvl5pPr eaLnBrk="0" fontAlgn="base" hangingPunct="0">
+              <a:spcBef>
+                <a:spcPct val="0"/>
+              </a:spcBef>
+              <a:spcAft>
+                <a:spcPct val="0"/>
+              </a:spcAft>
+              <a:defRPr>
+                <a:solidFill>
+                  <a:schemeClr val="tx1"/>
+                </a:solidFill>
+                <a:latin typeface="Arial" panose="020B0604020202020204" pitchFamily="34" charset="0"/>
+              </a:defRPr>
+            </a:lvl5pPr>
+            <a:lvl6pPr eaLnBrk="0" fontAlgn="base" hangingPunct="0">
+              <a:spcBef>
+                <a:spcPct val="0"/>
+              </a:spcBef>
+              <a:spcAft>
+                <a:spcPct val="0"/>
+              </a:spcAft>
+              <a:defRPr>
+                <a:solidFill>
+                  <a:schemeClr val="tx1"/>
+                </a:solidFill>
+                <a:latin typeface="Arial" panose="020B0604020202020204" pitchFamily="34" charset="0"/>
+              </a:defRPr>
+            </a:lvl6pPr>
+            <a:lvl7pPr eaLnBrk="0" fontAlgn="base" hangingPunct="0">
+              <a:spcBef>
+                <a:spcPct val="0"/>
+              </a:spcBef>
+              <a:spcAft>
+                <a:spcPct val="0"/>
+              </a:spcAft>
+              <a:defRPr>
+                <a:solidFill>
+                  <a:schemeClr val="tx1"/>
+                </a:solidFill>
+                <a:latin typeface="Arial" panose="020B0604020202020204" pitchFamily="34" charset="0"/>
+              </a:defRPr>
+            </a:lvl7pPr>
+            <a:lvl8pPr eaLnBrk="0" fontAlgn="base" hangingPunct="0">
+              <a:spcBef>
+                <a:spcPct val="0"/>
+              </a:spcBef>
+              <a:spcAft>
+                <a:spcPct val="0"/>
+              </a:spcAft>
+              <a:defRPr>
+                <a:solidFill>
+                  <a:schemeClr val="tx1"/>
+                </a:solidFill>
+                <a:latin typeface="Arial" panose="020B0604020202020204" pitchFamily="34" charset="0"/>
+              </a:defRPr>
+            </a:lvl8pPr>
+            <a:lvl9pPr eaLnBrk="0" fontAlgn="base" hangingPunct="0">
+              <a:spcBef>
+                <a:spcPct val="0"/>
+              </a:spcBef>
+              <a:spcAft>
+                <a:spcPct val="0"/>
+              </a:spcAft>
+              <a:defRPr>
+                <a:solidFill>
+                  <a:schemeClr val="tx1"/>
+                </a:solidFill>
+                <a:latin typeface="Arial" panose="020B0604020202020204" pitchFamily="34" charset="0"/>
+              </a:defRPr>
+            </a:lvl9pPr>
+          </a:lstStyle>
+          <a:p>
+            <a:pPr marL="0" marR="0" lvl="0" indent="0" algn="l" defTabSz="914400" rtl="0" eaLnBrk="0" fontAlgn="base" latinLnBrk="0" hangingPunct="0">
+              <a:lnSpc>
+                <a:spcPct val="100000"/>
+              </a:lnSpc>
+              <a:spcBef>
+                <a:spcPct val="0"/>
+              </a:spcBef>
+              <a:spcAft>
+                <a:spcPct val="0"/>
+              </a:spcAft>
+              <a:buClrTx/>
+              <a:buSzTx/>
+              <a:buFontTx/>
+              <a:buNone/>
+              <a:tabLst/>
+            </a:pPr>
+            <a:r>
+              <a:rPr kumimoji="0" lang="en-DK" altLang="en-DK" sz="1000" b="0" i="0" u="none" strike="noStrike" cap="none" normalizeH="0" baseline="0">
+                <a:ln>
+                  <a:noFill/>
+                </a:ln>
+                <a:solidFill>
+                  <a:srgbClr val="DAE3E3"/>
+                </a:solidFill>
+                <a:effectLst/>
+                <a:latin typeface="Arial Unicode MS"/>
+              </a:rPr>
+              <a:t>E (843) esp_core_dump_flash: No core dump partition found! </a:t>
+            </a:r>
+            <a:endParaRPr kumimoji="0" lang="en-DK" altLang="en-DK" sz="400" b="0" i="0" u="none" strike="noStrike" cap="none" normalizeH="0" baseline="0">
+              <a:ln>
+                <a:noFill/>
+              </a:ln>
+              <a:solidFill>
+                <a:schemeClr val="tx1"/>
+              </a:solidFill>
+              <a:effectLst/>
+            </a:endParaRPr>
+          </a:p>
+          <a:p>
+            <a:pPr marL="0" marR="0" lvl="0" indent="0" algn="l" defTabSz="914400" rtl="0" eaLnBrk="0" fontAlgn="base" latinLnBrk="0" hangingPunct="0">
+              <a:lnSpc>
+                <a:spcPct val="100000"/>
+              </a:lnSpc>
+              <a:spcBef>
+                <a:spcPct val="0"/>
+              </a:spcBef>
+              <a:spcAft>
+                <a:spcPct val="0"/>
+              </a:spcAft>
+              <a:buClrTx/>
+              <a:buSzTx/>
+              <a:buFontTx/>
+              <a:buNone/>
+              <a:tabLst/>
+            </a:pPr>
+            <a:endParaRPr kumimoji="0" lang="en-DK" altLang="en-DK" sz="1800" b="0" i="0" u="none" strike="noStrike" cap="none" normalizeH="0" baseline="0">
+              <a:ln>
+                <a:noFill/>
+              </a:ln>
+              <a:solidFill>
+                <a:schemeClr val="tx1"/>
+              </a:solidFill>
+              <a:effectLst/>
+              <a:latin typeface="Arial" panose="020B0604020202020204" pitchFamily="34" charset="0"/>
+            </a:endParaRPr>
+          </a:p>
+        </p:txBody>
+      </p:sp>
+      <p:sp>
+        <p:nvSpPr>
+          <p:cNvPr id="7" name="Rectangle 4">
+            <a:extLst>
+              <a:ext uri="{FF2B5EF4-FFF2-40B4-BE49-F238E27FC236}">
+                <a16:creationId xmlns:a16="http://schemas.microsoft.com/office/drawing/2014/main" id="{1DA29AF6-42D1-9ADD-4C52-83ABDE99A922}"/>
+              </a:ext>
+            </a:extLst>
+          </p:cNvPr>
+          <p:cNvSpPr>
+            <a:spLocks noChangeArrowheads="1"/>
+          </p:cNvSpPr>
+          <p:nvPr/>
+        </p:nvSpPr>
+        <p:spPr bwMode="auto">
+          <a:xfrm>
+            <a:off x="0" y="60121800"/>
+            <a:ext cx="7861300" cy="57150"/>
+          </a:xfrm>
+          <a:prstGeom prst="rect">
+            <a:avLst/>
+          </a:prstGeom>
+          <a:solidFill>
+            <a:srgbClr val="1F272A"/>
+          </a:solidFill>
+          <a:ln>
+            <a:noFill/>
+          </a:ln>
+          <a:effectLst/>
+          <a:extLst>
+            <a:ext uri="{91240B29-F687-4F45-9708-019B960494DF}">
+              <a14:hiddenLine xmlns:a14="http://schemas.microsoft.com/office/drawing/2010/main" w="9525">
+                <a:solidFill>
+                  <a:schemeClr val="tx1"/>
+                </a:solidFill>
+                <a:miter lim="800000"/>
+                <a:headEnd/>
+                <a:tailEnd/>
+              </a14:hiddenLine>
+            </a:ext>
+            <a:ext uri="{AF507438-7753-43E0-B8FC-AC1667EBCBE1}">
+              <a14:hiddenEffects xmlns:a14="http://schemas.microsoft.com/office/drawing/2010/main">
+                <a:effectLst>
+                  <a:outerShdw dist="35921" dir="2700000" algn="ctr" rotWithShape="0">
+                    <a:schemeClr val="bg2"/>
+                  </a:outerShdw>
+                </a:effectLst>
+              </a14:hiddenEffects>
+            </a:ext>
+          </a:extLst>
+        </p:spPr>
+        <p:txBody>
+          <a:bodyPr vert="horz" wrap="none" lIns="0" tIns="0" rIns="0" bIns="0" numCol="1" anchor="ctr" anchorCtr="0" compatLnSpc="1">
+            <a:prstTxWarp prst="textNoShape">
+              <a:avLst/>
+            </a:prstTxWarp>
+            <a:spAutoFit/>
+          </a:bodyPr>
+          <a:lstStyle/>
+          <a:p>
+            <a:pPr marL="0" marR="0" lvl="0" indent="0" algn="l" defTabSz="914400" rtl="0" eaLnBrk="0" fontAlgn="base" latinLnBrk="0" hangingPunct="0">
+              <a:lnSpc>
+                <a:spcPct val="100000"/>
+              </a:lnSpc>
+              <a:spcBef>
+                <a:spcPct val="0"/>
+              </a:spcBef>
+              <a:spcAft>
+                <a:spcPct val="0"/>
+              </a:spcAft>
+              <a:buClrTx/>
+              <a:buSzTx/>
+              <a:buFontTx/>
+              <a:buNone/>
+              <a:tabLst/>
+            </a:pPr>
+            <a:r>
+              <a:rPr kumimoji="0" lang="en-DK" altLang="en-DK" sz="1000" b="0" i="0" u="none" strike="noStrike" cap="none" normalizeH="0" baseline="0">
+                <a:ln>
+                  <a:noFill/>
+                </a:ln>
+                <a:solidFill>
+                  <a:srgbClr val="DAE3E3"/>
+                </a:solidFill>
+                <a:effectLst/>
+                <a:latin typeface="Arial Unicode MS"/>
+              </a:rPr>
+              <a:t>E (843) esp_core_dump_flash: No core dump partition found!</a:t>
+            </a:r>
+            <a:endParaRPr kumimoji="0" lang="en-DK" altLang="en-DK" sz="1800" b="0" i="0" u="none" strike="noStrike" cap="none" normalizeH="0" baseline="0">
+              <a:ln>
+                <a:noFill/>
+              </a:ln>
+              <a:solidFill>
+                <a:schemeClr val="tx1"/>
+              </a:solidFill>
+              <a:effectLst/>
+              <a:latin typeface="Arial" panose="020B0604020202020204" pitchFamily="34" charset="0"/>
+            </a:endParaRPr>
+          </a:p>
+        </p:txBody>
+      </p:sp>
+      <p:pic>
+        <p:nvPicPr>
+          <p:cNvPr id="12" name="Billede 11">
+            <a:extLst>
+              <a:ext uri="{FF2B5EF4-FFF2-40B4-BE49-F238E27FC236}">
+                <a16:creationId xmlns:a16="http://schemas.microsoft.com/office/drawing/2014/main" id="{DDBE8433-B09E-2A8B-DE98-458F6DF449C3}"/>
+              </a:ext>
+            </a:extLst>
+          </p:cNvPr>
+          <p:cNvPicPr>
+            <a:picLocks noChangeAspect="1"/>
+          </p:cNvPicPr>
+          <p:nvPr/>
+        </p:nvPicPr>
+        <p:blipFill>
+          <a:blip r:embed="rId2"/>
+          <a:stretch>
+            <a:fillRect/>
+          </a:stretch>
+        </p:blipFill>
+        <p:spPr>
+          <a:xfrm>
+            <a:off x="3618186" y="2632171"/>
+            <a:ext cx="4820323" cy="190527"/>
+          </a:xfrm>
+          <a:prstGeom prst="rect">
+            <a:avLst/>
+          </a:prstGeom>
+        </p:spPr>
+      </p:pic>
+      <p:pic>
+        <p:nvPicPr>
+          <p:cNvPr id="14" name="Billede 13">
+            <a:extLst>
+              <a:ext uri="{FF2B5EF4-FFF2-40B4-BE49-F238E27FC236}">
+                <a16:creationId xmlns:a16="http://schemas.microsoft.com/office/drawing/2014/main" id="{435974F3-6CC3-2352-0211-4763FDC32A92}"/>
+              </a:ext>
+            </a:extLst>
+          </p:cNvPr>
+          <p:cNvPicPr>
+            <a:picLocks noChangeAspect="1"/>
+          </p:cNvPicPr>
+          <p:nvPr/>
+        </p:nvPicPr>
+        <p:blipFill>
+          <a:blip r:embed="rId3"/>
+          <a:stretch>
+            <a:fillRect/>
+          </a:stretch>
+        </p:blipFill>
+        <p:spPr>
+          <a:xfrm>
+            <a:off x="3618186" y="2954586"/>
+            <a:ext cx="5076526" cy="948827"/>
+          </a:xfrm>
+          <a:prstGeom prst="rect">
+            <a:avLst/>
+          </a:prstGeom>
+        </p:spPr>
+      </p:pic>
     </p:spTree>
     <p:extLst>
       <p:ext uri="{BB962C8B-B14F-4D97-AF65-F5344CB8AC3E}">
-        <p14:creationId xmlns:p14="http://schemas.microsoft.com/office/powerpoint/2010/main" val="3489526582"/>
+        <p14:creationId xmlns:p14="http://schemas.microsoft.com/office/powerpoint/2010/main" val="367665271"/>
       </p:ext>
     </p:extLst>
   </p:cSld>
@@ -23629,6 +22342,3266 @@
 <file path=ppt/slides/slide20.xml><?xml version="1.0" encoding="utf-8"?>
 <p:sld xmlns:a="http://schemas.openxmlformats.org/drawingml/2006/main" xmlns:r="http://schemas.openxmlformats.org/officeDocument/2006/relationships" xmlns:p="http://schemas.openxmlformats.org/presentationml/2006/main">
   <p:cSld>
+    <p:bg>
+      <p:bgPr>
+        <a:solidFill>
+          <a:schemeClr val="bg2"/>
+        </a:solidFill>
+        <a:effectLst/>
+      </p:bgPr>
+    </p:bg>
+    <p:spTree>
+      <p:nvGrpSpPr>
+        <p:cNvPr id="1" name=""/>
+        <p:cNvGrpSpPr/>
+        <p:nvPr/>
+      </p:nvGrpSpPr>
+      <p:grpSpPr>
+        <a:xfrm>
+          <a:off x="0" y="0"/>
+          <a:ext cx="0" cy="0"/>
+          <a:chOff x="0" y="0"/>
+          <a:chExt cx="0" cy="0"/>
+        </a:xfrm>
+      </p:grpSpPr>
+      <p:sp useBgFill="1">
+        <p:nvSpPr>
+          <p:cNvPr id="8" name="Rectangle 7">
+            <a:extLst>
+              <a:ext uri="{FF2B5EF4-FFF2-40B4-BE49-F238E27FC236}">
+                <a16:creationId xmlns:a16="http://schemas.microsoft.com/office/drawing/2014/main" id="{052BEFF1-896C-45B1-B02C-96A6A1BC389A}"/>
+              </a:ext>
+              <a:ext uri="{C183D7F6-B498-43B3-948B-1728B52AA6E4}">
+                <adec:decorative xmlns:adec="http://schemas.microsoft.com/office/drawing/2017/decorative" val="1"/>
+              </a:ext>
+            </a:extLst>
+          </p:cNvPr>
+          <p:cNvSpPr>
+            <a:spLocks noGrp="1" noRot="1" noChangeAspect="1" noMove="1" noResize="1" noEditPoints="1" noAdjustHandles="1" noChangeArrowheads="1" noChangeShapeType="1" noTextEdit="1"/>
+          </p:cNvSpPr>
+          <p:nvPr>
+            <p:extLst>
+              <p:ext uri="{386F3935-93C4-4BCD-93E2-E3B085C9AB24}">
+                <p16:designElem xmlns:p16="http://schemas.microsoft.com/office/powerpoint/2015/main" val="1"/>
+              </p:ext>
+            </p:extLst>
+          </p:nvPr>
+        </p:nvSpPr>
+        <p:spPr>
+          <a:xfrm>
+            <a:off x="1" y="0"/>
+            <a:ext cx="12192000" cy="6858000"/>
+          </a:xfrm>
+          <a:prstGeom prst="rect">
+            <a:avLst/>
+          </a:prstGeom>
+          <a:ln>
+            <a:noFill/>
+          </a:ln>
+        </p:spPr>
+        <p:style>
+          <a:lnRef idx="2">
+            <a:schemeClr val="accent1">
+              <a:shade val="50000"/>
+            </a:schemeClr>
+          </a:lnRef>
+          <a:fillRef idx="1003">
+            <a:schemeClr val="dk2"/>
+          </a:fillRef>
+          <a:effectRef idx="0">
+            <a:schemeClr val="accent1"/>
+          </a:effectRef>
+          <a:fontRef idx="minor">
+            <a:schemeClr val="lt1"/>
+          </a:fontRef>
+        </p:style>
+        <p:txBody>
+          <a:bodyPr rtlCol="0" anchor="ctr"/>
+          <a:lstStyle/>
+          <a:p>
+            <a:pPr algn="ctr"/>
+            <a:endParaRPr lang="en-US"/>
+          </a:p>
+        </p:txBody>
+      </p:sp>
+      <p:sp>
+        <p:nvSpPr>
+          <p:cNvPr id="10" name="Freeform 36">
+            <a:extLst>
+              <a:ext uri="{FF2B5EF4-FFF2-40B4-BE49-F238E27FC236}">
+                <a16:creationId xmlns:a16="http://schemas.microsoft.com/office/drawing/2014/main" id="{BB237A14-61B1-4C00-A670-5D8D68A8668E}"/>
+              </a:ext>
+              <a:ext uri="{C183D7F6-B498-43B3-948B-1728B52AA6E4}">
+                <adec:decorative xmlns:adec="http://schemas.microsoft.com/office/drawing/2017/decorative" val="1"/>
+              </a:ext>
+            </a:extLst>
+          </p:cNvPr>
+          <p:cNvSpPr>
+            <a:spLocks noGrp="1" noRot="1" noChangeAspect="1" noMove="1" noResize="1" noEditPoints="1" noAdjustHandles="1" noChangeArrowheads="1" noChangeShapeType="1" noTextEdit="1"/>
+          </p:cNvSpPr>
+          <p:nvPr>
+            <p:extLst>
+              <p:ext uri="{386F3935-93C4-4BCD-93E2-E3B085C9AB24}">
+                <p16:designElem xmlns:p16="http://schemas.microsoft.com/office/powerpoint/2015/main" val="1"/>
+              </p:ext>
+            </p:extLst>
+          </p:nvPr>
+        </p:nvSpPr>
+        <p:spPr>
+          <a:xfrm flipH="1">
+            <a:off x="4644637" y="0"/>
+            <a:ext cx="559472" cy="3709642"/>
+          </a:xfrm>
+          <a:custGeom>
+            <a:avLst/>
+            <a:gdLst>
+              <a:gd name="connsiteX0" fmla="*/ 0 w 559472"/>
+              <a:gd name="connsiteY0" fmla="*/ 0 h 3709642"/>
+              <a:gd name="connsiteX1" fmla="*/ 473952 w 559472"/>
+              <a:gd name="connsiteY1" fmla="*/ 0 h 3709642"/>
+              <a:gd name="connsiteX2" fmla="*/ 485840 w 559472"/>
+              <a:gd name="connsiteY2" fmla="*/ 161194 h 3709642"/>
+              <a:gd name="connsiteX3" fmla="*/ 523949 w 559472"/>
+              <a:gd name="connsiteY3" fmla="*/ 3672197 h 3709642"/>
+              <a:gd name="connsiteX4" fmla="*/ 454748 w 559472"/>
+              <a:gd name="connsiteY4" fmla="*/ 3709642 h 3709642"/>
+              <a:gd name="connsiteX5" fmla="*/ 448224 w 559472"/>
+              <a:gd name="connsiteY5" fmla="*/ 3510471 h 3709642"/>
+              <a:gd name="connsiteX6" fmla="*/ 443564 w 559472"/>
+              <a:gd name="connsiteY6" fmla="*/ 3408563 h 3709642"/>
+              <a:gd name="connsiteX7" fmla="*/ 438902 w 559472"/>
+              <a:gd name="connsiteY7" fmla="*/ 3304407 h 3709642"/>
+              <a:gd name="connsiteX8" fmla="*/ 433941 w 559472"/>
+              <a:gd name="connsiteY8" fmla="*/ 3198777 h 3709642"/>
+              <a:gd name="connsiteX9" fmla="*/ 427584 w 559472"/>
+              <a:gd name="connsiteY9" fmla="*/ 3092510 h 3709642"/>
+              <a:gd name="connsiteX10" fmla="*/ 420988 w 559472"/>
+              <a:gd name="connsiteY10" fmla="*/ 2984390 h 3709642"/>
+              <a:gd name="connsiteX11" fmla="*/ 414330 w 559472"/>
+              <a:gd name="connsiteY11" fmla="*/ 2874401 h 3709642"/>
+              <a:gd name="connsiteX12" fmla="*/ 406840 w 559472"/>
+              <a:gd name="connsiteY12" fmla="*/ 2762980 h 3709642"/>
+              <a:gd name="connsiteX13" fmla="*/ 397745 w 559472"/>
+              <a:gd name="connsiteY13" fmla="*/ 2650566 h 3709642"/>
+              <a:gd name="connsiteX14" fmla="*/ 389154 w 559472"/>
+              <a:gd name="connsiteY14" fmla="*/ 2536612 h 3709642"/>
+              <a:gd name="connsiteX15" fmla="*/ 379225 w 559472"/>
+              <a:gd name="connsiteY15" fmla="*/ 2421642 h 3709642"/>
+              <a:gd name="connsiteX16" fmla="*/ 368316 w 559472"/>
+              <a:gd name="connsiteY16" fmla="*/ 2305627 h 3709642"/>
+              <a:gd name="connsiteX17" fmla="*/ 357466 w 559472"/>
+              <a:gd name="connsiteY17" fmla="*/ 2189233 h 3709642"/>
+              <a:gd name="connsiteX18" fmla="*/ 344982 w 559472"/>
+              <a:gd name="connsiteY18" fmla="*/ 2071473 h 3709642"/>
+              <a:gd name="connsiteX19" fmla="*/ 332466 w 559472"/>
+              <a:gd name="connsiteY19" fmla="*/ 1952216 h 3709642"/>
+              <a:gd name="connsiteX20" fmla="*/ 319121 w 559472"/>
+              <a:gd name="connsiteY20" fmla="*/ 1833776 h 3709642"/>
+              <a:gd name="connsiteX21" fmla="*/ 304408 w 559472"/>
+              <a:gd name="connsiteY21" fmla="*/ 1713948 h 3709642"/>
+              <a:gd name="connsiteX22" fmla="*/ 288685 w 559472"/>
+              <a:gd name="connsiteY22" fmla="*/ 1592703 h 3709642"/>
+              <a:gd name="connsiteX23" fmla="*/ 273050 w 559472"/>
+              <a:gd name="connsiteY23" fmla="*/ 1471451 h 3709642"/>
+              <a:gd name="connsiteX24" fmla="*/ 255813 w 559472"/>
+              <a:gd name="connsiteY24" fmla="*/ 1350328 h 3709642"/>
+              <a:gd name="connsiteX25" fmla="*/ 237060 w 559472"/>
+              <a:gd name="connsiteY25" fmla="*/ 1227080 h 3709642"/>
+              <a:gd name="connsiteX26" fmla="*/ 218488 w 559472"/>
+              <a:gd name="connsiteY26" fmla="*/ 1106065 h 3709642"/>
+              <a:gd name="connsiteX27" fmla="*/ 198221 w 559472"/>
+              <a:gd name="connsiteY27" fmla="*/ 982940 h 3709642"/>
+              <a:gd name="connsiteX28" fmla="*/ 177152 w 559472"/>
+              <a:gd name="connsiteY28" fmla="*/ 858755 h 3709642"/>
+              <a:gd name="connsiteX29" fmla="*/ 155551 w 559472"/>
+              <a:gd name="connsiteY29" fmla="*/ 736861 h 3709642"/>
+              <a:gd name="connsiteX30" fmla="*/ 131782 w 559472"/>
+              <a:gd name="connsiteY30" fmla="*/ 613645 h 3709642"/>
+              <a:gd name="connsiteX31" fmla="*/ 107123 w 559472"/>
+              <a:gd name="connsiteY31" fmla="*/ 490500 h 3709642"/>
+              <a:gd name="connsiteX32" fmla="*/ 82552 w 559472"/>
+              <a:gd name="connsiteY32" fmla="*/ 367348 h 3709642"/>
+              <a:gd name="connsiteX33" fmla="*/ 55608 w 559472"/>
+              <a:gd name="connsiteY33" fmla="*/ 244762 h 3709642"/>
+              <a:gd name="connsiteX34" fmla="*/ 28130 w 559472"/>
+              <a:gd name="connsiteY34" fmla="*/ 122220 h 3709642"/>
+              <a:gd name="connsiteX35" fmla="*/ 0 w 559472"/>
+              <a:gd name="connsiteY35" fmla="*/ 0 h 3709642"/>
+            </a:gdLst>
+            <a:ahLst/>
+            <a:cxnLst>
+              <a:cxn ang="0">
+                <a:pos x="connsiteX0" y="connsiteY0"/>
+              </a:cxn>
+              <a:cxn ang="0">
+                <a:pos x="connsiteX1" y="connsiteY1"/>
+              </a:cxn>
+              <a:cxn ang="0">
+                <a:pos x="connsiteX2" y="connsiteY2"/>
+              </a:cxn>
+              <a:cxn ang="0">
+                <a:pos x="connsiteX3" y="connsiteY3"/>
+              </a:cxn>
+              <a:cxn ang="0">
+                <a:pos x="connsiteX4" y="connsiteY4"/>
+              </a:cxn>
+              <a:cxn ang="0">
+                <a:pos x="connsiteX5" y="connsiteY5"/>
+              </a:cxn>
+              <a:cxn ang="0">
+                <a:pos x="connsiteX6" y="connsiteY6"/>
+              </a:cxn>
+              <a:cxn ang="0">
+                <a:pos x="connsiteX7" y="connsiteY7"/>
+              </a:cxn>
+              <a:cxn ang="0">
+                <a:pos x="connsiteX8" y="connsiteY8"/>
+              </a:cxn>
+              <a:cxn ang="0">
+                <a:pos x="connsiteX9" y="connsiteY9"/>
+              </a:cxn>
+              <a:cxn ang="0">
+                <a:pos x="connsiteX10" y="connsiteY10"/>
+              </a:cxn>
+              <a:cxn ang="0">
+                <a:pos x="connsiteX11" y="connsiteY11"/>
+              </a:cxn>
+              <a:cxn ang="0">
+                <a:pos x="connsiteX12" y="connsiteY12"/>
+              </a:cxn>
+              <a:cxn ang="0">
+                <a:pos x="connsiteX13" y="connsiteY13"/>
+              </a:cxn>
+              <a:cxn ang="0">
+                <a:pos x="connsiteX14" y="connsiteY14"/>
+              </a:cxn>
+              <a:cxn ang="0">
+                <a:pos x="connsiteX15" y="connsiteY15"/>
+              </a:cxn>
+              <a:cxn ang="0">
+                <a:pos x="connsiteX16" y="connsiteY16"/>
+              </a:cxn>
+              <a:cxn ang="0">
+                <a:pos x="connsiteX17" y="connsiteY17"/>
+              </a:cxn>
+              <a:cxn ang="0">
+                <a:pos x="connsiteX18" y="connsiteY18"/>
+              </a:cxn>
+              <a:cxn ang="0">
+                <a:pos x="connsiteX19" y="connsiteY19"/>
+              </a:cxn>
+              <a:cxn ang="0">
+                <a:pos x="connsiteX20" y="connsiteY20"/>
+              </a:cxn>
+              <a:cxn ang="0">
+                <a:pos x="connsiteX21" y="connsiteY21"/>
+              </a:cxn>
+              <a:cxn ang="0">
+                <a:pos x="connsiteX22" y="connsiteY22"/>
+              </a:cxn>
+              <a:cxn ang="0">
+                <a:pos x="connsiteX23" y="connsiteY23"/>
+              </a:cxn>
+              <a:cxn ang="0">
+                <a:pos x="connsiteX24" y="connsiteY24"/>
+              </a:cxn>
+              <a:cxn ang="0">
+                <a:pos x="connsiteX25" y="connsiteY25"/>
+              </a:cxn>
+              <a:cxn ang="0">
+                <a:pos x="connsiteX26" y="connsiteY26"/>
+              </a:cxn>
+              <a:cxn ang="0">
+                <a:pos x="connsiteX27" y="connsiteY27"/>
+              </a:cxn>
+              <a:cxn ang="0">
+                <a:pos x="connsiteX28" y="connsiteY28"/>
+              </a:cxn>
+              <a:cxn ang="0">
+                <a:pos x="connsiteX29" y="connsiteY29"/>
+              </a:cxn>
+              <a:cxn ang="0">
+                <a:pos x="connsiteX30" y="connsiteY30"/>
+              </a:cxn>
+              <a:cxn ang="0">
+                <a:pos x="connsiteX31" y="connsiteY31"/>
+              </a:cxn>
+              <a:cxn ang="0">
+                <a:pos x="connsiteX32" y="connsiteY32"/>
+              </a:cxn>
+              <a:cxn ang="0">
+                <a:pos x="connsiteX33" y="connsiteY33"/>
+              </a:cxn>
+              <a:cxn ang="0">
+                <a:pos x="connsiteX34" y="connsiteY34"/>
+              </a:cxn>
+              <a:cxn ang="0">
+                <a:pos x="connsiteX35" y="connsiteY35"/>
+              </a:cxn>
+            </a:cxnLst>
+            <a:rect l="l" t="t" r="r" b="b"/>
+            <a:pathLst>
+              <a:path w="559472" h="3709642">
+                <a:moveTo>
+                  <a:pt x="0" y="0"/>
+                </a:moveTo>
+                <a:lnTo>
+                  <a:pt x="473952" y="0"/>
+                </a:lnTo>
+                <a:lnTo>
+                  <a:pt x="485840" y="161194"/>
+                </a:lnTo>
+                <a:cubicBezTo>
+                  <a:pt x="552063" y="1147770"/>
+                  <a:pt x="592441" y="3086737"/>
+                  <a:pt x="523949" y="3672197"/>
+                </a:cubicBezTo>
+                <a:cubicBezTo>
+                  <a:pt x="500842" y="3684557"/>
+                  <a:pt x="477855" y="3697282"/>
+                  <a:pt x="454748" y="3709642"/>
+                </a:cubicBezTo>
+                <a:lnTo>
+                  <a:pt x="448224" y="3510471"/>
+                </a:lnTo>
+                <a:lnTo>
+                  <a:pt x="443564" y="3408563"/>
+                </a:lnTo>
+                <a:lnTo>
+                  <a:pt x="438902" y="3304407"/>
+                </a:lnTo>
+                <a:lnTo>
+                  <a:pt x="433941" y="3198777"/>
+                </a:lnTo>
+                <a:lnTo>
+                  <a:pt x="427584" y="3092510"/>
+                </a:lnTo>
+                <a:lnTo>
+                  <a:pt x="420988" y="2984390"/>
+                </a:lnTo>
+                <a:lnTo>
+                  <a:pt x="414330" y="2874401"/>
+                </a:lnTo>
+                <a:lnTo>
+                  <a:pt x="406840" y="2762980"/>
+                </a:lnTo>
+                <a:lnTo>
+                  <a:pt x="397745" y="2650566"/>
+                </a:lnTo>
+                <a:lnTo>
+                  <a:pt x="389154" y="2536612"/>
+                </a:lnTo>
+                <a:lnTo>
+                  <a:pt x="379225" y="2421642"/>
+                </a:lnTo>
+                <a:lnTo>
+                  <a:pt x="368316" y="2305627"/>
+                </a:lnTo>
+                <a:lnTo>
+                  <a:pt x="357466" y="2189233"/>
+                </a:lnTo>
+                <a:lnTo>
+                  <a:pt x="344982" y="2071473"/>
+                </a:lnTo>
+                <a:lnTo>
+                  <a:pt x="332466" y="1952216"/>
+                </a:lnTo>
+                <a:lnTo>
+                  <a:pt x="319121" y="1833776"/>
+                </a:lnTo>
+                <a:lnTo>
+                  <a:pt x="304408" y="1713948"/>
+                </a:lnTo>
+                <a:lnTo>
+                  <a:pt x="288685" y="1592703"/>
+                </a:lnTo>
+                <a:lnTo>
+                  <a:pt x="273050" y="1471451"/>
+                </a:lnTo>
+                <a:lnTo>
+                  <a:pt x="255813" y="1350328"/>
+                </a:lnTo>
+                <a:lnTo>
+                  <a:pt x="237060" y="1227080"/>
+                </a:lnTo>
+                <a:lnTo>
+                  <a:pt x="218488" y="1106065"/>
+                </a:lnTo>
+                <a:lnTo>
+                  <a:pt x="198221" y="982940"/>
+                </a:lnTo>
+                <a:lnTo>
+                  <a:pt x="177152" y="858755"/>
+                </a:lnTo>
+                <a:lnTo>
+                  <a:pt x="155551" y="736861"/>
+                </a:lnTo>
+                <a:lnTo>
+                  <a:pt x="131782" y="613645"/>
+                </a:lnTo>
+                <a:lnTo>
+                  <a:pt x="107123" y="490500"/>
+                </a:lnTo>
+                <a:lnTo>
+                  <a:pt x="82552" y="367348"/>
+                </a:lnTo>
+                <a:lnTo>
+                  <a:pt x="55608" y="244762"/>
+                </a:lnTo>
+                <a:lnTo>
+                  <a:pt x="28130" y="122220"/>
+                </a:lnTo>
+                <a:lnTo>
+                  <a:pt x="0" y="0"/>
+                </a:lnTo>
+                <a:close/>
+              </a:path>
+            </a:pathLst>
+          </a:custGeom>
+          <a:solidFill>
+            <a:schemeClr val="tx2">
+              <a:alpha val="20000"/>
+            </a:schemeClr>
+          </a:solidFill>
+          <a:ln>
+            <a:noFill/>
+          </a:ln>
+        </p:spPr>
+        <p:txBody>
+          <a:bodyPr rtlCol="0" anchor="ctr"/>
+          <a:lstStyle/>
+          <a:p>
+            <a:pPr algn="ctr"/>
+            <a:endParaRPr lang="en-US"/>
+          </a:p>
+        </p:txBody>
+      </p:sp>
+      <p:sp>
+        <p:nvSpPr>
+          <p:cNvPr id="12" name="Freeform: Shape 11">
+            <a:extLst>
+              <a:ext uri="{FF2B5EF4-FFF2-40B4-BE49-F238E27FC236}">
+                <a16:creationId xmlns:a16="http://schemas.microsoft.com/office/drawing/2014/main" id="{8598F259-6F54-47A3-8D13-1603D786A328}"/>
+              </a:ext>
+              <a:ext uri="{C183D7F6-B498-43B3-948B-1728B52AA6E4}">
+                <adec:decorative xmlns:adec="http://schemas.microsoft.com/office/drawing/2017/decorative" val="1"/>
+              </a:ext>
+            </a:extLst>
+          </p:cNvPr>
+          <p:cNvSpPr>
+            <a:spLocks noGrp="1" noRot="1" noChangeAspect="1" noMove="1" noResize="1" noEditPoints="1" noAdjustHandles="1" noChangeArrowheads="1" noChangeShapeType="1" noTextEdit="1"/>
+          </p:cNvSpPr>
+          <p:nvPr>
+            <p:extLst>
+              <p:ext uri="{386F3935-93C4-4BCD-93E2-E3B085C9AB24}">
+                <p16:designElem xmlns:p16="http://schemas.microsoft.com/office/powerpoint/2015/main" val="1"/>
+              </p:ext>
+            </p:extLst>
+          </p:nvPr>
+        </p:nvSpPr>
+        <p:spPr>
+          <a:xfrm>
+            <a:off x="1" y="1"/>
+            <a:ext cx="4990911" cy="6858001"/>
+          </a:xfrm>
+          <a:custGeom>
+            <a:avLst/>
+            <a:gdLst>
+              <a:gd name="connsiteX0" fmla="*/ 3646196 w 4990911"/>
+              <a:gd name="connsiteY0" fmla="*/ 0 h 6858001"/>
+              <a:gd name="connsiteX1" fmla="*/ 4989734 w 4990911"/>
+              <a:gd name="connsiteY1" fmla="*/ 0 h 6858001"/>
+              <a:gd name="connsiteX2" fmla="*/ 4964689 w 4990911"/>
+              <a:gd name="connsiteY2" fmla="*/ 155677 h 6858001"/>
+              <a:gd name="connsiteX3" fmla="*/ 4940820 w 4990911"/>
+              <a:gd name="connsiteY3" fmla="*/ 310668 h 6858001"/>
+              <a:gd name="connsiteX4" fmla="*/ 4917456 w 4990911"/>
+              <a:gd name="connsiteY4" fmla="*/ 466344 h 6858001"/>
+              <a:gd name="connsiteX5" fmla="*/ 4897453 w 4990911"/>
+              <a:gd name="connsiteY5" fmla="*/ 622707 h 6858001"/>
+              <a:gd name="connsiteX6" fmla="*/ 4877282 w 4990911"/>
+              <a:gd name="connsiteY6" fmla="*/ 778383 h 6858001"/>
+              <a:gd name="connsiteX7" fmla="*/ 4858456 w 4990911"/>
+              <a:gd name="connsiteY7" fmla="*/ 934746 h 6858001"/>
+              <a:gd name="connsiteX8" fmla="*/ 4842320 w 4990911"/>
+              <a:gd name="connsiteY8" fmla="*/ 1089051 h 6858001"/>
+              <a:gd name="connsiteX9" fmla="*/ 4827024 w 4990911"/>
+              <a:gd name="connsiteY9" fmla="*/ 1245413 h 6858001"/>
+              <a:gd name="connsiteX10" fmla="*/ 4813072 w 4990911"/>
+              <a:gd name="connsiteY10" fmla="*/ 1401090 h 6858001"/>
+              <a:gd name="connsiteX11" fmla="*/ 4800970 w 4990911"/>
+              <a:gd name="connsiteY11" fmla="*/ 1554023 h 6858001"/>
+              <a:gd name="connsiteX12" fmla="*/ 4788867 w 4990911"/>
+              <a:gd name="connsiteY12" fmla="*/ 1709014 h 6858001"/>
+              <a:gd name="connsiteX13" fmla="*/ 4778782 w 4990911"/>
+              <a:gd name="connsiteY13" fmla="*/ 1861947 h 6858001"/>
+              <a:gd name="connsiteX14" fmla="*/ 4770882 w 4990911"/>
+              <a:gd name="connsiteY14" fmla="*/ 2014881 h 6858001"/>
+              <a:gd name="connsiteX15" fmla="*/ 4762645 w 4990911"/>
+              <a:gd name="connsiteY15" fmla="*/ 2167128 h 6858001"/>
+              <a:gd name="connsiteX16" fmla="*/ 4755754 w 4990911"/>
+              <a:gd name="connsiteY16" fmla="*/ 2318004 h 6858001"/>
+              <a:gd name="connsiteX17" fmla="*/ 4750879 w 4990911"/>
+              <a:gd name="connsiteY17" fmla="*/ 2467509 h 6858001"/>
+              <a:gd name="connsiteX18" fmla="*/ 4746677 w 4990911"/>
+              <a:gd name="connsiteY18" fmla="*/ 2617013 h 6858001"/>
+              <a:gd name="connsiteX19" fmla="*/ 4742643 w 4990911"/>
+              <a:gd name="connsiteY19" fmla="*/ 2765146 h 6858001"/>
+              <a:gd name="connsiteX20" fmla="*/ 4740794 w 4990911"/>
+              <a:gd name="connsiteY20" fmla="*/ 2911221 h 6858001"/>
+              <a:gd name="connsiteX21" fmla="*/ 4738777 w 4990911"/>
+              <a:gd name="connsiteY21" fmla="*/ 3057297 h 6858001"/>
+              <a:gd name="connsiteX22" fmla="*/ 4737768 w 4990911"/>
+              <a:gd name="connsiteY22" fmla="*/ 3201315 h 6858001"/>
+              <a:gd name="connsiteX23" fmla="*/ 4738777 w 4990911"/>
+              <a:gd name="connsiteY23" fmla="*/ 3343961 h 6858001"/>
+              <a:gd name="connsiteX24" fmla="*/ 4738777 w 4990911"/>
+              <a:gd name="connsiteY24" fmla="*/ 3485236 h 6858001"/>
+              <a:gd name="connsiteX25" fmla="*/ 4740794 w 4990911"/>
+              <a:gd name="connsiteY25" fmla="*/ 3625139 h 6858001"/>
+              <a:gd name="connsiteX26" fmla="*/ 4743819 w 4990911"/>
+              <a:gd name="connsiteY26" fmla="*/ 3762299 h 6858001"/>
+              <a:gd name="connsiteX27" fmla="*/ 4746677 w 4990911"/>
+              <a:gd name="connsiteY27" fmla="*/ 3898087 h 6858001"/>
+              <a:gd name="connsiteX28" fmla="*/ 4749871 w 4990911"/>
+              <a:gd name="connsiteY28" fmla="*/ 4031133 h 6858001"/>
+              <a:gd name="connsiteX29" fmla="*/ 4754745 w 4990911"/>
+              <a:gd name="connsiteY29" fmla="*/ 4163492 h 6858001"/>
+              <a:gd name="connsiteX30" fmla="*/ 4759956 w 4990911"/>
+              <a:gd name="connsiteY30" fmla="*/ 4293793 h 6858001"/>
+              <a:gd name="connsiteX31" fmla="*/ 4764662 w 4990911"/>
+              <a:gd name="connsiteY31" fmla="*/ 4421352 h 6858001"/>
+              <a:gd name="connsiteX32" fmla="*/ 4777942 w 4990911"/>
+              <a:gd name="connsiteY32" fmla="*/ 4670298 h 6858001"/>
+              <a:gd name="connsiteX33" fmla="*/ 4792061 w 4990911"/>
+              <a:gd name="connsiteY33" fmla="*/ 4908956 h 6858001"/>
+              <a:gd name="connsiteX34" fmla="*/ 4806853 w 4990911"/>
+              <a:gd name="connsiteY34" fmla="*/ 5138013 h 6858001"/>
+              <a:gd name="connsiteX35" fmla="*/ 4823158 w 4990911"/>
+              <a:gd name="connsiteY35" fmla="*/ 5354726 h 6858001"/>
+              <a:gd name="connsiteX36" fmla="*/ 4840135 w 4990911"/>
+              <a:gd name="connsiteY36" fmla="*/ 5561838 h 6858001"/>
+              <a:gd name="connsiteX37" fmla="*/ 4858456 w 4990911"/>
+              <a:gd name="connsiteY37" fmla="*/ 5753862 h 6858001"/>
+              <a:gd name="connsiteX38" fmla="*/ 4876442 w 4990911"/>
+              <a:gd name="connsiteY38" fmla="*/ 5934227 h 6858001"/>
+              <a:gd name="connsiteX39" fmla="*/ 4894427 w 4990911"/>
+              <a:gd name="connsiteY39" fmla="*/ 6100191 h 6858001"/>
+              <a:gd name="connsiteX40" fmla="*/ 4911404 w 4990911"/>
+              <a:gd name="connsiteY40" fmla="*/ 6252438 h 6858001"/>
+              <a:gd name="connsiteX41" fmla="*/ 4927541 w 4990911"/>
+              <a:gd name="connsiteY41" fmla="*/ 6387541 h 6858001"/>
+              <a:gd name="connsiteX42" fmla="*/ 4942837 w 4990911"/>
+              <a:gd name="connsiteY42" fmla="*/ 6509613 h 6858001"/>
+              <a:gd name="connsiteX43" fmla="*/ 4955612 w 4990911"/>
+              <a:gd name="connsiteY43" fmla="*/ 6612483 h 6858001"/>
+              <a:gd name="connsiteX44" fmla="*/ 4967714 w 4990911"/>
+              <a:gd name="connsiteY44" fmla="*/ 6698894 h 6858001"/>
+              <a:gd name="connsiteX45" fmla="*/ 4985028 w 4990911"/>
+              <a:gd name="connsiteY45" fmla="*/ 6817538 h 6858001"/>
+              <a:gd name="connsiteX46" fmla="*/ 4990911 w 4990911"/>
+              <a:gd name="connsiteY46" fmla="*/ 6858000 h 6858001"/>
+              <a:gd name="connsiteX47" fmla="*/ 4085557 w 4990911"/>
+              <a:gd name="connsiteY47" fmla="*/ 6858000 h 6858001"/>
+              <a:gd name="connsiteX48" fmla="*/ 4085557 w 4990911"/>
+              <a:gd name="connsiteY48" fmla="*/ 6858001 h 6858001"/>
+              <a:gd name="connsiteX49" fmla="*/ 0 w 4990911"/>
+              <a:gd name="connsiteY49" fmla="*/ 6858001 h 6858001"/>
+              <a:gd name="connsiteX50" fmla="*/ 0 w 4990911"/>
+              <a:gd name="connsiteY50" fmla="*/ 1 h 6858001"/>
+              <a:gd name="connsiteX51" fmla="*/ 3646196 w 4990911"/>
+              <a:gd name="connsiteY51" fmla="*/ 1 h 6858001"/>
+            </a:gdLst>
+            <a:ahLst/>
+            <a:cxnLst>
+              <a:cxn ang="0">
+                <a:pos x="connsiteX0" y="connsiteY0"/>
+              </a:cxn>
+              <a:cxn ang="0">
+                <a:pos x="connsiteX1" y="connsiteY1"/>
+              </a:cxn>
+              <a:cxn ang="0">
+                <a:pos x="connsiteX2" y="connsiteY2"/>
+              </a:cxn>
+              <a:cxn ang="0">
+                <a:pos x="connsiteX3" y="connsiteY3"/>
+              </a:cxn>
+              <a:cxn ang="0">
+                <a:pos x="connsiteX4" y="connsiteY4"/>
+              </a:cxn>
+              <a:cxn ang="0">
+                <a:pos x="connsiteX5" y="connsiteY5"/>
+              </a:cxn>
+              <a:cxn ang="0">
+                <a:pos x="connsiteX6" y="connsiteY6"/>
+              </a:cxn>
+              <a:cxn ang="0">
+                <a:pos x="connsiteX7" y="connsiteY7"/>
+              </a:cxn>
+              <a:cxn ang="0">
+                <a:pos x="connsiteX8" y="connsiteY8"/>
+              </a:cxn>
+              <a:cxn ang="0">
+                <a:pos x="connsiteX9" y="connsiteY9"/>
+              </a:cxn>
+              <a:cxn ang="0">
+                <a:pos x="connsiteX10" y="connsiteY10"/>
+              </a:cxn>
+              <a:cxn ang="0">
+                <a:pos x="connsiteX11" y="connsiteY11"/>
+              </a:cxn>
+              <a:cxn ang="0">
+                <a:pos x="connsiteX12" y="connsiteY12"/>
+              </a:cxn>
+              <a:cxn ang="0">
+                <a:pos x="connsiteX13" y="connsiteY13"/>
+              </a:cxn>
+              <a:cxn ang="0">
+                <a:pos x="connsiteX14" y="connsiteY14"/>
+              </a:cxn>
+              <a:cxn ang="0">
+                <a:pos x="connsiteX15" y="connsiteY15"/>
+              </a:cxn>
+              <a:cxn ang="0">
+                <a:pos x="connsiteX16" y="connsiteY16"/>
+              </a:cxn>
+              <a:cxn ang="0">
+                <a:pos x="connsiteX17" y="connsiteY17"/>
+              </a:cxn>
+              <a:cxn ang="0">
+                <a:pos x="connsiteX18" y="connsiteY18"/>
+              </a:cxn>
+              <a:cxn ang="0">
+                <a:pos x="connsiteX19" y="connsiteY19"/>
+              </a:cxn>
+              <a:cxn ang="0">
+                <a:pos x="connsiteX20" y="connsiteY20"/>
+              </a:cxn>
+              <a:cxn ang="0">
+                <a:pos x="connsiteX21" y="connsiteY21"/>
+              </a:cxn>
+              <a:cxn ang="0">
+                <a:pos x="connsiteX22" y="connsiteY22"/>
+              </a:cxn>
+              <a:cxn ang="0">
+                <a:pos x="connsiteX23" y="connsiteY23"/>
+              </a:cxn>
+              <a:cxn ang="0">
+                <a:pos x="connsiteX24" y="connsiteY24"/>
+              </a:cxn>
+              <a:cxn ang="0">
+                <a:pos x="connsiteX25" y="connsiteY25"/>
+              </a:cxn>
+              <a:cxn ang="0">
+                <a:pos x="connsiteX26" y="connsiteY26"/>
+              </a:cxn>
+              <a:cxn ang="0">
+                <a:pos x="connsiteX27" y="connsiteY27"/>
+              </a:cxn>
+              <a:cxn ang="0">
+                <a:pos x="connsiteX28" y="connsiteY28"/>
+              </a:cxn>
+              <a:cxn ang="0">
+                <a:pos x="connsiteX29" y="connsiteY29"/>
+              </a:cxn>
+              <a:cxn ang="0">
+                <a:pos x="connsiteX30" y="connsiteY30"/>
+              </a:cxn>
+              <a:cxn ang="0">
+                <a:pos x="connsiteX31" y="connsiteY31"/>
+              </a:cxn>
+              <a:cxn ang="0">
+                <a:pos x="connsiteX32" y="connsiteY32"/>
+              </a:cxn>
+              <a:cxn ang="0">
+                <a:pos x="connsiteX33" y="connsiteY33"/>
+              </a:cxn>
+              <a:cxn ang="0">
+                <a:pos x="connsiteX34" y="connsiteY34"/>
+              </a:cxn>
+              <a:cxn ang="0">
+                <a:pos x="connsiteX35" y="connsiteY35"/>
+              </a:cxn>
+              <a:cxn ang="0">
+                <a:pos x="connsiteX36" y="connsiteY36"/>
+              </a:cxn>
+              <a:cxn ang="0">
+                <a:pos x="connsiteX37" y="connsiteY37"/>
+              </a:cxn>
+              <a:cxn ang="0">
+                <a:pos x="connsiteX38" y="connsiteY38"/>
+              </a:cxn>
+              <a:cxn ang="0">
+                <a:pos x="connsiteX39" y="connsiteY39"/>
+              </a:cxn>
+              <a:cxn ang="0">
+                <a:pos x="connsiteX40" y="connsiteY40"/>
+              </a:cxn>
+              <a:cxn ang="0">
+                <a:pos x="connsiteX41" y="connsiteY41"/>
+              </a:cxn>
+              <a:cxn ang="0">
+                <a:pos x="connsiteX42" y="connsiteY42"/>
+              </a:cxn>
+              <a:cxn ang="0">
+                <a:pos x="connsiteX43" y="connsiteY43"/>
+              </a:cxn>
+              <a:cxn ang="0">
+                <a:pos x="connsiteX44" y="connsiteY44"/>
+              </a:cxn>
+              <a:cxn ang="0">
+                <a:pos x="connsiteX45" y="connsiteY45"/>
+              </a:cxn>
+              <a:cxn ang="0">
+                <a:pos x="connsiteX46" y="connsiteY46"/>
+              </a:cxn>
+              <a:cxn ang="0">
+                <a:pos x="connsiteX47" y="connsiteY47"/>
+              </a:cxn>
+              <a:cxn ang="0">
+                <a:pos x="connsiteX48" y="connsiteY48"/>
+              </a:cxn>
+              <a:cxn ang="0">
+                <a:pos x="connsiteX49" y="connsiteY49"/>
+              </a:cxn>
+              <a:cxn ang="0">
+                <a:pos x="connsiteX50" y="connsiteY50"/>
+              </a:cxn>
+              <a:cxn ang="0">
+                <a:pos x="connsiteX51" y="connsiteY51"/>
+              </a:cxn>
+            </a:cxnLst>
+            <a:rect l="l" t="t" r="r" b="b"/>
+            <a:pathLst>
+              <a:path w="4990911" h="6858001">
+                <a:moveTo>
+                  <a:pt x="3646196" y="0"/>
+                </a:moveTo>
+                <a:lnTo>
+                  <a:pt x="4989734" y="0"/>
+                </a:lnTo>
+                <a:lnTo>
+                  <a:pt x="4964689" y="155677"/>
+                </a:lnTo>
+                <a:lnTo>
+                  <a:pt x="4940820" y="310668"/>
+                </a:lnTo>
+                <a:lnTo>
+                  <a:pt x="4917456" y="466344"/>
+                </a:lnTo>
+                <a:lnTo>
+                  <a:pt x="4897453" y="622707"/>
+                </a:lnTo>
+                <a:lnTo>
+                  <a:pt x="4877282" y="778383"/>
+                </a:lnTo>
+                <a:lnTo>
+                  <a:pt x="4858456" y="934746"/>
+                </a:lnTo>
+                <a:lnTo>
+                  <a:pt x="4842320" y="1089051"/>
+                </a:lnTo>
+                <a:lnTo>
+                  <a:pt x="4827024" y="1245413"/>
+                </a:lnTo>
+                <a:lnTo>
+                  <a:pt x="4813072" y="1401090"/>
+                </a:lnTo>
+                <a:lnTo>
+                  <a:pt x="4800970" y="1554023"/>
+                </a:lnTo>
+                <a:lnTo>
+                  <a:pt x="4788867" y="1709014"/>
+                </a:lnTo>
+                <a:lnTo>
+                  <a:pt x="4778782" y="1861947"/>
+                </a:lnTo>
+                <a:lnTo>
+                  <a:pt x="4770882" y="2014881"/>
+                </a:lnTo>
+                <a:lnTo>
+                  <a:pt x="4762645" y="2167128"/>
+                </a:lnTo>
+                <a:lnTo>
+                  <a:pt x="4755754" y="2318004"/>
+                </a:lnTo>
+                <a:lnTo>
+                  <a:pt x="4750879" y="2467509"/>
+                </a:lnTo>
+                <a:lnTo>
+                  <a:pt x="4746677" y="2617013"/>
+                </a:lnTo>
+                <a:lnTo>
+                  <a:pt x="4742643" y="2765146"/>
+                </a:lnTo>
+                <a:lnTo>
+                  <a:pt x="4740794" y="2911221"/>
+                </a:lnTo>
+                <a:lnTo>
+                  <a:pt x="4738777" y="3057297"/>
+                </a:lnTo>
+                <a:lnTo>
+                  <a:pt x="4737768" y="3201315"/>
+                </a:lnTo>
+                <a:lnTo>
+                  <a:pt x="4738777" y="3343961"/>
+                </a:lnTo>
+                <a:lnTo>
+                  <a:pt x="4738777" y="3485236"/>
+                </a:lnTo>
+                <a:lnTo>
+                  <a:pt x="4740794" y="3625139"/>
+                </a:lnTo>
+                <a:lnTo>
+                  <a:pt x="4743819" y="3762299"/>
+                </a:lnTo>
+                <a:lnTo>
+                  <a:pt x="4746677" y="3898087"/>
+                </a:lnTo>
+                <a:lnTo>
+                  <a:pt x="4749871" y="4031133"/>
+                </a:lnTo>
+                <a:lnTo>
+                  <a:pt x="4754745" y="4163492"/>
+                </a:lnTo>
+                <a:lnTo>
+                  <a:pt x="4759956" y="4293793"/>
+                </a:lnTo>
+                <a:lnTo>
+                  <a:pt x="4764662" y="4421352"/>
+                </a:lnTo>
+                <a:lnTo>
+                  <a:pt x="4777942" y="4670298"/>
+                </a:lnTo>
+                <a:lnTo>
+                  <a:pt x="4792061" y="4908956"/>
+                </a:lnTo>
+                <a:lnTo>
+                  <a:pt x="4806853" y="5138013"/>
+                </a:lnTo>
+                <a:lnTo>
+                  <a:pt x="4823158" y="5354726"/>
+                </a:lnTo>
+                <a:lnTo>
+                  <a:pt x="4840135" y="5561838"/>
+                </a:lnTo>
+                <a:lnTo>
+                  <a:pt x="4858456" y="5753862"/>
+                </a:lnTo>
+                <a:lnTo>
+                  <a:pt x="4876442" y="5934227"/>
+                </a:lnTo>
+                <a:lnTo>
+                  <a:pt x="4894427" y="6100191"/>
+                </a:lnTo>
+                <a:lnTo>
+                  <a:pt x="4911404" y="6252438"/>
+                </a:lnTo>
+                <a:lnTo>
+                  <a:pt x="4927541" y="6387541"/>
+                </a:lnTo>
+                <a:lnTo>
+                  <a:pt x="4942837" y="6509613"/>
+                </a:lnTo>
+                <a:lnTo>
+                  <a:pt x="4955612" y="6612483"/>
+                </a:lnTo>
+                <a:lnTo>
+                  <a:pt x="4967714" y="6698894"/>
+                </a:lnTo>
+                <a:lnTo>
+                  <a:pt x="4985028" y="6817538"/>
+                </a:lnTo>
+                <a:lnTo>
+                  <a:pt x="4990911" y="6858000"/>
+                </a:lnTo>
+                <a:lnTo>
+                  <a:pt x="4085557" y="6858000"/>
+                </a:lnTo>
+                <a:lnTo>
+                  <a:pt x="4085557" y="6858001"/>
+                </a:lnTo>
+                <a:lnTo>
+                  <a:pt x="0" y="6858001"/>
+                </a:lnTo>
+                <a:lnTo>
+                  <a:pt x="0" y="1"/>
+                </a:lnTo>
+                <a:lnTo>
+                  <a:pt x="3646196" y="1"/>
+                </a:lnTo>
+                <a:close/>
+              </a:path>
+            </a:pathLst>
+          </a:custGeom>
+          <a:ln>
+            <a:noFill/>
+          </a:ln>
+        </p:spPr>
+        <p:style>
+          <a:lnRef idx="2">
+            <a:schemeClr val="accent1">
+              <a:shade val="50000"/>
+            </a:schemeClr>
+          </a:lnRef>
+          <a:fillRef idx="1003">
+            <a:schemeClr val="dk2"/>
+          </a:fillRef>
+          <a:effectRef idx="0">
+            <a:schemeClr val="accent1"/>
+          </a:effectRef>
+          <a:fontRef idx="minor">
+            <a:schemeClr val="lt1"/>
+          </a:fontRef>
+        </p:style>
+        <p:txBody>
+          <a:bodyPr rtlCol="0" anchor="ctr"/>
+          <a:lstStyle/>
+          <a:p>
+            <a:pPr algn="ctr"/>
+            <a:endParaRPr lang="en-US"/>
+          </a:p>
+        </p:txBody>
+      </p:sp>
+      <p:sp>
+        <p:nvSpPr>
+          <p:cNvPr id="14" name="Rectangle 13">
+            <a:extLst>
+              <a:ext uri="{FF2B5EF4-FFF2-40B4-BE49-F238E27FC236}">
+                <a16:creationId xmlns:a16="http://schemas.microsoft.com/office/drawing/2014/main" id="{0BA768A8-4FED-4ED8-9E46-6BE72188ECD2}"/>
+              </a:ext>
+              <a:ext uri="{C183D7F6-B498-43B3-948B-1728B52AA6E4}">
+                <adec:decorative xmlns:adec="http://schemas.microsoft.com/office/drawing/2017/decorative" val="1"/>
+              </a:ext>
+            </a:extLst>
+          </p:cNvPr>
+          <p:cNvSpPr>
+            <a:spLocks noGrp="1" noRot="1" noChangeAspect="1" noMove="1" noResize="1" noEditPoints="1" noAdjustHandles="1" noChangeArrowheads="1" noChangeShapeType="1" noTextEdit="1"/>
+          </p:cNvSpPr>
+          <p:nvPr>
+            <p:extLst>
+              <p:ext uri="{386F3935-93C4-4BCD-93E2-E3B085C9AB24}">
+                <p16:designElem xmlns:p16="http://schemas.microsoft.com/office/powerpoint/2015/main" val="1"/>
+              </p:ext>
+            </p:extLst>
+          </p:nvPr>
+        </p:nvSpPr>
+        <p:spPr>
+          <a:xfrm>
+            <a:off x="10437812" y="0"/>
+            <a:ext cx="685800" cy="1143000"/>
+          </a:xfrm>
+          <a:prstGeom prst="rect">
+            <a:avLst/>
+          </a:prstGeom>
+          <a:solidFill>
+            <a:schemeClr val="accent1"/>
+          </a:solidFill>
+          <a:ln>
+            <a:noFill/>
+          </a:ln>
+        </p:spPr>
+        <p:style>
+          <a:lnRef idx="1">
+            <a:schemeClr val="accent1"/>
+          </a:lnRef>
+          <a:fillRef idx="3">
+            <a:schemeClr val="accent1"/>
+          </a:fillRef>
+          <a:effectRef idx="2">
+            <a:schemeClr val="accent1"/>
+          </a:effectRef>
+          <a:fontRef idx="minor">
+            <a:schemeClr val="lt1"/>
+          </a:fontRef>
+        </p:style>
+        <p:txBody>
+          <a:bodyPr/>
+          <a:lstStyle/>
+          <a:p>
+            <a:endParaRPr lang="en-DK"/>
+          </a:p>
+        </p:txBody>
+      </p:sp>
+      <p:sp>
+        <p:nvSpPr>
+          <p:cNvPr id="2" name="Titel 1">
+            <a:extLst>
+              <a:ext uri="{FF2B5EF4-FFF2-40B4-BE49-F238E27FC236}">
+                <a16:creationId xmlns:a16="http://schemas.microsoft.com/office/drawing/2014/main" id="{0A69EEEE-C965-4E46-FAB8-79523327711F}"/>
+              </a:ext>
+            </a:extLst>
+          </p:cNvPr>
+          <p:cNvSpPr>
+            <a:spLocks noGrp="1"/>
+          </p:cNvSpPr>
+          <p:nvPr>
+            <p:ph type="title"/>
+          </p:nvPr>
+        </p:nvSpPr>
+        <p:spPr>
+          <a:xfrm>
+            <a:off x="653143" y="1645920"/>
+            <a:ext cx="3522879" cy="4470821"/>
+          </a:xfrm>
+        </p:spPr>
+        <p:txBody>
+          <a:bodyPr>
+            <a:normAutofit/>
+          </a:bodyPr>
+          <a:lstStyle/>
+          <a:p>
+            <a:pPr algn="r"/>
+            <a:r>
+              <a:rPr lang="en-DK" sz="3900">
+                <a:solidFill>
+                  <a:srgbClr val="FFFFFF"/>
+                </a:solidFill>
+              </a:rPr>
+              <a:t>GPIO/Analog input</a:t>
+            </a:r>
+          </a:p>
+        </p:txBody>
+      </p:sp>
+      <p:sp>
+        <p:nvSpPr>
+          <p:cNvPr id="3" name="Pladsholder til indhold 2">
+            <a:extLst>
+              <a:ext uri="{FF2B5EF4-FFF2-40B4-BE49-F238E27FC236}">
+                <a16:creationId xmlns:a16="http://schemas.microsoft.com/office/drawing/2014/main" id="{ADAC461C-F3E1-421E-845E-6C0137FB9CF0}"/>
+              </a:ext>
+            </a:extLst>
+          </p:cNvPr>
+          <p:cNvSpPr>
+            <a:spLocks noGrp="1"/>
+          </p:cNvSpPr>
+          <p:nvPr>
+            <p:ph idx="1"/>
+          </p:nvPr>
+        </p:nvSpPr>
+        <p:spPr>
+          <a:xfrm>
+            <a:off x="5204109" y="1645920"/>
+            <a:ext cx="5919503" cy="4470821"/>
+          </a:xfrm>
+        </p:spPr>
+        <p:txBody>
+          <a:bodyPr>
+            <a:normAutofit/>
+          </a:bodyPr>
+          <a:lstStyle/>
+          <a:p>
+            <a:pPr marL="0" indent="0">
+              <a:lnSpc>
+                <a:spcPct val="90000"/>
+              </a:lnSpc>
+              <a:buNone/>
+            </a:pPr>
+            <a:r>
+              <a:rPr lang="en-GB" sz="800"/>
+              <a:t>GPIO - De </a:t>
+            </a:r>
+            <a:r>
+              <a:rPr lang="en-GB" sz="800" err="1"/>
+              <a:t>Digitale</a:t>
+            </a:r>
+            <a:r>
+              <a:rPr lang="en-GB" sz="800"/>
+              <a:t> </a:t>
+            </a:r>
+            <a:r>
+              <a:rPr lang="en-GB" sz="800" err="1"/>
+              <a:t>Schweizerknive</a:t>
+            </a:r>
+            <a:r>
+              <a:rPr lang="en-DK" sz="800"/>
+              <a:t> (</a:t>
+            </a:r>
+            <a:r>
+              <a:rPr lang="en-GB" sz="800"/>
+              <a:t>GPIO: </a:t>
+            </a:r>
+            <a:r>
+              <a:rPr lang="en-GB" sz="800" err="1"/>
+              <a:t>Står</a:t>
+            </a:r>
+            <a:r>
+              <a:rPr lang="en-GB" sz="800"/>
+              <a:t> for General Purpose Input/Output</a:t>
+            </a:r>
+            <a:r>
+              <a:rPr lang="en-DK" sz="800"/>
+              <a:t>)</a:t>
+            </a:r>
+            <a:endParaRPr lang="en-GB" sz="800"/>
+          </a:p>
+          <a:p>
+            <a:pPr marL="0" indent="0">
+              <a:lnSpc>
+                <a:spcPct val="90000"/>
+              </a:lnSpc>
+              <a:buNone/>
+            </a:pPr>
+            <a:r>
+              <a:rPr lang="en-GB" sz="800" err="1"/>
+              <a:t>Hvad</a:t>
+            </a:r>
+            <a:r>
+              <a:rPr lang="en-GB" sz="800"/>
+              <a:t> er det? </a:t>
+            </a:r>
+            <a:r>
+              <a:rPr lang="en-GB" sz="800" err="1"/>
+              <a:t>Fysiske</a:t>
+            </a:r>
+            <a:r>
+              <a:rPr lang="en-GB" sz="800"/>
+              <a:t> ben (pins) </a:t>
+            </a:r>
+            <a:r>
+              <a:rPr lang="en-GB" sz="800" err="1"/>
+              <a:t>på</a:t>
+            </a:r>
+            <a:r>
+              <a:rPr lang="en-GB" sz="800"/>
+              <a:t> ESP32-chippen, </a:t>
+            </a:r>
+            <a:r>
+              <a:rPr lang="en-GB" sz="800" err="1"/>
+              <a:t>hvis</a:t>
+            </a:r>
+            <a:r>
+              <a:rPr lang="en-GB" sz="800"/>
+              <a:t> </a:t>
+            </a:r>
+            <a:r>
+              <a:rPr lang="en-GB" sz="800" err="1"/>
+              <a:t>funktion</a:t>
+            </a:r>
+            <a:r>
+              <a:rPr lang="en-GB" sz="800"/>
+              <a:t> </a:t>
+            </a:r>
+            <a:r>
+              <a:rPr lang="en-GB" sz="800" err="1"/>
+              <a:t>kan</a:t>
+            </a:r>
+            <a:r>
+              <a:rPr lang="en-GB" sz="800"/>
+              <a:t> </a:t>
+            </a:r>
+            <a:r>
+              <a:rPr lang="en-GB" sz="800" err="1"/>
+              <a:t>styres</a:t>
+            </a:r>
+            <a:r>
+              <a:rPr lang="en-GB" sz="800"/>
+              <a:t> via software. De er </a:t>
+            </a:r>
+            <a:r>
+              <a:rPr lang="en-GB" sz="800" err="1"/>
+              <a:t>ESP'ens</a:t>
+            </a:r>
+            <a:r>
+              <a:rPr lang="en-GB" sz="800"/>
+              <a:t> </a:t>
+            </a:r>
+            <a:r>
+              <a:rPr lang="en-GB" sz="800" err="1"/>
+              <a:t>primære</a:t>
+            </a:r>
+            <a:r>
+              <a:rPr lang="en-GB" sz="800"/>
+              <a:t> </a:t>
+            </a:r>
+            <a:r>
+              <a:rPr lang="en-GB" sz="800" err="1"/>
+              <a:t>måde</a:t>
+            </a:r>
+            <a:r>
+              <a:rPr lang="en-GB" sz="800"/>
+              <a:t> at </a:t>
+            </a:r>
+            <a:r>
+              <a:rPr lang="en-GB" sz="800" err="1"/>
+              <a:t>interagere</a:t>
+            </a:r>
+            <a:r>
+              <a:rPr lang="en-GB" sz="800"/>
+              <a:t> med den </a:t>
+            </a:r>
+            <a:r>
+              <a:rPr lang="en-GB" sz="800" err="1"/>
+              <a:t>fysiske</a:t>
+            </a:r>
+            <a:r>
+              <a:rPr lang="en-GB" sz="800"/>
+              <a:t> </a:t>
+            </a:r>
+            <a:r>
+              <a:rPr lang="en-GB" sz="800" err="1"/>
+              <a:t>verden</a:t>
+            </a:r>
+            <a:r>
+              <a:rPr lang="en-GB" sz="800"/>
+              <a:t> </a:t>
+            </a:r>
+            <a:r>
+              <a:rPr lang="en-GB" sz="800" err="1"/>
+              <a:t>på</a:t>
+            </a:r>
+            <a:r>
+              <a:rPr lang="en-GB" sz="800"/>
+              <a:t>.</a:t>
+            </a:r>
+          </a:p>
+          <a:p>
+            <a:pPr marL="0" indent="0">
+              <a:lnSpc>
+                <a:spcPct val="90000"/>
+              </a:lnSpc>
+              <a:buNone/>
+            </a:pPr>
+            <a:r>
+              <a:rPr lang="en-GB" sz="800" err="1"/>
+              <a:t>Fleksibilitet</a:t>
+            </a:r>
+            <a:r>
+              <a:rPr lang="en-GB" sz="800"/>
+              <a:t>: De </a:t>
+            </a:r>
+            <a:r>
+              <a:rPr lang="en-GB" sz="800" err="1"/>
+              <a:t>fleste</a:t>
+            </a:r>
+            <a:r>
+              <a:rPr lang="en-GB" sz="800"/>
+              <a:t> GPIO pins </a:t>
+            </a:r>
+            <a:r>
+              <a:rPr lang="en-GB" sz="800" err="1"/>
+              <a:t>på</a:t>
+            </a:r>
+            <a:r>
+              <a:rPr lang="en-GB" sz="800"/>
+              <a:t> ESP32 </a:t>
+            </a:r>
+            <a:r>
+              <a:rPr lang="en-GB" sz="800" err="1"/>
+              <a:t>kan</a:t>
+            </a:r>
+            <a:r>
+              <a:rPr lang="en-GB" sz="800"/>
+              <a:t> </a:t>
+            </a:r>
+            <a:r>
+              <a:rPr lang="en-GB" sz="800" err="1"/>
+              <a:t>konfigureres</a:t>
+            </a:r>
+            <a:r>
+              <a:rPr lang="en-GB" sz="800"/>
+              <a:t> </a:t>
+            </a:r>
+            <a:r>
+              <a:rPr lang="en-GB" sz="800" err="1"/>
+              <a:t>til</a:t>
+            </a:r>
+            <a:r>
+              <a:rPr lang="en-GB" sz="800"/>
+              <a:t> </a:t>
+            </a:r>
+            <a:r>
+              <a:rPr lang="en-GB" sz="800" err="1"/>
+              <a:t>flere</a:t>
+            </a:r>
+            <a:r>
+              <a:rPr lang="en-GB" sz="800"/>
+              <a:t> </a:t>
+            </a:r>
+            <a:r>
+              <a:rPr lang="en-GB" sz="800" err="1"/>
+              <a:t>forskellige</a:t>
+            </a:r>
+            <a:r>
+              <a:rPr lang="en-GB" sz="800"/>
+              <a:t> </a:t>
+            </a:r>
+            <a:r>
+              <a:rPr lang="en-GB" sz="800" err="1"/>
+              <a:t>funktioner</a:t>
+            </a:r>
+            <a:r>
+              <a:rPr lang="en-GB" sz="800"/>
+              <a:t>.</a:t>
+            </a:r>
+          </a:p>
+          <a:p>
+            <a:pPr marL="0" indent="0">
+              <a:lnSpc>
+                <a:spcPct val="90000"/>
+              </a:lnSpc>
+              <a:buNone/>
+            </a:pPr>
+            <a:r>
+              <a:rPr lang="en-GB" sz="800"/>
+              <a:t>GPIO </a:t>
+            </a:r>
+            <a:r>
+              <a:rPr lang="en-GB" sz="800" err="1"/>
+              <a:t>Funktioner</a:t>
+            </a:r>
+            <a:r>
+              <a:rPr lang="en-GB" sz="800"/>
+              <a:t> (Primære):</a:t>
+            </a:r>
+          </a:p>
+          <a:p>
+            <a:pPr>
+              <a:lnSpc>
+                <a:spcPct val="90000"/>
+              </a:lnSpc>
+            </a:pPr>
+            <a:r>
+              <a:rPr lang="en-GB" sz="800"/>
+              <a:t>Digital Input (INPUT):</a:t>
+            </a:r>
+          </a:p>
+          <a:p>
+            <a:pPr>
+              <a:lnSpc>
+                <a:spcPct val="90000"/>
+              </a:lnSpc>
+            </a:pPr>
+            <a:r>
+              <a:rPr lang="en-GB" sz="800" err="1"/>
+              <a:t>Læser</a:t>
+            </a:r>
+            <a:r>
+              <a:rPr lang="en-GB" sz="800"/>
+              <a:t> </a:t>
+            </a:r>
+            <a:r>
+              <a:rPr lang="en-GB" sz="800" err="1"/>
+              <a:t>en</a:t>
+            </a:r>
+            <a:r>
+              <a:rPr lang="en-GB" sz="800"/>
+              <a:t> digital </a:t>
+            </a:r>
+            <a:r>
+              <a:rPr lang="en-GB" sz="800" err="1"/>
+              <a:t>tilstand</a:t>
+            </a:r>
+            <a:r>
+              <a:rPr lang="en-GB" sz="800"/>
+              <a:t>: HØJ (</a:t>
+            </a:r>
+            <a:r>
+              <a:rPr lang="en-GB" sz="800" err="1"/>
+              <a:t>typisk</a:t>
+            </a:r>
+            <a:r>
+              <a:rPr lang="en-GB" sz="800"/>
+              <a:t> ~3.3V) </a:t>
+            </a:r>
+            <a:r>
+              <a:rPr lang="en-GB" sz="800" err="1"/>
+              <a:t>eller</a:t>
+            </a:r>
+            <a:r>
+              <a:rPr lang="en-GB" sz="800"/>
+              <a:t> LAV (</a:t>
+            </a:r>
+            <a:r>
+              <a:rPr lang="en-GB" sz="800" err="1"/>
+              <a:t>typisk</a:t>
+            </a:r>
+            <a:r>
+              <a:rPr lang="en-GB" sz="800"/>
+              <a:t> ~0V / GND).</a:t>
+            </a:r>
+          </a:p>
+          <a:p>
+            <a:pPr>
+              <a:lnSpc>
+                <a:spcPct val="90000"/>
+              </a:lnSpc>
+            </a:pPr>
+            <a:r>
+              <a:rPr lang="en-GB" sz="800"/>
+              <a:t>Bruges </a:t>
+            </a:r>
+            <a:r>
+              <a:rPr lang="en-GB" sz="800" err="1"/>
+              <a:t>til</a:t>
+            </a:r>
+            <a:r>
+              <a:rPr lang="en-GB" sz="800"/>
+              <a:t> </a:t>
+            </a:r>
+            <a:r>
+              <a:rPr lang="en-GB" sz="800" err="1"/>
+              <a:t>knapper</a:t>
+            </a:r>
+            <a:r>
+              <a:rPr lang="en-GB" sz="800"/>
+              <a:t>, simple </a:t>
+            </a:r>
+            <a:r>
+              <a:rPr lang="en-GB" sz="800" err="1"/>
+              <a:t>sensorer</a:t>
+            </a:r>
+            <a:r>
+              <a:rPr lang="en-GB" sz="800"/>
+              <a:t> (</a:t>
+            </a:r>
+            <a:r>
+              <a:rPr lang="en-GB" sz="800" err="1"/>
+              <a:t>f.eks</a:t>
+            </a:r>
+            <a:r>
+              <a:rPr lang="en-GB" sz="800"/>
+              <a:t>. </a:t>
+            </a:r>
+            <a:r>
+              <a:rPr lang="en-GB" sz="800" err="1"/>
+              <a:t>bevægelsessensor</a:t>
+            </a:r>
+            <a:r>
+              <a:rPr lang="en-GB" sz="800"/>
+              <a:t>), signal fra </a:t>
+            </a:r>
+            <a:r>
+              <a:rPr lang="en-GB" sz="800" err="1"/>
+              <a:t>andre</a:t>
+            </a:r>
+            <a:r>
+              <a:rPr lang="en-GB" sz="800"/>
+              <a:t> </a:t>
+            </a:r>
+            <a:r>
+              <a:rPr lang="en-GB" sz="800" err="1"/>
+              <a:t>enheder</a:t>
+            </a:r>
+            <a:r>
+              <a:rPr lang="en-GB" sz="800"/>
+              <a:t>.</a:t>
+            </a:r>
+          </a:p>
+          <a:p>
+            <a:pPr>
+              <a:lnSpc>
+                <a:spcPct val="90000"/>
+              </a:lnSpc>
+            </a:pPr>
+            <a:r>
+              <a:rPr lang="en-GB" sz="800"/>
+              <a:t>Kan </a:t>
+            </a:r>
+            <a:r>
+              <a:rPr lang="en-GB" sz="800" err="1"/>
+              <a:t>ofte</a:t>
+            </a:r>
+            <a:r>
+              <a:rPr lang="en-GB" sz="800"/>
+              <a:t> </a:t>
+            </a:r>
+            <a:r>
+              <a:rPr lang="en-GB" sz="800" err="1"/>
+              <a:t>konfigureres</a:t>
+            </a:r>
+            <a:r>
+              <a:rPr lang="en-GB" sz="800"/>
+              <a:t> med INPUT_PULLUP (intern </a:t>
+            </a:r>
+            <a:r>
+              <a:rPr lang="en-GB" sz="800" err="1"/>
+              <a:t>modstand</a:t>
+            </a:r>
+            <a:r>
+              <a:rPr lang="en-GB" sz="800"/>
+              <a:t> </a:t>
+            </a:r>
+            <a:r>
+              <a:rPr lang="en-GB" sz="800" err="1"/>
+              <a:t>til</a:t>
+            </a:r>
+            <a:r>
+              <a:rPr lang="en-GB" sz="800"/>
+              <a:t> 3.3V) </a:t>
+            </a:r>
+            <a:r>
+              <a:rPr lang="en-GB" sz="800" err="1"/>
+              <a:t>eller</a:t>
+            </a:r>
+            <a:r>
+              <a:rPr lang="en-GB" sz="800"/>
+              <a:t> INPUT_PULLDOWN (intern </a:t>
+            </a:r>
+            <a:r>
+              <a:rPr lang="en-GB" sz="800" err="1"/>
+              <a:t>modstand</a:t>
+            </a:r>
+            <a:r>
+              <a:rPr lang="en-GB" sz="800"/>
+              <a:t> </a:t>
+            </a:r>
+            <a:r>
+              <a:rPr lang="en-GB" sz="800" err="1"/>
+              <a:t>til</a:t>
+            </a:r>
+            <a:r>
+              <a:rPr lang="en-GB" sz="800"/>
+              <a:t> GND) for at </a:t>
+            </a:r>
+            <a:r>
+              <a:rPr lang="en-GB" sz="800" err="1"/>
+              <a:t>sikre</a:t>
+            </a:r>
+            <a:r>
+              <a:rPr lang="en-GB" sz="800"/>
+              <a:t> </a:t>
+            </a:r>
+            <a:r>
+              <a:rPr lang="en-GB" sz="800" err="1"/>
+              <a:t>en</a:t>
+            </a:r>
+            <a:r>
+              <a:rPr lang="en-GB" sz="800"/>
+              <a:t> </a:t>
+            </a:r>
+            <a:r>
+              <a:rPr lang="en-GB" sz="800" err="1"/>
+              <a:t>stabil</a:t>
+            </a:r>
+            <a:r>
+              <a:rPr lang="en-GB" sz="800"/>
+              <a:t> </a:t>
+            </a:r>
+            <a:r>
+              <a:rPr lang="en-GB" sz="800" err="1"/>
+              <a:t>tilstand</a:t>
+            </a:r>
+            <a:r>
+              <a:rPr lang="en-GB" sz="800"/>
+              <a:t>, </a:t>
+            </a:r>
+            <a:r>
+              <a:rPr lang="en-GB" sz="800" err="1"/>
+              <a:t>når</a:t>
+            </a:r>
+            <a:r>
+              <a:rPr lang="en-GB" sz="800"/>
+              <a:t> </a:t>
+            </a:r>
+            <a:r>
+              <a:rPr lang="en-GB" sz="800" err="1"/>
+              <a:t>intet</a:t>
+            </a:r>
+            <a:r>
+              <a:rPr lang="en-GB" sz="800"/>
+              <a:t> er </a:t>
+            </a:r>
+            <a:r>
+              <a:rPr lang="en-GB" sz="800" err="1"/>
+              <a:t>tilsluttet</a:t>
+            </a:r>
+            <a:r>
+              <a:rPr lang="en-GB" sz="800"/>
+              <a:t>.</a:t>
+            </a:r>
+          </a:p>
+          <a:p>
+            <a:pPr marL="0" indent="0">
+              <a:lnSpc>
+                <a:spcPct val="90000"/>
+              </a:lnSpc>
+              <a:buNone/>
+            </a:pPr>
+            <a:r>
+              <a:rPr lang="en-GB" sz="800"/>
+              <a:t>Digital Output (OUTPUT):</a:t>
+            </a:r>
+          </a:p>
+          <a:p>
+            <a:pPr>
+              <a:lnSpc>
+                <a:spcPct val="90000"/>
+              </a:lnSpc>
+            </a:pPr>
+            <a:r>
+              <a:rPr lang="en-GB" sz="800"/>
+              <a:t>Sætter </a:t>
+            </a:r>
+            <a:r>
+              <a:rPr lang="en-GB" sz="800" err="1"/>
+              <a:t>en</a:t>
+            </a:r>
+            <a:r>
+              <a:rPr lang="en-GB" sz="800"/>
+              <a:t> digital </a:t>
+            </a:r>
+            <a:r>
+              <a:rPr lang="en-GB" sz="800" err="1"/>
+              <a:t>tilstand</a:t>
+            </a:r>
+            <a:r>
+              <a:rPr lang="en-GB" sz="800"/>
+              <a:t>: HØJ (3.3V) </a:t>
+            </a:r>
+            <a:r>
+              <a:rPr lang="en-GB" sz="800" err="1"/>
+              <a:t>eller</a:t>
+            </a:r>
+            <a:r>
+              <a:rPr lang="en-GB" sz="800"/>
+              <a:t> LAV (GND).</a:t>
+            </a:r>
+          </a:p>
+          <a:p>
+            <a:pPr>
+              <a:lnSpc>
+                <a:spcPct val="90000"/>
+              </a:lnSpc>
+            </a:pPr>
+            <a:r>
+              <a:rPr lang="en-GB" sz="800"/>
+              <a:t>Bruges </a:t>
+            </a:r>
+            <a:r>
+              <a:rPr lang="en-GB" sz="800" err="1"/>
+              <a:t>til</a:t>
+            </a:r>
+            <a:r>
+              <a:rPr lang="en-GB" sz="800"/>
+              <a:t> at </a:t>
+            </a:r>
+            <a:r>
+              <a:rPr lang="en-GB" sz="800" err="1"/>
+              <a:t>tænde</a:t>
+            </a:r>
+            <a:r>
+              <a:rPr lang="en-GB" sz="800"/>
+              <a:t>/</a:t>
+            </a:r>
+            <a:r>
+              <a:rPr lang="en-GB" sz="800" err="1"/>
+              <a:t>slukke</a:t>
+            </a:r>
+            <a:r>
+              <a:rPr lang="en-GB" sz="800"/>
+              <a:t> LEDs, </a:t>
+            </a:r>
+            <a:r>
+              <a:rPr lang="en-GB" sz="800" err="1"/>
+              <a:t>styre</a:t>
+            </a:r>
+            <a:r>
+              <a:rPr lang="en-GB" sz="800"/>
+              <a:t> </a:t>
+            </a:r>
+            <a:r>
+              <a:rPr lang="en-GB" sz="800" err="1"/>
+              <a:t>relæer</a:t>
+            </a:r>
+            <a:r>
+              <a:rPr lang="en-GB" sz="800"/>
+              <a:t> (via transistor), </a:t>
+            </a:r>
+            <a:r>
+              <a:rPr lang="en-GB" sz="800" err="1"/>
+              <a:t>sende</a:t>
+            </a:r>
+            <a:r>
+              <a:rPr lang="en-GB" sz="800"/>
+              <a:t> simple </a:t>
+            </a:r>
+            <a:r>
+              <a:rPr lang="en-GB" sz="800" err="1"/>
+              <a:t>signaler</a:t>
+            </a:r>
+            <a:r>
+              <a:rPr lang="en-GB" sz="800"/>
+              <a:t>.</a:t>
+            </a:r>
+          </a:p>
+          <a:p>
+            <a:pPr marL="0" indent="0">
+              <a:lnSpc>
+                <a:spcPct val="90000"/>
+              </a:lnSpc>
+              <a:buNone/>
+            </a:pPr>
+            <a:r>
+              <a:rPr lang="en-GB" sz="800"/>
+              <a:t>VIGTIGT for ESP32:</a:t>
+            </a:r>
+          </a:p>
+          <a:p>
+            <a:pPr>
+              <a:lnSpc>
+                <a:spcPct val="90000"/>
+              </a:lnSpc>
+            </a:pPr>
+            <a:r>
+              <a:rPr lang="en-GB" sz="800" err="1"/>
+              <a:t>Logisk</a:t>
+            </a:r>
+            <a:r>
+              <a:rPr lang="en-GB" sz="800"/>
+              <a:t> </a:t>
+            </a:r>
+            <a:r>
+              <a:rPr lang="en-GB" sz="800" err="1"/>
+              <a:t>Niveau</a:t>
+            </a:r>
+            <a:r>
+              <a:rPr lang="en-GB" sz="800"/>
+              <a:t>: ESP32 </a:t>
+            </a:r>
+            <a:r>
+              <a:rPr lang="en-GB" sz="800" err="1"/>
+              <a:t>arbejder</a:t>
+            </a:r>
+            <a:r>
+              <a:rPr lang="en-GB" sz="800"/>
+              <a:t> med 3.3V </a:t>
+            </a:r>
+            <a:r>
+              <a:rPr lang="en-GB" sz="800" err="1"/>
+              <a:t>logik</a:t>
+            </a:r>
+            <a:r>
+              <a:rPr lang="en-GB" sz="800"/>
+              <a:t>.</a:t>
+            </a:r>
+          </a:p>
+          <a:p>
+            <a:pPr>
+              <a:lnSpc>
+                <a:spcPct val="90000"/>
+              </a:lnSpc>
+            </a:pPr>
+            <a:r>
+              <a:rPr lang="en-GB" sz="800"/>
+              <a:t>Tolerance: Pins er </a:t>
+            </a:r>
+            <a:r>
+              <a:rPr lang="en-GB" sz="800" err="1"/>
+              <a:t>generelt</a:t>
+            </a:r>
+            <a:r>
+              <a:rPr lang="en-GB" sz="800"/>
+              <a:t> IKKE 5V </a:t>
+            </a:r>
+            <a:r>
+              <a:rPr lang="en-GB" sz="800" err="1"/>
+              <a:t>tolerante</a:t>
+            </a:r>
+            <a:r>
+              <a:rPr lang="en-GB" sz="800"/>
+              <a:t>! </a:t>
+            </a:r>
+            <a:r>
+              <a:rPr lang="en-GB" sz="800" err="1"/>
+              <a:t>Tilslutning</a:t>
+            </a:r>
+            <a:r>
+              <a:rPr lang="en-GB" sz="800"/>
+              <a:t> </a:t>
+            </a:r>
+            <a:r>
+              <a:rPr lang="en-GB" sz="800" err="1"/>
+              <a:t>af</a:t>
+            </a:r>
+            <a:r>
+              <a:rPr lang="en-GB" sz="800"/>
+              <a:t> 5V </a:t>
+            </a:r>
+            <a:r>
+              <a:rPr lang="en-GB" sz="800" err="1"/>
+              <a:t>signaler</a:t>
+            </a:r>
+            <a:r>
+              <a:rPr lang="en-GB" sz="800"/>
+              <a:t> </a:t>
+            </a:r>
+            <a:r>
+              <a:rPr lang="en-GB" sz="800" err="1"/>
+              <a:t>direkte</a:t>
+            </a:r>
+            <a:r>
+              <a:rPr lang="en-GB" sz="800"/>
+              <a:t> </a:t>
+            </a:r>
+            <a:r>
+              <a:rPr lang="en-GB" sz="800" err="1"/>
+              <a:t>kan</a:t>
+            </a:r>
+            <a:r>
+              <a:rPr lang="en-GB" sz="800"/>
+              <a:t> </a:t>
+            </a:r>
+            <a:r>
+              <a:rPr lang="en-GB" sz="800" err="1"/>
+              <a:t>beskadige</a:t>
+            </a:r>
+            <a:r>
+              <a:rPr lang="en-GB" sz="800"/>
+              <a:t> </a:t>
+            </a:r>
+            <a:r>
+              <a:rPr lang="en-GB" sz="800" err="1"/>
+              <a:t>ESP'en</a:t>
+            </a:r>
+            <a:r>
+              <a:rPr lang="en-GB" sz="800"/>
+              <a:t>. Brug level shifters </a:t>
+            </a:r>
+            <a:r>
+              <a:rPr lang="en-GB" sz="800" err="1"/>
+              <a:t>hvis</a:t>
+            </a:r>
+            <a:r>
+              <a:rPr lang="en-GB" sz="800"/>
+              <a:t> </a:t>
+            </a:r>
+            <a:r>
+              <a:rPr lang="en-GB" sz="800" err="1"/>
+              <a:t>nødvendigt</a:t>
+            </a:r>
+            <a:r>
+              <a:rPr lang="en-GB" sz="800"/>
+              <a:t>.</a:t>
+            </a:r>
+          </a:p>
+          <a:p>
+            <a:pPr>
+              <a:lnSpc>
+                <a:spcPct val="90000"/>
+              </a:lnSpc>
+            </a:pPr>
+            <a:r>
+              <a:rPr lang="en-GB" sz="800"/>
+              <a:t>Strøm: </a:t>
+            </a:r>
+            <a:r>
+              <a:rPr lang="en-GB" sz="800" err="1"/>
+              <a:t>Hver</a:t>
+            </a:r>
+            <a:r>
+              <a:rPr lang="en-GB" sz="800"/>
+              <a:t> pin </a:t>
+            </a:r>
+            <a:r>
+              <a:rPr lang="en-GB" sz="800" err="1"/>
+              <a:t>kan</a:t>
+            </a:r>
+            <a:r>
+              <a:rPr lang="en-GB" sz="800"/>
+              <a:t> </a:t>
+            </a:r>
+            <a:r>
+              <a:rPr lang="en-GB" sz="800" err="1"/>
+              <a:t>kun</a:t>
+            </a:r>
+            <a:r>
+              <a:rPr lang="en-GB" sz="800"/>
+              <a:t> </a:t>
+            </a:r>
+            <a:r>
+              <a:rPr lang="en-GB" sz="800" err="1"/>
+              <a:t>levere</a:t>
+            </a:r>
+            <a:r>
+              <a:rPr lang="en-GB" sz="800"/>
+              <a:t>/</a:t>
+            </a:r>
+            <a:r>
+              <a:rPr lang="en-GB" sz="800" err="1"/>
+              <a:t>modtage</a:t>
+            </a:r>
+            <a:r>
+              <a:rPr lang="en-GB" sz="800"/>
+              <a:t> </a:t>
+            </a:r>
+            <a:r>
+              <a:rPr lang="en-GB" sz="800" err="1"/>
+              <a:t>en</a:t>
+            </a:r>
+            <a:r>
+              <a:rPr lang="en-GB" sz="800"/>
+              <a:t> </a:t>
+            </a:r>
+            <a:r>
+              <a:rPr lang="en-GB" sz="800" err="1"/>
+              <a:t>begrænset</a:t>
+            </a:r>
+            <a:r>
+              <a:rPr lang="en-GB" sz="800"/>
+              <a:t> </a:t>
+            </a:r>
+            <a:r>
+              <a:rPr lang="en-GB" sz="800" err="1"/>
+              <a:t>mængde</a:t>
+            </a:r>
+            <a:r>
+              <a:rPr lang="en-GB" sz="800"/>
+              <a:t> </a:t>
+            </a:r>
+            <a:r>
+              <a:rPr lang="en-GB" sz="800" err="1"/>
+              <a:t>strøm</a:t>
+            </a:r>
+            <a:r>
+              <a:rPr lang="en-GB" sz="800"/>
+              <a:t> (</a:t>
+            </a:r>
+            <a:r>
+              <a:rPr lang="en-GB" sz="800" err="1"/>
+              <a:t>typisk</a:t>
+            </a:r>
+            <a:r>
+              <a:rPr lang="en-GB" sz="800"/>
+              <a:t> &lt; 40mA, </a:t>
+            </a:r>
+            <a:r>
+              <a:rPr lang="en-GB" sz="800" err="1"/>
+              <a:t>ofte</a:t>
+            </a:r>
+            <a:r>
+              <a:rPr lang="en-GB" sz="800"/>
+              <a:t> </a:t>
+            </a:r>
+            <a:r>
+              <a:rPr lang="en-GB" sz="800" err="1"/>
+              <a:t>anbefales</a:t>
+            </a:r>
+            <a:r>
+              <a:rPr lang="en-GB" sz="800"/>
+              <a:t> &lt; 12mA for output). Til </a:t>
+            </a:r>
+            <a:r>
+              <a:rPr lang="en-GB" sz="800" err="1"/>
+              <a:t>større</a:t>
+            </a:r>
+            <a:r>
+              <a:rPr lang="en-GB" sz="800"/>
+              <a:t> </a:t>
+            </a:r>
+            <a:r>
+              <a:rPr lang="en-GB" sz="800" err="1"/>
+              <a:t>belastninger</a:t>
+            </a:r>
+            <a:r>
+              <a:rPr lang="en-GB" sz="800"/>
+              <a:t> (motorer, mange LEDs) </a:t>
+            </a:r>
+            <a:r>
+              <a:rPr lang="en-GB" sz="800" err="1"/>
+              <a:t>kræves</a:t>
+            </a:r>
+            <a:r>
+              <a:rPr lang="en-GB" sz="800"/>
+              <a:t> </a:t>
+            </a:r>
+            <a:r>
+              <a:rPr lang="en-GB" sz="800" err="1"/>
+              <a:t>ekstern</a:t>
+            </a:r>
+            <a:r>
+              <a:rPr lang="en-GB" sz="800"/>
+              <a:t> driver (transistor, MOSFET, </a:t>
+            </a:r>
+            <a:r>
+              <a:rPr lang="en-GB" sz="800" err="1"/>
+              <a:t>relæ-modul</a:t>
+            </a:r>
+            <a:r>
+              <a:rPr lang="en-GB" sz="800"/>
+              <a:t>).</a:t>
+            </a:r>
+          </a:p>
+          <a:p>
+            <a:pPr>
+              <a:lnSpc>
+                <a:spcPct val="90000"/>
+              </a:lnSpc>
+            </a:pPr>
+            <a:r>
+              <a:rPr lang="en-GB" sz="800" err="1"/>
+              <a:t>Specielle</a:t>
+            </a:r>
+            <a:r>
+              <a:rPr lang="en-GB" sz="800"/>
+              <a:t> Pins: Nogle pins </a:t>
+            </a:r>
+            <a:r>
+              <a:rPr lang="en-GB" sz="800" err="1"/>
+              <a:t>har</a:t>
+            </a:r>
+            <a:r>
+              <a:rPr lang="en-GB" sz="800"/>
+              <a:t> </a:t>
+            </a:r>
+            <a:r>
+              <a:rPr lang="en-GB" sz="800" err="1"/>
+              <a:t>begrænsninger</a:t>
+            </a:r>
+            <a:r>
+              <a:rPr lang="en-GB" sz="800"/>
+              <a:t> (</a:t>
+            </a:r>
+            <a:r>
+              <a:rPr lang="en-GB" sz="800" err="1"/>
+              <a:t>f.eks</a:t>
+            </a:r>
+            <a:r>
+              <a:rPr lang="en-GB" sz="800"/>
+              <a:t>. </a:t>
+            </a:r>
+            <a:r>
+              <a:rPr lang="en-GB" sz="800" err="1"/>
+              <a:t>kun</a:t>
+            </a:r>
+            <a:r>
+              <a:rPr lang="en-GB" sz="800"/>
+              <a:t> input: 34, 35, 36, 39) </a:t>
+            </a:r>
+            <a:r>
+              <a:rPr lang="en-GB" sz="800" err="1"/>
+              <a:t>eller</a:t>
+            </a:r>
+            <a:r>
+              <a:rPr lang="en-GB" sz="800"/>
+              <a:t> </a:t>
+            </a:r>
+            <a:r>
+              <a:rPr lang="en-GB" sz="800" err="1"/>
+              <a:t>specielle</a:t>
+            </a:r>
+            <a:r>
+              <a:rPr lang="en-GB" sz="800"/>
+              <a:t> </a:t>
+            </a:r>
+            <a:r>
+              <a:rPr lang="en-GB" sz="800" err="1"/>
+              <a:t>funktioner</a:t>
+            </a:r>
+            <a:r>
+              <a:rPr lang="en-GB" sz="800"/>
+              <a:t> (touch, strapping pins </a:t>
+            </a:r>
+            <a:r>
+              <a:rPr lang="en-GB" sz="800" err="1"/>
+              <a:t>ved</a:t>
+            </a:r>
+            <a:r>
+              <a:rPr lang="en-GB" sz="800"/>
+              <a:t> boot).</a:t>
+            </a:r>
+          </a:p>
+        </p:txBody>
+      </p:sp>
+    </p:spTree>
+    <p:extLst>
+      <p:ext uri="{BB962C8B-B14F-4D97-AF65-F5344CB8AC3E}">
+        <p14:creationId xmlns:p14="http://schemas.microsoft.com/office/powerpoint/2010/main" val="3955616230"/>
+      </p:ext>
+    </p:extLst>
+  </p:cSld>
+  <p:clrMapOvr>
+    <a:overrideClrMapping bg1="lt1" tx1="dk1" bg2="lt2" tx2="dk2" accent1="accent1" accent2="accent2" accent3="accent3" accent4="accent4" accent5="accent5" accent6="accent6" hlink="hlink" folHlink="folHlink"/>
+  </p:clrMapOvr>
+</p:sld>
+</file>
+
+<file path=ppt/slides/slide21.xml><?xml version="1.0" encoding="utf-8"?>
+<p:sld xmlns:a="http://schemas.openxmlformats.org/drawingml/2006/main" xmlns:r="http://schemas.openxmlformats.org/officeDocument/2006/relationships" xmlns:p="http://schemas.openxmlformats.org/presentationml/2006/main">
+  <p:cSld>
+    <p:spTree>
+      <p:nvGrpSpPr>
+        <p:cNvPr id="1" name=""/>
+        <p:cNvGrpSpPr/>
+        <p:nvPr/>
+      </p:nvGrpSpPr>
+      <p:grpSpPr>
+        <a:xfrm>
+          <a:off x="0" y="0"/>
+          <a:ext cx="0" cy="0"/>
+          <a:chOff x="0" y="0"/>
+          <a:chExt cx="0" cy="0"/>
+        </a:xfrm>
+      </p:grpSpPr>
+      <p:sp>
+        <p:nvSpPr>
+          <p:cNvPr id="2" name="Titel 1">
+            <a:extLst>
+              <a:ext uri="{FF2B5EF4-FFF2-40B4-BE49-F238E27FC236}">
+                <a16:creationId xmlns:a16="http://schemas.microsoft.com/office/drawing/2014/main" id="{E29A0DFD-BCCE-99D8-3064-360E4533D969}"/>
+              </a:ext>
+            </a:extLst>
+          </p:cNvPr>
+          <p:cNvSpPr>
+            <a:spLocks noGrp="1"/>
+          </p:cNvSpPr>
+          <p:nvPr>
+            <p:ph type="title"/>
+          </p:nvPr>
+        </p:nvSpPr>
+        <p:spPr/>
+        <p:txBody>
+          <a:bodyPr/>
+          <a:lstStyle/>
+          <a:p>
+            <a:r>
+              <a:rPr lang="en-DK" dirty="0"/>
+              <a:t>GPIO/Analog input</a:t>
+            </a:r>
+          </a:p>
+        </p:txBody>
+      </p:sp>
+      <p:sp>
+        <p:nvSpPr>
+          <p:cNvPr id="3" name="Pladsholder til indhold 2">
+            <a:extLst>
+              <a:ext uri="{FF2B5EF4-FFF2-40B4-BE49-F238E27FC236}">
+                <a16:creationId xmlns:a16="http://schemas.microsoft.com/office/drawing/2014/main" id="{46637D79-421A-6068-E386-31D2BC2425C3}"/>
+              </a:ext>
+            </a:extLst>
+          </p:cNvPr>
+          <p:cNvSpPr>
+            <a:spLocks noGrp="1"/>
+          </p:cNvSpPr>
+          <p:nvPr>
+            <p:ph idx="1"/>
+          </p:nvPr>
+        </p:nvSpPr>
+        <p:spPr/>
+        <p:txBody>
+          <a:bodyPr>
+            <a:normAutofit fontScale="40000" lnSpcReduction="20000"/>
+          </a:bodyPr>
+          <a:lstStyle/>
+          <a:p>
+            <a:pPr marL="0" indent="0">
+              <a:buNone/>
+            </a:pPr>
+            <a:r>
+              <a:rPr lang="en-GB" dirty="0"/>
+              <a:t>Analog Input - </a:t>
+            </a:r>
+            <a:r>
+              <a:rPr lang="en-GB" dirty="0" err="1"/>
+              <a:t>Måling</a:t>
+            </a:r>
+            <a:r>
+              <a:rPr lang="en-GB" dirty="0"/>
+              <a:t> </a:t>
+            </a:r>
+            <a:r>
+              <a:rPr lang="en-GB" dirty="0" err="1"/>
+              <a:t>af</a:t>
+            </a:r>
+            <a:r>
+              <a:rPr lang="en-GB" dirty="0"/>
+              <a:t> </a:t>
+            </a:r>
+            <a:r>
+              <a:rPr lang="en-GB" dirty="0" err="1"/>
+              <a:t>Kontinuerlige</a:t>
+            </a:r>
+            <a:r>
+              <a:rPr lang="en-GB" dirty="0"/>
+              <a:t> </a:t>
+            </a:r>
+            <a:r>
+              <a:rPr lang="en-GB" dirty="0" err="1"/>
+              <a:t>Værdier</a:t>
+            </a:r>
+            <a:endParaRPr lang="en-GB" dirty="0"/>
+          </a:p>
+          <a:p>
+            <a:r>
+              <a:rPr lang="en-GB" dirty="0" err="1"/>
+              <a:t>Hvad</a:t>
+            </a:r>
+            <a:r>
+              <a:rPr lang="en-GB" dirty="0"/>
+              <a:t> er det? </a:t>
+            </a:r>
+            <a:r>
+              <a:rPr lang="en-GB" dirty="0" err="1"/>
+              <a:t>Evnen</a:t>
+            </a:r>
+            <a:r>
+              <a:rPr lang="en-GB" dirty="0"/>
+              <a:t> </a:t>
+            </a:r>
+            <a:r>
+              <a:rPr lang="en-GB" dirty="0" err="1"/>
+              <a:t>til</a:t>
+            </a:r>
+            <a:r>
+              <a:rPr lang="en-GB" dirty="0"/>
+              <a:t> at </a:t>
+            </a:r>
+            <a:r>
+              <a:rPr lang="en-GB" dirty="0" err="1"/>
+              <a:t>måle</a:t>
+            </a:r>
+            <a:r>
+              <a:rPr lang="en-GB" dirty="0"/>
+              <a:t> </a:t>
+            </a:r>
+            <a:r>
+              <a:rPr lang="en-GB" dirty="0" err="1"/>
+              <a:t>en</a:t>
+            </a:r>
+            <a:r>
+              <a:rPr lang="en-GB" dirty="0"/>
+              <a:t> </a:t>
+            </a:r>
+            <a:r>
+              <a:rPr lang="en-GB" dirty="0" err="1"/>
+              <a:t>kontinuert</a:t>
+            </a:r>
+            <a:r>
+              <a:rPr lang="en-GB" dirty="0"/>
+              <a:t> </a:t>
+            </a:r>
+            <a:r>
+              <a:rPr lang="en-GB" dirty="0" err="1"/>
+              <a:t>spænding</a:t>
+            </a:r>
+            <a:r>
+              <a:rPr lang="en-GB" dirty="0"/>
+              <a:t> (</a:t>
+            </a:r>
+            <a:r>
+              <a:rPr lang="en-GB" dirty="0" err="1"/>
+              <a:t>inden</a:t>
+            </a:r>
+            <a:r>
+              <a:rPr lang="en-GB" dirty="0"/>
+              <a:t> for et </a:t>
+            </a:r>
+            <a:r>
+              <a:rPr lang="en-GB" dirty="0" err="1"/>
+              <a:t>bestemt</a:t>
+            </a:r>
+            <a:r>
+              <a:rPr lang="en-GB" dirty="0"/>
+              <a:t> </a:t>
+            </a:r>
+            <a:r>
+              <a:rPr lang="en-GB" dirty="0" err="1"/>
+              <a:t>område</a:t>
+            </a:r>
+            <a:r>
+              <a:rPr lang="en-GB" dirty="0"/>
+              <a:t>) </a:t>
+            </a:r>
+            <a:r>
+              <a:rPr lang="en-GB" dirty="0" err="1"/>
+              <a:t>i</a:t>
+            </a:r>
+            <a:r>
+              <a:rPr lang="en-GB" dirty="0"/>
+              <a:t> </a:t>
+            </a:r>
+            <a:r>
+              <a:rPr lang="en-GB" dirty="0" err="1"/>
+              <a:t>stedet</a:t>
+            </a:r>
+            <a:r>
+              <a:rPr lang="en-GB" dirty="0"/>
+              <a:t> for </a:t>
+            </a:r>
+            <a:r>
+              <a:rPr lang="en-GB" dirty="0" err="1"/>
+              <a:t>kun</a:t>
+            </a:r>
+            <a:r>
+              <a:rPr lang="en-GB" dirty="0"/>
+              <a:t> HØJ/LAV.</a:t>
+            </a:r>
+          </a:p>
+          <a:p>
+            <a:pPr marL="0" indent="0">
+              <a:buNone/>
+            </a:pPr>
+            <a:r>
+              <a:rPr lang="en-GB" dirty="0"/>
+              <a:t>ADC: </a:t>
+            </a:r>
+            <a:r>
+              <a:rPr lang="en-GB" dirty="0" err="1"/>
+              <a:t>Foregår</a:t>
+            </a:r>
+            <a:r>
+              <a:rPr lang="en-GB" dirty="0"/>
+              <a:t> via </a:t>
+            </a:r>
+            <a:r>
+              <a:rPr lang="en-GB" dirty="0" err="1"/>
+              <a:t>en</a:t>
+            </a:r>
+            <a:r>
+              <a:rPr lang="en-GB" dirty="0"/>
+              <a:t> Analog-to-Digital Converter (ADC) </a:t>
+            </a:r>
+            <a:r>
+              <a:rPr lang="en-GB" dirty="0" err="1"/>
+              <a:t>indbygget</a:t>
+            </a:r>
+            <a:r>
+              <a:rPr lang="en-GB" dirty="0"/>
+              <a:t> </a:t>
+            </a:r>
+            <a:r>
+              <a:rPr lang="en-GB" dirty="0" err="1"/>
+              <a:t>i</a:t>
+            </a:r>
+            <a:r>
+              <a:rPr lang="en-GB" dirty="0"/>
+              <a:t> ESP32.</a:t>
+            </a:r>
+          </a:p>
+          <a:p>
+            <a:r>
+              <a:rPr lang="en-GB" dirty="0" err="1"/>
+              <a:t>Anvendelse</a:t>
+            </a:r>
+            <a:r>
+              <a:rPr lang="en-GB" dirty="0"/>
+              <a:t>: </a:t>
+            </a:r>
+            <a:r>
+              <a:rPr lang="en-GB" dirty="0" err="1"/>
+              <a:t>Læsning</a:t>
+            </a:r>
+            <a:r>
+              <a:rPr lang="en-GB" dirty="0"/>
+              <a:t> </a:t>
+            </a:r>
+            <a:r>
+              <a:rPr lang="en-GB" dirty="0" err="1"/>
+              <a:t>af</a:t>
+            </a:r>
+            <a:r>
+              <a:rPr lang="en-GB" dirty="0"/>
+              <a:t> </a:t>
+            </a:r>
+            <a:r>
+              <a:rPr lang="en-GB" dirty="0" err="1"/>
+              <a:t>potentiometre</a:t>
+            </a:r>
+            <a:r>
+              <a:rPr lang="en-GB" dirty="0"/>
+              <a:t>, </a:t>
+            </a:r>
+            <a:r>
+              <a:rPr lang="en-GB" dirty="0" err="1"/>
+              <a:t>lyssensorer</a:t>
+            </a:r>
+            <a:r>
+              <a:rPr lang="en-GB" dirty="0"/>
+              <a:t> (LDR), </a:t>
+            </a:r>
+            <a:r>
+              <a:rPr lang="en-GB" dirty="0" err="1"/>
+              <a:t>analoge</a:t>
+            </a:r>
+            <a:r>
+              <a:rPr lang="en-GB" dirty="0"/>
+              <a:t> </a:t>
+            </a:r>
+            <a:r>
+              <a:rPr lang="en-GB" dirty="0" err="1"/>
+              <a:t>temperatursensorer</a:t>
+            </a:r>
+            <a:r>
+              <a:rPr lang="en-GB" dirty="0"/>
+              <a:t>, joysticks, etc.</a:t>
+            </a:r>
+          </a:p>
+          <a:p>
+            <a:pPr marL="0" indent="0">
+              <a:buNone/>
+            </a:pPr>
+            <a:r>
+              <a:rPr lang="en-GB" dirty="0"/>
+              <a:t>ESP32 ADC </a:t>
+            </a:r>
+            <a:r>
+              <a:rPr lang="en-GB" dirty="0" err="1"/>
+              <a:t>Specifikationer</a:t>
+            </a:r>
+            <a:r>
+              <a:rPr lang="en-GB" dirty="0"/>
+              <a:t>:</a:t>
+            </a:r>
+          </a:p>
+          <a:p>
+            <a:r>
+              <a:rPr lang="en-GB" dirty="0"/>
+              <a:t>Hardware: ESP32 </a:t>
+            </a:r>
+            <a:r>
+              <a:rPr lang="en-GB" dirty="0" err="1"/>
+              <a:t>har</a:t>
+            </a:r>
+            <a:r>
+              <a:rPr lang="en-GB" dirty="0"/>
+              <a:t> </a:t>
+            </a:r>
+            <a:r>
+              <a:rPr lang="en-GB" dirty="0" err="1"/>
+              <a:t>typisk</a:t>
+            </a:r>
+            <a:r>
+              <a:rPr lang="en-GB" dirty="0"/>
+              <a:t> to ADCs (ADC1 </a:t>
+            </a:r>
+            <a:r>
+              <a:rPr lang="en-GB" dirty="0" err="1"/>
+              <a:t>og</a:t>
+            </a:r>
+            <a:r>
+              <a:rPr lang="en-GB" dirty="0"/>
+              <a:t> ADC2).</a:t>
+            </a:r>
+          </a:p>
+          <a:p>
+            <a:r>
+              <a:rPr lang="en-GB" dirty="0" err="1"/>
+              <a:t>Opløsning</a:t>
+            </a:r>
+            <a:r>
+              <a:rPr lang="en-GB" dirty="0"/>
+              <a:t>: Standard er 12-bit. Dette </a:t>
+            </a:r>
+            <a:r>
+              <a:rPr lang="en-GB" dirty="0" err="1"/>
+              <a:t>betyder</a:t>
+            </a:r>
+            <a:r>
+              <a:rPr lang="en-GB" dirty="0"/>
+              <a:t>, at </a:t>
+            </a:r>
+            <a:r>
+              <a:rPr lang="en-GB" dirty="0" err="1"/>
+              <a:t>ADC'en</a:t>
+            </a:r>
+            <a:r>
+              <a:rPr lang="en-GB" dirty="0"/>
+              <a:t> </a:t>
+            </a:r>
+            <a:r>
+              <a:rPr lang="en-GB" dirty="0" err="1"/>
+              <a:t>kan</a:t>
+            </a:r>
+            <a:r>
+              <a:rPr lang="en-GB" dirty="0"/>
+              <a:t> </a:t>
+            </a:r>
+            <a:r>
+              <a:rPr lang="en-GB" dirty="0" err="1"/>
+              <a:t>repræsentere</a:t>
+            </a:r>
+            <a:r>
+              <a:rPr lang="en-GB" dirty="0"/>
+              <a:t> </a:t>
+            </a:r>
+            <a:r>
+              <a:rPr lang="en-GB" dirty="0" err="1"/>
+              <a:t>spændingen</a:t>
+            </a:r>
+            <a:r>
+              <a:rPr lang="en-GB" dirty="0"/>
+              <a:t> </a:t>
+            </a:r>
+            <a:r>
+              <a:rPr lang="en-GB" dirty="0" err="1"/>
+              <a:t>som</a:t>
+            </a:r>
+            <a:r>
+              <a:rPr lang="en-GB" dirty="0"/>
+              <a:t> </a:t>
+            </a:r>
+            <a:r>
+              <a:rPr lang="en-GB" dirty="0" err="1"/>
+              <a:t>en</a:t>
+            </a:r>
+            <a:r>
+              <a:rPr lang="en-GB" dirty="0"/>
+              <a:t> digital </a:t>
+            </a:r>
+            <a:r>
+              <a:rPr lang="en-GB" dirty="0" err="1"/>
+              <a:t>værdi</a:t>
+            </a:r>
+            <a:r>
+              <a:rPr lang="en-GB" dirty="0"/>
+              <a:t> </a:t>
+            </a:r>
+            <a:r>
+              <a:rPr lang="en-GB" dirty="0" err="1"/>
+              <a:t>mellem</a:t>
+            </a:r>
+            <a:r>
+              <a:rPr lang="en-GB" dirty="0"/>
+              <a:t> 0 </a:t>
+            </a:r>
+            <a:r>
+              <a:rPr lang="en-GB" dirty="0" err="1"/>
+              <a:t>og</a:t>
+            </a:r>
+            <a:r>
+              <a:rPr lang="en-GB" dirty="0"/>
+              <a:t> 4095.</a:t>
+            </a:r>
+          </a:p>
+          <a:p>
+            <a:r>
+              <a:rPr lang="en-GB" dirty="0"/>
+              <a:t>Input </a:t>
+            </a:r>
+            <a:r>
+              <a:rPr lang="en-GB" dirty="0" err="1"/>
+              <a:t>Spændingsområde</a:t>
+            </a:r>
+            <a:r>
+              <a:rPr lang="en-GB" dirty="0"/>
+              <a:t>: </a:t>
+            </a:r>
+            <a:r>
+              <a:rPr lang="en-GB" dirty="0" err="1"/>
+              <a:t>Måler</a:t>
+            </a:r>
+            <a:r>
+              <a:rPr lang="en-GB" dirty="0"/>
+              <a:t> </a:t>
+            </a:r>
+            <a:r>
+              <a:rPr lang="en-GB" dirty="0" err="1"/>
+              <a:t>typisk</a:t>
+            </a:r>
+            <a:r>
+              <a:rPr lang="en-GB" dirty="0"/>
+              <a:t> </a:t>
+            </a:r>
+            <a:r>
+              <a:rPr lang="en-GB" dirty="0" err="1"/>
+              <a:t>spændinger</a:t>
+            </a:r>
+            <a:r>
+              <a:rPr lang="en-GB" dirty="0"/>
+              <a:t> </a:t>
+            </a:r>
+            <a:r>
+              <a:rPr lang="en-GB" dirty="0" err="1"/>
+              <a:t>mellem</a:t>
+            </a:r>
+            <a:r>
+              <a:rPr lang="en-GB" dirty="0"/>
+              <a:t> 0V </a:t>
+            </a:r>
+            <a:r>
+              <a:rPr lang="en-GB" dirty="0" err="1"/>
+              <a:t>og</a:t>
+            </a:r>
+            <a:r>
+              <a:rPr lang="en-GB" dirty="0"/>
+              <a:t> ~3.3V (</a:t>
+            </a:r>
+            <a:r>
+              <a:rPr lang="en-GB" dirty="0" err="1"/>
+              <a:t>eller</a:t>
+            </a:r>
+            <a:r>
+              <a:rPr lang="en-GB" dirty="0"/>
+              <a:t> et </a:t>
+            </a:r>
+            <a:r>
+              <a:rPr lang="en-GB" dirty="0" err="1"/>
+              <a:t>lidt</a:t>
+            </a:r>
+            <a:r>
+              <a:rPr lang="en-GB" dirty="0"/>
+              <a:t> </a:t>
+            </a:r>
+            <a:r>
+              <a:rPr lang="en-GB" dirty="0" err="1"/>
+              <a:t>lavere</a:t>
+            </a:r>
+            <a:r>
+              <a:rPr lang="en-GB" dirty="0"/>
+              <a:t> </a:t>
+            </a:r>
+            <a:r>
+              <a:rPr lang="en-GB" dirty="0" err="1"/>
+              <a:t>referencepunkt</a:t>
+            </a:r>
+            <a:r>
+              <a:rPr lang="en-GB" dirty="0"/>
+              <a:t>, check </a:t>
+            </a:r>
+            <a:r>
+              <a:rPr lang="en-GB" dirty="0" err="1"/>
+              <a:t>datablad</a:t>
+            </a:r>
+            <a:r>
+              <a:rPr lang="en-GB" dirty="0"/>
+              <a:t>/attenuation). </a:t>
+            </a:r>
+            <a:r>
+              <a:rPr lang="en-GB" dirty="0" err="1"/>
+              <a:t>Igen</a:t>
+            </a:r>
+            <a:r>
+              <a:rPr lang="en-GB" dirty="0"/>
+              <a:t>: IKKE 5V!</a:t>
+            </a:r>
+          </a:p>
+          <a:p>
+            <a:pPr marL="0" indent="0">
+              <a:buNone/>
+            </a:pPr>
+            <a:r>
+              <a:rPr lang="en-GB" dirty="0"/>
+              <a:t>Mapping:</a:t>
+            </a:r>
+          </a:p>
+          <a:p>
+            <a:pPr marL="0" indent="0">
+              <a:buNone/>
+            </a:pPr>
+            <a:r>
+              <a:rPr lang="en-GB" dirty="0"/>
+              <a:t>0V input ≈ Digital </a:t>
+            </a:r>
+            <a:r>
+              <a:rPr lang="en-GB" dirty="0" err="1"/>
+              <a:t>værdi</a:t>
+            </a:r>
+            <a:r>
+              <a:rPr lang="en-GB" dirty="0"/>
+              <a:t> 0</a:t>
+            </a:r>
+          </a:p>
+          <a:p>
+            <a:pPr marL="0" indent="0">
+              <a:buNone/>
+            </a:pPr>
+            <a:r>
+              <a:rPr lang="en-GB" dirty="0"/>
+              <a:t>~3.3V input ≈ Digital </a:t>
+            </a:r>
+            <a:r>
+              <a:rPr lang="en-GB" dirty="0" err="1"/>
+              <a:t>værdi</a:t>
+            </a:r>
+            <a:r>
+              <a:rPr lang="en-GB" dirty="0"/>
+              <a:t> 4095</a:t>
+            </a:r>
+          </a:p>
+          <a:p>
+            <a:pPr marL="0" indent="0">
+              <a:buNone/>
+            </a:pPr>
+            <a:r>
+              <a:rPr lang="en-GB" dirty="0"/>
+              <a:t>VIGTIGT: ADC2 &amp; Wi-Fi: Pins </a:t>
+            </a:r>
+            <a:r>
+              <a:rPr lang="en-GB" dirty="0" err="1"/>
+              <a:t>tilsluttet</a:t>
+            </a:r>
+            <a:r>
+              <a:rPr lang="en-GB" dirty="0"/>
+              <a:t> ADC2 </a:t>
+            </a:r>
+            <a:r>
+              <a:rPr lang="en-GB" dirty="0" err="1"/>
+              <a:t>kan</a:t>
+            </a:r>
+            <a:r>
+              <a:rPr lang="en-GB" dirty="0"/>
+              <a:t> IKKE </a:t>
+            </a:r>
+            <a:r>
+              <a:rPr lang="en-GB" dirty="0" err="1"/>
+              <a:t>bruges</a:t>
+            </a:r>
+            <a:r>
+              <a:rPr lang="en-GB" dirty="0"/>
+              <a:t> </a:t>
+            </a:r>
+            <a:r>
+              <a:rPr lang="en-GB" dirty="0" err="1"/>
+              <a:t>til</a:t>
+            </a:r>
+            <a:r>
+              <a:rPr lang="en-GB" dirty="0"/>
+              <a:t> </a:t>
+            </a:r>
+            <a:r>
+              <a:rPr lang="en-GB" dirty="0" err="1"/>
+              <a:t>analog</a:t>
+            </a:r>
+            <a:r>
+              <a:rPr lang="en-GB" dirty="0"/>
+              <a:t> </a:t>
+            </a:r>
+            <a:r>
+              <a:rPr lang="en-GB" dirty="0" err="1"/>
+              <a:t>læsning</a:t>
+            </a:r>
+            <a:r>
+              <a:rPr lang="en-GB" dirty="0"/>
+              <a:t>, </a:t>
+            </a:r>
+            <a:r>
+              <a:rPr lang="en-GB" dirty="0" err="1"/>
+              <a:t>mens</a:t>
+            </a:r>
+            <a:r>
+              <a:rPr lang="en-GB" dirty="0"/>
+              <a:t> Wi-Fi er </a:t>
+            </a:r>
+            <a:r>
+              <a:rPr lang="en-GB" dirty="0" err="1"/>
+              <a:t>aktivt</a:t>
+            </a:r>
+            <a:r>
+              <a:rPr lang="en-GB" dirty="0"/>
+              <a:t>! Brug </a:t>
+            </a:r>
+            <a:r>
+              <a:rPr lang="en-GB" dirty="0" err="1"/>
+              <a:t>primært</a:t>
+            </a:r>
+            <a:r>
+              <a:rPr lang="en-GB" dirty="0"/>
+              <a:t> pins </a:t>
+            </a:r>
+            <a:r>
+              <a:rPr lang="en-GB" dirty="0" err="1"/>
+              <a:t>på</a:t>
+            </a:r>
+            <a:r>
+              <a:rPr lang="en-GB" dirty="0"/>
+              <a:t> ADC1 (</a:t>
+            </a:r>
+            <a:r>
+              <a:rPr lang="en-GB" dirty="0" err="1"/>
+              <a:t>f.eks</a:t>
+            </a:r>
+            <a:r>
+              <a:rPr lang="en-GB" dirty="0"/>
+              <a:t>. GPIO 32-39) </a:t>
+            </a:r>
+            <a:r>
+              <a:rPr lang="en-GB" dirty="0" err="1"/>
+              <a:t>hvis</a:t>
+            </a:r>
+            <a:r>
+              <a:rPr lang="en-GB" dirty="0"/>
+              <a:t> du </a:t>
+            </a:r>
+            <a:r>
+              <a:rPr lang="en-GB" dirty="0" err="1"/>
+              <a:t>også</a:t>
+            </a:r>
+            <a:r>
+              <a:rPr lang="en-GB" dirty="0"/>
+              <a:t> </a:t>
+            </a:r>
+            <a:r>
+              <a:rPr lang="en-GB" dirty="0" err="1"/>
+              <a:t>bruger</a:t>
+            </a:r>
+            <a:r>
+              <a:rPr lang="en-GB" dirty="0"/>
+              <a:t> Wi-Fi. </a:t>
+            </a:r>
+            <a:r>
+              <a:rPr lang="en-GB" dirty="0" err="1"/>
+              <a:t>Almindelige</a:t>
+            </a:r>
+            <a:r>
+              <a:rPr lang="en-GB" dirty="0"/>
+              <a:t> ADC2 pins: 4, 12, 13, 14, 15, 25, 26, 27 (</a:t>
+            </a:r>
+            <a:r>
+              <a:rPr lang="en-GB" dirty="0" err="1"/>
+              <a:t>tjek</a:t>
+            </a:r>
+            <a:r>
+              <a:rPr lang="en-GB" dirty="0"/>
+              <a:t> din </a:t>
+            </a:r>
+            <a:r>
+              <a:rPr lang="en-GB" dirty="0" err="1"/>
+              <a:t>specifikke</a:t>
+            </a:r>
+            <a:r>
+              <a:rPr lang="en-GB" dirty="0"/>
+              <a:t> board pinout).</a:t>
+            </a:r>
+          </a:p>
+          <a:p>
+            <a:pPr marL="0" indent="0">
+              <a:buNone/>
+            </a:pPr>
+            <a:r>
+              <a:rPr lang="en-GB" dirty="0" err="1"/>
+              <a:t>Linearitet</a:t>
+            </a:r>
+            <a:r>
+              <a:rPr lang="en-GB" dirty="0"/>
+              <a:t>: </a:t>
+            </a:r>
+            <a:r>
+              <a:rPr lang="en-GB" dirty="0" err="1"/>
+              <a:t>Vær</a:t>
+            </a:r>
+            <a:r>
+              <a:rPr lang="en-GB" dirty="0"/>
+              <a:t> </a:t>
+            </a:r>
+            <a:r>
+              <a:rPr lang="en-GB" dirty="0" err="1"/>
+              <a:t>opmærksom</a:t>
+            </a:r>
+            <a:r>
+              <a:rPr lang="en-GB" dirty="0"/>
+              <a:t> </a:t>
+            </a:r>
+            <a:r>
+              <a:rPr lang="en-GB" dirty="0" err="1"/>
+              <a:t>på</a:t>
+            </a:r>
+            <a:r>
+              <a:rPr lang="en-GB" dirty="0"/>
+              <a:t>, at ESP32's ADC </a:t>
+            </a:r>
+            <a:r>
+              <a:rPr lang="en-GB" dirty="0" err="1"/>
+              <a:t>ikke</a:t>
+            </a:r>
+            <a:r>
+              <a:rPr lang="en-GB" dirty="0"/>
+              <a:t> er </a:t>
+            </a:r>
+            <a:r>
+              <a:rPr lang="en-GB" dirty="0" err="1"/>
+              <a:t>perfekt</a:t>
+            </a:r>
+            <a:r>
+              <a:rPr lang="en-GB" dirty="0"/>
+              <a:t> </a:t>
+            </a:r>
+            <a:r>
+              <a:rPr lang="en-GB" dirty="0" err="1"/>
+              <a:t>lineær</a:t>
+            </a:r>
+            <a:r>
+              <a:rPr lang="en-GB" dirty="0"/>
+              <a:t>, </a:t>
+            </a:r>
+            <a:r>
+              <a:rPr lang="en-GB" dirty="0" err="1"/>
+              <a:t>især</a:t>
+            </a:r>
+            <a:r>
+              <a:rPr lang="en-GB" dirty="0"/>
+              <a:t> </a:t>
+            </a:r>
+            <a:r>
+              <a:rPr lang="en-GB" dirty="0" err="1"/>
+              <a:t>nær</a:t>
+            </a:r>
+            <a:r>
+              <a:rPr lang="en-GB" dirty="0"/>
+              <a:t> 0V </a:t>
+            </a:r>
+            <a:r>
+              <a:rPr lang="en-GB" dirty="0" err="1"/>
+              <a:t>og</a:t>
+            </a:r>
+            <a:r>
+              <a:rPr lang="en-GB" dirty="0"/>
+              <a:t> 3.3V. </a:t>
+            </a:r>
+            <a:r>
+              <a:rPr lang="en-GB" dirty="0" err="1"/>
+              <a:t>Kalibrering</a:t>
+            </a:r>
+            <a:r>
+              <a:rPr lang="en-GB" dirty="0"/>
+              <a:t> </a:t>
+            </a:r>
+            <a:r>
+              <a:rPr lang="en-GB" dirty="0" err="1"/>
+              <a:t>kan</a:t>
+            </a:r>
+            <a:r>
+              <a:rPr lang="en-GB" dirty="0"/>
+              <a:t> </a:t>
+            </a:r>
+            <a:r>
+              <a:rPr lang="en-GB" dirty="0" err="1"/>
+              <a:t>være</a:t>
+            </a:r>
+            <a:r>
+              <a:rPr lang="en-GB" dirty="0"/>
+              <a:t> </a:t>
+            </a:r>
+            <a:r>
+              <a:rPr lang="en-GB" dirty="0" err="1"/>
+              <a:t>nødvendig</a:t>
+            </a:r>
+            <a:r>
+              <a:rPr lang="en-GB" dirty="0"/>
+              <a:t> for </a:t>
+            </a:r>
+            <a:r>
+              <a:rPr lang="en-GB" dirty="0" err="1"/>
+              <a:t>præcise</a:t>
+            </a:r>
+            <a:r>
+              <a:rPr lang="en-GB" dirty="0"/>
+              <a:t> </a:t>
+            </a:r>
+            <a:r>
+              <a:rPr lang="en-GB" dirty="0" err="1"/>
+              <a:t>målinger</a:t>
+            </a:r>
+            <a:r>
+              <a:rPr lang="en-GB" dirty="0"/>
+              <a:t>.</a:t>
+            </a:r>
+          </a:p>
+          <a:p>
+            <a:pPr marL="0" indent="0">
+              <a:buNone/>
+            </a:pPr>
+            <a:r>
+              <a:rPr lang="en-GB" dirty="0"/>
+              <a:t>Arduino IDE </a:t>
+            </a:r>
+            <a:r>
+              <a:rPr lang="en-GB" dirty="0" err="1"/>
+              <a:t>Funktioner</a:t>
+            </a:r>
+            <a:r>
+              <a:rPr lang="en-GB" dirty="0"/>
+              <a:t>:</a:t>
+            </a:r>
+          </a:p>
+          <a:p>
+            <a:r>
+              <a:rPr lang="en-GB" dirty="0" err="1"/>
+              <a:t>pinMode</a:t>
+            </a:r>
+            <a:r>
+              <a:rPr lang="en-GB" dirty="0"/>
+              <a:t>(pin, MODE); // Sætter pin </a:t>
+            </a:r>
+            <a:r>
+              <a:rPr lang="en-GB" dirty="0" err="1"/>
+              <a:t>til</a:t>
+            </a:r>
+            <a:r>
+              <a:rPr lang="en-GB" dirty="0"/>
+              <a:t> INPUT, OUTPUT, INPUT_PULLUP etc.</a:t>
+            </a:r>
+          </a:p>
+          <a:p>
+            <a:r>
+              <a:rPr lang="en-GB" dirty="0" err="1"/>
+              <a:t>digitalRead</a:t>
+            </a:r>
+            <a:r>
+              <a:rPr lang="en-GB" dirty="0"/>
+              <a:t>(pin); // </a:t>
+            </a:r>
+            <a:r>
+              <a:rPr lang="en-GB" dirty="0" err="1"/>
+              <a:t>Læser</a:t>
+            </a:r>
+            <a:r>
+              <a:rPr lang="en-GB" dirty="0"/>
+              <a:t> digital </a:t>
+            </a:r>
+            <a:r>
+              <a:rPr lang="en-GB" dirty="0" err="1"/>
+              <a:t>værdi</a:t>
+            </a:r>
+            <a:r>
+              <a:rPr lang="en-GB" dirty="0"/>
+              <a:t> (HIGH/LOW).</a:t>
+            </a:r>
+          </a:p>
+          <a:p>
+            <a:r>
+              <a:rPr lang="en-GB" dirty="0" err="1"/>
+              <a:t>digitalWrite</a:t>
+            </a:r>
+            <a:r>
+              <a:rPr lang="en-GB" dirty="0"/>
+              <a:t>(pin, VALUE); // Skriver digital </a:t>
+            </a:r>
+            <a:r>
+              <a:rPr lang="en-GB" dirty="0" err="1"/>
+              <a:t>værdi</a:t>
+            </a:r>
+            <a:r>
+              <a:rPr lang="en-GB" dirty="0"/>
+              <a:t> (HIGH/LOW).</a:t>
+            </a:r>
+          </a:p>
+          <a:p>
+            <a:r>
+              <a:rPr lang="en-GB" dirty="0" err="1"/>
+              <a:t>analogRead</a:t>
+            </a:r>
+            <a:r>
+              <a:rPr lang="en-GB" dirty="0"/>
+              <a:t>(pin); // </a:t>
+            </a:r>
+            <a:r>
+              <a:rPr lang="en-GB" dirty="0" err="1"/>
+              <a:t>Læser</a:t>
+            </a:r>
+            <a:r>
+              <a:rPr lang="en-GB" dirty="0"/>
+              <a:t> </a:t>
+            </a:r>
+            <a:r>
+              <a:rPr lang="en-GB" dirty="0" err="1"/>
+              <a:t>analog</a:t>
+            </a:r>
+            <a:r>
+              <a:rPr lang="en-GB" dirty="0"/>
+              <a:t> </a:t>
+            </a:r>
+            <a:r>
+              <a:rPr lang="en-GB" dirty="0" err="1"/>
+              <a:t>værdi</a:t>
+            </a:r>
+            <a:r>
+              <a:rPr lang="en-GB" dirty="0"/>
+              <a:t> (0-4095).</a:t>
+            </a:r>
+            <a:endParaRPr lang="en-DK" dirty="0"/>
+          </a:p>
+        </p:txBody>
+      </p:sp>
+      <p:sp>
+        <p:nvSpPr>
+          <p:cNvPr id="4" name="Tekstfelt 3">
+            <a:extLst>
+              <a:ext uri="{FF2B5EF4-FFF2-40B4-BE49-F238E27FC236}">
+                <a16:creationId xmlns:a16="http://schemas.microsoft.com/office/drawing/2014/main" id="{957EB935-EBCD-5024-2ACA-1435C8FFB986}"/>
+              </a:ext>
+            </a:extLst>
+          </p:cNvPr>
+          <p:cNvSpPr txBox="1"/>
+          <p:nvPr/>
+        </p:nvSpPr>
+        <p:spPr>
+          <a:xfrm rot="17890160">
+            <a:off x="6562395" y="2508001"/>
+            <a:ext cx="8946541" cy="830997"/>
+          </a:xfrm>
+          <a:prstGeom prst="rect">
+            <a:avLst/>
+          </a:prstGeom>
+          <a:noFill/>
+        </p:spPr>
+        <p:txBody>
+          <a:bodyPr wrap="square" rtlCol="0">
+            <a:spAutoFit/>
+          </a:bodyPr>
+          <a:lstStyle/>
+          <a:p>
+            <a:r>
+              <a:rPr lang="en-GB" sz="1000" dirty="0"/>
+              <a:t>VIGTIGT: ADC2 &amp; Wi-Fi: Pins </a:t>
+            </a:r>
+            <a:r>
+              <a:rPr lang="en-GB" sz="1000" dirty="0" err="1"/>
+              <a:t>tilsluttet</a:t>
+            </a:r>
+            <a:r>
+              <a:rPr lang="en-GB" sz="1000" dirty="0"/>
+              <a:t> ADC2 </a:t>
+            </a:r>
+            <a:r>
+              <a:rPr lang="en-GB" sz="1000" dirty="0" err="1"/>
+              <a:t>kan</a:t>
+            </a:r>
+            <a:r>
+              <a:rPr lang="en-GB" sz="1000" dirty="0"/>
+              <a:t> IKKE </a:t>
+            </a:r>
+            <a:r>
+              <a:rPr lang="en-GB" sz="1000" dirty="0" err="1"/>
+              <a:t>bruges</a:t>
+            </a:r>
+            <a:r>
+              <a:rPr lang="en-GB" sz="1000" dirty="0"/>
+              <a:t> </a:t>
+            </a:r>
+            <a:r>
+              <a:rPr lang="en-GB" sz="1000" dirty="0" err="1"/>
+              <a:t>til</a:t>
+            </a:r>
+            <a:r>
+              <a:rPr lang="en-GB" sz="1000" dirty="0"/>
+              <a:t> </a:t>
+            </a:r>
+            <a:r>
+              <a:rPr lang="en-GB" sz="1000" dirty="0" err="1"/>
+              <a:t>analog</a:t>
+            </a:r>
+            <a:r>
+              <a:rPr lang="en-GB" sz="1000" dirty="0"/>
+              <a:t> </a:t>
+            </a:r>
+            <a:r>
+              <a:rPr lang="en-GB" sz="1000" dirty="0" err="1"/>
+              <a:t>læsning</a:t>
+            </a:r>
+            <a:r>
+              <a:rPr lang="en-GB" sz="1000" dirty="0"/>
+              <a:t>, </a:t>
+            </a:r>
+            <a:r>
+              <a:rPr lang="en-GB" sz="1000" dirty="0" err="1"/>
+              <a:t>mens</a:t>
+            </a:r>
+            <a:r>
+              <a:rPr lang="en-GB" sz="1000" dirty="0"/>
+              <a:t> Wi-Fi er </a:t>
+            </a:r>
+            <a:r>
+              <a:rPr lang="en-GB" sz="1000" dirty="0" err="1"/>
+              <a:t>aktivt</a:t>
+            </a:r>
+            <a:r>
+              <a:rPr lang="en-GB" sz="1000" dirty="0"/>
+              <a:t>! </a:t>
+            </a:r>
+            <a:endParaRPr lang="en-DK" sz="1000" dirty="0"/>
+          </a:p>
+          <a:p>
+            <a:r>
+              <a:rPr lang="en-GB" sz="1000" dirty="0"/>
+              <a:t>Brug </a:t>
+            </a:r>
+            <a:r>
+              <a:rPr lang="en-GB" sz="1000" dirty="0" err="1"/>
+              <a:t>primært</a:t>
+            </a:r>
+            <a:r>
+              <a:rPr lang="en-GB" sz="1000" dirty="0"/>
+              <a:t> pins </a:t>
+            </a:r>
+            <a:r>
+              <a:rPr lang="en-GB" sz="1000" dirty="0" err="1"/>
+              <a:t>på</a:t>
+            </a:r>
+            <a:r>
+              <a:rPr lang="en-GB" sz="1000" dirty="0"/>
+              <a:t> ADC1 (</a:t>
+            </a:r>
+            <a:r>
+              <a:rPr lang="en-GB" sz="1000" dirty="0" err="1"/>
+              <a:t>f.eks</a:t>
+            </a:r>
+            <a:r>
+              <a:rPr lang="en-GB" sz="1000" dirty="0"/>
+              <a:t>. GPIO 32-39) </a:t>
+            </a:r>
+            <a:endParaRPr lang="en-DK" sz="1000" dirty="0"/>
+          </a:p>
+          <a:p>
+            <a:r>
+              <a:rPr lang="en-GB" sz="1000" dirty="0" err="1"/>
+              <a:t>hvis</a:t>
+            </a:r>
+            <a:r>
+              <a:rPr lang="en-GB" sz="1000" dirty="0"/>
+              <a:t> du </a:t>
+            </a:r>
+            <a:r>
+              <a:rPr lang="en-GB" sz="1000" dirty="0" err="1"/>
+              <a:t>også</a:t>
+            </a:r>
+            <a:r>
+              <a:rPr lang="en-GB" sz="1000" dirty="0"/>
+              <a:t> </a:t>
+            </a:r>
+            <a:r>
+              <a:rPr lang="en-GB" sz="1000" dirty="0" err="1"/>
+              <a:t>bruger</a:t>
+            </a:r>
+            <a:r>
+              <a:rPr lang="en-GB" sz="1000" dirty="0"/>
+              <a:t> Wi-Fi. </a:t>
+            </a:r>
+            <a:r>
+              <a:rPr lang="en-GB" sz="1000" dirty="0" err="1"/>
+              <a:t>Almindelige</a:t>
+            </a:r>
+            <a:r>
+              <a:rPr lang="en-GB" sz="1000" dirty="0"/>
+              <a:t> ADC2 pins: 4, 12, 13, 14, 15, 25, 26, 27 (</a:t>
+            </a:r>
+            <a:r>
+              <a:rPr lang="en-GB" sz="1000" dirty="0" err="1"/>
+              <a:t>tjek</a:t>
+            </a:r>
+            <a:r>
+              <a:rPr lang="en-GB" sz="1000" dirty="0"/>
+              <a:t> din </a:t>
+            </a:r>
+            <a:r>
+              <a:rPr lang="en-GB" sz="1000" dirty="0" err="1"/>
+              <a:t>specifikke</a:t>
+            </a:r>
+            <a:r>
+              <a:rPr lang="en-GB" sz="1000" dirty="0"/>
+              <a:t> board pinout).</a:t>
+            </a:r>
+          </a:p>
+          <a:p>
+            <a:endParaRPr lang="en-DK" dirty="0"/>
+          </a:p>
+        </p:txBody>
+      </p:sp>
+    </p:spTree>
+    <p:extLst>
+      <p:ext uri="{BB962C8B-B14F-4D97-AF65-F5344CB8AC3E}">
+        <p14:creationId xmlns:p14="http://schemas.microsoft.com/office/powerpoint/2010/main" val="3489526582"/>
+      </p:ext>
+    </p:extLst>
+  </p:cSld>
+  <p:clrMapOvr>
+    <a:masterClrMapping/>
+  </p:clrMapOvr>
+</p:sld>
+</file>
+
+<file path=ppt/slides/slide22.xml><?xml version="1.0" encoding="utf-8"?>
+<p:sld xmlns:a="http://schemas.openxmlformats.org/drawingml/2006/main" xmlns:r="http://schemas.openxmlformats.org/officeDocument/2006/relationships" xmlns:p="http://schemas.openxmlformats.org/presentationml/2006/main">
+  <p:cSld>
     <p:spTree>
       <p:nvGrpSpPr>
         <p:cNvPr id="1" name=""/>
@@ -25130,7 +27103,7 @@
 </p:sld>
 </file>
 
-<file path=ppt/slides/slide21.xml><?xml version="1.0" encoding="utf-8"?>
+<file path=ppt/slides/slide23.xml><?xml version="1.0" encoding="utf-8"?>
 <p:sld xmlns:a="http://schemas.openxmlformats.org/drawingml/2006/main" xmlns:r="http://schemas.openxmlformats.org/officeDocument/2006/relationships" xmlns:p="http://schemas.openxmlformats.org/presentationml/2006/main">
   <p:cSld>
     <p:bg>
@@ -25912,7 +27885,7 @@
 </p:sld>
 </file>
 
-<file path=ppt/slides/slide22.xml><?xml version="1.0" encoding="utf-8"?>
+<file path=ppt/slides/slide24.xml><?xml version="1.0" encoding="utf-8"?>
 <p:sld xmlns:a="http://schemas.openxmlformats.org/drawingml/2006/main" xmlns:r="http://schemas.openxmlformats.org/officeDocument/2006/relationships" xmlns:p="http://schemas.openxmlformats.org/presentationml/2006/main">
   <p:cSld>
     <p:bg>

--- a/Kicad 2025.pptx
+++ b/Kicad 2025.pptx
@@ -5,7 +5,7 @@
     <p:sldMasterId id="2147483832" r:id="rId1"/>
   </p:sldMasterIdLst>
   <p:notesMasterIdLst>
-    <p:notesMasterId r:id="rId26"/>
+    <p:notesMasterId r:id="rId29"/>
   </p:notesMasterIdLst>
   <p:sldIdLst>
     <p:sldId id="256" r:id="rId2"/>
@@ -31,7 +31,10 @@
     <p:sldId id="304" r:id="rId22"/>
     <p:sldId id="302" r:id="rId23"/>
     <p:sldId id="300" r:id="rId24"/>
-    <p:sldId id="301" r:id="rId25"/>
+    <p:sldId id="307" r:id="rId25"/>
+    <p:sldId id="301" r:id="rId26"/>
+    <p:sldId id="308" r:id="rId27"/>
+    <p:sldId id="309" r:id="rId28"/>
   </p:sldIdLst>
   <p:sldSz cx="12192000" cy="6858000"/>
   <p:notesSz cx="6858000" cy="9144000"/>
@@ -21797,6 +21800,75 @@
           </a:prstGeom>
         </p:spPr>
       </p:pic>
+      <p:pic>
+        <p:nvPicPr>
+          <p:cNvPr id="16" name="Billede 15">
+            <a:extLst>
+              <a:ext uri="{FF2B5EF4-FFF2-40B4-BE49-F238E27FC236}">
+                <a16:creationId xmlns:a16="http://schemas.microsoft.com/office/drawing/2014/main" id="{B11AAD8F-0A05-A671-14FE-EE2359DD9E2E}"/>
+              </a:ext>
+            </a:extLst>
+          </p:cNvPr>
+          <p:cNvPicPr>
+            <a:picLocks noChangeAspect="1"/>
+          </p:cNvPicPr>
+          <p:nvPr/>
+        </p:nvPicPr>
+        <p:blipFill>
+          <a:blip r:embed="rId4"/>
+          <a:stretch>
+            <a:fillRect/>
+          </a:stretch>
+        </p:blipFill>
+        <p:spPr>
+          <a:xfrm>
+            <a:off x="1265550" y="5446953"/>
+            <a:ext cx="2429779" cy="801446"/>
+          </a:xfrm>
+          <a:prstGeom prst="rect">
+            <a:avLst/>
+          </a:prstGeom>
+        </p:spPr>
+      </p:pic>
+      <p:sp>
+        <p:nvSpPr>
+          <p:cNvPr id="17" name="Tekstfelt 16">
+            <a:extLst>
+              <a:ext uri="{FF2B5EF4-FFF2-40B4-BE49-F238E27FC236}">
+                <a16:creationId xmlns:a16="http://schemas.microsoft.com/office/drawing/2014/main" id="{22578069-51B1-3433-03DF-FB389E55B84B}"/>
+              </a:ext>
+            </a:extLst>
+          </p:cNvPr>
+          <p:cNvSpPr txBox="1"/>
+          <p:nvPr/>
+        </p:nvSpPr>
+        <p:spPr>
+          <a:xfrm>
+            <a:off x="1179319" y="5077621"/>
+            <a:ext cx="769763" cy="369332"/>
+          </a:xfrm>
+          <a:prstGeom prst="rect">
+            <a:avLst/>
+          </a:prstGeom>
+          <a:noFill/>
+        </p:spPr>
+        <p:txBody>
+          <a:bodyPr wrap="none" rtlCol="0">
+            <a:spAutoFit/>
+          </a:bodyPr>
+          <a:lstStyle/>
+          <a:p>
+            <a:r>
+              <a:rPr lang="en-DK" dirty="0" err="1"/>
+              <a:t>Profil</a:t>
+            </a:r>
+            <a:r>
+              <a:rPr lang="en-DK" dirty="0"/>
+              <a:t>:</a:t>
+            </a:r>
+          </a:p>
+        </p:txBody>
+      </p:sp>
     </p:spTree>
     <p:extLst>
       <p:ext uri="{BB962C8B-B14F-4D97-AF65-F5344CB8AC3E}">
@@ -23382,7 +23454,7 @@
         <p:spPr>
           <a:xfrm>
             <a:off x="5204109" y="1645920"/>
-            <a:ext cx="5919503" cy="4470821"/>
+            <a:ext cx="6750203" cy="4470821"/>
           </a:xfrm>
         </p:spPr>
         <p:txBody>
@@ -23398,42 +23470,42 @@
               <a:buNone/>
             </a:pPr>
             <a:r>
-              <a:rPr lang="en-GB" sz="800"/>
+              <a:rPr lang="en-GB" sz="800" dirty="0"/>
               <a:t>GPIO - De </a:t>
             </a:r>
             <a:r>
-              <a:rPr lang="en-GB" sz="800" err="1"/>
+              <a:rPr lang="en-GB" sz="800" dirty="0" err="1"/>
               <a:t>Digitale</a:t>
             </a:r>
             <a:r>
-              <a:rPr lang="en-GB" sz="800"/>
+              <a:rPr lang="en-GB" sz="800" dirty="0"/>
               <a:t> </a:t>
             </a:r>
             <a:r>
-              <a:rPr lang="en-GB" sz="800" err="1"/>
+              <a:rPr lang="en-GB" sz="800" dirty="0" err="1"/>
               <a:t>Schweizerknive</a:t>
             </a:r>
             <a:r>
-              <a:rPr lang="en-DK" sz="800"/>
+              <a:rPr lang="en-DK" sz="800" dirty="0"/>
               <a:t> (</a:t>
             </a:r>
             <a:r>
-              <a:rPr lang="en-GB" sz="800"/>
+              <a:rPr lang="en-GB" sz="800" dirty="0"/>
               <a:t>GPIO: </a:t>
             </a:r>
             <a:r>
-              <a:rPr lang="en-GB" sz="800" err="1"/>
+              <a:rPr lang="en-GB" sz="800" dirty="0" err="1"/>
               <a:t>Står</a:t>
             </a:r>
             <a:r>
-              <a:rPr lang="en-GB" sz="800"/>
+              <a:rPr lang="en-GB" sz="800" dirty="0"/>
               <a:t> for General Purpose Input/Output</a:t>
             </a:r>
             <a:r>
-              <a:rPr lang="en-DK" sz="800"/>
+              <a:rPr lang="en-DK" sz="800" dirty="0"/>
               <a:t>)</a:t>
             </a:r>
-            <a:endParaRPr lang="en-GB" sz="800"/>
+            <a:endParaRPr lang="en-GB" sz="800" dirty="0"/>
           </a:p>
           <a:p>
             <a:pPr marL="0" indent="0">
@@ -23443,115 +23515,271 @@
               <a:buNone/>
             </a:pPr>
             <a:r>
-              <a:rPr lang="en-GB" sz="800" err="1"/>
-              <a:t>Hvad</a:t>
-            </a:r>
-            <a:r>
-              <a:rPr lang="en-GB" sz="800"/>
-              <a:t> er det? </a:t>
-            </a:r>
-            <a:r>
-              <a:rPr lang="en-GB" sz="800" err="1"/>
-              <a:t>Fysiske</a:t>
-            </a:r>
-            <a:r>
-              <a:rPr lang="en-GB" sz="800"/>
-              <a:t> ben (pins) </a:t>
-            </a:r>
-            <a:r>
-              <a:rPr lang="en-GB" sz="800" err="1"/>
-              <a:t>på</a:t>
-            </a:r>
-            <a:r>
-              <a:rPr lang="en-GB" sz="800"/>
-              <a:t> ESP32-chippen, </a:t>
-            </a:r>
-            <a:r>
-              <a:rPr lang="en-GB" sz="800" err="1"/>
-              <a:t>hvis</a:t>
-            </a:r>
-            <a:r>
-              <a:rPr lang="en-GB" sz="800"/>
+              <a:rPr lang="en-GB" sz="800" dirty="0"/>
+              <a:t>GPIO </a:t>
+            </a:r>
+            <a:r>
+              <a:rPr lang="en-GB" sz="800" dirty="0" err="1"/>
+              <a:t>Funktioner</a:t>
+            </a:r>
+            <a:r>
+              <a:rPr lang="en-GB" sz="800" dirty="0"/>
+              <a:t> (Primære):</a:t>
+            </a:r>
+          </a:p>
+          <a:p>
+            <a:pPr>
+              <a:lnSpc>
+                <a:spcPct val="90000"/>
+              </a:lnSpc>
+            </a:pPr>
+            <a:r>
+              <a:rPr lang="en-GB" sz="800" dirty="0"/>
+              <a:t>Digital Input (INPUT):</a:t>
+            </a:r>
+          </a:p>
+          <a:p>
+            <a:pPr>
+              <a:lnSpc>
+                <a:spcPct val="90000"/>
+              </a:lnSpc>
+            </a:pPr>
+            <a:r>
+              <a:rPr lang="en-GB" sz="800" dirty="0" err="1"/>
+              <a:t>Læser</a:t>
+            </a:r>
+            <a:r>
+              <a:rPr lang="en-GB" sz="800" dirty="0"/>
               <a:t> </a:t>
             </a:r>
             <a:r>
-              <a:rPr lang="en-GB" sz="800" err="1"/>
-              <a:t>funktion</a:t>
-            </a:r>
-            <a:r>
-              <a:rPr lang="en-GB" sz="800"/>
+              <a:rPr lang="en-GB" sz="800" dirty="0" err="1"/>
+              <a:t>en</a:t>
+            </a:r>
+            <a:r>
+              <a:rPr lang="en-GB" sz="800" dirty="0"/>
+              <a:t> digital </a:t>
+            </a:r>
+            <a:r>
+              <a:rPr lang="en-GB" sz="800" dirty="0" err="1"/>
+              <a:t>tilstand</a:t>
+            </a:r>
+            <a:r>
+              <a:rPr lang="en-GB" sz="800" dirty="0"/>
+              <a:t>: HØJ (</a:t>
+            </a:r>
+            <a:r>
+              <a:rPr lang="en-GB" sz="800" dirty="0" err="1"/>
+              <a:t>typisk</a:t>
+            </a:r>
+            <a:r>
+              <a:rPr lang="en-GB" sz="800" dirty="0"/>
+              <a:t> ~3.3V) </a:t>
+            </a:r>
+            <a:r>
+              <a:rPr lang="en-GB" sz="800" dirty="0" err="1"/>
+              <a:t>eller</a:t>
+            </a:r>
+            <a:r>
+              <a:rPr lang="en-GB" sz="800" dirty="0"/>
+              <a:t> LAV (</a:t>
+            </a:r>
+            <a:r>
+              <a:rPr lang="en-GB" sz="800" dirty="0" err="1"/>
+              <a:t>typisk</a:t>
+            </a:r>
+            <a:r>
+              <a:rPr lang="en-GB" sz="800" dirty="0"/>
+              <a:t> ~0V / GND).</a:t>
+            </a:r>
+          </a:p>
+          <a:p>
+            <a:pPr>
+              <a:lnSpc>
+                <a:spcPct val="90000"/>
+              </a:lnSpc>
+            </a:pPr>
+            <a:r>
+              <a:rPr lang="en-GB" sz="800" dirty="0"/>
+              <a:t>Bruges </a:t>
+            </a:r>
+            <a:r>
+              <a:rPr lang="en-GB" sz="800" dirty="0" err="1"/>
+              <a:t>til</a:t>
+            </a:r>
+            <a:r>
+              <a:rPr lang="en-GB" sz="800" dirty="0"/>
               <a:t> </a:t>
             </a:r>
             <a:r>
-              <a:rPr lang="en-GB" sz="800" err="1"/>
-              <a:t>kan</a:t>
-            </a:r>
-            <a:r>
-              <a:rPr lang="en-GB" sz="800"/>
+              <a:rPr lang="en-GB" sz="800" dirty="0" err="1"/>
+              <a:t>knapper</a:t>
+            </a:r>
+            <a:r>
+              <a:rPr lang="en-GB" sz="800" dirty="0"/>
+              <a:t>, simple </a:t>
+            </a:r>
+            <a:r>
+              <a:rPr lang="en-GB" sz="800" dirty="0" err="1"/>
+              <a:t>sensorer</a:t>
+            </a:r>
+            <a:r>
+              <a:rPr lang="en-GB" sz="800" dirty="0"/>
+              <a:t> (</a:t>
+            </a:r>
+            <a:r>
+              <a:rPr lang="en-GB" sz="800" dirty="0" err="1"/>
+              <a:t>f.eks</a:t>
+            </a:r>
+            <a:r>
+              <a:rPr lang="en-GB" sz="800" dirty="0"/>
+              <a:t>. </a:t>
+            </a:r>
+            <a:r>
+              <a:rPr lang="en-GB" sz="800" dirty="0" err="1"/>
+              <a:t>bevægelsessensor</a:t>
+            </a:r>
+            <a:r>
+              <a:rPr lang="en-GB" sz="800" dirty="0"/>
+              <a:t>), signal fra </a:t>
+            </a:r>
+            <a:r>
+              <a:rPr lang="en-GB" sz="800" dirty="0" err="1"/>
+              <a:t>andre</a:t>
+            </a:r>
+            <a:r>
+              <a:rPr lang="en-GB" sz="800" dirty="0"/>
               <a:t> </a:t>
             </a:r>
             <a:r>
-              <a:rPr lang="en-GB" sz="800" err="1"/>
-              <a:t>styres</a:t>
-            </a:r>
-            <a:r>
-              <a:rPr lang="en-GB" sz="800"/>
-              <a:t> via software. De er </a:t>
-            </a:r>
-            <a:r>
-              <a:rPr lang="en-GB" sz="800" err="1"/>
-              <a:t>ESP'ens</a:t>
-            </a:r>
-            <a:r>
-              <a:rPr lang="en-GB" sz="800"/>
+              <a:rPr lang="en-GB" sz="800" dirty="0" err="1"/>
+              <a:t>enheder</a:t>
+            </a:r>
+            <a:r>
+              <a:rPr lang="en-GB" sz="800" dirty="0"/>
+              <a:t>.</a:t>
+            </a:r>
+          </a:p>
+          <a:p>
+            <a:pPr>
+              <a:lnSpc>
+                <a:spcPct val="90000"/>
+              </a:lnSpc>
+            </a:pPr>
+            <a:r>
+              <a:rPr lang="en-GB" sz="800" dirty="0"/>
+              <a:t>Kan </a:t>
+            </a:r>
+            <a:r>
+              <a:rPr lang="en-GB" sz="800" dirty="0" err="1"/>
+              <a:t>ofte</a:t>
+            </a:r>
+            <a:r>
+              <a:rPr lang="en-GB" sz="800" dirty="0"/>
               <a:t> </a:t>
             </a:r>
             <a:r>
-              <a:rPr lang="en-GB" sz="800" err="1"/>
-              <a:t>primære</a:t>
-            </a:r>
-            <a:r>
-              <a:rPr lang="en-GB" sz="800"/>
+              <a:rPr lang="en-GB" sz="800" dirty="0" err="1"/>
+              <a:t>konfigureres</a:t>
+            </a:r>
+            <a:r>
+              <a:rPr lang="en-GB" sz="800" dirty="0"/>
+              <a:t> med INPUT_PULLUP (intern </a:t>
+            </a:r>
+            <a:r>
+              <a:rPr lang="en-GB" sz="800" dirty="0" err="1"/>
+              <a:t>modstand</a:t>
+            </a:r>
+            <a:r>
+              <a:rPr lang="en-GB" sz="800" dirty="0"/>
               <a:t> </a:t>
             </a:r>
             <a:r>
-              <a:rPr lang="en-GB" sz="800" err="1"/>
-              <a:t>måde</a:t>
-            </a:r>
-            <a:r>
-              <a:rPr lang="en-GB" sz="800"/>
-              <a:t> at </a:t>
-            </a:r>
-            <a:r>
-              <a:rPr lang="en-GB" sz="800" err="1"/>
-              <a:t>interagere</a:t>
-            </a:r>
-            <a:r>
-              <a:rPr lang="en-GB" sz="800"/>
-              <a:t> med den </a:t>
-            </a:r>
-            <a:r>
-              <a:rPr lang="en-GB" sz="800" err="1"/>
-              <a:t>fysiske</a:t>
-            </a:r>
-            <a:r>
-              <a:rPr lang="en-GB" sz="800"/>
+              <a:rPr lang="en-GB" sz="800" dirty="0" err="1"/>
+              <a:t>til</a:t>
+            </a:r>
+            <a:r>
+              <a:rPr lang="en-GB" sz="800" dirty="0"/>
+              <a:t> 3.3V) </a:t>
+            </a:r>
+            <a:r>
+              <a:rPr lang="en-GB" sz="800" dirty="0" err="1"/>
+              <a:t>eller</a:t>
+            </a:r>
+            <a:r>
+              <a:rPr lang="en-GB" sz="800" dirty="0"/>
+              <a:t> INPUT_PULLDOWN (intern </a:t>
+            </a:r>
+            <a:r>
+              <a:rPr lang="en-GB" sz="800" dirty="0" err="1"/>
+              <a:t>modstand</a:t>
+            </a:r>
+            <a:r>
+              <a:rPr lang="en-GB" sz="800" dirty="0"/>
               <a:t> </a:t>
             </a:r>
             <a:r>
-              <a:rPr lang="en-GB" sz="800" err="1"/>
-              <a:t>verden</a:t>
-            </a:r>
-            <a:r>
-              <a:rPr lang="en-GB" sz="800"/>
+              <a:rPr lang="en-GB" sz="800" dirty="0" err="1"/>
+              <a:t>til</a:t>
+            </a:r>
+            <a:r>
+              <a:rPr lang="en-GB" sz="800" dirty="0"/>
+              <a:t> GND) for at </a:t>
+            </a:r>
+            <a:r>
+              <a:rPr lang="en-GB" sz="800" dirty="0" err="1"/>
+              <a:t>sikre</a:t>
+            </a:r>
+            <a:r>
+              <a:rPr lang="en-GB" sz="800" dirty="0"/>
               <a:t> </a:t>
             </a:r>
             <a:r>
-              <a:rPr lang="en-GB" sz="800" err="1"/>
-              <a:t>på</a:t>
-            </a:r>
-            <a:r>
-              <a:rPr lang="en-GB" sz="800"/>
+              <a:rPr lang="en-GB" sz="800" dirty="0" err="1"/>
+              <a:t>en</a:t>
+            </a:r>
+            <a:r>
+              <a:rPr lang="en-GB" sz="800" dirty="0"/>
+              <a:t> </a:t>
+            </a:r>
+            <a:r>
+              <a:rPr lang="en-GB" sz="800" dirty="0" err="1"/>
+              <a:t>stabil</a:t>
+            </a:r>
+            <a:r>
+              <a:rPr lang="en-GB" sz="800" dirty="0"/>
+              <a:t> </a:t>
+            </a:r>
+            <a:r>
+              <a:rPr lang="en-GB" sz="800" dirty="0" err="1"/>
+              <a:t>tilstand</a:t>
+            </a:r>
+            <a:r>
+              <a:rPr lang="en-GB" sz="800" dirty="0"/>
+              <a:t>, </a:t>
+            </a:r>
+            <a:r>
+              <a:rPr lang="en-GB" sz="800" dirty="0" err="1"/>
+              <a:t>når</a:t>
+            </a:r>
+            <a:r>
+              <a:rPr lang="en-GB" sz="800" dirty="0"/>
+              <a:t> </a:t>
+            </a:r>
+            <a:r>
+              <a:rPr lang="en-GB" sz="800" dirty="0" err="1"/>
+              <a:t>intet</a:t>
+            </a:r>
+            <a:r>
+              <a:rPr lang="en-GB" sz="800" dirty="0"/>
+              <a:t> er </a:t>
+            </a:r>
+            <a:r>
+              <a:rPr lang="en-GB" sz="800" dirty="0" err="1"/>
+              <a:t>tilsluttet</a:t>
+            </a:r>
+            <a:r>
+              <a:rPr lang="en-GB" sz="800" dirty="0"/>
               <a:t>.</a:t>
             </a:r>
           </a:p>
@@ -23563,96 +23791,8 @@
               <a:buNone/>
             </a:pPr>
             <a:r>
-              <a:rPr lang="en-GB" sz="800" err="1"/>
-              <a:t>Fleksibilitet</a:t>
-            </a:r>
-            <a:r>
-              <a:rPr lang="en-GB" sz="800"/>
-              <a:t>: De </a:t>
-            </a:r>
-            <a:r>
-              <a:rPr lang="en-GB" sz="800" err="1"/>
-              <a:t>fleste</a:t>
-            </a:r>
-            <a:r>
-              <a:rPr lang="en-GB" sz="800"/>
-              <a:t> GPIO pins </a:t>
-            </a:r>
-            <a:r>
-              <a:rPr lang="en-GB" sz="800" err="1"/>
-              <a:t>på</a:t>
-            </a:r>
-            <a:r>
-              <a:rPr lang="en-GB" sz="800"/>
-              <a:t> ESP32 </a:t>
-            </a:r>
-            <a:r>
-              <a:rPr lang="en-GB" sz="800" err="1"/>
-              <a:t>kan</a:t>
-            </a:r>
-            <a:r>
-              <a:rPr lang="en-GB" sz="800"/>
-              <a:t> </a:t>
-            </a:r>
-            <a:r>
-              <a:rPr lang="en-GB" sz="800" err="1"/>
-              <a:t>konfigureres</a:t>
-            </a:r>
-            <a:r>
-              <a:rPr lang="en-GB" sz="800"/>
-              <a:t> </a:t>
-            </a:r>
-            <a:r>
-              <a:rPr lang="en-GB" sz="800" err="1"/>
-              <a:t>til</a:t>
-            </a:r>
-            <a:r>
-              <a:rPr lang="en-GB" sz="800"/>
-              <a:t> </a:t>
-            </a:r>
-            <a:r>
-              <a:rPr lang="en-GB" sz="800" err="1"/>
-              <a:t>flere</a:t>
-            </a:r>
-            <a:r>
-              <a:rPr lang="en-GB" sz="800"/>
-              <a:t> </a:t>
-            </a:r>
-            <a:r>
-              <a:rPr lang="en-GB" sz="800" err="1"/>
-              <a:t>forskellige</a:t>
-            </a:r>
-            <a:r>
-              <a:rPr lang="en-GB" sz="800"/>
-              <a:t> </a:t>
-            </a:r>
-            <a:r>
-              <a:rPr lang="en-GB" sz="800" err="1"/>
-              <a:t>funktioner</a:t>
-            </a:r>
-            <a:r>
-              <a:rPr lang="en-GB" sz="800"/>
-              <a:t>.</a:t>
-            </a:r>
-          </a:p>
-          <a:p>
-            <a:pPr marL="0" indent="0">
-              <a:lnSpc>
-                <a:spcPct val="90000"/>
-              </a:lnSpc>
-              <a:buNone/>
-            </a:pPr>
-            <a:r>
-              <a:rPr lang="en-GB" sz="800"/>
-              <a:t>GPIO </a:t>
-            </a:r>
-            <a:r>
-              <a:rPr lang="en-GB" sz="800" err="1"/>
-              <a:t>Funktioner</a:t>
-            </a:r>
-            <a:r>
-              <a:rPr lang="en-GB" sz="800"/>
-              <a:t> (Primære):</a:t>
+              <a:rPr lang="en-GB" sz="800" dirty="0"/>
+              <a:t>Digital Output (OUTPUT):</a:t>
             </a:r>
           </a:p>
           <a:p>
@@ -23662,8 +23802,32 @@
               </a:lnSpc>
             </a:pPr>
             <a:r>
-              <a:rPr lang="en-GB" sz="800"/>
-              <a:t>Digital Input (INPUT):</a:t>
+              <a:rPr lang="en-GB" sz="800" dirty="0"/>
+              <a:t>Sætter </a:t>
+            </a:r>
+            <a:r>
+              <a:rPr lang="en-GB" sz="800" dirty="0" err="1"/>
+              <a:t>en</a:t>
+            </a:r>
+            <a:r>
+              <a:rPr lang="en-GB" sz="800" dirty="0"/>
+              <a:t> digital </a:t>
+            </a:r>
+            <a:r>
+              <a:rPr lang="en-GB" sz="800" dirty="0" err="1"/>
+              <a:t>tilstand</a:t>
+            </a:r>
+            <a:r>
+              <a:rPr lang="en-GB" sz="800" dirty="0"/>
+              <a:t>: HØJ (3.3V) </a:t>
+            </a:r>
+            <a:r>
+              <a:rPr lang="en-GB" sz="800" dirty="0" err="1"/>
+              <a:t>eller</a:t>
+            </a:r>
+            <a:r>
+              <a:rPr lang="en-GB" sz="800" dirty="0"/>
+              <a:t> LAV (GND).</a:t>
             </a:r>
           </a:p>
           <a:p>
@@ -23673,732 +23837,64 @@
               </a:lnSpc>
             </a:pPr>
             <a:r>
-              <a:rPr lang="en-GB" sz="800" err="1"/>
-              <a:t>Læser</a:t>
-            </a:r>
-            <a:r>
-              <a:rPr lang="en-GB" sz="800"/>
+              <a:rPr lang="en-GB" sz="800" dirty="0"/>
+              <a:t>Bruges </a:t>
+            </a:r>
+            <a:r>
+              <a:rPr lang="en-GB" sz="800" dirty="0" err="1"/>
+              <a:t>til</a:t>
+            </a:r>
+            <a:r>
+              <a:rPr lang="en-GB" sz="800" dirty="0"/>
+              <a:t> at </a:t>
+            </a:r>
+            <a:r>
+              <a:rPr lang="en-GB" sz="800" dirty="0" err="1"/>
+              <a:t>tænde</a:t>
+            </a:r>
+            <a:r>
+              <a:rPr lang="en-GB" sz="800" dirty="0"/>
+              <a:t>/</a:t>
+            </a:r>
+            <a:r>
+              <a:rPr lang="en-GB" sz="800" dirty="0" err="1"/>
+              <a:t>slukke</a:t>
+            </a:r>
+            <a:r>
+              <a:rPr lang="en-GB" sz="800" dirty="0"/>
+              <a:t> LEDs, </a:t>
+            </a:r>
+            <a:r>
+              <a:rPr lang="en-GB" sz="800" dirty="0" err="1"/>
+              <a:t>styre</a:t>
+            </a:r>
+            <a:r>
+              <a:rPr lang="en-GB" sz="800" dirty="0"/>
               <a:t> </a:t>
             </a:r>
             <a:r>
-              <a:rPr lang="en-GB" sz="800" err="1"/>
-              <a:t>en</a:t>
-            </a:r>
-            <a:r>
-              <a:rPr lang="en-GB" sz="800"/>
-              <a:t> digital </a:t>
-            </a:r>
-            <a:r>
-              <a:rPr lang="en-GB" sz="800" err="1"/>
-              <a:t>tilstand</a:t>
-            </a:r>
-            <a:r>
-              <a:rPr lang="en-GB" sz="800"/>
-              <a:t>: HØJ (</a:t>
-            </a:r>
-            <a:r>
-              <a:rPr lang="en-GB" sz="800" err="1"/>
-              <a:t>typisk</a:t>
-            </a:r>
-            <a:r>
-              <a:rPr lang="en-GB" sz="800"/>
-              <a:t> ~3.3V) </a:t>
-            </a:r>
-            <a:r>
-              <a:rPr lang="en-GB" sz="800" err="1"/>
-              <a:t>eller</a:t>
-            </a:r>
-            <a:r>
-              <a:rPr lang="en-GB" sz="800"/>
-              <a:t> LAV (</a:t>
-            </a:r>
-            <a:r>
-              <a:rPr lang="en-GB" sz="800" err="1"/>
-              <a:t>typisk</a:t>
-            </a:r>
-            <a:r>
-              <a:rPr lang="en-GB" sz="800"/>
-              <a:t> ~0V / GND).</a:t>
-            </a:r>
-          </a:p>
-          <a:p>
-            <a:pPr>
-              <a:lnSpc>
-                <a:spcPct val="90000"/>
-              </a:lnSpc>
-            </a:pPr>
-            <a:r>
-              <a:rPr lang="en-GB" sz="800"/>
-              <a:t>Bruges </a:t>
-            </a:r>
-            <a:r>
-              <a:rPr lang="en-GB" sz="800" err="1"/>
-              <a:t>til</a:t>
-            </a:r>
-            <a:r>
-              <a:rPr lang="en-GB" sz="800"/>
-              <a:t> </a:t>
-            </a:r>
-            <a:r>
-              <a:rPr lang="en-GB" sz="800" err="1"/>
-              <a:t>knapper</a:t>
-            </a:r>
-            <a:r>
-              <a:rPr lang="en-GB" sz="800"/>
-              <a:t>, simple </a:t>
-            </a:r>
-            <a:r>
-              <a:rPr lang="en-GB" sz="800" err="1"/>
-              <a:t>sensorer</a:t>
-            </a:r>
-            <a:r>
-              <a:rPr lang="en-GB" sz="800"/>
-              <a:t> (</a:t>
-            </a:r>
-            <a:r>
-              <a:rPr lang="en-GB" sz="800" err="1"/>
-              <a:t>f.eks</a:t>
-            </a:r>
-            <a:r>
-              <a:rPr lang="en-GB" sz="800"/>
-              <a:t>. </a:t>
-            </a:r>
-            <a:r>
-              <a:rPr lang="en-GB" sz="800" err="1"/>
-              <a:t>bevægelsessensor</a:t>
-            </a:r>
-            <a:r>
-              <a:rPr lang="en-GB" sz="800"/>
-              <a:t>), signal fra </a:t>
-            </a:r>
-            <a:r>
-              <a:rPr lang="en-GB" sz="800" err="1"/>
-              <a:t>andre</a:t>
-            </a:r>
-            <a:r>
-              <a:rPr lang="en-GB" sz="800"/>
-              <a:t> </a:t>
-            </a:r>
-            <a:r>
-              <a:rPr lang="en-GB" sz="800" err="1"/>
-              <a:t>enheder</a:t>
-            </a:r>
-            <a:r>
-              <a:rPr lang="en-GB" sz="800"/>
+              <a:rPr lang="en-GB" sz="800" dirty="0" err="1"/>
+              <a:t>relæer</a:t>
+            </a:r>
+            <a:r>
+              <a:rPr lang="en-GB" sz="800" dirty="0"/>
+              <a:t> (via transistor), </a:t>
+            </a:r>
+            <a:r>
+              <a:rPr lang="en-GB" sz="800" dirty="0" err="1"/>
+              <a:t>sende</a:t>
+            </a:r>
+            <a:r>
+              <a:rPr lang="en-GB" sz="800" dirty="0"/>
+              <a:t> simple </a:t>
+            </a:r>
+            <a:r>
+              <a:rPr lang="en-GB" sz="800" dirty="0" err="1"/>
+              <a:t>signaler</a:t>
+            </a:r>
+            <a:r>
+              <a:rPr lang="en-GB" sz="800" dirty="0"/>
               <a:t>.</a:t>
-            </a:r>
-          </a:p>
-          <a:p>
-            <a:pPr>
-              <a:lnSpc>
-                <a:spcPct val="90000"/>
-              </a:lnSpc>
-            </a:pPr>
-            <a:r>
-              <a:rPr lang="en-GB" sz="800"/>
-              <a:t>Kan </a:t>
-            </a:r>
-            <a:r>
-              <a:rPr lang="en-GB" sz="800" err="1"/>
-              <a:t>ofte</a:t>
-            </a:r>
-            <a:r>
-              <a:rPr lang="en-GB" sz="800"/>
-              <a:t> </a:t>
-            </a:r>
-            <a:r>
-              <a:rPr lang="en-GB" sz="800" err="1"/>
-              <a:t>konfigureres</a:t>
-            </a:r>
-            <a:r>
-              <a:rPr lang="en-GB" sz="800"/>
-              <a:t> med INPUT_PULLUP (intern </a:t>
-            </a:r>
-            <a:r>
-              <a:rPr lang="en-GB" sz="800" err="1"/>
-              <a:t>modstand</a:t>
-            </a:r>
-            <a:r>
-              <a:rPr lang="en-GB" sz="800"/>
-              <a:t> </a:t>
-            </a:r>
-            <a:r>
-              <a:rPr lang="en-GB" sz="800" err="1"/>
-              <a:t>til</a:t>
-            </a:r>
-            <a:r>
-              <a:rPr lang="en-GB" sz="800"/>
-              <a:t> 3.3V) </a:t>
-            </a:r>
-            <a:r>
-              <a:rPr lang="en-GB" sz="800" err="1"/>
-              <a:t>eller</a:t>
-            </a:r>
-            <a:r>
-              <a:rPr lang="en-GB" sz="800"/>
-              <a:t> INPUT_PULLDOWN (intern </a:t>
-            </a:r>
-            <a:r>
-              <a:rPr lang="en-GB" sz="800" err="1"/>
-              <a:t>modstand</a:t>
-            </a:r>
-            <a:r>
-              <a:rPr lang="en-GB" sz="800"/>
-              <a:t> </a:t>
-            </a:r>
-            <a:r>
-              <a:rPr lang="en-GB" sz="800" err="1"/>
-              <a:t>til</a:t>
-            </a:r>
-            <a:r>
-              <a:rPr lang="en-GB" sz="800"/>
-              <a:t> GND) for at </a:t>
-            </a:r>
-            <a:r>
-              <a:rPr lang="en-GB" sz="800" err="1"/>
-              <a:t>sikre</a:t>
-            </a:r>
-            <a:r>
-              <a:rPr lang="en-GB" sz="800"/>
-              <a:t> </a:t>
-            </a:r>
-            <a:r>
-              <a:rPr lang="en-GB" sz="800" err="1"/>
-              <a:t>en</a:t>
-            </a:r>
-            <a:r>
-              <a:rPr lang="en-GB" sz="800"/>
-              <a:t> </a:t>
-            </a:r>
-            <a:r>
-              <a:rPr lang="en-GB" sz="800" err="1"/>
-              <a:t>stabil</a:t>
-            </a:r>
-            <a:r>
-              <a:rPr lang="en-GB" sz="800"/>
-              <a:t> </a:t>
-            </a:r>
-            <a:r>
-              <a:rPr lang="en-GB" sz="800" err="1"/>
-              <a:t>tilstand</a:t>
-            </a:r>
-            <a:r>
-              <a:rPr lang="en-GB" sz="800"/>
-              <a:t>, </a:t>
-            </a:r>
-            <a:r>
-              <a:rPr lang="en-GB" sz="800" err="1"/>
-              <a:t>når</a:t>
-            </a:r>
-            <a:r>
-              <a:rPr lang="en-GB" sz="800"/>
-              <a:t> </a:t>
-            </a:r>
-            <a:r>
-              <a:rPr lang="en-GB" sz="800" err="1"/>
-              <a:t>intet</a:t>
-            </a:r>
-            <a:r>
-              <a:rPr lang="en-GB" sz="800"/>
-              <a:t> er </a:t>
-            </a:r>
-            <a:r>
-              <a:rPr lang="en-GB" sz="800" err="1"/>
-              <a:t>tilsluttet</a:t>
-            </a:r>
-            <a:r>
-              <a:rPr lang="en-GB" sz="800"/>
-              <a:t>.</a:t>
-            </a:r>
-          </a:p>
-          <a:p>
-            <a:pPr marL="0" indent="0">
-              <a:lnSpc>
-                <a:spcPct val="90000"/>
-              </a:lnSpc>
-              <a:buNone/>
-            </a:pPr>
-            <a:r>
-              <a:rPr lang="en-GB" sz="800"/>
-              <a:t>Digital Output (OUTPUT):</a:t>
-            </a:r>
-          </a:p>
-          <a:p>
-            <a:pPr>
-              <a:lnSpc>
-                <a:spcPct val="90000"/>
-              </a:lnSpc>
-            </a:pPr>
-            <a:r>
-              <a:rPr lang="en-GB" sz="800"/>
-              <a:t>Sætter </a:t>
-            </a:r>
-            <a:r>
-              <a:rPr lang="en-GB" sz="800" err="1"/>
-              <a:t>en</a:t>
-            </a:r>
-            <a:r>
-              <a:rPr lang="en-GB" sz="800"/>
-              <a:t> digital </a:t>
-            </a:r>
-            <a:r>
-              <a:rPr lang="en-GB" sz="800" err="1"/>
-              <a:t>tilstand</a:t>
-            </a:r>
-            <a:r>
-              <a:rPr lang="en-GB" sz="800"/>
-              <a:t>: HØJ (3.3V) </a:t>
-            </a:r>
-            <a:r>
-              <a:rPr lang="en-GB" sz="800" err="1"/>
-              <a:t>eller</a:t>
-            </a:r>
-            <a:r>
-              <a:rPr lang="en-GB" sz="800"/>
-              <a:t> LAV (GND).</a:t>
-            </a:r>
-          </a:p>
-          <a:p>
-            <a:pPr>
-              <a:lnSpc>
-                <a:spcPct val="90000"/>
-              </a:lnSpc>
-            </a:pPr>
-            <a:r>
-              <a:rPr lang="en-GB" sz="800"/>
-              <a:t>Bruges </a:t>
-            </a:r>
-            <a:r>
-              <a:rPr lang="en-GB" sz="800" err="1"/>
-              <a:t>til</a:t>
-            </a:r>
-            <a:r>
-              <a:rPr lang="en-GB" sz="800"/>
-              <a:t> at </a:t>
-            </a:r>
-            <a:r>
-              <a:rPr lang="en-GB" sz="800" err="1"/>
-              <a:t>tænde</a:t>
-            </a:r>
-            <a:r>
-              <a:rPr lang="en-GB" sz="800"/>
-              <a:t>/</a:t>
-            </a:r>
-            <a:r>
-              <a:rPr lang="en-GB" sz="800" err="1"/>
-              <a:t>slukke</a:t>
-            </a:r>
-            <a:r>
-              <a:rPr lang="en-GB" sz="800"/>
-              <a:t> LEDs, </a:t>
-            </a:r>
-            <a:r>
-              <a:rPr lang="en-GB" sz="800" err="1"/>
-              <a:t>styre</a:t>
-            </a:r>
-            <a:r>
-              <a:rPr lang="en-GB" sz="800"/>
-              <a:t> </a:t>
-            </a:r>
-            <a:r>
-              <a:rPr lang="en-GB" sz="800" err="1"/>
-              <a:t>relæer</a:t>
-            </a:r>
-            <a:r>
-              <a:rPr lang="en-GB" sz="800"/>
-              <a:t> (via transistor), </a:t>
-            </a:r>
-            <a:r>
-              <a:rPr lang="en-GB" sz="800" err="1"/>
-              <a:t>sende</a:t>
-            </a:r>
-            <a:r>
-              <a:rPr lang="en-GB" sz="800"/>
-              <a:t> simple </a:t>
-            </a:r>
-            <a:r>
-              <a:rPr lang="en-GB" sz="800" err="1"/>
-              <a:t>signaler</a:t>
-            </a:r>
-            <a:r>
-              <a:rPr lang="en-GB" sz="800"/>
-              <a:t>.</a:t>
-            </a:r>
-          </a:p>
-          <a:p>
-            <a:pPr marL="0" indent="0">
-              <a:lnSpc>
-                <a:spcPct val="90000"/>
-              </a:lnSpc>
-              <a:buNone/>
-            </a:pPr>
-            <a:r>
-              <a:rPr lang="en-GB" sz="800"/>
-              <a:t>VIGTIGT for ESP32:</a:t>
-            </a:r>
-          </a:p>
-          <a:p>
-            <a:pPr>
-              <a:lnSpc>
-                <a:spcPct val="90000"/>
-              </a:lnSpc>
-            </a:pPr>
-            <a:r>
-              <a:rPr lang="en-GB" sz="800" err="1"/>
-              <a:t>Logisk</a:t>
-            </a:r>
-            <a:r>
-              <a:rPr lang="en-GB" sz="800"/>
-              <a:t> </a:t>
-            </a:r>
-            <a:r>
-              <a:rPr lang="en-GB" sz="800" err="1"/>
-              <a:t>Niveau</a:t>
-            </a:r>
-            <a:r>
-              <a:rPr lang="en-GB" sz="800"/>
-              <a:t>: ESP32 </a:t>
-            </a:r>
-            <a:r>
-              <a:rPr lang="en-GB" sz="800" err="1"/>
-              <a:t>arbejder</a:t>
-            </a:r>
-            <a:r>
-              <a:rPr lang="en-GB" sz="800"/>
-              <a:t> med 3.3V </a:t>
-            </a:r>
-            <a:r>
-              <a:rPr lang="en-GB" sz="800" err="1"/>
-              <a:t>logik</a:t>
-            </a:r>
-            <a:r>
-              <a:rPr lang="en-GB" sz="800"/>
-              <a:t>.</a:t>
-            </a:r>
-          </a:p>
-          <a:p>
-            <a:pPr>
-              <a:lnSpc>
-                <a:spcPct val="90000"/>
-              </a:lnSpc>
-            </a:pPr>
-            <a:r>
-              <a:rPr lang="en-GB" sz="800"/>
-              <a:t>Tolerance: Pins er </a:t>
-            </a:r>
-            <a:r>
-              <a:rPr lang="en-GB" sz="800" err="1"/>
-              <a:t>generelt</a:t>
-            </a:r>
-            <a:r>
-              <a:rPr lang="en-GB" sz="800"/>
-              <a:t> IKKE 5V </a:t>
-            </a:r>
-            <a:r>
-              <a:rPr lang="en-GB" sz="800" err="1"/>
-              <a:t>tolerante</a:t>
-            </a:r>
-            <a:r>
-              <a:rPr lang="en-GB" sz="800"/>
-              <a:t>! </a:t>
-            </a:r>
-            <a:r>
-              <a:rPr lang="en-GB" sz="800" err="1"/>
-              <a:t>Tilslutning</a:t>
-            </a:r>
-            <a:r>
-              <a:rPr lang="en-GB" sz="800"/>
-              <a:t> </a:t>
-            </a:r>
-            <a:r>
-              <a:rPr lang="en-GB" sz="800" err="1"/>
-              <a:t>af</a:t>
-            </a:r>
-            <a:r>
-              <a:rPr lang="en-GB" sz="800"/>
-              <a:t> 5V </a:t>
-            </a:r>
-            <a:r>
-              <a:rPr lang="en-GB" sz="800" err="1"/>
-              <a:t>signaler</a:t>
-            </a:r>
-            <a:r>
-              <a:rPr lang="en-GB" sz="800"/>
-              <a:t> </a:t>
-            </a:r>
-            <a:r>
-              <a:rPr lang="en-GB" sz="800" err="1"/>
-              <a:t>direkte</a:t>
-            </a:r>
-            <a:r>
-              <a:rPr lang="en-GB" sz="800"/>
-              <a:t> </a:t>
-            </a:r>
-            <a:r>
-              <a:rPr lang="en-GB" sz="800" err="1"/>
-              <a:t>kan</a:t>
-            </a:r>
-            <a:r>
-              <a:rPr lang="en-GB" sz="800"/>
-              <a:t> </a:t>
-            </a:r>
-            <a:r>
-              <a:rPr lang="en-GB" sz="800" err="1"/>
-              <a:t>beskadige</a:t>
-            </a:r>
-            <a:r>
-              <a:rPr lang="en-GB" sz="800"/>
-              <a:t> </a:t>
-            </a:r>
-            <a:r>
-              <a:rPr lang="en-GB" sz="800" err="1"/>
-              <a:t>ESP'en</a:t>
-            </a:r>
-            <a:r>
-              <a:rPr lang="en-GB" sz="800"/>
-              <a:t>. Brug level shifters </a:t>
-            </a:r>
-            <a:r>
-              <a:rPr lang="en-GB" sz="800" err="1"/>
-              <a:t>hvis</a:t>
-            </a:r>
-            <a:r>
-              <a:rPr lang="en-GB" sz="800"/>
-              <a:t> </a:t>
-            </a:r>
-            <a:r>
-              <a:rPr lang="en-GB" sz="800" err="1"/>
-              <a:t>nødvendigt</a:t>
-            </a:r>
-            <a:r>
-              <a:rPr lang="en-GB" sz="800"/>
-              <a:t>.</a:t>
-            </a:r>
-          </a:p>
-          <a:p>
-            <a:pPr>
-              <a:lnSpc>
-                <a:spcPct val="90000"/>
-              </a:lnSpc>
-            </a:pPr>
-            <a:r>
-              <a:rPr lang="en-GB" sz="800"/>
-              <a:t>Strøm: </a:t>
-            </a:r>
-            <a:r>
-              <a:rPr lang="en-GB" sz="800" err="1"/>
-              <a:t>Hver</a:t>
-            </a:r>
-            <a:r>
-              <a:rPr lang="en-GB" sz="800"/>
-              <a:t> pin </a:t>
-            </a:r>
-            <a:r>
-              <a:rPr lang="en-GB" sz="800" err="1"/>
-              <a:t>kan</a:t>
-            </a:r>
-            <a:r>
-              <a:rPr lang="en-GB" sz="800"/>
-              <a:t> </a:t>
-            </a:r>
-            <a:r>
-              <a:rPr lang="en-GB" sz="800" err="1"/>
-              <a:t>kun</a:t>
-            </a:r>
-            <a:r>
-              <a:rPr lang="en-GB" sz="800"/>
-              <a:t> </a:t>
-            </a:r>
-            <a:r>
-              <a:rPr lang="en-GB" sz="800" err="1"/>
-              <a:t>levere</a:t>
-            </a:r>
-            <a:r>
-              <a:rPr lang="en-GB" sz="800"/>
-              <a:t>/</a:t>
-            </a:r>
-            <a:r>
-              <a:rPr lang="en-GB" sz="800" err="1"/>
-              <a:t>modtage</a:t>
-            </a:r>
-            <a:r>
-              <a:rPr lang="en-GB" sz="800"/>
-              <a:t> </a:t>
-            </a:r>
-            <a:r>
-              <a:rPr lang="en-GB" sz="800" err="1"/>
-              <a:t>en</a:t>
-            </a:r>
-            <a:r>
-              <a:rPr lang="en-GB" sz="800"/>
-              <a:t> </a:t>
-            </a:r>
-            <a:r>
-              <a:rPr lang="en-GB" sz="800" err="1"/>
-              <a:t>begrænset</a:t>
-            </a:r>
-            <a:r>
-              <a:rPr lang="en-GB" sz="800"/>
-              <a:t> </a:t>
-            </a:r>
-            <a:r>
-              <a:rPr lang="en-GB" sz="800" err="1"/>
-              <a:t>mængde</a:t>
-            </a:r>
-            <a:r>
-              <a:rPr lang="en-GB" sz="800"/>
-              <a:t> </a:t>
-            </a:r>
-            <a:r>
-              <a:rPr lang="en-GB" sz="800" err="1"/>
-              <a:t>strøm</a:t>
-            </a:r>
-            <a:r>
-              <a:rPr lang="en-GB" sz="800"/>
-              <a:t> (</a:t>
-            </a:r>
-            <a:r>
-              <a:rPr lang="en-GB" sz="800" err="1"/>
-              <a:t>typisk</a:t>
-            </a:r>
-            <a:r>
-              <a:rPr lang="en-GB" sz="800"/>
-              <a:t> &lt; 40mA, </a:t>
-            </a:r>
-            <a:r>
-              <a:rPr lang="en-GB" sz="800" err="1"/>
-              <a:t>ofte</a:t>
-            </a:r>
-            <a:r>
-              <a:rPr lang="en-GB" sz="800"/>
-              <a:t> </a:t>
-            </a:r>
-            <a:r>
-              <a:rPr lang="en-GB" sz="800" err="1"/>
-              <a:t>anbefales</a:t>
-            </a:r>
-            <a:r>
-              <a:rPr lang="en-GB" sz="800"/>
-              <a:t> &lt; 12mA for output). Til </a:t>
-            </a:r>
-            <a:r>
-              <a:rPr lang="en-GB" sz="800" err="1"/>
-              <a:t>større</a:t>
-            </a:r>
-            <a:r>
-              <a:rPr lang="en-GB" sz="800"/>
-              <a:t> </a:t>
-            </a:r>
-            <a:r>
-              <a:rPr lang="en-GB" sz="800" err="1"/>
-              <a:t>belastninger</a:t>
-            </a:r>
-            <a:r>
-              <a:rPr lang="en-GB" sz="800"/>
-              <a:t> (motorer, mange LEDs) </a:t>
-            </a:r>
-            <a:r>
-              <a:rPr lang="en-GB" sz="800" err="1"/>
-              <a:t>kræves</a:t>
-            </a:r>
-            <a:r>
-              <a:rPr lang="en-GB" sz="800"/>
-              <a:t> </a:t>
-            </a:r>
-            <a:r>
-              <a:rPr lang="en-GB" sz="800" err="1"/>
-              <a:t>ekstern</a:t>
-            </a:r>
-            <a:r>
-              <a:rPr lang="en-GB" sz="800"/>
-              <a:t> driver (transistor, MOSFET, </a:t>
-            </a:r>
-            <a:r>
-              <a:rPr lang="en-GB" sz="800" err="1"/>
-              <a:t>relæ-modul</a:t>
-            </a:r>
-            <a:r>
-              <a:rPr lang="en-GB" sz="800"/>
-              <a:t>).</a:t>
-            </a:r>
-          </a:p>
-          <a:p>
-            <a:pPr>
-              <a:lnSpc>
-                <a:spcPct val="90000"/>
-              </a:lnSpc>
-            </a:pPr>
-            <a:r>
-              <a:rPr lang="en-GB" sz="800" err="1"/>
-              <a:t>Specielle</a:t>
-            </a:r>
-            <a:r>
-              <a:rPr lang="en-GB" sz="800"/>
-              <a:t> Pins: Nogle pins </a:t>
-            </a:r>
-            <a:r>
-              <a:rPr lang="en-GB" sz="800" err="1"/>
-              <a:t>har</a:t>
-            </a:r>
-            <a:r>
-              <a:rPr lang="en-GB" sz="800"/>
-              <a:t> </a:t>
-            </a:r>
-            <a:r>
-              <a:rPr lang="en-GB" sz="800" err="1"/>
-              <a:t>begrænsninger</a:t>
-            </a:r>
-            <a:r>
-              <a:rPr lang="en-GB" sz="800"/>
-              <a:t> (</a:t>
-            </a:r>
-            <a:r>
-              <a:rPr lang="en-GB" sz="800" err="1"/>
-              <a:t>f.eks</a:t>
-            </a:r>
-            <a:r>
-              <a:rPr lang="en-GB" sz="800"/>
-              <a:t>. </a:t>
-            </a:r>
-            <a:r>
-              <a:rPr lang="en-GB" sz="800" err="1"/>
-              <a:t>kun</a:t>
-            </a:r>
-            <a:r>
-              <a:rPr lang="en-GB" sz="800"/>
-              <a:t> input: 34, 35, 36, 39) </a:t>
-            </a:r>
-            <a:r>
-              <a:rPr lang="en-GB" sz="800" err="1"/>
-              <a:t>eller</a:t>
-            </a:r>
-            <a:r>
-              <a:rPr lang="en-GB" sz="800"/>
-              <a:t> </a:t>
-            </a:r>
-            <a:r>
-              <a:rPr lang="en-GB" sz="800" err="1"/>
-              <a:t>specielle</a:t>
-            </a:r>
-            <a:r>
-              <a:rPr lang="en-GB" sz="800"/>
-              <a:t> </a:t>
-            </a:r>
-            <a:r>
-              <a:rPr lang="en-GB" sz="800" err="1"/>
-              <a:t>funktioner</a:t>
-            </a:r>
-            <a:r>
-              <a:rPr lang="en-GB" sz="800"/>
-              <a:t> (touch, strapping pins </a:t>
-            </a:r>
-            <a:r>
-              <a:rPr lang="en-GB" sz="800" err="1"/>
-              <a:t>ved</a:t>
-            </a:r>
-            <a:r>
-              <a:rPr lang="en-GB" sz="800"/>
-              <a:t> boot).</a:t>
             </a:r>
           </a:p>
         </p:txBody>
@@ -24477,10 +23973,15 @@
             <p:ph idx="1"/>
           </p:nvPr>
         </p:nvSpPr>
-        <p:spPr/>
+        <p:spPr>
+          <a:xfrm>
+            <a:off x="646111" y="1426146"/>
+            <a:ext cx="8946541" cy="4195481"/>
+          </a:xfrm>
+        </p:spPr>
         <p:txBody>
           <a:bodyPr>
-            <a:normAutofit fontScale="40000" lnSpcReduction="20000"/>
+            <a:normAutofit fontScale="70000" lnSpcReduction="20000"/>
           </a:bodyPr>
           <a:lstStyle/>
           <a:p>
@@ -24861,429 +24362,6 @@
             <a:r>
               <a:rPr lang="en-GB" dirty="0"/>
               <a:t> 4095.</a:t>
-            </a:r>
-          </a:p>
-          <a:p>
-            <a:r>
-              <a:rPr lang="en-GB" dirty="0"/>
-              <a:t>Input </a:t>
-            </a:r>
-            <a:r>
-              <a:rPr lang="en-GB" dirty="0" err="1"/>
-              <a:t>Spændingsområde</a:t>
-            </a:r>
-            <a:r>
-              <a:rPr lang="en-GB" dirty="0"/>
-              <a:t>: </a:t>
-            </a:r>
-            <a:r>
-              <a:rPr lang="en-GB" dirty="0" err="1"/>
-              <a:t>Måler</a:t>
-            </a:r>
-            <a:r>
-              <a:rPr lang="en-GB" dirty="0"/>
-              <a:t> </a:t>
-            </a:r>
-            <a:r>
-              <a:rPr lang="en-GB" dirty="0" err="1"/>
-              <a:t>typisk</a:t>
-            </a:r>
-            <a:r>
-              <a:rPr lang="en-GB" dirty="0"/>
-              <a:t> </a:t>
-            </a:r>
-            <a:r>
-              <a:rPr lang="en-GB" dirty="0" err="1"/>
-              <a:t>spændinger</a:t>
-            </a:r>
-            <a:r>
-              <a:rPr lang="en-GB" dirty="0"/>
-              <a:t> </a:t>
-            </a:r>
-            <a:r>
-              <a:rPr lang="en-GB" dirty="0" err="1"/>
-              <a:t>mellem</a:t>
-            </a:r>
-            <a:r>
-              <a:rPr lang="en-GB" dirty="0"/>
-              <a:t> 0V </a:t>
-            </a:r>
-            <a:r>
-              <a:rPr lang="en-GB" dirty="0" err="1"/>
-              <a:t>og</a:t>
-            </a:r>
-            <a:r>
-              <a:rPr lang="en-GB" dirty="0"/>
-              <a:t> ~3.3V (</a:t>
-            </a:r>
-            <a:r>
-              <a:rPr lang="en-GB" dirty="0" err="1"/>
-              <a:t>eller</a:t>
-            </a:r>
-            <a:r>
-              <a:rPr lang="en-GB" dirty="0"/>
-              <a:t> et </a:t>
-            </a:r>
-            <a:r>
-              <a:rPr lang="en-GB" dirty="0" err="1"/>
-              <a:t>lidt</a:t>
-            </a:r>
-            <a:r>
-              <a:rPr lang="en-GB" dirty="0"/>
-              <a:t> </a:t>
-            </a:r>
-            <a:r>
-              <a:rPr lang="en-GB" dirty="0" err="1"/>
-              <a:t>lavere</a:t>
-            </a:r>
-            <a:r>
-              <a:rPr lang="en-GB" dirty="0"/>
-              <a:t> </a:t>
-            </a:r>
-            <a:r>
-              <a:rPr lang="en-GB" dirty="0" err="1"/>
-              <a:t>referencepunkt</a:t>
-            </a:r>
-            <a:r>
-              <a:rPr lang="en-GB" dirty="0"/>
-              <a:t>, check </a:t>
-            </a:r>
-            <a:r>
-              <a:rPr lang="en-GB" dirty="0" err="1"/>
-              <a:t>datablad</a:t>
-            </a:r>
-            <a:r>
-              <a:rPr lang="en-GB" dirty="0"/>
-              <a:t>/attenuation). </a:t>
-            </a:r>
-            <a:r>
-              <a:rPr lang="en-GB" dirty="0" err="1"/>
-              <a:t>Igen</a:t>
-            </a:r>
-            <a:r>
-              <a:rPr lang="en-GB" dirty="0"/>
-              <a:t>: IKKE 5V!</a:t>
-            </a:r>
-          </a:p>
-          <a:p>
-            <a:pPr marL="0" indent="0">
-              <a:buNone/>
-            </a:pPr>
-            <a:r>
-              <a:rPr lang="en-GB" dirty="0"/>
-              <a:t>Mapping:</a:t>
-            </a:r>
-          </a:p>
-          <a:p>
-            <a:pPr marL="0" indent="0">
-              <a:buNone/>
-            </a:pPr>
-            <a:r>
-              <a:rPr lang="en-GB" dirty="0"/>
-              <a:t>0V input ≈ Digital </a:t>
-            </a:r>
-            <a:r>
-              <a:rPr lang="en-GB" dirty="0" err="1"/>
-              <a:t>værdi</a:t>
-            </a:r>
-            <a:r>
-              <a:rPr lang="en-GB" dirty="0"/>
-              <a:t> 0</a:t>
-            </a:r>
-          </a:p>
-          <a:p>
-            <a:pPr marL="0" indent="0">
-              <a:buNone/>
-            </a:pPr>
-            <a:r>
-              <a:rPr lang="en-GB" dirty="0"/>
-              <a:t>~3.3V input ≈ Digital </a:t>
-            </a:r>
-            <a:r>
-              <a:rPr lang="en-GB" dirty="0" err="1"/>
-              <a:t>værdi</a:t>
-            </a:r>
-            <a:r>
-              <a:rPr lang="en-GB" dirty="0"/>
-              <a:t> 4095</a:t>
-            </a:r>
-          </a:p>
-          <a:p>
-            <a:pPr marL="0" indent="0">
-              <a:buNone/>
-            </a:pPr>
-            <a:r>
-              <a:rPr lang="en-GB" dirty="0"/>
-              <a:t>VIGTIGT: ADC2 &amp; Wi-Fi: Pins </a:t>
-            </a:r>
-            <a:r>
-              <a:rPr lang="en-GB" dirty="0" err="1"/>
-              <a:t>tilsluttet</a:t>
-            </a:r>
-            <a:r>
-              <a:rPr lang="en-GB" dirty="0"/>
-              <a:t> ADC2 </a:t>
-            </a:r>
-            <a:r>
-              <a:rPr lang="en-GB" dirty="0" err="1"/>
-              <a:t>kan</a:t>
-            </a:r>
-            <a:r>
-              <a:rPr lang="en-GB" dirty="0"/>
-              <a:t> IKKE </a:t>
-            </a:r>
-            <a:r>
-              <a:rPr lang="en-GB" dirty="0" err="1"/>
-              <a:t>bruges</a:t>
-            </a:r>
-            <a:r>
-              <a:rPr lang="en-GB" dirty="0"/>
-              <a:t> </a:t>
-            </a:r>
-            <a:r>
-              <a:rPr lang="en-GB" dirty="0" err="1"/>
-              <a:t>til</a:t>
-            </a:r>
-            <a:r>
-              <a:rPr lang="en-GB" dirty="0"/>
-              <a:t> </a:t>
-            </a:r>
-            <a:r>
-              <a:rPr lang="en-GB" dirty="0" err="1"/>
-              <a:t>analog</a:t>
-            </a:r>
-            <a:r>
-              <a:rPr lang="en-GB" dirty="0"/>
-              <a:t> </a:t>
-            </a:r>
-            <a:r>
-              <a:rPr lang="en-GB" dirty="0" err="1"/>
-              <a:t>læsning</a:t>
-            </a:r>
-            <a:r>
-              <a:rPr lang="en-GB" dirty="0"/>
-              <a:t>, </a:t>
-            </a:r>
-            <a:r>
-              <a:rPr lang="en-GB" dirty="0" err="1"/>
-              <a:t>mens</a:t>
-            </a:r>
-            <a:r>
-              <a:rPr lang="en-GB" dirty="0"/>
-              <a:t> Wi-Fi er </a:t>
-            </a:r>
-            <a:r>
-              <a:rPr lang="en-GB" dirty="0" err="1"/>
-              <a:t>aktivt</a:t>
-            </a:r>
-            <a:r>
-              <a:rPr lang="en-GB" dirty="0"/>
-              <a:t>! Brug </a:t>
-            </a:r>
-            <a:r>
-              <a:rPr lang="en-GB" dirty="0" err="1"/>
-              <a:t>primært</a:t>
-            </a:r>
-            <a:r>
-              <a:rPr lang="en-GB" dirty="0"/>
-              <a:t> pins </a:t>
-            </a:r>
-            <a:r>
-              <a:rPr lang="en-GB" dirty="0" err="1"/>
-              <a:t>på</a:t>
-            </a:r>
-            <a:r>
-              <a:rPr lang="en-GB" dirty="0"/>
-              <a:t> ADC1 (</a:t>
-            </a:r>
-            <a:r>
-              <a:rPr lang="en-GB" dirty="0" err="1"/>
-              <a:t>f.eks</a:t>
-            </a:r>
-            <a:r>
-              <a:rPr lang="en-GB" dirty="0"/>
-              <a:t>. GPIO 32-39) </a:t>
-            </a:r>
-            <a:r>
-              <a:rPr lang="en-GB" dirty="0" err="1"/>
-              <a:t>hvis</a:t>
-            </a:r>
-            <a:r>
-              <a:rPr lang="en-GB" dirty="0"/>
-              <a:t> du </a:t>
-            </a:r>
-            <a:r>
-              <a:rPr lang="en-GB" dirty="0" err="1"/>
-              <a:t>også</a:t>
-            </a:r>
-            <a:r>
-              <a:rPr lang="en-GB" dirty="0"/>
-              <a:t> </a:t>
-            </a:r>
-            <a:r>
-              <a:rPr lang="en-GB" dirty="0" err="1"/>
-              <a:t>bruger</a:t>
-            </a:r>
-            <a:r>
-              <a:rPr lang="en-GB" dirty="0"/>
-              <a:t> Wi-Fi. </a:t>
-            </a:r>
-            <a:r>
-              <a:rPr lang="en-GB" dirty="0" err="1"/>
-              <a:t>Almindelige</a:t>
-            </a:r>
-            <a:r>
-              <a:rPr lang="en-GB" dirty="0"/>
-              <a:t> ADC2 pins: 4, 12, 13, 14, 15, 25, 26, 27 (</a:t>
-            </a:r>
-            <a:r>
-              <a:rPr lang="en-GB" dirty="0" err="1"/>
-              <a:t>tjek</a:t>
-            </a:r>
-            <a:r>
-              <a:rPr lang="en-GB" dirty="0"/>
-              <a:t> din </a:t>
-            </a:r>
-            <a:r>
-              <a:rPr lang="en-GB" dirty="0" err="1"/>
-              <a:t>specifikke</a:t>
-            </a:r>
-            <a:r>
-              <a:rPr lang="en-GB" dirty="0"/>
-              <a:t> board pinout).</a:t>
-            </a:r>
-          </a:p>
-          <a:p>
-            <a:pPr marL="0" indent="0">
-              <a:buNone/>
-            </a:pPr>
-            <a:r>
-              <a:rPr lang="en-GB" dirty="0" err="1"/>
-              <a:t>Linearitet</a:t>
-            </a:r>
-            <a:r>
-              <a:rPr lang="en-GB" dirty="0"/>
-              <a:t>: </a:t>
-            </a:r>
-            <a:r>
-              <a:rPr lang="en-GB" dirty="0" err="1"/>
-              <a:t>Vær</a:t>
-            </a:r>
-            <a:r>
-              <a:rPr lang="en-GB" dirty="0"/>
-              <a:t> </a:t>
-            </a:r>
-            <a:r>
-              <a:rPr lang="en-GB" dirty="0" err="1"/>
-              <a:t>opmærksom</a:t>
-            </a:r>
-            <a:r>
-              <a:rPr lang="en-GB" dirty="0"/>
-              <a:t> </a:t>
-            </a:r>
-            <a:r>
-              <a:rPr lang="en-GB" dirty="0" err="1"/>
-              <a:t>på</a:t>
-            </a:r>
-            <a:r>
-              <a:rPr lang="en-GB" dirty="0"/>
-              <a:t>, at ESP32's ADC </a:t>
-            </a:r>
-            <a:r>
-              <a:rPr lang="en-GB" dirty="0" err="1"/>
-              <a:t>ikke</a:t>
-            </a:r>
-            <a:r>
-              <a:rPr lang="en-GB" dirty="0"/>
-              <a:t> er </a:t>
-            </a:r>
-            <a:r>
-              <a:rPr lang="en-GB" dirty="0" err="1"/>
-              <a:t>perfekt</a:t>
-            </a:r>
-            <a:r>
-              <a:rPr lang="en-GB" dirty="0"/>
-              <a:t> </a:t>
-            </a:r>
-            <a:r>
-              <a:rPr lang="en-GB" dirty="0" err="1"/>
-              <a:t>lineær</a:t>
-            </a:r>
-            <a:r>
-              <a:rPr lang="en-GB" dirty="0"/>
-              <a:t>, </a:t>
-            </a:r>
-            <a:r>
-              <a:rPr lang="en-GB" dirty="0" err="1"/>
-              <a:t>især</a:t>
-            </a:r>
-            <a:r>
-              <a:rPr lang="en-GB" dirty="0"/>
-              <a:t> </a:t>
-            </a:r>
-            <a:r>
-              <a:rPr lang="en-GB" dirty="0" err="1"/>
-              <a:t>nær</a:t>
-            </a:r>
-            <a:r>
-              <a:rPr lang="en-GB" dirty="0"/>
-              <a:t> 0V </a:t>
-            </a:r>
-            <a:r>
-              <a:rPr lang="en-GB" dirty="0" err="1"/>
-              <a:t>og</a:t>
-            </a:r>
-            <a:r>
-              <a:rPr lang="en-GB" dirty="0"/>
-              <a:t> 3.3V. </a:t>
-            </a:r>
-            <a:r>
-              <a:rPr lang="en-GB" dirty="0" err="1"/>
-              <a:t>Kalibrering</a:t>
-            </a:r>
-            <a:r>
-              <a:rPr lang="en-GB" dirty="0"/>
-              <a:t> </a:t>
-            </a:r>
-            <a:r>
-              <a:rPr lang="en-GB" dirty="0" err="1"/>
-              <a:t>kan</a:t>
-            </a:r>
-            <a:r>
-              <a:rPr lang="en-GB" dirty="0"/>
-              <a:t> </a:t>
-            </a:r>
-            <a:r>
-              <a:rPr lang="en-GB" dirty="0" err="1"/>
-              <a:t>være</a:t>
-            </a:r>
-            <a:r>
-              <a:rPr lang="en-GB" dirty="0"/>
-              <a:t> </a:t>
-            </a:r>
-            <a:r>
-              <a:rPr lang="en-GB" dirty="0" err="1"/>
-              <a:t>nødvendig</a:t>
-            </a:r>
-            <a:r>
-              <a:rPr lang="en-GB" dirty="0"/>
-              <a:t> for </a:t>
-            </a:r>
-            <a:r>
-              <a:rPr lang="en-GB" dirty="0" err="1"/>
-              <a:t>præcise</a:t>
-            </a:r>
-            <a:r>
-              <a:rPr lang="en-GB" dirty="0"/>
-              <a:t> </a:t>
-            </a:r>
-            <a:r>
-              <a:rPr lang="en-GB" dirty="0" err="1"/>
-              <a:t>målinger</a:t>
-            </a:r>
-            <a:r>
-              <a:rPr lang="en-GB" dirty="0"/>
-              <a:t>.</a:t>
             </a:r>
           </a:p>
           <a:p>
@@ -25415,15 +24493,36 @@
           <p:nvPr/>
         </p:nvSpPr>
         <p:spPr>
-          <a:xfrm rot="17890160">
-            <a:off x="6562395" y="2508001"/>
-            <a:ext cx="8946541" cy="830997"/>
+          <a:xfrm>
+            <a:off x="4866851" y="6171070"/>
+            <a:ext cx="6949575" cy="553998"/>
           </a:xfrm>
           <a:prstGeom prst="rect">
             <a:avLst/>
           </a:prstGeom>
-          <a:noFill/>
+          <a:solidFill>
+            <a:schemeClr val="accent6">
+              <a:alpha val="50000"/>
+            </a:schemeClr>
+          </a:solidFill>
+          <a:ln>
+            <a:noFill/>
+          </a:ln>
         </p:spPr>
+        <p:style>
+          <a:lnRef idx="0">
+            <a:scrgbClr r="0" g="0" b="0"/>
+          </a:lnRef>
+          <a:fillRef idx="0">
+            <a:scrgbClr r="0" g="0" b="0"/>
+          </a:fillRef>
+          <a:effectRef idx="0">
+            <a:scrgbClr r="0" g="0" b="0"/>
+          </a:effectRef>
+          <a:fontRef idx="minor">
+            <a:schemeClr val="lt1"/>
+          </a:fontRef>
+        </p:style>
         <p:txBody>
           <a:bodyPr wrap="square" rtlCol="0">
             <a:spAutoFit/>
@@ -25527,11 +24626,16 @@
             </a:r>
             <a:r>
               <a:rPr lang="en-GB" sz="1000" dirty="0"/>
-              <a:t>. GPIO 32-39) </a:t>
-            </a:r>
-            <a:endParaRPr lang="en-DK" sz="1000" dirty="0"/>
-          </a:p>
-          <a:p>
+              <a:t>. GPIO </a:t>
+            </a:r>
+            <a:r>
+              <a:rPr lang="en-DK" sz="1000" dirty="0"/>
+              <a:t>1-10</a:t>
+            </a:r>
+            <a:r>
+              <a:rPr lang="en-GB" sz="1000" dirty="0"/>
+              <a:t>) </a:t>
+            </a:r>
             <a:r>
               <a:rPr lang="en-GB" sz="1000" dirty="0" err="1"/>
               <a:t>hvis</a:t>
@@ -25556,32 +24660,33 @@
               <a:rPr lang="en-GB" sz="1000" dirty="0"/>
               <a:t> Wi-Fi. </a:t>
             </a:r>
-            <a:r>
-              <a:rPr lang="en-GB" sz="1000" dirty="0" err="1"/>
-              <a:t>Almindelige</a:t>
-            </a:r>
+            <a:endParaRPr lang="en-DK" sz="1000" dirty="0"/>
+          </a:p>
+          <a:p>
             <a:r>
               <a:rPr lang="en-GB" sz="1000" dirty="0"/>
-              <a:t> ADC2 pins: 4, 12, 13, 14, 15, 25, 26, 27 (</a:t>
-            </a:r>
-            <a:r>
-              <a:rPr lang="en-GB" sz="1000" dirty="0" err="1"/>
-              <a:t>tjek</a:t>
-            </a:r>
-            <a:r>
-              <a:rPr lang="en-GB" sz="1000" dirty="0"/>
-              <a:t> din </a:t>
-            </a:r>
-            <a:r>
-              <a:rPr lang="en-GB" sz="1000" dirty="0" err="1"/>
-              <a:t>specifikke</a:t>
-            </a:r>
-            <a:r>
-              <a:rPr lang="en-GB" sz="1000" dirty="0"/>
-              <a:t> board pinout).</a:t>
-            </a:r>
-          </a:p>
-          <a:p>
+              <a:t>ADC2 </a:t>
+            </a:r>
+            <a:r>
+              <a:rPr lang="en-DK" sz="1000" dirty="0"/>
+              <a:t>finds </a:t>
+            </a:r>
+            <a:r>
+              <a:rPr lang="en-DK" sz="1000" dirty="0" err="1"/>
+              <a:t>ikke</a:t>
+            </a:r>
+            <a:r>
+              <a:rPr lang="en-DK" sz="1000" dirty="0"/>
+              <a:t> </a:t>
+            </a:r>
+            <a:r>
+              <a:rPr lang="en-DK" sz="1000" dirty="0" err="1"/>
+              <a:t>på</a:t>
+            </a:r>
+            <a:r>
+              <a:rPr lang="en-DK" sz="1000" dirty="0"/>
+              <a:t> ESP32-S2</a:t>
+            </a:r>
             <a:endParaRPr lang="en-DK" dirty="0"/>
           </a:p>
         </p:txBody>
@@ -25700,30 +24805,53 @@
         </p:spPr>
         <p:txBody>
           <a:bodyPr>
-            <a:normAutofit fontScale="25000" lnSpcReduction="20000"/>
+            <a:normAutofit fontScale="55000" lnSpcReduction="20000"/>
           </a:bodyPr>
           <a:lstStyle/>
           <a:p>
-            <a:pPr marL="0" indent="0">
-              <a:buNone/>
-            </a:pPr>
+            <a:r>
+              <a:rPr lang="en-GB" dirty="0"/>
+              <a:t>Pins: Bruger </a:t>
+            </a:r>
             <a:r>
               <a:rPr lang="en-GB" dirty="0" err="1"/>
-              <a:t>Hvad</a:t>
+              <a:t>primært</a:t>
             </a:r>
             <a:r>
               <a:rPr lang="en-GB" dirty="0"/>
-              <a:t> er Serial (UART)?</a:t>
+              <a:t> to pins:</a:t>
             </a:r>
           </a:p>
           <a:p>
             <a:r>
               <a:rPr lang="en-GB" dirty="0"/>
-              <a:t>Serial: Data </a:t>
+              <a:t>TX (Transmit): Sender data fra </a:t>
             </a:r>
             <a:r>
               <a:rPr lang="en-GB" dirty="0" err="1"/>
-              <a:t>sendes</a:t>
+              <a:t>ESP'en</a:t>
+            </a:r>
+            <a:r>
+              <a:rPr lang="en-GB" dirty="0"/>
+              <a:t>.</a:t>
+            </a:r>
+          </a:p>
+          <a:p>
+            <a:r>
+              <a:rPr lang="en-GB" dirty="0"/>
+              <a:t>RX (Receive): </a:t>
+            </a:r>
+            <a:r>
+              <a:rPr lang="en-GB" dirty="0" err="1"/>
+              <a:t>Modtager</a:t>
+            </a:r>
+            <a:r>
+              <a:rPr lang="en-GB" dirty="0"/>
+              <a:t> data </a:t>
+            </a:r>
+            <a:r>
+              <a:rPr lang="en-GB" dirty="0" err="1"/>
+              <a:t>til</a:t>
             </a:r>
             <a:r>
               <a:rPr lang="en-GB" dirty="0"/>
@@ -25731,620 +24859,11 @@
             </a:r>
             <a:r>
               <a:rPr lang="en-GB" dirty="0" err="1"/>
-              <a:t>ét</a:t>
-            </a:r>
-            <a:r>
-              <a:rPr lang="en-GB" dirty="0"/>
-              <a:t> bit ad </a:t>
-            </a:r>
-            <a:r>
-              <a:rPr lang="en-GB" dirty="0" err="1"/>
-              <a:t>gangen</a:t>
-            </a:r>
-            <a:r>
-              <a:rPr lang="en-GB" dirty="0"/>
-              <a:t> over </a:t>
-            </a:r>
-            <a:r>
-              <a:rPr lang="en-GB" dirty="0" err="1"/>
-              <a:t>en</a:t>
-            </a:r>
-            <a:r>
-              <a:rPr lang="en-GB" dirty="0"/>
-              <a:t> </a:t>
-            </a:r>
-            <a:r>
-              <a:rPr lang="en-GB" dirty="0" err="1"/>
-              <a:t>enkelt</a:t>
-            </a:r>
-            <a:r>
-              <a:rPr lang="en-GB" dirty="0"/>
-              <a:t> </a:t>
-            </a:r>
-            <a:r>
-              <a:rPr lang="en-GB" dirty="0" err="1"/>
-              <a:t>ledning</a:t>
-            </a:r>
-            <a:r>
-              <a:rPr lang="en-GB" dirty="0"/>
-              <a:t> (plus </a:t>
-            </a:r>
-            <a:r>
-              <a:rPr lang="en-GB" dirty="0" err="1"/>
-              <a:t>en</a:t>
-            </a:r>
-            <a:r>
-              <a:rPr lang="en-GB" dirty="0"/>
-              <a:t> </a:t>
-            </a:r>
-            <a:r>
-              <a:rPr lang="en-GB" dirty="0" err="1"/>
-              <a:t>returledning</a:t>
-            </a:r>
-            <a:r>
-              <a:rPr lang="en-GB" dirty="0"/>
-              <a:t> </a:t>
-            </a:r>
-            <a:r>
-              <a:rPr lang="en-GB" dirty="0" err="1"/>
-              <a:t>og</a:t>
-            </a:r>
-            <a:r>
-              <a:rPr lang="en-GB" dirty="0"/>
-              <a:t> </a:t>
-            </a:r>
-            <a:r>
-              <a:rPr lang="en-GB" dirty="0" err="1"/>
-              <a:t>stel</a:t>
-            </a:r>
-            <a:r>
-              <a:rPr lang="en-GB" dirty="0"/>
-              <a:t>).</a:t>
-            </a:r>
-          </a:p>
-          <a:p>
-            <a:r>
-              <a:rPr lang="en-GB" dirty="0"/>
-              <a:t>UART: Universal Asynchronous Receiver/Transmitter - Den hardware-</a:t>
-            </a:r>
-            <a:r>
-              <a:rPr lang="en-GB" dirty="0" err="1"/>
-              <a:t>protokol</a:t>
-            </a:r>
-            <a:r>
-              <a:rPr lang="en-GB" dirty="0"/>
-              <a:t> ESP32 (</a:t>
-            </a:r>
-            <a:r>
-              <a:rPr lang="en-GB" dirty="0" err="1"/>
-              <a:t>og</a:t>
-            </a:r>
-            <a:r>
-              <a:rPr lang="en-GB" dirty="0"/>
-              <a:t> mange </a:t>
-            </a:r>
-            <a:r>
-              <a:rPr lang="en-GB" dirty="0" err="1"/>
-              <a:t>andre</a:t>
-            </a:r>
-            <a:r>
-              <a:rPr lang="en-GB" dirty="0"/>
-              <a:t> </a:t>
-            </a:r>
-            <a:r>
-              <a:rPr lang="en-GB" dirty="0" err="1"/>
-              <a:t>enheder</a:t>
-            </a:r>
-            <a:r>
-              <a:rPr lang="en-GB" dirty="0"/>
-              <a:t>) </a:t>
-            </a:r>
-            <a:r>
-              <a:rPr lang="en-GB" dirty="0" err="1"/>
-              <a:t>bruger</a:t>
-            </a:r>
-            <a:r>
-              <a:rPr lang="en-GB" dirty="0"/>
-              <a:t> </a:t>
-            </a:r>
-            <a:r>
-              <a:rPr lang="en-GB" dirty="0" err="1"/>
-              <a:t>til</a:t>
-            </a:r>
-            <a:r>
-              <a:rPr lang="en-GB" dirty="0"/>
-              <a:t> </a:t>
-            </a:r>
-            <a:r>
-              <a:rPr lang="en-GB" dirty="0" err="1"/>
-              <a:t>seriel</a:t>
-            </a:r>
-            <a:r>
-              <a:rPr lang="en-GB" dirty="0"/>
-              <a:t> </a:t>
-            </a:r>
-            <a:r>
-              <a:rPr lang="en-GB" dirty="0" err="1"/>
-              <a:t>kommunikation</a:t>
+              <a:t>ESP'en</a:t>
             </a:r>
             <a:r>
               <a:rPr lang="en-GB" dirty="0"/>
               <a:t>.</a:t>
-            </a:r>
-          </a:p>
-          <a:p>
-            <a:r>
-              <a:rPr lang="en-GB" dirty="0" err="1"/>
-              <a:t>Asynkron</a:t>
-            </a:r>
-            <a:r>
-              <a:rPr lang="en-GB" dirty="0"/>
-              <a:t>: Sender </a:t>
-            </a:r>
-            <a:r>
-              <a:rPr lang="en-GB" dirty="0" err="1"/>
-              <a:t>og</a:t>
-            </a:r>
-            <a:r>
-              <a:rPr lang="en-GB" dirty="0"/>
-              <a:t> </a:t>
-            </a:r>
-            <a:r>
-              <a:rPr lang="en-GB" dirty="0" err="1"/>
-              <a:t>modtager</a:t>
-            </a:r>
-            <a:r>
-              <a:rPr lang="en-GB" dirty="0"/>
-              <a:t> </a:t>
-            </a:r>
-            <a:r>
-              <a:rPr lang="en-GB" dirty="0" err="1"/>
-              <a:t>har</a:t>
-            </a:r>
-            <a:r>
-              <a:rPr lang="en-GB" dirty="0"/>
-              <a:t> </a:t>
-            </a:r>
-            <a:r>
-              <a:rPr lang="en-GB" dirty="0" err="1"/>
-              <a:t>ikke</a:t>
-            </a:r>
-            <a:r>
-              <a:rPr lang="en-GB" dirty="0"/>
-              <a:t> </a:t>
-            </a:r>
-            <a:r>
-              <a:rPr lang="en-GB" dirty="0" err="1"/>
-              <a:t>en</a:t>
-            </a:r>
-            <a:r>
-              <a:rPr lang="en-GB" dirty="0"/>
-              <a:t> </a:t>
-            </a:r>
-            <a:r>
-              <a:rPr lang="en-GB" dirty="0" err="1"/>
-              <a:t>fælles</a:t>
-            </a:r>
-            <a:r>
-              <a:rPr lang="en-GB" dirty="0"/>
-              <a:t> clock-</a:t>
-            </a:r>
-            <a:r>
-              <a:rPr lang="en-GB" dirty="0" err="1"/>
-              <a:t>ledning</a:t>
-            </a:r>
-            <a:r>
-              <a:rPr lang="en-GB" dirty="0"/>
-              <a:t>; </a:t>
-            </a:r>
-            <a:r>
-              <a:rPr lang="en-GB" dirty="0" err="1"/>
-              <a:t>timingen</a:t>
-            </a:r>
-            <a:r>
-              <a:rPr lang="en-GB" dirty="0"/>
-              <a:t> </a:t>
-            </a:r>
-            <a:r>
-              <a:rPr lang="en-GB" dirty="0" err="1"/>
-              <a:t>styres</a:t>
-            </a:r>
-            <a:r>
-              <a:rPr lang="en-GB" dirty="0"/>
-              <a:t> via start/stop bits </a:t>
-            </a:r>
-            <a:r>
-              <a:rPr lang="en-GB" dirty="0" err="1"/>
-              <a:t>i</a:t>
-            </a:r>
-            <a:r>
-              <a:rPr lang="en-GB" dirty="0"/>
-              <a:t> </a:t>
-            </a:r>
-            <a:r>
-              <a:rPr lang="en-GB" dirty="0" err="1"/>
-              <a:t>dataene</a:t>
-            </a:r>
-            <a:r>
-              <a:rPr lang="en-GB" dirty="0"/>
-              <a:t>.</a:t>
-            </a:r>
-          </a:p>
-          <a:p>
-            <a:pPr marL="0" indent="0">
-              <a:buNone/>
-            </a:pPr>
-            <a:r>
-              <a:rPr lang="en-GB" dirty="0" err="1"/>
-              <a:t>Hvordan</a:t>
-            </a:r>
-            <a:r>
-              <a:rPr lang="en-GB" dirty="0"/>
-              <a:t> </a:t>
-            </a:r>
-            <a:r>
-              <a:rPr lang="en-GB" dirty="0" err="1"/>
-              <a:t>Virker</a:t>
-            </a:r>
-            <a:r>
-              <a:rPr lang="en-GB" dirty="0"/>
-              <a:t> Det (</a:t>
-            </a:r>
-            <a:r>
-              <a:rPr lang="en-GB" dirty="0" err="1"/>
-              <a:t>Grundlæggende</a:t>
-            </a:r>
-            <a:r>
-              <a:rPr lang="en-GB" dirty="0"/>
-              <a:t>)?</a:t>
-            </a:r>
-          </a:p>
-          <a:p>
-            <a:r>
-              <a:rPr lang="en-GB" dirty="0"/>
-              <a:t>Pins: Bruger </a:t>
-            </a:r>
-            <a:r>
-              <a:rPr lang="en-GB" dirty="0" err="1"/>
-              <a:t>primært</a:t>
-            </a:r>
-            <a:r>
-              <a:rPr lang="en-GB" dirty="0"/>
-              <a:t> to pins:</a:t>
-            </a:r>
-          </a:p>
-          <a:p>
-            <a:r>
-              <a:rPr lang="en-GB" dirty="0"/>
-              <a:t>TX (Transmit): Sender data fra </a:t>
-            </a:r>
-            <a:r>
-              <a:rPr lang="en-GB" dirty="0" err="1"/>
-              <a:t>ESP'en</a:t>
-            </a:r>
-            <a:r>
-              <a:rPr lang="en-GB" dirty="0"/>
-              <a:t>.</a:t>
-            </a:r>
-          </a:p>
-          <a:p>
-            <a:r>
-              <a:rPr lang="en-GB" dirty="0"/>
-              <a:t>RX (Receive): </a:t>
-            </a:r>
-            <a:r>
-              <a:rPr lang="en-GB" dirty="0" err="1"/>
-              <a:t>Modtager</a:t>
-            </a:r>
-            <a:r>
-              <a:rPr lang="en-GB" dirty="0"/>
-              <a:t> data </a:t>
-            </a:r>
-            <a:r>
-              <a:rPr lang="en-GB" dirty="0" err="1"/>
-              <a:t>til</a:t>
-            </a:r>
-            <a:r>
-              <a:rPr lang="en-GB" dirty="0"/>
-              <a:t> </a:t>
-            </a:r>
-            <a:r>
-              <a:rPr lang="en-GB" dirty="0" err="1"/>
-              <a:t>ESP'en</a:t>
-            </a:r>
-            <a:r>
-              <a:rPr lang="en-GB" dirty="0"/>
-              <a:t>.</a:t>
-            </a:r>
-          </a:p>
-          <a:p>
-            <a:r>
-              <a:rPr lang="en-GB" dirty="0"/>
-              <a:t>(</a:t>
-            </a:r>
-            <a:r>
-              <a:rPr lang="en-GB" dirty="0" err="1"/>
-              <a:t>Vigtigt</a:t>
-            </a:r>
-            <a:r>
-              <a:rPr lang="en-GB" dirty="0"/>
-              <a:t>: </a:t>
-            </a:r>
-            <a:r>
-              <a:rPr lang="en-GB" dirty="0" err="1"/>
-              <a:t>ESP'ens</a:t>
-            </a:r>
-            <a:r>
-              <a:rPr lang="en-GB" dirty="0"/>
-              <a:t> TX </a:t>
-            </a:r>
-            <a:r>
-              <a:rPr lang="en-GB" dirty="0" err="1"/>
-              <a:t>skal</a:t>
-            </a:r>
-            <a:r>
-              <a:rPr lang="en-GB" dirty="0"/>
-              <a:t> </a:t>
-            </a:r>
-            <a:r>
-              <a:rPr lang="en-GB" dirty="0" err="1"/>
-              <a:t>forbindes</a:t>
-            </a:r>
-            <a:r>
-              <a:rPr lang="en-GB" dirty="0"/>
-              <a:t> </a:t>
-            </a:r>
-            <a:r>
-              <a:rPr lang="en-GB" dirty="0" err="1"/>
-              <a:t>til</a:t>
-            </a:r>
-            <a:r>
-              <a:rPr lang="en-GB" dirty="0"/>
-              <a:t> den </a:t>
-            </a:r>
-            <a:r>
-              <a:rPr lang="en-GB" dirty="0" err="1"/>
-              <a:t>anden</a:t>
-            </a:r>
-            <a:r>
-              <a:rPr lang="en-GB" dirty="0"/>
-              <a:t> </a:t>
-            </a:r>
-            <a:r>
-              <a:rPr lang="en-GB" dirty="0" err="1"/>
-              <a:t>enheds</a:t>
-            </a:r>
-            <a:r>
-              <a:rPr lang="en-GB" dirty="0"/>
-              <a:t> RX, </a:t>
-            </a:r>
-            <a:r>
-              <a:rPr lang="en-GB" dirty="0" err="1"/>
-              <a:t>og</a:t>
-            </a:r>
-            <a:r>
-              <a:rPr lang="en-GB" dirty="0"/>
-              <a:t> </a:t>
-            </a:r>
-            <a:r>
-              <a:rPr lang="en-GB" dirty="0" err="1"/>
-              <a:t>ESP'ens</a:t>
-            </a:r>
-            <a:r>
-              <a:rPr lang="en-GB" dirty="0"/>
-              <a:t> RX </a:t>
-            </a:r>
-            <a:r>
-              <a:rPr lang="en-GB" dirty="0" err="1"/>
-              <a:t>til</a:t>
-            </a:r>
-            <a:r>
-              <a:rPr lang="en-GB" dirty="0"/>
-              <a:t> den </a:t>
-            </a:r>
-            <a:r>
-              <a:rPr lang="en-GB" dirty="0" err="1"/>
-              <a:t>anden</a:t>
-            </a:r>
-            <a:r>
-              <a:rPr lang="en-GB" dirty="0"/>
-              <a:t> </a:t>
-            </a:r>
-            <a:r>
-              <a:rPr lang="en-GB" dirty="0" err="1"/>
-              <a:t>enheds</a:t>
-            </a:r>
-            <a:r>
-              <a:rPr lang="en-GB" dirty="0"/>
-              <a:t> TX).</a:t>
-            </a:r>
-          </a:p>
-          <a:p>
-            <a:r>
-              <a:rPr lang="en-GB" dirty="0" err="1"/>
-              <a:t>Aftalte</a:t>
-            </a:r>
-            <a:r>
-              <a:rPr lang="en-GB" dirty="0"/>
-              <a:t> Regler: </a:t>
-            </a:r>
-            <a:r>
-              <a:rPr lang="en-GB" dirty="0" err="1"/>
-              <a:t>Begge</a:t>
-            </a:r>
-            <a:r>
-              <a:rPr lang="en-GB" dirty="0"/>
-              <a:t> </a:t>
-            </a:r>
-            <a:r>
-              <a:rPr lang="en-GB" dirty="0" err="1"/>
-              <a:t>enheder</a:t>
-            </a:r>
-            <a:r>
-              <a:rPr lang="en-GB" dirty="0"/>
-              <a:t> </a:t>
-            </a:r>
-            <a:r>
-              <a:rPr lang="en-GB" dirty="0" err="1"/>
-              <a:t>skal</a:t>
-            </a:r>
-            <a:r>
-              <a:rPr lang="en-GB" dirty="0"/>
-              <a:t> </a:t>
-            </a:r>
-            <a:r>
-              <a:rPr lang="en-GB" dirty="0" err="1"/>
-              <a:t>være</a:t>
-            </a:r>
-            <a:r>
-              <a:rPr lang="en-GB" dirty="0"/>
-              <a:t> </a:t>
-            </a:r>
-            <a:r>
-              <a:rPr lang="en-GB" dirty="0" err="1"/>
-              <a:t>enige</a:t>
-            </a:r>
-            <a:r>
-              <a:rPr lang="en-GB" dirty="0"/>
-              <a:t> om:</a:t>
-            </a:r>
-          </a:p>
-          <a:p>
-            <a:r>
-              <a:rPr lang="en-GB" dirty="0"/>
-              <a:t>Baud Rate: </a:t>
-            </a:r>
-            <a:r>
-              <a:rPr lang="en-GB" dirty="0" err="1"/>
-              <a:t>Hastigheden</a:t>
-            </a:r>
-            <a:r>
-              <a:rPr lang="en-GB" dirty="0"/>
-              <a:t> (bits per </a:t>
-            </a:r>
-            <a:r>
-              <a:rPr lang="en-GB" dirty="0" err="1"/>
-              <a:t>sekund</a:t>
-            </a:r>
-            <a:r>
-              <a:rPr lang="en-GB" dirty="0"/>
-              <a:t>). </a:t>
-            </a:r>
-            <a:r>
-              <a:rPr lang="en-GB" dirty="0" err="1"/>
-              <a:t>F.eks</a:t>
-            </a:r>
-            <a:r>
-              <a:rPr lang="en-GB" dirty="0"/>
-              <a:t>. 9600, 115200.</a:t>
-            </a:r>
-          </a:p>
-          <a:p>
-            <a:r>
-              <a:rPr lang="en-GB" dirty="0"/>
-              <a:t>Data Format: Antal data bits (</a:t>
-            </a:r>
-            <a:r>
-              <a:rPr lang="en-GB" dirty="0" err="1"/>
-              <a:t>oftest</a:t>
-            </a:r>
-            <a:r>
-              <a:rPr lang="en-GB" dirty="0"/>
-              <a:t> 8), parity (</a:t>
-            </a:r>
-            <a:r>
-              <a:rPr lang="en-GB" dirty="0" err="1"/>
-              <a:t>oftest</a:t>
-            </a:r>
-            <a:r>
-              <a:rPr lang="en-GB" dirty="0"/>
-              <a:t> None), stop bits (</a:t>
-            </a:r>
-            <a:r>
-              <a:rPr lang="en-GB" dirty="0" err="1"/>
-              <a:t>oftest</a:t>
-            </a:r>
-            <a:r>
-              <a:rPr lang="en-GB" dirty="0"/>
-              <a:t> 1).</a:t>
-            </a:r>
-          </a:p>
-          <a:p>
-            <a:r>
-              <a:rPr lang="en-GB" dirty="0"/>
-              <a:t>Data Flow: Data </a:t>
-            </a:r>
-            <a:r>
-              <a:rPr lang="en-GB" dirty="0" err="1"/>
-              <a:t>sendes</a:t>
-            </a:r>
-            <a:r>
-              <a:rPr lang="en-GB" dirty="0"/>
-              <a:t> </a:t>
-            </a:r>
-            <a:r>
-              <a:rPr lang="en-GB" dirty="0" err="1"/>
-              <a:t>som</a:t>
-            </a:r>
-            <a:r>
-              <a:rPr lang="en-GB" dirty="0"/>
-              <a:t> </a:t>
-            </a:r>
-            <a:r>
-              <a:rPr lang="en-GB" dirty="0" err="1"/>
-              <a:t>en</a:t>
-            </a:r>
-            <a:r>
-              <a:rPr lang="en-GB" dirty="0"/>
-              <a:t> </a:t>
-            </a:r>
-            <a:r>
-              <a:rPr lang="en-GB" dirty="0" err="1"/>
-              <a:t>sekvens</a:t>
-            </a:r>
-            <a:r>
-              <a:rPr lang="en-GB" dirty="0"/>
-              <a:t> </a:t>
-            </a:r>
-            <a:r>
-              <a:rPr lang="en-GB" dirty="0" err="1"/>
-              <a:t>af</a:t>
-            </a:r>
-            <a:r>
-              <a:rPr lang="en-GB" dirty="0"/>
-              <a:t> bits, </a:t>
-            </a:r>
-            <a:r>
-              <a:rPr lang="en-GB" dirty="0" err="1"/>
-              <a:t>indrammet</a:t>
-            </a:r>
-            <a:r>
-              <a:rPr lang="en-GB" dirty="0"/>
-              <a:t> </a:t>
-            </a:r>
-            <a:r>
-              <a:rPr lang="en-GB" dirty="0" err="1"/>
-              <a:t>af</a:t>
-            </a:r>
-            <a:r>
-              <a:rPr lang="en-GB" dirty="0"/>
-              <a:t> et start-bit </a:t>
-            </a:r>
-            <a:r>
-              <a:rPr lang="en-GB" dirty="0" err="1"/>
-              <a:t>og</a:t>
-            </a:r>
-            <a:r>
-              <a:rPr lang="en-GB" dirty="0"/>
-              <a:t> et/</a:t>
-            </a:r>
-            <a:r>
-              <a:rPr lang="en-GB" dirty="0" err="1"/>
-              <a:t>flere</a:t>
-            </a:r>
-            <a:r>
-              <a:rPr lang="en-GB" dirty="0"/>
-              <a:t> stop-bit(s).</a:t>
             </a:r>
           </a:p>
           <a:p>
@@ -27888,6 +26407,251 @@
 <file path=ppt/slides/slide24.xml><?xml version="1.0" encoding="utf-8"?>
 <p:sld xmlns:a="http://schemas.openxmlformats.org/drawingml/2006/main" xmlns:r="http://schemas.openxmlformats.org/officeDocument/2006/relationships" xmlns:p="http://schemas.openxmlformats.org/presentationml/2006/main">
   <p:cSld>
+    <p:spTree>
+      <p:nvGrpSpPr>
+        <p:cNvPr id="1" name=""/>
+        <p:cNvGrpSpPr/>
+        <p:nvPr/>
+      </p:nvGrpSpPr>
+      <p:grpSpPr>
+        <a:xfrm>
+          <a:off x="0" y="0"/>
+          <a:ext cx="0" cy="0"/>
+          <a:chOff x="0" y="0"/>
+          <a:chExt cx="0" cy="0"/>
+        </a:xfrm>
+      </p:grpSpPr>
+      <p:sp>
+        <p:nvSpPr>
+          <p:cNvPr id="2" name="Titel 1">
+            <a:extLst>
+              <a:ext uri="{FF2B5EF4-FFF2-40B4-BE49-F238E27FC236}">
+                <a16:creationId xmlns:a16="http://schemas.microsoft.com/office/drawing/2014/main" id="{1C4F88A9-2670-D7DC-CF8B-E059380308A1}"/>
+              </a:ext>
+            </a:extLst>
+          </p:cNvPr>
+          <p:cNvSpPr>
+            <a:spLocks noGrp="1"/>
+          </p:cNvSpPr>
+          <p:nvPr>
+            <p:ph type="title"/>
+          </p:nvPr>
+        </p:nvSpPr>
+        <p:spPr/>
+        <p:txBody>
+          <a:bodyPr/>
+          <a:lstStyle/>
+          <a:p>
+            <a:r>
+              <a:rPr lang="en-DK" dirty="0" err="1"/>
+              <a:t>ESPNow</a:t>
+            </a:r>
+            <a:r>
+              <a:rPr lang="en-DK" dirty="0"/>
+              <a:t> </a:t>
+            </a:r>
+            <a:r>
+              <a:rPr lang="en-DK" dirty="0" err="1"/>
+              <a:t>opgave</a:t>
+            </a:r>
+            <a:endParaRPr lang="en-DK" dirty="0"/>
+          </a:p>
+        </p:txBody>
+      </p:sp>
+      <p:sp>
+        <p:nvSpPr>
+          <p:cNvPr id="3" name="Pladsholder til indhold 2">
+            <a:extLst>
+              <a:ext uri="{FF2B5EF4-FFF2-40B4-BE49-F238E27FC236}">
+                <a16:creationId xmlns:a16="http://schemas.microsoft.com/office/drawing/2014/main" id="{9CD9FC3D-B259-A812-BFB3-2CA99400CB18}"/>
+              </a:ext>
+            </a:extLst>
+          </p:cNvPr>
+          <p:cNvSpPr>
+            <a:spLocks noGrp="1"/>
+          </p:cNvSpPr>
+          <p:nvPr>
+            <p:ph idx="1"/>
+          </p:nvPr>
+        </p:nvSpPr>
+        <p:spPr/>
+        <p:txBody>
+          <a:bodyPr/>
+          <a:lstStyle/>
+          <a:p>
+            <a:r>
+              <a:rPr lang="en-DK" dirty="0"/>
+              <a:t>Send et signal </a:t>
+            </a:r>
+            <a:r>
+              <a:rPr lang="en-DK" dirty="0" err="1"/>
+              <a:t>til</a:t>
+            </a:r>
+            <a:r>
+              <a:rPr lang="en-DK" dirty="0"/>
+              <a:t> din side maker, </a:t>
+            </a:r>
+            <a:r>
+              <a:rPr lang="en-DK" dirty="0" err="1"/>
+              <a:t>som</a:t>
+            </a:r>
+            <a:r>
+              <a:rPr lang="en-DK" dirty="0"/>
+              <a:t> </a:t>
+            </a:r>
+            <a:r>
+              <a:rPr lang="en-DK" dirty="0" err="1"/>
+              <a:t>tænder</a:t>
+            </a:r>
+            <a:r>
+              <a:rPr lang="en-DK" dirty="0"/>
+              <a:t> </a:t>
+            </a:r>
+            <a:r>
+              <a:rPr lang="en-DK" dirty="0" err="1"/>
+              <a:t>og</a:t>
+            </a:r>
+            <a:r>
+              <a:rPr lang="en-DK" dirty="0"/>
+              <a:t> </a:t>
+            </a:r>
+            <a:r>
+              <a:rPr lang="en-DK" dirty="0" err="1"/>
+              <a:t>slukker</a:t>
+            </a:r>
+            <a:r>
+              <a:rPr lang="en-DK" dirty="0"/>
+              <a:t> </a:t>
+            </a:r>
+            <a:r>
+              <a:rPr lang="en-DK" dirty="0" err="1"/>
+              <a:t>hans</a:t>
+            </a:r>
+            <a:r>
+              <a:rPr lang="en-DK" dirty="0"/>
+              <a:t> LED 1 gang/</a:t>
+            </a:r>
+            <a:r>
+              <a:rPr lang="en-DK" dirty="0" err="1"/>
+              <a:t>sekund</a:t>
+            </a:r>
+            <a:endParaRPr lang="en-DK" dirty="0"/>
+          </a:p>
+          <a:p>
+            <a:r>
+              <a:rPr lang="en-DK" dirty="0"/>
+              <a:t>Det </a:t>
+            </a:r>
+            <a:r>
+              <a:rPr lang="en-DK" dirty="0" err="1"/>
+              <a:t>må</a:t>
+            </a:r>
+            <a:r>
+              <a:rPr lang="en-DK" dirty="0"/>
+              <a:t> </a:t>
+            </a:r>
+            <a:r>
+              <a:rPr lang="en-DK" dirty="0" err="1"/>
+              <a:t>kun</a:t>
+            </a:r>
+            <a:r>
+              <a:rPr lang="en-DK" dirty="0"/>
+              <a:t> </a:t>
+            </a:r>
+            <a:r>
+              <a:rPr lang="en-DK" dirty="0" err="1"/>
+              <a:t>sendes</a:t>
+            </a:r>
+            <a:r>
+              <a:rPr lang="en-DK" dirty="0"/>
+              <a:t> </a:t>
+            </a:r>
+            <a:r>
+              <a:rPr lang="en-DK" dirty="0" err="1"/>
+              <a:t>til</a:t>
+            </a:r>
+            <a:r>
+              <a:rPr lang="en-DK" dirty="0"/>
+              <a:t> </a:t>
+            </a:r>
+            <a:r>
+              <a:rPr lang="en-DK" dirty="0" err="1"/>
+              <a:t>hans</a:t>
+            </a:r>
+            <a:r>
+              <a:rPr lang="en-DK" dirty="0"/>
+              <a:t> MAC </a:t>
+            </a:r>
+            <a:r>
+              <a:rPr lang="en-DK" dirty="0" err="1"/>
+              <a:t>adresse</a:t>
+            </a:r>
+            <a:r>
+              <a:rPr lang="en-DK" dirty="0"/>
+              <a:t> </a:t>
+            </a:r>
+            <a:r>
+              <a:rPr lang="en-DK" dirty="0" err="1"/>
+              <a:t>og</a:t>
+            </a:r>
+            <a:r>
+              <a:rPr lang="en-DK" dirty="0"/>
+              <a:t> </a:t>
+            </a:r>
+            <a:r>
+              <a:rPr lang="en-DK" dirty="0" err="1"/>
+              <a:t>ikke</a:t>
+            </a:r>
+            <a:r>
+              <a:rPr lang="en-DK" dirty="0"/>
+              <a:t> </a:t>
+            </a:r>
+            <a:r>
+              <a:rPr lang="en-DK" dirty="0" err="1"/>
+              <a:t>andre</a:t>
+            </a:r>
+            <a:r>
+              <a:rPr lang="en-DK" dirty="0"/>
+              <a:t>.</a:t>
+            </a:r>
+          </a:p>
+          <a:p>
+            <a:r>
+              <a:rPr lang="en-DK" dirty="0"/>
+              <a:t>Den </a:t>
+            </a:r>
+            <a:r>
+              <a:rPr lang="en-DK" dirty="0" err="1"/>
+              <a:t>anden</a:t>
+            </a:r>
+            <a:r>
+              <a:rPr lang="en-DK" dirty="0"/>
+              <a:t> laver </a:t>
+            </a:r>
+            <a:r>
+              <a:rPr lang="en-DK" dirty="0" err="1"/>
+              <a:t>modtageren</a:t>
+            </a:r>
+            <a:endParaRPr lang="en-DK" dirty="0"/>
+          </a:p>
+        </p:txBody>
+      </p:sp>
+    </p:spTree>
+    <p:extLst>
+      <p:ext uri="{BB962C8B-B14F-4D97-AF65-F5344CB8AC3E}">
+        <p14:creationId xmlns:p14="http://schemas.microsoft.com/office/powerpoint/2010/main" val="3289533625"/>
+      </p:ext>
+    </p:extLst>
+  </p:cSld>
+  <p:clrMapOvr>
+    <a:masterClrMapping/>
+  </p:clrMapOvr>
+</p:sld>
+</file>
+
+<file path=ppt/slides/slide25.xml><?xml version="1.0" encoding="utf-8"?>
+<p:sld xmlns:a="http://schemas.openxmlformats.org/drawingml/2006/main" xmlns:r="http://schemas.openxmlformats.org/officeDocument/2006/relationships" xmlns:p="http://schemas.openxmlformats.org/presentationml/2006/main">
+  <p:cSld>
     <p:bg>
       <p:bgPr>
         <a:solidFill>
@@ -29207,6 +27971,1026 @@
   </p:cSld>
   <p:clrMapOvr>
     <a:overrideClrMapping bg1="lt1" tx1="dk1" bg2="lt2" tx2="dk2" accent1="accent1" accent2="accent2" accent3="accent3" accent4="accent4" accent5="accent5" accent6="accent6" hlink="hlink" folHlink="folHlink"/>
+  </p:clrMapOvr>
+</p:sld>
+</file>
+
+<file path=ppt/slides/slide26.xml><?xml version="1.0" encoding="utf-8"?>
+<p:sld xmlns:a="http://schemas.openxmlformats.org/drawingml/2006/main" xmlns:r="http://schemas.openxmlformats.org/officeDocument/2006/relationships" xmlns:p="http://schemas.openxmlformats.org/presentationml/2006/main">
+  <p:cSld>
+    <p:bg>
+      <p:bgPr>
+        <a:blipFill rotWithShape="1">
+          <a:blip r:embed="rId2">
+            <a:duotone>
+              <a:schemeClr val="bg2">
+                <a:shade val="69000"/>
+                <a:hueMod val="108000"/>
+                <a:satMod val="164000"/>
+                <a:lumMod val="74000"/>
+              </a:schemeClr>
+              <a:schemeClr val="bg2">
+                <a:tint val="96000"/>
+                <a:hueMod val="88000"/>
+                <a:satMod val="140000"/>
+                <a:lumMod val="132000"/>
+              </a:schemeClr>
+            </a:duotone>
+          </a:blip>
+          <a:stretch/>
+        </a:blipFill>
+        <a:effectLst/>
+      </p:bgPr>
+    </p:bg>
+    <p:spTree>
+      <p:nvGrpSpPr>
+        <p:cNvPr id="1" name=""/>
+        <p:cNvGrpSpPr/>
+        <p:nvPr/>
+      </p:nvGrpSpPr>
+      <p:grpSpPr>
+        <a:xfrm>
+          <a:off x="0" y="0"/>
+          <a:ext cx="0" cy="0"/>
+          <a:chOff x="0" y="0"/>
+          <a:chExt cx="0" cy="0"/>
+        </a:xfrm>
+      </p:grpSpPr>
+      <p:pic>
+        <p:nvPicPr>
+          <p:cNvPr id="9" name="Picture 8">
+            <a:extLst>
+              <a:ext uri="{FF2B5EF4-FFF2-40B4-BE49-F238E27FC236}">
+                <a16:creationId xmlns:a16="http://schemas.microsoft.com/office/drawing/2014/main" id="{DF19BAF3-7E20-4B9D-B544-BABAEEA1FA75}"/>
+              </a:ext>
+              <a:ext uri="{C183D7F6-B498-43B3-948B-1728B52AA6E4}">
+                <adec:decorative xmlns:adec="http://schemas.microsoft.com/office/drawing/2017/decorative" val="1"/>
+              </a:ext>
+            </a:extLst>
+          </p:cNvPr>
+          <p:cNvPicPr>
+            <a:picLocks noGrp="1" noRot="1" noChangeAspect="1" noMove="1" noResize="1" noEditPoints="1" noAdjustHandles="1" noChangeArrowheads="1" noChangeShapeType="1" noCrop="1"/>
+          </p:cNvPicPr>
+          <p:nvPr>
+            <p:extLst>
+              <p:ext uri="{386F3935-93C4-4BCD-93E2-E3B085C9AB24}">
+                <p16:designElem xmlns:p16="http://schemas.microsoft.com/office/powerpoint/2015/main" val="1"/>
+              </p:ext>
+            </p:extLst>
+          </p:nvPr>
+        </p:nvPicPr>
+        <p:blipFill rotWithShape="1">
+          <a:blip r:embed="rId3">
+            <a:extLst>
+              <a:ext uri="{28A0092B-C50C-407E-A947-70E740481C1C}">
+                <a14:useLocalDpi xmlns:a14="http://schemas.microsoft.com/office/drawing/2010/main" val="0"/>
+              </a:ext>
+            </a:extLst>
+          </a:blip>
+          <a:srcRect l="3613"/>
+          <a:stretch/>
+        </p:blipFill>
+        <p:spPr>
+          <a:xfrm>
+            <a:off x="0" y="2669685"/>
+            <a:ext cx="4037012" cy="4188315"/>
+          </a:xfrm>
+          <a:prstGeom prst="rect">
+            <a:avLst/>
+          </a:prstGeom>
+        </p:spPr>
+      </p:pic>
+      <p:pic>
+        <p:nvPicPr>
+          <p:cNvPr id="11" name="Picture 10">
+            <a:extLst>
+              <a:ext uri="{FF2B5EF4-FFF2-40B4-BE49-F238E27FC236}">
+                <a16:creationId xmlns:a16="http://schemas.microsoft.com/office/drawing/2014/main" id="{950648F4-ABCD-4DF0-8641-76CFB2354721}"/>
+              </a:ext>
+              <a:ext uri="{C183D7F6-B498-43B3-948B-1728B52AA6E4}">
+                <adec:decorative xmlns:adec="http://schemas.microsoft.com/office/drawing/2017/decorative" val="1"/>
+              </a:ext>
+            </a:extLst>
+          </p:cNvPr>
+          <p:cNvPicPr>
+            <a:picLocks noGrp="1" noRot="1" noChangeAspect="1" noMove="1" noResize="1" noEditPoints="1" noAdjustHandles="1" noChangeArrowheads="1" noChangeShapeType="1" noCrop="1"/>
+          </p:cNvPicPr>
+          <p:nvPr>
+            <p:extLst>
+              <p:ext uri="{386F3935-93C4-4BCD-93E2-E3B085C9AB24}">
+                <p16:designElem xmlns:p16="http://schemas.microsoft.com/office/powerpoint/2015/main" val="1"/>
+              </p:ext>
+            </p:extLst>
+          </p:nvPr>
+        </p:nvPicPr>
+        <p:blipFill rotWithShape="1">
+          <a:blip r:embed="rId4">
+            <a:extLst>
+              <a:ext uri="{28A0092B-C50C-407E-A947-70E740481C1C}">
+                <a14:useLocalDpi xmlns:a14="http://schemas.microsoft.com/office/drawing/2010/main" val="0"/>
+              </a:ext>
+            </a:extLst>
+          </a:blip>
+          <a:srcRect l="35640"/>
+          <a:stretch/>
+        </p:blipFill>
+        <p:spPr>
+          <a:xfrm>
+            <a:off x="0" y="2892347"/>
+            <a:ext cx="1522412" cy="2365453"/>
+          </a:xfrm>
+          <a:prstGeom prst="rect">
+            <a:avLst/>
+          </a:prstGeom>
+        </p:spPr>
+      </p:pic>
+      <p:sp>
+        <p:nvSpPr>
+          <p:cNvPr id="13" name="Oval 12">
+            <a:extLst>
+              <a:ext uri="{FF2B5EF4-FFF2-40B4-BE49-F238E27FC236}">
+                <a16:creationId xmlns:a16="http://schemas.microsoft.com/office/drawing/2014/main" id="{989BE678-777B-482A-A616-FEDC47B162E5}"/>
+              </a:ext>
+              <a:ext uri="{C183D7F6-B498-43B3-948B-1728B52AA6E4}">
+                <adec:decorative xmlns:adec="http://schemas.microsoft.com/office/drawing/2017/decorative" val="1"/>
+              </a:ext>
+            </a:extLst>
+          </p:cNvPr>
+          <p:cNvSpPr>
+            <a:spLocks noGrp="1" noRot="1" noChangeAspect="1" noMove="1" noResize="1" noEditPoints="1" noAdjustHandles="1" noChangeArrowheads="1" noChangeShapeType="1" noTextEdit="1"/>
+          </p:cNvSpPr>
+          <p:nvPr>
+            <p:extLst>
+              <p:ext uri="{386F3935-93C4-4BCD-93E2-E3B085C9AB24}">
+                <p16:designElem xmlns:p16="http://schemas.microsoft.com/office/powerpoint/2015/main" val="1"/>
+              </p:ext>
+            </p:extLst>
+          </p:nvPr>
+        </p:nvSpPr>
+        <p:spPr>
+          <a:xfrm>
+            <a:off x="8609012" y="1676400"/>
+            <a:ext cx="2819400" cy="2819400"/>
+          </a:xfrm>
+          <a:prstGeom prst="ellipse">
+            <a:avLst/>
+          </a:prstGeom>
+          <a:gradFill flip="none" rotWithShape="1">
+            <a:gsLst>
+              <a:gs pos="0">
+                <a:schemeClr val="bg2">
+                  <a:lumMod val="60000"/>
+                  <a:lumOff val="40000"/>
+                  <a:alpha val="7000"/>
+                </a:schemeClr>
+              </a:gs>
+              <a:gs pos="69000">
+                <a:schemeClr val="bg2">
+                  <a:lumMod val="60000"/>
+                  <a:lumOff val="40000"/>
+                  <a:alpha val="0"/>
+                </a:schemeClr>
+              </a:gs>
+              <a:gs pos="36000">
+                <a:schemeClr val="bg2">
+                  <a:lumMod val="60000"/>
+                  <a:lumOff val="40000"/>
+                  <a:alpha val="6000"/>
+                </a:schemeClr>
+              </a:gs>
+            </a:gsLst>
+            <a:path path="circle">
+              <a:fillToRect l="50000" t="50000" r="50000" b="50000"/>
+            </a:path>
+            <a:tileRect/>
+          </a:gradFill>
+          <a:ln>
+            <a:noFill/>
+          </a:ln>
+          <a:effectLst/>
+        </p:spPr>
+        <p:style>
+          <a:lnRef idx="1">
+            <a:schemeClr val="accent1"/>
+          </a:lnRef>
+          <a:fillRef idx="3">
+            <a:schemeClr val="accent1"/>
+          </a:fillRef>
+          <a:effectRef idx="2">
+            <a:schemeClr val="accent1"/>
+          </a:effectRef>
+          <a:fontRef idx="minor">
+            <a:schemeClr val="lt1"/>
+          </a:fontRef>
+        </p:style>
+        <p:txBody>
+          <a:bodyPr/>
+          <a:lstStyle/>
+          <a:p>
+            <a:endParaRPr lang="en-DK"/>
+          </a:p>
+        </p:txBody>
+      </p:sp>
+      <p:pic>
+        <p:nvPicPr>
+          <p:cNvPr id="15" name="Picture 14">
+            <a:extLst>
+              <a:ext uri="{FF2B5EF4-FFF2-40B4-BE49-F238E27FC236}">
+                <a16:creationId xmlns:a16="http://schemas.microsoft.com/office/drawing/2014/main" id="{CF1EB4BD-9C7E-4AA3-9681-C7EB0DA6250B}"/>
+              </a:ext>
+              <a:ext uri="{C183D7F6-B498-43B3-948B-1728B52AA6E4}">
+                <adec:decorative xmlns:adec="http://schemas.microsoft.com/office/drawing/2017/decorative" val="1"/>
+              </a:ext>
+            </a:extLst>
+          </p:cNvPr>
+          <p:cNvPicPr>
+            <a:picLocks noGrp="1" noRot="1" noChangeAspect="1" noMove="1" noResize="1" noEditPoints="1" noAdjustHandles="1" noChangeArrowheads="1" noChangeShapeType="1" noCrop="1"/>
+          </p:cNvPicPr>
+          <p:nvPr>
+            <p:extLst>
+              <p:ext uri="{386F3935-93C4-4BCD-93E2-E3B085C9AB24}">
+                <p16:designElem xmlns:p16="http://schemas.microsoft.com/office/powerpoint/2015/main" val="1"/>
+              </p:ext>
+            </p:extLst>
+          </p:nvPr>
+        </p:nvPicPr>
+        <p:blipFill rotWithShape="1">
+          <a:blip r:embed="rId5">
+            <a:extLst>
+              <a:ext uri="{28A0092B-C50C-407E-A947-70E740481C1C}">
+                <a14:useLocalDpi xmlns:a14="http://schemas.microsoft.com/office/drawing/2010/main" val="0"/>
+              </a:ext>
+            </a:extLst>
+          </a:blip>
+          <a:srcRect t="28813"/>
+          <a:stretch/>
+        </p:blipFill>
+        <p:spPr>
+          <a:xfrm>
+            <a:off x="7999412" y="0"/>
+            <a:ext cx="1603387" cy="1141407"/>
+          </a:xfrm>
+          <a:prstGeom prst="rect">
+            <a:avLst/>
+          </a:prstGeom>
+        </p:spPr>
+      </p:pic>
+      <p:pic>
+        <p:nvPicPr>
+          <p:cNvPr id="17" name="Picture 16">
+            <a:extLst>
+              <a:ext uri="{FF2B5EF4-FFF2-40B4-BE49-F238E27FC236}">
+                <a16:creationId xmlns:a16="http://schemas.microsoft.com/office/drawing/2014/main" id="{94AAE3AA-3759-4D28-B0EF-575F25A5146C}"/>
+              </a:ext>
+              <a:ext uri="{C183D7F6-B498-43B3-948B-1728B52AA6E4}">
+                <adec:decorative xmlns:adec="http://schemas.microsoft.com/office/drawing/2017/decorative" val="1"/>
+              </a:ext>
+            </a:extLst>
+          </p:cNvPr>
+          <p:cNvPicPr>
+            <a:picLocks noGrp="1" noRot="1" noChangeAspect="1" noMove="1" noResize="1" noEditPoints="1" noAdjustHandles="1" noChangeArrowheads="1" noChangeShapeType="1" noCrop="1"/>
+          </p:cNvPicPr>
+          <p:nvPr>
+            <p:extLst>
+              <p:ext uri="{386F3935-93C4-4BCD-93E2-E3B085C9AB24}">
+                <p16:designElem xmlns:p16="http://schemas.microsoft.com/office/powerpoint/2015/main" val="1"/>
+              </p:ext>
+            </p:extLst>
+          </p:nvPr>
+        </p:nvPicPr>
+        <p:blipFill rotWithShape="1">
+          <a:blip r:embed="rId6">
+            <a:extLst>
+              <a:ext uri="{28A0092B-C50C-407E-A947-70E740481C1C}">
+                <a14:useLocalDpi xmlns:a14="http://schemas.microsoft.com/office/drawing/2010/main" val="0"/>
+              </a:ext>
+            </a:extLst>
+          </a:blip>
+          <a:srcRect b="23320"/>
+          <a:stretch/>
+        </p:blipFill>
+        <p:spPr>
+          <a:xfrm>
+            <a:off x="8605878" y="6096000"/>
+            <a:ext cx="993734" cy="762000"/>
+          </a:xfrm>
+          <a:prstGeom prst="rect">
+            <a:avLst/>
+          </a:prstGeom>
+        </p:spPr>
+      </p:pic>
+      <p:sp>
+        <p:nvSpPr>
+          <p:cNvPr id="19" name="Rectangle 18">
+            <a:extLst>
+              <a:ext uri="{FF2B5EF4-FFF2-40B4-BE49-F238E27FC236}">
+                <a16:creationId xmlns:a16="http://schemas.microsoft.com/office/drawing/2014/main" id="{D28BE0C3-2102-4820-B88B-A448B1840D14}"/>
+              </a:ext>
+              <a:ext uri="{C183D7F6-B498-43B3-948B-1728B52AA6E4}">
+                <adec:decorative xmlns:adec="http://schemas.microsoft.com/office/drawing/2017/decorative" val="1"/>
+              </a:ext>
+            </a:extLst>
+          </p:cNvPr>
+          <p:cNvSpPr>
+            <a:spLocks noGrp="1" noRot="1" noChangeAspect="1" noMove="1" noResize="1" noEditPoints="1" noAdjustHandles="1" noChangeArrowheads="1" noChangeShapeType="1" noTextEdit="1"/>
+          </p:cNvSpPr>
+          <p:nvPr>
+            <p:extLst>
+              <p:ext uri="{386F3935-93C4-4BCD-93E2-E3B085C9AB24}">
+                <p16:designElem xmlns:p16="http://schemas.microsoft.com/office/powerpoint/2015/main" val="1"/>
+              </p:ext>
+            </p:extLst>
+          </p:nvPr>
+        </p:nvSpPr>
+        <p:spPr>
+          <a:xfrm>
+            <a:off x="10437812" y="0"/>
+            <a:ext cx="685800" cy="1143000"/>
+          </a:xfrm>
+          <a:prstGeom prst="rect">
+            <a:avLst/>
+          </a:prstGeom>
+          <a:solidFill>
+            <a:schemeClr val="accent1"/>
+          </a:solidFill>
+          <a:ln>
+            <a:noFill/>
+          </a:ln>
+        </p:spPr>
+        <p:style>
+          <a:lnRef idx="1">
+            <a:schemeClr val="accent1"/>
+          </a:lnRef>
+          <a:fillRef idx="3">
+            <a:schemeClr val="accent1"/>
+          </a:fillRef>
+          <a:effectRef idx="2">
+            <a:schemeClr val="accent1"/>
+          </a:effectRef>
+          <a:fontRef idx="minor">
+            <a:schemeClr val="lt1"/>
+          </a:fontRef>
+        </p:style>
+        <p:txBody>
+          <a:bodyPr/>
+          <a:lstStyle/>
+          <a:p>
+            <a:endParaRPr lang="en-DK"/>
+          </a:p>
+        </p:txBody>
+      </p:sp>
+      <p:pic>
+        <p:nvPicPr>
+          <p:cNvPr id="5" name="Picture 4">
+            <a:extLst>
+              <a:ext uri="{FF2B5EF4-FFF2-40B4-BE49-F238E27FC236}">
+                <a16:creationId xmlns:a16="http://schemas.microsoft.com/office/drawing/2014/main" id="{8763992F-AE51-B85B-CCEF-6887535B16B9}"/>
+              </a:ext>
+            </a:extLst>
+          </p:cNvPr>
+          <p:cNvPicPr>
+            <a:picLocks noChangeAspect="1"/>
+          </p:cNvPicPr>
+          <p:nvPr/>
+        </p:nvPicPr>
+        <p:blipFill>
+          <a:blip r:embed="rId7">
+            <a:duotone>
+              <a:prstClr val="black"/>
+              <a:schemeClr val="accent5">
+                <a:tint val="45000"/>
+                <a:satMod val="400000"/>
+              </a:schemeClr>
+            </a:duotone>
+            <a:alphaModFix amt="25000"/>
+          </a:blip>
+          <a:srcRect t="20495"/>
+          <a:stretch/>
+        </p:blipFill>
+        <p:spPr>
+          <a:xfrm>
+            <a:off x="20" y="10"/>
+            <a:ext cx="12191980" cy="6857990"/>
+          </a:xfrm>
+          <a:prstGeom prst="rect">
+            <a:avLst/>
+          </a:prstGeom>
+        </p:spPr>
+      </p:pic>
+      <p:sp>
+        <p:nvSpPr>
+          <p:cNvPr id="2" name="Titel 1">
+            <a:extLst>
+              <a:ext uri="{FF2B5EF4-FFF2-40B4-BE49-F238E27FC236}">
+                <a16:creationId xmlns:a16="http://schemas.microsoft.com/office/drawing/2014/main" id="{E33EE121-CBA7-372B-5DFC-3A49D17D9F2E}"/>
+              </a:ext>
+            </a:extLst>
+          </p:cNvPr>
+          <p:cNvSpPr>
+            <a:spLocks noGrp="1"/>
+          </p:cNvSpPr>
+          <p:nvPr>
+            <p:ph type="title"/>
+          </p:nvPr>
+        </p:nvSpPr>
+        <p:spPr>
+          <a:xfrm>
+            <a:off x="1154955" y="1447800"/>
+            <a:ext cx="8825658" cy="3329581"/>
+          </a:xfrm>
+        </p:spPr>
+        <p:txBody>
+          <a:bodyPr vert="horz" lIns="91440" tIns="45720" rIns="91440" bIns="45720" rtlCol="0" anchor="b">
+            <a:normAutofit/>
+          </a:bodyPr>
+          <a:lstStyle/>
+          <a:p>
+            <a:r>
+              <a:rPr lang="en-US" sz="7200"/>
+              <a:t>Gennemgang af RC sender</a:t>
+            </a:r>
+          </a:p>
+        </p:txBody>
+      </p:sp>
+      <p:sp>
+        <p:nvSpPr>
+          <p:cNvPr id="21" name="Rectangle 20">
+            <a:extLst>
+              <a:ext uri="{FF2B5EF4-FFF2-40B4-BE49-F238E27FC236}">
+                <a16:creationId xmlns:a16="http://schemas.microsoft.com/office/drawing/2014/main" id="{C885E190-58DD-42DD-A4A8-401E15C92A52}"/>
+              </a:ext>
+              <a:ext uri="{C183D7F6-B498-43B3-948B-1728B52AA6E4}">
+                <adec:decorative xmlns:adec="http://schemas.microsoft.com/office/drawing/2017/decorative" val="1"/>
+              </a:ext>
+            </a:extLst>
+          </p:cNvPr>
+          <p:cNvSpPr>
+            <a:spLocks noGrp="1" noRot="1" noChangeAspect="1" noMove="1" noResize="1" noEditPoints="1" noAdjustHandles="1" noChangeArrowheads="1" noChangeShapeType="1" noTextEdit="1"/>
+          </p:cNvSpPr>
+          <p:nvPr>
+            <p:extLst>
+              <p:ext uri="{386F3935-93C4-4BCD-93E2-E3B085C9AB24}">
+                <p16:designElem xmlns:p16="http://schemas.microsoft.com/office/powerpoint/2015/main" val="1"/>
+              </p:ext>
+            </p:extLst>
+          </p:nvPr>
+        </p:nvSpPr>
+        <p:spPr>
+          <a:xfrm>
+            <a:off x="10437812" y="0"/>
+            <a:ext cx="685800" cy="1143000"/>
+          </a:xfrm>
+          <a:prstGeom prst="rect">
+            <a:avLst/>
+          </a:prstGeom>
+          <a:solidFill>
+            <a:schemeClr val="accent1"/>
+          </a:solidFill>
+          <a:ln>
+            <a:noFill/>
+          </a:ln>
+        </p:spPr>
+        <p:style>
+          <a:lnRef idx="1">
+            <a:schemeClr val="accent1"/>
+          </a:lnRef>
+          <a:fillRef idx="3">
+            <a:schemeClr val="accent1"/>
+          </a:fillRef>
+          <a:effectRef idx="2">
+            <a:schemeClr val="accent1"/>
+          </a:effectRef>
+          <a:fontRef idx="minor">
+            <a:schemeClr val="lt1"/>
+          </a:fontRef>
+        </p:style>
+        <p:txBody>
+          <a:bodyPr/>
+          <a:lstStyle/>
+          <a:p>
+            <a:endParaRPr lang="en-DK"/>
+          </a:p>
+        </p:txBody>
+      </p:sp>
+    </p:spTree>
+    <p:extLst>
+      <p:ext uri="{BB962C8B-B14F-4D97-AF65-F5344CB8AC3E}">
+        <p14:creationId xmlns:p14="http://schemas.microsoft.com/office/powerpoint/2010/main" val="803414249"/>
+      </p:ext>
+    </p:extLst>
+  </p:cSld>
+  <p:clrMapOvr>
+    <a:masterClrMapping/>
+  </p:clrMapOvr>
+</p:sld>
+</file>
+
+<file path=ppt/slides/slide27.xml><?xml version="1.0" encoding="utf-8"?>
+<p:sld xmlns:a="http://schemas.openxmlformats.org/drawingml/2006/main" xmlns:r="http://schemas.openxmlformats.org/officeDocument/2006/relationships" xmlns:p="http://schemas.openxmlformats.org/presentationml/2006/main">
+  <p:cSld>
+    <p:bg>
+      <p:bgPr>
+        <a:blipFill rotWithShape="1">
+          <a:blip r:embed="rId2">
+            <a:duotone>
+              <a:schemeClr val="bg2">
+                <a:shade val="69000"/>
+                <a:hueMod val="108000"/>
+                <a:satMod val="164000"/>
+                <a:lumMod val="74000"/>
+              </a:schemeClr>
+              <a:schemeClr val="bg2">
+                <a:tint val="96000"/>
+                <a:hueMod val="88000"/>
+                <a:satMod val="140000"/>
+                <a:lumMod val="132000"/>
+              </a:schemeClr>
+            </a:duotone>
+          </a:blip>
+          <a:stretch/>
+        </a:blipFill>
+        <a:effectLst/>
+      </p:bgPr>
+    </p:bg>
+    <p:spTree>
+      <p:nvGrpSpPr>
+        <p:cNvPr id="1" name=""/>
+        <p:cNvGrpSpPr/>
+        <p:nvPr/>
+      </p:nvGrpSpPr>
+      <p:grpSpPr>
+        <a:xfrm>
+          <a:off x="0" y="0"/>
+          <a:ext cx="0" cy="0"/>
+          <a:chOff x="0" y="0"/>
+          <a:chExt cx="0" cy="0"/>
+        </a:xfrm>
+      </p:grpSpPr>
+      <p:pic>
+        <p:nvPicPr>
+          <p:cNvPr id="9" name="Picture 8">
+            <a:extLst>
+              <a:ext uri="{FF2B5EF4-FFF2-40B4-BE49-F238E27FC236}">
+                <a16:creationId xmlns:a16="http://schemas.microsoft.com/office/drawing/2014/main" id="{DF19BAF3-7E20-4B9D-B544-BABAEEA1FA75}"/>
+              </a:ext>
+              <a:ext uri="{C183D7F6-B498-43B3-948B-1728B52AA6E4}">
+                <adec:decorative xmlns:adec="http://schemas.microsoft.com/office/drawing/2017/decorative" val="1"/>
+              </a:ext>
+            </a:extLst>
+          </p:cNvPr>
+          <p:cNvPicPr>
+            <a:picLocks noGrp="1" noRot="1" noChangeAspect="1" noMove="1" noResize="1" noEditPoints="1" noAdjustHandles="1" noChangeArrowheads="1" noChangeShapeType="1" noCrop="1"/>
+          </p:cNvPicPr>
+          <p:nvPr>
+            <p:extLst>
+              <p:ext uri="{386F3935-93C4-4BCD-93E2-E3B085C9AB24}">
+                <p16:designElem xmlns:p16="http://schemas.microsoft.com/office/powerpoint/2015/main" val="1"/>
+              </p:ext>
+            </p:extLst>
+          </p:nvPr>
+        </p:nvPicPr>
+        <p:blipFill rotWithShape="1">
+          <a:blip r:embed="rId3">
+            <a:extLst>
+              <a:ext uri="{28A0092B-C50C-407E-A947-70E740481C1C}">
+                <a14:useLocalDpi xmlns:a14="http://schemas.microsoft.com/office/drawing/2010/main" val="0"/>
+              </a:ext>
+            </a:extLst>
+          </a:blip>
+          <a:srcRect l="3613"/>
+          <a:stretch/>
+        </p:blipFill>
+        <p:spPr>
+          <a:xfrm>
+            <a:off x="0" y="2669685"/>
+            <a:ext cx="4037012" cy="4188315"/>
+          </a:xfrm>
+          <a:prstGeom prst="rect">
+            <a:avLst/>
+          </a:prstGeom>
+        </p:spPr>
+      </p:pic>
+      <p:pic>
+        <p:nvPicPr>
+          <p:cNvPr id="11" name="Picture 10">
+            <a:extLst>
+              <a:ext uri="{FF2B5EF4-FFF2-40B4-BE49-F238E27FC236}">
+                <a16:creationId xmlns:a16="http://schemas.microsoft.com/office/drawing/2014/main" id="{950648F4-ABCD-4DF0-8641-76CFB2354721}"/>
+              </a:ext>
+              <a:ext uri="{C183D7F6-B498-43B3-948B-1728B52AA6E4}">
+                <adec:decorative xmlns:adec="http://schemas.microsoft.com/office/drawing/2017/decorative" val="1"/>
+              </a:ext>
+            </a:extLst>
+          </p:cNvPr>
+          <p:cNvPicPr>
+            <a:picLocks noGrp="1" noRot="1" noChangeAspect="1" noMove="1" noResize="1" noEditPoints="1" noAdjustHandles="1" noChangeArrowheads="1" noChangeShapeType="1" noCrop="1"/>
+          </p:cNvPicPr>
+          <p:nvPr>
+            <p:extLst>
+              <p:ext uri="{386F3935-93C4-4BCD-93E2-E3B085C9AB24}">
+                <p16:designElem xmlns:p16="http://schemas.microsoft.com/office/powerpoint/2015/main" val="1"/>
+              </p:ext>
+            </p:extLst>
+          </p:nvPr>
+        </p:nvPicPr>
+        <p:blipFill rotWithShape="1">
+          <a:blip r:embed="rId4">
+            <a:extLst>
+              <a:ext uri="{28A0092B-C50C-407E-A947-70E740481C1C}">
+                <a14:useLocalDpi xmlns:a14="http://schemas.microsoft.com/office/drawing/2010/main" val="0"/>
+              </a:ext>
+            </a:extLst>
+          </a:blip>
+          <a:srcRect l="35640"/>
+          <a:stretch/>
+        </p:blipFill>
+        <p:spPr>
+          <a:xfrm>
+            <a:off x="0" y="2892347"/>
+            <a:ext cx="1522412" cy="2365453"/>
+          </a:xfrm>
+          <a:prstGeom prst="rect">
+            <a:avLst/>
+          </a:prstGeom>
+        </p:spPr>
+      </p:pic>
+      <p:sp>
+        <p:nvSpPr>
+          <p:cNvPr id="13" name="Oval 12">
+            <a:extLst>
+              <a:ext uri="{FF2B5EF4-FFF2-40B4-BE49-F238E27FC236}">
+                <a16:creationId xmlns:a16="http://schemas.microsoft.com/office/drawing/2014/main" id="{989BE678-777B-482A-A616-FEDC47B162E5}"/>
+              </a:ext>
+              <a:ext uri="{C183D7F6-B498-43B3-948B-1728B52AA6E4}">
+                <adec:decorative xmlns:adec="http://schemas.microsoft.com/office/drawing/2017/decorative" val="1"/>
+              </a:ext>
+            </a:extLst>
+          </p:cNvPr>
+          <p:cNvSpPr>
+            <a:spLocks noGrp="1" noRot="1" noChangeAspect="1" noMove="1" noResize="1" noEditPoints="1" noAdjustHandles="1" noChangeArrowheads="1" noChangeShapeType="1" noTextEdit="1"/>
+          </p:cNvSpPr>
+          <p:nvPr>
+            <p:extLst>
+              <p:ext uri="{386F3935-93C4-4BCD-93E2-E3B085C9AB24}">
+                <p16:designElem xmlns:p16="http://schemas.microsoft.com/office/powerpoint/2015/main" val="1"/>
+              </p:ext>
+            </p:extLst>
+          </p:nvPr>
+        </p:nvSpPr>
+        <p:spPr>
+          <a:xfrm>
+            <a:off x="8609012" y="1676400"/>
+            <a:ext cx="2819400" cy="2819400"/>
+          </a:xfrm>
+          <a:prstGeom prst="ellipse">
+            <a:avLst/>
+          </a:prstGeom>
+          <a:gradFill flip="none" rotWithShape="1">
+            <a:gsLst>
+              <a:gs pos="0">
+                <a:schemeClr val="bg2">
+                  <a:lumMod val="60000"/>
+                  <a:lumOff val="40000"/>
+                  <a:alpha val="7000"/>
+                </a:schemeClr>
+              </a:gs>
+              <a:gs pos="69000">
+                <a:schemeClr val="bg2">
+                  <a:lumMod val="60000"/>
+                  <a:lumOff val="40000"/>
+                  <a:alpha val="0"/>
+                </a:schemeClr>
+              </a:gs>
+              <a:gs pos="36000">
+                <a:schemeClr val="bg2">
+                  <a:lumMod val="60000"/>
+                  <a:lumOff val="40000"/>
+                  <a:alpha val="6000"/>
+                </a:schemeClr>
+              </a:gs>
+            </a:gsLst>
+            <a:path path="circle">
+              <a:fillToRect l="50000" t="50000" r="50000" b="50000"/>
+            </a:path>
+            <a:tileRect/>
+          </a:gradFill>
+          <a:ln>
+            <a:noFill/>
+          </a:ln>
+          <a:effectLst/>
+        </p:spPr>
+        <p:style>
+          <a:lnRef idx="1">
+            <a:schemeClr val="accent1"/>
+          </a:lnRef>
+          <a:fillRef idx="3">
+            <a:schemeClr val="accent1"/>
+          </a:fillRef>
+          <a:effectRef idx="2">
+            <a:schemeClr val="accent1"/>
+          </a:effectRef>
+          <a:fontRef idx="minor">
+            <a:schemeClr val="lt1"/>
+          </a:fontRef>
+        </p:style>
+        <p:txBody>
+          <a:bodyPr/>
+          <a:lstStyle/>
+          <a:p>
+            <a:endParaRPr lang="en-DK"/>
+          </a:p>
+        </p:txBody>
+      </p:sp>
+      <p:pic>
+        <p:nvPicPr>
+          <p:cNvPr id="15" name="Picture 14">
+            <a:extLst>
+              <a:ext uri="{FF2B5EF4-FFF2-40B4-BE49-F238E27FC236}">
+                <a16:creationId xmlns:a16="http://schemas.microsoft.com/office/drawing/2014/main" id="{CF1EB4BD-9C7E-4AA3-9681-C7EB0DA6250B}"/>
+              </a:ext>
+              <a:ext uri="{C183D7F6-B498-43B3-948B-1728B52AA6E4}">
+                <adec:decorative xmlns:adec="http://schemas.microsoft.com/office/drawing/2017/decorative" val="1"/>
+              </a:ext>
+            </a:extLst>
+          </p:cNvPr>
+          <p:cNvPicPr>
+            <a:picLocks noGrp="1" noRot="1" noChangeAspect="1" noMove="1" noResize="1" noEditPoints="1" noAdjustHandles="1" noChangeArrowheads="1" noChangeShapeType="1" noCrop="1"/>
+          </p:cNvPicPr>
+          <p:nvPr>
+            <p:extLst>
+              <p:ext uri="{386F3935-93C4-4BCD-93E2-E3B085C9AB24}">
+                <p16:designElem xmlns:p16="http://schemas.microsoft.com/office/powerpoint/2015/main" val="1"/>
+              </p:ext>
+            </p:extLst>
+          </p:nvPr>
+        </p:nvPicPr>
+        <p:blipFill rotWithShape="1">
+          <a:blip r:embed="rId5">
+            <a:extLst>
+              <a:ext uri="{28A0092B-C50C-407E-A947-70E740481C1C}">
+                <a14:useLocalDpi xmlns:a14="http://schemas.microsoft.com/office/drawing/2010/main" val="0"/>
+              </a:ext>
+            </a:extLst>
+          </a:blip>
+          <a:srcRect t="28813"/>
+          <a:stretch/>
+        </p:blipFill>
+        <p:spPr>
+          <a:xfrm>
+            <a:off x="7999412" y="0"/>
+            <a:ext cx="1603387" cy="1141407"/>
+          </a:xfrm>
+          <a:prstGeom prst="rect">
+            <a:avLst/>
+          </a:prstGeom>
+        </p:spPr>
+      </p:pic>
+      <p:pic>
+        <p:nvPicPr>
+          <p:cNvPr id="17" name="Picture 16">
+            <a:extLst>
+              <a:ext uri="{FF2B5EF4-FFF2-40B4-BE49-F238E27FC236}">
+                <a16:creationId xmlns:a16="http://schemas.microsoft.com/office/drawing/2014/main" id="{94AAE3AA-3759-4D28-B0EF-575F25A5146C}"/>
+              </a:ext>
+              <a:ext uri="{C183D7F6-B498-43B3-948B-1728B52AA6E4}">
+                <adec:decorative xmlns:adec="http://schemas.microsoft.com/office/drawing/2017/decorative" val="1"/>
+              </a:ext>
+            </a:extLst>
+          </p:cNvPr>
+          <p:cNvPicPr>
+            <a:picLocks noGrp="1" noRot="1" noChangeAspect="1" noMove="1" noResize="1" noEditPoints="1" noAdjustHandles="1" noChangeArrowheads="1" noChangeShapeType="1" noCrop="1"/>
+          </p:cNvPicPr>
+          <p:nvPr>
+            <p:extLst>
+              <p:ext uri="{386F3935-93C4-4BCD-93E2-E3B085C9AB24}">
+                <p16:designElem xmlns:p16="http://schemas.microsoft.com/office/powerpoint/2015/main" val="1"/>
+              </p:ext>
+            </p:extLst>
+          </p:nvPr>
+        </p:nvPicPr>
+        <p:blipFill rotWithShape="1">
+          <a:blip r:embed="rId6">
+            <a:extLst>
+              <a:ext uri="{28A0092B-C50C-407E-A947-70E740481C1C}">
+                <a14:useLocalDpi xmlns:a14="http://schemas.microsoft.com/office/drawing/2010/main" val="0"/>
+              </a:ext>
+            </a:extLst>
+          </a:blip>
+          <a:srcRect b="23320"/>
+          <a:stretch/>
+        </p:blipFill>
+        <p:spPr>
+          <a:xfrm>
+            <a:off x="8605878" y="6096000"/>
+            <a:ext cx="993734" cy="762000"/>
+          </a:xfrm>
+          <a:prstGeom prst="rect">
+            <a:avLst/>
+          </a:prstGeom>
+        </p:spPr>
+      </p:pic>
+      <p:sp>
+        <p:nvSpPr>
+          <p:cNvPr id="19" name="Rectangle 18">
+            <a:extLst>
+              <a:ext uri="{FF2B5EF4-FFF2-40B4-BE49-F238E27FC236}">
+                <a16:creationId xmlns:a16="http://schemas.microsoft.com/office/drawing/2014/main" id="{D28BE0C3-2102-4820-B88B-A448B1840D14}"/>
+              </a:ext>
+              <a:ext uri="{C183D7F6-B498-43B3-948B-1728B52AA6E4}">
+                <adec:decorative xmlns:adec="http://schemas.microsoft.com/office/drawing/2017/decorative" val="1"/>
+              </a:ext>
+            </a:extLst>
+          </p:cNvPr>
+          <p:cNvSpPr>
+            <a:spLocks noGrp="1" noRot="1" noChangeAspect="1" noMove="1" noResize="1" noEditPoints="1" noAdjustHandles="1" noChangeArrowheads="1" noChangeShapeType="1" noTextEdit="1"/>
+          </p:cNvSpPr>
+          <p:nvPr>
+            <p:extLst>
+              <p:ext uri="{386F3935-93C4-4BCD-93E2-E3B085C9AB24}">
+                <p16:designElem xmlns:p16="http://schemas.microsoft.com/office/powerpoint/2015/main" val="1"/>
+              </p:ext>
+            </p:extLst>
+          </p:nvPr>
+        </p:nvSpPr>
+        <p:spPr>
+          <a:xfrm>
+            <a:off x="10437812" y="0"/>
+            <a:ext cx="685800" cy="1143000"/>
+          </a:xfrm>
+          <a:prstGeom prst="rect">
+            <a:avLst/>
+          </a:prstGeom>
+          <a:solidFill>
+            <a:schemeClr val="accent1"/>
+          </a:solidFill>
+          <a:ln>
+            <a:noFill/>
+          </a:ln>
+        </p:spPr>
+        <p:style>
+          <a:lnRef idx="1">
+            <a:schemeClr val="accent1"/>
+          </a:lnRef>
+          <a:fillRef idx="3">
+            <a:schemeClr val="accent1"/>
+          </a:fillRef>
+          <a:effectRef idx="2">
+            <a:schemeClr val="accent1"/>
+          </a:effectRef>
+          <a:fontRef idx="minor">
+            <a:schemeClr val="lt1"/>
+          </a:fontRef>
+        </p:style>
+        <p:txBody>
+          <a:bodyPr/>
+          <a:lstStyle/>
+          <a:p>
+            <a:endParaRPr lang="en-DK"/>
+          </a:p>
+        </p:txBody>
+      </p:sp>
+      <p:pic>
+        <p:nvPicPr>
+          <p:cNvPr id="5" name="Picture 4" descr="Pen, der er placeret oven på en signaturlinje">
+            <a:extLst>
+              <a:ext uri="{FF2B5EF4-FFF2-40B4-BE49-F238E27FC236}">
+                <a16:creationId xmlns:a16="http://schemas.microsoft.com/office/drawing/2014/main" id="{CF6E829C-B299-A01B-51BB-6ED783FFD5A5}"/>
+              </a:ext>
+            </a:extLst>
+          </p:cNvPr>
+          <p:cNvPicPr>
+            <a:picLocks noChangeAspect="1"/>
+          </p:cNvPicPr>
+          <p:nvPr/>
+        </p:nvPicPr>
+        <p:blipFill>
+          <a:blip r:embed="rId7">
+            <a:duotone>
+              <a:prstClr val="black"/>
+              <a:schemeClr val="accent5">
+                <a:tint val="45000"/>
+                <a:satMod val="400000"/>
+              </a:schemeClr>
+            </a:duotone>
+            <a:alphaModFix amt="25000"/>
+          </a:blip>
+          <a:srcRect t="8023" b="7707"/>
+          <a:stretch/>
+        </p:blipFill>
+        <p:spPr>
+          <a:xfrm>
+            <a:off x="20" y="10"/>
+            <a:ext cx="12191980" cy="6857990"/>
+          </a:xfrm>
+          <a:prstGeom prst="rect">
+            <a:avLst/>
+          </a:prstGeom>
+        </p:spPr>
+      </p:pic>
+      <p:sp>
+        <p:nvSpPr>
+          <p:cNvPr id="2" name="Titel 1">
+            <a:extLst>
+              <a:ext uri="{FF2B5EF4-FFF2-40B4-BE49-F238E27FC236}">
+                <a16:creationId xmlns:a16="http://schemas.microsoft.com/office/drawing/2014/main" id="{89DE6C0D-A385-46ED-DA22-2166CEF74990}"/>
+              </a:ext>
+            </a:extLst>
+          </p:cNvPr>
+          <p:cNvSpPr>
+            <a:spLocks noGrp="1"/>
+          </p:cNvSpPr>
+          <p:nvPr>
+            <p:ph type="title"/>
+          </p:nvPr>
+        </p:nvSpPr>
+        <p:spPr>
+          <a:xfrm>
+            <a:off x="1154955" y="1447800"/>
+            <a:ext cx="8825658" cy="3329581"/>
+          </a:xfrm>
+        </p:spPr>
+        <p:txBody>
+          <a:bodyPr vert="horz" lIns="91440" tIns="45720" rIns="91440" bIns="45720" rtlCol="0" anchor="b">
+            <a:normAutofit/>
+          </a:bodyPr>
+          <a:lstStyle/>
+          <a:p>
+            <a:r>
+              <a:rPr lang="en-US" sz="7200"/>
+              <a:t>Gennemgang af RC modtager</a:t>
+            </a:r>
+          </a:p>
+        </p:txBody>
+      </p:sp>
+      <p:sp>
+        <p:nvSpPr>
+          <p:cNvPr id="21" name="Rectangle 20">
+            <a:extLst>
+              <a:ext uri="{FF2B5EF4-FFF2-40B4-BE49-F238E27FC236}">
+                <a16:creationId xmlns:a16="http://schemas.microsoft.com/office/drawing/2014/main" id="{C885E190-58DD-42DD-A4A8-401E15C92A52}"/>
+              </a:ext>
+              <a:ext uri="{C183D7F6-B498-43B3-948B-1728B52AA6E4}">
+                <adec:decorative xmlns:adec="http://schemas.microsoft.com/office/drawing/2017/decorative" val="1"/>
+              </a:ext>
+            </a:extLst>
+          </p:cNvPr>
+          <p:cNvSpPr>
+            <a:spLocks noGrp="1" noRot="1" noChangeAspect="1" noMove="1" noResize="1" noEditPoints="1" noAdjustHandles="1" noChangeArrowheads="1" noChangeShapeType="1" noTextEdit="1"/>
+          </p:cNvSpPr>
+          <p:nvPr>
+            <p:extLst>
+              <p:ext uri="{386F3935-93C4-4BCD-93E2-E3B085C9AB24}">
+                <p16:designElem xmlns:p16="http://schemas.microsoft.com/office/powerpoint/2015/main" val="1"/>
+              </p:ext>
+            </p:extLst>
+          </p:nvPr>
+        </p:nvSpPr>
+        <p:spPr>
+          <a:xfrm>
+            <a:off x="10437812" y="0"/>
+            <a:ext cx="685800" cy="1143000"/>
+          </a:xfrm>
+          <a:prstGeom prst="rect">
+            <a:avLst/>
+          </a:prstGeom>
+          <a:solidFill>
+            <a:schemeClr val="accent1"/>
+          </a:solidFill>
+          <a:ln>
+            <a:noFill/>
+          </a:ln>
+        </p:spPr>
+        <p:style>
+          <a:lnRef idx="1">
+            <a:schemeClr val="accent1"/>
+          </a:lnRef>
+          <a:fillRef idx="3">
+            <a:schemeClr val="accent1"/>
+          </a:fillRef>
+          <a:effectRef idx="2">
+            <a:schemeClr val="accent1"/>
+          </a:effectRef>
+          <a:fontRef idx="minor">
+            <a:schemeClr val="lt1"/>
+          </a:fontRef>
+        </p:style>
+        <p:txBody>
+          <a:bodyPr/>
+          <a:lstStyle/>
+          <a:p>
+            <a:endParaRPr lang="en-DK"/>
+          </a:p>
+        </p:txBody>
+      </p:sp>
+    </p:spTree>
+    <p:extLst>
+      <p:ext uri="{BB962C8B-B14F-4D97-AF65-F5344CB8AC3E}">
+        <p14:creationId xmlns:p14="http://schemas.microsoft.com/office/powerpoint/2010/main" val="3837220164"/>
+      </p:ext>
+    </p:extLst>
+  </p:cSld>
+  <p:clrMapOvr>
+    <a:masterClrMapping/>
   </p:clrMapOvr>
 </p:sld>
 </file>

--- a/Kicad 2025.pptx
+++ b/Kicad 2025.pptx
@@ -5,7 +5,7 @@
     <p:sldMasterId id="2147483832" r:id="rId1"/>
   </p:sldMasterIdLst>
   <p:notesMasterIdLst>
-    <p:notesMasterId r:id="rId29"/>
+    <p:notesMasterId r:id="rId30"/>
   </p:notesMasterIdLst>
   <p:sldIdLst>
     <p:sldId id="256" r:id="rId2"/>
@@ -30,11 +30,12 @@
     <p:sldId id="303" r:id="rId21"/>
     <p:sldId id="304" r:id="rId22"/>
     <p:sldId id="302" r:id="rId23"/>
-    <p:sldId id="300" r:id="rId24"/>
-    <p:sldId id="307" r:id="rId25"/>
-    <p:sldId id="301" r:id="rId26"/>
-    <p:sldId id="308" r:id="rId27"/>
-    <p:sldId id="309" r:id="rId28"/>
+    <p:sldId id="310" r:id="rId24"/>
+    <p:sldId id="300" r:id="rId25"/>
+    <p:sldId id="307" r:id="rId26"/>
+    <p:sldId id="301" r:id="rId27"/>
+    <p:sldId id="308" r:id="rId28"/>
+    <p:sldId id="309" r:id="rId29"/>
   </p:sldIdLst>
   <p:sldSz cx="12192000" cy="6858000"/>
   <p:notesSz cx="6858000" cy="9144000"/>
@@ -25625,6 +25626,312 @@
 <file path=ppt/slides/slide23.xml><?xml version="1.0" encoding="utf-8"?>
 <p:sld xmlns:a="http://schemas.openxmlformats.org/drawingml/2006/main" xmlns:r="http://schemas.openxmlformats.org/officeDocument/2006/relationships" xmlns:p="http://schemas.openxmlformats.org/presentationml/2006/main">
   <p:cSld>
+    <p:spTree>
+      <p:nvGrpSpPr>
+        <p:cNvPr id="1" name=""/>
+        <p:cNvGrpSpPr/>
+        <p:nvPr/>
+      </p:nvGrpSpPr>
+      <p:grpSpPr>
+        <a:xfrm>
+          <a:off x="0" y="0"/>
+          <a:ext cx="0" cy="0"/>
+          <a:chOff x="0" y="0"/>
+          <a:chExt cx="0" cy="0"/>
+        </a:xfrm>
+      </p:grpSpPr>
+      <p:sp>
+        <p:nvSpPr>
+          <p:cNvPr id="2" name="Titel 1">
+            <a:extLst>
+              <a:ext uri="{FF2B5EF4-FFF2-40B4-BE49-F238E27FC236}">
+                <a16:creationId xmlns:a16="http://schemas.microsoft.com/office/drawing/2014/main" id="{3C46378A-2979-9E71-49DE-E38ADD4F87E4}"/>
+              </a:ext>
+            </a:extLst>
+          </p:cNvPr>
+          <p:cNvSpPr>
+            <a:spLocks noGrp="1"/>
+          </p:cNvSpPr>
+          <p:nvPr>
+            <p:ph type="title"/>
+          </p:nvPr>
+        </p:nvSpPr>
+        <p:spPr/>
+        <p:txBody>
+          <a:bodyPr/>
+          <a:lstStyle/>
+          <a:p>
+            <a:r>
+              <a:rPr lang="en-DK" dirty="0"/>
+              <a:t>Serial </a:t>
+            </a:r>
+            <a:r>
+              <a:rPr lang="en-DK" dirty="0" err="1"/>
+              <a:t>Opgave</a:t>
+            </a:r>
+            <a:endParaRPr lang="en-DK" dirty="0"/>
+          </a:p>
+        </p:txBody>
+      </p:sp>
+      <p:sp>
+        <p:nvSpPr>
+          <p:cNvPr id="3" name="Pladsholder til indhold 2">
+            <a:extLst>
+              <a:ext uri="{FF2B5EF4-FFF2-40B4-BE49-F238E27FC236}">
+                <a16:creationId xmlns:a16="http://schemas.microsoft.com/office/drawing/2014/main" id="{0E924D74-BA76-A496-2CA1-BE9412612F4B}"/>
+              </a:ext>
+            </a:extLst>
+          </p:cNvPr>
+          <p:cNvSpPr>
+            <a:spLocks noGrp="1"/>
+          </p:cNvSpPr>
+          <p:nvPr>
+            <p:ph idx="1"/>
+          </p:nvPr>
+        </p:nvSpPr>
+        <p:spPr/>
+        <p:txBody>
+          <a:bodyPr/>
+          <a:lstStyle/>
+          <a:p>
+            <a:r>
+              <a:rPr lang="en-DK" dirty="0" err="1"/>
+              <a:t>Få</a:t>
+            </a:r>
+            <a:r>
+              <a:rPr lang="en-DK" dirty="0"/>
+              <a:t> din ESP32 </a:t>
+            </a:r>
+            <a:r>
+              <a:rPr lang="en-DK" dirty="0" err="1"/>
+              <a:t>til</a:t>
+            </a:r>
+            <a:r>
+              <a:rPr lang="en-DK" dirty="0"/>
+              <a:t> at </a:t>
+            </a:r>
+            <a:r>
+              <a:rPr lang="en-DK" dirty="0" err="1"/>
+              <a:t>skrive</a:t>
+            </a:r>
+            <a:r>
+              <a:rPr lang="en-DK" dirty="0"/>
+              <a:t> </a:t>
+            </a:r>
+            <a:r>
+              <a:rPr lang="en-DK" dirty="0" err="1"/>
+              <a:t>klokken</a:t>
+            </a:r>
+            <a:r>
+              <a:rPr lang="en-DK" dirty="0"/>
+              <a:t>. </a:t>
+            </a:r>
+          </a:p>
+          <a:p>
+            <a:r>
+              <a:rPr lang="en-DK" dirty="0" err="1"/>
+              <a:t>Hvis</a:t>
+            </a:r>
+            <a:r>
+              <a:rPr lang="en-DK" dirty="0"/>
+              <a:t> der er </a:t>
+            </a:r>
+            <a:r>
+              <a:rPr lang="en-DK" dirty="0" err="1"/>
+              <a:t>tid</a:t>
+            </a:r>
+            <a:r>
+              <a:rPr lang="en-DK" dirty="0"/>
+              <a:t>, </a:t>
+            </a:r>
+            <a:r>
+              <a:rPr lang="en-DK" dirty="0" err="1"/>
+              <a:t>så</a:t>
+            </a:r>
+            <a:r>
+              <a:rPr lang="en-DK" dirty="0"/>
+              <a:t> connect </a:t>
+            </a:r>
+            <a:r>
+              <a:rPr lang="en-DK" dirty="0" err="1"/>
+              <a:t>til</a:t>
+            </a:r>
+            <a:r>
+              <a:rPr lang="en-DK" dirty="0"/>
+              <a:t> NTP</a:t>
+            </a:r>
+          </a:p>
+          <a:p>
+            <a:r>
+              <a:rPr lang="en-GB" b="0" i="0" dirty="0">
+                <a:solidFill>
+                  <a:srgbClr val="768390"/>
+                </a:solidFill>
+                <a:effectLst/>
+                <a:latin typeface="Courier New" panose="02070309020205020404" pitchFamily="49" charset="0"/>
+              </a:rPr>
+              <a:t>// --- NTP Settings ---</a:t>
+            </a:r>
+            <a:r>
+              <a:rPr lang="en-GB" b="0" i="0" dirty="0">
+                <a:solidFill>
+                  <a:srgbClr val="E2E2E5"/>
+                </a:solidFill>
+                <a:effectLst/>
+                <a:latin typeface="Courier New" panose="02070309020205020404" pitchFamily="49" charset="0"/>
+              </a:rPr>
+              <a:t> </a:t>
+            </a:r>
+            <a:r>
+              <a:rPr lang="en-GB" b="0" i="0" dirty="0" err="1">
+                <a:solidFill>
+                  <a:srgbClr val="F47067"/>
+                </a:solidFill>
+                <a:effectLst/>
+                <a:latin typeface="Courier New" panose="02070309020205020404" pitchFamily="49" charset="0"/>
+              </a:rPr>
+              <a:t>const</a:t>
+            </a:r>
+            <a:r>
+              <a:rPr lang="en-GB" b="0" i="0" dirty="0">
+                <a:solidFill>
+                  <a:srgbClr val="E2E2E5"/>
+                </a:solidFill>
+                <a:effectLst/>
+                <a:latin typeface="Courier New" panose="02070309020205020404" pitchFamily="49" charset="0"/>
+              </a:rPr>
+              <a:t> </a:t>
+            </a:r>
+            <a:r>
+              <a:rPr lang="en-GB" b="0" i="0" dirty="0">
+                <a:solidFill>
+                  <a:srgbClr val="F47067"/>
+                </a:solidFill>
+                <a:effectLst/>
+                <a:latin typeface="Courier New" panose="02070309020205020404" pitchFamily="49" charset="0"/>
+              </a:rPr>
+              <a:t>char</a:t>
+            </a:r>
+            <a:r>
+              <a:rPr lang="en-GB" b="0" i="0" dirty="0">
+                <a:solidFill>
+                  <a:srgbClr val="E2E2E5"/>
+                </a:solidFill>
+                <a:effectLst/>
+                <a:latin typeface="Courier New" panose="02070309020205020404" pitchFamily="49" charset="0"/>
+              </a:rPr>
+              <a:t>* ntpServer1 = </a:t>
+            </a:r>
+            <a:r>
+              <a:rPr lang="en-GB" b="0" i="0" dirty="0">
+                <a:solidFill>
+                  <a:srgbClr val="96D0FF"/>
+                </a:solidFill>
+                <a:effectLst/>
+                <a:latin typeface="Courier New" panose="02070309020205020404" pitchFamily="49" charset="0"/>
+              </a:rPr>
+              <a:t>"pool.ntp.org"</a:t>
+            </a:r>
+            <a:r>
+              <a:rPr lang="en-GB" b="0" i="0" dirty="0">
+                <a:solidFill>
+                  <a:srgbClr val="E2E2E5"/>
+                </a:solidFill>
+                <a:effectLst/>
+                <a:latin typeface="Courier New" panose="02070309020205020404" pitchFamily="49" charset="0"/>
+              </a:rPr>
+              <a:t>; </a:t>
+            </a:r>
+            <a:r>
+              <a:rPr lang="en-GB" b="0" i="0" dirty="0" err="1">
+                <a:solidFill>
+                  <a:srgbClr val="F47067"/>
+                </a:solidFill>
+                <a:effectLst/>
+                <a:latin typeface="Courier New" panose="02070309020205020404" pitchFamily="49" charset="0"/>
+              </a:rPr>
+              <a:t>const</a:t>
+            </a:r>
+            <a:r>
+              <a:rPr lang="en-GB" b="0" i="0" dirty="0">
+                <a:solidFill>
+                  <a:srgbClr val="E2E2E5"/>
+                </a:solidFill>
+                <a:effectLst/>
+                <a:latin typeface="Courier New" panose="02070309020205020404" pitchFamily="49" charset="0"/>
+              </a:rPr>
+              <a:t> </a:t>
+            </a:r>
+            <a:r>
+              <a:rPr lang="en-GB" b="0" i="0" dirty="0">
+                <a:solidFill>
+                  <a:srgbClr val="F47067"/>
+                </a:solidFill>
+                <a:effectLst/>
+                <a:latin typeface="Courier New" panose="02070309020205020404" pitchFamily="49" charset="0"/>
+              </a:rPr>
+              <a:t>char</a:t>
+            </a:r>
+            <a:r>
+              <a:rPr lang="en-GB" b="0" i="0" dirty="0">
+                <a:solidFill>
+                  <a:srgbClr val="E2E2E5"/>
+                </a:solidFill>
+                <a:effectLst/>
+                <a:latin typeface="Courier New" panose="02070309020205020404" pitchFamily="49" charset="0"/>
+              </a:rPr>
+              <a:t>* ntpServer2 = </a:t>
+            </a:r>
+            <a:r>
+              <a:rPr lang="en-GB" b="0" i="0" dirty="0">
+                <a:solidFill>
+                  <a:srgbClr val="96D0FF"/>
+                </a:solidFill>
+                <a:effectLst/>
+                <a:latin typeface="Courier New" panose="02070309020205020404" pitchFamily="49" charset="0"/>
+              </a:rPr>
+              <a:t>"time.nist.gov"</a:t>
+            </a:r>
+            <a:r>
+              <a:rPr lang="en-GB" b="0" i="0" dirty="0">
+                <a:solidFill>
+                  <a:srgbClr val="E2E2E5"/>
+                </a:solidFill>
+                <a:effectLst/>
+                <a:latin typeface="Courier New" panose="02070309020205020404" pitchFamily="49" charset="0"/>
+              </a:rPr>
+              <a:t>; </a:t>
+            </a:r>
+            <a:r>
+              <a:rPr lang="en-GB" b="0" i="0" dirty="0">
+                <a:solidFill>
+                  <a:srgbClr val="768390"/>
+                </a:solidFill>
+                <a:effectLst/>
+                <a:latin typeface="Courier New" panose="02070309020205020404" pitchFamily="49" charset="0"/>
+              </a:rPr>
+              <a:t>// Optional backup server</a:t>
+            </a:r>
+            <a:endParaRPr lang="en-DK" dirty="0"/>
+          </a:p>
+        </p:txBody>
+      </p:sp>
+    </p:spTree>
+    <p:extLst>
+      <p:ext uri="{BB962C8B-B14F-4D97-AF65-F5344CB8AC3E}">
+        <p14:creationId xmlns:p14="http://schemas.microsoft.com/office/powerpoint/2010/main" val="38449938"/>
+      </p:ext>
+    </p:extLst>
+  </p:cSld>
+  <p:clrMapOvr>
+    <a:masterClrMapping/>
+  </p:clrMapOvr>
+</p:sld>
+</file>
+
+<file path=ppt/slides/slide24.xml><?xml version="1.0" encoding="utf-8"?>
+<p:sld xmlns:a="http://schemas.openxmlformats.org/drawingml/2006/main" xmlns:r="http://schemas.openxmlformats.org/officeDocument/2006/relationships" xmlns:p="http://schemas.openxmlformats.org/presentationml/2006/main">
+  <p:cSld>
     <p:bg>
       <p:bgPr>
         <a:blipFill rotWithShape="1">
@@ -26404,7 +26711,7 @@
 </p:sld>
 </file>
 
-<file path=ppt/slides/slide24.xml><?xml version="1.0" encoding="utf-8"?>
+<file path=ppt/slides/slide25.xml><?xml version="1.0" encoding="utf-8"?>
 <p:sld xmlns:a="http://schemas.openxmlformats.org/drawingml/2006/main" xmlns:r="http://schemas.openxmlformats.org/officeDocument/2006/relationships" xmlns:p="http://schemas.openxmlformats.org/presentationml/2006/main">
   <p:cSld>
     <p:spTree>
@@ -26649,7 +26956,7 @@
 </p:sld>
 </file>
 
-<file path=ppt/slides/slide25.xml><?xml version="1.0" encoding="utf-8"?>
+<file path=ppt/slides/slide26.xml><?xml version="1.0" encoding="utf-8"?>
 <p:sld xmlns:a="http://schemas.openxmlformats.org/drawingml/2006/main" xmlns:r="http://schemas.openxmlformats.org/officeDocument/2006/relationships" xmlns:p="http://schemas.openxmlformats.org/presentationml/2006/main">
   <p:cSld>
     <p:bg>
@@ -27975,7 +28282,7 @@
 </p:sld>
 </file>
 
-<file path=ppt/slides/slide26.xml><?xml version="1.0" encoding="utf-8"?>
+<file path=ppt/slides/slide27.xml><?xml version="1.0" encoding="utf-8"?>
 <p:sld xmlns:a="http://schemas.openxmlformats.org/drawingml/2006/main" xmlns:r="http://schemas.openxmlformats.org/officeDocument/2006/relationships" xmlns:p="http://schemas.openxmlformats.org/presentationml/2006/main">
   <p:cSld>
     <p:bg>
@@ -28485,7 +28792,7 @@
 </p:sld>
 </file>
 
-<file path=ppt/slides/slide27.xml><?xml version="1.0" encoding="utf-8"?>
+<file path=ppt/slides/slide28.xml><?xml version="1.0" encoding="utf-8"?>
 <p:sld xmlns:a="http://schemas.openxmlformats.org/drawingml/2006/main" xmlns:r="http://schemas.openxmlformats.org/officeDocument/2006/relationships" xmlns:p="http://schemas.openxmlformats.org/presentationml/2006/main">
   <p:cSld>
     <p:bg>

--- a/Kicad 2025.pptx
+++ b/Kicad 2025.pptx
@@ -5,7 +5,7 @@
     <p:sldMasterId id="2147483832" r:id="rId1"/>
   </p:sldMasterIdLst>
   <p:notesMasterIdLst>
-    <p:notesMasterId r:id="rId30"/>
+    <p:notesMasterId r:id="rId28"/>
   </p:notesMasterIdLst>
   <p:sldIdLst>
     <p:sldId id="256" r:id="rId2"/>
@@ -18,24 +18,22 @@
     <p:sldId id="266" r:id="rId9"/>
     <p:sldId id="267" r:id="rId10"/>
     <p:sldId id="270" r:id="rId11"/>
-    <p:sldId id="280" r:id="rId12"/>
-    <p:sldId id="282" r:id="rId13"/>
-    <p:sldId id="283" r:id="rId14"/>
-    <p:sldId id="297" r:id="rId15"/>
-    <p:sldId id="294" r:id="rId16"/>
-    <p:sldId id="298" r:id="rId17"/>
-    <p:sldId id="299" r:id="rId18"/>
-    <p:sldId id="306" r:id="rId19"/>
-    <p:sldId id="305" r:id="rId20"/>
-    <p:sldId id="303" r:id="rId21"/>
-    <p:sldId id="304" r:id="rId22"/>
-    <p:sldId id="302" r:id="rId23"/>
-    <p:sldId id="310" r:id="rId24"/>
-    <p:sldId id="300" r:id="rId25"/>
-    <p:sldId id="307" r:id="rId26"/>
-    <p:sldId id="301" r:id="rId27"/>
-    <p:sldId id="308" r:id="rId28"/>
-    <p:sldId id="309" r:id="rId29"/>
+    <p:sldId id="282" r:id="rId12"/>
+    <p:sldId id="297" r:id="rId13"/>
+    <p:sldId id="294" r:id="rId14"/>
+    <p:sldId id="298" r:id="rId15"/>
+    <p:sldId id="299" r:id="rId16"/>
+    <p:sldId id="306" r:id="rId17"/>
+    <p:sldId id="305" r:id="rId18"/>
+    <p:sldId id="303" r:id="rId19"/>
+    <p:sldId id="304" r:id="rId20"/>
+    <p:sldId id="302" r:id="rId21"/>
+    <p:sldId id="310" r:id="rId22"/>
+    <p:sldId id="300" r:id="rId23"/>
+    <p:sldId id="307" r:id="rId24"/>
+    <p:sldId id="301" r:id="rId25"/>
+    <p:sldId id="308" r:id="rId26"/>
+    <p:sldId id="309" r:id="rId27"/>
   </p:sldIdLst>
   <p:sldSz cx="12192000" cy="6858000"/>
   <p:notesSz cx="6858000" cy="9144000"/>
@@ -8166,7 +8164,7 @@
           <a:p>
             <a:fld id="{865CDAEB-A7ED-450A-AC92-1127D524C1AB}" type="slidenum">
               <a:rPr lang="da-DK" smtClean="0"/>
-              <a:t>12</a:t>
+              <a:t>11</a:t>
             </a:fld>
             <a:endParaRPr lang="da-DK"/>
           </a:p>
@@ -15178,218 +15176,6 @@
 <file path=ppt/slides/slide11.xml><?xml version="1.0" encoding="utf-8"?>
 <p:sld xmlns:a="http://schemas.openxmlformats.org/drawingml/2006/main" xmlns:r="http://schemas.openxmlformats.org/officeDocument/2006/relationships" xmlns:p="http://schemas.openxmlformats.org/presentationml/2006/main">
   <p:cSld>
-    <p:spTree>
-      <p:nvGrpSpPr>
-        <p:cNvPr id="1" name=""/>
-        <p:cNvGrpSpPr/>
-        <p:nvPr/>
-      </p:nvGrpSpPr>
-      <p:grpSpPr>
-        <a:xfrm>
-          <a:off x="0" y="0"/>
-          <a:ext cx="0" cy="0"/>
-          <a:chOff x="0" y="0"/>
-          <a:chExt cx="0" cy="0"/>
-        </a:xfrm>
-      </p:grpSpPr>
-      <p:sp>
-        <p:nvSpPr>
-          <p:cNvPr id="2" name="Titel 1">
-            <a:extLst>
-              <a:ext uri="{FF2B5EF4-FFF2-40B4-BE49-F238E27FC236}">
-                <a16:creationId xmlns:a16="http://schemas.microsoft.com/office/drawing/2014/main" id="{F19062B3-2654-4C1B-83AC-21EC6AFD7332}"/>
-              </a:ext>
-            </a:extLst>
-          </p:cNvPr>
-          <p:cNvSpPr>
-            <a:spLocks noGrp="1"/>
-          </p:cNvSpPr>
-          <p:nvPr>
-            <p:ph type="title"/>
-          </p:nvPr>
-        </p:nvSpPr>
-        <p:spPr/>
-        <p:txBody>
-          <a:bodyPr/>
-          <a:lstStyle/>
-          <a:p>
-            <a:r>
-              <a:rPr lang="en-GB" dirty="0"/>
-              <a:t>Agenda (PCB)</a:t>
-            </a:r>
-            <a:endParaRPr lang="LID4096" dirty="0"/>
-          </a:p>
-        </p:txBody>
-      </p:sp>
-      <p:sp>
-        <p:nvSpPr>
-          <p:cNvPr id="3" name="Pladsholder til indhold 2">
-            <a:extLst>
-              <a:ext uri="{FF2B5EF4-FFF2-40B4-BE49-F238E27FC236}">
-                <a16:creationId xmlns:a16="http://schemas.microsoft.com/office/drawing/2014/main" id="{2B729FEB-297E-42F6-8AC8-5F6311FC357D}"/>
-              </a:ext>
-            </a:extLst>
-          </p:cNvPr>
-          <p:cNvSpPr>
-            <a:spLocks noGrp="1"/>
-          </p:cNvSpPr>
-          <p:nvPr>
-            <p:ph idx="1"/>
-          </p:nvPr>
-        </p:nvSpPr>
-        <p:spPr>
-          <a:xfrm>
-            <a:off x="997202" y="1756356"/>
-            <a:ext cx="8946541" cy="4195481"/>
-          </a:xfrm>
-        </p:spPr>
-        <p:txBody>
-          <a:bodyPr>
-            <a:normAutofit/>
-          </a:bodyPr>
-          <a:lstStyle/>
-          <a:p>
-            <a:pPr>
-              <a:lnSpc>
-                <a:spcPct val="110000"/>
-              </a:lnSpc>
-            </a:pPr>
-            <a:r>
-              <a:rPr lang="en-GB" sz="2000" dirty="0"/>
-              <a:t>Layout editor</a:t>
-            </a:r>
-          </a:p>
-          <a:p>
-            <a:pPr>
-              <a:lnSpc>
-                <a:spcPct val="110000"/>
-              </a:lnSpc>
-            </a:pPr>
-            <a:r>
-              <a:rPr lang="en-GB" sz="2000" dirty="0"/>
-              <a:t>Layout editor </a:t>
-            </a:r>
-            <a:r>
-              <a:rPr lang="en-GB" sz="2000" dirty="0" err="1"/>
-              <a:t>opsætning</a:t>
-            </a:r>
-            <a:endParaRPr lang="en-GB" sz="2000" dirty="0"/>
-          </a:p>
-          <a:p>
-            <a:pPr>
-              <a:lnSpc>
-                <a:spcPct val="110000"/>
-              </a:lnSpc>
-            </a:pPr>
-            <a:r>
-              <a:rPr lang="en-GB" sz="2000" dirty="0"/>
-              <a:t>Footprint </a:t>
-            </a:r>
-            <a:r>
-              <a:rPr lang="en-GB" sz="2000" dirty="0" err="1"/>
-              <a:t>egenskaber</a:t>
-            </a:r>
-            <a:endParaRPr lang="en-GB" sz="2000" dirty="0"/>
-          </a:p>
-          <a:p>
-            <a:pPr>
-              <a:lnSpc>
-                <a:spcPct val="110000"/>
-              </a:lnSpc>
-            </a:pPr>
-            <a:r>
-              <a:rPr lang="en-GB" sz="2000" dirty="0"/>
-              <a:t>3D-visning</a:t>
-            </a:r>
-          </a:p>
-          <a:p>
-            <a:pPr>
-              <a:lnSpc>
-                <a:spcPct val="110000"/>
-              </a:lnSpc>
-            </a:pPr>
-            <a:r>
-              <a:rPr lang="en-GB" sz="2000" dirty="0"/>
-              <a:t>Gerber-</a:t>
-            </a:r>
-            <a:r>
-              <a:rPr lang="en-GB" sz="2000" dirty="0" err="1"/>
-              <a:t>visning</a:t>
-            </a:r>
-            <a:endParaRPr lang="en-GB" sz="2000" dirty="0"/>
-          </a:p>
-          <a:p>
-            <a:pPr>
-              <a:lnSpc>
-                <a:spcPct val="110000"/>
-              </a:lnSpc>
-            </a:pPr>
-            <a:r>
-              <a:rPr lang="en-GB" sz="2000" dirty="0" err="1"/>
-              <a:t>Billedkonverter</a:t>
-            </a:r>
-            <a:endParaRPr lang="en-GB" sz="2000" dirty="0"/>
-          </a:p>
-          <a:p>
-            <a:pPr>
-              <a:lnSpc>
-                <a:spcPct val="110000"/>
-              </a:lnSpc>
-            </a:pPr>
-            <a:r>
-              <a:rPr lang="en-GB" sz="2000" dirty="0" err="1"/>
-              <a:t>Lommeregner-værktøjer</a:t>
-            </a:r>
-            <a:endParaRPr lang="en-GB" sz="2000" dirty="0"/>
-          </a:p>
-          <a:p>
-            <a:pPr>
-              <a:lnSpc>
-                <a:spcPct val="110000"/>
-              </a:lnSpc>
-            </a:pPr>
-            <a:r>
-              <a:rPr lang="en-GB" sz="2000" dirty="0"/>
-              <a:t>Drawing sheet editor</a:t>
-            </a:r>
-          </a:p>
-          <a:p>
-            <a:pPr>
-              <a:lnSpc>
-                <a:spcPct val="110000"/>
-              </a:lnSpc>
-            </a:pPr>
-            <a:r>
-              <a:rPr lang="en-GB" sz="2000" dirty="0"/>
-              <a:t>Plugin- og </a:t>
-            </a:r>
-            <a:r>
-              <a:rPr lang="en-GB" sz="2000" dirty="0" err="1"/>
-              <a:t>indholdsstyring</a:t>
-            </a:r>
-            <a:endParaRPr lang="en-GB" sz="2000" dirty="0"/>
-          </a:p>
-          <a:p>
-            <a:endParaRPr lang="LID4096" dirty="0"/>
-          </a:p>
-        </p:txBody>
-      </p:sp>
-    </p:spTree>
-    <p:extLst>
-      <p:ext uri="{BB962C8B-B14F-4D97-AF65-F5344CB8AC3E}">
-        <p14:creationId xmlns:p14="http://schemas.microsoft.com/office/powerpoint/2010/main" val="1921800263"/>
-      </p:ext>
-    </p:extLst>
-  </p:cSld>
-  <p:clrMapOvr>
-    <a:masterClrMapping/>
-  </p:clrMapOvr>
-</p:sld>
-</file>
-
-<file path=ppt/slides/slide12.xml><?xml version="1.0" encoding="utf-8"?>
-<p:sld xmlns:a="http://schemas.openxmlformats.org/drawingml/2006/main" xmlns:r="http://schemas.openxmlformats.org/officeDocument/2006/relationships" xmlns:p="http://schemas.openxmlformats.org/presentationml/2006/main">
-  <p:cSld>
     <p:bg>
       <p:bgPr>
         <a:solidFill>
@@ -16524,1124 +16310,7 @@
 </p:sld>
 </file>
 
-<file path=ppt/slides/slide13.xml><?xml version="1.0" encoding="utf-8"?>
-<p:sld xmlns:a="http://schemas.openxmlformats.org/drawingml/2006/main" xmlns:r="http://schemas.openxmlformats.org/officeDocument/2006/relationships" xmlns:p="http://schemas.openxmlformats.org/presentationml/2006/main">
-  <p:cSld>
-    <p:bg>
-      <p:bgPr>
-        <a:solidFill>
-          <a:schemeClr val="bg1"/>
-        </a:solidFill>
-        <a:effectLst/>
-      </p:bgPr>
-    </p:bg>
-    <p:spTree>
-      <p:nvGrpSpPr>
-        <p:cNvPr id="1" name=""/>
-        <p:cNvGrpSpPr/>
-        <p:nvPr/>
-      </p:nvGrpSpPr>
-      <p:grpSpPr>
-        <a:xfrm>
-          <a:off x="0" y="0"/>
-          <a:ext cx="0" cy="0"/>
-          <a:chOff x="0" y="0"/>
-          <a:chExt cx="0" cy="0"/>
-        </a:xfrm>
-      </p:grpSpPr>
-      <p:sp>
-        <p:nvSpPr>
-          <p:cNvPr id="10" name="Rectangle 9">
-            <a:extLst>
-              <a:ext uri="{FF2B5EF4-FFF2-40B4-BE49-F238E27FC236}">
-                <a16:creationId xmlns:a16="http://schemas.microsoft.com/office/drawing/2014/main" id="{04A3DA6D-FED2-4369-9ACD-B578C8790D66}"/>
-              </a:ext>
-              <a:ext uri="{C183D7F6-B498-43B3-948B-1728B52AA6E4}">
-                <adec:decorative xmlns:adec="http://schemas.microsoft.com/office/drawing/2017/decorative" val="1"/>
-              </a:ext>
-            </a:extLst>
-          </p:cNvPr>
-          <p:cNvSpPr>
-            <a:spLocks noGrp="1" noRot="1" noChangeAspect="1" noMove="1" noResize="1" noEditPoints="1" noAdjustHandles="1" noChangeArrowheads="1" noChangeShapeType="1" noTextEdit="1"/>
-          </p:cNvSpPr>
-          <p:nvPr>
-            <p:extLst>
-              <p:ext uri="{386F3935-93C4-4BCD-93E2-E3B085C9AB24}">
-                <p16:designElem xmlns:p16="http://schemas.microsoft.com/office/powerpoint/2015/main" val="1"/>
-              </p:ext>
-            </p:extLst>
-          </p:nvPr>
-        </p:nvSpPr>
-        <p:spPr>
-          <a:xfrm>
-            <a:off x="0" y="0"/>
-            <a:ext cx="12192000" cy="6858000"/>
-          </a:xfrm>
-          <a:prstGeom prst="rect">
-            <a:avLst/>
-          </a:prstGeom>
-          <a:ln>
-            <a:noFill/>
-          </a:ln>
-        </p:spPr>
-        <p:style>
-          <a:lnRef idx="2">
-            <a:schemeClr val="accent1">
-              <a:shade val="50000"/>
-            </a:schemeClr>
-          </a:lnRef>
-          <a:fillRef idx="1003">
-            <a:schemeClr val="dk2"/>
-          </a:fillRef>
-          <a:effectRef idx="0">
-            <a:schemeClr val="accent1"/>
-          </a:effectRef>
-          <a:fontRef idx="minor">
-            <a:schemeClr val="lt1"/>
-          </a:fontRef>
-        </p:style>
-        <p:txBody>
-          <a:bodyPr rtlCol="0" anchor="ctr"/>
-          <a:lstStyle/>
-          <a:p>
-            <a:pPr algn="ctr"/>
-            <a:endParaRPr lang="en-US"/>
-          </a:p>
-        </p:txBody>
-      </p:sp>
-      <p:sp>
-        <p:nvSpPr>
-          <p:cNvPr id="12" name="Rectangle 11">
-            <a:extLst>
-              <a:ext uri="{FF2B5EF4-FFF2-40B4-BE49-F238E27FC236}">
-                <a16:creationId xmlns:a16="http://schemas.microsoft.com/office/drawing/2014/main" id="{163C72DE-4C01-4F6C-9020-327690ADA850}"/>
-              </a:ext>
-              <a:ext uri="{C183D7F6-B498-43B3-948B-1728B52AA6E4}">
-                <adec:decorative xmlns:adec="http://schemas.microsoft.com/office/drawing/2017/decorative" val="1"/>
-              </a:ext>
-            </a:extLst>
-          </p:cNvPr>
-          <p:cNvSpPr>
-            <a:spLocks noGrp="1" noRot="1" noChangeAspect="1" noMove="1" noResize="1" noEditPoints="1" noAdjustHandles="1" noChangeArrowheads="1" noChangeShapeType="1" noTextEdit="1"/>
-          </p:cNvSpPr>
-          <p:nvPr>
-            <p:extLst>
-              <p:ext uri="{386F3935-93C4-4BCD-93E2-E3B085C9AB24}">
-                <p16:designElem xmlns:p16="http://schemas.microsoft.com/office/powerpoint/2015/main" val="1"/>
-              </p:ext>
-            </p:extLst>
-          </p:nvPr>
-        </p:nvSpPr>
-        <p:spPr>
-          <a:xfrm>
-            <a:off x="10442448" y="0"/>
-            <a:ext cx="685800" cy="1143000"/>
-          </a:xfrm>
-          <a:prstGeom prst="rect">
-            <a:avLst/>
-          </a:prstGeom>
-          <a:solidFill>
-            <a:schemeClr val="accent1"/>
-          </a:solidFill>
-          <a:ln>
-            <a:noFill/>
-          </a:ln>
-        </p:spPr>
-        <p:style>
-          <a:lnRef idx="1">
-            <a:schemeClr val="accent1"/>
-          </a:lnRef>
-          <a:fillRef idx="3">
-            <a:schemeClr val="accent1"/>
-          </a:fillRef>
-          <a:effectRef idx="2">
-            <a:schemeClr val="accent1"/>
-          </a:effectRef>
-          <a:fontRef idx="minor">
-            <a:schemeClr val="lt1"/>
-          </a:fontRef>
-        </p:style>
-        <p:txBody>
-          <a:bodyPr/>
-          <a:lstStyle/>
-          <a:p>
-            <a:endParaRPr lang="en-DK"/>
-          </a:p>
-        </p:txBody>
-      </p:sp>
-      <p:sp>
-        <p:nvSpPr>
-          <p:cNvPr id="14" name="Freeform 7">
-            <a:extLst>
-              <a:ext uri="{FF2B5EF4-FFF2-40B4-BE49-F238E27FC236}">
-                <a16:creationId xmlns:a16="http://schemas.microsoft.com/office/drawing/2014/main" id="{5627181E-8B3E-4EFB-8F43-17296B86C0D6}"/>
-              </a:ext>
-              <a:ext uri="{C183D7F6-B498-43B3-948B-1728B52AA6E4}">
-                <adec:decorative xmlns:adec="http://schemas.microsoft.com/office/drawing/2017/decorative" val="1"/>
-              </a:ext>
-            </a:extLst>
-          </p:cNvPr>
-          <p:cNvSpPr>
-            <a:spLocks noGrp="1" noRot="1" noChangeAspect="1" noMove="1" noResize="1" noEditPoints="1" noAdjustHandles="1" noChangeArrowheads="1" noChangeShapeType="1" noTextEdit="1"/>
-          </p:cNvSpPr>
-          <p:nvPr>
-            <p:extLst>
-              <p:ext uri="{386F3935-93C4-4BCD-93E2-E3B085C9AB24}">
-                <p16:designElem xmlns:p16="http://schemas.microsoft.com/office/powerpoint/2015/main" val="1"/>
-              </p:ext>
-            </p:extLst>
-          </p:nvPr>
-        </p:nvSpPr>
-        <p:spPr>
-          <a:xfrm>
-            <a:off x="8719939" y="1460230"/>
-            <a:ext cx="3472060" cy="825932"/>
-          </a:xfrm>
-          <a:custGeom>
-            <a:avLst/>
-            <a:gdLst>
-              <a:gd name="connsiteX0" fmla="*/ 3470310 w 3472060"/>
-              <a:gd name="connsiteY0" fmla="*/ 0 h 825932"/>
-              <a:gd name="connsiteX1" fmla="*/ 3472060 w 3472060"/>
-              <a:gd name="connsiteY1" fmla="*/ 12850 h 825932"/>
-              <a:gd name="connsiteX2" fmla="*/ 3472060 w 3472060"/>
-              <a:gd name="connsiteY2" fmla="*/ 480529 h 825932"/>
-              <a:gd name="connsiteX3" fmla="*/ 3363699 w 3472060"/>
-              <a:gd name="connsiteY3" fmla="*/ 498471 h 825932"/>
-              <a:gd name="connsiteX4" fmla="*/ 42060 w 3472060"/>
-              <a:gd name="connsiteY4" fmla="*/ 824486 h 825932"/>
-              <a:gd name="connsiteX5" fmla="*/ 0 w 3472060"/>
-              <a:gd name="connsiteY5" fmla="*/ 758452 h 825932"/>
-              <a:gd name="connsiteX6" fmla="*/ 188014 w 3472060"/>
-              <a:gd name="connsiteY6" fmla="*/ 735602 h 825932"/>
-              <a:gd name="connsiteX7" fmla="*/ 284087 w 3472060"/>
-              <a:gd name="connsiteY7" fmla="*/ 722590 h 825932"/>
-              <a:gd name="connsiteX8" fmla="*/ 382288 w 3472060"/>
-              <a:gd name="connsiteY8" fmla="*/ 709392 h 825932"/>
-              <a:gd name="connsiteX9" fmla="*/ 481858 w 3472060"/>
-              <a:gd name="connsiteY9" fmla="*/ 695774 h 825932"/>
-              <a:gd name="connsiteX10" fmla="*/ 581897 w 3472060"/>
-              <a:gd name="connsiteY10" fmla="*/ 680711 h 825932"/>
-              <a:gd name="connsiteX11" fmla="*/ 683670 w 3472060"/>
-              <a:gd name="connsiteY11" fmla="*/ 665256 h 825932"/>
-              <a:gd name="connsiteX12" fmla="*/ 787206 w 3472060"/>
-              <a:gd name="connsiteY12" fmla="*/ 649587 h 825932"/>
-              <a:gd name="connsiteX13" fmla="*/ 892019 w 3472060"/>
-              <a:gd name="connsiteY13" fmla="*/ 632968 h 825932"/>
-              <a:gd name="connsiteX14" fmla="*/ 997620 w 3472060"/>
-              <a:gd name="connsiteY14" fmla="*/ 614667 h 825932"/>
-              <a:gd name="connsiteX15" fmla="*/ 1104727 w 3472060"/>
-              <a:gd name="connsiteY15" fmla="*/ 596741 h 825932"/>
-              <a:gd name="connsiteX16" fmla="*/ 1212669 w 3472060"/>
-              <a:gd name="connsiteY16" fmla="*/ 577397 h 825932"/>
-              <a:gd name="connsiteX17" fmla="*/ 1321506 w 3472060"/>
-              <a:gd name="connsiteY17" fmla="*/ 556988 h 825932"/>
-              <a:gd name="connsiteX18" fmla="*/ 1430709 w 3472060"/>
-              <a:gd name="connsiteY18" fmla="*/ 536607 h 825932"/>
-              <a:gd name="connsiteX19" fmla="*/ 1541050 w 3472060"/>
-              <a:gd name="connsiteY19" fmla="*/ 514481 h 825932"/>
-              <a:gd name="connsiteX20" fmla="*/ 1652805 w 3472060"/>
-              <a:gd name="connsiteY20" fmla="*/ 492202 h 825932"/>
-              <a:gd name="connsiteX21" fmla="*/ 1763708 w 3472060"/>
-              <a:gd name="connsiteY21" fmla="*/ 469161 h 825932"/>
-              <a:gd name="connsiteX22" fmla="*/ 1875795 w 3472060"/>
-              <a:gd name="connsiteY22" fmla="*/ 444641 h 825932"/>
-              <a:gd name="connsiteX23" fmla="*/ 1989128 w 3472060"/>
-              <a:gd name="connsiteY23" fmla="*/ 418995 h 825932"/>
-              <a:gd name="connsiteX24" fmla="*/ 2102476 w 3472060"/>
-              <a:gd name="connsiteY24" fmla="*/ 393438 h 825932"/>
-              <a:gd name="connsiteX25" fmla="*/ 2215549 w 3472060"/>
-              <a:gd name="connsiteY25" fmla="*/ 366291 h 825932"/>
-              <a:gd name="connsiteX26" fmla="*/ 2330490 w 3472060"/>
-              <a:gd name="connsiteY26" fmla="*/ 337455 h 825932"/>
-              <a:gd name="connsiteX27" fmla="*/ 2443333 w 3472060"/>
-              <a:gd name="connsiteY27" fmla="*/ 308983 h 825932"/>
-              <a:gd name="connsiteX28" fmla="*/ 2558014 w 3472060"/>
-              <a:gd name="connsiteY28" fmla="*/ 278646 h 825932"/>
-              <a:gd name="connsiteX29" fmla="*/ 2673621 w 3472060"/>
-              <a:gd name="connsiteY29" fmla="*/ 247421 h 825932"/>
-              <a:gd name="connsiteX30" fmla="*/ 2787008 w 3472060"/>
-              <a:gd name="connsiteY30" fmla="*/ 215853 h 825932"/>
-              <a:gd name="connsiteX31" fmla="*/ 2901442 w 3472060"/>
-              <a:gd name="connsiteY31" fmla="*/ 182011 h 825932"/>
-              <a:gd name="connsiteX32" fmla="*/ 3015722 w 3472060"/>
-              <a:gd name="connsiteY32" fmla="*/ 147286 h 825932"/>
-              <a:gd name="connsiteX33" fmla="*/ 3130018 w 3472060"/>
-              <a:gd name="connsiteY33" fmla="*/ 112649 h 825932"/>
-              <a:gd name="connsiteX34" fmla="*/ 3243551 w 3472060"/>
-              <a:gd name="connsiteY34" fmla="*/ 75688 h 825932"/>
-              <a:gd name="connsiteX35" fmla="*/ 3356992 w 3472060"/>
-              <a:gd name="connsiteY35" fmla="*/ 38197 h 825932"/>
-              <a:gd name="connsiteX36" fmla="*/ 3470310 w 3472060"/>
-              <a:gd name="connsiteY36" fmla="*/ 0 h 825932"/>
-            </a:gdLst>
-            <a:ahLst/>
-            <a:cxnLst>
-              <a:cxn ang="0">
-                <a:pos x="connsiteX0" y="connsiteY0"/>
-              </a:cxn>
-              <a:cxn ang="0">
-                <a:pos x="connsiteX1" y="connsiteY1"/>
-              </a:cxn>
-              <a:cxn ang="0">
-                <a:pos x="connsiteX2" y="connsiteY2"/>
-              </a:cxn>
-              <a:cxn ang="0">
-                <a:pos x="connsiteX3" y="connsiteY3"/>
-              </a:cxn>
-              <a:cxn ang="0">
-                <a:pos x="connsiteX4" y="connsiteY4"/>
-              </a:cxn>
-              <a:cxn ang="0">
-                <a:pos x="connsiteX5" y="connsiteY5"/>
-              </a:cxn>
-              <a:cxn ang="0">
-                <a:pos x="connsiteX6" y="connsiteY6"/>
-              </a:cxn>
-              <a:cxn ang="0">
-                <a:pos x="connsiteX7" y="connsiteY7"/>
-              </a:cxn>
-              <a:cxn ang="0">
-                <a:pos x="connsiteX8" y="connsiteY8"/>
-              </a:cxn>
-              <a:cxn ang="0">
-                <a:pos x="connsiteX9" y="connsiteY9"/>
-              </a:cxn>
-              <a:cxn ang="0">
-                <a:pos x="connsiteX10" y="connsiteY10"/>
-              </a:cxn>
-              <a:cxn ang="0">
-                <a:pos x="connsiteX11" y="connsiteY11"/>
-              </a:cxn>
-              <a:cxn ang="0">
-                <a:pos x="connsiteX12" y="connsiteY12"/>
-              </a:cxn>
-              <a:cxn ang="0">
-                <a:pos x="connsiteX13" y="connsiteY13"/>
-              </a:cxn>
-              <a:cxn ang="0">
-                <a:pos x="connsiteX14" y="connsiteY14"/>
-              </a:cxn>
-              <a:cxn ang="0">
-                <a:pos x="connsiteX15" y="connsiteY15"/>
-              </a:cxn>
-              <a:cxn ang="0">
-                <a:pos x="connsiteX16" y="connsiteY16"/>
-              </a:cxn>
-              <a:cxn ang="0">
-                <a:pos x="connsiteX17" y="connsiteY17"/>
-              </a:cxn>
-              <a:cxn ang="0">
-                <a:pos x="connsiteX18" y="connsiteY18"/>
-              </a:cxn>
-              <a:cxn ang="0">
-                <a:pos x="connsiteX19" y="connsiteY19"/>
-              </a:cxn>
-              <a:cxn ang="0">
-                <a:pos x="connsiteX20" y="connsiteY20"/>
-              </a:cxn>
-              <a:cxn ang="0">
-                <a:pos x="connsiteX21" y="connsiteY21"/>
-              </a:cxn>
-              <a:cxn ang="0">
-                <a:pos x="connsiteX22" y="connsiteY22"/>
-              </a:cxn>
-              <a:cxn ang="0">
-                <a:pos x="connsiteX23" y="connsiteY23"/>
-              </a:cxn>
-              <a:cxn ang="0">
-                <a:pos x="connsiteX24" y="connsiteY24"/>
-              </a:cxn>
-              <a:cxn ang="0">
-                <a:pos x="connsiteX25" y="connsiteY25"/>
-              </a:cxn>
-              <a:cxn ang="0">
-                <a:pos x="connsiteX26" y="connsiteY26"/>
-              </a:cxn>
-              <a:cxn ang="0">
-                <a:pos x="connsiteX27" y="connsiteY27"/>
-              </a:cxn>
-              <a:cxn ang="0">
-                <a:pos x="connsiteX28" y="connsiteY28"/>
-              </a:cxn>
-              <a:cxn ang="0">
-                <a:pos x="connsiteX29" y="connsiteY29"/>
-              </a:cxn>
-              <a:cxn ang="0">
-                <a:pos x="connsiteX30" y="connsiteY30"/>
-              </a:cxn>
-              <a:cxn ang="0">
-                <a:pos x="connsiteX31" y="connsiteY31"/>
-              </a:cxn>
-              <a:cxn ang="0">
-                <a:pos x="connsiteX32" y="connsiteY32"/>
-              </a:cxn>
-              <a:cxn ang="0">
-                <a:pos x="connsiteX33" y="connsiteY33"/>
-              </a:cxn>
-              <a:cxn ang="0">
-                <a:pos x="connsiteX34" y="connsiteY34"/>
-              </a:cxn>
-              <a:cxn ang="0">
-                <a:pos x="connsiteX35" y="connsiteY35"/>
-              </a:cxn>
-              <a:cxn ang="0">
-                <a:pos x="connsiteX36" y="connsiteY36"/>
-              </a:cxn>
-            </a:cxnLst>
-            <a:rect l="l" t="t" r="r" b="b"/>
-            <a:pathLst>
-              <a:path w="3472060" h="825932">
-                <a:moveTo>
-                  <a:pt x="3470310" y="0"/>
-                </a:moveTo>
-                <a:lnTo>
-                  <a:pt x="3472060" y="12850"/>
-                </a:lnTo>
-                <a:lnTo>
-                  <a:pt x="3472060" y="480529"/>
-                </a:lnTo>
-                <a:lnTo>
-                  <a:pt x="3363699" y="498471"/>
-                </a:lnTo>
-                <a:cubicBezTo>
-                  <a:pt x="2435623" y="645518"/>
-                  <a:pt x="603076" y="844866"/>
-                  <a:pt x="42060" y="824486"/>
-                </a:cubicBezTo>
-                <a:cubicBezTo>
-                  <a:pt x="28151" y="802425"/>
-                  <a:pt x="13909" y="780513"/>
-                  <a:pt x="0" y="758452"/>
-                </a:cubicBezTo>
-                <a:lnTo>
-                  <a:pt x="188014" y="735602"/>
-                </a:lnTo>
-                <a:lnTo>
-                  <a:pt x="284087" y="722590"/>
-                </a:lnTo>
-                <a:lnTo>
-                  <a:pt x="382288" y="709392"/>
-                </a:lnTo>
-                <a:lnTo>
-                  <a:pt x="481858" y="695774"/>
-                </a:lnTo>
-                <a:lnTo>
-                  <a:pt x="581897" y="680711"/>
-                </a:lnTo>
-                <a:lnTo>
-                  <a:pt x="683670" y="665256"/>
-                </a:lnTo>
-                <a:lnTo>
-                  <a:pt x="787206" y="649587"/>
-                </a:lnTo>
-                <a:lnTo>
-                  <a:pt x="892019" y="632968"/>
-                </a:lnTo>
-                <a:lnTo>
-                  <a:pt x="997620" y="614667"/>
-                </a:lnTo>
-                <a:lnTo>
-                  <a:pt x="1104727" y="596741"/>
-                </a:lnTo>
-                <a:lnTo>
-                  <a:pt x="1212669" y="577397"/>
-                </a:lnTo>
-                <a:lnTo>
-                  <a:pt x="1321506" y="556988"/>
-                </a:lnTo>
-                <a:lnTo>
-                  <a:pt x="1430709" y="536607"/>
-                </a:lnTo>
-                <a:lnTo>
-                  <a:pt x="1541050" y="514481"/>
-                </a:lnTo>
-                <a:lnTo>
-                  <a:pt x="1652805" y="492202"/>
-                </a:lnTo>
-                <a:lnTo>
-                  <a:pt x="1763708" y="469161"/>
-                </a:lnTo>
-                <a:lnTo>
-                  <a:pt x="1875795" y="444641"/>
-                </a:lnTo>
-                <a:lnTo>
-                  <a:pt x="1989128" y="418995"/>
-                </a:lnTo>
-                <a:lnTo>
-                  <a:pt x="2102476" y="393438"/>
-                </a:lnTo>
-                <a:lnTo>
-                  <a:pt x="2215549" y="366291"/>
-                </a:lnTo>
-                <a:lnTo>
-                  <a:pt x="2330490" y="337455"/>
-                </a:lnTo>
-                <a:lnTo>
-                  <a:pt x="2443333" y="308983"/>
-                </a:lnTo>
-                <a:lnTo>
-                  <a:pt x="2558014" y="278646"/>
-                </a:lnTo>
-                <a:lnTo>
-                  <a:pt x="2673621" y="247421"/>
-                </a:lnTo>
-                <a:lnTo>
-                  <a:pt x="2787008" y="215853"/>
-                </a:lnTo>
-                <a:lnTo>
-                  <a:pt x="2901442" y="182011"/>
-                </a:lnTo>
-                <a:lnTo>
-                  <a:pt x="3015722" y="147286"/>
-                </a:lnTo>
-                <a:lnTo>
-                  <a:pt x="3130018" y="112649"/>
-                </a:lnTo>
-                <a:lnTo>
-                  <a:pt x="3243551" y="75688"/>
-                </a:lnTo>
-                <a:lnTo>
-                  <a:pt x="3356992" y="38197"/>
-                </a:lnTo>
-                <a:lnTo>
-                  <a:pt x="3470310" y="0"/>
-                </a:lnTo>
-                <a:close/>
-              </a:path>
-            </a:pathLst>
-          </a:custGeom>
-          <a:solidFill>
-            <a:schemeClr val="bg1">
-              <a:alpha val="20000"/>
-            </a:schemeClr>
-          </a:solidFill>
-          <a:ln>
-            <a:noFill/>
-          </a:ln>
-        </p:spPr>
-        <p:txBody>
-          <a:bodyPr rtlCol="0" anchor="ctr"/>
-          <a:lstStyle/>
-          <a:p>
-            <a:pPr algn="ctr"/>
-            <a:endParaRPr lang="en-US">
-              <a:solidFill>
-                <a:schemeClr val="tx1"/>
-              </a:solidFill>
-            </a:endParaRPr>
-          </a:p>
-        </p:txBody>
-      </p:sp>
-      <p:sp>
-        <p:nvSpPr>
-          <p:cNvPr id="2" name="Titel 1">
-            <a:extLst>
-              <a:ext uri="{FF2B5EF4-FFF2-40B4-BE49-F238E27FC236}">
-                <a16:creationId xmlns:a16="http://schemas.microsoft.com/office/drawing/2014/main" id="{72C7E04C-8006-4CD3-A66A-2357699CE722}"/>
-              </a:ext>
-            </a:extLst>
-          </p:cNvPr>
-          <p:cNvSpPr>
-            <a:spLocks noGrp="1"/>
-          </p:cNvSpPr>
-          <p:nvPr>
-            <p:ph type="title"/>
-          </p:nvPr>
-        </p:nvSpPr>
-        <p:spPr>
-          <a:xfrm>
-            <a:off x="648930" y="629267"/>
-            <a:ext cx="9252154" cy="1016654"/>
-          </a:xfrm>
-        </p:spPr>
-        <p:txBody>
-          <a:bodyPr>
-            <a:normAutofit/>
-          </a:bodyPr>
-          <a:lstStyle/>
-          <a:p>
-            <a:pPr>
-              <a:lnSpc>
-                <a:spcPct val="90000"/>
-              </a:lnSpc>
-            </a:pPr>
-            <a:r>
-              <a:rPr lang="en-GB" sz="3300">
-                <a:solidFill>
-                  <a:srgbClr val="EBEBEB"/>
-                </a:solidFill>
-              </a:rPr>
-              <a:t>Footprint egenskaber</a:t>
-            </a:r>
-            <a:br>
-              <a:rPr lang="en-GB" sz="3300">
-                <a:solidFill>
-                  <a:srgbClr val="EBEBEB"/>
-                </a:solidFill>
-              </a:rPr>
-            </a:br>
-            <a:endParaRPr lang="LID4096" sz="3300">
-              <a:solidFill>
-                <a:srgbClr val="EBEBEB"/>
-              </a:solidFill>
-            </a:endParaRPr>
-          </a:p>
-        </p:txBody>
-      </p:sp>
-      <p:sp useBgFill="1">
-        <p:nvSpPr>
-          <p:cNvPr id="16" name="Freeform: Shape 15">
-            <a:extLst>
-              <a:ext uri="{FF2B5EF4-FFF2-40B4-BE49-F238E27FC236}">
-                <a16:creationId xmlns:a16="http://schemas.microsoft.com/office/drawing/2014/main" id="{2E45DBDE-EAD7-4DEE-B77D-577BBB0A1318}"/>
-              </a:ext>
-              <a:ext uri="{C183D7F6-B498-43B3-948B-1728B52AA6E4}">
-                <adec:decorative xmlns:adec="http://schemas.microsoft.com/office/drawing/2017/decorative" val="1"/>
-              </a:ext>
-            </a:extLst>
-          </p:cNvPr>
-          <p:cNvSpPr>
-            <a:spLocks noGrp="1" noRot="1" noChangeAspect="1" noMove="1" noResize="1" noEditPoints="1" noAdjustHandles="1" noChangeArrowheads="1" noChangeShapeType="1" noTextEdit="1"/>
-          </p:cNvSpPr>
-          <p:nvPr>
-            <p:extLst>
-              <p:ext uri="{386F3935-93C4-4BCD-93E2-E3B085C9AB24}">
-                <p16:designElem xmlns:p16="http://schemas.microsoft.com/office/powerpoint/2015/main" val="1"/>
-              </p:ext>
-            </p:extLst>
-          </p:nvPr>
-        </p:nvSpPr>
-        <p:spPr bwMode="gray">
-          <a:xfrm>
-            <a:off x="1" y="1762067"/>
-            <a:ext cx="12192417" cy="5095933"/>
-          </a:xfrm>
-          <a:custGeom>
-            <a:avLst/>
-            <a:gdLst>
-              <a:gd name="connsiteX0" fmla="*/ 0 w 12192417"/>
-              <a:gd name="connsiteY0" fmla="*/ 0 h 5095933"/>
-              <a:gd name="connsiteX1" fmla="*/ 71931 w 12192417"/>
-              <a:gd name="connsiteY1" fmla="*/ 12261 h 5095933"/>
-              <a:gd name="connsiteX2" fmla="*/ 282848 w 12192417"/>
-              <a:gd name="connsiteY2" fmla="*/ 48343 h 5095933"/>
-              <a:gd name="connsiteX3" fmla="*/ 436463 w 12192417"/>
-              <a:gd name="connsiteY3" fmla="*/ 73565 h 5095933"/>
-              <a:gd name="connsiteX4" fmla="*/ 619338 w 12192417"/>
-              <a:gd name="connsiteY4" fmla="*/ 100188 h 5095933"/>
-              <a:gd name="connsiteX5" fmla="*/ 836350 w 12192417"/>
-              <a:gd name="connsiteY5" fmla="*/ 132066 h 5095933"/>
-              <a:gd name="connsiteX6" fmla="*/ 1076527 w 12192417"/>
-              <a:gd name="connsiteY6" fmla="*/ 165696 h 5095933"/>
-              <a:gd name="connsiteX7" fmla="*/ 1347183 w 12192417"/>
-              <a:gd name="connsiteY7" fmla="*/ 201077 h 5095933"/>
-              <a:gd name="connsiteX8" fmla="*/ 1642222 w 12192417"/>
-              <a:gd name="connsiteY8" fmla="*/ 238560 h 5095933"/>
-              <a:gd name="connsiteX9" fmla="*/ 1962863 w 12192417"/>
-              <a:gd name="connsiteY9" fmla="*/ 276043 h 5095933"/>
-              <a:gd name="connsiteX10" fmla="*/ 2304231 w 12192417"/>
-              <a:gd name="connsiteY10" fmla="*/ 314227 h 5095933"/>
-              <a:gd name="connsiteX11" fmla="*/ 2672420 w 12192417"/>
-              <a:gd name="connsiteY11" fmla="*/ 349608 h 5095933"/>
-              <a:gd name="connsiteX12" fmla="*/ 3057677 w 12192417"/>
-              <a:gd name="connsiteY12" fmla="*/ 383588 h 5095933"/>
-              <a:gd name="connsiteX13" fmla="*/ 3464880 w 12192417"/>
-              <a:gd name="connsiteY13" fmla="*/ 414415 h 5095933"/>
-              <a:gd name="connsiteX14" fmla="*/ 3889151 w 12192417"/>
-              <a:gd name="connsiteY14" fmla="*/ 443841 h 5095933"/>
-              <a:gd name="connsiteX15" fmla="*/ 4331709 w 12192417"/>
-              <a:gd name="connsiteY15" fmla="*/ 471515 h 5095933"/>
-              <a:gd name="connsiteX16" fmla="*/ 4558475 w 12192417"/>
-              <a:gd name="connsiteY16" fmla="*/ 481324 h 5095933"/>
-              <a:gd name="connsiteX17" fmla="*/ 4790117 w 12192417"/>
-              <a:gd name="connsiteY17" fmla="*/ 492183 h 5095933"/>
-              <a:gd name="connsiteX18" fmla="*/ 5025417 w 12192417"/>
-              <a:gd name="connsiteY18" fmla="*/ 502342 h 5095933"/>
-              <a:gd name="connsiteX19" fmla="*/ 5261936 w 12192417"/>
-              <a:gd name="connsiteY19" fmla="*/ 508998 h 5095933"/>
-              <a:gd name="connsiteX20" fmla="*/ 5503331 w 12192417"/>
-              <a:gd name="connsiteY20" fmla="*/ 514953 h 5095933"/>
-              <a:gd name="connsiteX21" fmla="*/ 5747166 w 12192417"/>
-              <a:gd name="connsiteY21" fmla="*/ 521259 h 5095933"/>
-              <a:gd name="connsiteX22" fmla="*/ 5995876 w 12192417"/>
-              <a:gd name="connsiteY22" fmla="*/ 525463 h 5095933"/>
-              <a:gd name="connsiteX23" fmla="*/ 6247025 w 12192417"/>
-              <a:gd name="connsiteY23" fmla="*/ 525463 h 5095933"/>
-              <a:gd name="connsiteX24" fmla="*/ 6500612 w 12192417"/>
-              <a:gd name="connsiteY24" fmla="*/ 527565 h 5095933"/>
-              <a:gd name="connsiteX25" fmla="*/ 6756638 w 12192417"/>
-              <a:gd name="connsiteY25" fmla="*/ 525463 h 5095933"/>
-              <a:gd name="connsiteX26" fmla="*/ 7016321 w 12192417"/>
-              <a:gd name="connsiteY26" fmla="*/ 521259 h 5095933"/>
-              <a:gd name="connsiteX27" fmla="*/ 7276004 w 12192417"/>
-              <a:gd name="connsiteY27" fmla="*/ 517406 h 5095933"/>
-              <a:gd name="connsiteX28" fmla="*/ 7539344 w 12192417"/>
-              <a:gd name="connsiteY28" fmla="*/ 508998 h 5095933"/>
-              <a:gd name="connsiteX29" fmla="*/ 7805123 w 12192417"/>
-              <a:gd name="connsiteY29" fmla="*/ 500241 h 5095933"/>
-              <a:gd name="connsiteX30" fmla="*/ 8070902 w 12192417"/>
-              <a:gd name="connsiteY30" fmla="*/ 490082 h 5095933"/>
-              <a:gd name="connsiteX31" fmla="*/ 8339120 w 12192417"/>
-              <a:gd name="connsiteY31" fmla="*/ 475719 h 5095933"/>
-              <a:gd name="connsiteX32" fmla="*/ 8609775 w 12192417"/>
-              <a:gd name="connsiteY32" fmla="*/ 458554 h 5095933"/>
-              <a:gd name="connsiteX33" fmla="*/ 8881650 w 12192417"/>
-              <a:gd name="connsiteY33" fmla="*/ 442089 h 5095933"/>
-              <a:gd name="connsiteX34" fmla="*/ 9153525 w 12192417"/>
-              <a:gd name="connsiteY34" fmla="*/ 421071 h 5095933"/>
-              <a:gd name="connsiteX35" fmla="*/ 9429057 w 12192417"/>
-              <a:gd name="connsiteY35" fmla="*/ 395849 h 5095933"/>
-              <a:gd name="connsiteX36" fmla="*/ 9700932 w 12192417"/>
-              <a:gd name="connsiteY36" fmla="*/ 370626 h 5095933"/>
-              <a:gd name="connsiteX37" fmla="*/ 9977683 w 12192417"/>
-              <a:gd name="connsiteY37" fmla="*/ 341551 h 5095933"/>
-              <a:gd name="connsiteX38" fmla="*/ 10255654 w 12192417"/>
-              <a:gd name="connsiteY38" fmla="*/ 309673 h 5095933"/>
-              <a:gd name="connsiteX39" fmla="*/ 10529967 w 12192417"/>
-              <a:gd name="connsiteY39" fmla="*/ 276043 h 5095933"/>
-              <a:gd name="connsiteX40" fmla="*/ 10807938 w 12192417"/>
-              <a:gd name="connsiteY40" fmla="*/ 236809 h 5095933"/>
-              <a:gd name="connsiteX41" fmla="*/ 11084689 w 12192417"/>
-              <a:gd name="connsiteY41" fmla="*/ 194772 h 5095933"/>
-              <a:gd name="connsiteX42" fmla="*/ 11362660 w 12192417"/>
-              <a:gd name="connsiteY42" fmla="*/ 153085 h 5095933"/>
-              <a:gd name="connsiteX43" fmla="*/ 11639411 w 12192417"/>
-              <a:gd name="connsiteY43" fmla="*/ 104392 h 5095933"/>
-              <a:gd name="connsiteX44" fmla="*/ 11914944 w 12192417"/>
-              <a:gd name="connsiteY44" fmla="*/ 54648 h 5095933"/>
-              <a:gd name="connsiteX45" fmla="*/ 12191695 w 12192417"/>
-              <a:gd name="connsiteY45" fmla="*/ 2452 h 5095933"/>
-              <a:gd name="connsiteX46" fmla="*/ 12191695 w 12192417"/>
-              <a:gd name="connsiteY46" fmla="*/ 2162231 h 5095933"/>
-              <a:gd name="connsiteX47" fmla="*/ 12192417 w 12192417"/>
-              <a:gd name="connsiteY47" fmla="*/ 2162231 h 5095933"/>
-              <a:gd name="connsiteX48" fmla="*/ 12192417 w 12192417"/>
-              <a:gd name="connsiteY48" fmla="*/ 5095933 h 5095933"/>
-              <a:gd name="connsiteX49" fmla="*/ 0 w 12192417"/>
-              <a:gd name="connsiteY49" fmla="*/ 5095933 h 5095933"/>
-              <a:gd name="connsiteX50" fmla="*/ 0 w 12192417"/>
-              <a:gd name="connsiteY50" fmla="*/ 2791958 h 5095933"/>
-              <a:gd name="connsiteX51" fmla="*/ 0 w 12192417"/>
-              <a:gd name="connsiteY51" fmla="*/ 2162231 h 5095933"/>
-            </a:gdLst>
-            <a:ahLst/>
-            <a:cxnLst>
-              <a:cxn ang="0">
-                <a:pos x="connsiteX0" y="connsiteY0"/>
-              </a:cxn>
-              <a:cxn ang="0">
-                <a:pos x="connsiteX1" y="connsiteY1"/>
-              </a:cxn>
-              <a:cxn ang="0">
-                <a:pos x="connsiteX2" y="connsiteY2"/>
-              </a:cxn>
-              <a:cxn ang="0">
-                <a:pos x="connsiteX3" y="connsiteY3"/>
-              </a:cxn>
-              <a:cxn ang="0">
-                <a:pos x="connsiteX4" y="connsiteY4"/>
-              </a:cxn>
-              <a:cxn ang="0">
-                <a:pos x="connsiteX5" y="connsiteY5"/>
-              </a:cxn>
-              <a:cxn ang="0">
-                <a:pos x="connsiteX6" y="connsiteY6"/>
-              </a:cxn>
-              <a:cxn ang="0">
-                <a:pos x="connsiteX7" y="connsiteY7"/>
-              </a:cxn>
-              <a:cxn ang="0">
-                <a:pos x="connsiteX8" y="connsiteY8"/>
-              </a:cxn>
-              <a:cxn ang="0">
-                <a:pos x="connsiteX9" y="connsiteY9"/>
-              </a:cxn>
-              <a:cxn ang="0">
-                <a:pos x="connsiteX10" y="connsiteY10"/>
-              </a:cxn>
-              <a:cxn ang="0">
-                <a:pos x="connsiteX11" y="connsiteY11"/>
-              </a:cxn>
-              <a:cxn ang="0">
-                <a:pos x="connsiteX12" y="connsiteY12"/>
-              </a:cxn>
-              <a:cxn ang="0">
-                <a:pos x="connsiteX13" y="connsiteY13"/>
-              </a:cxn>
-              <a:cxn ang="0">
-                <a:pos x="connsiteX14" y="connsiteY14"/>
-              </a:cxn>
-              <a:cxn ang="0">
-                <a:pos x="connsiteX15" y="connsiteY15"/>
-              </a:cxn>
-              <a:cxn ang="0">
-                <a:pos x="connsiteX16" y="connsiteY16"/>
-              </a:cxn>
-              <a:cxn ang="0">
-                <a:pos x="connsiteX17" y="connsiteY17"/>
-              </a:cxn>
-              <a:cxn ang="0">
-                <a:pos x="connsiteX18" y="connsiteY18"/>
-              </a:cxn>
-              <a:cxn ang="0">
-                <a:pos x="connsiteX19" y="connsiteY19"/>
-              </a:cxn>
-              <a:cxn ang="0">
-                <a:pos x="connsiteX20" y="connsiteY20"/>
-              </a:cxn>
-              <a:cxn ang="0">
-                <a:pos x="connsiteX21" y="connsiteY21"/>
-              </a:cxn>
-              <a:cxn ang="0">
-                <a:pos x="connsiteX22" y="connsiteY22"/>
-              </a:cxn>
-              <a:cxn ang="0">
-                <a:pos x="connsiteX23" y="connsiteY23"/>
-              </a:cxn>
-              <a:cxn ang="0">
-                <a:pos x="connsiteX24" y="connsiteY24"/>
-              </a:cxn>
-              <a:cxn ang="0">
-                <a:pos x="connsiteX25" y="connsiteY25"/>
-              </a:cxn>
-              <a:cxn ang="0">
-                <a:pos x="connsiteX26" y="connsiteY26"/>
-              </a:cxn>
-              <a:cxn ang="0">
-                <a:pos x="connsiteX27" y="connsiteY27"/>
-              </a:cxn>
-              <a:cxn ang="0">
-                <a:pos x="connsiteX28" y="connsiteY28"/>
-              </a:cxn>
-              <a:cxn ang="0">
-                <a:pos x="connsiteX29" y="connsiteY29"/>
-              </a:cxn>
-              <a:cxn ang="0">
-                <a:pos x="connsiteX30" y="connsiteY30"/>
-              </a:cxn>
-              <a:cxn ang="0">
-                <a:pos x="connsiteX31" y="connsiteY31"/>
-              </a:cxn>
-              <a:cxn ang="0">
-                <a:pos x="connsiteX32" y="connsiteY32"/>
-              </a:cxn>
-              <a:cxn ang="0">
-                <a:pos x="connsiteX33" y="connsiteY33"/>
-              </a:cxn>
-              <a:cxn ang="0">
-                <a:pos x="connsiteX34" y="connsiteY34"/>
-              </a:cxn>
-              <a:cxn ang="0">
-                <a:pos x="connsiteX35" y="connsiteY35"/>
-              </a:cxn>
-              <a:cxn ang="0">
-                <a:pos x="connsiteX36" y="connsiteY36"/>
-              </a:cxn>
-              <a:cxn ang="0">
-                <a:pos x="connsiteX37" y="connsiteY37"/>
-              </a:cxn>
-              <a:cxn ang="0">
-                <a:pos x="connsiteX38" y="connsiteY38"/>
-              </a:cxn>
-              <a:cxn ang="0">
-                <a:pos x="connsiteX39" y="connsiteY39"/>
-              </a:cxn>
-              <a:cxn ang="0">
-                <a:pos x="connsiteX40" y="connsiteY40"/>
-              </a:cxn>
-              <a:cxn ang="0">
-                <a:pos x="connsiteX41" y="connsiteY41"/>
-              </a:cxn>
-              <a:cxn ang="0">
-                <a:pos x="connsiteX42" y="connsiteY42"/>
-              </a:cxn>
-              <a:cxn ang="0">
-                <a:pos x="connsiteX43" y="connsiteY43"/>
-              </a:cxn>
-              <a:cxn ang="0">
-                <a:pos x="connsiteX44" y="connsiteY44"/>
-              </a:cxn>
-              <a:cxn ang="0">
-                <a:pos x="connsiteX45" y="connsiteY45"/>
-              </a:cxn>
-              <a:cxn ang="0">
-                <a:pos x="connsiteX46" y="connsiteY46"/>
-              </a:cxn>
-              <a:cxn ang="0">
-                <a:pos x="connsiteX47" y="connsiteY47"/>
-              </a:cxn>
-              <a:cxn ang="0">
-                <a:pos x="connsiteX48" y="connsiteY48"/>
-              </a:cxn>
-              <a:cxn ang="0">
-                <a:pos x="connsiteX49" y="connsiteY49"/>
-              </a:cxn>
-              <a:cxn ang="0">
-                <a:pos x="connsiteX50" y="connsiteY50"/>
-              </a:cxn>
-              <a:cxn ang="0">
-                <a:pos x="connsiteX51" y="connsiteY51"/>
-              </a:cxn>
-            </a:cxnLst>
-            <a:rect l="l" t="t" r="r" b="b"/>
-            <a:pathLst>
-              <a:path w="12192417" h="5095933">
-                <a:moveTo>
-                  <a:pt x="0" y="0"/>
-                </a:moveTo>
-                <a:lnTo>
-                  <a:pt x="71931" y="12261"/>
-                </a:lnTo>
-                <a:lnTo>
-                  <a:pt x="282848" y="48343"/>
-                </a:lnTo>
-                <a:lnTo>
-                  <a:pt x="436463" y="73565"/>
-                </a:lnTo>
-                <a:lnTo>
-                  <a:pt x="619338" y="100188"/>
-                </a:lnTo>
-                <a:lnTo>
-                  <a:pt x="836350" y="132066"/>
-                </a:lnTo>
-                <a:lnTo>
-                  <a:pt x="1076527" y="165696"/>
-                </a:lnTo>
-                <a:lnTo>
-                  <a:pt x="1347183" y="201077"/>
-                </a:lnTo>
-                <a:lnTo>
-                  <a:pt x="1642222" y="238560"/>
-                </a:lnTo>
-                <a:lnTo>
-                  <a:pt x="1962863" y="276043"/>
-                </a:lnTo>
-                <a:lnTo>
-                  <a:pt x="2304231" y="314227"/>
-                </a:lnTo>
-                <a:lnTo>
-                  <a:pt x="2672420" y="349608"/>
-                </a:lnTo>
-                <a:lnTo>
-                  <a:pt x="3057677" y="383588"/>
-                </a:lnTo>
-                <a:lnTo>
-                  <a:pt x="3464880" y="414415"/>
-                </a:lnTo>
-                <a:lnTo>
-                  <a:pt x="3889151" y="443841"/>
-                </a:lnTo>
-                <a:lnTo>
-                  <a:pt x="4331709" y="471515"/>
-                </a:lnTo>
-                <a:lnTo>
-                  <a:pt x="4558475" y="481324"/>
-                </a:lnTo>
-                <a:lnTo>
-                  <a:pt x="4790117" y="492183"/>
-                </a:lnTo>
-                <a:lnTo>
-                  <a:pt x="5025417" y="502342"/>
-                </a:lnTo>
-                <a:lnTo>
-                  <a:pt x="5261936" y="508998"/>
-                </a:lnTo>
-                <a:lnTo>
-                  <a:pt x="5503331" y="514953"/>
-                </a:lnTo>
-                <a:lnTo>
-                  <a:pt x="5747166" y="521259"/>
-                </a:lnTo>
-                <a:lnTo>
-                  <a:pt x="5995876" y="525463"/>
-                </a:lnTo>
-                <a:lnTo>
-                  <a:pt x="6247025" y="525463"/>
-                </a:lnTo>
-                <a:lnTo>
-                  <a:pt x="6500612" y="527565"/>
-                </a:lnTo>
-                <a:lnTo>
-                  <a:pt x="6756638" y="525463"/>
-                </a:lnTo>
-                <a:lnTo>
-                  <a:pt x="7016321" y="521259"/>
-                </a:lnTo>
-                <a:lnTo>
-                  <a:pt x="7276004" y="517406"/>
-                </a:lnTo>
-                <a:lnTo>
-                  <a:pt x="7539344" y="508998"/>
-                </a:lnTo>
-                <a:lnTo>
-                  <a:pt x="7805123" y="500241"/>
-                </a:lnTo>
-                <a:lnTo>
-                  <a:pt x="8070902" y="490082"/>
-                </a:lnTo>
-                <a:lnTo>
-                  <a:pt x="8339120" y="475719"/>
-                </a:lnTo>
-                <a:lnTo>
-                  <a:pt x="8609775" y="458554"/>
-                </a:lnTo>
-                <a:lnTo>
-                  <a:pt x="8881650" y="442089"/>
-                </a:lnTo>
-                <a:lnTo>
-                  <a:pt x="9153525" y="421071"/>
-                </a:lnTo>
-                <a:lnTo>
-                  <a:pt x="9429057" y="395849"/>
-                </a:lnTo>
-                <a:lnTo>
-                  <a:pt x="9700932" y="370626"/>
-                </a:lnTo>
-                <a:lnTo>
-                  <a:pt x="9977683" y="341551"/>
-                </a:lnTo>
-                <a:lnTo>
-                  <a:pt x="10255654" y="309673"/>
-                </a:lnTo>
-                <a:lnTo>
-                  <a:pt x="10529967" y="276043"/>
-                </a:lnTo>
-                <a:lnTo>
-                  <a:pt x="10807938" y="236809"/>
-                </a:lnTo>
-                <a:lnTo>
-                  <a:pt x="11084689" y="194772"/>
-                </a:lnTo>
-                <a:lnTo>
-                  <a:pt x="11362660" y="153085"/>
-                </a:lnTo>
-                <a:lnTo>
-                  <a:pt x="11639411" y="104392"/>
-                </a:lnTo>
-                <a:lnTo>
-                  <a:pt x="11914944" y="54648"/>
-                </a:lnTo>
-                <a:lnTo>
-                  <a:pt x="12191695" y="2452"/>
-                </a:lnTo>
-                <a:lnTo>
-                  <a:pt x="12191695" y="2162231"/>
-                </a:lnTo>
-                <a:lnTo>
-                  <a:pt x="12192417" y="2162231"/>
-                </a:lnTo>
-                <a:lnTo>
-                  <a:pt x="12192417" y="5095933"/>
-                </a:lnTo>
-                <a:lnTo>
-                  <a:pt x="0" y="5095933"/>
-                </a:lnTo>
-                <a:lnTo>
-                  <a:pt x="0" y="2791958"/>
-                </a:lnTo>
-                <a:lnTo>
-                  <a:pt x="0" y="2162231"/>
-                </a:lnTo>
-                <a:close/>
-              </a:path>
-            </a:pathLst>
-          </a:custGeom>
-          <a:ln>
-            <a:noFill/>
-          </a:ln>
-        </p:spPr>
-        <p:txBody>
-          <a:bodyPr/>
-          <a:lstStyle/>
-          <a:p>
-            <a:endParaRPr lang="en-DK"/>
-          </a:p>
-        </p:txBody>
-      </p:sp>
-      <p:sp>
-        <p:nvSpPr>
-          <p:cNvPr id="3" name="Pladsholder til indhold 2">
-            <a:extLst>
-              <a:ext uri="{FF2B5EF4-FFF2-40B4-BE49-F238E27FC236}">
-                <a16:creationId xmlns:a16="http://schemas.microsoft.com/office/drawing/2014/main" id="{06C059E5-6769-4D27-AEA8-795B5A29D754}"/>
-              </a:ext>
-            </a:extLst>
-          </p:cNvPr>
-          <p:cNvSpPr>
-            <a:spLocks noGrp="1"/>
-          </p:cNvSpPr>
-          <p:nvPr>
-            <p:ph idx="1"/>
-          </p:nvPr>
-        </p:nvSpPr>
-        <p:spPr>
-          <a:xfrm>
-            <a:off x="648931" y="2548281"/>
-            <a:ext cx="6578592" cy="3658689"/>
-          </a:xfrm>
-        </p:spPr>
-        <p:txBody>
-          <a:bodyPr>
-            <a:normAutofit/>
-          </a:bodyPr>
-          <a:lstStyle/>
-          <a:p>
-            <a:r>
-              <a:rPr lang="en-GB" dirty="0"/>
-              <a:t>Outline</a:t>
-            </a:r>
-          </a:p>
-          <a:p>
-            <a:endParaRPr lang="LID4096" dirty="0"/>
-          </a:p>
-        </p:txBody>
-      </p:sp>
-      <p:pic>
-        <p:nvPicPr>
-          <p:cNvPr id="5" name="Billede 4">
-            <a:extLst>
-              <a:ext uri="{FF2B5EF4-FFF2-40B4-BE49-F238E27FC236}">
-                <a16:creationId xmlns:a16="http://schemas.microsoft.com/office/drawing/2014/main" id="{EC1C6006-988F-4C21-B1C7-558854E89828}"/>
-              </a:ext>
-            </a:extLst>
-          </p:cNvPr>
-          <p:cNvPicPr>
-            <a:picLocks noChangeAspect="1"/>
-          </p:cNvPicPr>
-          <p:nvPr/>
-        </p:nvPicPr>
-        <p:blipFill>
-          <a:blip r:embed="rId2"/>
-          <a:stretch>
-            <a:fillRect/>
-          </a:stretch>
-        </p:blipFill>
-        <p:spPr>
-          <a:xfrm>
-            <a:off x="7550922" y="3136587"/>
-            <a:ext cx="3992621" cy="2485406"/>
-          </a:xfrm>
-          <a:prstGeom prst="rect">
-            <a:avLst/>
-          </a:prstGeom>
-          <a:effectLst/>
-        </p:spPr>
-      </p:pic>
-    </p:spTree>
-    <p:extLst>
-      <p:ext uri="{BB962C8B-B14F-4D97-AF65-F5344CB8AC3E}">
-        <p14:creationId xmlns:p14="http://schemas.microsoft.com/office/powerpoint/2010/main" val="2376380929"/>
-      </p:ext>
-    </p:extLst>
-  </p:cSld>
-  <p:clrMapOvr>
-    <a:overrideClrMapping bg1="lt1" tx1="dk1" bg2="lt2" tx2="dk2" accent1="accent1" accent2="accent2" accent3="accent3" accent4="accent4" accent5="accent5" accent6="accent6" hlink="hlink" folHlink="folHlink"/>
-  </p:clrMapOvr>
-</p:sld>
-</file>
-
-<file path=ppt/slides/slide14.xml><?xml version="1.0" encoding="utf-8"?>
+<file path=ppt/slides/slide12.xml><?xml version="1.0" encoding="utf-8"?>
 <p:sld xmlns:a="http://schemas.openxmlformats.org/drawingml/2006/main" xmlns:r="http://schemas.openxmlformats.org/officeDocument/2006/relationships" xmlns:p="http://schemas.openxmlformats.org/presentationml/2006/main">
   <p:cSld>
     <p:bg>
@@ -18750,7 +17419,7 @@
 </p:sld>
 </file>
 
-<file path=ppt/slides/slide15.xml><?xml version="1.0" encoding="utf-8"?>
+<file path=ppt/slides/slide13.xml><?xml version="1.0" encoding="utf-8"?>
 <p:sld xmlns:a="http://schemas.openxmlformats.org/drawingml/2006/main" xmlns:r="http://schemas.openxmlformats.org/officeDocument/2006/relationships" xmlns:p="http://schemas.openxmlformats.org/presentationml/2006/main">
   <p:cSld>
     <p:bg>
@@ -19503,7 +18172,7 @@
 </p:sld>
 </file>
 
-<file path=ppt/slides/slide16.xml><?xml version="1.0" encoding="utf-8"?>
+<file path=ppt/slides/slide14.xml><?xml version="1.0" encoding="utf-8"?>
 <p:sld xmlns:a="http://schemas.openxmlformats.org/drawingml/2006/main" xmlns:r="http://schemas.openxmlformats.org/officeDocument/2006/relationships" xmlns:p="http://schemas.openxmlformats.org/presentationml/2006/main">
   <p:cSld>
     <p:bg>
@@ -19722,7 +18391,7 @@
 </p:sld>
 </file>
 
-<file path=ppt/slides/slide17.xml><?xml version="1.0" encoding="utf-8"?>
+<file path=ppt/slides/slide15.xml><?xml version="1.0" encoding="utf-8"?>
 <p:sld xmlns:a="http://schemas.openxmlformats.org/drawingml/2006/main" xmlns:r="http://schemas.openxmlformats.org/officeDocument/2006/relationships" xmlns:p="http://schemas.openxmlformats.org/presentationml/2006/main">
   <p:cSld>
     <p:bg>
@@ -19843,7 +18512,7 @@
 </p:sld>
 </file>
 
-<file path=ppt/slides/slide18.xml><?xml version="1.0" encoding="utf-8"?>
+<file path=ppt/slides/slide16.xml><?xml version="1.0" encoding="utf-8"?>
 <p:sld xmlns:a="http://schemas.openxmlformats.org/drawingml/2006/main" xmlns:r="http://schemas.openxmlformats.org/officeDocument/2006/relationships" xmlns:p="http://schemas.openxmlformats.org/presentationml/2006/main">
   <p:cSld>
     <p:bg>
@@ -21161,7 +19830,7 @@
 </p:sld>
 </file>
 
-<file path=ppt/slides/slide19.xml><?xml version="1.0" encoding="utf-8"?>
+<file path=ppt/slides/slide17.xml><?xml version="1.0" encoding="utf-8"?>
 <p:sld xmlns:a="http://schemas.openxmlformats.org/drawingml/2006/main" xmlns:r="http://schemas.openxmlformats.org/officeDocument/2006/relationships" xmlns:p="http://schemas.openxmlformats.org/presentationml/2006/main">
   <p:cSld>
     <p:spTree>
@@ -21874,6 +20543,2299 @@
     <p:extLst>
       <p:ext uri="{BB962C8B-B14F-4D97-AF65-F5344CB8AC3E}">
         <p14:creationId xmlns:p14="http://schemas.microsoft.com/office/powerpoint/2010/main" val="367665271"/>
+      </p:ext>
+    </p:extLst>
+  </p:cSld>
+  <p:clrMapOvr>
+    <a:masterClrMapping/>
+  </p:clrMapOvr>
+</p:sld>
+</file>
+
+<file path=ppt/slides/slide18.xml><?xml version="1.0" encoding="utf-8"?>
+<p:sld xmlns:a="http://schemas.openxmlformats.org/drawingml/2006/main" xmlns:r="http://schemas.openxmlformats.org/officeDocument/2006/relationships" xmlns:p="http://schemas.openxmlformats.org/presentationml/2006/main">
+  <p:cSld>
+    <p:bg>
+      <p:bgPr>
+        <a:solidFill>
+          <a:schemeClr val="bg2"/>
+        </a:solidFill>
+        <a:effectLst/>
+      </p:bgPr>
+    </p:bg>
+    <p:spTree>
+      <p:nvGrpSpPr>
+        <p:cNvPr id="1" name=""/>
+        <p:cNvGrpSpPr/>
+        <p:nvPr/>
+      </p:nvGrpSpPr>
+      <p:grpSpPr>
+        <a:xfrm>
+          <a:off x="0" y="0"/>
+          <a:ext cx="0" cy="0"/>
+          <a:chOff x="0" y="0"/>
+          <a:chExt cx="0" cy="0"/>
+        </a:xfrm>
+      </p:grpSpPr>
+      <p:sp useBgFill="1">
+        <p:nvSpPr>
+          <p:cNvPr id="8" name="Rectangle 7">
+            <a:extLst>
+              <a:ext uri="{FF2B5EF4-FFF2-40B4-BE49-F238E27FC236}">
+                <a16:creationId xmlns:a16="http://schemas.microsoft.com/office/drawing/2014/main" id="{052BEFF1-896C-45B1-B02C-96A6A1BC389A}"/>
+              </a:ext>
+              <a:ext uri="{C183D7F6-B498-43B3-948B-1728B52AA6E4}">
+                <adec:decorative xmlns:adec="http://schemas.microsoft.com/office/drawing/2017/decorative" val="1"/>
+              </a:ext>
+            </a:extLst>
+          </p:cNvPr>
+          <p:cNvSpPr>
+            <a:spLocks noGrp="1" noRot="1" noChangeAspect="1" noMove="1" noResize="1" noEditPoints="1" noAdjustHandles="1" noChangeArrowheads="1" noChangeShapeType="1" noTextEdit="1"/>
+          </p:cNvSpPr>
+          <p:nvPr>
+            <p:extLst>
+              <p:ext uri="{386F3935-93C4-4BCD-93E2-E3B085C9AB24}">
+                <p16:designElem xmlns:p16="http://schemas.microsoft.com/office/powerpoint/2015/main" val="1"/>
+              </p:ext>
+            </p:extLst>
+          </p:nvPr>
+        </p:nvSpPr>
+        <p:spPr>
+          <a:xfrm>
+            <a:off x="1" y="0"/>
+            <a:ext cx="12192000" cy="6858000"/>
+          </a:xfrm>
+          <a:prstGeom prst="rect">
+            <a:avLst/>
+          </a:prstGeom>
+          <a:ln>
+            <a:noFill/>
+          </a:ln>
+        </p:spPr>
+        <p:style>
+          <a:lnRef idx="2">
+            <a:schemeClr val="accent1">
+              <a:shade val="50000"/>
+            </a:schemeClr>
+          </a:lnRef>
+          <a:fillRef idx="1003">
+            <a:schemeClr val="dk2"/>
+          </a:fillRef>
+          <a:effectRef idx="0">
+            <a:schemeClr val="accent1"/>
+          </a:effectRef>
+          <a:fontRef idx="minor">
+            <a:schemeClr val="lt1"/>
+          </a:fontRef>
+        </p:style>
+        <p:txBody>
+          <a:bodyPr rtlCol="0" anchor="ctr"/>
+          <a:lstStyle/>
+          <a:p>
+            <a:pPr algn="ctr"/>
+            <a:endParaRPr lang="en-US"/>
+          </a:p>
+        </p:txBody>
+      </p:sp>
+      <p:sp>
+        <p:nvSpPr>
+          <p:cNvPr id="10" name="Freeform 36">
+            <a:extLst>
+              <a:ext uri="{FF2B5EF4-FFF2-40B4-BE49-F238E27FC236}">
+                <a16:creationId xmlns:a16="http://schemas.microsoft.com/office/drawing/2014/main" id="{BB237A14-61B1-4C00-A670-5D8D68A8668E}"/>
+              </a:ext>
+              <a:ext uri="{C183D7F6-B498-43B3-948B-1728B52AA6E4}">
+                <adec:decorative xmlns:adec="http://schemas.microsoft.com/office/drawing/2017/decorative" val="1"/>
+              </a:ext>
+            </a:extLst>
+          </p:cNvPr>
+          <p:cNvSpPr>
+            <a:spLocks noGrp="1" noRot="1" noChangeAspect="1" noMove="1" noResize="1" noEditPoints="1" noAdjustHandles="1" noChangeArrowheads="1" noChangeShapeType="1" noTextEdit="1"/>
+          </p:cNvSpPr>
+          <p:nvPr>
+            <p:extLst>
+              <p:ext uri="{386F3935-93C4-4BCD-93E2-E3B085C9AB24}">
+                <p16:designElem xmlns:p16="http://schemas.microsoft.com/office/powerpoint/2015/main" val="1"/>
+              </p:ext>
+            </p:extLst>
+          </p:nvPr>
+        </p:nvSpPr>
+        <p:spPr>
+          <a:xfrm flipH="1">
+            <a:off x="4644637" y="0"/>
+            <a:ext cx="559472" cy="3709642"/>
+          </a:xfrm>
+          <a:custGeom>
+            <a:avLst/>
+            <a:gdLst>
+              <a:gd name="connsiteX0" fmla="*/ 0 w 559472"/>
+              <a:gd name="connsiteY0" fmla="*/ 0 h 3709642"/>
+              <a:gd name="connsiteX1" fmla="*/ 473952 w 559472"/>
+              <a:gd name="connsiteY1" fmla="*/ 0 h 3709642"/>
+              <a:gd name="connsiteX2" fmla="*/ 485840 w 559472"/>
+              <a:gd name="connsiteY2" fmla="*/ 161194 h 3709642"/>
+              <a:gd name="connsiteX3" fmla="*/ 523949 w 559472"/>
+              <a:gd name="connsiteY3" fmla="*/ 3672197 h 3709642"/>
+              <a:gd name="connsiteX4" fmla="*/ 454748 w 559472"/>
+              <a:gd name="connsiteY4" fmla="*/ 3709642 h 3709642"/>
+              <a:gd name="connsiteX5" fmla="*/ 448224 w 559472"/>
+              <a:gd name="connsiteY5" fmla="*/ 3510471 h 3709642"/>
+              <a:gd name="connsiteX6" fmla="*/ 443564 w 559472"/>
+              <a:gd name="connsiteY6" fmla="*/ 3408563 h 3709642"/>
+              <a:gd name="connsiteX7" fmla="*/ 438902 w 559472"/>
+              <a:gd name="connsiteY7" fmla="*/ 3304407 h 3709642"/>
+              <a:gd name="connsiteX8" fmla="*/ 433941 w 559472"/>
+              <a:gd name="connsiteY8" fmla="*/ 3198777 h 3709642"/>
+              <a:gd name="connsiteX9" fmla="*/ 427584 w 559472"/>
+              <a:gd name="connsiteY9" fmla="*/ 3092510 h 3709642"/>
+              <a:gd name="connsiteX10" fmla="*/ 420988 w 559472"/>
+              <a:gd name="connsiteY10" fmla="*/ 2984390 h 3709642"/>
+              <a:gd name="connsiteX11" fmla="*/ 414330 w 559472"/>
+              <a:gd name="connsiteY11" fmla="*/ 2874401 h 3709642"/>
+              <a:gd name="connsiteX12" fmla="*/ 406840 w 559472"/>
+              <a:gd name="connsiteY12" fmla="*/ 2762980 h 3709642"/>
+              <a:gd name="connsiteX13" fmla="*/ 397745 w 559472"/>
+              <a:gd name="connsiteY13" fmla="*/ 2650566 h 3709642"/>
+              <a:gd name="connsiteX14" fmla="*/ 389154 w 559472"/>
+              <a:gd name="connsiteY14" fmla="*/ 2536612 h 3709642"/>
+              <a:gd name="connsiteX15" fmla="*/ 379225 w 559472"/>
+              <a:gd name="connsiteY15" fmla="*/ 2421642 h 3709642"/>
+              <a:gd name="connsiteX16" fmla="*/ 368316 w 559472"/>
+              <a:gd name="connsiteY16" fmla="*/ 2305627 h 3709642"/>
+              <a:gd name="connsiteX17" fmla="*/ 357466 w 559472"/>
+              <a:gd name="connsiteY17" fmla="*/ 2189233 h 3709642"/>
+              <a:gd name="connsiteX18" fmla="*/ 344982 w 559472"/>
+              <a:gd name="connsiteY18" fmla="*/ 2071473 h 3709642"/>
+              <a:gd name="connsiteX19" fmla="*/ 332466 w 559472"/>
+              <a:gd name="connsiteY19" fmla="*/ 1952216 h 3709642"/>
+              <a:gd name="connsiteX20" fmla="*/ 319121 w 559472"/>
+              <a:gd name="connsiteY20" fmla="*/ 1833776 h 3709642"/>
+              <a:gd name="connsiteX21" fmla="*/ 304408 w 559472"/>
+              <a:gd name="connsiteY21" fmla="*/ 1713948 h 3709642"/>
+              <a:gd name="connsiteX22" fmla="*/ 288685 w 559472"/>
+              <a:gd name="connsiteY22" fmla="*/ 1592703 h 3709642"/>
+              <a:gd name="connsiteX23" fmla="*/ 273050 w 559472"/>
+              <a:gd name="connsiteY23" fmla="*/ 1471451 h 3709642"/>
+              <a:gd name="connsiteX24" fmla="*/ 255813 w 559472"/>
+              <a:gd name="connsiteY24" fmla="*/ 1350328 h 3709642"/>
+              <a:gd name="connsiteX25" fmla="*/ 237060 w 559472"/>
+              <a:gd name="connsiteY25" fmla="*/ 1227080 h 3709642"/>
+              <a:gd name="connsiteX26" fmla="*/ 218488 w 559472"/>
+              <a:gd name="connsiteY26" fmla="*/ 1106065 h 3709642"/>
+              <a:gd name="connsiteX27" fmla="*/ 198221 w 559472"/>
+              <a:gd name="connsiteY27" fmla="*/ 982940 h 3709642"/>
+              <a:gd name="connsiteX28" fmla="*/ 177152 w 559472"/>
+              <a:gd name="connsiteY28" fmla="*/ 858755 h 3709642"/>
+              <a:gd name="connsiteX29" fmla="*/ 155551 w 559472"/>
+              <a:gd name="connsiteY29" fmla="*/ 736861 h 3709642"/>
+              <a:gd name="connsiteX30" fmla="*/ 131782 w 559472"/>
+              <a:gd name="connsiteY30" fmla="*/ 613645 h 3709642"/>
+              <a:gd name="connsiteX31" fmla="*/ 107123 w 559472"/>
+              <a:gd name="connsiteY31" fmla="*/ 490500 h 3709642"/>
+              <a:gd name="connsiteX32" fmla="*/ 82552 w 559472"/>
+              <a:gd name="connsiteY32" fmla="*/ 367348 h 3709642"/>
+              <a:gd name="connsiteX33" fmla="*/ 55608 w 559472"/>
+              <a:gd name="connsiteY33" fmla="*/ 244762 h 3709642"/>
+              <a:gd name="connsiteX34" fmla="*/ 28130 w 559472"/>
+              <a:gd name="connsiteY34" fmla="*/ 122220 h 3709642"/>
+              <a:gd name="connsiteX35" fmla="*/ 0 w 559472"/>
+              <a:gd name="connsiteY35" fmla="*/ 0 h 3709642"/>
+            </a:gdLst>
+            <a:ahLst/>
+            <a:cxnLst>
+              <a:cxn ang="0">
+                <a:pos x="connsiteX0" y="connsiteY0"/>
+              </a:cxn>
+              <a:cxn ang="0">
+                <a:pos x="connsiteX1" y="connsiteY1"/>
+              </a:cxn>
+              <a:cxn ang="0">
+                <a:pos x="connsiteX2" y="connsiteY2"/>
+              </a:cxn>
+              <a:cxn ang="0">
+                <a:pos x="connsiteX3" y="connsiteY3"/>
+              </a:cxn>
+              <a:cxn ang="0">
+                <a:pos x="connsiteX4" y="connsiteY4"/>
+              </a:cxn>
+              <a:cxn ang="0">
+                <a:pos x="connsiteX5" y="connsiteY5"/>
+              </a:cxn>
+              <a:cxn ang="0">
+                <a:pos x="connsiteX6" y="connsiteY6"/>
+              </a:cxn>
+              <a:cxn ang="0">
+                <a:pos x="connsiteX7" y="connsiteY7"/>
+              </a:cxn>
+              <a:cxn ang="0">
+                <a:pos x="connsiteX8" y="connsiteY8"/>
+              </a:cxn>
+              <a:cxn ang="0">
+                <a:pos x="connsiteX9" y="connsiteY9"/>
+              </a:cxn>
+              <a:cxn ang="0">
+                <a:pos x="connsiteX10" y="connsiteY10"/>
+              </a:cxn>
+              <a:cxn ang="0">
+                <a:pos x="connsiteX11" y="connsiteY11"/>
+              </a:cxn>
+              <a:cxn ang="0">
+                <a:pos x="connsiteX12" y="connsiteY12"/>
+              </a:cxn>
+              <a:cxn ang="0">
+                <a:pos x="connsiteX13" y="connsiteY13"/>
+              </a:cxn>
+              <a:cxn ang="0">
+                <a:pos x="connsiteX14" y="connsiteY14"/>
+              </a:cxn>
+              <a:cxn ang="0">
+                <a:pos x="connsiteX15" y="connsiteY15"/>
+              </a:cxn>
+              <a:cxn ang="0">
+                <a:pos x="connsiteX16" y="connsiteY16"/>
+              </a:cxn>
+              <a:cxn ang="0">
+                <a:pos x="connsiteX17" y="connsiteY17"/>
+              </a:cxn>
+              <a:cxn ang="0">
+                <a:pos x="connsiteX18" y="connsiteY18"/>
+              </a:cxn>
+              <a:cxn ang="0">
+                <a:pos x="connsiteX19" y="connsiteY19"/>
+              </a:cxn>
+              <a:cxn ang="0">
+                <a:pos x="connsiteX20" y="connsiteY20"/>
+              </a:cxn>
+              <a:cxn ang="0">
+                <a:pos x="connsiteX21" y="connsiteY21"/>
+              </a:cxn>
+              <a:cxn ang="0">
+                <a:pos x="connsiteX22" y="connsiteY22"/>
+              </a:cxn>
+              <a:cxn ang="0">
+                <a:pos x="connsiteX23" y="connsiteY23"/>
+              </a:cxn>
+              <a:cxn ang="0">
+                <a:pos x="connsiteX24" y="connsiteY24"/>
+              </a:cxn>
+              <a:cxn ang="0">
+                <a:pos x="connsiteX25" y="connsiteY25"/>
+              </a:cxn>
+              <a:cxn ang="0">
+                <a:pos x="connsiteX26" y="connsiteY26"/>
+              </a:cxn>
+              <a:cxn ang="0">
+                <a:pos x="connsiteX27" y="connsiteY27"/>
+              </a:cxn>
+              <a:cxn ang="0">
+                <a:pos x="connsiteX28" y="connsiteY28"/>
+              </a:cxn>
+              <a:cxn ang="0">
+                <a:pos x="connsiteX29" y="connsiteY29"/>
+              </a:cxn>
+              <a:cxn ang="0">
+                <a:pos x="connsiteX30" y="connsiteY30"/>
+              </a:cxn>
+              <a:cxn ang="0">
+                <a:pos x="connsiteX31" y="connsiteY31"/>
+              </a:cxn>
+              <a:cxn ang="0">
+                <a:pos x="connsiteX32" y="connsiteY32"/>
+              </a:cxn>
+              <a:cxn ang="0">
+                <a:pos x="connsiteX33" y="connsiteY33"/>
+              </a:cxn>
+              <a:cxn ang="0">
+                <a:pos x="connsiteX34" y="connsiteY34"/>
+              </a:cxn>
+              <a:cxn ang="0">
+                <a:pos x="connsiteX35" y="connsiteY35"/>
+              </a:cxn>
+            </a:cxnLst>
+            <a:rect l="l" t="t" r="r" b="b"/>
+            <a:pathLst>
+              <a:path w="559472" h="3709642">
+                <a:moveTo>
+                  <a:pt x="0" y="0"/>
+                </a:moveTo>
+                <a:lnTo>
+                  <a:pt x="473952" y="0"/>
+                </a:lnTo>
+                <a:lnTo>
+                  <a:pt x="485840" y="161194"/>
+                </a:lnTo>
+                <a:cubicBezTo>
+                  <a:pt x="552063" y="1147770"/>
+                  <a:pt x="592441" y="3086737"/>
+                  <a:pt x="523949" y="3672197"/>
+                </a:cubicBezTo>
+                <a:cubicBezTo>
+                  <a:pt x="500842" y="3684557"/>
+                  <a:pt x="477855" y="3697282"/>
+                  <a:pt x="454748" y="3709642"/>
+                </a:cubicBezTo>
+                <a:lnTo>
+                  <a:pt x="448224" y="3510471"/>
+                </a:lnTo>
+                <a:lnTo>
+                  <a:pt x="443564" y="3408563"/>
+                </a:lnTo>
+                <a:lnTo>
+                  <a:pt x="438902" y="3304407"/>
+                </a:lnTo>
+                <a:lnTo>
+                  <a:pt x="433941" y="3198777"/>
+                </a:lnTo>
+                <a:lnTo>
+                  <a:pt x="427584" y="3092510"/>
+                </a:lnTo>
+                <a:lnTo>
+                  <a:pt x="420988" y="2984390"/>
+                </a:lnTo>
+                <a:lnTo>
+                  <a:pt x="414330" y="2874401"/>
+                </a:lnTo>
+                <a:lnTo>
+                  <a:pt x="406840" y="2762980"/>
+                </a:lnTo>
+                <a:lnTo>
+                  <a:pt x="397745" y="2650566"/>
+                </a:lnTo>
+                <a:lnTo>
+                  <a:pt x="389154" y="2536612"/>
+                </a:lnTo>
+                <a:lnTo>
+                  <a:pt x="379225" y="2421642"/>
+                </a:lnTo>
+                <a:lnTo>
+                  <a:pt x="368316" y="2305627"/>
+                </a:lnTo>
+                <a:lnTo>
+                  <a:pt x="357466" y="2189233"/>
+                </a:lnTo>
+                <a:lnTo>
+                  <a:pt x="344982" y="2071473"/>
+                </a:lnTo>
+                <a:lnTo>
+                  <a:pt x="332466" y="1952216"/>
+                </a:lnTo>
+                <a:lnTo>
+                  <a:pt x="319121" y="1833776"/>
+                </a:lnTo>
+                <a:lnTo>
+                  <a:pt x="304408" y="1713948"/>
+                </a:lnTo>
+                <a:lnTo>
+                  <a:pt x="288685" y="1592703"/>
+                </a:lnTo>
+                <a:lnTo>
+                  <a:pt x="273050" y="1471451"/>
+                </a:lnTo>
+                <a:lnTo>
+                  <a:pt x="255813" y="1350328"/>
+                </a:lnTo>
+                <a:lnTo>
+                  <a:pt x="237060" y="1227080"/>
+                </a:lnTo>
+                <a:lnTo>
+                  <a:pt x="218488" y="1106065"/>
+                </a:lnTo>
+                <a:lnTo>
+                  <a:pt x="198221" y="982940"/>
+                </a:lnTo>
+                <a:lnTo>
+                  <a:pt x="177152" y="858755"/>
+                </a:lnTo>
+                <a:lnTo>
+                  <a:pt x="155551" y="736861"/>
+                </a:lnTo>
+                <a:lnTo>
+                  <a:pt x="131782" y="613645"/>
+                </a:lnTo>
+                <a:lnTo>
+                  <a:pt x="107123" y="490500"/>
+                </a:lnTo>
+                <a:lnTo>
+                  <a:pt x="82552" y="367348"/>
+                </a:lnTo>
+                <a:lnTo>
+                  <a:pt x="55608" y="244762"/>
+                </a:lnTo>
+                <a:lnTo>
+                  <a:pt x="28130" y="122220"/>
+                </a:lnTo>
+                <a:lnTo>
+                  <a:pt x="0" y="0"/>
+                </a:lnTo>
+                <a:close/>
+              </a:path>
+            </a:pathLst>
+          </a:custGeom>
+          <a:solidFill>
+            <a:schemeClr val="tx2">
+              <a:alpha val="20000"/>
+            </a:schemeClr>
+          </a:solidFill>
+          <a:ln>
+            <a:noFill/>
+          </a:ln>
+        </p:spPr>
+        <p:txBody>
+          <a:bodyPr rtlCol="0" anchor="ctr"/>
+          <a:lstStyle/>
+          <a:p>
+            <a:pPr algn="ctr"/>
+            <a:endParaRPr lang="en-US"/>
+          </a:p>
+        </p:txBody>
+      </p:sp>
+      <p:sp>
+        <p:nvSpPr>
+          <p:cNvPr id="12" name="Freeform: Shape 11">
+            <a:extLst>
+              <a:ext uri="{FF2B5EF4-FFF2-40B4-BE49-F238E27FC236}">
+                <a16:creationId xmlns:a16="http://schemas.microsoft.com/office/drawing/2014/main" id="{8598F259-6F54-47A3-8D13-1603D786A328}"/>
+              </a:ext>
+              <a:ext uri="{C183D7F6-B498-43B3-948B-1728B52AA6E4}">
+                <adec:decorative xmlns:adec="http://schemas.microsoft.com/office/drawing/2017/decorative" val="1"/>
+              </a:ext>
+            </a:extLst>
+          </p:cNvPr>
+          <p:cNvSpPr>
+            <a:spLocks noGrp="1" noRot="1" noChangeAspect="1" noMove="1" noResize="1" noEditPoints="1" noAdjustHandles="1" noChangeArrowheads="1" noChangeShapeType="1" noTextEdit="1"/>
+          </p:cNvSpPr>
+          <p:nvPr>
+            <p:extLst>
+              <p:ext uri="{386F3935-93C4-4BCD-93E2-E3B085C9AB24}">
+                <p16:designElem xmlns:p16="http://schemas.microsoft.com/office/powerpoint/2015/main" val="1"/>
+              </p:ext>
+            </p:extLst>
+          </p:nvPr>
+        </p:nvSpPr>
+        <p:spPr>
+          <a:xfrm>
+            <a:off x="1" y="1"/>
+            <a:ext cx="4990911" cy="6858001"/>
+          </a:xfrm>
+          <a:custGeom>
+            <a:avLst/>
+            <a:gdLst>
+              <a:gd name="connsiteX0" fmla="*/ 3646196 w 4990911"/>
+              <a:gd name="connsiteY0" fmla="*/ 0 h 6858001"/>
+              <a:gd name="connsiteX1" fmla="*/ 4989734 w 4990911"/>
+              <a:gd name="connsiteY1" fmla="*/ 0 h 6858001"/>
+              <a:gd name="connsiteX2" fmla="*/ 4964689 w 4990911"/>
+              <a:gd name="connsiteY2" fmla="*/ 155677 h 6858001"/>
+              <a:gd name="connsiteX3" fmla="*/ 4940820 w 4990911"/>
+              <a:gd name="connsiteY3" fmla="*/ 310668 h 6858001"/>
+              <a:gd name="connsiteX4" fmla="*/ 4917456 w 4990911"/>
+              <a:gd name="connsiteY4" fmla="*/ 466344 h 6858001"/>
+              <a:gd name="connsiteX5" fmla="*/ 4897453 w 4990911"/>
+              <a:gd name="connsiteY5" fmla="*/ 622707 h 6858001"/>
+              <a:gd name="connsiteX6" fmla="*/ 4877282 w 4990911"/>
+              <a:gd name="connsiteY6" fmla="*/ 778383 h 6858001"/>
+              <a:gd name="connsiteX7" fmla="*/ 4858456 w 4990911"/>
+              <a:gd name="connsiteY7" fmla="*/ 934746 h 6858001"/>
+              <a:gd name="connsiteX8" fmla="*/ 4842320 w 4990911"/>
+              <a:gd name="connsiteY8" fmla="*/ 1089051 h 6858001"/>
+              <a:gd name="connsiteX9" fmla="*/ 4827024 w 4990911"/>
+              <a:gd name="connsiteY9" fmla="*/ 1245413 h 6858001"/>
+              <a:gd name="connsiteX10" fmla="*/ 4813072 w 4990911"/>
+              <a:gd name="connsiteY10" fmla="*/ 1401090 h 6858001"/>
+              <a:gd name="connsiteX11" fmla="*/ 4800970 w 4990911"/>
+              <a:gd name="connsiteY11" fmla="*/ 1554023 h 6858001"/>
+              <a:gd name="connsiteX12" fmla="*/ 4788867 w 4990911"/>
+              <a:gd name="connsiteY12" fmla="*/ 1709014 h 6858001"/>
+              <a:gd name="connsiteX13" fmla="*/ 4778782 w 4990911"/>
+              <a:gd name="connsiteY13" fmla="*/ 1861947 h 6858001"/>
+              <a:gd name="connsiteX14" fmla="*/ 4770882 w 4990911"/>
+              <a:gd name="connsiteY14" fmla="*/ 2014881 h 6858001"/>
+              <a:gd name="connsiteX15" fmla="*/ 4762645 w 4990911"/>
+              <a:gd name="connsiteY15" fmla="*/ 2167128 h 6858001"/>
+              <a:gd name="connsiteX16" fmla="*/ 4755754 w 4990911"/>
+              <a:gd name="connsiteY16" fmla="*/ 2318004 h 6858001"/>
+              <a:gd name="connsiteX17" fmla="*/ 4750879 w 4990911"/>
+              <a:gd name="connsiteY17" fmla="*/ 2467509 h 6858001"/>
+              <a:gd name="connsiteX18" fmla="*/ 4746677 w 4990911"/>
+              <a:gd name="connsiteY18" fmla="*/ 2617013 h 6858001"/>
+              <a:gd name="connsiteX19" fmla="*/ 4742643 w 4990911"/>
+              <a:gd name="connsiteY19" fmla="*/ 2765146 h 6858001"/>
+              <a:gd name="connsiteX20" fmla="*/ 4740794 w 4990911"/>
+              <a:gd name="connsiteY20" fmla="*/ 2911221 h 6858001"/>
+              <a:gd name="connsiteX21" fmla="*/ 4738777 w 4990911"/>
+              <a:gd name="connsiteY21" fmla="*/ 3057297 h 6858001"/>
+              <a:gd name="connsiteX22" fmla="*/ 4737768 w 4990911"/>
+              <a:gd name="connsiteY22" fmla="*/ 3201315 h 6858001"/>
+              <a:gd name="connsiteX23" fmla="*/ 4738777 w 4990911"/>
+              <a:gd name="connsiteY23" fmla="*/ 3343961 h 6858001"/>
+              <a:gd name="connsiteX24" fmla="*/ 4738777 w 4990911"/>
+              <a:gd name="connsiteY24" fmla="*/ 3485236 h 6858001"/>
+              <a:gd name="connsiteX25" fmla="*/ 4740794 w 4990911"/>
+              <a:gd name="connsiteY25" fmla="*/ 3625139 h 6858001"/>
+              <a:gd name="connsiteX26" fmla="*/ 4743819 w 4990911"/>
+              <a:gd name="connsiteY26" fmla="*/ 3762299 h 6858001"/>
+              <a:gd name="connsiteX27" fmla="*/ 4746677 w 4990911"/>
+              <a:gd name="connsiteY27" fmla="*/ 3898087 h 6858001"/>
+              <a:gd name="connsiteX28" fmla="*/ 4749871 w 4990911"/>
+              <a:gd name="connsiteY28" fmla="*/ 4031133 h 6858001"/>
+              <a:gd name="connsiteX29" fmla="*/ 4754745 w 4990911"/>
+              <a:gd name="connsiteY29" fmla="*/ 4163492 h 6858001"/>
+              <a:gd name="connsiteX30" fmla="*/ 4759956 w 4990911"/>
+              <a:gd name="connsiteY30" fmla="*/ 4293793 h 6858001"/>
+              <a:gd name="connsiteX31" fmla="*/ 4764662 w 4990911"/>
+              <a:gd name="connsiteY31" fmla="*/ 4421352 h 6858001"/>
+              <a:gd name="connsiteX32" fmla="*/ 4777942 w 4990911"/>
+              <a:gd name="connsiteY32" fmla="*/ 4670298 h 6858001"/>
+              <a:gd name="connsiteX33" fmla="*/ 4792061 w 4990911"/>
+              <a:gd name="connsiteY33" fmla="*/ 4908956 h 6858001"/>
+              <a:gd name="connsiteX34" fmla="*/ 4806853 w 4990911"/>
+              <a:gd name="connsiteY34" fmla="*/ 5138013 h 6858001"/>
+              <a:gd name="connsiteX35" fmla="*/ 4823158 w 4990911"/>
+              <a:gd name="connsiteY35" fmla="*/ 5354726 h 6858001"/>
+              <a:gd name="connsiteX36" fmla="*/ 4840135 w 4990911"/>
+              <a:gd name="connsiteY36" fmla="*/ 5561838 h 6858001"/>
+              <a:gd name="connsiteX37" fmla="*/ 4858456 w 4990911"/>
+              <a:gd name="connsiteY37" fmla="*/ 5753862 h 6858001"/>
+              <a:gd name="connsiteX38" fmla="*/ 4876442 w 4990911"/>
+              <a:gd name="connsiteY38" fmla="*/ 5934227 h 6858001"/>
+              <a:gd name="connsiteX39" fmla="*/ 4894427 w 4990911"/>
+              <a:gd name="connsiteY39" fmla="*/ 6100191 h 6858001"/>
+              <a:gd name="connsiteX40" fmla="*/ 4911404 w 4990911"/>
+              <a:gd name="connsiteY40" fmla="*/ 6252438 h 6858001"/>
+              <a:gd name="connsiteX41" fmla="*/ 4927541 w 4990911"/>
+              <a:gd name="connsiteY41" fmla="*/ 6387541 h 6858001"/>
+              <a:gd name="connsiteX42" fmla="*/ 4942837 w 4990911"/>
+              <a:gd name="connsiteY42" fmla="*/ 6509613 h 6858001"/>
+              <a:gd name="connsiteX43" fmla="*/ 4955612 w 4990911"/>
+              <a:gd name="connsiteY43" fmla="*/ 6612483 h 6858001"/>
+              <a:gd name="connsiteX44" fmla="*/ 4967714 w 4990911"/>
+              <a:gd name="connsiteY44" fmla="*/ 6698894 h 6858001"/>
+              <a:gd name="connsiteX45" fmla="*/ 4985028 w 4990911"/>
+              <a:gd name="connsiteY45" fmla="*/ 6817538 h 6858001"/>
+              <a:gd name="connsiteX46" fmla="*/ 4990911 w 4990911"/>
+              <a:gd name="connsiteY46" fmla="*/ 6858000 h 6858001"/>
+              <a:gd name="connsiteX47" fmla="*/ 4085557 w 4990911"/>
+              <a:gd name="connsiteY47" fmla="*/ 6858000 h 6858001"/>
+              <a:gd name="connsiteX48" fmla="*/ 4085557 w 4990911"/>
+              <a:gd name="connsiteY48" fmla="*/ 6858001 h 6858001"/>
+              <a:gd name="connsiteX49" fmla="*/ 0 w 4990911"/>
+              <a:gd name="connsiteY49" fmla="*/ 6858001 h 6858001"/>
+              <a:gd name="connsiteX50" fmla="*/ 0 w 4990911"/>
+              <a:gd name="connsiteY50" fmla="*/ 1 h 6858001"/>
+              <a:gd name="connsiteX51" fmla="*/ 3646196 w 4990911"/>
+              <a:gd name="connsiteY51" fmla="*/ 1 h 6858001"/>
+            </a:gdLst>
+            <a:ahLst/>
+            <a:cxnLst>
+              <a:cxn ang="0">
+                <a:pos x="connsiteX0" y="connsiteY0"/>
+              </a:cxn>
+              <a:cxn ang="0">
+                <a:pos x="connsiteX1" y="connsiteY1"/>
+              </a:cxn>
+              <a:cxn ang="0">
+                <a:pos x="connsiteX2" y="connsiteY2"/>
+              </a:cxn>
+              <a:cxn ang="0">
+                <a:pos x="connsiteX3" y="connsiteY3"/>
+              </a:cxn>
+              <a:cxn ang="0">
+                <a:pos x="connsiteX4" y="connsiteY4"/>
+              </a:cxn>
+              <a:cxn ang="0">
+                <a:pos x="connsiteX5" y="connsiteY5"/>
+              </a:cxn>
+              <a:cxn ang="0">
+                <a:pos x="connsiteX6" y="connsiteY6"/>
+              </a:cxn>
+              <a:cxn ang="0">
+                <a:pos x="connsiteX7" y="connsiteY7"/>
+              </a:cxn>
+              <a:cxn ang="0">
+                <a:pos x="connsiteX8" y="connsiteY8"/>
+              </a:cxn>
+              <a:cxn ang="0">
+                <a:pos x="connsiteX9" y="connsiteY9"/>
+              </a:cxn>
+              <a:cxn ang="0">
+                <a:pos x="connsiteX10" y="connsiteY10"/>
+              </a:cxn>
+              <a:cxn ang="0">
+                <a:pos x="connsiteX11" y="connsiteY11"/>
+              </a:cxn>
+              <a:cxn ang="0">
+                <a:pos x="connsiteX12" y="connsiteY12"/>
+              </a:cxn>
+              <a:cxn ang="0">
+                <a:pos x="connsiteX13" y="connsiteY13"/>
+              </a:cxn>
+              <a:cxn ang="0">
+                <a:pos x="connsiteX14" y="connsiteY14"/>
+              </a:cxn>
+              <a:cxn ang="0">
+                <a:pos x="connsiteX15" y="connsiteY15"/>
+              </a:cxn>
+              <a:cxn ang="0">
+                <a:pos x="connsiteX16" y="connsiteY16"/>
+              </a:cxn>
+              <a:cxn ang="0">
+                <a:pos x="connsiteX17" y="connsiteY17"/>
+              </a:cxn>
+              <a:cxn ang="0">
+                <a:pos x="connsiteX18" y="connsiteY18"/>
+              </a:cxn>
+              <a:cxn ang="0">
+                <a:pos x="connsiteX19" y="connsiteY19"/>
+              </a:cxn>
+              <a:cxn ang="0">
+                <a:pos x="connsiteX20" y="connsiteY20"/>
+              </a:cxn>
+              <a:cxn ang="0">
+                <a:pos x="connsiteX21" y="connsiteY21"/>
+              </a:cxn>
+              <a:cxn ang="0">
+                <a:pos x="connsiteX22" y="connsiteY22"/>
+              </a:cxn>
+              <a:cxn ang="0">
+                <a:pos x="connsiteX23" y="connsiteY23"/>
+              </a:cxn>
+              <a:cxn ang="0">
+                <a:pos x="connsiteX24" y="connsiteY24"/>
+              </a:cxn>
+              <a:cxn ang="0">
+                <a:pos x="connsiteX25" y="connsiteY25"/>
+              </a:cxn>
+              <a:cxn ang="0">
+                <a:pos x="connsiteX26" y="connsiteY26"/>
+              </a:cxn>
+              <a:cxn ang="0">
+                <a:pos x="connsiteX27" y="connsiteY27"/>
+              </a:cxn>
+              <a:cxn ang="0">
+                <a:pos x="connsiteX28" y="connsiteY28"/>
+              </a:cxn>
+              <a:cxn ang="0">
+                <a:pos x="connsiteX29" y="connsiteY29"/>
+              </a:cxn>
+              <a:cxn ang="0">
+                <a:pos x="connsiteX30" y="connsiteY30"/>
+              </a:cxn>
+              <a:cxn ang="0">
+                <a:pos x="connsiteX31" y="connsiteY31"/>
+              </a:cxn>
+              <a:cxn ang="0">
+                <a:pos x="connsiteX32" y="connsiteY32"/>
+              </a:cxn>
+              <a:cxn ang="0">
+                <a:pos x="connsiteX33" y="connsiteY33"/>
+              </a:cxn>
+              <a:cxn ang="0">
+                <a:pos x="connsiteX34" y="connsiteY34"/>
+              </a:cxn>
+              <a:cxn ang="0">
+                <a:pos x="connsiteX35" y="connsiteY35"/>
+              </a:cxn>
+              <a:cxn ang="0">
+                <a:pos x="connsiteX36" y="connsiteY36"/>
+              </a:cxn>
+              <a:cxn ang="0">
+                <a:pos x="connsiteX37" y="connsiteY37"/>
+              </a:cxn>
+              <a:cxn ang="0">
+                <a:pos x="connsiteX38" y="connsiteY38"/>
+              </a:cxn>
+              <a:cxn ang="0">
+                <a:pos x="connsiteX39" y="connsiteY39"/>
+              </a:cxn>
+              <a:cxn ang="0">
+                <a:pos x="connsiteX40" y="connsiteY40"/>
+              </a:cxn>
+              <a:cxn ang="0">
+                <a:pos x="connsiteX41" y="connsiteY41"/>
+              </a:cxn>
+              <a:cxn ang="0">
+                <a:pos x="connsiteX42" y="connsiteY42"/>
+              </a:cxn>
+              <a:cxn ang="0">
+                <a:pos x="connsiteX43" y="connsiteY43"/>
+              </a:cxn>
+              <a:cxn ang="0">
+                <a:pos x="connsiteX44" y="connsiteY44"/>
+              </a:cxn>
+              <a:cxn ang="0">
+                <a:pos x="connsiteX45" y="connsiteY45"/>
+              </a:cxn>
+              <a:cxn ang="0">
+                <a:pos x="connsiteX46" y="connsiteY46"/>
+              </a:cxn>
+              <a:cxn ang="0">
+                <a:pos x="connsiteX47" y="connsiteY47"/>
+              </a:cxn>
+              <a:cxn ang="0">
+                <a:pos x="connsiteX48" y="connsiteY48"/>
+              </a:cxn>
+              <a:cxn ang="0">
+                <a:pos x="connsiteX49" y="connsiteY49"/>
+              </a:cxn>
+              <a:cxn ang="0">
+                <a:pos x="connsiteX50" y="connsiteY50"/>
+              </a:cxn>
+              <a:cxn ang="0">
+                <a:pos x="connsiteX51" y="connsiteY51"/>
+              </a:cxn>
+            </a:cxnLst>
+            <a:rect l="l" t="t" r="r" b="b"/>
+            <a:pathLst>
+              <a:path w="4990911" h="6858001">
+                <a:moveTo>
+                  <a:pt x="3646196" y="0"/>
+                </a:moveTo>
+                <a:lnTo>
+                  <a:pt x="4989734" y="0"/>
+                </a:lnTo>
+                <a:lnTo>
+                  <a:pt x="4964689" y="155677"/>
+                </a:lnTo>
+                <a:lnTo>
+                  <a:pt x="4940820" y="310668"/>
+                </a:lnTo>
+                <a:lnTo>
+                  <a:pt x="4917456" y="466344"/>
+                </a:lnTo>
+                <a:lnTo>
+                  <a:pt x="4897453" y="622707"/>
+                </a:lnTo>
+                <a:lnTo>
+                  <a:pt x="4877282" y="778383"/>
+                </a:lnTo>
+                <a:lnTo>
+                  <a:pt x="4858456" y="934746"/>
+                </a:lnTo>
+                <a:lnTo>
+                  <a:pt x="4842320" y="1089051"/>
+                </a:lnTo>
+                <a:lnTo>
+                  <a:pt x="4827024" y="1245413"/>
+                </a:lnTo>
+                <a:lnTo>
+                  <a:pt x="4813072" y="1401090"/>
+                </a:lnTo>
+                <a:lnTo>
+                  <a:pt x="4800970" y="1554023"/>
+                </a:lnTo>
+                <a:lnTo>
+                  <a:pt x="4788867" y="1709014"/>
+                </a:lnTo>
+                <a:lnTo>
+                  <a:pt x="4778782" y="1861947"/>
+                </a:lnTo>
+                <a:lnTo>
+                  <a:pt x="4770882" y="2014881"/>
+                </a:lnTo>
+                <a:lnTo>
+                  <a:pt x="4762645" y="2167128"/>
+                </a:lnTo>
+                <a:lnTo>
+                  <a:pt x="4755754" y="2318004"/>
+                </a:lnTo>
+                <a:lnTo>
+                  <a:pt x="4750879" y="2467509"/>
+                </a:lnTo>
+                <a:lnTo>
+                  <a:pt x="4746677" y="2617013"/>
+                </a:lnTo>
+                <a:lnTo>
+                  <a:pt x="4742643" y="2765146"/>
+                </a:lnTo>
+                <a:lnTo>
+                  <a:pt x="4740794" y="2911221"/>
+                </a:lnTo>
+                <a:lnTo>
+                  <a:pt x="4738777" y="3057297"/>
+                </a:lnTo>
+                <a:lnTo>
+                  <a:pt x="4737768" y="3201315"/>
+                </a:lnTo>
+                <a:lnTo>
+                  <a:pt x="4738777" y="3343961"/>
+                </a:lnTo>
+                <a:lnTo>
+                  <a:pt x="4738777" y="3485236"/>
+                </a:lnTo>
+                <a:lnTo>
+                  <a:pt x="4740794" y="3625139"/>
+                </a:lnTo>
+                <a:lnTo>
+                  <a:pt x="4743819" y="3762299"/>
+                </a:lnTo>
+                <a:lnTo>
+                  <a:pt x="4746677" y="3898087"/>
+                </a:lnTo>
+                <a:lnTo>
+                  <a:pt x="4749871" y="4031133"/>
+                </a:lnTo>
+                <a:lnTo>
+                  <a:pt x="4754745" y="4163492"/>
+                </a:lnTo>
+                <a:lnTo>
+                  <a:pt x="4759956" y="4293793"/>
+                </a:lnTo>
+                <a:lnTo>
+                  <a:pt x="4764662" y="4421352"/>
+                </a:lnTo>
+                <a:lnTo>
+                  <a:pt x="4777942" y="4670298"/>
+                </a:lnTo>
+                <a:lnTo>
+                  <a:pt x="4792061" y="4908956"/>
+                </a:lnTo>
+                <a:lnTo>
+                  <a:pt x="4806853" y="5138013"/>
+                </a:lnTo>
+                <a:lnTo>
+                  <a:pt x="4823158" y="5354726"/>
+                </a:lnTo>
+                <a:lnTo>
+                  <a:pt x="4840135" y="5561838"/>
+                </a:lnTo>
+                <a:lnTo>
+                  <a:pt x="4858456" y="5753862"/>
+                </a:lnTo>
+                <a:lnTo>
+                  <a:pt x="4876442" y="5934227"/>
+                </a:lnTo>
+                <a:lnTo>
+                  <a:pt x="4894427" y="6100191"/>
+                </a:lnTo>
+                <a:lnTo>
+                  <a:pt x="4911404" y="6252438"/>
+                </a:lnTo>
+                <a:lnTo>
+                  <a:pt x="4927541" y="6387541"/>
+                </a:lnTo>
+                <a:lnTo>
+                  <a:pt x="4942837" y="6509613"/>
+                </a:lnTo>
+                <a:lnTo>
+                  <a:pt x="4955612" y="6612483"/>
+                </a:lnTo>
+                <a:lnTo>
+                  <a:pt x="4967714" y="6698894"/>
+                </a:lnTo>
+                <a:lnTo>
+                  <a:pt x="4985028" y="6817538"/>
+                </a:lnTo>
+                <a:lnTo>
+                  <a:pt x="4990911" y="6858000"/>
+                </a:lnTo>
+                <a:lnTo>
+                  <a:pt x="4085557" y="6858000"/>
+                </a:lnTo>
+                <a:lnTo>
+                  <a:pt x="4085557" y="6858001"/>
+                </a:lnTo>
+                <a:lnTo>
+                  <a:pt x="0" y="6858001"/>
+                </a:lnTo>
+                <a:lnTo>
+                  <a:pt x="0" y="1"/>
+                </a:lnTo>
+                <a:lnTo>
+                  <a:pt x="3646196" y="1"/>
+                </a:lnTo>
+                <a:close/>
+              </a:path>
+            </a:pathLst>
+          </a:custGeom>
+          <a:ln>
+            <a:noFill/>
+          </a:ln>
+        </p:spPr>
+        <p:style>
+          <a:lnRef idx="2">
+            <a:schemeClr val="accent1">
+              <a:shade val="50000"/>
+            </a:schemeClr>
+          </a:lnRef>
+          <a:fillRef idx="1003">
+            <a:schemeClr val="dk2"/>
+          </a:fillRef>
+          <a:effectRef idx="0">
+            <a:schemeClr val="accent1"/>
+          </a:effectRef>
+          <a:fontRef idx="minor">
+            <a:schemeClr val="lt1"/>
+          </a:fontRef>
+        </p:style>
+        <p:txBody>
+          <a:bodyPr rtlCol="0" anchor="ctr"/>
+          <a:lstStyle/>
+          <a:p>
+            <a:pPr algn="ctr"/>
+            <a:endParaRPr lang="en-US"/>
+          </a:p>
+        </p:txBody>
+      </p:sp>
+      <p:sp>
+        <p:nvSpPr>
+          <p:cNvPr id="14" name="Rectangle 13">
+            <a:extLst>
+              <a:ext uri="{FF2B5EF4-FFF2-40B4-BE49-F238E27FC236}">
+                <a16:creationId xmlns:a16="http://schemas.microsoft.com/office/drawing/2014/main" id="{0BA768A8-4FED-4ED8-9E46-6BE72188ECD2}"/>
+              </a:ext>
+              <a:ext uri="{C183D7F6-B498-43B3-948B-1728B52AA6E4}">
+                <adec:decorative xmlns:adec="http://schemas.microsoft.com/office/drawing/2017/decorative" val="1"/>
+              </a:ext>
+            </a:extLst>
+          </p:cNvPr>
+          <p:cNvSpPr>
+            <a:spLocks noGrp="1" noRot="1" noChangeAspect="1" noMove="1" noResize="1" noEditPoints="1" noAdjustHandles="1" noChangeArrowheads="1" noChangeShapeType="1" noTextEdit="1"/>
+          </p:cNvSpPr>
+          <p:nvPr>
+            <p:extLst>
+              <p:ext uri="{386F3935-93C4-4BCD-93E2-E3B085C9AB24}">
+                <p16:designElem xmlns:p16="http://schemas.microsoft.com/office/powerpoint/2015/main" val="1"/>
+              </p:ext>
+            </p:extLst>
+          </p:nvPr>
+        </p:nvSpPr>
+        <p:spPr>
+          <a:xfrm>
+            <a:off x="10437812" y="0"/>
+            <a:ext cx="685800" cy="1143000"/>
+          </a:xfrm>
+          <a:prstGeom prst="rect">
+            <a:avLst/>
+          </a:prstGeom>
+          <a:solidFill>
+            <a:schemeClr val="accent1"/>
+          </a:solidFill>
+          <a:ln>
+            <a:noFill/>
+          </a:ln>
+        </p:spPr>
+        <p:style>
+          <a:lnRef idx="1">
+            <a:schemeClr val="accent1"/>
+          </a:lnRef>
+          <a:fillRef idx="3">
+            <a:schemeClr val="accent1"/>
+          </a:fillRef>
+          <a:effectRef idx="2">
+            <a:schemeClr val="accent1"/>
+          </a:effectRef>
+          <a:fontRef idx="minor">
+            <a:schemeClr val="lt1"/>
+          </a:fontRef>
+        </p:style>
+        <p:txBody>
+          <a:bodyPr/>
+          <a:lstStyle/>
+          <a:p>
+            <a:endParaRPr lang="en-DK"/>
+          </a:p>
+        </p:txBody>
+      </p:sp>
+      <p:sp>
+        <p:nvSpPr>
+          <p:cNvPr id="2" name="Titel 1">
+            <a:extLst>
+              <a:ext uri="{FF2B5EF4-FFF2-40B4-BE49-F238E27FC236}">
+                <a16:creationId xmlns:a16="http://schemas.microsoft.com/office/drawing/2014/main" id="{0A69EEEE-C965-4E46-FAB8-79523327711F}"/>
+              </a:ext>
+            </a:extLst>
+          </p:cNvPr>
+          <p:cNvSpPr>
+            <a:spLocks noGrp="1"/>
+          </p:cNvSpPr>
+          <p:nvPr>
+            <p:ph type="title"/>
+          </p:nvPr>
+        </p:nvSpPr>
+        <p:spPr>
+          <a:xfrm>
+            <a:off x="653143" y="1645920"/>
+            <a:ext cx="3522879" cy="4470821"/>
+          </a:xfrm>
+        </p:spPr>
+        <p:txBody>
+          <a:bodyPr>
+            <a:normAutofit/>
+          </a:bodyPr>
+          <a:lstStyle/>
+          <a:p>
+            <a:pPr algn="r"/>
+            <a:r>
+              <a:rPr lang="en-DK" sz="3900">
+                <a:solidFill>
+                  <a:srgbClr val="FFFFFF"/>
+                </a:solidFill>
+              </a:rPr>
+              <a:t>GPIO/Analog input</a:t>
+            </a:r>
+          </a:p>
+        </p:txBody>
+      </p:sp>
+      <p:sp>
+        <p:nvSpPr>
+          <p:cNvPr id="3" name="Pladsholder til indhold 2">
+            <a:extLst>
+              <a:ext uri="{FF2B5EF4-FFF2-40B4-BE49-F238E27FC236}">
+                <a16:creationId xmlns:a16="http://schemas.microsoft.com/office/drawing/2014/main" id="{ADAC461C-F3E1-421E-845E-6C0137FB9CF0}"/>
+              </a:ext>
+            </a:extLst>
+          </p:cNvPr>
+          <p:cNvSpPr>
+            <a:spLocks noGrp="1"/>
+          </p:cNvSpPr>
+          <p:nvPr>
+            <p:ph idx="1"/>
+          </p:nvPr>
+        </p:nvSpPr>
+        <p:spPr>
+          <a:xfrm>
+            <a:off x="5204109" y="1645920"/>
+            <a:ext cx="6750203" cy="4470821"/>
+          </a:xfrm>
+        </p:spPr>
+        <p:txBody>
+          <a:bodyPr>
+            <a:normAutofit/>
+          </a:bodyPr>
+          <a:lstStyle/>
+          <a:p>
+            <a:pPr marL="0" indent="0">
+              <a:lnSpc>
+                <a:spcPct val="90000"/>
+              </a:lnSpc>
+              <a:buNone/>
+            </a:pPr>
+            <a:r>
+              <a:rPr lang="en-GB" sz="800" dirty="0"/>
+              <a:t>GPIO - De </a:t>
+            </a:r>
+            <a:r>
+              <a:rPr lang="en-GB" sz="800" dirty="0" err="1"/>
+              <a:t>Digitale</a:t>
+            </a:r>
+            <a:r>
+              <a:rPr lang="en-GB" sz="800" dirty="0"/>
+              <a:t> </a:t>
+            </a:r>
+            <a:r>
+              <a:rPr lang="en-GB" sz="800" dirty="0" err="1"/>
+              <a:t>Schweizerknive</a:t>
+            </a:r>
+            <a:r>
+              <a:rPr lang="en-DK" sz="800" dirty="0"/>
+              <a:t> (</a:t>
+            </a:r>
+            <a:r>
+              <a:rPr lang="en-GB" sz="800" dirty="0"/>
+              <a:t>GPIO: </a:t>
+            </a:r>
+            <a:r>
+              <a:rPr lang="en-GB" sz="800" dirty="0" err="1"/>
+              <a:t>Står</a:t>
+            </a:r>
+            <a:r>
+              <a:rPr lang="en-GB" sz="800" dirty="0"/>
+              <a:t> for General Purpose Input/Output</a:t>
+            </a:r>
+            <a:r>
+              <a:rPr lang="en-DK" sz="800" dirty="0"/>
+              <a:t>)</a:t>
+            </a:r>
+            <a:endParaRPr lang="en-GB" sz="800" dirty="0"/>
+          </a:p>
+          <a:p>
+            <a:pPr marL="0" indent="0">
+              <a:lnSpc>
+                <a:spcPct val="90000"/>
+              </a:lnSpc>
+              <a:buNone/>
+            </a:pPr>
+            <a:r>
+              <a:rPr lang="en-GB" sz="800" dirty="0"/>
+              <a:t>GPIO </a:t>
+            </a:r>
+            <a:r>
+              <a:rPr lang="en-GB" sz="800" dirty="0" err="1"/>
+              <a:t>Funktioner</a:t>
+            </a:r>
+            <a:r>
+              <a:rPr lang="en-GB" sz="800" dirty="0"/>
+              <a:t> (Primære):</a:t>
+            </a:r>
+          </a:p>
+          <a:p>
+            <a:pPr>
+              <a:lnSpc>
+                <a:spcPct val="90000"/>
+              </a:lnSpc>
+            </a:pPr>
+            <a:r>
+              <a:rPr lang="en-GB" sz="800" dirty="0"/>
+              <a:t>Digital Input (INPUT):</a:t>
+            </a:r>
+          </a:p>
+          <a:p>
+            <a:pPr>
+              <a:lnSpc>
+                <a:spcPct val="90000"/>
+              </a:lnSpc>
+            </a:pPr>
+            <a:r>
+              <a:rPr lang="en-GB" sz="800" dirty="0" err="1"/>
+              <a:t>Læser</a:t>
+            </a:r>
+            <a:r>
+              <a:rPr lang="en-GB" sz="800" dirty="0"/>
+              <a:t> </a:t>
+            </a:r>
+            <a:r>
+              <a:rPr lang="en-GB" sz="800" dirty="0" err="1"/>
+              <a:t>en</a:t>
+            </a:r>
+            <a:r>
+              <a:rPr lang="en-GB" sz="800" dirty="0"/>
+              <a:t> digital </a:t>
+            </a:r>
+            <a:r>
+              <a:rPr lang="en-GB" sz="800" dirty="0" err="1"/>
+              <a:t>tilstand</a:t>
+            </a:r>
+            <a:r>
+              <a:rPr lang="en-GB" sz="800" dirty="0"/>
+              <a:t>: HØJ (</a:t>
+            </a:r>
+            <a:r>
+              <a:rPr lang="en-GB" sz="800" dirty="0" err="1"/>
+              <a:t>typisk</a:t>
+            </a:r>
+            <a:r>
+              <a:rPr lang="en-GB" sz="800" dirty="0"/>
+              <a:t> ~3.3V) </a:t>
+            </a:r>
+            <a:r>
+              <a:rPr lang="en-GB" sz="800" dirty="0" err="1"/>
+              <a:t>eller</a:t>
+            </a:r>
+            <a:r>
+              <a:rPr lang="en-GB" sz="800" dirty="0"/>
+              <a:t> LAV (</a:t>
+            </a:r>
+            <a:r>
+              <a:rPr lang="en-GB" sz="800" dirty="0" err="1"/>
+              <a:t>typisk</a:t>
+            </a:r>
+            <a:r>
+              <a:rPr lang="en-GB" sz="800" dirty="0"/>
+              <a:t> ~0V / GND).</a:t>
+            </a:r>
+          </a:p>
+          <a:p>
+            <a:pPr>
+              <a:lnSpc>
+                <a:spcPct val="90000"/>
+              </a:lnSpc>
+            </a:pPr>
+            <a:r>
+              <a:rPr lang="en-GB" sz="800" dirty="0"/>
+              <a:t>Bruges </a:t>
+            </a:r>
+            <a:r>
+              <a:rPr lang="en-GB" sz="800" dirty="0" err="1"/>
+              <a:t>til</a:t>
+            </a:r>
+            <a:r>
+              <a:rPr lang="en-GB" sz="800" dirty="0"/>
+              <a:t> </a:t>
+            </a:r>
+            <a:r>
+              <a:rPr lang="en-GB" sz="800" dirty="0" err="1"/>
+              <a:t>knapper</a:t>
+            </a:r>
+            <a:r>
+              <a:rPr lang="en-GB" sz="800" dirty="0"/>
+              <a:t>, simple </a:t>
+            </a:r>
+            <a:r>
+              <a:rPr lang="en-GB" sz="800" dirty="0" err="1"/>
+              <a:t>sensorer</a:t>
+            </a:r>
+            <a:r>
+              <a:rPr lang="en-GB" sz="800" dirty="0"/>
+              <a:t> (</a:t>
+            </a:r>
+            <a:r>
+              <a:rPr lang="en-GB" sz="800" dirty="0" err="1"/>
+              <a:t>f.eks</a:t>
+            </a:r>
+            <a:r>
+              <a:rPr lang="en-GB" sz="800" dirty="0"/>
+              <a:t>. </a:t>
+            </a:r>
+            <a:r>
+              <a:rPr lang="en-GB" sz="800" dirty="0" err="1"/>
+              <a:t>bevægelsessensor</a:t>
+            </a:r>
+            <a:r>
+              <a:rPr lang="en-GB" sz="800" dirty="0"/>
+              <a:t>), signal fra </a:t>
+            </a:r>
+            <a:r>
+              <a:rPr lang="en-GB" sz="800" dirty="0" err="1"/>
+              <a:t>andre</a:t>
+            </a:r>
+            <a:r>
+              <a:rPr lang="en-GB" sz="800" dirty="0"/>
+              <a:t> </a:t>
+            </a:r>
+            <a:r>
+              <a:rPr lang="en-GB" sz="800" dirty="0" err="1"/>
+              <a:t>enheder</a:t>
+            </a:r>
+            <a:r>
+              <a:rPr lang="en-GB" sz="800" dirty="0"/>
+              <a:t>.</a:t>
+            </a:r>
+          </a:p>
+          <a:p>
+            <a:pPr>
+              <a:lnSpc>
+                <a:spcPct val="90000"/>
+              </a:lnSpc>
+            </a:pPr>
+            <a:r>
+              <a:rPr lang="en-GB" sz="800" dirty="0"/>
+              <a:t>Kan </a:t>
+            </a:r>
+            <a:r>
+              <a:rPr lang="en-GB" sz="800" dirty="0" err="1"/>
+              <a:t>ofte</a:t>
+            </a:r>
+            <a:r>
+              <a:rPr lang="en-GB" sz="800" dirty="0"/>
+              <a:t> </a:t>
+            </a:r>
+            <a:r>
+              <a:rPr lang="en-GB" sz="800" dirty="0" err="1"/>
+              <a:t>konfigureres</a:t>
+            </a:r>
+            <a:r>
+              <a:rPr lang="en-GB" sz="800" dirty="0"/>
+              <a:t> med INPUT_PULLUP (intern </a:t>
+            </a:r>
+            <a:r>
+              <a:rPr lang="en-GB" sz="800" dirty="0" err="1"/>
+              <a:t>modstand</a:t>
+            </a:r>
+            <a:r>
+              <a:rPr lang="en-GB" sz="800" dirty="0"/>
+              <a:t> </a:t>
+            </a:r>
+            <a:r>
+              <a:rPr lang="en-GB" sz="800" dirty="0" err="1"/>
+              <a:t>til</a:t>
+            </a:r>
+            <a:r>
+              <a:rPr lang="en-GB" sz="800" dirty="0"/>
+              <a:t> 3.3V) </a:t>
+            </a:r>
+            <a:r>
+              <a:rPr lang="en-GB" sz="800" dirty="0" err="1"/>
+              <a:t>eller</a:t>
+            </a:r>
+            <a:r>
+              <a:rPr lang="en-GB" sz="800" dirty="0"/>
+              <a:t> INPUT_PULLDOWN (intern </a:t>
+            </a:r>
+            <a:r>
+              <a:rPr lang="en-GB" sz="800" dirty="0" err="1"/>
+              <a:t>modstand</a:t>
+            </a:r>
+            <a:r>
+              <a:rPr lang="en-GB" sz="800" dirty="0"/>
+              <a:t> </a:t>
+            </a:r>
+            <a:r>
+              <a:rPr lang="en-GB" sz="800" dirty="0" err="1"/>
+              <a:t>til</a:t>
+            </a:r>
+            <a:r>
+              <a:rPr lang="en-GB" sz="800" dirty="0"/>
+              <a:t> GND) for at </a:t>
+            </a:r>
+            <a:r>
+              <a:rPr lang="en-GB" sz="800" dirty="0" err="1"/>
+              <a:t>sikre</a:t>
+            </a:r>
+            <a:r>
+              <a:rPr lang="en-GB" sz="800" dirty="0"/>
+              <a:t> </a:t>
+            </a:r>
+            <a:r>
+              <a:rPr lang="en-GB" sz="800" dirty="0" err="1"/>
+              <a:t>en</a:t>
+            </a:r>
+            <a:r>
+              <a:rPr lang="en-GB" sz="800" dirty="0"/>
+              <a:t> </a:t>
+            </a:r>
+            <a:r>
+              <a:rPr lang="en-GB" sz="800" dirty="0" err="1"/>
+              <a:t>stabil</a:t>
+            </a:r>
+            <a:r>
+              <a:rPr lang="en-GB" sz="800" dirty="0"/>
+              <a:t> </a:t>
+            </a:r>
+            <a:r>
+              <a:rPr lang="en-GB" sz="800" dirty="0" err="1"/>
+              <a:t>tilstand</a:t>
+            </a:r>
+            <a:r>
+              <a:rPr lang="en-GB" sz="800" dirty="0"/>
+              <a:t>, </a:t>
+            </a:r>
+            <a:r>
+              <a:rPr lang="en-GB" sz="800" dirty="0" err="1"/>
+              <a:t>når</a:t>
+            </a:r>
+            <a:r>
+              <a:rPr lang="en-GB" sz="800" dirty="0"/>
+              <a:t> </a:t>
+            </a:r>
+            <a:r>
+              <a:rPr lang="en-GB" sz="800" dirty="0" err="1"/>
+              <a:t>intet</a:t>
+            </a:r>
+            <a:r>
+              <a:rPr lang="en-GB" sz="800" dirty="0"/>
+              <a:t> er </a:t>
+            </a:r>
+            <a:r>
+              <a:rPr lang="en-GB" sz="800" dirty="0" err="1"/>
+              <a:t>tilsluttet</a:t>
+            </a:r>
+            <a:r>
+              <a:rPr lang="en-GB" sz="800" dirty="0"/>
+              <a:t>.</a:t>
+            </a:r>
+          </a:p>
+          <a:p>
+            <a:pPr marL="0" indent="0">
+              <a:lnSpc>
+                <a:spcPct val="90000"/>
+              </a:lnSpc>
+              <a:buNone/>
+            </a:pPr>
+            <a:r>
+              <a:rPr lang="en-GB" sz="800" dirty="0"/>
+              <a:t>Digital Output (OUTPUT):</a:t>
+            </a:r>
+          </a:p>
+          <a:p>
+            <a:pPr>
+              <a:lnSpc>
+                <a:spcPct val="90000"/>
+              </a:lnSpc>
+            </a:pPr>
+            <a:r>
+              <a:rPr lang="en-GB" sz="800" dirty="0"/>
+              <a:t>Sætter </a:t>
+            </a:r>
+            <a:r>
+              <a:rPr lang="en-GB" sz="800" dirty="0" err="1"/>
+              <a:t>en</a:t>
+            </a:r>
+            <a:r>
+              <a:rPr lang="en-GB" sz="800" dirty="0"/>
+              <a:t> digital </a:t>
+            </a:r>
+            <a:r>
+              <a:rPr lang="en-GB" sz="800" dirty="0" err="1"/>
+              <a:t>tilstand</a:t>
+            </a:r>
+            <a:r>
+              <a:rPr lang="en-GB" sz="800" dirty="0"/>
+              <a:t>: HØJ (3.3V) </a:t>
+            </a:r>
+            <a:r>
+              <a:rPr lang="en-GB" sz="800" dirty="0" err="1"/>
+              <a:t>eller</a:t>
+            </a:r>
+            <a:r>
+              <a:rPr lang="en-GB" sz="800" dirty="0"/>
+              <a:t> LAV (GND).</a:t>
+            </a:r>
+          </a:p>
+          <a:p>
+            <a:pPr>
+              <a:lnSpc>
+                <a:spcPct val="90000"/>
+              </a:lnSpc>
+            </a:pPr>
+            <a:r>
+              <a:rPr lang="en-GB" sz="800" dirty="0"/>
+              <a:t>Bruges </a:t>
+            </a:r>
+            <a:r>
+              <a:rPr lang="en-GB" sz="800" dirty="0" err="1"/>
+              <a:t>til</a:t>
+            </a:r>
+            <a:r>
+              <a:rPr lang="en-GB" sz="800" dirty="0"/>
+              <a:t> at </a:t>
+            </a:r>
+            <a:r>
+              <a:rPr lang="en-GB" sz="800" dirty="0" err="1"/>
+              <a:t>tænde</a:t>
+            </a:r>
+            <a:r>
+              <a:rPr lang="en-GB" sz="800" dirty="0"/>
+              <a:t>/</a:t>
+            </a:r>
+            <a:r>
+              <a:rPr lang="en-GB" sz="800" dirty="0" err="1"/>
+              <a:t>slukke</a:t>
+            </a:r>
+            <a:r>
+              <a:rPr lang="en-GB" sz="800" dirty="0"/>
+              <a:t> LEDs, </a:t>
+            </a:r>
+            <a:r>
+              <a:rPr lang="en-GB" sz="800" dirty="0" err="1"/>
+              <a:t>styre</a:t>
+            </a:r>
+            <a:r>
+              <a:rPr lang="en-GB" sz="800" dirty="0"/>
+              <a:t> </a:t>
+            </a:r>
+            <a:r>
+              <a:rPr lang="en-GB" sz="800" dirty="0" err="1"/>
+              <a:t>relæer</a:t>
+            </a:r>
+            <a:r>
+              <a:rPr lang="en-GB" sz="800" dirty="0"/>
+              <a:t> (via transistor), </a:t>
+            </a:r>
+            <a:r>
+              <a:rPr lang="en-GB" sz="800" dirty="0" err="1"/>
+              <a:t>sende</a:t>
+            </a:r>
+            <a:r>
+              <a:rPr lang="en-GB" sz="800" dirty="0"/>
+              <a:t> simple </a:t>
+            </a:r>
+            <a:r>
+              <a:rPr lang="en-GB" sz="800" dirty="0" err="1"/>
+              <a:t>signaler</a:t>
+            </a:r>
+            <a:r>
+              <a:rPr lang="en-GB" sz="800" dirty="0"/>
+              <a:t>.</a:t>
+            </a:r>
+          </a:p>
+        </p:txBody>
+      </p:sp>
+    </p:spTree>
+    <p:extLst>
+      <p:ext uri="{BB962C8B-B14F-4D97-AF65-F5344CB8AC3E}">
+        <p14:creationId xmlns:p14="http://schemas.microsoft.com/office/powerpoint/2010/main" val="3955616230"/>
+      </p:ext>
+    </p:extLst>
+  </p:cSld>
+  <p:clrMapOvr>
+    <a:overrideClrMapping bg1="lt1" tx1="dk1" bg2="lt2" tx2="dk2" accent1="accent1" accent2="accent2" accent3="accent3" accent4="accent4" accent5="accent5" accent6="accent6" hlink="hlink" folHlink="folHlink"/>
+  </p:clrMapOvr>
+</p:sld>
+</file>
+
+<file path=ppt/slides/slide19.xml><?xml version="1.0" encoding="utf-8"?>
+<p:sld xmlns:a="http://schemas.openxmlformats.org/drawingml/2006/main" xmlns:r="http://schemas.openxmlformats.org/officeDocument/2006/relationships" xmlns:p="http://schemas.openxmlformats.org/presentationml/2006/main">
+  <p:cSld>
+    <p:spTree>
+      <p:nvGrpSpPr>
+        <p:cNvPr id="1" name=""/>
+        <p:cNvGrpSpPr/>
+        <p:nvPr/>
+      </p:nvGrpSpPr>
+      <p:grpSpPr>
+        <a:xfrm>
+          <a:off x="0" y="0"/>
+          <a:ext cx="0" cy="0"/>
+          <a:chOff x="0" y="0"/>
+          <a:chExt cx="0" cy="0"/>
+        </a:xfrm>
+      </p:grpSpPr>
+      <p:sp>
+        <p:nvSpPr>
+          <p:cNvPr id="2" name="Titel 1">
+            <a:extLst>
+              <a:ext uri="{FF2B5EF4-FFF2-40B4-BE49-F238E27FC236}">
+                <a16:creationId xmlns:a16="http://schemas.microsoft.com/office/drawing/2014/main" id="{E29A0DFD-BCCE-99D8-3064-360E4533D969}"/>
+              </a:ext>
+            </a:extLst>
+          </p:cNvPr>
+          <p:cNvSpPr>
+            <a:spLocks noGrp="1"/>
+          </p:cNvSpPr>
+          <p:nvPr>
+            <p:ph type="title"/>
+          </p:nvPr>
+        </p:nvSpPr>
+        <p:spPr/>
+        <p:txBody>
+          <a:bodyPr/>
+          <a:lstStyle/>
+          <a:p>
+            <a:r>
+              <a:rPr lang="en-DK" dirty="0"/>
+              <a:t>GPIO/Analog input</a:t>
+            </a:r>
+          </a:p>
+        </p:txBody>
+      </p:sp>
+      <p:sp>
+        <p:nvSpPr>
+          <p:cNvPr id="3" name="Pladsholder til indhold 2">
+            <a:extLst>
+              <a:ext uri="{FF2B5EF4-FFF2-40B4-BE49-F238E27FC236}">
+                <a16:creationId xmlns:a16="http://schemas.microsoft.com/office/drawing/2014/main" id="{46637D79-421A-6068-E386-31D2BC2425C3}"/>
+              </a:ext>
+            </a:extLst>
+          </p:cNvPr>
+          <p:cNvSpPr>
+            <a:spLocks noGrp="1"/>
+          </p:cNvSpPr>
+          <p:nvPr>
+            <p:ph idx="1"/>
+          </p:nvPr>
+        </p:nvSpPr>
+        <p:spPr>
+          <a:xfrm>
+            <a:off x="646111" y="1426146"/>
+            <a:ext cx="8946541" cy="4195481"/>
+          </a:xfrm>
+        </p:spPr>
+        <p:txBody>
+          <a:bodyPr>
+            <a:normAutofit fontScale="70000" lnSpcReduction="20000"/>
+          </a:bodyPr>
+          <a:lstStyle/>
+          <a:p>
+            <a:pPr marL="0" indent="0">
+              <a:buNone/>
+            </a:pPr>
+            <a:r>
+              <a:rPr lang="en-GB" dirty="0"/>
+              <a:t>Analog Input - </a:t>
+            </a:r>
+            <a:r>
+              <a:rPr lang="en-GB" dirty="0" err="1"/>
+              <a:t>Måling</a:t>
+            </a:r>
+            <a:r>
+              <a:rPr lang="en-GB" dirty="0"/>
+              <a:t> </a:t>
+            </a:r>
+            <a:r>
+              <a:rPr lang="en-GB" dirty="0" err="1"/>
+              <a:t>af</a:t>
+            </a:r>
+            <a:r>
+              <a:rPr lang="en-GB" dirty="0"/>
+              <a:t> </a:t>
+            </a:r>
+            <a:r>
+              <a:rPr lang="en-GB" dirty="0" err="1"/>
+              <a:t>Kontinuerlige</a:t>
+            </a:r>
+            <a:r>
+              <a:rPr lang="en-GB" dirty="0"/>
+              <a:t> </a:t>
+            </a:r>
+            <a:r>
+              <a:rPr lang="en-GB" dirty="0" err="1"/>
+              <a:t>Værdier</a:t>
+            </a:r>
+            <a:endParaRPr lang="en-GB" dirty="0"/>
+          </a:p>
+          <a:p>
+            <a:r>
+              <a:rPr lang="en-GB" dirty="0" err="1"/>
+              <a:t>Hvad</a:t>
+            </a:r>
+            <a:r>
+              <a:rPr lang="en-GB" dirty="0"/>
+              <a:t> er det? </a:t>
+            </a:r>
+            <a:r>
+              <a:rPr lang="en-GB" dirty="0" err="1"/>
+              <a:t>Evnen</a:t>
+            </a:r>
+            <a:r>
+              <a:rPr lang="en-GB" dirty="0"/>
+              <a:t> </a:t>
+            </a:r>
+            <a:r>
+              <a:rPr lang="en-GB" dirty="0" err="1"/>
+              <a:t>til</a:t>
+            </a:r>
+            <a:r>
+              <a:rPr lang="en-GB" dirty="0"/>
+              <a:t> at </a:t>
+            </a:r>
+            <a:r>
+              <a:rPr lang="en-GB" dirty="0" err="1"/>
+              <a:t>måle</a:t>
+            </a:r>
+            <a:r>
+              <a:rPr lang="en-GB" dirty="0"/>
+              <a:t> </a:t>
+            </a:r>
+            <a:r>
+              <a:rPr lang="en-GB" dirty="0" err="1"/>
+              <a:t>en</a:t>
+            </a:r>
+            <a:r>
+              <a:rPr lang="en-GB" dirty="0"/>
+              <a:t> </a:t>
+            </a:r>
+            <a:r>
+              <a:rPr lang="en-GB" dirty="0" err="1"/>
+              <a:t>kontinuert</a:t>
+            </a:r>
+            <a:r>
+              <a:rPr lang="en-GB" dirty="0"/>
+              <a:t> </a:t>
+            </a:r>
+            <a:r>
+              <a:rPr lang="en-GB" dirty="0" err="1"/>
+              <a:t>spænding</a:t>
+            </a:r>
+            <a:r>
+              <a:rPr lang="en-GB" dirty="0"/>
+              <a:t> (</a:t>
+            </a:r>
+            <a:r>
+              <a:rPr lang="en-GB" dirty="0" err="1"/>
+              <a:t>inden</a:t>
+            </a:r>
+            <a:r>
+              <a:rPr lang="en-GB" dirty="0"/>
+              <a:t> for et </a:t>
+            </a:r>
+            <a:r>
+              <a:rPr lang="en-GB" dirty="0" err="1"/>
+              <a:t>bestemt</a:t>
+            </a:r>
+            <a:r>
+              <a:rPr lang="en-GB" dirty="0"/>
+              <a:t> </a:t>
+            </a:r>
+            <a:r>
+              <a:rPr lang="en-GB" dirty="0" err="1"/>
+              <a:t>område</a:t>
+            </a:r>
+            <a:r>
+              <a:rPr lang="en-GB" dirty="0"/>
+              <a:t>) </a:t>
+            </a:r>
+            <a:r>
+              <a:rPr lang="en-GB" dirty="0" err="1"/>
+              <a:t>i</a:t>
+            </a:r>
+            <a:r>
+              <a:rPr lang="en-GB" dirty="0"/>
+              <a:t> </a:t>
+            </a:r>
+            <a:r>
+              <a:rPr lang="en-GB" dirty="0" err="1"/>
+              <a:t>stedet</a:t>
+            </a:r>
+            <a:r>
+              <a:rPr lang="en-GB" dirty="0"/>
+              <a:t> for </a:t>
+            </a:r>
+            <a:r>
+              <a:rPr lang="en-GB" dirty="0" err="1"/>
+              <a:t>kun</a:t>
+            </a:r>
+            <a:r>
+              <a:rPr lang="en-GB" dirty="0"/>
+              <a:t> HØJ/LAV.</a:t>
+            </a:r>
+          </a:p>
+          <a:p>
+            <a:pPr marL="0" indent="0">
+              <a:buNone/>
+            </a:pPr>
+            <a:r>
+              <a:rPr lang="en-GB" dirty="0"/>
+              <a:t>ADC: </a:t>
+            </a:r>
+            <a:r>
+              <a:rPr lang="en-GB" dirty="0" err="1"/>
+              <a:t>Foregår</a:t>
+            </a:r>
+            <a:r>
+              <a:rPr lang="en-GB" dirty="0"/>
+              <a:t> via </a:t>
+            </a:r>
+            <a:r>
+              <a:rPr lang="en-GB" dirty="0" err="1"/>
+              <a:t>en</a:t>
+            </a:r>
+            <a:r>
+              <a:rPr lang="en-GB" dirty="0"/>
+              <a:t> Analog-to-Digital Converter (ADC) </a:t>
+            </a:r>
+            <a:r>
+              <a:rPr lang="en-GB" dirty="0" err="1"/>
+              <a:t>indbygget</a:t>
+            </a:r>
+            <a:r>
+              <a:rPr lang="en-GB" dirty="0"/>
+              <a:t> </a:t>
+            </a:r>
+            <a:r>
+              <a:rPr lang="en-GB" dirty="0" err="1"/>
+              <a:t>i</a:t>
+            </a:r>
+            <a:r>
+              <a:rPr lang="en-GB" dirty="0"/>
+              <a:t> ESP32.</a:t>
+            </a:r>
+          </a:p>
+          <a:p>
+            <a:r>
+              <a:rPr lang="en-GB" dirty="0" err="1"/>
+              <a:t>Anvendelse</a:t>
+            </a:r>
+            <a:r>
+              <a:rPr lang="en-GB" dirty="0"/>
+              <a:t>: </a:t>
+            </a:r>
+            <a:r>
+              <a:rPr lang="en-GB" dirty="0" err="1"/>
+              <a:t>Læsning</a:t>
+            </a:r>
+            <a:r>
+              <a:rPr lang="en-GB" dirty="0"/>
+              <a:t> </a:t>
+            </a:r>
+            <a:r>
+              <a:rPr lang="en-GB" dirty="0" err="1"/>
+              <a:t>af</a:t>
+            </a:r>
+            <a:r>
+              <a:rPr lang="en-GB" dirty="0"/>
+              <a:t> </a:t>
+            </a:r>
+            <a:r>
+              <a:rPr lang="en-GB" dirty="0" err="1"/>
+              <a:t>potentiometre</a:t>
+            </a:r>
+            <a:r>
+              <a:rPr lang="en-GB" dirty="0"/>
+              <a:t>, </a:t>
+            </a:r>
+            <a:r>
+              <a:rPr lang="en-GB" dirty="0" err="1"/>
+              <a:t>lyssensorer</a:t>
+            </a:r>
+            <a:r>
+              <a:rPr lang="en-GB" dirty="0"/>
+              <a:t> (LDR), </a:t>
+            </a:r>
+            <a:r>
+              <a:rPr lang="en-GB" dirty="0" err="1"/>
+              <a:t>analoge</a:t>
+            </a:r>
+            <a:r>
+              <a:rPr lang="en-GB" dirty="0"/>
+              <a:t> </a:t>
+            </a:r>
+            <a:r>
+              <a:rPr lang="en-GB" dirty="0" err="1"/>
+              <a:t>temperatursensorer</a:t>
+            </a:r>
+            <a:r>
+              <a:rPr lang="en-GB" dirty="0"/>
+              <a:t>, joysticks, etc.</a:t>
+            </a:r>
+          </a:p>
+          <a:p>
+            <a:pPr marL="0" indent="0">
+              <a:buNone/>
+            </a:pPr>
+            <a:r>
+              <a:rPr lang="en-GB" dirty="0"/>
+              <a:t>ESP32 ADC </a:t>
+            </a:r>
+            <a:r>
+              <a:rPr lang="en-GB" dirty="0" err="1"/>
+              <a:t>Specifikationer</a:t>
+            </a:r>
+            <a:r>
+              <a:rPr lang="en-GB" dirty="0"/>
+              <a:t>:</a:t>
+            </a:r>
+          </a:p>
+          <a:p>
+            <a:r>
+              <a:rPr lang="en-GB" dirty="0"/>
+              <a:t>Hardware: ESP32 </a:t>
+            </a:r>
+            <a:r>
+              <a:rPr lang="en-GB" dirty="0" err="1"/>
+              <a:t>har</a:t>
+            </a:r>
+            <a:r>
+              <a:rPr lang="en-GB" dirty="0"/>
+              <a:t> </a:t>
+            </a:r>
+            <a:r>
+              <a:rPr lang="en-GB" dirty="0" err="1"/>
+              <a:t>typisk</a:t>
+            </a:r>
+            <a:r>
+              <a:rPr lang="en-GB" dirty="0"/>
+              <a:t> to ADCs (ADC1 </a:t>
+            </a:r>
+            <a:r>
+              <a:rPr lang="en-GB" dirty="0" err="1"/>
+              <a:t>og</a:t>
+            </a:r>
+            <a:r>
+              <a:rPr lang="en-GB" dirty="0"/>
+              <a:t> ADC2).</a:t>
+            </a:r>
+          </a:p>
+          <a:p>
+            <a:r>
+              <a:rPr lang="en-GB" dirty="0" err="1"/>
+              <a:t>Opløsning</a:t>
+            </a:r>
+            <a:r>
+              <a:rPr lang="en-GB" dirty="0"/>
+              <a:t>: Standard er 12-bit. Dette </a:t>
+            </a:r>
+            <a:r>
+              <a:rPr lang="en-GB" dirty="0" err="1"/>
+              <a:t>betyder</a:t>
+            </a:r>
+            <a:r>
+              <a:rPr lang="en-GB" dirty="0"/>
+              <a:t>, at </a:t>
+            </a:r>
+            <a:r>
+              <a:rPr lang="en-GB" dirty="0" err="1"/>
+              <a:t>ADC'en</a:t>
+            </a:r>
+            <a:r>
+              <a:rPr lang="en-GB" dirty="0"/>
+              <a:t> </a:t>
+            </a:r>
+            <a:r>
+              <a:rPr lang="en-GB" dirty="0" err="1"/>
+              <a:t>kan</a:t>
+            </a:r>
+            <a:r>
+              <a:rPr lang="en-GB" dirty="0"/>
+              <a:t> </a:t>
+            </a:r>
+            <a:r>
+              <a:rPr lang="en-GB" dirty="0" err="1"/>
+              <a:t>repræsentere</a:t>
+            </a:r>
+            <a:r>
+              <a:rPr lang="en-GB" dirty="0"/>
+              <a:t> </a:t>
+            </a:r>
+            <a:r>
+              <a:rPr lang="en-GB" dirty="0" err="1"/>
+              <a:t>spændingen</a:t>
+            </a:r>
+            <a:r>
+              <a:rPr lang="en-GB" dirty="0"/>
+              <a:t> </a:t>
+            </a:r>
+            <a:r>
+              <a:rPr lang="en-GB" dirty="0" err="1"/>
+              <a:t>som</a:t>
+            </a:r>
+            <a:r>
+              <a:rPr lang="en-GB" dirty="0"/>
+              <a:t> </a:t>
+            </a:r>
+            <a:r>
+              <a:rPr lang="en-GB" dirty="0" err="1"/>
+              <a:t>en</a:t>
+            </a:r>
+            <a:r>
+              <a:rPr lang="en-GB" dirty="0"/>
+              <a:t> digital </a:t>
+            </a:r>
+            <a:r>
+              <a:rPr lang="en-GB" dirty="0" err="1"/>
+              <a:t>værdi</a:t>
+            </a:r>
+            <a:r>
+              <a:rPr lang="en-GB" dirty="0"/>
+              <a:t> </a:t>
+            </a:r>
+            <a:r>
+              <a:rPr lang="en-GB" dirty="0" err="1"/>
+              <a:t>mellem</a:t>
+            </a:r>
+            <a:r>
+              <a:rPr lang="en-GB" dirty="0"/>
+              <a:t> 0 </a:t>
+            </a:r>
+            <a:r>
+              <a:rPr lang="en-GB" dirty="0" err="1"/>
+              <a:t>og</a:t>
+            </a:r>
+            <a:r>
+              <a:rPr lang="en-GB" dirty="0"/>
+              <a:t> 4095.</a:t>
+            </a:r>
+          </a:p>
+          <a:p>
+            <a:pPr marL="0" indent="0">
+              <a:buNone/>
+            </a:pPr>
+            <a:r>
+              <a:rPr lang="en-GB" dirty="0"/>
+              <a:t>Arduino IDE </a:t>
+            </a:r>
+            <a:r>
+              <a:rPr lang="en-GB" dirty="0" err="1"/>
+              <a:t>Funktioner</a:t>
+            </a:r>
+            <a:r>
+              <a:rPr lang="en-GB" dirty="0"/>
+              <a:t>:</a:t>
+            </a:r>
+          </a:p>
+          <a:p>
+            <a:r>
+              <a:rPr lang="en-GB" dirty="0" err="1"/>
+              <a:t>pinMode</a:t>
+            </a:r>
+            <a:r>
+              <a:rPr lang="en-GB" dirty="0"/>
+              <a:t>(pin, MODE); // Sætter pin </a:t>
+            </a:r>
+            <a:r>
+              <a:rPr lang="en-GB" dirty="0" err="1"/>
+              <a:t>til</a:t>
+            </a:r>
+            <a:r>
+              <a:rPr lang="en-GB" dirty="0"/>
+              <a:t> INPUT, OUTPUT, INPUT_PULLUP etc.</a:t>
+            </a:r>
+          </a:p>
+          <a:p>
+            <a:r>
+              <a:rPr lang="en-GB" dirty="0" err="1"/>
+              <a:t>digitalRead</a:t>
+            </a:r>
+            <a:r>
+              <a:rPr lang="en-GB" dirty="0"/>
+              <a:t>(pin); // </a:t>
+            </a:r>
+            <a:r>
+              <a:rPr lang="en-GB" dirty="0" err="1"/>
+              <a:t>Læser</a:t>
+            </a:r>
+            <a:r>
+              <a:rPr lang="en-GB" dirty="0"/>
+              <a:t> digital </a:t>
+            </a:r>
+            <a:r>
+              <a:rPr lang="en-GB" dirty="0" err="1"/>
+              <a:t>værdi</a:t>
+            </a:r>
+            <a:r>
+              <a:rPr lang="en-GB" dirty="0"/>
+              <a:t> (HIGH/LOW).</a:t>
+            </a:r>
+          </a:p>
+          <a:p>
+            <a:r>
+              <a:rPr lang="en-GB" dirty="0" err="1"/>
+              <a:t>digitalWrite</a:t>
+            </a:r>
+            <a:r>
+              <a:rPr lang="en-GB" dirty="0"/>
+              <a:t>(pin, VALUE); // Skriver digital </a:t>
+            </a:r>
+            <a:r>
+              <a:rPr lang="en-GB" dirty="0" err="1"/>
+              <a:t>værdi</a:t>
+            </a:r>
+            <a:r>
+              <a:rPr lang="en-GB" dirty="0"/>
+              <a:t> (HIGH/LOW).</a:t>
+            </a:r>
+          </a:p>
+          <a:p>
+            <a:r>
+              <a:rPr lang="en-GB" dirty="0" err="1"/>
+              <a:t>analogRead</a:t>
+            </a:r>
+            <a:r>
+              <a:rPr lang="en-GB" dirty="0"/>
+              <a:t>(pin); // </a:t>
+            </a:r>
+            <a:r>
+              <a:rPr lang="en-GB" dirty="0" err="1"/>
+              <a:t>Læser</a:t>
+            </a:r>
+            <a:r>
+              <a:rPr lang="en-GB" dirty="0"/>
+              <a:t> </a:t>
+            </a:r>
+            <a:r>
+              <a:rPr lang="en-GB" dirty="0" err="1"/>
+              <a:t>analog</a:t>
+            </a:r>
+            <a:r>
+              <a:rPr lang="en-GB" dirty="0"/>
+              <a:t> </a:t>
+            </a:r>
+            <a:r>
+              <a:rPr lang="en-GB" dirty="0" err="1"/>
+              <a:t>værdi</a:t>
+            </a:r>
+            <a:r>
+              <a:rPr lang="en-GB" dirty="0"/>
+              <a:t> (0-4095).</a:t>
+            </a:r>
+            <a:endParaRPr lang="en-DK" dirty="0"/>
+          </a:p>
+        </p:txBody>
+      </p:sp>
+      <p:sp>
+        <p:nvSpPr>
+          <p:cNvPr id="4" name="Tekstfelt 3">
+            <a:extLst>
+              <a:ext uri="{FF2B5EF4-FFF2-40B4-BE49-F238E27FC236}">
+                <a16:creationId xmlns:a16="http://schemas.microsoft.com/office/drawing/2014/main" id="{957EB935-EBCD-5024-2ACA-1435C8FFB986}"/>
+              </a:ext>
+            </a:extLst>
+          </p:cNvPr>
+          <p:cNvSpPr txBox="1"/>
+          <p:nvPr/>
+        </p:nvSpPr>
+        <p:spPr>
+          <a:xfrm>
+            <a:off x="4866851" y="6171070"/>
+            <a:ext cx="6949575" cy="553998"/>
+          </a:xfrm>
+          <a:prstGeom prst="rect">
+            <a:avLst/>
+          </a:prstGeom>
+          <a:solidFill>
+            <a:schemeClr val="accent6">
+              <a:alpha val="50000"/>
+            </a:schemeClr>
+          </a:solidFill>
+          <a:ln>
+            <a:noFill/>
+          </a:ln>
+        </p:spPr>
+        <p:style>
+          <a:lnRef idx="0">
+            <a:scrgbClr r="0" g="0" b="0"/>
+          </a:lnRef>
+          <a:fillRef idx="0">
+            <a:scrgbClr r="0" g="0" b="0"/>
+          </a:fillRef>
+          <a:effectRef idx="0">
+            <a:scrgbClr r="0" g="0" b="0"/>
+          </a:effectRef>
+          <a:fontRef idx="minor">
+            <a:schemeClr val="lt1"/>
+          </a:fontRef>
+        </p:style>
+        <p:txBody>
+          <a:bodyPr wrap="square" rtlCol="0">
+            <a:spAutoFit/>
+          </a:bodyPr>
+          <a:lstStyle/>
+          <a:p>
+            <a:r>
+              <a:rPr lang="en-GB" sz="1000" dirty="0"/>
+              <a:t>VIGTIGT: ADC2 &amp; Wi-Fi: Pins </a:t>
+            </a:r>
+            <a:r>
+              <a:rPr lang="en-GB" sz="1000" dirty="0" err="1"/>
+              <a:t>tilsluttet</a:t>
+            </a:r>
+            <a:r>
+              <a:rPr lang="en-GB" sz="1000" dirty="0"/>
+              <a:t> ADC2 </a:t>
+            </a:r>
+            <a:r>
+              <a:rPr lang="en-GB" sz="1000" dirty="0" err="1"/>
+              <a:t>kan</a:t>
+            </a:r>
+            <a:r>
+              <a:rPr lang="en-GB" sz="1000" dirty="0"/>
+              <a:t> IKKE </a:t>
+            </a:r>
+            <a:r>
+              <a:rPr lang="en-GB" sz="1000" dirty="0" err="1"/>
+              <a:t>bruges</a:t>
+            </a:r>
+            <a:r>
+              <a:rPr lang="en-GB" sz="1000" dirty="0"/>
+              <a:t> </a:t>
+            </a:r>
+            <a:r>
+              <a:rPr lang="en-GB" sz="1000" dirty="0" err="1"/>
+              <a:t>til</a:t>
+            </a:r>
+            <a:r>
+              <a:rPr lang="en-GB" sz="1000" dirty="0"/>
+              <a:t> </a:t>
+            </a:r>
+            <a:r>
+              <a:rPr lang="en-GB" sz="1000" dirty="0" err="1"/>
+              <a:t>analog</a:t>
+            </a:r>
+            <a:r>
+              <a:rPr lang="en-GB" sz="1000" dirty="0"/>
+              <a:t> </a:t>
+            </a:r>
+            <a:r>
+              <a:rPr lang="en-GB" sz="1000" dirty="0" err="1"/>
+              <a:t>læsning</a:t>
+            </a:r>
+            <a:r>
+              <a:rPr lang="en-GB" sz="1000" dirty="0"/>
+              <a:t>, </a:t>
+            </a:r>
+            <a:r>
+              <a:rPr lang="en-GB" sz="1000" dirty="0" err="1"/>
+              <a:t>mens</a:t>
+            </a:r>
+            <a:r>
+              <a:rPr lang="en-GB" sz="1000" dirty="0"/>
+              <a:t> Wi-Fi er </a:t>
+            </a:r>
+            <a:r>
+              <a:rPr lang="en-GB" sz="1000" dirty="0" err="1"/>
+              <a:t>aktivt</a:t>
+            </a:r>
+            <a:r>
+              <a:rPr lang="en-GB" sz="1000" dirty="0"/>
+              <a:t>! </a:t>
+            </a:r>
+            <a:endParaRPr lang="en-DK" sz="1000" dirty="0"/>
+          </a:p>
+          <a:p>
+            <a:r>
+              <a:rPr lang="en-GB" sz="1000" dirty="0"/>
+              <a:t>Brug </a:t>
+            </a:r>
+            <a:r>
+              <a:rPr lang="en-GB" sz="1000" dirty="0" err="1"/>
+              <a:t>primært</a:t>
+            </a:r>
+            <a:r>
+              <a:rPr lang="en-GB" sz="1000" dirty="0"/>
+              <a:t> pins </a:t>
+            </a:r>
+            <a:r>
+              <a:rPr lang="en-GB" sz="1000" dirty="0" err="1"/>
+              <a:t>på</a:t>
+            </a:r>
+            <a:r>
+              <a:rPr lang="en-GB" sz="1000" dirty="0"/>
+              <a:t> ADC1 (</a:t>
+            </a:r>
+            <a:r>
+              <a:rPr lang="en-GB" sz="1000" dirty="0" err="1"/>
+              <a:t>f.eks</a:t>
+            </a:r>
+            <a:r>
+              <a:rPr lang="en-GB" sz="1000" dirty="0"/>
+              <a:t>. GPIO </a:t>
+            </a:r>
+            <a:r>
+              <a:rPr lang="en-DK" sz="1000" dirty="0"/>
+              <a:t>1-10</a:t>
+            </a:r>
+            <a:r>
+              <a:rPr lang="en-GB" sz="1000" dirty="0"/>
+              <a:t>) </a:t>
+            </a:r>
+            <a:r>
+              <a:rPr lang="en-GB" sz="1000" dirty="0" err="1"/>
+              <a:t>hvis</a:t>
+            </a:r>
+            <a:r>
+              <a:rPr lang="en-GB" sz="1000" dirty="0"/>
+              <a:t> du </a:t>
+            </a:r>
+            <a:r>
+              <a:rPr lang="en-GB" sz="1000" dirty="0" err="1"/>
+              <a:t>også</a:t>
+            </a:r>
+            <a:r>
+              <a:rPr lang="en-GB" sz="1000" dirty="0"/>
+              <a:t> </a:t>
+            </a:r>
+            <a:r>
+              <a:rPr lang="en-GB" sz="1000" dirty="0" err="1"/>
+              <a:t>bruger</a:t>
+            </a:r>
+            <a:r>
+              <a:rPr lang="en-GB" sz="1000" dirty="0"/>
+              <a:t> Wi-Fi. </a:t>
+            </a:r>
+            <a:endParaRPr lang="en-DK" sz="1000" dirty="0"/>
+          </a:p>
+          <a:p>
+            <a:r>
+              <a:rPr lang="en-GB" sz="1000" dirty="0"/>
+              <a:t>ADC2 </a:t>
+            </a:r>
+            <a:r>
+              <a:rPr lang="en-DK" sz="1000" dirty="0"/>
+              <a:t>finds </a:t>
+            </a:r>
+            <a:r>
+              <a:rPr lang="en-DK" sz="1000" dirty="0" err="1"/>
+              <a:t>ikke</a:t>
+            </a:r>
+            <a:r>
+              <a:rPr lang="en-DK" sz="1000" dirty="0"/>
+              <a:t> </a:t>
+            </a:r>
+            <a:r>
+              <a:rPr lang="en-DK" sz="1000" dirty="0" err="1"/>
+              <a:t>på</a:t>
+            </a:r>
+            <a:r>
+              <a:rPr lang="en-DK" sz="1000" dirty="0"/>
+              <a:t> ESP32-S2</a:t>
+            </a:r>
+            <a:endParaRPr lang="en-DK" dirty="0"/>
+          </a:p>
+        </p:txBody>
+      </p:sp>
+    </p:spTree>
+    <p:extLst>
+      <p:ext uri="{BB962C8B-B14F-4D97-AF65-F5344CB8AC3E}">
+        <p14:creationId xmlns:p14="http://schemas.microsoft.com/office/powerpoint/2010/main" val="3489526582"/>
       </p:ext>
     </p:extLst>
   </p:cSld>
@@ -22415,2299 +23377,6 @@
 <file path=ppt/slides/slide20.xml><?xml version="1.0" encoding="utf-8"?>
 <p:sld xmlns:a="http://schemas.openxmlformats.org/drawingml/2006/main" xmlns:r="http://schemas.openxmlformats.org/officeDocument/2006/relationships" xmlns:p="http://schemas.openxmlformats.org/presentationml/2006/main">
   <p:cSld>
-    <p:bg>
-      <p:bgPr>
-        <a:solidFill>
-          <a:schemeClr val="bg2"/>
-        </a:solidFill>
-        <a:effectLst/>
-      </p:bgPr>
-    </p:bg>
-    <p:spTree>
-      <p:nvGrpSpPr>
-        <p:cNvPr id="1" name=""/>
-        <p:cNvGrpSpPr/>
-        <p:nvPr/>
-      </p:nvGrpSpPr>
-      <p:grpSpPr>
-        <a:xfrm>
-          <a:off x="0" y="0"/>
-          <a:ext cx="0" cy="0"/>
-          <a:chOff x="0" y="0"/>
-          <a:chExt cx="0" cy="0"/>
-        </a:xfrm>
-      </p:grpSpPr>
-      <p:sp useBgFill="1">
-        <p:nvSpPr>
-          <p:cNvPr id="8" name="Rectangle 7">
-            <a:extLst>
-              <a:ext uri="{FF2B5EF4-FFF2-40B4-BE49-F238E27FC236}">
-                <a16:creationId xmlns:a16="http://schemas.microsoft.com/office/drawing/2014/main" id="{052BEFF1-896C-45B1-B02C-96A6A1BC389A}"/>
-              </a:ext>
-              <a:ext uri="{C183D7F6-B498-43B3-948B-1728B52AA6E4}">
-                <adec:decorative xmlns:adec="http://schemas.microsoft.com/office/drawing/2017/decorative" val="1"/>
-              </a:ext>
-            </a:extLst>
-          </p:cNvPr>
-          <p:cNvSpPr>
-            <a:spLocks noGrp="1" noRot="1" noChangeAspect="1" noMove="1" noResize="1" noEditPoints="1" noAdjustHandles="1" noChangeArrowheads="1" noChangeShapeType="1" noTextEdit="1"/>
-          </p:cNvSpPr>
-          <p:nvPr>
-            <p:extLst>
-              <p:ext uri="{386F3935-93C4-4BCD-93E2-E3B085C9AB24}">
-                <p16:designElem xmlns:p16="http://schemas.microsoft.com/office/powerpoint/2015/main" val="1"/>
-              </p:ext>
-            </p:extLst>
-          </p:nvPr>
-        </p:nvSpPr>
-        <p:spPr>
-          <a:xfrm>
-            <a:off x="1" y="0"/>
-            <a:ext cx="12192000" cy="6858000"/>
-          </a:xfrm>
-          <a:prstGeom prst="rect">
-            <a:avLst/>
-          </a:prstGeom>
-          <a:ln>
-            <a:noFill/>
-          </a:ln>
-        </p:spPr>
-        <p:style>
-          <a:lnRef idx="2">
-            <a:schemeClr val="accent1">
-              <a:shade val="50000"/>
-            </a:schemeClr>
-          </a:lnRef>
-          <a:fillRef idx="1003">
-            <a:schemeClr val="dk2"/>
-          </a:fillRef>
-          <a:effectRef idx="0">
-            <a:schemeClr val="accent1"/>
-          </a:effectRef>
-          <a:fontRef idx="minor">
-            <a:schemeClr val="lt1"/>
-          </a:fontRef>
-        </p:style>
-        <p:txBody>
-          <a:bodyPr rtlCol="0" anchor="ctr"/>
-          <a:lstStyle/>
-          <a:p>
-            <a:pPr algn="ctr"/>
-            <a:endParaRPr lang="en-US"/>
-          </a:p>
-        </p:txBody>
-      </p:sp>
-      <p:sp>
-        <p:nvSpPr>
-          <p:cNvPr id="10" name="Freeform 36">
-            <a:extLst>
-              <a:ext uri="{FF2B5EF4-FFF2-40B4-BE49-F238E27FC236}">
-                <a16:creationId xmlns:a16="http://schemas.microsoft.com/office/drawing/2014/main" id="{BB237A14-61B1-4C00-A670-5D8D68A8668E}"/>
-              </a:ext>
-              <a:ext uri="{C183D7F6-B498-43B3-948B-1728B52AA6E4}">
-                <adec:decorative xmlns:adec="http://schemas.microsoft.com/office/drawing/2017/decorative" val="1"/>
-              </a:ext>
-            </a:extLst>
-          </p:cNvPr>
-          <p:cNvSpPr>
-            <a:spLocks noGrp="1" noRot="1" noChangeAspect="1" noMove="1" noResize="1" noEditPoints="1" noAdjustHandles="1" noChangeArrowheads="1" noChangeShapeType="1" noTextEdit="1"/>
-          </p:cNvSpPr>
-          <p:nvPr>
-            <p:extLst>
-              <p:ext uri="{386F3935-93C4-4BCD-93E2-E3B085C9AB24}">
-                <p16:designElem xmlns:p16="http://schemas.microsoft.com/office/powerpoint/2015/main" val="1"/>
-              </p:ext>
-            </p:extLst>
-          </p:nvPr>
-        </p:nvSpPr>
-        <p:spPr>
-          <a:xfrm flipH="1">
-            <a:off x="4644637" y="0"/>
-            <a:ext cx="559472" cy="3709642"/>
-          </a:xfrm>
-          <a:custGeom>
-            <a:avLst/>
-            <a:gdLst>
-              <a:gd name="connsiteX0" fmla="*/ 0 w 559472"/>
-              <a:gd name="connsiteY0" fmla="*/ 0 h 3709642"/>
-              <a:gd name="connsiteX1" fmla="*/ 473952 w 559472"/>
-              <a:gd name="connsiteY1" fmla="*/ 0 h 3709642"/>
-              <a:gd name="connsiteX2" fmla="*/ 485840 w 559472"/>
-              <a:gd name="connsiteY2" fmla="*/ 161194 h 3709642"/>
-              <a:gd name="connsiteX3" fmla="*/ 523949 w 559472"/>
-              <a:gd name="connsiteY3" fmla="*/ 3672197 h 3709642"/>
-              <a:gd name="connsiteX4" fmla="*/ 454748 w 559472"/>
-              <a:gd name="connsiteY4" fmla="*/ 3709642 h 3709642"/>
-              <a:gd name="connsiteX5" fmla="*/ 448224 w 559472"/>
-              <a:gd name="connsiteY5" fmla="*/ 3510471 h 3709642"/>
-              <a:gd name="connsiteX6" fmla="*/ 443564 w 559472"/>
-              <a:gd name="connsiteY6" fmla="*/ 3408563 h 3709642"/>
-              <a:gd name="connsiteX7" fmla="*/ 438902 w 559472"/>
-              <a:gd name="connsiteY7" fmla="*/ 3304407 h 3709642"/>
-              <a:gd name="connsiteX8" fmla="*/ 433941 w 559472"/>
-              <a:gd name="connsiteY8" fmla="*/ 3198777 h 3709642"/>
-              <a:gd name="connsiteX9" fmla="*/ 427584 w 559472"/>
-              <a:gd name="connsiteY9" fmla="*/ 3092510 h 3709642"/>
-              <a:gd name="connsiteX10" fmla="*/ 420988 w 559472"/>
-              <a:gd name="connsiteY10" fmla="*/ 2984390 h 3709642"/>
-              <a:gd name="connsiteX11" fmla="*/ 414330 w 559472"/>
-              <a:gd name="connsiteY11" fmla="*/ 2874401 h 3709642"/>
-              <a:gd name="connsiteX12" fmla="*/ 406840 w 559472"/>
-              <a:gd name="connsiteY12" fmla="*/ 2762980 h 3709642"/>
-              <a:gd name="connsiteX13" fmla="*/ 397745 w 559472"/>
-              <a:gd name="connsiteY13" fmla="*/ 2650566 h 3709642"/>
-              <a:gd name="connsiteX14" fmla="*/ 389154 w 559472"/>
-              <a:gd name="connsiteY14" fmla="*/ 2536612 h 3709642"/>
-              <a:gd name="connsiteX15" fmla="*/ 379225 w 559472"/>
-              <a:gd name="connsiteY15" fmla="*/ 2421642 h 3709642"/>
-              <a:gd name="connsiteX16" fmla="*/ 368316 w 559472"/>
-              <a:gd name="connsiteY16" fmla="*/ 2305627 h 3709642"/>
-              <a:gd name="connsiteX17" fmla="*/ 357466 w 559472"/>
-              <a:gd name="connsiteY17" fmla="*/ 2189233 h 3709642"/>
-              <a:gd name="connsiteX18" fmla="*/ 344982 w 559472"/>
-              <a:gd name="connsiteY18" fmla="*/ 2071473 h 3709642"/>
-              <a:gd name="connsiteX19" fmla="*/ 332466 w 559472"/>
-              <a:gd name="connsiteY19" fmla="*/ 1952216 h 3709642"/>
-              <a:gd name="connsiteX20" fmla="*/ 319121 w 559472"/>
-              <a:gd name="connsiteY20" fmla="*/ 1833776 h 3709642"/>
-              <a:gd name="connsiteX21" fmla="*/ 304408 w 559472"/>
-              <a:gd name="connsiteY21" fmla="*/ 1713948 h 3709642"/>
-              <a:gd name="connsiteX22" fmla="*/ 288685 w 559472"/>
-              <a:gd name="connsiteY22" fmla="*/ 1592703 h 3709642"/>
-              <a:gd name="connsiteX23" fmla="*/ 273050 w 559472"/>
-              <a:gd name="connsiteY23" fmla="*/ 1471451 h 3709642"/>
-              <a:gd name="connsiteX24" fmla="*/ 255813 w 559472"/>
-              <a:gd name="connsiteY24" fmla="*/ 1350328 h 3709642"/>
-              <a:gd name="connsiteX25" fmla="*/ 237060 w 559472"/>
-              <a:gd name="connsiteY25" fmla="*/ 1227080 h 3709642"/>
-              <a:gd name="connsiteX26" fmla="*/ 218488 w 559472"/>
-              <a:gd name="connsiteY26" fmla="*/ 1106065 h 3709642"/>
-              <a:gd name="connsiteX27" fmla="*/ 198221 w 559472"/>
-              <a:gd name="connsiteY27" fmla="*/ 982940 h 3709642"/>
-              <a:gd name="connsiteX28" fmla="*/ 177152 w 559472"/>
-              <a:gd name="connsiteY28" fmla="*/ 858755 h 3709642"/>
-              <a:gd name="connsiteX29" fmla="*/ 155551 w 559472"/>
-              <a:gd name="connsiteY29" fmla="*/ 736861 h 3709642"/>
-              <a:gd name="connsiteX30" fmla="*/ 131782 w 559472"/>
-              <a:gd name="connsiteY30" fmla="*/ 613645 h 3709642"/>
-              <a:gd name="connsiteX31" fmla="*/ 107123 w 559472"/>
-              <a:gd name="connsiteY31" fmla="*/ 490500 h 3709642"/>
-              <a:gd name="connsiteX32" fmla="*/ 82552 w 559472"/>
-              <a:gd name="connsiteY32" fmla="*/ 367348 h 3709642"/>
-              <a:gd name="connsiteX33" fmla="*/ 55608 w 559472"/>
-              <a:gd name="connsiteY33" fmla="*/ 244762 h 3709642"/>
-              <a:gd name="connsiteX34" fmla="*/ 28130 w 559472"/>
-              <a:gd name="connsiteY34" fmla="*/ 122220 h 3709642"/>
-              <a:gd name="connsiteX35" fmla="*/ 0 w 559472"/>
-              <a:gd name="connsiteY35" fmla="*/ 0 h 3709642"/>
-            </a:gdLst>
-            <a:ahLst/>
-            <a:cxnLst>
-              <a:cxn ang="0">
-                <a:pos x="connsiteX0" y="connsiteY0"/>
-              </a:cxn>
-              <a:cxn ang="0">
-                <a:pos x="connsiteX1" y="connsiteY1"/>
-              </a:cxn>
-              <a:cxn ang="0">
-                <a:pos x="connsiteX2" y="connsiteY2"/>
-              </a:cxn>
-              <a:cxn ang="0">
-                <a:pos x="connsiteX3" y="connsiteY3"/>
-              </a:cxn>
-              <a:cxn ang="0">
-                <a:pos x="connsiteX4" y="connsiteY4"/>
-              </a:cxn>
-              <a:cxn ang="0">
-                <a:pos x="connsiteX5" y="connsiteY5"/>
-              </a:cxn>
-              <a:cxn ang="0">
-                <a:pos x="connsiteX6" y="connsiteY6"/>
-              </a:cxn>
-              <a:cxn ang="0">
-                <a:pos x="connsiteX7" y="connsiteY7"/>
-              </a:cxn>
-              <a:cxn ang="0">
-                <a:pos x="connsiteX8" y="connsiteY8"/>
-              </a:cxn>
-              <a:cxn ang="0">
-                <a:pos x="connsiteX9" y="connsiteY9"/>
-              </a:cxn>
-              <a:cxn ang="0">
-                <a:pos x="connsiteX10" y="connsiteY10"/>
-              </a:cxn>
-              <a:cxn ang="0">
-                <a:pos x="connsiteX11" y="connsiteY11"/>
-              </a:cxn>
-              <a:cxn ang="0">
-                <a:pos x="connsiteX12" y="connsiteY12"/>
-              </a:cxn>
-              <a:cxn ang="0">
-                <a:pos x="connsiteX13" y="connsiteY13"/>
-              </a:cxn>
-              <a:cxn ang="0">
-                <a:pos x="connsiteX14" y="connsiteY14"/>
-              </a:cxn>
-              <a:cxn ang="0">
-                <a:pos x="connsiteX15" y="connsiteY15"/>
-              </a:cxn>
-              <a:cxn ang="0">
-                <a:pos x="connsiteX16" y="connsiteY16"/>
-              </a:cxn>
-              <a:cxn ang="0">
-                <a:pos x="connsiteX17" y="connsiteY17"/>
-              </a:cxn>
-              <a:cxn ang="0">
-                <a:pos x="connsiteX18" y="connsiteY18"/>
-              </a:cxn>
-              <a:cxn ang="0">
-                <a:pos x="connsiteX19" y="connsiteY19"/>
-              </a:cxn>
-              <a:cxn ang="0">
-                <a:pos x="connsiteX20" y="connsiteY20"/>
-              </a:cxn>
-              <a:cxn ang="0">
-                <a:pos x="connsiteX21" y="connsiteY21"/>
-              </a:cxn>
-              <a:cxn ang="0">
-                <a:pos x="connsiteX22" y="connsiteY22"/>
-              </a:cxn>
-              <a:cxn ang="0">
-                <a:pos x="connsiteX23" y="connsiteY23"/>
-              </a:cxn>
-              <a:cxn ang="0">
-                <a:pos x="connsiteX24" y="connsiteY24"/>
-              </a:cxn>
-              <a:cxn ang="0">
-                <a:pos x="connsiteX25" y="connsiteY25"/>
-              </a:cxn>
-              <a:cxn ang="0">
-                <a:pos x="connsiteX26" y="connsiteY26"/>
-              </a:cxn>
-              <a:cxn ang="0">
-                <a:pos x="connsiteX27" y="connsiteY27"/>
-              </a:cxn>
-              <a:cxn ang="0">
-                <a:pos x="connsiteX28" y="connsiteY28"/>
-              </a:cxn>
-              <a:cxn ang="0">
-                <a:pos x="connsiteX29" y="connsiteY29"/>
-              </a:cxn>
-              <a:cxn ang="0">
-                <a:pos x="connsiteX30" y="connsiteY30"/>
-              </a:cxn>
-              <a:cxn ang="0">
-                <a:pos x="connsiteX31" y="connsiteY31"/>
-              </a:cxn>
-              <a:cxn ang="0">
-                <a:pos x="connsiteX32" y="connsiteY32"/>
-              </a:cxn>
-              <a:cxn ang="0">
-                <a:pos x="connsiteX33" y="connsiteY33"/>
-              </a:cxn>
-              <a:cxn ang="0">
-                <a:pos x="connsiteX34" y="connsiteY34"/>
-              </a:cxn>
-              <a:cxn ang="0">
-                <a:pos x="connsiteX35" y="connsiteY35"/>
-              </a:cxn>
-            </a:cxnLst>
-            <a:rect l="l" t="t" r="r" b="b"/>
-            <a:pathLst>
-              <a:path w="559472" h="3709642">
-                <a:moveTo>
-                  <a:pt x="0" y="0"/>
-                </a:moveTo>
-                <a:lnTo>
-                  <a:pt x="473952" y="0"/>
-                </a:lnTo>
-                <a:lnTo>
-                  <a:pt x="485840" y="161194"/>
-                </a:lnTo>
-                <a:cubicBezTo>
-                  <a:pt x="552063" y="1147770"/>
-                  <a:pt x="592441" y="3086737"/>
-                  <a:pt x="523949" y="3672197"/>
-                </a:cubicBezTo>
-                <a:cubicBezTo>
-                  <a:pt x="500842" y="3684557"/>
-                  <a:pt x="477855" y="3697282"/>
-                  <a:pt x="454748" y="3709642"/>
-                </a:cubicBezTo>
-                <a:lnTo>
-                  <a:pt x="448224" y="3510471"/>
-                </a:lnTo>
-                <a:lnTo>
-                  <a:pt x="443564" y="3408563"/>
-                </a:lnTo>
-                <a:lnTo>
-                  <a:pt x="438902" y="3304407"/>
-                </a:lnTo>
-                <a:lnTo>
-                  <a:pt x="433941" y="3198777"/>
-                </a:lnTo>
-                <a:lnTo>
-                  <a:pt x="427584" y="3092510"/>
-                </a:lnTo>
-                <a:lnTo>
-                  <a:pt x="420988" y="2984390"/>
-                </a:lnTo>
-                <a:lnTo>
-                  <a:pt x="414330" y="2874401"/>
-                </a:lnTo>
-                <a:lnTo>
-                  <a:pt x="406840" y="2762980"/>
-                </a:lnTo>
-                <a:lnTo>
-                  <a:pt x="397745" y="2650566"/>
-                </a:lnTo>
-                <a:lnTo>
-                  <a:pt x="389154" y="2536612"/>
-                </a:lnTo>
-                <a:lnTo>
-                  <a:pt x="379225" y="2421642"/>
-                </a:lnTo>
-                <a:lnTo>
-                  <a:pt x="368316" y="2305627"/>
-                </a:lnTo>
-                <a:lnTo>
-                  <a:pt x="357466" y="2189233"/>
-                </a:lnTo>
-                <a:lnTo>
-                  <a:pt x="344982" y="2071473"/>
-                </a:lnTo>
-                <a:lnTo>
-                  <a:pt x="332466" y="1952216"/>
-                </a:lnTo>
-                <a:lnTo>
-                  <a:pt x="319121" y="1833776"/>
-                </a:lnTo>
-                <a:lnTo>
-                  <a:pt x="304408" y="1713948"/>
-                </a:lnTo>
-                <a:lnTo>
-                  <a:pt x="288685" y="1592703"/>
-                </a:lnTo>
-                <a:lnTo>
-                  <a:pt x="273050" y="1471451"/>
-                </a:lnTo>
-                <a:lnTo>
-                  <a:pt x="255813" y="1350328"/>
-                </a:lnTo>
-                <a:lnTo>
-                  <a:pt x="237060" y="1227080"/>
-                </a:lnTo>
-                <a:lnTo>
-                  <a:pt x="218488" y="1106065"/>
-                </a:lnTo>
-                <a:lnTo>
-                  <a:pt x="198221" y="982940"/>
-                </a:lnTo>
-                <a:lnTo>
-                  <a:pt x="177152" y="858755"/>
-                </a:lnTo>
-                <a:lnTo>
-                  <a:pt x="155551" y="736861"/>
-                </a:lnTo>
-                <a:lnTo>
-                  <a:pt x="131782" y="613645"/>
-                </a:lnTo>
-                <a:lnTo>
-                  <a:pt x="107123" y="490500"/>
-                </a:lnTo>
-                <a:lnTo>
-                  <a:pt x="82552" y="367348"/>
-                </a:lnTo>
-                <a:lnTo>
-                  <a:pt x="55608" y="244762"/>
-                </a:lnTo>
-                <a:lnTo>
-                  <a:pt x="28130" y="122220"/>
-                </a:lnTo>
-                <a:lnTo>
-                  <a:pt x="0" y="0"/>
-                </a:lnTo>
-                <a:close/>
-              </a:path>
-            </a:pathLst>
-          </a:custGeom>
-          <a:solidFill>
-            <a:schemeClr val="tx2">
-              <a:alpha val="20000"/>
-            </a:schemeClr>
-          </a:solidFill>
-          <a:ln>
-            <a:noFill/>
-          </a:ln>
-        </p:spPr>
-        <p:txBody>
-          <a:bodyPr rtlCol="0" anchor="ctr"/>
-          <a:lstStyle/>
-          <a:p>
-            <a:pPr algn="ctr"/>
-            <a:endParaRPr lang="en-US"/>
-          </a:p>
-        </p:txBody>
-      </p:sp>
-      <p:sp>
-        <p:nvSpPr>
-          <p:cNvPr id="12" name="Freeform: Shape 11">
-            <a:extLst>
-              <a:ext uri="{FF2B5EF4-FFF2-40B4-BE49-F238E27FC236}">
-                <a16:creationId xmlns:a16="http://schemas.microsoft.com/office/drawing/2014/main" id="{8598F259-6F54-47A3-8D13-1603D786A328}"/>
-              </a:ext>
-              <a:ext uri="{C183D7F6-B498-43B3-948B-1728B52AA6E4}">
-                <adec:decorative xmlns:adec="http://schemas.microsoft.com/office/drawing/2017/decorative" val="1"/>
-              </a:ext>
-            </a:extLst>
-          </p:cNvPr>
-          <p:cNvSpPr>
-            <a:spLocks noGrp="1" noRot="1" noChangeAspect="1" noMove="1" noResize="1" noEditPoints="1" noAdjustHandles="1" noChangeArrowheads="1" noChangeShapeType="1" noTextEdit="1"/>
-          </p:cNvSpPr>
-          <p:nvPr>
-            <p:extLst>
-              <p:ext uri="{386F3935-93C4-4BCD-93E2-E3B085C9AB24}">
-                <p16:designElem xmlns:p16="http://schemas.microsoft.com/office/powerpoint/2015/main" val="1"/>
-              </p:ext>
-            </p:extLst>
-          </p:nvPr>
-        </p:nvSpPr>
-        <p:spPr>
-          <a:xfrm>
-            <a:off x="1" y="1"/>
-            <a:ext cx="4990911" cy="6858001"/>
-          </a:xfrm>
-          <a:custGeom>
-            <a:avLst/>
-            <a:gdLst>
-              <a:gd name="connsiteX0" fmla="*/ 3646196 w 4990911"/>
-              <a:gd name="connsiteY0" fmla="*/ 0 h 6858001"/>
-              <a:gd name="connsiteX1" fmla="*/ 4989734 w 4990911"/>
-              <a:gd name="connsiteY1" fmla="*/ 0 h 6858001"/>
-              <a:gd name="connsiteX2" fmla="*/ 4964689 w 4990911"/>
-              <a:gd name="connsiteY2" fmla="*/ 155677 h 6858001"/>
-              <a:gd name="connsiteX3" fmla="*/ 4940820 w 4990911"/>
-              <a:gd name="connsiteY3" fmla="*/ 310668 h 6858001"/>
-              <a:gd name="connsiteX4" fmla="*/ 4917456 w 4990911"/>
-              <a:gd name="connsiteY4" fmla="*/ 466344 h 6858001"/>
-              <a:gd name="connsiteX5" fmla="*/ 4897453 w 4990911"/>
-              <a:gd name="connsiteY5" fmla="*/ 622707 h 6858001"/>
-              <a:gd name="connsiteX6" fmla="*/ 4877282 w 4990911"/>
-              <a:gd name="connsiteY6" fmla="*/ 778383 h 6858001"/>
-              <a:gd name="connsiteX7" fmla="*/ 4858456 w 4990911"/>
-              <a:gd name="connsiteY7" fmla="*/ 934746 h 6858001"/>
-              <a:gd name="connsiteX8" fmla="*/ 4842320 w 4990911"/>
-              <a:gd name="connsiteY8" fmla="*/ 1089051 h 6858001"/>
-              <a:gd name="connsiteX9" fmla="*/ 4827024 w 4990911"/>
-              <a:gd name="connsiteY9" fmla="*/ 1245413 h 6858001"/>
-              <a:gd name="connsiteX10" fmla="*/ 4813072 w 4990911"/>
-              <a:gd name="connsiteY10" fmla="*/ 1401090 h 6858001"/>
-              <a:gd name="connsiteX11" fmla="*/ 4800970 w 4990911"/>
-              <a:gd name="connsiteY11" fmla="*/ 1554023 h 6858001"/>
-              <a:gd name="connsiteX12" fmla="*/ 4788867 w 4990911"/>
-              <a:gd name="connsiteY12" fmla="*/ 1709014 h 6858001"/>
-              <a:gd name="connsiteX13" fmla="*/ 4778782 w 4990911"/>
-              <a:gd name="connsiteY13" fmla="*/ 1861947 h 6858001"/>
-              <a:gd name="connsiteX14" fmla="*/ 4770882 w 4990911"/>
-              <a:gd name="connsiteY14" fmla="*/ 2014881 h 6858001"/>
-              <a:gd name="connsiteX15" fmla="*/ 4762645 w 4990911"/>
-              <a:gd name="connsiteY15" fmla="*/ 2167128 h 6858001"/>
-              <a:gd name="connsiteX16" fmla="*/ 4755754 w 4990911"/>
-              <a:gd name="connsiteY16" fmla="*/ 2318004 h 6858001"/>
-              <a:gd name="connsiteX17" fmla="*/ 4750879 w 4990911"/>
-              <a:gd name="connsiteY17" fmla="*/ 2467509 h 6858001"/>
-              <a:gd name="connsiteX18" fmla="*/ 4746677 w 4990911"/>
-              <a:gd name="connsiteY18" fmla="*/ 2617013 h 6858001"/>
-              <a:gd name="connsiteX19" fmla="*/ 4742643 w 4990911"/>
-              <a:gd name="connsiteY19" fmla="*/ 2765146 h 6858001"/>
-              <a:gd name="connsiteX20" fmla="*/ 4740794 w 4990911"/>
-              <a:gd name="connsiteY20" fmla="*/ 2911221 h 6858001"/>
-              <a:gd name="connsiteX21" fmla="*/ 4738777 w 4990911"/>
-              <a:gd name="connsiteY21" fmla="*/ 3057297 h 6858001"/>
-              <a:gd name="connsiteX22" fmla="*/ 4737768 w 4990911"/>
-              <a:gd name="connsiteY22" fmla="*/ 3201315 h 6858001"/>
-              <a:gd name="connsiteX23" fmla="*/ 4738777 w 4990911"/>
-              <a:gd name="connsiteY23" fmla="*/ 3343961 h 6858001"/>
-              <a:gd name="connsiteX24" fmla="*/ 4738777 w 4990911"/>
-              <a:gd name="connsiteY24" fmla="*/ 3485236 h 6858001"/>
-              <a:gd name="connsiteX25" fmla="*/ 4740794 w 4990911"/>
-              <a:gd name="connsiteY25" fmla="*/ 3625139 h 6858001"/>
-              <a:gd name="connsiteX26" fmla="*/ 4743819 w 4990911"/>
-              <a:gd name="connsiteY26" fmla="*/ 3762299 h 6858001"/>
-              <a:gd name="connsiteX27" fmla="*/ 4746677 w 4990911"/>
-              <a:gd name="connsiteY27" fmla="*/ 3898087 h 6858001"/>
-              <a:gd name="connsiteX28" fmla="*/ 4749871 w 4990911"/>
-              <a:gd name="connsiteY28" fmla="*/ 4031133 h 6858001"/>
-              <a:gd name="connsiteX29" fmla="*/ 4754745 w 4990911"/>
-              <a:gd name="connsiteY29" fmla="*/ 4163492 h 6858001"/>
-              <a:gd name="connsiteX30" fmla="*/ 4759956 w 4990911"/>
-              <a:gd name="connsiteY30" fmla="*/ 4293793 h 6858001"/>
-              <a:gd name="connsiteX31" fmla="*/ 4764662 w 4990911"/>
-              <a:gd name="connsiteY31" fmla="*/ 4421352 h 6858001"/>
-              <a:gd name="connsiteX32" fmla="*/ 4777942 w 4990911"/>
-              <a:gd name="connsiteY32" fmla="*/ 4670298 h 6858001"/>
-              <a:gd name="connsiteX33" fmla="*/ 4792061 w 4990911"/>
-              <a:gd name="connsiteY33" fmla="*/ 4908956 h 6858001"/>
-              <a:gd name="connsiteX34" fmla="*/ 4806853 w 4990911"/>
-              <a:gd name="connsiteY34" fmla="*/ 5138013 h 6858001"/>
-              <a:gd name="connsiteX35" fmla="*/ 4823158 w 4990911"/>
-              <a:gd name="connsiteY35" fmla="*/ 5354726 h 6858001"/>
-              <a:gd name="connsiteX36" fmla="*/ 4840135 w 4990911"/>
-              <a:gd name="connsiteY36" fmla="*/ 5561838 h 6858001"/>
-              <a:gd name="connsiteX37" fmla="*/ 4858456 w 4990911"/>
-              <a:gd name="connsiteY37" fmla="*/ 5753862 h 6858001"/>
-              <a:gd name="connsiteX38" fmla="*/ 4876442 w 4990911"/>
-              <a:gd name="connsiteY38" fmla="*/ 5934227 h 6858001"/>
-              <a:gd name="connsiteX39" fmla="*/ 4894427 w 4990911"/>
-              <a:gd name="connsiteY39" fmla="*/ 6100191 h 6858001"/>
-              <a:gd name="connsiteX40" fmla="*/ 4911404 w 4990911"/>
-              <a:gd name="connsiteY40" fmla="*/ 6252438 h 6858001"/>
-              <a:gd name="connsiteX41" fmla="*/ 4927541 w 4990911"/>
-              <a:gd name="connsiteY41" fmla="*/ 6387541 h 6858001"/>
-              <a:gd name="connsiteX42" fmla="*/ 4942837 w 4990911"/>
-              <a:gd name="connsiteY42" fmla="*/ 6509613 h 6858001"/>
-              <a:gd name="connsiteX43" fmla="*/ 4955612 w 4990911"/>
-              <a:gd name="connsiteY43" fmla="*/ 6612483 h 6858001"/>
-              <a:gd name="connsiteX44" fmla="*/ 4967714 w 4990911"/>
-              <a:gd name="connsiteY44" fmla="*/ 6698894 h 6858001"/>
-              <a:gd name="connsiteX45" fmla="*/ 4985028 w 4990911"/>
-              <a:gd name="connsiteY45" fmla="*/ 6817538 h 6858001"/>
-              <a:gd name="connsiteX46" fmla="*/ 4990911 w 4990911"/>
-              <a:gd name="connsiteY46" fmla="*/ 6858000 h 6858001"/>
-              <a:gd name="connsiteX47" fmla="*/ 4085557 w 4990911"/>
-              <a:gd name="connsiteY47" fmla="*/ 6858000 h 6858001"/>
-              <a:gd name="connsiteX48" fmla="*/ 4085557 w 4990911"/>
-              <a:gd name="connsiteY48" fmla="*/ 6858001 h 6858001"/>
-              <a:gd name="connsiteX49" fmla="*/ 0 w 4990911"/>
-              <a:gd name="connsiteY49" fmla="*/ 6858001 h 6858001"/>
-              <a:gd name="connsiteX50" fmla="*/ 0 w 4990911"/>
-              <a:gd name="connsiteY50" fmla="*/ 1 h 6858001"/>
-              <a:gd name="connsiteX51" fmla="*/ 3646196 w 4990911"/>
-              <a:gd name="connsiteY51" fmla="*/ 1 h 6858001"/>
-            </a:gdLst>
-            <a:ahLst/>
-            <a:cxnLst>
-              <a:cxn ang="0">
-                <a:pos x="connsiteX0" y="connsiteY0"/>
-              </a:cxn>
-              <a:cxn ang="0">
-                <a:pos x="connsiteX1" y="connsiteY1"/>
-              </a:cxn>
-              <a:cxn ang="0">
-                <a:pos x="connsiteX2" y="connsiteY2"/>
-              </a:cxn>
-              <a:cxn ang="0">
-                <a:pos x="connsiteX3" y="connsiteY3"/>
-              </a:cxn>
-              <a:cxn ang="0">
-                <a:pos x="connsiteX4" y="connsiteY4"/>
-              </a:cxn>
-              <a:cxn ang="0">
-                <a:pos x="connsiteX5" y="connsiteY5"/>
-              </a:cxn>
-              <a:cxn ang="0">
-                <a:pos x="connsiteX6" y="connsiteY6"/>
-              </a:cxn>
-              <a:cxn ang="0">
-                <a:pos x="connsiteX7" y="connsiteY7"/>
-              </a:cxn>
-              <a:cxn ang="0">
-                <a:pos x="connsiteX8" y="connsiteY8"/>
-              </a:cxn>
-              <a:cxn ang="0">
-                <a:pos x="connsiteX9" y="connsiteY9"/>
-              </a:cxn>
-              <a:cxn ang="0">
-                <a:pos x="connsiteX10" y="connsiteY10"/>
-              </a:cxn>
-              <a:cxn ang="0">
-                <a:pos x="connsiteX11" y="connsiteY11"/>
-              </a:cxn>
-              <a:cxn ang="0">
-                <a:pos x="connsiteX12" y="connsiteY12"/>
-              </a:cxn>
-              <a:cxn ang="0">
-                <a:pos x="connsiteX13" y="connsiteY13"/>
-              </a:cxn>
-              <a:cxn ang="0">
-                <a:pos x="connsiteX14" y="connsiteY14"/>
-              </a:cxn>
-              <a:cxn ang="0">
-                <a:pos x="connsiteX15" y="connsiteY15"/>
-              </a:cxn>
-              <a:cxn ang="0">
-                <a:pos x="connsiteX16" y="connsiteY16"/>
-              </a:cxn>
-              <a:cxn ang="0">
-                <a:pos x="connsiteX17" y="connsiteY17"/>
-              </a:cxn>
-              <a:cxn ang="0">
-                <a:pos x="connsiteX18" y="connsiteY18"/>
-              </a:cxn>
-              <a:cxn ang="0">
-                <a:pos x="connsiteX19" y="connsiteY19"/>
-              </a:cxn>
-              <a:cxn ang="0">
-                <a:pos x="connsiteX20" y="connsiteY20"/>
-              </a:cxn>
-              <a:cxn ang="0">
-                <a:pos x="connsiteX21" y="connsiteY21"/>
-              </a:cxn>
-              <a:cxn ang="0">
-                <a:pos x="connsiteX22" y="connsiteY22"/>
-              </a:cxn>
-              <a:cxn ang="0">
-                <a:pos x="connsiteX23" y="connsiteY23"/>
-              </a:cxn>
-              <a:cxn ang="0">
-                <a:pos x="connsiteX24" y="connsiteY24"/>
-              </a:cxn>
-              <a:cxn ang="0">
-                <a:pos x="connsiteX25" y="connsiteY25"/>
-              </a:cxn>
-              <a:cxn ang="0">
-                <a:pos x="connsiteX26" y="connsiteY26"/>
-              </a:cxn>
-              <a:cxn ang="0">
-                <a:pos x="connsiteX27" y="connsiteY27"/>
-              </a:cxn>
-              <a:cxn ang="0">
-                <a:pos x="connsiteX28" y="connsiteY28"/>
-              </a:cxn>
-              <a:cxn ang="0">
-                <a:pos x="connsiteX29" y="connsiteY29"/>
-              </a:cxn>
-              <a:cxn ang="0">
-                <a:pos x="connsiteX30" y="connsiteY30"/>
-              </a:cxn>
-              <a:cxn ang="0">
-                <a:pos x="connsiteX31" y="connsiteY31"/>
-              </a:cxn>
-              <a:cxn ang="0">
-                <a:pos x="connsiteX32" y="connsiteY32"/>
-              </a:cxn>
-              <a:cxn ang="0">
-                <a:pos x="connsiteX33" y="connsiteY33"/>
-              </a:cxn>
-              <a:cxn ang="0">
-                <a:pos x="connsiteX34" y="connsiteY34"/>
-              </a:cxn>
-              <a:cxn ang="0">
-                <a:pos x="connsiteX35" y="connsiteY35"/>
-              </a:cxn>
-              <a:cxn ang="0">
-                <a:pos x="connsiteX36" y="connsiteY36"/>
-              </a:cxn>
-              <a:cxn ang="0">
-                <a:pos x="connsiteX37" y="connsiteY37"/>
-              </a:cxn>
-              <a:cxn ang="0">
-                <a:pos x="connsiteX38" y="connsiteY38"/>
-              </a:cxn>
-              <a:cxn ang="0">
-                <a:pos x="connsiteX39" y="connsiteY39"/>
-              </a:cxn>
-              <a:cxn ang="0">
-                <a:pos x="connsiteX40" y="connsiteY40"/>
-              </a:cxn>
-              <a:cxn ang="0">
-                <a:pos x="connsiteX41" y="connsiteY41"/>
-              </a:cxn>
-              <a:cxn ang="0">
-                <a:pos x="connsiteX42" y="connsiteY42"/>
-              </a:cxn>
-              <a:cxn ang="0">
-                <a:pos x="connsiteX43" y="connsiteY43"/>
-              </a:cxn>
-              <a:cxn ang="0">
-                <a:pos x="connsiteX44" y="connsiteY44"/>
-              </a:cxn>
-              <a:cxn ang="0">
-                <a:pos x="connsiteX45" y="connsiteY45"/>
-              </a:cxn>
-              <a:cxn ang="0">
-                <a:pos x="connsiteX46" y="connsiteY46"/>
-              </a:cxn>
-              <a:cxn ang="0">
-                <a:pos x="connsiteX47" y="connsiteY47"/>
-              </a:cxn>
-              <a:cxn ang="0">
-                <a:pos x="connsiteX48" y="connsiteY48"/>
-              </a:cxn>
-              <a:cxn ang="0">
-                <a:pos x="connsiteX49" y="connsiteY49"/>
-              </a:cxn>
-              <a:cxn ang="0">
-                <a:pos x="connsiteX50" y="connsiteY50"/>
-              </a:cxn>
-              <a:cxn ang="0">
-                <a:pos x="connsiteX51" y="connsiteY51"/>
-              </a:cxn>
-            </a:cxnLst>
-            <a:rect l="l" t="t" r="r" b="b"/>
-            <a:pathLst>
-              <a:path w="4990911" h="6858001">
-                <a:moveTo>
-                  <a:pt x="3646196" y="0"/>
-                </a:moveTo>
-                <a:lnTo>
-                  <a:pt x="4989734" y="0"/>
-                </a:lnTo>
-                <a:lnTo>
-                  <a:pt x="4964689" y="155677"/>
-                </a:lnTo>
-                <a:lnTo>
-                  <a:pt x="4940820" y="310668"/>
-                </a:lnTo>
-                <a:lnTo>
-                  <a:pt x="4917456" y="466344"/>
-                </a:lnTo>
-                <a:lnTo>
-                  <a:pt x="4897453" y="622707"/>
-                </a:lnTo>
-                <a:lnTo>
-                  <a:pt x="4877282" y="778383"/>
-                </a:lnTo>
-                <a:lnTo>
-                  <a:pt x="4858456" y="934746"/>
-                </a:lnTo>
-                <a:lnTo>
-                  <a:pt x="4842320" y="1089051"/>
-                </a:lnTo>
-                <a:lnTo>
-                  <a:pt x="4827024" y="1245413"/>
-                </a:lnTo>
-                <a:lnTo>
-                  <a:pt x="4813072" y="1401090"/>
-                </a:lnTo>
-                <a:lnTo>
-                  <a:pt x="4800970" y="1554023"/>
-                </a:lnTo>
-                <a:lnTo>
-                  <a:pt x="4788867" y="1709014"/>
-                </a:lnTo>
-                <a:lnTo>
-                  <a:pt x="4778782" y="1861947"/>
-                </a:lnTo>
-                <a:lnTo>
-                  <a:pt x="4770882" y="2014881"/>
-                </a:lnTo>
-                <a:lnTo>
-                  <a:pt x="4762645" y="2167128"/>
-                </a:lnTo>
-                <a:lnTo>
-                  <a:pt x="4755754" y="2318004"/>
-                </a:lnTo>
-                <a:lnTo>
-                  <a:pt x="4750879" y="2467509"/>
-                </a:lnTo>
-                <a:lnTo>
-                  <a:pt x="4746677" y="2617013"/>
-                </a:lnTo>
-                <a:lnTo>
-                  <a:pt x="4742643" y="2765146"/>
-                </a:lnTo>
-                <a:lnTo>
-                  <a:pt x="4740794" y="2911221"/>
-                </a:lnTo>
-                <a:lnTo>
-                  <a:pt x="4738777" y="3057297"/>
-                </a:lnTo>
-                <a:lnTo>
-                  <a:pt x="4737768" y="3201315"/>
-                </a:lnTo>
-                <a:lnTo>
-                  <a:pt x="4738777" y="3343961"/>
-                </a:lnTo>
-                <a:lnTo>
-                  <a:pt x="4738777" y="3485236"/>
-                </a:lnTo>
-                <a:lnTo>
-                  <a:pt x="4740794" y="3625139"/>
-                </a:lnTo>
-                <a:lnTo>
-                  <a:pt x="4743819" y="3762299"/>
-                </a:lnTo>
-                <a:lnTo>
-                  <a:pt x="4746677" y="3898087"/>
-                </a:lnTo>
-                <a:lnTo>
-                  <a:pt x="4749871" y="4031133"/>
-                </a:lnTo>
-                <a:lnTo>
-                  <a:pt x="4754745" y="4163492"/>
-                </a:lnTo>
-                <a:lnTo>
-                  <a:pt x="4759956" y="4293793"/>
-                </a:lnTo>
-                <a:lnTo>
-                  <a:pt x="4764662" y="4421352"/>
-                </a:lnTo>
-                <a:lnTo>
-                  <a:pt x="4777942" y="4670298"/>
-                </a:lnTo>
-                <a:lnTo>
-                  <a:pt x="4792061" y="4908956"/>
-                </a:lnTo>
-                <a:lnTo>
-                  <a:pt x="4806853" y="5138013"/>
-                </a:lnTo>
-                <a:lnTo>
-                  <a:pt x="4823158" y="5354726"/>
-                </a:lnTo>
-                <a:lnTo>
-                  <a:pt x="4840135" y="5561838"/>
-                </a:lnTo>
-                <a:lnTo>
-                  <a:pt x="4858456" y="5753862"/>
-                </a:lnTo>
-                <a:lnTo>
-                  <a:pt x="4876442" y="5934227"/>
-                </a:lnTo>
-                <a:lnTo>
-                  <a:pt x="4894427" y="6100191"/>
-                </a:lnTo>
-                <a:lnTo>
-                  <a:pt x="4911404" y="6252438"/>
-                </a:lnTo>
-                <a:lnTo>
-                  <a:pt x="4927541" y="6387541"/>
-                </a:lnTo>
-                <a:lnTo>
-                  <a:pt x="4942837" y="6509613"/>
-                </a:lnTo>
-                <a:lnTo>
-                  <a:pt x="4955612" y="6612483"/>
-                </a:lnTo>
-                <a:lnTo>
-                  <a:pt x="4967714" y="6698894"/>
-                </a:lnTo>
-                <a:lnTo>
-                  <a:pt x="4985028" y="6817538"/>
-                </a:lnTo>
-                <a:lnTo>
-                  <a:pt x="4990911" y="6858000"/>
-                </a:lnTo>
-                <a:lnTo>
-                  <a:pt x="4085557" y="6858000"/>
-                </a:lnTo>
-                <a:lnTo>
-                  <a:pt x="4085557" y="6858001"/>
-                </a:lnTo>
-                <a:lnTo>
-                  <a:pt x="0" y="6858001"/>
-                </a:lnTo>
-                <a:lnTo>
-                  <a:pt x="0" y="1"/>
-                </a:lnTo>
-                <a:lnTo>
-                  <a:pt x="3646196" y="1"/>
-                </a:lnTo>
-                <a:close/>
-              </a:path>
-            </a:pathLst>
-          </a:custGeom>
-          <a:ln>
-            <a:noFill/>
-          </a:ln>
-        </p:spPr>
-        <p:style>
-          <a:lnRef idx="2">
-            <a:schemeClr val="accent1">
-              <a:shade val="50000"/>
-            </a:schemeClr>
-          </a:lnRef>
-          <a:fillRef idx="1003">
-            <a:schemeClr val="dk2"/>
-          </a:fillRef>
-          <a:effectRef idx="0">
-            <a:schemeClr val="accent1"/>
-          </a:effectRef>
-          <a:fontRef idx="minor">
-            <a:schemeClr val="lt1"/>
-          </a:fontRef>
-        </p:style>
-        <p:txBody>
-          <a:bodyPr rtlCol="0" anchor="ctr"/>
-          <a:lstStyle/>
-          <a:p>
-            <a:pPr algn="ctr"/>
-            <a:endParaRPr lang="en-US"/>
-          </a:p>
-        </p:txBody>
-      </p:sp>
-      <p:sp>
-        <p:nvSpPr>
-          <p:cNvPr id="14" name="Rectangle 13">
-            <a:extLst>
-              <a:ext uri="{FF2B5EF4-FFF2-40B4-BE49-F238E27FC236}">
-                <a16:creationId xmlns:a16="http://schemas.microsoft.com/office/drawing/2014/main" id="{0BA768A8-4FED-4ED8-9E46-6BE72188ECD2}"/>
-              </a:ext>
-              <a:ext uri="{C183D7F6-B498-43B3-948B-1728B52AA6E4}">
-                <adec:decorative xmlns:adec="http://schemas.microsoft.com/office/drawing/2017/decorative" val="1"/>
-              </a:ext>
-            </a:extLst>
-          </p:cNvPr>
-          <p:cNvSpPr>
-            <a:spLocks noGrp="1" noRot="1" noChangeAspect="1" noMove="1" noResize="1" noEditPoints="1" noAdjustHandles="1" noChangeArrowheads="1" noChangeShapeType="1" noTextEdit="1"/>
-          </p:cNvSpPr>
-          <p:nvPr>
-            <p:extLst>
-              <p:ext uri="{386F3935-93C4-4BCD-93E2-E3B085C9AB24}">
-                <p16:designElem xmlns:p16="http://schemas.microsoft.com/office/powerpoint/2015/main" val="1"/>
-              </p:ext>
-            </p:extLst>
-          </p:nvPr>
-        </p:nvSpPr>
-        <p:spPr>
-          <a:xfrm>
-            <a:off x="10437812" y="0"/>
-            <a:ext cx="685800" cy="1143000"/>
-          </a:xfrm>
-          <a:prstGeom prst="rect">
-            <a:avLst/>
-          </a:prstGeom>
-          <a:solidFill>
-            <a:schemeClr val="accent1"/>
-          </a:solidFill>
-          <a:ln>
-            <a:noFill/>
-          </a:ln>
-        </p:spPr>
-        <p:style>
-          <a:lnRef idx="1">
-            <a:schemeClr val="accent1"/>
-          </a:lnRef>
-          <a:fillRef idx="3">
-            <a:schemeClr val="accent1"/>
-          </a:fillRef>
-          <a:effectRef idx="2">
-            <a:schemeClr val="accent1"/>
-          </a:effectRef>
-          <a:fontRef idx="minor">
-            <a:schemeClr val="lt1"/>
-          </a:fontRef>
-        </p:style>
-        <p:txBody>
-          <a:bodyPr/>
-          <a:lstStyle/>
-          <a:p>
-            <a:endParaRPr lang="en-DK"/>
-          </a:p>
-        </p:txBody>
-      </p:sp>
-      <p:sp>
-        <p:nvSpPr>
-          <p:cNvPr id="2" name="Titel 1">
-            <a:extLst>
-              <a:ext uri="{FF2B5EF4-FFF2-40B4-BE49-F238E27FC236}">
-                <a16:creationId xmlns:a16="http://schemas.microsoft.com/office/drawing/2014/main" id="{0A69EEEE-C965-4E46-FAB8-79523327711F}"/>
-              </a:ext>
-            </a:extLst>
-          </p:cNvPr>
-          <p:cNvSpPr>
-            <a:spLocks noGrp="1"/>
-          </p:cNvSpPr>
-          <p:nvPr>
-            <p:ph type="title"/>
-          </p:nvPr>
-        </p:nvSpPr>
-        <p:spPr>
-          <a:xfrm>
-            <a:off x="653143" y="1645920"/>
-            <a:ext cx="3522879" cy="4470821"/>
-          </a:xfrm>
-        </p:spPr>
-        <p:txBody>
-          <a:bodyPr>
-            <a:normAutofit/>
-          </a:bodyPr>
-          <a:lstStyle/>
-          <a:p>
-            <a:pPr algn="r"/>
-            <a:r>
-              <a:rPr lang="en-DK" sz="3900">
-                <a:solidFill>
-                  <a:srgbClr val="FFFFFF"/>
-                </a:solidFill>
-              </a:rPr>
-              <a:t>GPIO/Analog input</a:t>
-            </a:r>
-          </a:p>
-        </p:txBody>
-      </p:sp>
-      <p:sp>
-        <p:nvSpPr>
-          <p:cNvPr id="3" name="Pladsholder til indhold 2">
-            <a:extLst>
-              <a:ext uri="{FF2B5EF4-FFF2-40B4-BE49-F238E27FC236}">
-                <a16:creationId xmlns:a16="http://schemas.microsoft.com/office/drawing/2014/main" id="{ADAC461C-F3E1-421E-845E-6C0137FB9CF0}"/>
-              </a:ext>
-            </a:extLst>
-          </p:cNvPr>
-          <p:cNvSpPr>
-            <a:spLocks noGrp="1"/>
-          </p:cNvSpPr>
-          <p:nvPr>
-            <p:ph idx="1"/>
-          </p:nvPr>
-        </p:nvSpPr>
-        <p:spPr>
-          <a:xfrm>
-            <a:off x="5204109" y="1645920"/>
-            <a:ext cx="6750203" cy="4470821"/>
-          </a:xfrm>
-        </p:spPr>
-        <p:txBody>
-          <a:bodyPr>
-            <a:normAutofit/>
-          </a:bodyPr>
-          <a:lstStyle/>
-          <a:p>
-            <a:pPr marL="0" indent="0">
-              <a:lnSpc>
-                <a:spcPct val="90000"/>
-              </a:lnSpc>
-              <a:buNone/>
-            </a:pPr>
-            <a:r>
-              <a:rPr lang="en-GB" sz="800" dirty="0"/>
-              <a:t>GPIO - De </a:t>
-            </a:r>
-            <a:r>
-              <a:rPr lang="en-GB" sz="800" dirty="0" err="1"/>
-              <a:t>Digitale</a:t>
-            </a:r>
-            <a:r>
-              <a:rPr lang="en-GB" sz="800" dirty="0"/>
-              <a:t> </a:t>
-            </a:r>
-            <a:r>
-              <a:rPr lang="en-GB" sz="800" dirty="0" err="1"/>
-              <a:t>Schweizerknive</a:t>
-            </a:r>
-            <a:r>
-              <a:rPr lang="en-DK" sz="800" dirty="0"/>
-              <a:t> (</a:t>
-            </a:r>
-            <a:r>
-              <a:rPr lang="en-GB" sz="800" dirty="0"/>
-              <a:t>GPIO: </a:t>
-            </a:r>
-            <a:r>
-              <a:rPr lang="en-GB" sz="800" dirty="0" err="1"/>
-              <a:t>Står</a:t>
-            </a:r>
-            <a:r>
-              <a:rPr lang="en-GB" sz="800" dirty="0"/>
-              <a:t> for General Purpose Input/Output</a:t>
-            </a:r>
-            <a:r>
-              <a:rPr lang="en-DK" sz="800" dirty="0"/>
-              <a:t>)</a:t>
-            </a:r>
-            <a:endParaRPr lang="en-GB" sz="800" dirty="0"/>
-          </a:p>
-          <a:p>
-            <a:pPr marL="0" indent="0">
-              <a:lnSpc>
-                <a:spcPct val="90000"/>
-              </a:lnSpc>
-              <a:buNone/>
-            </a:pPr>
-            <a:r>
-              <a:rPr lang="en-GB" sz="800" dirty="0"/>
-              <a:t>GPIO </a:t>
-            </a:r>
-            <a:r>
-              <a:rPr lang="en-GB" sz="800" dirty="0" err="1"/>
-              <a:t>Funktioner</a:t>
-            </a:r>
-            <a:r>
-              <a:rPr lang="en-GB" sz="800" dirty="0"/>
-              <a:t> (Primære):</a:t>
-            </a:r>
-          </a:p>
-          <a:p>
-            <a:pPr>
-              <a:lnSpc>
-                <a:spcPct val="90000"/>
-              </a:lnSpc>
-            </a:pPr>
-            <a:r>
-              <a:rPr lang="en-GB" sz="800" dirty="0"/>
-              <a:t>Digital Input (INPUT):</a:t>
-            </a:r>
-          </a:p>
-          <a:p>
-            <a:pPr>
-              <a:lnSpc>
-                <a:spcPct val="90000"/>
-              </a:lnSpc>
-            </a:pPr>
-            <a:r>
-              <a:rPr lang="en-GB" sz="800" dirty="0" err="1"/>
-              <a:t>Læser</a:t>
-            </a:r>
-            <a:r>
-              <a:rPr lang="en-GB" sz="800" dirty="0"/>
-              <a:t> </a:t>
-            </a:r>
-            <a:r>
-              <a:rPr lang="en-GB" sz="800" dirty="0" err="1"/>
-              <a:t>en</a:t>
-            </a:r>
-            <a:r>
-              <a:rPr lang="en-GB" sz="800" dirty="0"/>
-              <a:t> digital </a:t>
-            </a:r>
-            <a:r>
-              <a:rPr lang="en-GB" sz="800" dirty="0" err="1"/>
-              <a:t>tilstand</a:t>
-            </a:r>
-            <a:r>
-              <a:rPr lang="en-GB" sz="800" dirty="0"/>
-              <a:t>: HØJ (</a:t>
-            </a:r>
-            <a:r>
-              <a:rPr lang="en-GB" sz="800" dirty="0" err="1"/>
-              <a:t>typisk</a:t>
-            </a:r>
-            <a:r>
-              <a:rPr lang="en-GB" sz="800" dirty="0"/>
-              <a:t> ~3.3V) </a:t>
-            </a:r>
-            <a:r>
-              <a:rPr lang="en-GB" sz="800" dirty="0" err="1"/>
-              <a:t>eller</a:t>
-            </a:r>
-            <a:r>
-              <a:rPr lang="en-GB" sz="800" dirty="0"/>
-              <a:t> LAV (</a:t>
-            </a:r>
-            <a:r>
-              <a:rPr lang="en-GB" sz="800" dirty="0" err="1"/>
-              <a:t>typisk</a:t>
-            </a:r>
-            <a:r>
-              <a:rPr lang="en-GB" sz="800" dirty="0"/>
-              <a:t> ~0V / GND).</a:t>
-            </a:r>
-          </a:p>
-          <a:p>
-            <a:pPr>
-              <a:lnSpc>
-                <a:spcPct val="90000"/>
-              </a:lnSpc>
-            </a:pPr>
-            <a:r>
-              <a:rPr lang="en-GB" sz="800" dirty="0"/>
-              <a:t>Bruges </a:t>
-            </a:r>
-            <a:r>
-              <a:rPr lang="en-GB" sz="800" dirty="0" err="1"/>
-              <a:t>til</a:t>
-            </a:r>
-            <a:r>
-              <a:rPr lang="en-GB" sz="800" dirty="0"/>
-              <a:t> </a:t>
-            </a:r>
-            <a:r>
-              <a:rPr lang="en-GB" sz="800" dirty="0" err="1"/>
-              <a:t>knapper</a:t>
-            </a:r>
-            <a:r>
-              <a:rPr lang="en-GB" sz="800" dirty="0"/>
-              <a:t>, simple </a:t>
-            </a:r>
-            <a:r>
-              <a:rPr lang="en-GB" sz="800" dirty="0" err="1"/>
-              <a:t>sensorer</a:t>
-            </a:r>
-            <a:r>
-              <a:rPr lang="en-GB" sz="800" dirty="0"/>
-              <a:t> (</a:t>
-            </a:r>
-            <a:r>
-              <a:rPr lang="en-GB" sz="800" dirty="0" err="1"/>
-              <a:t>f.eks</a:t>
-            </a:r>
-            <a:r>
-              <a:rPr lang="en-GB" sz="800" dirty="0"/>
-              <a:t>. </a:t>
-            </a:r>
-            <a:r>
-              <a:rPr lang="en-GB" sz="800" dirty="0" err="1"/>
-              <a:t>bevægelsessensor</a:t>
-            </a:r>
-            <a:r>
-              <a:rPr lang="en-GB" sz="800" dirty="0"/>
-              <a:t>), signal fra </a:t>
-            </a:r>
-            <a:r>
-              <a:rPr lang="en-GB" sz="800" dirty="0" err="1"/>
-              <a:t>andre</a:t>
-            </a:r>
-            <a:r>
-              <a:rPr lang="en-GB" sz="800" dirty="0"/>
-              <a:t> </a:t>
-            </a:r>
-            <a:r>
-              <a:rPr lang="en-GB" sz="800" dirty="0" err="1"/>
-              <a:t>enheder</a:t>
-            </a:r>
-            <a:r>
-              <a:rPr lang="en-GB" sz="800" dirty="0"/>
-              <a:t>.</a:t>
-            </a:r>
-          </a:p>
-          <a:p>
-            <a:pPr>
-              <a:lnSpc>
-                <a:spcPct val="90000"/>
-              </a:lnSpc>
-            </a:pPr>
-            <a:r>
-              <a:rPr lang="en-GB" sz="800" dirty="0"/>
-              <a:t>Kan </a:t>
-            </a:r>
-            <a:r>
-              <a:rPr lang="en-GB" sz="800" dirty="0" err="1"/>
-              <a:t>ofte</a:t>
-            </a:r>
-            <a:r>
-              <a:rPr lang="en-GB" sz="800" dirty="0"/>
-              <a:t> </a:t>
-            </a:r>
-            <a:r>
-              <a:rPr lang="en-GB" sz="800" dirty="0" err="1"/>
-              <a:t>konfigureres</a:t>
-            </a:r>
-            <a:r>
-              <a:rPr lang="en-GB" sz="800" dirty="0"/>
-              <a:t> med INPUT_PULLUP (intern </a:t>
-            </a:r>
-            <a:r>
-              <a:rPr lang="en-GB" sz="800" dirty="0" err="1"/>
-              <a:t>modstand</a:t>
-            </a:r>
-            <a:r>
-              <a:rPr lang="en-GB" sz="800" dirty="0"/>
-              <a:t> </a:t>
-            </a:r>
-            <a:r>
-              <a:rPr lang="en-GB" sz="800" dirty="0" err="1"/>
-              <a:t>til</a:t>
-            </a:r>
-            <a:r>
-              <a:rPr lang="en-GB" sz="800" dirty="0"/>
-              <a:t> 3.3V) </a:t>
-            </a:r>
-            <a:r>
-              <a:rPr lang="en-GB" sz="800" dirty="0" err="1"/>
-              <a:t>eller</a:t>
-            </a:r>
-            <a:r>
-              <a:rPr lang="en-GB" sz="800" dirty="0"/>
-              <a:t> INPUT_PULLDOWN (intern </a:t>
-            </a:r>
-            <a:r>
-              <a:rPr lang="en-GB" sz="800" dirty="0" err="1"/>
-              <a:t>modstand</a:t>
-            </a:r>
-            <a:r>
-              <a:rPr lang="en-GB" sz="800" dirty="0"/>
-              <a:t> </a:t>
-            </a:r>
-            <a:r>
-              <a:rPr lang="en-GB" sz="800" dirty="0" err="1"/>
-              <a:t>til</a:t>
-            </a:r>
-            <a:r>
-              <a:rPr lang="en-GB" sz="800" dirty="0"/>
-              <a:t> GND) for at </a:t>
-            </a:r>
-            <a:r>
-              <a:rPr lang="en-GB" sz="800" dirty="0" err="1"/>
-              <a:t>sikre</a:t>
-            </a:r>
-            <a:r>
-              <a:rPr lang="en-GB" sz="800" dirty="0"/>
-              <a:t> </a:t>
-            </a:r>
-            <a:r>
-              <a:rPr lang="en-GB" sz="800" dirty="0" err="1"/>
-              <a:t>en</a:t>
-            </a:r>
-            <a:r>
-              <a:rPr lang="en-GB" sz="800" dirty="0"/>
-              <a:t> </a:t>
-            </a:r>
-            <a:r>
-              <a:rPr lang="en-GB" sz="800" dirty="0" err="1"/>
-              <a:t>stabil</a:t>
-            </a:r>
-            <a:r>
-              <a:rPr lang="en-GB" sz="800" dirty="0"/>
-              <a:t> </a:t>
-            </a:r>
-            <a:r>
-              <a:rPr lang="en-GB" sz="800" dirty="0" err="1"/>
-              <a:t>tilstand</a:t>
-            </a:r>
-            <a:r>
-              <a:rPr lang="en-GB" sz="800" dirty="0"/>
-              <a:t>, </a:t>
-            </a:r>
-            <a:r>
-              <a:rPr lang="en-GB" sz="800" dirty="0" err="1"/>
-              <a:t>når</a:t>
-            </a:r>
-            <a:r>
-              <a:rPr lang="en-GB" sz="800" dirty="0"/>
-              <a:t> </a:t>
-            </a:r>
-            <a:r>
-              <a:rPr lang="en-GB" sz="800" dirty="0" err="1"/>
-              <a:t>intet</a:t>
-            </a:r>
-            <a:r>
-              <a:rPr lang="en-GB" sz="800" dirty="0"/>
-              <a:t> er </a:t>
-            </a:r>
-            <a:r>
-              <a:rPr lang="en-GB" sz="800" dirty="0" err="1"/>
-              <a:t>tilsluttet</a:t>
-            </a:r>
-            <a:r>
-              <a:rPr lang="en-GB" sz="800" dirty="0"/>
-              <a:t>.</a:t>
-            </a:r>
-          </a:p>
-          <a:p>
-            <a:pPr marL="0" indent="0">
-              <a:lnSpc>
-                <a:spcPct val="90000"/>
-              </a:lnSpc>
-              <a:buNone/>
-            </a:pPr>
-            <a:r>
-              <a:rPr lang="en-GB" sz="800" dirty="0"/>
-              <a:t>Digital Output (OUTPUT):</a:t>
-            </a:r>
-          </a:p>
-          <a:p>
-            <a:pPr>
-              <a:lnSpc>
-                <a:spcPct val="90000"/>
-              </a:lnSpc>
-            </a:pPr>
-            <a:r>
-              <a:rPr lang="en-GB" sz="800" dirty="0"/>
-              <a:t>Sætter </a:t>
-            </a:r>
-            <a:r>
-              <a:rPr lang="en-GB" sz="800" dirty="0" err="1"/>
-              <a:t>en</a:t>
-            </a:r>
-            <a:r>
-              <a:rPr lang="en-GB" sz="800" dirty="0"/>
-              <a:t> digital </a:t>
-            </a:r>
-            <a:r>
-              <a:rPr lang="en-GB" sz="800" dirty="0" err="1"/>
-              <a:t>tilstand</a:t>
-            </a:r>
-            <a:r>
-              <a:rPr lang="en-GB" sz="800" dirty="0"/>
-              <a:t>: HØJ (3.3V) </a:t>
-            </a:r>
-            <a:r>
-              <a:rPr lang="en-GB" sz="800" dirty="0" err="1"/>
-              <a:t>eller</a:t>
-            </a:r>
-            <a:r>
-              <a:rPr lang="en-GB" sz="800" dirty="0"/>
-              <a:t> LAV (GND).</a:t>
-            </a:r>
-          </a:p>
-          <a:p>
-            <a:pPr>
-              <a:lnSpc>
-                <a:spcPct val="90000"/>
-              </a:lnSpc>
-            </a:pPr>
-            <a:r>
-              <a:rPr lang="en-GB" sz="800" dirty="0"/>
-              <a:t>Bruges </a:t>
-            </a:r>
-            <a:r>
-              <a:rPr lang="en-GB" sz="800" dirty="0" err="1"/>
-              <a:t>til</a:t>
-            </a:r>
-            <a:r>
-              <a:rPr lang="en-GB" sz="800" dirty="0"/>
-              <a:t> at </a:t>
-            </a:r>
-            <a:r>
-              <a:rPr lang="en-GB" sz="800" dirty="0" err="1"/>
-              <a:t>tænde</a:t>
-            </a:r>
-            <a:r>
-              <a:rPr lang="en-GB" sz="800" dirty="0"/>
-              <a:t>/</a:t>
-            </a:r>
-            <a:r>
-              <a:rPr lang="en-GB" sz="800" dirty="0" err="1"/>
-              <a:t>slukke</a:t>
-            </a:r>
-            <a:r>
-              <a:rPr lang="en-GB" sz="800" dirty="0"/>
-              <a:t> LEDs, </a:t>
-            </a:r>
-            <a:r>
-              <a:rPr lang="en-GB" sz="800" dirty="0" err="1"/>
-              <a:t>styre</a:t>
-            </a:r>
-            <a:r>
-              <a:rPr lang="en-GB" sz="800" dirty="0"/>
-              <a:t> </a:t>
-            </a:r>
-            <a:r>
-              <a:rPr lang="en-GB" sz="800" dirty="0" err="1"/>
-              <a:t>relæer</a:t>
-            </a:r>
-            <a:r>
-              <a:rPr lang="en-GB" sz="800" dirty="0"/>
-              <a:t> (via transistor), </a:t>
-            </a:r>
-            <a:r>
-              <a:rPr lang="en-GB" sz="800" dirty="0" err="1"/>
-              <a:t>sende</a:t>
-            </a:r>
-            <a:r>
-              <a:rPr lang="en-GB" sz="800" dirty="0"/>
-              <a:t> simple </a:t>
-            </a:r>
-            <a:r>
-              <a:rPr lang="en-GB" sz="800" dirty="0" err="1"/>
-              <a:t>signaler</a:t>
-            </a:r>
-            <a:r>
-              <a:rPr lang="en-GB" sz="800" dirty="0"/>
-              <a:t>.</a:t>
-            </a:r>
-          </a:p>
-        </p:txBody>
-      </p:sp>
-    </p:spTree>
-    <p:extLst>
-      <p:ext uri="{BB962C8B-B14F-4D97-AF65-F5344CB8AC3E}">
-        <p14:creationId xmlns:p14="http://schemas.microsoft.com/office/powerpoint/2010/main" val="3955616230"/>
-      </p:ext>
-    </p:extLst>
-  </p:cSld>
-  <p:clrMapOvr>
-    <a:overrideClrMapping bg1="lt1" tx1="dk1" bg2="lt2" tx2="dk2" accent1="accent1" accent2="accent2" accent3="accent3" accent4="accent4" accent5="accent5" accent6="accent6" hlink="hlink" folHlink="folHlink"/>
-  </p:clrMapOvr>
-</p:sld>
-</file>
-
-<file path=ppt/slides/slide21.xml><?xml version="1.0" encoding="utf-8"?>
-<p:sld xmlns:a="http://schemas.openxmlformats.org/drawingml/2006/main" xmlns:r="http://schemas.openxmlformats.org/officeDocument/2006/relationships" xmlns:p="http://schemas.openxmlformats.org/presentationml/2006/main">
-  <p:cSld>
-    <p:spTree>
-      <p:nvGrpSpPr>
-        <p:cNvPr id="1" name=""/>
-        <p:cNvGrpSpPr/>
-        <p:nvPr/>
-      </p:nvGrpSpPr>
-      <p:grpSpPr>
-        <a:xfrm>
-          <a:off x="0" y="0"/>
-          <a:ext cx="0" cy="0"/>
-          <a:chOff x="0" y="0"/>
-          <a:chExt cx="0" cy="0"/>
-        </a:xfrm>
-      </p:grpSpPr>
-      <p:sp>
-        <p:nvSpPr>
-          <p:cNvPr id="2" name="Titel 1">
-            <a:extLst>
-              <a:ext uri="{FF2B5EF4-FFF2-40B4-BE49-F238E27FC236}">
-                <a16:creationId xmlns:a16="http://schemas.microsoft.com/office/drawing/2014/main" id="{E29A0DFD-BCCE-99D8-3064-360E4533D969}"/>
-              </a:ext>
-            </a:extLst>
-          </p:cNvPr>
-          <p:cNvSpPr>
-            <a:spLocks noGrp="1"/>
-          </p:cNvSpPr>
-          <p:nvPr>
-            <p:ph type="title"/>
-          </p:nvPr>
-        </p:nvSpPr>
-        <p:spPr/>
-        <p:txBody>
-          <a:bodyPr/>
-          <a:lstStyle/>
-          <a:p>
-            <a:r>
-              <a:rPr lang="en-DK" dirty="0"/>
-              <a:t>GPIO/Analog input</a:t>
-            </a:r>
-          </a:p>
-        </p:txBody>
-      </p:sp>
-      <p:sp>
-        <p:nvSpPr>
-          <p:cNvPr id="3" name="Pladsholder til indhold 2">
-            <a:extLst>
-              <a:ext uri="{FF2B5EF4-FFF2-40B4-BE49-F238E27FC236}">
-                <a16:creationId xmlns:a16="http://schemas.microsoft.com/office/drawing/2014/main" id="{46637D79-421A-6068-E386-31D2BC2425C3}"/>
-              </a:ext>
-            </a:extLst>
-          </p:cNvPr>
-          <p:cNvSpPr>
-            <a:spLocks noGrp="1"/>
-          </p:cNvSpPr>
-          <p:nvPr>
-            <p:ph idx="1"/>
-          </p:nvPr>
-        </p:nvSpPr>
-        <p:spPr>
-          <a:xfrm>
-            <a:off x="646111" y="1426146"/>
-            <a:ext cx="8946541" cy="4195481"/>
-          </a:xfrm>
-        </p:spPr>
-        <p:txBody>
-          <a:bodyPr>
-            <a:normAutofit fontScale="70000" lnSpcReduction="20000"/>
-          </a:bodyPr>
-          <a:lstStyle/>
-          <a:p>
-            <a:pPr marL="0" indent="0">
-              <a:buNone/>
-            </a:pPr>
-            <a:r>
-              <a:rPr lang="en-GB" dirty="0"/>
-              <a:t>Analog Input - </a:t>
-            </a:r>
-            <a:r>
-              <a:rPr lang="en-GB" dirty="0" err="1"/>
-              <a:t>Måling</a:t>
-            </a:r>
-            <a:r>
-              <a:rPr lang="en-GB" dirty="0"/>
-              <a:t> </a:t>
-            </a:r>
-            <a:r>
-              <a:rPr lang="en-GB" dirty="0" err="1"/>
-              <a:t>af</a:t>
-            </a:r>
-            <a:r>
-              <a:rPr lang="en-GB" dirty="0"/>
-              <a:t> </a:t>
-            </a:r>
-            <a:r>
-              <a:rPr lang="en-GB" dirty="0" err="1"/>
-              <a:t>Kontinuerlige</a:t>
-            </a:r>
-            <a:r>
-              <a:rPr lang="en-GB" dirty="0"/>
-              <a:t> </a:t>
-            </a:r>
-            <a:r>
-              <a:rPr lang="en-GB" dirty="0" err="1"/>
-              <a:t>Værdier</a:t>
-            </a:r>
-            <a:endParaRPr lang="en-GB" dirty="0"/>
-          </a:p>
-          <a:p>
-            <a:r>
-              <a:rPr lang="en-GB" dirty="0" err="1"/>
-              <a:t>Hvad</a:t>
-            </a:r>
-            <a:r>
-              <a:rPr lang="en-GB" dirty="0"/>
-              <a:t> er det? </a:t>
-            </a:r>
-            <a:r>
-              <a:rPr lang="en-GB" dirty="0" err="1"/>
-              <a:t>Evnen</a:t>
-            </a:r>
-            <a:r>
-              <a:rPr lang="en-GB" dirty="0"/>
-              <a:t> </a:t>
-            </a:r>
-            <a:r>
-              <a:rPr lang="en-GB" dirty="0" err="1"/>
-              <a:t>til</a:t>
-            </a:r>
-            <a:r>
-              <a:rPr lang="en-GB" dirty="0"/>
-              <a:t> at </a:t>
-            </a:r>
-            <a:r>
-              <a:rPr lang="en-GB" dirty="0" err="1"/>
-              <a:t>måle</a:t>
-            </a:r>
-            <a:r>
-              <a:rPr lang="en-GB" dirty="0"/>
-              <a:t> </a:t>
-            </a:r>
-            <a:r>
-              <a:rPr lang="en-GB" dirty="0" err="1"/>
-              <a:t>en</a:t>
-            </a:r>
-            <a:r>
-              <a:rPr lang="en-GB" dirty="0"/>
-              <a:t> </a:t>
-            </a:r>
-            <a:r>
-              <a:rPr lang="en-GB" dirty="0" err="1"/>
-              <a:t>kontinuert</a:t>
-            </a:r>
-            <a:r>
-              <a:rPr lang="en-GB" dirty="0"/>
-              <a:t> </a:t>
-            </a:r>
-            <a:r>
-              <a:rPr lang="en-GB" dirty="0" err="1"/>
-              <a:t>spænding</a:t>
-            </a:r>
-            <a:r>
-              <a:rPr lang="en-GB" dirty="0"/>
-              <a:t> (</a:t>
-            </a:r>
-            <a:r>
-              <a:rPr lang="en-GB" dirty="0" err="1"/>
-              <a:t>inden</a:t>
-            </a:r>
-            <a:r>
-              <a:rPr lang="en-GB" dirty="0"/>
-              <a:t> for et </a:t>
-            </a:r>
-            <a:r>
-              <a:rPr lang="en-GB" dirty="0" err="1"/>
-              <a:t>bestemt</a:t>
-            </a:r>
-            <a:r>
-              <a:rPr lang="en-GB" dirty="0"/>
-              <a:t> </a:t>
-            </a:r>
-            <a:r>
-              <a:rPr lang="en-GB" dirty="0" err="1"/>
-              <a:t>område</a:t>
-            </a:r>
-            <a:r>
-              <a:rPr lang="en-GB" dirty="0"/>
-              <a:t>) </a:t>
-            </a:r>
-            <a:r>
-              <a:rPr lang="en-GB" dirty="0" err="1"/>
-              <a:t>i</a:t>
-            </a:r>
-            <a:r>
-              <a:rPr lang="en-GB" dirty="0"/>
-              <a:t> </a:t>
-            </a:r>
-            <a:r>
-              <a:rPr lang="en-GB" dirty="0" err="1"/>
-              <a:t>stedet</a:t>
-            </a:r>
-            <a:r>
-              <a:rPr lang="en-GB" dirty="0"/>
-              <a:t> for </a:t>
-            </a:r>
-            <a:r>
-              <a:rPr lang="en-GB" dirty="0" err="1"/>
-              <a:t>kun</a:t>
-            </a:r>
-            <a:r>
-              <a:rPr lang="en-GB" dirty="0"/>
-              <a:t> HØJ/LAV.</a:t>
-            </a:r>
-          </a:p>
-          <a:p>
-            <a:pPr marL="0" indent="0">
-              <a:buNone/>
-            </a:pPr>
-            <a:r>
-              <a:rPr lang="en-GB" dirty="0"/>
-              <a:t>ADC: </a:t>
-            </a:r>
-            <a:r>
-              <a:rPr lang="en-GB" dirty="0" err="1"/>
-              <a:t>Foregår</a:t>
-            </a:r>
-            <a:r>
-              <a:rPr lang="en-GB" dirty="0"/>
-              <a:t> via </a:t>
-            </a:r>
-            <a:r>
-              <a:rPr lang="en-GB" dirty="0" err="1"/>
-              <a:t>en</a:t>
-            </a:r>
-            <a:r>
-              <a:rPr lang="en-GB" dirty="0"/>
-              <a:t> Analog-to-Digital Converter (ADC) </a:t>
-            </a:r>
-            <a:r>
-              <a:rPr lang="en-GB" dirty="0" err="1"/>
-              <a:t>indbygget</a:t>
-            </a:r>
-            <a:r>
-              <a:rPr lang="en-GB" dirty="0"/>
-              <a:t> </a:t>
-            </a:r>
-            <a:r>
-              <a:rPr lang="en-GB" dirty="0" err="1"/>
-              <a:t>i</a:t>
-            </a:r>
-            <a:r>
-              <a:rPr lang="en-GB" dirty="0"/>
-              <a:t> ESP32.</a:t>
-            </a:r>
-          </a:p>
-          <a:p>
-            <a:r>
-              <a:rPr lang="en-GB" dirty="0" err="1"/>
-              <a:t>Anvendelse</a:t>
-            </a:r>
-            <a:r>
-              <a:rPr lang="en-GB" dirty="0"/>
-              <a:t>: </a:t>
-            </a:r>
-            <a:r>
-              <a:rPr lang="en-GB" dirty="0" err="1"/>
-              <a:t>Læsning</a:t>
-            </a:r>
-            <a:r>
-              <a:rPr lang="en-GB" dirty="0"/>
-              <a:t> </a:t>
-            </a:r>
-            <a:r>
-              <a:rPr lang="en-GB" dirty="0" err="1"/>
-              <a:t>af</a:t>
-            </a:r>
-            <a:r>
-              <a:rPr lang="en-GB" dirty="0"/>
-              <a:t> </a:t>
-            </a:r>
-            <a:r>
-              <a:rPr lang="en-GB" dirty="0" err="1"/>
-              <a:t>potentiometre</a:t>
-            </a:r>
-            <a:r>
-              <a:rPr lang="en-GB" dirty="0"/>
-              <a:t>, </a:t>
-            </a:r>
-            <a:r>
-              <a:rPr lang="en-GB" dirty="0" err="1"/>
-              <a:t>lyssensorer</a:t>
-            </a:r>
-            <a:r>
-              <a:rPr lang="en-GB" dirty="0"/>
-              <a:t> (LDR), </a:t>
-            </a:r>
-            <a:r>
-              <a:rPr lang="en-GB" dirty="0" err="1"/>
-              <a:t>analoge</a:t>
-            </a:r>
-            <a:r>
-              <a:rPr lang="en-GB" dirty="0"/>
-              <a:t> </a:t>
-            </a:r>
-            <a:r>
-              <a:rPr lang="en-GB" dirty="0" err="1"/>
-              <a:t>temperatursensorer</a:t>
-            </a:r>
-            <a:r>
-              <a:rPr lang="en-GB" dirty="0"/>
-              <a:t>, joysticks, etc.</a:t>
-            </a:r>
-          </a:p>
-          <a:p>
-            <a:pPr marL="0" indent="0">
-              <a:buNone/>
-            </a:pPr>
-            <a:r>
-              <a:rPr lang="en-GB" dirty="0"/>
-              <a:t>ESP32 ADC </a:t>
-            </a:r>
-            <a:r>
-              <a:rPr lang="en-GB" dirty="0" err="1"/>
-              <a:t>Specifikationer</a:t>
-            </a:r>
-            <a:r>
-              <a:rPr lang="en-GB" dirty="0"/>
-              <a:t>:</a:t>
-            </a:r>
-          </a:p>
-          <a:p>
-            <a:r>
-              <a:rPr lang="en-GB" dirty="0"/>
-              <a:t>Hardware: ESP32 </a:t>
-            </a:r>
-            <a:r>
-              <a:rPr lang="en-GB" dirty="0" err="1"/>
-              <a:t>har</a:t>
-            </a:r>
-            <a:r>
-              <a:rPr lang="en-GB" dirty="0"/>
-              <a:t> </a:t>
-            </a:r>
-            <a:r>
-              <a:rPr lang="en-GB" dirty="0" err="1"/>
-              <a:t>typisk</a:t>
-            </a:r>
-            <a:r>
-              <a:rPr lang="en-GB" dirty="0"/>
-              <a:t> to ADCs (ADC1 </a:t>
-            </a:r>
-            <a:r>
-              <a:rPr lang="en-GB" dirty="0" err="1"/>
-              <a:t>og</a:t>
-            </a:r>
-            <a:r>
-              <a:rPr lang="en-GB" dirty="0"/>
-              <a:t> ADC2).</a:t>
-            </a:r>
-          </a:p>
-          <a:p>
-            <a:r>
-              <a:rPr lang="en-GB" dirty="0" err="1"/>
-              <a:t>Opløsning</a:t>
-            </a:r>
-            <a:r>
-              <a:rPr lang="en-GB" dirty="0"/>
-              <a:t>: Standard er 12-bit. Dette </a:t>
-            </a:r>
-            <a:r>
-              <a:rPr lang="en-GB" dirty="0" err="1"/>
-              <a:t>betyder</a:t>
-            </a:r>
-            <a:r>
-              <a:rPr lang="en-GB" dirty="0"/>
-              <a:t>, at </a:t>
-            </a:r>
-            <a:r>
-              <a:rPr lang="en-GB" dirty="0" err="1"/>
-              <a:t>ADC'en</a:t>
-            </a:r>
-            <a:r>
-              <a:rPr lang="en-GB" dirty="0"/>
-              <a:t> </a:t>
-            </a:r>
-            <a:r>
-              <a:rPr lang="en-GB" dirty="0" err="1"/>
-              <a:t>kan</a:t>
-            </a:r>
-            <a:r>
-              <a:rPr lang="en-GB" dirty="0"/>
-              <a:t> </a:t>
-            </a:r>
-            <a:r>
-              <a:rPr lang="en-GB" dirty="0" err="1"/>
-              <a:t>repræsentere</a:t>
-            </a:r>
-            <a:r>
-              <a:rPr lang="en-GB" dirty="0"/>
-              <a:t> </a:t>
-            </a:r>
-            <a:r>
-              <a:rPr lang="en-GB" dirty="0" err="1"/>
-              <a:t>spændingen</a:t>
-            </a:r>
-            <a:r>
-              <a:rPr lang="en-GB" dirty="0"/>
-              <a:t> </a:t>
-            </a:r>
-            <a:r>
-              <a:rPr lang="en-GB" dirty="0" err="1"/>
-              <a:t>som</a:t>
-            </a:r>
-            <a:r>
-              <a:rPr lang="en-GB" dirty="0"/>
-              <a:t> </a:t>
-            </a:r>
-            <a:r>
-              <a:rPr lang="en-GB" dirty="0" err="1"/>
-              <a:t>en</a:t>
-            </a:r>
-            <a:r>
-              <a:rPr lang="en-GB" dirty="0"/>
-              <a:t> digital </a:t>
-            </a:r>
-            <a:r>
-              <a:rPr lang="en-GB" dirty="0" err="1"/>
-              <a:t>værdi</a:t>
-            </a:r>
-            <a:r>
-              <a:rPr lang="en-GB" dirty="0"/>
-              <a:t> </a:t>
-            </a:r>
-            <a:r>
-              <a:rPr lang="en-GB" dirty="0" err="1"/>
-              <a:t>mellem</a:t>
-            </a:r>
-            <a:r>
-              <a:rPr lang="en-GB" dirty="0"/>
-              <a:t> 0 </a:t>
-            </a:r>
-            <a:r>
-              <a:rPr lang="en-GB" dirty="0" err="1"/>
-              <a:t>og</a:t>
-            </a:r>
-            <a:r>
-              <a:rPr lang="en-GB" dirty="0"/>
-              <a:t> 4095.</a:t>
-            </a:r>
-          </a:p>
-          <a:p>
-            <a:pPr marL="0" indent="0">
-              <a:buNone/>
-            </a:pPr>
-            <a:r>
-              <a:rPr lang="en-GB" dirty="0"/>
-              <a:t>Arduino IDE </a:t>
-            </a:r>
-            <a:r>
-              <a:rPr lang="en-GB" dirty="0" err="1"/>
-              <a:t>Funktioner</a:t>
-            </a:r>
-            <a:r>
-              <a:rPr lang="en-GB" dirty="0"/>
-              <a:t>:</a:t>
-            </a:r>
-          </a:p>
-          <a:p>
-            <a:r>
-              <a:rPr lang="en-GB" dirty="0" err="1"/>
-              <a:t>pinMode</a:t>
-            </a:r>
-            <a:r>
-              <a:rPr lang="en-GB" dirty="0"/>
-              <a:t>(pin, MODE); // Sætter pin </a:t>
-            </a:r>
-            <a:r>
-              <a:rPr lang="en-GB" dirty="0" err="1"/>
-              <a:t>til</a:t>
-            </a:r>
-            <a:r>
-              <a:rPr lang="en-GB" dirty="0"/>
-              <a:t> INPUT, OUTPUT, INPUT_PULLUP etc.</a:t>
-            </a:r>
-          </a:p>
-          <a:p>
-            <a:r>
-              <a:rPr lang="en-GB" dirty="0" err="1"/>
-              <a:t>digitalRead</a:t>
-            </a:r>
-            <a:r>
-              <a:rPr lang="en-GB" dirty="0"/>
-              <a:t>(pin); // </a:t>
-            </a:r>
-            <a:r>
-              <a:rPr lang="en-GB" dirty="0" err="1"/>
-              <a:t>Læser</a:t>
-            </a:r>
-            <a:r>
-              <a:rPr lang="en-GB" dirty="0"/>
-              <a:t> digital </a:t>
-            </a:r>
-            <a:r>
-              <a:rPr lang="en-GB" dirty="0" err="1"/>
-              <a:t>værdi</a:t>
-            </a:r>
-            <a:r>
-              <a:rPr lang="en-GB" dirty="0"/>
-              <a:t> (HIGH/LOW).</a:t>
-            </a:r>
-          </a:p>
-          <a:p>
-            <a:r>
-              <a:rPr lang="en-GB" dirty="0" err="1"/>
-              <a:t>digitalWrite</a:t>
-            </a:r>
-            <a:r>
-              <a:rPr lang="en-GB" dirty="0"/>
-              <a:t>(pin, VALUE); // Skriver digital </a:t>
-            </a:r>
-            <a:r>
-              <a:rPr lang="en-GB" dirty="0" err="1"/>
-              <a:t>værdi</a:t>
-            </a:r>
-            <a:r>
-              <a:rPr lang="en-GB" dirty="0"/>
-              <a:t> (HIGH/LOW).</a:t>
-            </a:r>
-          </a:p>
-          <a:p>
-            <a:r>
-              <a:rPr lang="en-GB" dirty="0" err="1"/>
-              <a:t>analogRead</a:t>
-            </a:r>
-            <a:r>
-              <a:rPr lang="en-GB" dirty="0"/>
-              <a:t>(pin); // </a:t>
-            </a:r>
-            <a:r>
-              <a:rPr lang="en-GB" dirty="0" err="1"/>
-              <a:t>Læser</a:t>
-            </a:r>
-            <a:r>
-              <a:rPr lang="en-GB" dirty="0"/>
-              <a:t> </a:t>
-            </a:r>
-            <a:r>
-              <a:rPr lang="en-GB" dirty="0" err="1"/>
-              <a:t>analog</a:t>
-            </a:r>
-            <a:r>
-              <a:rPr lang="en-GB" dirty="0"/>
-              <a:t> </a:t>
-            </a:r>
-            <a:r>
-              <a:rPr lang="en-GB" dirty="0" err="1"/>
-              <a:t>værdi</a:t>
-            </a:r>
-            <a:r>
-              <a:rPr lang="en-GB" dirty="0"/>
-              <a:t> (0-4095).</a:t>
-            </a:r>
-            <a:endParaRPr lang="en-DK" dirty="0"/>
-          </a:p>
-        </p:txBody>
-      </p:sp>
-      <p:sp>
-        <p:nvSpPr>
-          <p:cNvPr id="4" name="Tekstfelt 3">
-            <a:extLst>
-              <a:ext uri="{FF2B5EF4-FFF2-40B4-BE49-F238E27FC236}">
-                <a16:creationId xmlns:a16="http://schemas.microsoft.com/office/drawing/2014/main" id="{957EB935-EBCD-5024-2ACA-1435C8FFB986}"/>
-              </a:ext>
-            </a:extLst>
-          </p:cNvPr>
-          <p:cNvSpPr txBox="1"/>
-          <p:nvPr/>
-        </p:nvSpPr>
-        <p:spPr>
-          <a:xfrm>
-            <a:off x="4866851" y="6171070"/>
-            <a:ext cx="6949575" cy="553998"/>
-          </a:xfrm>
-          <a:prstGeom prst="rect">
-            <a:avLst/>
-          </a:prstGeom>
-          <a:solidFill>
-            <a:schemeClr val="accent6">
-              <a:alpha val="50000"/>
-            </a:schemeClr>
-          </a:solidFill>
-          <a:ln>
-            <a:noFill/>
-          </a:ln>
-        </p:spPr>
-        <p:style>
-          <a:lnRef idx="0">
-            <a:scrgbClr r="0" g="0" b="0"/>
-          </a:lnRef>
-          <a:fillRef idx="0">
-            <a:scrgbClr r="0" g="0" b="0"/>
-          </a:fillRef>
-          <a:effectRef idx="0">
-            <a:scrgbClr r="0" g="0" b="0"/>
-          </a:effectRef>
-          <a:fontRef idx="minor">
-            <a:schemeClr val="lt1"/>
-          </a:fontRef>
-        </p:style>
-        <p:txBody>
-          <a:bodyPr wrap="square" rtlCol="0">
-            <a:spAutoFit/>
-          </a:bodyPr>
-          <a:lstStyle/>
-          <a:p>
-            <a:r>
-              <a:rPr lang="en-GB" sz="1000" dirty="0"/>
-              <a:t>VIGTIGT: ADC2 &amp; Wi-Fi: Pins </a:t>
-            </a:r>
-            <a:r>
-              <a:rPr lang="en-GB" sz="1000" dirty="0" err="1"/>
-              <a:t>tilsluttet</a:t>
-            </a:r>
-            <a:r>
-              <a:rPr lang="en-GB" sz="1000" dirty="0"/>
-              <a:t> ADC2 </a:t>
-            </a:r>
-            <a:r>
-              <a:rPr lang="en-GB" sz="1000" dirty="0" err="1"/>
-              <a:t>kan</a:t>
-            </a:r>
-            <a:r>
-              <a:rPr lang="en-GB" sz="1000" dirty="0"/>
-              <a:t> IKKE </a:t>
-            </a:r>
-            <a:r>
-              <a:rPr lang="en-GB" sz="1000" dirty="0" err="1"/>
-              <a:t>bruges</a:t>
-            </a:r>
-            <a:r>
-              <a:rPr lang="en-GB" sz="1000" dirty="0"/>
-              <a:t> </a:t>
-            </a:r>
-            <a:r>
-              <a:rPr lang="en-GB" sz="1000" dirty="0" err="1"/>
-              <a:t>til</a:t>
-            </a:r>
-            <a:r>
-              <a:rPr lang="en-GB" sz="1000" dirty="0"/>
-              <a:t> </a:t>
-            </a:r>
-            <a:r>
-              <a:rPr lang="en-GB" sz="1000" dirty="0" err="1"/>
-              <a:t>analog</a:t>
-            </a:r>
-            <a:r>
-              <a:rPr lang="en-GB" sz="1000" dirty="0"/>
-              <a:t> </a:t>
-            </a:r>
-            <a:r>
-              <a:rPr lang="en-GB" sz="1000" dirty="0" err="1"/>
-              <a:t>læsning</a:t>
-            </a:r>
-            <a:r>
-              <a:rPr lang="en-GB" sz="1000" dirty="0"/>
-              <a:t>, </a:t>
-            </a:r>
-            <a:r>
-              <a:rPr lang="en-GB" sz="1000" dirty="0" err="1"/>
-              <a:t>mens</a:t>
-            </a:r>
-            <a:r>
-              <a:rPr lang="en-GB" sz="1000" dirty="0"/>
-              <a:t> Wi-Fi er </a:t>
-            </a:r>
-            <a:r>
-              <a:rPr lang="en-GB" sz="1000" dirty="0" err="1"/>
-              <a:t>aktivt</a:t>
-            </a:r>
-            <a:r>
-              <a:rPr lang="en-GB" sz="1000" dirty="0"/>
-              <a:t>! </a:t>
-            </a:r>
-            <a:endParaRPr lang="en-DK" sz="1000" dirty="0"/>
-          </a:p>
-          <a:p>
-            <a:r>
-              <a:rPr lang="en-GB" sz="1000" dirty="0"/>
-              <a:t>Brug </a:t>
-            </a:r>
-            <a:r>
-              <a:rPr lang="en-GB" sz="1000" dirty="0" err="1"/>
-              <a:t>primært</a:t>
-            </a:r>
-            <a:r>
-              <a:rPr lang="en-GB" sz="1000" dirty="0"/>
-              <a:t> pins </a:t>
-            </a:r>
-            <a:r>
-              <a:rPr lang="en-GB" sz="1000" dirty="0" err="1"/>
-              <a:t>på</a:t>
-            </a:r>
-            <a:r>
-              <a:rPr lang="en-GB" sz="1000" dirty="0"/>
-              <a:t> ADC1 (</a:t>
-            </a:r>
-            <a:r>
-              <a:rPr lang="en-GB" sz="1000" dirty="0" err="1"/>
-              <a:t>f.eks</a:t>
-            </a:r>
-            <a:r>
-              <a:rPr lang="en-GB" sz="1000" dirty="0"/>
-              <a:t>. GPIO </a:t>
-            </a:r>
-            <a:r>
-              <a:rPr lang="en-DK" sz="1000" dirty="0"/>
-              <a:t>1-10</a:t>
-            </a:r>
-            <a:r>
-              <a:rPr lang="en-GB" sz="1000" dirty="0"/>
-              <a:t>) </a:t>
-            </a:r>
-            <a:r>
-              <a:rPr lang="en-GB" sz="1000" dirty="0" err="1"/>
-              <a:t>hvis</a:t>
-            </a:r>
-            <a:r>
-              <a:rPr lang="en-GB" sz="1000" dirty="0"/>
-              <a:t> du </a:t>
-            </a:r>
-            <a:r>
-              <a:rPr lang="en-GB" sz="1000" dirty="0" err="1"/>
-              <a:t>også</a:t>
-            </a:r>
-            <a:r>
-              <a:rPr lang="en-GB" sz="1000" dirty="0"/>
-              <a:t> </a:t>
-            </a:r>
-            <a:r>
-              <a:rPr lang="en-GB" sz="1000" dirty="0" err="1"/>
-              <a:t>bruger</a:t>
-            </a:r>
-            <a:r>
-              <a:rPr lang="en-GB" sz="1000" dirty="0"/>
-              <a:t> Wi-Fi. </a:t>
-            </a:r>
-            <a:endParaRPr lang="en-DK" sz="1000" dirty="0"/>
-          </a:p>
-          <a:p>
-            <a:r>
-              <a:rPr lang="en-GB" sz="1000" dirty="0"/>
-              <a:t>ADC2 </a:t>
-            </a:r>
-            <a:r>
-              <a:rPr lang="en-DK" sz="1000" dirty="0"/>
-              <a:t>finds </a:t>
-            </a:r>
-            <a:r>
-              <a:rPr lang="en-DK" sz="1000" dirty="0" err="1"/>
-              <a:t>ikke</a:t>
-            </a:r>
-            <a:r>
-              <a:rPr lang="en-DK" sz="1000" dirty="0"/>
-              <a:t> </a:t>
-            </a:r>
-            <a:r>
-              <a:rPr lang="en-DK" sz="1000" dirty="0" err="1"/>
-              <a:t>på</a:t>
-            </a:r>
-            <a:r>
-              <a:rPr lang="en-DK" sz="1000" dirty="0"/>
-              <a:t> ESP32-S2</a:t>
-            </a:r>
-            <a:endParaRPr lang="en-DK" dirty="0"/>
-          </a:p>
-        </p:txBody>
-      </p:sp>
-    </p:spTree>
-    <p:extLst>
-      <p:ext uri="{BB962C8B-B14F-4D97-AF65-F5344CB8AC3E}">
-        <p14:creationId xmlns:p14="http://schemas.microsoft.com/office/powerpoint/2010/main" val="3489526582"/>
-      </p:ext>
-    </p:extLst>
-  </p:cSld>
-  <p:clrMapOvr>
-    <a:masterClrMapping/>
-  </p:clrMapOvr>
-</p:sld>
-</file>
-
-<file path=ppt/slides/slide22.xml><?xml version="1.0" encoding="utf-8"?>
-<p:sld xmlns:a="http://schemas.openxmlformats.org/drawingml/2006/main" xmlns:r="http://schemas.openxmlformats.org/officeDocument/2006/relationships" xmlns:p="http://schemas.openxmlformats.org/presentationml/2006/main">
-  <p:cSld>
     <p:spTree>
       <p:nvGrpSpPr>
         <p:cNvPr id="1" name=""/>
@@ -25623,7 +24292,7 @@
 </p:sld>
 </file>
 
-<file path=ppt/slides/slide23.xml><?xml version="1.0" encoding="utf-8"?>
+<file path=ppt/slides/slide21.xml><?xml version="1.0" encoding="utf-8"?>
 <p:sld xmlns:a="http://schemas.openxmlformats.org/drawingml/2006/main" xmlns:r="http://schemas.openxmlformats.org/officeDocument/2006/relationships" xmlns:p="http://schemas.openxmlformats.org/presentationml/2006/main">
   <p:cSld>
     <p:spTree>
@@ -25929,7 +24598,7 @@
 </p:sld>
 </file>
 
-<file path=ppt/slides/slide24.xml><?xml version="1.0" encoding="utf-8"?>
+<file path=ppt/slides/slide22.xml><?xml version="1.0" encoding="utf-8"?>
 <p:sld xmlns:a="http://schemas.openxmlformats.org/drawingml/2006/main" xmlns:r="http://schemas.openxmlformats.org/officeDocument/2006/relationships" xmlns:p="http://schemas.openxmlformats.org/presentationml/2006/main">
   <p:cSld>
     <p:bg>
@@ -26711,7 +25380,7 @@
 </p:sld>
 </file>
 
-<file path=ppt/slides/slide25.xml><?xml version="1.0" encoding="utf-8"?>
+<file path=ppt/slides/slide23.xml><?xml version="1.0" encoding="utf-8"?>
 <p:sld xmlns:a="http://schemas.openxmlformats.org/drawingml/2006/main" xmlns:r="http://schemas.openxmlformats.org/officeDocument/2006/relationships" xmlns:p="http://schemas.openxmlformats.org/presentationml/2006/main">
   <p:cSld>
     <p:spTree>
@@ -26956,7 +25625,7 @@
 </p:sld>
 </file>
 
-<file path=ppt/slides/slide26.xml><?xml version="1.0" encoding="utf-8"?>
+<file path=ppt/slides/slide24.xml><?xml version="1.0" encoding="utf-8"?>
 <p:sld xmlns:a="http://schemas.openxmlformats.org/drawingml/2006/main" xmlns:r="http://schemas.openxmlformats.org/officeDocument/2006/relationships" xmlns:p="http://schemas.openxmlformats.org/presentationml/2006/main">
   <p:cSld>
     <p:bg>
@@ -28282,7 +26951,7 @@
 </p:sld>
 </file>
 
-<file path=ppt/slides/slide27.xml><?xml version="1.0" encoding="utf-8"?>
+<file path=ppt/slides/slide25.xml><?xml version="1.0" encoding="utf-8"?>
 <p:sld xmlns:a="http://schemas.openxmlformats.org/drawingml/2006/main" xmlns:r="http://schemas.openxmlformats.org/officeDocument/2006/relationships" xmlns:p="http://schemas.openxmlformats.org/presentationml/2006/main">
   <p:cSld>
     <p:bg>
@@ -28792,7 +27461,7 @@
 </p:sld>
 </file>
 
-<file path=ppt/slides/slide28.xml><?xml version="1.0" encoding="utf-8"?>
+<file path=ppt/slides/slide26.xml><?xml version="1.0" encoding="utf-8"?>
 <p:sld xmlns:a="http://schemas.openxmlformats.org/drawingml/2006/main" xmlns:r="http://schemas.openxmlformats.org/officeDocument/2006/relationships" xmlns:p="http://schemas.openxmlformats.org/presentationml/2006/main">
   <p:cSld>
     <p:bg>
@@ -29789,7 +28458,7 @@
         </p:spPr>
         <p:txBody>
           <a:bodyPr vert="horz" lIns="91440" tIns="45720" rIns="91440" bIns="45720" rtlCol="0">
-            <a:normAutofit/>
+            <a:normAutofit lnSpcReduction="10000"/>
           </a:bodyPr>
           <a:lstStyle/>
           <a:p>
@@ -29907,28 +28576,62 @@
               </a:rPr>
               <a:t>3D-visning</a:t>
             </a:r>
-          </a:p>
-          <a:p>
-            <a:pPr marL="0" indent="0"/>
+            <a:endParaRPr lang="en-DK" dirty="0">
+              <a:solidFill>
+                <a:srgbClr val="FFFFFF"/>
+              </a:solidFill>
+            </a:endParaRPr>
+          </a:p>
+          <a:p>
+            <a:r>
+              <a:rPr lang="en-DK" dirty="0">
+                <a:solidFill>
+                  <a:srgbClr val="FFFFFF"/>
+                </a:solidFill>
+              </a:rPr>
+              <a:t>ESP32</a:t>
+            </a:r>
+          </a:p>
+          <a:p>
+            <a:pPr lvl="1"/>
+            <a:r>
+              <a:rPr lang="en-DK" dirty="0">
+                <a:solidFill>
+                  <a:srgbClr val="FFFFFF"/>
+                </a:solidFill>
+              </a:rPr>
+              <a:t>Serial</a:t>
+            </a:r>
+          </a:p>
+          <a:p>
+            <a:pPr lvl="1"/>
+            <a:r>
+              <a:rPr lang="en-DK" dirty="0">
+                <a:solidFill>
+                  <a:srgbClr val="FFFFFF"/>
+                </a:solidFill>
+              </a:rPr>
+              <a:t>GPIO</a:t>
+            </a:r>
+          </a:p>
+          <a:p>
+            <a:pPr lvl="1"/>
             <a:r>
               <a:rPr lang="en-DK" dirty="0" err="1">
                 <a:solidFill>
                   <a:srgbClr val="FFFFFF"/>
                 </a:solidFill>
               </a:rPr>
-              <a:t>Arduiono</a:t>
-            </a:r>
-            <a:r>
-              <a:rPr lang="en-DK" dirty="0">
-                <a:solidFill>
-                  <a:srgbClr val="FFFFFF"/>
-                </a:solidFill>
-              </a:rPr>
-              <a:t> intro</a:t>
-            </a:r>
-          </a:p>
-          <a:p>
-            <a:pPr marL="0" indent="0"/>
+              <a:t>ESPnow</a:t>
+            </a:r>
+            <a:endParaRPr lang="en-DK" dirty="0">
+              <a:solidFill>
+                <a:srgbClr val="FFFFFF"/>
+              </a:solidFill>
+            </a:endParaRPr>
+          </a:p>
+          <a:p>
+            <a:pPr lvl="1"/>
             <a:r>
               <a:rPr lang="en-DK" dirty="0" err="1">
                 <a:solidFill>
@@ -29959,37 +28662,8 @@
                   <a:srgbClr val="FFFFFF"/>
                 </a:solidFill>
               </a:rPr>
-              <a:t> program </a:t>
-            </a:r>
-            <a:r>
-              <a:rPr lang="en-DK" dirty="0" err="1">
-                <a:solidFill>
-                  <a:srgbClr val="FFFFFF"/>
-                </a:solidFill>
-              </a:rPr>
-              <a:t>til</a:t>
-            </a:r>
-            <a:r>
-              <a:rPr lang="en-DK" dirty="0">
-                <a:solidFill>
-                  <a:srgbClr val="FFFFFF"/>
-                </a:solidFill>
-              </a:rPr>
-              <a:t> </a:t>
-            </a:r>
-            <a:r>
-              <a:rPr lang="en-DK" dirty="0" err="1">
-                <a:solidFill>
-                  <a:srgbClr val="FFFFFF"/>
-                </a:solidFill>
-              </a:rPr>
-              <a:t>fjernbetjening</a:t>
-            </a:r>
-            <a:endParaRPr lang="en-DK" dirty="0">
-              <a:solidFill>
-                <a:srgbClr val="FFFFFF"/>
-              </a:solidFill>
-            </a:endParaRPr>
+              <a:t> RC program</a:t>
+            </a:r>
           </a:p>
           <a:p>
             <a:pPr marL="0" indent="0"/>
@@ -32746,7 +31420,15 @@
             </a:r>
             <a:r>
               <a:rPr lang="en-GB" dirty="0"/>
-              <a:t> bade </a:t>
+              <a:t> b</a:t>
+            </a:r>
+            <a:r>
+              <a:rPr lang="en-DK" dirty="0"/>
+              <a:t>å</a:t>
+            </a:r>
+            <a:r>
+              <a:rPr lang="en-GB" dirty="0"/>
+              <a:t>de </a:t>
             </a:r>
             <a:r>
               <a:rPr lang="en-GB" dirty="0" err="1"/>
@@ -32788,6 +31470,10 @@
             <a:r>
               <a:rPr lang="en-GB" dirty="0" err="1"/>
               <a:t>på</a:t>
+            </a:r>
+            <a:r>
+              <a:rPr lang="en-DK" dirty="0" err="1"/>
+              <a:t>komponent</a:t>
             </a:r>
             <a:endParaRPr lang="en-GB" dirty="0"/>
           </a:p>

--- a/Kicad 2025.pptx
+++ b/Kicad 2025.pptx
@@ -5,7 +5,7 @@
     <p:sldMasterId id="2147483832" r:id="rId1"/>
   </p:sldMasterIdLst>
   <p:notesMasterIdLst>
-    <p:notesMasterId r:id="rId28"/>
+    <p:notesMasterId r:id="rId29"/>
   </p:notesMasterIdLst>
   <p:sldIdLst>
     <p:sldId id="256" r:id="rId2"/>
@@ -32,8 +32,9 @@
     <p:sldId id="300" r:id="rId23"/>
     <p:sldId id="307" r:id="rId24"/>
     <p:sldId id="301" r:id="rId25"/>
-    <p:sldId id="308" r:id="rId26"/>
-    <p:sldId id="309" r:id="rId27"/>
+    <p:sldId id="311" r:id="rId26"/>
+    <p:sldId id="308" r:id="rId27"/>
+    <p:sldId id="309" r:id="rId28"/>
   </p:sldIdLst>
   <p:sldSz cx="12192000" cy="6858000"/>
   <p:notesSz cx="6858000" cy="9144000"/>
@@ -8183,6 +8184,97 @@
 </p:notes>
 </file>
 
+<file path=ppt/notesSlides/notesSlide4.xml><?xml version="1.0" encoding="utf-8"?>
+<p:notes xmlns:a="http://schemas.openxmlformats.org/drawingml/2006/main" xmlns:r="http://schemas.openxmlformats.org/officeDocument/2006/relationships" xmlns:p="http://schemas.openxmlformats.org/presentationml/2006/main">
+  <p:cSld>
+    <p:spTree>
+      <p:nvGrpSpPr>
+        <p:cNvPr id="1" name=""/>
+        <p:cNvGrpSpPr/>
+        <p:nvPr/>
+      </p:nvGrpSpPr>
+      <p:grpSpPr>
+        <a:xfrm>
+          <a:off x="0" y="0"/>
+          <a:ext cx="0" cy="0"/>
+          <a:chOff x="0" y="0"/>
+          <a:chExt cx="0" cy="0"/>
+        </a:xfrm>
+      </p:grpSpPr>
+      <p:sp>
+        <p:nvSpPr>
+          <p:cNvPr id="2" name="Pladsholder til slidebillede 1"/>
+          <p:cNvSpPr>
+            <a:spLocks noGrp="1" noRot="1" noChangeAspect="1"/>
+          </p:cNvSpPr>
+          <p:nvPr>
+            <p:ph type="sldImg"/>
+          </p:nvPr>
+        </p:nvSpPr>
+        <p:spPr/>
+      </p:sp>
+      <p:sp>
+        <p:nvSpPr>
+          <p:cNvPr id="3" name="Pladsholder til noter 2"/>
+          <p:cNvSpPr>
+            <a:spLocks noGrp="1"/>
+          </p:cNvSpPr>
+          <p:nvPr>
+            <p:ph type="body" idx="1"/>
+          </p:nvPr>
+        </p:nvSpPr>
+        <p:spPr/>
+        <p:txBody>
+          <a:bodyPr/>
+          <a:lstStyle/>
+          <a:p>
+            <a:r>
+              <a:rPr lang="en-GB" dirty="0"/>
+              <a:t>https://docs.espressif.com/projects/esptool/en/latest/esp32/advanced-topics/boot-mode-selection.html</a:t>
+            </a:r>
+            <a:endParaRPr lang="en-DK" dirty="0"/>
+          </a:p>
+          <a:p>
+            <a:endParaRPr lang="en-DK" dirty="0"/>
+          </a:p>
+        </p:txBody>
+      </p:sp>
+      <p:sp>
+        <p:nvSpPr>
+          <p:cNvPr id="4" name="Pladsholder til slidenummer 3"/>
+          <p:cNvSpPr>
+            <a:spLocks noGrp="1"/>
+          </p:cNvSpPr>
+          <p:nvPr>
+            <p:ph type="sldNum" sz="quarter" idx="5"/>
+          </p:nvPr>
+        </p:nvSpPr>
+        <p:spPr/>
+        <p:txBody>
+          <a:bodyPr/>
+          <a:lstStyle/>
+          <a:p>
+            <a:fld id="{865CDAEB-A7ED-450A-AC92-1127D524C1AB}" type="slidenum">
+              <a:rPr lang="da-DK" smtClean="0"/>
+              <a:t>17</a:t>
+            </a:fld>
+            <a:endParaRPr lang="da-DK"/>
+          </a:p>
+        </p:txBody>
+      </p:sp>
+    </p:spTree>
+    <p:extLst>
+      <p:ext uri="{BB962C8B-B14F-4D97-AF65-F5344CB8AC3E}">
+        <p14:creationId xmlns:p14="http://schemas.microsoft.com/office/powerpoint/2010/main" val="253689602"/>
+      </p:ext>
+    </p:extLst>
+  </p:cSld>
+  <p:clrMapOvr>
+    <a:masterClrMapping/>
+  </p:clrMapOvr>
+</p:notes>
+</file>
+
 <file path=ppt/slideLayouts/slideLayout1.xml><?xml version="1.0" encoding="utf-8"?>
 <p:sldLayout xmlns:a="http://schemas.openxmlformats.org/drawingml/2006/main" xmlns:r="http://schemas.openxmlformats.org/officeDocument/2006/relationships" xmlns:p="http://schemas.openxmlformats.org/presentationml/2006/main" type="title" preserve="1">
   <p:cSld name="Titelslide">
@@ -14223,7 +14315,7 @@
     <p:bg>
       <p:bgPr>
         <a:solidFill>
-          <a:schemeClr val="tx1"/>
+          <a:schemeClr val="bg1"/>
         </a:solidFill>
         <a:effectLst/>
       </p:bgPr>
@@ -14242,77 +14334,487 @@
           <a:chExt cx="0" cy="0"/>
         </a:xfrm>
       </p:grpSpPr>
-      <p:sp>
+      <p:sp useBgFill="1">
         <p:nvSpPr>
-          <p:cNvPr id="2" name="Titel 1">
+          <p:cNvPr id="1033" name="Rectangle 1032">
             <a:extLst>
               <a:ext uri="{FF2B5EF4-FFF2-40B4-BE49-F238E27FC236}">
-                <a16:creationId xmlns:a16="http://schemas.microsoft.com/office/drawing/2014/main" id="{25460D9C-2678-4D05-827E-6A05E53C2725}"/>
+                <a16:creationId xmlns:a16="http://schemas.microsoft.com/office/drawing/2014/main" id="{DE92A8BB-07B9-40DB-984F-2CB1A2535B9E}"/>
+              </a:ext>
+              <a:ext uri="{C183D7F6-B498-43B3-948B-1728B52AA6E4}">
+                <adec:decorative xmlns:adec="http://schemas.microsoft.com/office/drawing/2017/decorative" val="1"/>
               </a:ext>
             </a:extLst>
           </p:cNvPr>
           <p:cNvSpPr>
-            <a:spLocks noGrp="1"/>
+            <a:spLocks noGrp="1" noRot="1" noChangeAspect="1" noMove="1" noResize="1" noEditPoints="1" noAdjustHandles="1" noChangeArrowheads="1" noChangeShapeType="1" noTextEdit="1"/>
           </p:cNvSpPr>
           <p:nvPr>
-            <p:ph type="ctrTitle"/>
+            <p:extLst>
+              <p:ext uri="{386F3935-93C4-4BCD-93E2-E3B085C9AB24}">
+                <p16:designElem xmlns:p16="http://schemas.microsoft.com/office/powerpoint/2015/main" val="1"/>
+              </p:ext>
+            </p:extLst>
           </p:nvPr>
         </p:nvSpPr>
         <p:spPr>
           <a:xfrm>
-            <a:off x="960121" y="1240403"/>
-            <a:ext cx="5943600" cy="2941983"/>
+            <a:off x="0" y="-5"/>
+            <a:ext cx="12191695" cy="4730744"/>
           </a:xfrm>
+          <a:prstGeom prst="rect">
+            <a:avLst/>
+          </a:prstGeom>
+          <a:ln>
+            <a:noFill/>
+          </a:ln>
         </p:spPr>
+        <p:style>
+          <a:lnRef idx="2">
+            <a:schemeClr val="accent1">
+              <a:shade val="50000"/>
+            </a:schemeClr>
+          </a:lnRef>
+          <a:fillRef idx="1">
+            <a:schemeClr val="accent1"/>
+          </a:fillRef>
+          <a:effectRef idx="0">
+            <a:schemeClr val="accent1"/>
+          </a:effectRef>
+          <a:fontRef idx="minor">
+            <a:schemeClr val="lt1"/>
+          </a:fontRef>
+        </p:style>
         <p:txBody>
-          <a:bodyPr anchor="ctr">
-            <a:normAutofit/>
-          </a:bodyPr>
+          <a:bodyPr rtlCol="0" anchor="ctr"/>
           <a:lstStyle/>
           <a:p>
-            <a:pPr algn="l"/>
-            <a:r>
-              <a:rPr lang="en-GB"/>
-              <a:t>Kicad</a:t>
-            </a:r>
-            <a:endParaRPr lang="LID4096"/>
+            <a:pPr algn="ctr"/>
+            <a:endParaRPr lang="en-US"/>
           </a:p>
         </p:txBody>
       </p:sp>
       <p:sp>
         <p:nvSpPr>
-          <p:cNvPr id="3" name="Undertitel 2">
+          <p:cNvPr id="1035" name="Rectangle 1034">
             <a:extLst>
               <a:ext uri="{FF2B5EF4-FFF2-40B4-BE49-F238E27FC236}">
-                <a16:creationId xmlns:a16="http://schemas.microsoft.com/office/drawing/2014/main" id="{372DB3DA-B5DA-4797-81BE-DC35FE999A90}"/>
+                <a16:creationId xmlns:a16="http://schemas.microsoft.com/office/drawing/2014/main" id="{2CDDB745-6C26-4B79-9EF2-08E3E4AB9024}"/>
+              </a:ext>
+              <a:ext uri="{C183D7F6-B498-43B3-948B-1728B52AA6E4}">
+                <adec:decorative xmlns:adec="http://schemas.microsoft.com/office/drawing/2017/decorative" val="1"/>
               </a:ext>
             </a:extLst>
           </p:cNvPr>
           <p:cNvSpPr>
-            <a:spLocks noGrp="1"/>
+            <a:spLocks noGrp="1" noRot="1" noChangeAspect="1" noMove="1" noResize="1" noEditPoints="1" noAdjustHandles="1" noChangeArrowheads="1" noChangeShapeType="1" noTextEdit="1"/>
           </p:cNvSpPr>
           <p:nvPr>
-            <p:ph type="subTitle" idx="1"/>
+            <p:extLst>
+              <p:ext uri="{386F3935-93C4-4BCD-93E2-E3B085C9AB24}">
+                <p16:designElem xmlns:p16="http://schemas.microsoft.com/office/powerpoint/2015/main" val="1"/>
+              </p:ext>
+            </p:extLst>
           </p:nvPr>
         </p:nvSpPr>
         <p:spPr>
           <a:xfrm>
-            <a:off x="960120" y="5206247"/>
-            <a:ext cx="10268712" cy="1013577"/>
+            <a:off x="10437812" y="0"/>
+            <a:ext cx="685800" cy="1143000"/>
           </a:xfrm>
+          <a:prstGeom prst="rect">
+            <a:avLst/>
+          </a:prstGeom>
+          <a:solidFill>
+            <a:schemeClr val="accent1"/>
+          </a:solidFill>
+          <a:ln>
+            <a:noFill/>
+          </a:ln>
+        </p:spPr>
+        <p:style>
+          <a:lnRef idx="1">
+            <a:schemeClr val="accent1"/>
+          </a:lnRef>
+          <a:fillRef idx="3">
+            <a:schemeClr val="accent1"/>
+          </a:fillRef>
+          <a:effectRef idx="2">
+            <a:schemeClr val="accent1"/>
+          </a:effectRef>
+          <a:fontRef idx="minor">
+            <a:schemeClr val="lt1"/>
+          </a:fontRef>
+        </p:style>
+        <p:txBody>
+          <a:bodyPr/>
+          <a:lstStyle/>
+          <a:p>
+            <a:endParaRPr lang="en-DK"/>
+          </a:p>
+        </p:txBody>
+      </p:sp>
+      <p:sp>
+        <p:nvSpPr>
+          <p:cNvPr id="1037" name="Freeform 16">
+            <a:extLst>
+              <a:ext uri="{FF2B5EF4-FFF2-40B4-BE49-F238E27FC236}">
+                <a16:creationId xmlns:a16="http://schemas.microsoft.com/office/drawing/2014/main" id="{80B3FE6C-0A59-4114-88CB-3C3172D6AFF8}"/>
+              </a:ext>
+              <a:ext uri="{C183D7F6-B498-43B3-948B-1728B52AA6E4}">
+                <adec:decorative xmlns:adec="http://schemas.microsoft.com/office/drawing/2017/decorative" val="1"/>
+              </a:ext>
+            </a:extLst>
+          </p:cNvPr>
+          <p:cNvSpPr>
+            <a:spLocks noGrp="1" noRot="1" noChangeAspect="1" noMove="1" noResize="1" noEditPoints="1" noAdjustHandles="1" noChangeArrowheads="1" noChangeShapeType="1" noTextEdit="1"/>
+          </p:cNvSpPr>
+          <p:nvPr>
+            <p:extLst>
+              <p:ext uri="{386F3935-93C4-4BCD-93E2-E3B085C9AB24}">
+                <p16:designElem xmlns:p16="http://schemas.microsoft.com/office/powerpoint/2015/main" val="1"/>
+              </p:ext>
+            </p:extLst>
+          </p:nvPr>
+        </p:nvSpPr>
+        <p:spPr>
+          <a:xfrm>
+            <a:off x="8719939" y="2835162"/>
+            <a:ext cx="3472060" cy="825932"/>
+          </a:xfrm>
+          <a:custGeom>
+            <a:avLst/>
+            <a:gdLst>
+              <a:gd name="connsiteX0" fmla="*/ 3470310 w 3472060"/>
+              <a:gd name="connsiteY0" fmla="*/ 0 h 825932"/>
+              <a:gd name="connsiteX1" fmla="*/ 3472060 w 3472060"/>
+              <a:gd name="connsiteY1" fmla="*/ 12850 h 825932"/>
+              <a:gd name="connsiteX2" fmla="*/ 3472060 w 3472060"/>
+              <a:gd name="connsiteY2" fmla="*/ 480529 h 825932"/>
+              <a:gd name="connsiteX3" fmla="*/ 3363699 w 3472060"/>
+              <a:gd name="connsiteY3" fmla="*/ 498471 h 825932"/>
+              <a:gd name="connsiteX4" fmla="*/ 42060 w 3472060"/>
+              <a:gd name="connsiteY4" fmla="*/ 824486 h 825932"/>
+              <a:gd name="connsiteX5" fmla="*/ 0 w 3472060"/>
+              <a:gd name="connsiteY5" fmla="*/ 758452 h 825932"/>
+              <a:gd name="connsiteX6" fmla="*/ 188014 w 3472060"/>
+              <a:gd name="connsiteY6" fmla="*/ 735602 h 825932"/>
+              <a:gd name="connsiteX7" fmla="*/ 284087 w 3472060"/>
+              <a:gd name="connsiteY7" fmla="*/ 722590 h 825932"/>
+              <a:gd name="connsiteX8" fmla="*/ 382288 w 3472060"/>
+              <a:gd name="connsiteY8" fmla="*/ 709392 h 825932"/>
+              <a:gd name="connsiteX9" fmla="*/ 481858 w 3472060"/>
+              <a:gd name="connsiteY9" fmla="*/ 695774 h 825932"/>
+              <a:gd name="connsiteX10" fmla="*/ 581897 w 3472060"/>
+              <a:gd name="connsiteY10" fmla="*/ 680711 h 825932"/>
+              <a:gd name="connsiteX11" fmla="*/ 683670 w 3472060"/>
+              <a:gd name="connsiteY11" fmla="*/ 665256 h 825932"/>
+              <a:gd name="connsiteX12" fmla="*/ 787206 w 3472060"/>
+              <a:gd name="connsiteY12" fmla="*/ 649587 h 825932"/>
+              <a:gd name="connsiteX13" fmla="*/ 892019 w 3472060"/>
+              <a:gd name="connsiteY13" fmla="*/ 632968 h 825932"/>
+              <a:gd name="connsiteX14" fmla="*/ 997620 w 3472060"/>
+              <a:gd name="connsiteY14" fmla="*/ 614667 h 825932"/>
+              <a:gd name="connsiteX15" fmla="*/ 1104727 w 3472060"/>
+              <a:gd name="connsiteY15" fmla="*/ 596741 h 825932"/>
+              <a:gd name="connsiteX16" fmla="*/ 1212669 w 3472060"/>
+              <a:gd name="connsiteY16" fmla="*/ 577397 h 825932"/>
+              <a:gd name="connsiteX17" fmla="*/ 1321506 w 3472060"/>
+              <a:gd name="connsiteY17" fmla="*/ 556988 h 825932"/>
+              <a:gd name="connsiteX18" fmla="*/ 1430709 w 3472060"/>
+              <a:gd name="connsiteY18" fmla="*/ 536607 h 825932"/>
+              <a:gd name="connsiteX19" fmla="*/ 1541050 w 3472060"/>
+              <a:gd name="connsiteY19" fmla="*/ 514481 h 825932"/>
+              <a:gd name="connsiteX20" fmla="*/ 1652805 w 3472060"/>
+              <a:gd name="connsiteY20" fmla="*/ 492202 h 825932"/>
+              <a:gd name="connsiteX21" fmla="*/ 1763708 w 3472060"/>
+              <a:gd name="connsiteY21" fmla="*/ 469161 h 825932"/>
+              <a:gd name="connsiteX22" fmla="*/ 1875795 w 3472060"/>
+              <a:gd name="connsiteY22" fmla="*/ 444641 h 825932"/>
+              <a:gd name="connsiteX23" fmla="*/ 1989128 w 3472060"/>
+              <a:gd name="connsiteY23" fmla="*/ 418995 h 825932"/>
+              <a:gd name="connsiteX24" fmla="*/ 2102476 w 3472060"/>
+              <a:gd name="connsiteY24" fmla="*/ 393438 h 825932"/>
+              <a:gd name="connsiteX25" fmla="*/ 2215549 w 3472060"/>
+              <a:gd name="connsiteY25" fmla="*/ 366291 h 825932"/>
+              <a:gd name="connsiteX26" fmla="*/ 2330490 w 3472060"/>
+              <a:gd name="connsiteY26" fmla="*/ 337455 h 825932"/>
+              <a:gd name="connsiteX27" fmla="*/ 2443333 w 3472060"/>
+              <a:gd name="connsiteY27" fmla="*/ 308983 h 825932"/>
+              <a:gd name="connsiteX28" fmla="*/ 2558014 w 3472060"/>
+              <a:gd name="connsiteY28" fmla="*/ 278646 h 825932"/>
+              <a:gd name="connsiteX29" fmla="*/ 2673621 w 3472060"/>
+              <a:gd name="connsiteY29" fmla="*/ 247421 h 825932"/>
+              <a:gd name="connsiteX30" fmla="*/ 2787008 w 3472060"/>
+              <a:gd name="connsiteY30" fmla="*/ 215853 h 825932"/>
+              <a:gd name="connsiteX31" fmla="*/ 2901442 w 3472060"/>
+              <a:gd name="connsiteY31" fmla="*/ 182011 h 825932"/>
+              <a:gd name="connsiteX32" fmla="*/ 3015722 w 3472060"/>
+              <a:gd name="connsiteY32" fmla="*/ 147286 h 825932"/>
+              <a:gd name="connsiteX33" fmla="*/ 3130018 w 3472060"/>
+              <a:gd name="connsiteY33" fmla="*/ 112649 h 825932"/>
+              <a:gd name="connsiteX34" fmla="*/ 3243551 w 3472060"/>
+              <a:gd name="connsiteY34" fmla="*/ 75688 h 825932"/>
+              <a:gd name="connsiteX35" fmla="*/ 3356992 w 3472060"/>
+              <a:gd name="connsiteY35" fmla="*/ 38197 h 825932"/>
+              <a:gd name="connsiteX36" fmla="*/ 3470310 w 3472060"/>
+              <a:gd name="connsiteY36" fmla="*/ 0 h 825932"/>
+            </a:gdLst>
+            <a:ahLst/>
+            <a:cxnLst>
+              <a:cxn ang="0">
+                <a:pos x="connsiteX0" y="connsiteY0"/>
+              </a:cxn>
+              <a:cxn ang="0">
+                <a:pos x="connsiteX1" y="connsiteY1"/>
+              </a:cxn>
+              <a:cxn ang="0">
+                <a:pos x="connsiteX2" y="connsiteY2"/>
+              </a:cxn>
+              <a:cxn ang="0">
+                <a:pos x="connsiteX3" y="connsiteY3"/>
+              </a:cxn>
+              <a:cxn ang="0">
+                <a:pos x="connsiteX4" y="connsiteY4"/>
+              </a:cxn>
+              <a:cxn ang="0">
+                <a:pos x="connsiteX5" y="connsiteY5"/>
+              </a:cxn>
+              <a:cxn ang="0">
+                <a:pos x="connsiteX6" y="connsiteY6"/>
+              </a:cxn>
+              <a:cxn ang="0">
+                <a:pos x="connsiteX7" y="connsiteY7"/>
+              </a:cxn>
+              <a:cxn ang="0">
+                <a:pos x="connsiteX8" y="connsiteY8"/>
+              </a:cxn>
+              <a:cxn ang="0">
+                <a:pos x="connsiteX9" y="connsiteY9"/>
+              </a:cxn>
+              <a:cxn ang="0">
+                <a:pos x="connsiteX10" y="connsiteY10"/>
+              </a:cxn>
+              <a:cxn ang="0">
+                <a:pos x="connsiteX11" y="connsiteY11"/>
+              </a:cxn>
+              <a:cxn ang="0">
+                <a:pos x="connsiteX12" y="connsiteY12"/>
+              </a:cxn>
+              <a:cxn ang="0">
+                <a:pos x="connsiteX13" y="connsiteY13"/>
+              </a:cxn>
+              <a:cxn ang="0">
+                <a:pos x="connsiteX14" y="connsiteY14"/>
+              </a:cxn>
+              <a:cxn ang="0">
+                <a:pos x="connsiteX15" y="connsiteY15"/>
+              </a:cxn>
+              <a:cxn ang="0">
+                <a:pos x="connsiteX16" y="connsiteY16"/>
+              </a:cxn>
+              <a:cxn ang="0">
+                <a:pos x="connsiteX17" y="connsiteY17"/>
+              </a:cxn>
+              <a:cxn ang="0">
+                <a:pos x="connsiteX18" y="connsiteY18"/>
+              </a:cxn>
+              <a:cxn ang="0">
+                <a:pos x="connsiteX19" y="connsiteY19"/>
+              </a:cxn>
+              <a:cxn ang="0">
+                <a:pos x="connsiteX20" y="connsiteY20"/>
+              </a:cxn>
+              <a:cxn ang="0">
+                <a:pos x="connsiteX21" y="connsiteY21"/>
+              </a:cxn>
+              <a:cxn ang="0">
+                <a:pos x="connsiteX22" y="connsiteY22"/>
+              </a:cxn>
+              <a:cxn ang="0">
+                <a:pos x="connsiteX23" y="connsiteY23"/>
+              </a:cxn>
+              <a:cxn ang="0">
+                <a:pos x="connsiteX24" y="connsiteY24"/>
+              </a:cxn>
+              <a:cxn ang="0">
+                <a:pos x="connsiteX25" y="connsiteY25"/>
+              </a:cxn>
+              <a:cxn ang="0">
+                <a:pos x="connsiteX26" y="connsiteY26"/>
+              </a:cxn>
+              <a:cxn ang="0">
+                <a:pos x="connsiteX27" y="connsiteY27"/>
+              </a:cxn>
+              <a:cxn ang="0">
+                <a:pos x="connsiteX28" y="connsiteY28"/>
+              </a:cxn>
+              <a:cxn ang="0">
+                <a:pos x="connsiteX29" y="connsiteY29"/>
+              </a:cxn>
+              <a:cxn ang="0">
+                <a:pos x="connsiteX30" y="connsiteY30"/>
+              </a:cxn>
+              <a:cxn ang="0">
+                <a:pos x="connsiteX31" y="connsiteY31"/>
+              </a:cxn>
+              <a:cxn ang="0">
+                <a:pos x="connsiteX32" y="connsiteY32"/>
+              </a:cxn>
+              <a:cxn ang="0">
+                <a:pos x="connsiteX33" y="connsiteY33"/>
+              </a:cxn>
+              <a:cxn ang="0">
+                <a:pos x="connsiteX34" y="connsiteY34"/>
+              </a:cxn>
+              <a:cxn ang="0">
+                <a:pos x="connsiteX35" y="connsiteY35"/>
+              </a:cxn>
+              <a:cxn ang="0">
+                <a:pos x="connsiteX36" y="connsiteY36"/>
+              </a:cxn>
+            </a:cxnLst>
+            <a:rect l="l" t="t" r="r" b="b"/>
+            <a:pathLst>
+              <a:path w="3472060" h="825932">
+                <a:moveTo>
+                  <a:pt x="3470310" y="0"/>
+                </a:moveTo>
+                <a:lnTo>
+                  <a:pt x="3472060" y="12850"/>
+                </a:lnTo>
+                <a:lnTo>
+                  <a:pt x="3472060" y="480529"/>
+                </a:lnTo>
+                <a:lnTo>
+                  <a:pt x="3363699" y="498471"/>
+                </a:lnTo>
+                <a:cubicBezTo>
+                  <a:pt x="2435623" y="645518"/>
+                  <a:pt x="603076" y="844866"/>
+                  <a:pt x="42060" y="824486"/>
+                </a:cubicBezTo>
+                <a:cubicBezTo>
+                  <a:pt x="28151" y="802425"/>
+                  <a:pt x="13909" y="780513"/>
+                  <a:pt x="0" y="758452"/>
+                </a:cubicBezTo>
+                <a:lnTo>
+                  <a:pt x="188014" y="735602"/>
+                </a:lnTo>
+                <a:lnTo>
+                  <a:pt x="284087" y="722590"/>
+                </a:lnTo>
+                <a:lnTo>
+                  <a:pt x="382288" y="709392"/>
+                </a:lnTo>
+                <a:lnTo>
+                  <a:pt x="481858" y="695774"/>
+                </a:lnTo>
+                <a:lnTo>
+                  <a:pt x="581897" y="680711"/>
+                </a:lnTo>
+                <a:lnTo>
+                  <a:pt x="683670" y="665256"/>
+                </a:lnTo>
+                <a:lnTo>
+                  <a:pt x="787206" y="649587"/>
+                </a:lnTo>
+                <a:lnTo>
+                  <a:pt x="892019" y="632968"/>
+                </a:lnTo>
+                <a:lnTo>
+                  <a:pt x="997620" y="614667"/>
+                </a:lnTo>
+                <a:lnTo>
+                  <a:pt x="1104727" y="596741"/>
+                </a:lnTo>
+                <a:lnTo>
+                  <a:pt x="1212669" y="577397"/>
+                </a:lnTo>
+                <a:lnTo>
+                  <a:pt x="1321506" y="556988"/>
+                </a:lnTo>
+                <a:lnTo>
+                  <a:pt x="1430709" y="536607"/>
+                </a:lnTo>
+                <a:lnTo>
+                  <a:pt x="1541050" y="514481"/>
+                </a:lnTo>
+                <a:lnTo>
+                  <a:pt x="1652805" y="492202"/>
+                </a:lnTo>
+                <a:lnTo>
+                  <a:pt x="1763708" y="469161"/>
+                </a:lnTo>
+                <a:lnTo>
+                  <a:pt x="1875795" y="444641"/>
+                </a:lnTo>
+                <a:lnTo>
+                  <a:pt x="1989128" y="418995"/>
+                </a:lnTo>
+                <a:lnTo>
+                  <a:pt x="2102476" y="393438"/>
+                </a:lnTo>
+                <a:lnTo>
+                  <a:pt x="2215549" y="366291"/>
+                </a:lnTo>
+                <a:lnTo>
+                  <a:pt x="2330490" y="337455"/>
+                </a:lnTo>
+                <a:lnTo>
+                  <a:pt x="2443333" y="308983"/>
+                </a:lnTo>
+                <a:lnTo>
+                  <a:pt x="2558014" y="278646"/>
+                </a:lnTo>
+                <a:lnTo>
+                  <a:pt x="2673621" y="247421"/>
+                </a:lnTo>
+                <a:lnTo>
+                  <a:pt x="2787008" y="215853"/>
+                </a:lnTo>
+                <a:lnTo>
+                  <a:pt x="2901442" y="182011"/>
+                </a:lnTo>
+                <a:lnTo>
+                  <a:pt x="3015722" y="147286"/>
+                </a:lnTo>
+                <a:lnTo>
+                  <a:pt x="3130018" y="112649"/>
+                </a:lnTo>
+                <a:lnTo>
+                  <a:pt x="3243551" y="75688"/>
+                </a:lnTo>
+                <a:lnTo>
+                  <a:pt x="3356992" y="38197"/>
+                </a:lnTo>
+                <a:lnTo>
+                  <a:pt x="3470310" y="0"/>
+                </a:lnTo>
+                <a:close/>
+              </a:path>
+            </a:pathLst>
+          </a:custGeom>
+          <a:solidFill>
+            <a:schemeClr val="tx2">
+              <a:alpha val="20000"/>
+            </a:schemeClr>
+          </a:solidFill>
+          <a:ln>
+            <a:noFill/>
+          </a:ln>
         </p:spPr>
         <p:txBody>
-          <a:bodyPr>
-            <a:normAutofit/>
-          </a:bodyPr>
+          <a:bodyPr rtlCol="0" anchor="ctr"/>
           <a:lstStyle/>
           <a:p>
-            <a:pPr algn="l"/>
-            <a:r>
-              <a:rPr lang="en-GB"/>
-              <a:t>Vejen til nemmere PCB design</a:t>
-            </a:r>
-            <a:endParaRPr lang="LID4096"/>
+            <a:pPr algn="ctr"/>
+            <a:endParaRPr lang="en-US">
+              <a:solidFill>
+                <a:schemeClr val="tx1"/>
+              </a:solidFill>
+            </a:endParaRPr>
           </a:p>
         </p:txBody>
       </p:sp>
@@ -14344,13 +14846,14 @@
         </p:blipFill>
         <p:spPr bwMode="auto">
           <a:xfrm>
-            <a:off x="412490" y="457401"/>
-            <a:ext cx="4015397" cy="1566004"/>
+            <a:off x="635458" y="640082"/>
+            <a:ext cx="6086030" cy="2373552"/>
           </a:xfrm>
           <a:prstGeom prst="rect">
             <a:avLst/>
           </a:prstGeom>
           <a:noFill/>
+          <a:effectLst/>
           <a:extLst>
             <a:ext uri="{909E8E84-426E-40DD-AFC4-6F175D3DCCD1}">
               <a14:hiddenFill xmlns:a14="http://schemas.microsoft.com/office/drawing/2010/main">
@@ -14362,6 +14865,589 @@
           </a:extLst>
         </p:spPr>
       </p:pic>
+      <p:sp>
+        <p:nvSpPr>
+          <p:cNvPr id="1039" name="Freeform: Shape 1038">
+            <a:extLst>
+              <a:ext uri="{FF2B5EF4-FFF2-40B4-BE49-F238E27FC236}">
+                <a16:creationId xmlns:a16="http://schemas.microsoft.com/office/drawing/2014/main" id="{DDA3A238-516A-4076-B3C2-230D913508F2}"/>
+              </a:ext>
+              <a:ext uri="{C183D7F6-B498-43B3-948B-1728B52AA6E4}">
+                <adec:decorative xmlns:adec="http://schemas.microsoft.com/office/drawing/2017/decorative" val="1"/>
+              </a:ext>
+            </a:extLst>
+          </p:cNvPr>
+          <p:cNvSpPr>
+            <a:spLocks noGrp="1" noRot="1" noChangeAspect="1" noMove="1" noResize="1" noEditPoints="1" noAdjustHandles="1" noChangeArrowheads="1" noChangeShapeType="1" noTextEdit="1"/>
+          </p:cNvSpPr>
+          <p:nvPr>
+            <p:extLst>
+              <p:ext uri="{386F3935-93C4-4BCD-93E2-E3B085C9AB24}">
+                <p16:designElem xmlns:p16="http://schemas.microsoft.com/office/powerpoint/2015/main" val="1"/>
+              </p:ext>
+            </p:extLst>
+          </p:nvPr>
+        </p:nvSpPr>
+        <p:spPr>
+          <a:xfrm>
+            <a:off x="-1" y="3136999"/>
+            <a:ext cx="12191696" cy="3721001"/>
+          </a:xfrm>
+          <a:custGeom>
+            <a:avLst/>
+            <a:gdLst>
+              <a:gd name="connsiteX0" fmla="*/ 1 w 12191696"/>
+              <a:gd name="connsiteY0" fmla="*/ 0 h 3721001"/>
+              <a:gd name="connsiteX1" fmla="*/ 71932 w 12191696"/>
+              <a:gd name="connsiteY1" fmla="*/ 12261 h 3721001"/>
+              <a:gd name="connsiteX2" fmla="*/ 282849 w 12191696"/>
+              <a:gd name="connsiteY2" fmla="*/ 48342 h 3721001"/>
+              <a:gd name="connsiteX3" fmla="*/ 436464 w 12191696"/>
+              <a:gd name="connsiteY3" fmla="*/ 73565 h 3721001"/>
+              <a:gd name="connsiteX4" fmla="*/ 619339 w 12191696"/>
+              <a:gd name="connsiteY4" fmla="*/ 100188 h 3721001"/>
+              <a:gd name="connsiteX5" fmla="*/ 836351 w 12191696"/>
+              <a:gd name="connsiteY5" fmla="*/ 132066 h 3721001"/>
+              <a:gd name="connsiteX6" fmla="*/ 1076528 w 12191696"/>
+              <a:gd name="connsiteY6" fmla="*/ 165696 h 3721001"/>
+              <a:gd name="connsiteX7" fmla="*/ 1347183 w 12191696"/>
+              <a:gd name="connsiteY7" fmla="*/ 201077 h 3721001"/>
+              <a:gd name="connsiteX8" fmla="*/ 1642223 w 12191696"/>
+              <a:gd name="connsiteY8" fmla="*/ 238560 h 3721001"/>
+              <a:gd name="connsiteX9" fmla="*/ 1962864 w 12191696"/>
+              <a:gd name="connsiteY9" fmla="*/ 276043 h 3721001"/>
+              <a:gd name="connsiteX10" fmla="*/ 2304232 w 12191696"/>
+              <a:gd name="connsiteY10" fmla="*/ 314226 h 3721001"/>
+              <a:gd name="connsiteX11" fmla="*/ 2672421 w 12191696"/>
+              <a:gd name="connsiteY11" fmla="*/ 349608 h 3721001"/>
+              <a:gd name="connsiteX12" fmla="*/ 3057678 w 12191696"/>
+              <a:gd name="connsiteY12" fmla="*/ 383588 h 3721001"/>
+              <a:gd name="connsiteX13" fmla="*/ 3464881 w 12191696"/>
+              <a:gd name="connsiteY13" fmla="*/ 414415 h 3721001"/>
+              <a:gd name="connsiteX14" fmla="*/ 3889152 w 12191696"/>
+              <a:gd name="connsiteY14" fmla="*/ 443841 h 3721001"/>
+              <a:gd name="connsiteX15" fmla="*/ 4331710 w 12191696"/>
+              <a:gd name="connsiteY15" fmla="*/ 471515 h 3721001"/>
+              <a:gd name="connsiteX16" fmla="*/ 4558476 w 12191696"/>
+              <a:gd name="connsiteY16" fmla="*/ 481324 h 3721001"/>
+              <a:gd name="connsiteX17" fmla="*/ 4790118 w 12191696"/>
+              <a:gd name="connsiteY17" fmla="*/ 492183 h 3721001"/>
+              <a:gd name="connsiteX18" fmla="*/ 5025418 w 12191696"/>
+              <a:gd name="connsiteY18" fmla="*/ 502342 h 3721001"/>
+              <a:gd name="connsiteX19" fmla="*/ 5261937 w 12191696"/>
+              <a:gd name="connsiteY19" fmla="*/ 508998 h 3721001"/>
+              <a:gd name="connsiteX20" fmla="*/ 5503333 w 12191696"/>
+              <a:gd name="connsiteY20" fmla="*/ 514953 h 3721001"/>
+              <a:gd name="connsiteX21" fmla="*/ 5747166 w 12191696"/>
+              <a:gd name="connsiteY21" fmla="*/ 521259 h 3721001"/>
+              <a:gd name="connsiteX22" fmla="*/ 5995877 w 12191696"/>
+              <a:gd name="connsiteY22" fmla="*/ 525462 h 3721001"/>
+              <a:gd name="connsiteX23" fmla="*/ 6247026 w 12191696"/>
+              <a:gd name="connsiteY23" fmla="*/ 525462 h 3721001"/>
+              <a:gd name="connsiteX24" fmla="*/ 6500613 w 12191696"/>
+              <a:gd name="connsiteY24" fmla="*/ 527564 h 3721001"/>
+              <a:gd name="connsiteX25" fmla="*/ 6756639 w 12191696"/>
+              <a:gd name="connsiteY25" fmla="*/ 525462 h 3721001"/>
+              <a:gd name="connsiteX26" fmla="*/ 7016322 w 12191696"/>
+              <a:gd name="connsiteY26" fmla="*/ 521259 h 3721001"/>
+              <a:gd name="connsiteX27" fmla="*/ 7276005 w 12191696"/>
+              <a:gd name="connsiteY27" fmla="*/ 517405 h 3721001"/>
+              <a:gd name="connsiteX28" fmla="*/ 7539345 w 12191696"/>
+              <a:gd name="connsiteY28" fmla="*/ 508998 h 3721001"/>
+              <a:gd name="connsiteX29" fmla="*/ 7805124 w 12191696"/>
+              <a:gd name="connsiteY29" fmla="*/ 500240 h 3721001"/>
+              <a:gd name="connsiteX30" fmla="*/ 8070903 w 12191696"/>
+              <a:gd name="connsiteY30" fmla="*/ 490081 h 3721001"/>
+              <a:gd name="connsiteX31" fmla="*/ 8339121 w 12191696"/>
+              <a:gd name="connsiteY31" fmla="*/ 475719 h 3721001"/>
+              <a:gd name="connsiteX32" fmla="*/ 8609776 w 12191696"/>
+              <a:gd name="connsiteY32" fmla="*/ 458554 h 3721001"/>
+              <a:gd name="connsiteX33" fmla="*/ 8881651 w 12191696"/>
+              <a:gd name="connsiteY33" fmla="*/ 442089 h 3721001"/>
+              <a:gd name="connsiteX34" fmla="*/ 9153526 w 12191696"/>
+              <a:gd name="connsiteY34" fmla="*/ 421071 h 3721001"/>
+              <a:gd name="connsiteX35" fmla="*/ 9429058 w 12191696"/>
+              <a:gd name="connsiteY35" fmla="*/ 395848 h 3721001"/>
+              <a:gd name="connsiteX36" fmla="*/ 9700933 w 12191696"/>
+              <a:gd name="connsiteY36" fmla="*/ 370626 h 3721001"/>
+              <a:gd name="connsiteX37" fmla="*/ 9977684 w 12191696"/>
+              <a:gd name="connsiteY37" fmla="*/ 341551 h 3721001"/>
+              <a:gd name="connsiteX38" fmla="*/ 10255655 w 12191696"/>
+              <a:gd name="connsiteY38" fmla="*/ 309672 h 3721001"/>
+              <a:gd name="connsiteX39" fmla="*/ 10529968 w 12191696"/>
+              <a:gd name="connsiteY39" fmla="*/ 276043 h 3721001"/>
+              <a:gd name="connsiteX40" fmla="*/ 10807939 w 12191696"/>
+              <a:gd name="connsiteY40" fmla="*/ 236808 h 3721001"/>
+              <a:gd name="connsiteX41" fmla="*/ 11084690 w 12191696"/>
+              <a:gd name="connsiteY41" fmla="*/ 194771 h 3721001"/>
+              <a:gd name="connsiteX42" fmla="*/ 11362661 w 12191696"/>
+              <a:gd name="connsiteY42" fmla="*/ 153085 h 3721001"/>
+              <a:gd name="connsiteX43" fmla="*/ 11639412 w 12191696"/>
+              <a:gd name="connsiteY43" fmla="*/ 104392 h 3721001"/>
+              <a:gd name="connsiteX44" fmla="*/ 11914945 w 12191696"/>
+              <a:gd name="connsiteY44" fmla="*/ 54648 h 3721001"/>
+              <a:gd name="connsiteX45" fmla="*/ 12191696 w 12191696"/>
+              <a:gd name="connsiteY45" fmla="*/ 2452 h 3721001"/>
+              <a:gd name="connsiteX46" fmla="*/ 12191696 w 12191696"/>
+              <a:gd name="connsiteY46" fmla="*/ 2802467 h 3721001"/>
+              <a:gd name="connsiteX47" fmla="*/ 12191695 w 12191696"/>
+              <a:gd name="connsiteY47" fmla="*/ 2802467 h 3721001"/>
+              <a:gd name="connsiteX48" fmla="*/ 12191695 w 12191696"/>
+              <a:gd name="connsiteY48" fmla="*/ 3721001 h 3721001"/>
+              <a:gd name="connsiteX49" fmla="*/ 0 w 12191696"/>
+              <a:gd name="connsiteY49" fmla="*/ 3721001 h 3721001"/>
+              <a:gd name="connsiteX50" fmla="*/ 0 w 12191696"/>
+              <a:gd name="connsiteY50" fmla="*/ 2233825 h 3721001"/>
+              <a:gd name="connsiteX51" fmla="*/ 1 w 12191696"/>
+              <a:gd name="connsiteY51" fmla="*/ 2233825 h 3721001"/>
+            </a:gdLst>
+            <a:ahLst/>
+            <a:cxnLst>
+              <a:cxn ang="0">
+                <a:pos x="connsiteX0" y="connsiteY0"/>
+              </a:cxn>
+              <a:cxn ang="0">
+                <a:pos x="connsiteX1" y="connsiteY1"/>
+              </a:cxn>
+              <a:cxn ang="0">
+                <a:pos x="connsiteX2" y="connsiteY2"/>
+              </a:cxn>
+              <a:cxn ang="0">
+                <a:pos x="connsiteX3" y="connsiteY3"/>
+              </a:cxn>
+              <a:cxn ang="0">
+                <a:pos x="connsiteX4" y="connsiteY4"/>
+              </a:cxn>
+              <a:cxn ang="0">
+                <a:pos x="connsiteX5" y="connsiteY5"/>
+              </a:cxn>
+              <a:cxn ang="0">
+                <a:pos x="connsiteX6" y="connsiteY6"/>
+              </a:cxn>
+              <a:cxn ang="0">
+                <a:pos x="connsiteX7" y="connsiteY7"/>
+              </a:cxn>
+              <a:cxn ang="0">
+                <a:pos x="connsiteX8" y="connsiteY8"/>
+              </a:cxn>
+              <a:cxn ang="0">
+                <a:pos x="connsiteX9" y="connsiteY9"/>
+              </a:cxn>
+              <a:cxn ang="0">
+                <a:pos x="connsiteX10" y="connsiteY10"/>
+              </a:cxn>
+              <a:cxn ang="0">
+                <a:pos x="connsiteX11" y="connsiteY11"/>
+              </a:cxn>
+              <a:cxn ang="0">
+                <a:pos x="connsiteX12" y="connsiteY12"/>
+              </a:cxn>
+              <a:cxn ang="0">
+                <a:pos x="connsiteX13" y="connsiteY13"/>
+              </a:cxn>
+              <a:cxn ang="0">
+                <a:pos x="connsiteX14" y="connsiteY14"/>
+              </a:cxn>
+              <a:cxn ang="0">
+                <a:pos x="connsiteX15" y="connsiteY15"/>
+              </a:cxn>
+              <a:cxn ang="0">
+                <a:pos x="connsiteX16" y="connsiteY16"/>
+              </a:cxn>
+              <a:cxn ang="0">
+                <a:pos x="connsiteX17" y="connsiteY17"/>
+              </a:cxn>
+              <a:cxn ang="0">
+                <a:pos x="connsiteX18" y="connsiteY18"/>
+              </a:cxn>
+              <a:cxn ang="0">
+                <a:pos x="connsiteX19" y="connsiteY19"/>
+              </a:cxn>
+              <a:cxn ang="0">
+                <a:pos x="connsiteX20" y="connsiteY20"/>
+              </a:cxn>
+              <a:cxn ang="0">
+                <a:pos x="connsiteX21" y="connsiteY21"/>
+              </a:cxn>
+              <a:cxn ang="0">
+                <a:pos x="connsiteX22" y="connsiteY22"/>
+              </a:cxn>
+              <a:cxn ang="0">
+                <a:pos x="connsiteX23" y="connsiteY23"/>
+              </a:cxn>
+              <a:cxn ang="0">
+                <a:pos x="connsiteX24" y="connsiteY24"/>
+              </a:cxn>
+              <a:cxn ang="0">
+                <a:pos x="connsiteX25" y="connsiteY25"/>
+              </a:cxn>
+              <a:cxn ang="0">
+                <a:pos x="connsiteX26" y="connsiteY26"/>
+              </a:cxn>
+              <a:cxn ang="0">
+                <a:pos x="connsiteX27" y="connsiteY27"/>
+              </a:cxn>
+              <a:cxn ang="0">
+                <a:pos x="connsiteX28" y="connsiteY28"/>
+              </a:cxn>
+              <a:cxn ang="0">
+                <a:pos x="connsiteX29" y="connsiteY29"/>
+              </a:cxn>
+              <a:cxn ang="0">
+                <a:pos x="connsiteX30" y="connsiteY30"/>
+              </a:cxn>
+              <a:cxn ang="0">
+                <a:pos x="connsiteX31" y="connsiteY31"/>
+              </a:cxn>
+              <a:cxn ang="0">
+                <a:pos x="connsiteX32" y="connsiteY32"/>
+              </a:cxn>
+              <a:cxn ang="0">
+                <a:pos x="connsiteX33" y="connsiteY33"/>
+              </a:cxn>
+              <a:cxn ang="0">
+                <a:pos x="connsiteX34" y="connsiteY34"/>
+              </a:cxn>
+              <a:cxn ang="0">
+                <a:pos x="connsiteX35" y="connsiteY35"/>
+              </a:cxn>
+              <a:cxn ang="0">
+                <a:pos x="connsiteX36" y="connsiteY36"/>
+              </a:cxn>
+              <a:cxn ang="0">
+                <a:pos x="connsiteX37" y="connsiteY37"/>
+              </a:cxn>
+              <a:cxn ang="0">
+                <a:pos x="connsiteX38" y="connsiteY38"/>
+              </a:cxn>
+              <a:cxn ang="0">
+                <a:pos x="connsiteX39" y="connsiteY39"/>
+              </a:cxn>
+              <a:cxn ang="0">
+                <a:pos x="connsiteX40" y="connsiteY40"/>
+              </a:cxn>
+              <a:cxn ang="0">
+                <a:pos x="connsiteX41" y="connsiteY41"/>
+              </a:cxn>
+              <a:cxn ang="0">
+                <a:pos x="connsiteX42" y="connsiteY42"/>
+              </a:cxn>
+              <a:cxn ang="0">
+                <a:pos x="connsiteX43" y="connsiteY43"/>
+              </a:cxn>
+              <a:cxn ang="0">
+                <a:pos x="connsiteX44" y="connsiteY44"/>
+              </a:cxn>
+              <a:cxn ang="0">
+                <a:pos x="connsiteX45" y="connsiteY45"/>
+              </a:cxn>
+              <a:cxn ang="0">
+                <a:pos x="connsiteX46" y="connsiteY46"/>
+              </a:cxn>
+              <a:cxn ang="0">
+                <a:pos x="connsiteX47" y="connsiteY47"/>
+              </a:cxn>
+              <a:cxn ang="0">
+                <a:pos x="connsiteX48" y="connsiteY48"/>
+              </a:cxn>
+              <a:cxn ang="0">
+                <a:pos x="connsiteX49" y="connsiteY49"/>
+              </a:cxn>
+              <a:cxn ang="0">
+                <a:pos x="connsiteX50" y="connsiteY50"/>
+              </a:cxn>
+              <a:cxn ang="0">
+                <a:pos x="connsiteX51" y="connsiteY51"/>
+              </a:cxn>
+            </a:cxnLst>
+            <a:rect l="l" t="t" r="r" b="b"/>
+            <a:pathLst>
+              <a:path w="12191696" h="3721001">
+                <a:moveTo>
+                  <a:pt x="1" y="0"/>
+                </a:moveTo>
+                <a:lnTo>
+                  <a:pt x="71932" y="12261"/>
+                </a:lnTo>
+                <a:lnTo>
+                  <a:pt x="282849" y="48342"/>
+                </a:lnTo>
+                <a:lnTo>
+                  <a:pt x="436464" y="73565"/>
+                </a:lnTo>
+                <a:lnTo>
+                  <a:pt x="619339" y="100188"/>
+                </a:lnTo>
+                <a:lnTo>
+                  <a:pt x="836351" y="132066"/>
+                </a:lnTo>
+                <a:lnTo>
+                  <a:pt x="1076528" y="165696"/>
+                </a:lnTo>
+                <a:lnTo>
+                  <a:pt x="1347183" y="201077"/>
+                </a:lnTo>
+                <a:lnTo>
+                  <a:pt x="1642223" y="238560"/>
+                </a:lnTo>
+                <a:lnTo>
+                  <a:pt x="1962864" y="276043"/>
+                </a:lnTo>
+                <a:lnTo>
+                  <a:pt x="2304232" y="314226"/>
+                </a:lnTo>
+                <a:lnTo>
+                  <a:pt x="2672421" y="349608"/>
+                </a:lnTo>
+                <a:lnTo>
+                  <a:pt x="3057678" y="383588"/>
+                </a:lnTo>
+                <a:lnTo>
+                  <a:pt x="3464881" y="414415"/>
+                </a:lnTo>
+                <a:lnTo>
+                  <a:pt x="3889152" y="443841"/>
+                </a:lnTo>
+                <a:lnTo>
+                  <a:pt x="4331710" y="471515"/>
+                </a:lnTo>
+                <a:lnTo>
+                  <a:pt x="4558476" y="481324"/>
+                </a:lnTo>
+                <a:lnTo>
+                  <a:pt x="4790118" y="492183"/>
+                </a:lnTo>
+                <a:lnTo>
+                  <a:pt x="5025418" y="502342"/>
+                </a:lnTo>
+                <a:lnTo>
+                  <a:pt x="5261937" y="508998"/>
+                </a:lnTo>
+                <a:lnTo>
+                  <a:pt x="5503333" y="514953"/>
+                </a:lnTo>
+                <a:lnTo>
+                  <a:pt x="5747166" y="521259"/>
+                </a:lnTo>
+                <a:lnTo>
+                  <a:pt x="5995877" y="525462"/>
+                </a:lnTo>
+                <a:lnTo>
+                  <a:pt x="6247026" y="525462"/>
+                </a:lnTo>
+                <a:lnTo>
+                  <a:pt x="6500613" y="527564"/>
+                </a:lnTo>
+                <a:lnTo>
+                  <a:pt x="6756639" y="525462"/>
+                </a:lnTo>
+                <a:lnTo>
+                  <a:pt x="7016322" y="521259"/>
+                </a:lnTo>
+                <a:lnTo>
+                  <a:pt x="7276005" y="517405"/>
+                </a:lnTo>
+                <a:lnTo>
+                  <a:pt x="7539345" y="508998"/>
+                </a:lnTo>
+                <a:lnTo>
+                  <a:pt x="7805124" y="500240"/>
+                </a:lnTo>
+                <a:lnTo>
+                  <a:pt x="8070903" y="490081"/>
+                </a:lnTo>
+                <a:lnTo>
+                  <a:pt x="8339121" y="475719"/>
+                </a:lnTo>
+                <a:lnTo>
+                  <a:pt x="8609776" y="458554"/>
+                </a:lnTo>
+                <a:lnTo>
+                  <a:pt x="8881651" y="442089"/>
+                </a:lnTo>
+                <a:lnTo>
+                  <a:pt x="9153526" y="421071"/>
+                </a:lnTo>
+                <a:lnTo>
+                  <a:pt x="9429058" y="395848"/>
+                </a:lnTo>
+                <a:lnTo>
+                  <a:pt x="9700933" y="370626"/>
+                </a:lnTo>
+                <a:lnTo>
+                  <a:pt x="9977684" y="341551"/>
+                </a:lnTo>
+                <a:lnTo>
+                  <a:pt x="10255655" y="309672"/>
+                </a:lnTo>
+                <a:lnTo>
+                  <a:pt x="10529968" y="276043"/>
+                </a:lnTo>
+                <a:lnTo>
+                  <a:pt x="10807939" y="236808"/>
+                </a:lnTo>
+                <a:lnTo>
+                  <a:pt x="11084690" y="194771"/>
+                </a:lnTo>
+                <a:lnTo>
+                  <a:pt x="11362661" y="153085"/>
+                </a:lnTo>
+                <a:lnTo>
+                  <a:pt x="11639412" y="104392"/>
+                </a:lnTo>
+                <a:lnTo>
+                  <a:pt x="11914945" y="54648"/>
+                </a:lnTo>
+                <a:lnTo>
+                  <a:pt x="12191696" y="2452"/>
+                </a:lnTo>
+                <a:lnTo>
+                  <a:pt x="12191696" y="2802467"/>
+                </a:lnTo>
+                <a:lnTo>
+                  <a:pt x="12191695" y="2802467"/>
+                </a:lnTo>
+                <a:lnTo>
+                  <a:pt x="12191695" y="3721001"/>
+                </a:lnTo>
+                <a:lnTo>
+                  <a:pt x="0" y="3721001"/>
+                </a:lnTo>
+                <a:lnTo>
+                  <a:pt x="0" y="2233825"/>
+                </a:lnTo>
+                <a:lnTo>
+                  <a:pt x="1" y="2233825"/>
+                </a:lnTo>
+                <a:close/>
+              </a:path>
+            </a:pathLst>
+          </a:custGeom>
+          <a:ln>
+            <a:noFill/>
+          </a:ln>
+        </p:spPr>
+        <p:style>
+          <a:lnRef idx="2">
+            <a:schemeClr val="accent1">
+              <a:shade val="50000"/>
+            </a:schemeClr>
+          </a:lnRef>
+          <a:fillRef idx="1003">
+            <a:schemeClr val="dk2"/>
+          </a:fillRef>
+          <a:effectRef idx="0">
+            <a:schemeClr val="accent1"/>
+          </a:effectRef>
+          <a:fontRef idx="minor">
+            <a:schemeClr val="lt1"/>
+          </a:fontRef>
+        </p:style>
+        <p:txBody>
+          <a:bodyPr wrap="square" rtlCol="0" anchor="ctr">
+            <a:noAutofit/>
+          </a:bodyPr>
+          <a:lstStyle/>
+          <a:p>
+            <a:pPr algn="ctr"/>
+            <a:endParaRPr lang="en-US"/>
+          </a:p>
+        </p:txBody>
+      </p:sp>
+      <p:sp>
+        <p:nvSpPr>
+          <p:cNvPr id="2" name="Titel 1">
+            <a:extLst>
+              <a:ext uri="{FF2B5EF4-FFF2-40B4-BE49-F238E27FC236}">
+                <a16:creationId xmlns:a16="http://schemas.microsoft.com/office/drawing/2014/main" id="{25460D9C-2678-4D05-827E-6A05E53C2725}"/>
+              </a:ext>
+            </a:extLst>
+          </p:cNvPr>
+          <p:cNvSpPr>
+            <a:spLocks noGrp="1"/>
+          </p:cNvSpPr>
+          <p:nvPr>
+            <p:ph type="ctrTitle"/>
+          </p:nvPr>
+        </p:nvSpPr>
+        <p:spPr>
+          <a:xfrm>
+            <a:off x="636915" y="3928983"/>
+            <a:ext cx="9182945" cy="1793390"/>
+          </a:xfrm>
+        </p:spPr>
+        <p:txBody>
+          <a:bodyPr>
+            <a:normAutofit/>
+          </a:bodyPr>
+          <a:lstStyle/>
+          <a:p>
+            <a:r>
+              <a:rPr lang="en-GB" sz="6600">
+                <a:solidFill>
+                  <a:srgbClr val="EBEBEB"/>
+                </a:solidFill>
+              </a:rPr>
+              <a:t>Kicad</a:t>
+            </a:r>
+            <a:endParaRPr lang="LID4096" sz="6600">
+              <a:solidFill>
+                <a:srgbClr val="EBEBEB"/>
+              </a:solidFill>
+            </a:endParaRPr>
+          </a:p>
+        </p:txBody>
+      </p:sp>
+      <p:sp>
+        <p:nvSpPr>
+          <p:cNvPr id="3" name="Undertitel 2">
+            <a:extLst>
+              <a:ext uri="{FF2B5EF4-FFF2-40B4-BE49-F238E27FC236}">
+                <a16:creationId xmlns:a16="http://schemas.microsoft.com/office/drawing/2014/main" id="{372DB3DA-B5DA-4797-81BE-DC35FE999A90}"/>
+              </a:ext>
+            </a:extLst>
+          </p:cNvPr>
+          <p:cNvSpPr>
+            <a:spLocks noGrp="1"/>
+          </p:cNvSpPr>
+          <p:nvPr>
+            <p:ph type="subTitle" idx="1"/>
+          </p:nvPr>
+        </p:nvSpPr>
+        <p:spPr>
+          <a:xfrm>
+            <a:off x="636916" y="5722374"/>
+            <a:ext cx="9182944" cy="487924"/>
+          </a:xfrm>
+        </p:spPr>
+        <p:txBody>
+          <a:bodyPr>
+            <a:normAutofit/>
+          </a:bodyPr>
+          <a:lstStyle/>
+          <a:p>
+            <a:r>
+              <a:rPr lang="en-GB">
+                <a:solidFill>
+                  <a:schemeClr val="tx2">
+                    <a:lumMod val="40000"/>
+                    <a:lumOff val="60000"/>
+                  </a:schemeClr>
+                </a:solidFill>
+              </a:rPr>
+              <a:t>Vejen til nemmere PCB design</a:t>
+            </a:r>
+            <a:endParaRPr lang="LID4096">
+              <a:solidFill>
+                <a:schemeClr val="tx2">
+                  <a:lumMod val="40000"/>
+                  <a:lumOff val="60000"/>
+                </a:schemeClr>
+              </a:solidFill>
+            </a:endParaRPr>
+          </a:p>
+        </p:txBody>
+      </p:sp>
     </p:spTree>
     <p:extLst>
       <p:ext uri="{BB962C8B-B14F-4D97-AF65-F5344CB8AC3E}">
@@ -14370,7 +15456,7 @@
     </p:extLst>
   </p:cSld>
   <p:clrMapOvr>
-    <a:overrideClrMapping bg1="dk1" tx1="lt1" bg2="dk2" tx2="lt2" accent1="accent1" accent2="accent2" accent3="accent3" accent4="accent4" accent5="accent5" accent6="accent6" hlink="hlink" folHlink="folHlink"/>
+    <a:overrideClrMapping bg1="lt1" tx1="dk1" bg2="lt2" tx2="dk2" accent1="accent1" accent2="accent2" accent3="accent3" accent4="accent4" accent5="accent5" accent6="accent6" hlink="hlink" folHlink="folHlink"/>
   </p:clrMapOvr>
 </p:sld>
 </file>
@@ -20425,7 +21511,7 @@
           <p:nvPr/>
         </p:nvPicPr>
         <p:blipFill>
-          <a:blip r:embed="rId2"/>
+          <a:blip r:embed="rId3"/>
           <a:stretch>
             <a:fillRect/>
           </a:stretch>
@@ -20455,7 +21541,7 @@
           <p:nvPr/>
         </p:nvPicPr>
         <p:blipFill>
-          <a:blip r:embed="rId3"/>
+          <a:blip r:embed="rId4"/>
           <a:stretch>
             <a:fillRect/>
           </a:stretch>
@@ -20485,7 +21571,7 @@
           <p:nvPr/>
         </p:nvPicPr>
         <p:blipFill>
-          <a:blip r:embed="rId4"/>
+          <a:blip r:embed="rId5"/>
           <a:stretch>
             <a:fillRect/>
           </a:stretch>
@@ -26994,7 +28080,7 @@
       </p:grpSpPr>
       <p:pic>
         <p:nvPicPr>
-          <p:cNvPr id="9" name="Picture 8">
+          <p:cNvPr id="34" name="Picture 9">
             <a:extLst>
               <a:ext uri="{FF2B5EF4-FFF2-40B4-BE49-F238E27FC236}">
                 <a16:creationId xmlns:a16="http://schemas.microsoft.com/office/drawing/2014/main" id="{DF19BAF3-7E20-4B9D-B544-BABAEEA1FA75}"/>
@@ -27038,7 +28124,7 @@
       </p:pic>
       <p:pic>
         <p:nvPicPr>
-          <p:cNvPr id="11" name="Picture 10">
+          <p:cNvPr id="35" name="Picture 11">
             <a:extLst>
               <a:ext uri="{FF2B5EF4-FFF2-40B4-BE49-F238E27FC236}">
                 <a16:creationId xmlns:a16="http://schemas.microsoft.com/office/drawing/2014/main" id="{950648F4-ABCD-4DF0-8641-76CFB2354721}"/>
@@ -27082,7 +28168,7 @@
       </p:pic>
       <p:sp>
         <p:nvSpPr>
-          <p:cNvPr id="13" name="Oval 12">
+          <p:cNvPr id="36" name="Oval 13">
             <a:extLst>
               <a:ext uri="{FF2B5EF4-FFF2-40B4-BE49-F238E27FC236}">
                 <a16:creationId xmlns:a16="http://schemas.microsoft.com/office/drawing/2014/main" id="{989BE678-777B-482A-A616-FEDC47B162E5}"/>
@@ -27169,7 +28255,7 @@
       </p:sp>
       <p:pic>
         <p:nvPicPr>
-          <p:cNvPr id="15" name="Picture 14">
+          <p:cNvPr id="37" name="Picture 15">
             <a:extLst>
               <a:ext uri="{FF2B5EF4-FFF2-40B4-BE49-F238E27FC236}">
                 <a16:creationId xmlns:a16="http://schemas.microsoft.com/office/drawing/2014/main" id="{CF1EB4BD-9C7E-4AA3-9681-C7EB0DA6250B}"/>
@@ -27213,7 +28299,7 @@
       </p:pic>
       <p:pic>
         <p:nvPicPr>
-          <p:cNvPr id="17" name="Picture 16">
+          <p:cNvPr id="38" name="Picture 17">
             <a:extLst>
               <a:ext uri="{FF2B5EF4-FFF2-40B4-BE49-F238E27FC236}">
                 <a16:creationId xmlns:a16="http://schemas.microsoft.com/office/drawing/2014/main" id="{94AAE3AA-3759-4D28-B0EF-575F25A5146C}"/>
@@ -27257,7 +28343,7 @@
       </p:pic>
       <p:sp>
         <p:nvSpPr>
-          <p:cNvPr id="19" name="Rectangle 18">
+          <p:cNvPr id="39" name="Rectangle 19">
             <a:extLst>
               <a:ext uri="{FF2B5EF4-FFF2-40B4-BE49-F238E27FC236}">
                 <a16:creationId xmlns:a16="http://schemas.microsoft.com/office/drawing/2014/main" id="{D28BE0C3-2102-4820-B88B-A448B1840D14}"/>
@@ -27315,50 +28401,72 @@
           </a:p>
         </p:txBody>
       </p:sp>
-      <p:pic>
-        <p:nvPicPr>
-          <p:cNvPr id="5" name="Picture 4">
+      <p:sp>
+        <p:nvSpPr>
+          <p:cNvPr id="22" name="Rectangle 21">
             <a:extLst>
               <a:ext uri="{FF2B5EF4-FFF2-40B4-BE49-F238E27FC236}">
-                <a16:creationId xmlns:a16="http://schemas.microsoft.com/office/drawing/2014/main" id="{8763992F-AE51-B85B-CCEF-6887535B16B9}"/>
+                <a16:creationId xmlns:a16="http://schemas.microsoft.com/office/drawing/2014/main" id="{F3F4807A-5068-4492-8025-D75F320E908D}"/>
+              </a:ext>
+              <a:ext uri="{C183D7F6-B498-43B3-948B-1728B52AA6E4}">
+                <adec:decorative xmlns:adec="http://schemas.microsoft.com/office/drawing/2017/decorative" val="1"/>
               </a:ext>
             </a:extLst>
           </p:cNvPr>
-          <p:cNvPicPr>
-            <a:picLocks noChangeAspect="1"/>
-          </p:cNvPicPr>
-          <p:nvPr/>
-        </p:nvPicPr>
-        <p:blipFill>
-          <a:blip r:embed="rId7">
-            <a:duotone>
-              <a:prstClr val="black"/>
-              <a:schemeClr val="accent5">
-                <a:tint val="45000"/>
-                <a:satMod val="400000"/>
-              </a:schemeClr>
-            </a:duotone>
-            <a:alphaModFix amt="25000"/>
-          </a:blip>
-          <a:srcRect t="20495"/>
-          <a:stretch/>
-        </p:blipFill>
+          <p:cNvSpPr>
+            <a:spLocks noGrp="1" noRot="1" noChangeAspect="1" noMove="1" noResize="1" noEditPoints="1" noAdjustHandles="1" noChangeArrowheads="1" noChangeShapeType="1" noTextEdit="1"/>
+          </p:cNvSpPr>
+          <p:nvPr>
+            <p:extLst>
+              <p:ext uri="{386F3935-93C4-4BCD-93E2-E3B085C9AB24}">
+                <p16:designElem xmlns:p16="http://schemas.microsoft.com/office/powerpoint/2015/main" val="1"/>
+              </p:ext>
+            </p:extLst>
+          </p:nvPr>
+        </p:nvSpPr>
         <p:spPr>
           <a:xfrm>
-            <a:off x="20" y="10"/>
-            <a:ext cx="12191980" cy="6857990"/>
+            <a:off x="1" y="0"/>
+            <a:ext cx="12192000" cy="6858000"/>
           </a:xfrm>
           <a:prstGeom prst="rect">
             <a:avLst/>
           </a:prstGeom>
+          <a:ln>
+            <a:noFill/>
+          </a:ln>
         </p:spPr>
-      </p:pic>
+        <p:style>
+          <a:lnRef idx="2">
+            <a:schemeClr val="accent1">
+              <a:shade val="50000"/>
+            </a:schemeClr>
+          </a:lnRef>
+          <a:fillRef idx="1003">
+            <a:schemeClr val="dk2"/>
+          </a:fillRef>
+          <a:effectRef idx="0">
+            <a:schemeClr val="accent1"/>
+          </a:effectRef>
+          <a:fontRef idx="minor">
+            <a:schemeClr val="lt1"/>
+          </a:fontRef>
+        </p:style>
+        <p:txBody>
+          <a:bodyPr rtlCol="0" anchor="ctr"/>
+          <a:lstStyle/>
+          <a:p>
+            <a:pPr algn="ctr"/>
+            <a:endParaRPr lang="en-US"/>
+          </a:p>
+        </p:txBody>
+      </p:sp>
       <p:sp>
         <p:nvSpPr>
           <p:cNvPr id="2" name="Titel 1">
             <a:extLst>
               <a:ext uri="{FF2B5EF4-FFF2-40B4-BE49-F238E27FC236}">
-                <a16:creationId xmlns:a16="http://schemas.microsoft.com/office/drawing/2014/main" id="{E33EE121-CBA7-372B-5DFC-3A49D17D9F2E}"/>
+                <a16:creationId xmlns:a16="http://schemas.microsoft.com/office/drawing/2014/main" id="{20415F1F-FD98-876A-1F0F-335B3A7BD078}"/>
               </a:ext>
             </a:extLst>
           </p:cNvPr>
@@ -27371,8 +28479,8 @@
         </p:nvSpPr>
         <p:spPr>
           <a:xfrm>
-            <a:off x="1154955" y="1447800"/>
-            <a:ext cx="8825658" cy="3329581"/>
+            <a:off x="8000837" y="1325880"/>
+            <a:ext cx="3543464" cy="3066507"/>
           </a:xfrm>
         </p:spPr>
         <p:txBody>
@@ -27382,18 +28490,580 @@
           <a:lstStyle/>
           <a:p>
             <a:r>
-              <a:rPr lang="en-US" sz="7200"/>
-              <a:t>Gennemgang af RC sender</a:t>
+              <a:rPr lang="en-US" sz="4800">
+                <a:solidFill>
+                  <a:srgbClr val="EBEBEB"/>
+                </a:solidFill>
+              </a:rPr>
+              <a:t>Kina logik</a:t>
             </a:r>
           </a:p>
         </p:txBody>
       </p:sp>
       <p:sp>
         <p:nvSpPr>
-          <p:cNvPr id="21" name="Rectangle 20">
+          <p:cNvPr id="24" name="Freeform 36">
             <a:extLst>
               <a:ext uri="{FF2B5EF4-FFF2-40B4-BE49-F238E27FC236}">
-                <a16:creationId xmlns:a16="http://schemas.microsoft.com/office/drawing/2014/main" id="{C885E190-58DD-42DD-A4A8-401E15C92A52}"/>
+                <a16:creationId xmlns:a16="http://schemas.microsoft.com/office/drawing/2014/main" id="{B24996F8-180C-4DCB-8A26-DFA336CDEFBC}"/>
+              </a:ext>
+              <a:ext uri="{C183D7F6-B498-43B3-948B-1728B52AA6E4}">
+                <adec:decorative xmlns:adec="http://schemas.microsoft.com/office/drawing/2017/decorative" val="1"/>
+              </a:ext>
+            </a:extLst>
+          </p:cNvPr>
+          <p:cNvSpPr>
+            <a:spLocks noGrp="1" noRot="1" noChangeAspect="1" noMove="1" noResize="1" noEditPoints="1" noAdjustHandles="1" noChangeArrowheads="1" noChangeShapeType="1" noTextEdit="1"/>
+          </p:cNvSpPr>
+          <p:nvPr>
+            <p:extLst>
+              <p:ext uri="{386F3935-93C4-4BCD-93E2-E3B085C9AB24}">
+                <p16:designElem xmlns:p16="http://schemas.microsoft.com/office/powerpoint/2015/main" val="1"/>
+              </p:ext>
+            </p:extLst>
+          </p:nvPr>
+        </p:nvSpPr>
+        <p:spPr>
+          <a:xfrm flipH="1">
+            <a:off x="7413666" y="0"/>
+            <a:ext cx="559472" cy="3709642"/>
+          </a:xfrm>
+          <a:custGeom>
+            <a:avLst/>
+            <a:gdLst>
+              <a:gd name="connsiteX0" fmla="*/ 0 w 559472"/>
+              <a:gd name="connsiteY0" fmla="*/ 0 h 3709642"/>
+              <a:gd name="connsiteX1" fmla="*/ 473952 w 559472"/>
+              <a:gd name="connsiteY1" fmla="*/ 0 h 3709642"/>
+              <a:gd name="connsiteX2" fmla="*/ 485840 w 559472"/>
+              <a:gd name="connsiteY2" fmla="*/ 161194 h 3709642"/>
+              <a:gd name="connsiteX3" fmla="*/ 523949 w 559472"/>
+              <a:gd name="connsiteY3" fmla="*/ 3672197 h 3709642"/>
+              <a:gd name="connsiteX4" fmla="*/ 454748 w 559472"/>
+              <a:gd name="connsiteY4" fmla="*/ 3709642 h 3709642"/>
+              <a:gd name="connsiteX5" fmla="*/ 448224 w 559472"/>
+              <a:gd name="connsiteY5" fmla="*/ 3510471 h 3709642"/>
+              <a:gd name="connsiteX6" fmla="*/ 443564 w 559472"/>
+              <a:gd name="connsiteY6" fmla="*/ 3408563 h 3709642"/>
+              <a:gd name="connsiteX7" fmla="*/ 438902 w 559472"/>
+              <a:gd name="connsiteY7" fmla="*/ 3304407 h 3709642"/>
+              <a:gd name="connsiteX8" fmla="*/ 433941 w 559472"/>
+              <a:gd name="connsiteY8" fmla="*/ 3198777 h 3709642"/>
+              <a:gd name="connsiteX9" fmla="*/ 427584 w 559472"/>
+              <a:gd name="connsiteY9" fmla="*/ 3092510 h 3709642"/>
+              <a:gd name="connsiteX10" fmla="*/ 420988 w 559472"/>
+              <a:gd name="connsiteY10" fmla="*/ 2984390 h 3709642"/>
+              <a:gd name="connsiteX11" fmla="*/ 414330 w 559472"/>
+              <a:gd name="connsiteY11" fmla="*/ 2874401 h 3709642"/>
+              <a:gd name="connsiteX12" fmla="*/ 406840 w 559472"/>
+              <a:gd name="connsiteY12" fmla="*/ 2762980 h 3709642"/>
+              <a:gd name="connsiteX13" fmla="*/ 397745 w 559472"/>
+              <a:gd name="connsiteY13" fmla="*/ 2650566 h 3709642"/>
+              <a:gd name="connsiteX14" fmla="*/ 389154 w 559472"/>
+              <a:gd name="connsiteY14" fmla="*/ 2536612 h 3709642"/>
+              <a:gd name="connsiteX15" fmla="*/ 379225 w 559472"/>
+              <a:gd name="connsiteY15" fmla="*/ 2421642 h 3709642"/>
+              <a:gd name="connsiteX16" fmla="*/ 368316 w 559472"/>
+              <a:gd name="connsiteY16" fmla="*/ 2305627 h 3709642"/>
+              <a:gd name="connsiteX17" fmla="*/ 357466 w 559472"/>
+              <a:gd name="connsiteY17" fmla="*/ 2189233 h 3709642"/>
+              <a:gd name="connsiteX18" fmla="*/ 344982 w 559472"/>
+              <a:gd name="connsiteY18" fmla="*/ 2071473 h 3709642"/>
+              <a:gd name="connsiteX19" fmla="*/ 332466 w 559472"/>
+              <a:gd name="connsiteY19" fmla="*/ 1952216 h 3709642"/>
+              <a:gd name="connsiteX20" fmla="*/ 319121 w 559472"/>
+              <a:gd name="connsiteY20" fmla="*/ 1833776 h 3709642"/>
+              <a:gd name="connsiteX21" fmla="*/ 304408 w 559472"/>
+              <a:gd name="connsiteY21" fmla="*/ 1713948 h 3709642"/>
+              <a:gd name="connsiteX22" fmla="*/ 288685 w 559472"/>
+              <a:gd name="connsiteY22" fmla="*/ 1592703 h 3709642"/>
+              <a:gd name="connsiteX23" fmla="*/ 273050 w 559472"/>
+              <a:gd name="connsiteY23" fmla="*/ 1471451 h 3709642"/>
+              <a:gd name="connsiteX24" fmla="*/ 255813 w 559472"/>
+              <a:gd name="connsiteY24" fmla="*/ 1350328 h 3709642"/>
+              <a:gd name="connsiteX25" fmla="*/ 237060 w 559472"/>
+              <a:gd name="connsiteY25" fmla="*/ 1227080 h 3709642"/>
+              <a:gd name="connsiteX26" fmla="*/ 218488 w 559472"/>
+              <a:gd name="connsiteY26" fmla="*/ 1106065 h 3709642"/>
+              <a:gd name="connsiteX27" fmla="*/ 198221 w 559472"/>
+              <a:gd name="connsiteY27" fmla="*/ 982940 h 3709642"/>
+              <a:gd name="connsiteX28" fmla="*/ 177152 w 559472"/>
+              <a:gd name="connsiteY28" fmla="*/ 858755 h 3709642"/>
+              <a:gd name="connsiteX29" fmla="*/ 155551 w 559472"/>
+              <a:gd name="connsiteY29" fmla="*/ 736861 h 3709642"/>
+              <a:gd name="connsiteX30" fmla="*/ 131782 w 559472"/>
+              <a:gd name="connsiteY30" fmla="*/ 613645 h 3709642"/>
+              <a:gd name="connsiteX31" fmla="*/ 107123 w 559472"/>
+              <a:gd name="connsiteY31" fmla="*/ 490500 h 3709642"/>
+              <a:gd name="connsiteX32" fmla="*/ 82552 w 559472"/>
+              <a:gd name="connsiteY32" fmla="*/ 367348 h 3709642"/>
+              <a:gd name="connsiteX33" fmla="*/ 55608 w 559472"/>
+              <a:gd name="connsiteY33" fmla="*/ 244762 h 3709642"/>
+              <a:gd name="connsiteX34" fmla="*/ 28130 w 559472"/>
+              <a:gd name="connsiteY34" fmla="*/ 122220 h 3709642"/>
+              <a:gd name="connsiteX35" fmla="*/ 0 w 559472"/>
+              <a:gd name="connsiteY35" fmla="*/ 0 h 3709642"/>
+            </a:gdLst>
+            <a:ahLst/>
+            <a:cxnLst>
+              <a:cxn ang="0">
+                <a:pos x="connsiteX0" y="connsiteY0"/>
+              </a:cxn>
+              <a:cxn ang="0">
+                <a:pos x="connsiteX1" y="connsiteY1"/>
+              </a:cxn>
+              <a:cxn ang="0">
+                <a:pos x="connsiteX2" y="connsiteY2"/>
+              </a:cxn>
+              <a:cxn ang="0">
+                <a:pos x="connsiteX3" y="connsiteY3"/>
+              </a:cxn>
+              <a:cxn ang="0">
+                <a:pos x="connsiteX4" y="connsiteY4"/>
+              </a:cxn>
+              <a:cxn ang="0">
+                <a:pos x="connsiteX5" y="connsiteY5"/>
+              </a:cxn>
+              <a:cxn ang="0">
+                <a:pos x="connsiteX6" y="connsiteY6"/>
+              </a:cxn>
+              <a:cxn ang="0">
+                <a:pos x="connsiteX7" y="connsiteY7"/>
+              </a:cxn>
+              <a:cxn ang="0">
+                <a:pos x="connsiteX8" y="connsiteY8"/>
+              </a:cxn>
+              <a:cxn ang="0">
+                <a:pos x="connsiteX9" y="connsiteY9"/>
+              </a:cxn>
+              <a:cxn ang="0">
+                <a:pos x="connsiteX10" y="connsiteY10"/>
+              </a:cxn>
+              <a:cxn ang="0">
+                <a:pos x="connsiteX11" y="connsiteY11"/>
+              </a:cxn>
+              <a:cxn ang="0">
+                <a:pos x="connsiteX12" y="connsiteY12"/>
+              </a:cxn>
+              <a:cxn ang="0">
+                <a:pos x="connsiteX13" y="connsiteY13"/>
+              </a:cxn>
+              <a:cxn ang="0">
+                <a:pos x="connsiteX14" y="connsiteY14"/>
+              </a:cxn>
+              <a:cxn ang="0">
+                <a:pos x="connsiteX15" y="connsiteY15"/>
+              </a:cxn>
+              <a:cxn ang="0">
+                <a:pos x="connsiteX16" y="connsiteY16"/>
+              </a:cxn>
+              <a:cxn ang="0">
+                <a:pos x="connsiteX17" y="connsiteY17"/>
+              </a:cxn>
+              <a:cxn ang="0">
+                <a:pos x="connsiteX18" y="connsiteY18"/>
+              </a:cxn>
+              <a:cxn ang="0">
+                <a:pos x="connsiteX19" y="connsiteY19"/>
+              </a:cxn>
+              <a:cxn ang="0">
+                <a:pos x="connsiteX20" y="connsiteY20"/>
+              </a:cxn>
+              <a:cxn ang="0">
+                <a:pos x="connsiteX21" y="connsiteY21"/>
+              </a:cxn>
+              <a:cxn ang="0">
+                <a:pos x="connsiteX22" y="connsiteY22"/>
+              </a:cxn>
+              <a:cxn ang="0">
+                <a:pos x="connsiteX23" y="connsiteY23"/>
+              </a:cxn>
+              <a:cxn ang="0">
+                <a:pos x="connsiteX24" y="connsiteY24"/>
+              </a:cxn>
+              <a:cxn ang="0">
+                <a:pos x="connsiteX25" y="connsiteY25"/>
+              </a:cxn>
+              <a:cxn ang="0">
+                <a:pos x="connsiteX26" y="connsiteY26"/>
+              </a:cxn>
+              <a:cxn ang="0">
+                <a:pos x="connsiteX27" y="connsiteY27"/>
+              </a:cxn>
+              <a:cxn ang="0">
+                <a:pos x="connsiteX28" y="connsiteY28"/>
+              </a:cxn>
+              <a:cxn ang="0">
+                <a:pos x="connsiteX29" y="connsiteY29"/>
+              </a:cxn>
+              <a:cxn ang="0">
+                <a:pos x="connsiteX30" y="connsiteY30"/>
+              </a:cxn>
+              <a:cxn ang="0">
+                <a:pos x="connsiteX31" y="connsiteY31"/>
+              </a:cxn>
+              <a:cxn ang="0">
+                <a:pos x="connsiteX32" y="connsiteY32"/>
+              </a:cxn>
+              <a:cxn ang="0">
+                <a:pos x="connsiteX33" y="connsiteY33"/>
+              </a:cxn>
+              <a:cxn ang="0">
+                <a:pos x="connsiteX34" y="connsiteY34"/>
+              </a:cxn>
+              <a:cxn ang="0">
+                <a:pos x="connsiteX35" y="connsiteY35"/>
+              </a:cxn>
+            </a:cxnLst>
+            <a:rect l="l" t="t" r="r" b="b"/>
+            <a:pathLst>
+              <a:path w="559472" h="3709642">
+                <a:moveTo>
+                  <a:pt x="0" y="0"/>
+                </a:moveTo>
+                <a:lnTo>
+                  <a:pt x="473952" y="0"/>
+                </a:lnTo>
+                <a:lnTo>
+                  <a:pt x="485840" y="161194"/>
+                </a:lnTo>
+                <a:cubicBezTo>
+                  <a:pt x="552063" y="1147770"/>
+                  <a:pt x="592441" y="3086737"/>
+                  <a:pt x="523949" y="3672197"/>
+                </a:cubicBezTo>
+                <a:cubicBezTo>
+                  <a:pt x="500842" y="3684557"/>
+                  <a:pt x="477855" y="3697282"/>
+                  <a:pt x="454748" y="3709642"/>
+                </a:cubicBezTo>
+                <a:lnTo>
+                  <a:pt x="448224" y="3510471"/>
+                </a:lnTo>
+                <a:lnTo>
+                  <a:pt x="443564" y="3408563"/>
+                </a:lnTo>
+                <a:lnTo>
+                  <a:pt x="438902" y="3304407"/>
+                </a:lnTo>
+                <a:lnTo>
+                  <a:pt x="433941" y="3198777"/>
+                </a:lnTo>
+                <a:lnTo>
+                  <a:pt x="427584" y="3092510"/>
+                </a:lnTo>
+                <a:lnTo>
+                  <a:pt x="420988" y="2984390"/>
+                </a:lnTo>
+                <a:lnTo>
+                  <a:pt x="414330" y="2874401"/>
+                </a:lnTo>
+                <a:lnTo>
+                  <a:pt x="406840" y="2762980"/>
+                </a:lnTo>
+                <a:lnTo>
+                  <a:pt x="397745" y="2650566"/>
+                </a:lnTo>
+                <a:lnTo>
+                  <a:pt x="389154" y="2536612"/>
+                </a:lnTo>
+                <a:lnTo>
+                  <a:pt x="379225" y="2421642"/>
+                </a:lnTo>
+                <a:lnTo>
+                  <a:pt x="368316" y="2305627"/>
+                </a:lnTo>
+                <a:lnTo>
+                  <a:pt x="357466" y="2189233"/>
+                </a:lnTo>
+                <a:lnTo>
+                  <a:pt x="344982" y="2071473"/>
+                </a:lnTo>
+                <a:lnTo>
+                  <a:pt x="332466" y="1952216"/>
+                </a:lnTo>
+                <a:lnTo>
+                  <a:pt x="319121" y="1833776"/>
+                </a:lnTo>
+                <a:lnTo>
+                  <a:pt x="304408" y="1713948"/>
+                </a:lnTo>
+                <a:lnTo>
+                  <a:pt x="288685" y="1592703"/>
+                </a:lnTo>
+                <a:lnTo>
+                  <a:pt x="273050" y="1471451"/>
+                </a:lnTo>
+                <a:lnTo>
+                  <a:pt x="255813" y="1350328"/>
+                </a:lnTo>
+                <a:lnTo>
+                  <a:pt x="237060" y="1227080"/>
+                </a:lnTo>
+                <a:lnTo>
+                  <a:pt x="218488" y="1106065"/>
+                </a:lnTo>
+                <a:lnTo>
+                  <a:pt x="198221" y="982940"/>
+                </a:lnTo>
+                <a:lnTo>
+                  <a:pt x="177152" y="858755"/>
+                </a:lnTo>
+                <a:lnTo>
+                  <a:pt x="155551" y="736861"/>
+                </a:lnTo>
+                <a:lnTo>
+                  <a:pt x="131782" y="613645"/>
+                </a:lnTo>
+                <a:lnTo>
+                  <a:pt x="107123" y="490500"/>
+                </a:lnTo>
+                <a:lnTo>
+                  <a:pt x="82552" y="367348"/>
+                </a:lnTo>
+                <a:lnTo>
+                  <a:pt x="55608" y="244762"/>
+                </a:lnTo>
+                <a:lnTo>
+                  <a:pt x="28130" y="122220"/>
+                </a:lnTo>
+                <a:lnTo>
+                  <a:pt x="0" y="0"/>
+                </a:lnTo>
+                <a:close/>
+              </a:path>
+            </a:pathLst>
+          </a:custGeom>
+          <a:solidFill>
+            <a:schemeClr val="tx1">
+              <a:alpha val="20000"/>
+            </a:schemeClr>
+          </a:solidFill>
+          <a:ln>
+            <a:noFill/>
+          </a:ln>
+        </p:spPr>
+        <p:txBody>
+          <a:bodyPr rtlCol="0" anchor="ctr"/>
+          <a:lstStyle/>
+          <a:p>
+            <a:pPr algn="ctr"/>
+            <a:endParaRPr lang="en-US"/>
+          </a:p>
+        </p:txBody>
+      </p:sp>
+      <p:pic>
+        <p:nvPicPr>
+          <p:cNvPr id="5" name="Billede 4">
+            <a:extLst>
+              <a:ext uri="{FF2B5EF4-FFF2-40B4-BE49-F238E27FC236}">
+                <a16:creationId xmlns:a16="http://schemas.microsoft.com/office/drawing/2014/main" id="{8F776517-BFFA-1614-EB37-7A0F5055C4AB}"/>
+              </a:ext>
+            </a:extLst>
+          </p:cNvPr>
+          <p:cNvPicPr>
+            <a:picLocks noChangeAspect="1"/>
+          </p:cNvPicPr>
+          <p:nvPr/>
+        </p:nvPicPr>
+        <p:blipFill>
+          <a:blip r:embed="rId7"/>
+          <a:srcRect t="6231" r="1" b="1"/>
+          <a:stretch/>
+        </p:blipFill>
+        <p:spPr>
+          <a:xfrm>
+            <a:off x="20" y="10"/>
+            <a:ext cx="7759920" cy="6857991"/>
+          </a:xfrm>
+          <a:custGeom>
+            <a:avLst/>
+            <a:gdLst/>
+            <a:ahLst/>
+            <a:cxnLst/>
+            <a:rect l="l" t="t" r="r" b="b"/>
+            <a:pathLst>
+              <a:path w="7759940" h="6858001">
+                <a:moveTo>
+                  <a:pt x="0" y="0"/>
+                </a:moveTo>
+                <a:lnTo>
+                  <a:pt x="1296537" y="0"/>
+                </a:lnTo>
+                <a:lnTo>
+                  <a:pt x="1296537" y="1"/>
+                </a:lnTo>
+                <a:lnTo>
+                  <a:pt x="6415225" y="1"/>
+                </a:lnTo>
+                <a:lnTo>
+                  <a:pt x="6415225" y="0"/>
+                </a:lnTo>
+                <a:lnTo>
+                  <a:pt x="7758763" y="0"/>
+                </a:lnTo>
+                <a:lnTo>
+                  <a:pt x="7733718" y="155677"/>
+                </a:lnTo>
+                <a:lnTo>
+                  <a:pt x="7709849" y="310668"/>
+                </a:lnTo>
+                <a:lnTo>
+                  <a:pt x="7686485" y="466344"/>
+                </a:lnTo>
+                <a:lnTo>
+                  <a:pt x="7666482" y="622707"/>
+                </a:lnTo>
+                <a:lnTo>
+                  <a:pt x="7646311" y="778383"/>
+                </a:lnTo>
+                <a:lnTo>
+                  <a:pt x="7627485" y="934746"/>
+                </a:lnTo>
+                <a:lnTo>
+                  <a:pt x="7611349" y="1089051"/>
+                </a:lnTo>
+                <a:lnTo>
+                  <a:pt x="7596053" y="1245413"/>
+                </a:lnTo>
+                <a:lnTo>
+                  <a:pt x="7582101" y="1401090"/>
+                </a:lnTo>
+                <a:lnTo>
+                  <a:pt x="7569999" y="1554023"/>
+                </a:lnTo>
+                <a:lnTo>
+                  <a:pt x="7557896" y="1709014"/>
+                </a:lnTo>
+                <a:lnTo>
+                  <a:pt x="7547811" y="1861947"/>
+                </a:lnTo>
+                <a:lnTo>
+                  <a:pt x="7539911" y="2014881"/>
+                </a:lnTo>
+                <a:lnTo>
+                  <a:pt x="7531674" y="2167128"/>
+                </a:lnTo>
+                <a:lnTo>
+                  <a:pt x="7524783" y="2318004"/>
+                </a:lnTo>
+                <a:lnTo>
+                  <a:pt x="7519908" y="2467509"/>
+                </a:lnTo>
+                <a:lnTo>
+                  <a:pt x="7515706" y="2617013"/>
+                </a:lnTo>
+                <a:lnTo>
+                  <a:pt x="7511672" y="2765146"/>
+                </a:lnTo>
+                <a:lnTo>
+                  <a:pt x="7509823" y="2911221"/>
+                </a:lnTo>
+                <a:lnTo>
+                  <a:pt x="7507806" y="3057297"/>
+                </a:lnTo>
+                <a:lnTo>
+                  <a:pt x="7506797" y="3201315"/>
+                </a:lnTo>
+                <a:lnTo>
+                  <a:pt x="7507806" y="3343961"/>
+                </a:lnTo>
+                <a:lnTo>
+                  <a:pt x="7507806" y="3485236"/>
+                </a:lnTo>
+                <a:lnTo>
+                  <a:pt x="7509823" y="3625139"/>
+                </a:lnTo>
+                <a:lnTo>
+                  <a:pt x="7512848" y="3762299"/>
+                </a:lnTo>
+                <a:lnTo>
+                  <a:pt x="7515706" y="3898087"/>
+                </a:lnTo>
+                <a:lnTo>
+                  <a:pt x="7518900" y="4031133"/>
+                </a:lnTo>
+                <a:lnTo>
+                  <a:pt x="7523774" y="4163492"/>
+                </a:lnTo>
+                <a:lnTo>
+                  <a:pt x="7528985" y="4293793"/>
+                </a:lnTo>
+                <a:lnTo>
+                  <a:pt x="7533691" y="4421352"/>
+                </a:lnTo>
+                <a:lnTo>
+                  <a:pt x="7546971" y="4670298"/>
+                </a:lnTo>
+                <a:lnTo>
+                  <a:pt x="7561090" y="4908956"/>
+                </a:lnTo>
+                <a:lnTo>
+                  <a:pt x="7575882" y="5138013"/>
+                </a:lnTo>
+                <a:lnTo>
+                  <a:pt x="7592187" y="5354726"/>
+                </a:lnTo>
+                <a:lnTo>
+                  <a:pt x="7609164" y="5561838"/>
+                </a:lnTo>
+                <a:lnTo>
+                  <a:pt x="7627485" y="5753862"/>
+                </a:lnTo>
+                <a:lnTo>
+                  <a:pt x="7645471" y="5934227"/>
+                </a:lnTo>
+                <a:lnTo>
+                  <a:pt x="7663456" y="6100191"/>
+                </a:lnTo>
+                <a:lnTo>
+                  <a:pt x="7680433" y="6252438"/>
+                </a:lnTo>
+                <a:lnTo>
+                  <a:pt x="7696570" y="6387541"/>
+                </a:lnTo>
+                <a:lnTo>
+                  <a:pt x="7711866" y="6509613"/>
+                </a:lnTo>
+                <a:lnTo>
+                  <a:pt x="7724641" y="6612483"/>
+                </a:lnTo>
+                <a:lnTo>
+                  <a:pt x="7736743" y="6698894"/>
+                </a:lnTo>
+                <a:lnTo>
+                  <a:pt x="7754057" y="6817538"/>
+                </a:lnTo>
+                <a:lnTo>
+                  <a:pt x="7759940" y="6858000"/>
+                </a:lnTo>
+                <a:lnTo>
+                  <a:pt x="6854586" y="6858000"/>
+                </a:lnTo>
+                <a:lnTo>
+                  <a:pt x="6854586" y="6858001"/>
+                </a:lnTo>
+                <a:lnTo>
+                  <a:pt x="764022" y="6858001"/>
+                </a:lnTo>
+                <a:lnTo>
+                  <a:pt x="764022" y="6858000"/>
+                </a:lnTo>
+                <a:lnTo>
+                  <a:pt x="0" y="6858000"/>
+                </a:lnTo>
+                <a:close/>
+              </a:path>
+            </a:pathLst>
+          </a:custGeom>
+        </p:spPr>
+      </p:pic>
+      <p:sp>
+        <p:nvSpPr>
+          <p:cNvPr id="26" name="Rectangle 25">
+            <a:extLst>
+              <a:ext uri="{FF2B5EF4-FFF2-40B4-BE49-F238E27FC236}">
+                <a16:creationId xmlns:a16="http://schemas.microsoft.com/office/drawing/2014/main" id="{630182B0-3559-41D5-9EBC-0BD86BEDAD09}"/>
               </a:ext>
               <a:ext uri="{C183D7F6-B498-43B3-948B-1728B52AA6E4}">
                 <adec:decorative xmlns:adec="http://schemas.microsoft.com/office/drawing/2017/decorative" val="1"/>
@@ -27451,13 +29121,105 @@
     </p:spTree>
     <p:extLst>
       <p:ext uri="{BB962C8B-B14F-4D97-AF65-F5344CB8AC3E}">
-        <p14:creationId xmlns:p14="http://schemas.microsoft.com/office/powerpoint/2010/main" val="803414249"/>
+        <p14:creationId xmlns:p14="http://schemas.microsoft.com/office/powerpoint/2010/main" val="920887314"/>
       </p:ext>
     </p:extLst>
   </p:cSld>
   <p:clrMapOvr>
     <a:masterClrMapping/>
   </p:clrMapOvr>
+  <p:timing>
+    <p:tnLst>
+      <p:par>
+        <p:cTn id="1" dur="indefinite" restart="never" nodeType="tmRoot">
+          <p:childTnLst>
+            <p:seq concurrent="1" nextAc="seek">
+              <p:cTn id="2" dur="indefinite" nodeType="mainSeq">
+                <p:childTnLst>
+                  <p:par>
+                    <p:cTn id="3" fill="hold">
+                      <p:stCondLst>
+                        <p:cond delay="indefinite"/>
+                        <p:cond evt="onBegin" delay="0">
+                          <p:tn val="2"/>
+                        </p:cond>
+                      </p:stCondLst>
+                      <p:childTnLst>
+                        <p:par>
+                          <p:cTn id="4" fill="hold">
+                            <p:stCondLst>
+                              <p:cond delay="0"/>
+                            </p:stCondLst>
+                            <p:childTnLst>
+                              <p:par>
+                                <p:cTn id="5" presetID="10" presetClass="entr" presetSubtype="0" fill="hold" grpId="0" nodeType="withEffect">
+                                  <p:stCondLst>
+                                    <p:cond delay="1000"/>
+                                  </p:stCondLst>
+                                  <p:iterate>
+                                    <p:tmPct val="10000"/>
+                                  </p:iterate>
+                                  <p:childTnLst>
+                                    <p:set>
+                                      <p:cBhvr>
+                                        <p:cTn id="6" dur="1" fill="hold">
+                                          <p:stCondLst>
+                                            <p:cond delay="0"/>
+                                          </p:stCondLst>
+                                        </p:cTn>
+                                        <p:tgtEl>
+                                          <p:spTgt spid="2"/>
+                                        </p:tgtEl>
+                                        <p:attrNameLst>
+                                          <p:attrName>style.visibility</p:attrName>
+                                        </p:attrNameLst>
+                                      </p:cBhvr>
+                                      <p:to>
+                                        <p:strVal val="visible"/>
+                                      </p:to>
+                                    </p:set>
+                                    <p:animEffect transition="in" filter="fade">
+                                      <p:cBhvr>
+                                        <p:cTn id="7" dur="700"/>
+                                        <p:tgtEl>
+                                          <p:spTgt spid="2"/>
+                                        </p:tgtEl>
+                                      </p:cBhvr>
+                                    </p:animEffect>
+                                  </p:childTnLst>
+                                </p:cTn>
+                              </p:par>
+                            </p:childTnLst>
+                          </p:cTn>
+                        </p:par>
+                      </p:childTnLst>
+                    </p:cTn>
+                  </p:par>
+                </p:childTnLst>
+              </p:cTn>
+              <p:prevCondLst>
+                <p:cond evt="onPrev" delay="0">
+                  <p:tgtEl>
+                    <p:sldTgt/>
+                  </p:tgtEl>
+                </p:cond>
+              </p:prevCondLst>
+              <p:nextCondLst>
+                <p:cond evt="onNext" delay="0">
+                  <p:tgtEl>
+                    <p:sldTgt/>
+                  </p:tgtEl>
+                </p:cond>
+              </p:nextCondLst>
+            </p:seq>
+          </p:childTnLst>
+        </p:cTn>
+      </p:par>
+    </p:tnLst>
+    <p:bldLst>
+      <p:bldP spid="2" grpId="0"/>
+    </p:bldLst>
+  </p:timing>
 </p:sld>
 </file>
 
@@ -27827,10 +29589,10 @@
       </p:sp>
       <p:pic>
         <p:nvPicPr>
-          <p:cNvPr id="5" name="Picture 4" descr="Pen, der er placeret oven på en signaturlinje">
+          <p:cNvPr id="5" name="Picture 4">
             <a:extLst>
               <a:ext uri="{FF2B5EF4-FFF2-40B4-BE49-F238E27FC236}">
-                <a16:creationId xmlns:a16="http://schemas.microsoft.com/office/drawing/2014/main" id="{CF6E829C-B299-A01B-51BB-6ED783FFD5A5}"/>
+                <a16:creationId xmlns:a16="http://schemas.microsoft.com/office/drawing/2014/main" id="{8763992F-AE51-B85B-CCEF-6887535B16B9}"/>
               </a:ext>
             </a:extLst>
           </p:cNvPr>
@@ -27850,7 +29612,7 @@
             </a:duotone>
             <a:alphaModFix amt="25000"/>
           </a:blip>
-          <a:srcRect t="8023" b="7707"/>
+          <a:srcRect t="20495"/>
           <a:stretch/>
         </p:blipFill>
         <p:spPr>
@@ -27868,7 +29630,7 @@
           <p:cNvPr id="2" name="Titel 1">
             <a:extLst>
               <a:ext uri="{FF2B5EF4-FFF2-40B4-BE49-F238E27FC236}">
-                <a16:creationId xmlns:a16="http://schemas.microsoft.com/office/drawing/2014/main" id="{89DE6C0D-A385-46ED-DA22-2166CEF74990}"/>
+                <a16:creationId xmlns:a16="http://schemas.microsoft.com/office/drawing/2014/main" id="{E33EE121-CBA7-372B-5DFC-3A49D17D9F2E}"/>
               </a:ext>
             </a:extLst>
           </p:cNvPr>
@@ -27893,7 +29655,7 @@
           <a:p>
             <a:r>
               <a:rPr lang="en-US" sz="7200"/>
-              <a:t>Gennemgang af RC modtager</a:t>
+              <a:t>Gennemgang af RC sender</a:t>
             </a:r>
           </a:p>
         </p:txBody>
@@ -27961,7 +29723,7 @@
     </p:spTree>
     <p:extLst>
       <p:ext uri="{BB962C8B-B14F-4D97-AF65-F5344CB8AC3E}">
-        <p14:creationId xmlns:p14="http://schemas.microsoft.com/office/powerpoint/2010/main" val="3837220164"/>
+        <p14:creationId xmlns:p14="http://schemas.microsoft.com/office/powerpoint/2010/main" val="803414249"/>
       </p:ext>
     </p:extLst>
   </p:cSld>
@@ -27971,7 +29733,7 @@
 </p:sld>
 </file>
 
-<file path=ppt/slides/slide3.xml><?xml version="1.0" encoding="utf-8"?>
+<file path=ppt/slides/slide27.xml><?xml version="1.0" encoding="utf-8"?>
 <p:sld xmlns:a="http://schemas.openxmlformats.org/drawingml/2006/main" xmlns:r="http://schemas.openxmlformats.org/officeDocument/2006/relationships" xmlns:p="http://schemas.openxmlformats.org/presentationml/2006/main">
   <p:cSld>
     <p:bg>
@@ -28014,7 +29776,7 @@
       </p:grpSpPr>
       <p:pic>
         <p:nvPicPr>
-          <p:cNvPr id="10" name="Picture 9">
+          <p:cNvPr id="9" name="Picture 8">
             <a:extLst>
               <a:ext uri="{FF2B5EF4-FFF2-40B4-BE49-F238E27FC236}">
                 <a16:creationId xmlns:a16="http://schemas.microsoft.com/office/drawing/2014/main" id="{DF19BAF3-7E20-4B9D-B544-BABAEEA1FA75}"/>
@@ -28058,7 +29820,7 @@
       </p:pic>
       <p:pic>
         <p:nvPicPr>
-          <p:cNvPr id="12" name="Picture 11">
+          <p:cNvPr id="11" name="Picture 10">
             <a:extLst>
               <a:ext uri="{FF2B5EF4-FFF2-40B4-BE49-F238E27FC236}">
                 <a16:creationId xmlns:a16="http://schemas.microsoft.com/office/drawing/2014/main" id="{950648F4-ABCD-4DF0-8641-76CFB2354721}"/>
@@ -28102,7 +29864,7 @@
       </p:pic>
       <p:sp>
         <p:nvSpPr>
-          <p:cNvPr id="14" name="Oval 13">
+          <p:cNvPr id="13" name="Oval 12">
             <a:extLst>
               <a:ext uri="{FF2B5EF4-FFF2-40B4-BE49-F238E27FC236}">
                 <a16:creationId xmlns:a16="http://schemas.microsoft.com/office/drawing/2014/main" id="{989BE678-777B-482A-A616-FEDC47B162E5}"/>
@@ -28189,7 +29951,7 @@
       </p:sp>
       <p:pic>
         <p:nvPicPr>
-          <p:cNvPr id="16" name="Picture 15">
+          <p:cNvPr id="15" name="Picture 14">
             <a:extLst>
               <a:ext uri="{FF2B5EF4-FFF2-40B4-BE49-F238E27FC236}">
                 <a16:creationId xmlns:a16="http://schemas.microsoft.com/office/drawing/2014/main" id="{CF1EB4BD-9C7E-4AA3-9681-C7EB0DA6250B}"/>
@@ -28233,7 +29995,7 @@
       </p:pic>
       <p:pic>
         <p:nvPicPr>
-          <p:cNvPr id="18" name="Picture 17">
+          <p:cNvPr id="17" name="Picture 16">
             <a:extLst>
               <a:ext uri="{FF2B5EF4-FFF2-40B4-BE49-F238E27FC236}">
                 <a16:creationId xmlns:a16="http://schemas.microsoft.com/office/drawing/2014/main" id="{94AAE3AA-3759-4D28-B0EF-575F25A5146C}"/>
@@ -28277,7 +30039,7 @@
       </p:pic>
       <p:sp>
         <p:nvSpPr>
-          <p:cNvPr id="20" name="Rectangle 19">
+          <p:cNvPr id="19" name="Rectangle 18">
             <a:extLst>
               <a:ext uri="{FF2B5EF4-FFF2-40B4-BE49-F238E27FC236}">
                 <a16:creationId xmlns:a16="http://schemas.microsoft.com/office/drawing/2014/main" id="{D28BE0C3-2102-4820-B88B-A448B1840D14}"/>
@@ -28335,12 +30097,85 @@
           </a:p>
         </p:txBody>
       </p:sp>
+      <p:pic>
+        <p:nvPicPr>
+          <p:cNvPr id="5" name="Picture 4" descr="Pen, der er placeret oven på en signaturlinje">
+            <a:extLst>
+              <a:ext uri="{FF2B5EF4-FFF2-40B4-BE49-F238E27FC236}">
+                <a16:creationId xmlns:a16="http://schemas.microsoft.com/office/drawing/2014/main" id="{CF6E829C-B299-A01B-51BB-6ED783FFD5A5}"/>
+              </a:ext>
+            </a:extLst>
+          </p:cNvPr>
+          <p:cNvPicPr>
+            <a:picLocks noChangeAspect="1"/>
+          </p:cNvPicPr>
+          <p:nvPr/>
+        </p:nvPicPr>
+        <p:blipFill>
+          <a:blip r:embed="rId7">
+            <a:duotone>
+              <a:prstClr val="black"/>
+              <a:schemeClr val="accent5">
+                <a:tint val="45000"/>
+                <a:satMod val="400000"/>
+              </a:schemeClr>
+            </a:duotone>
+            <a:alphaModFix amt="25000"/>
+          </a:blip>
+          <a:srcRect t="8023" b="7707"/>
+          <a:stretch/>
+        </p:blipFill>
+        <p:spPr>
+          <a:xfrm>
+            <a:off x="20" y="10"/>
+            <a:ext cx="12191980" cy="6857990"/>
+          </a:xfrm>
+          <a:prstGeom prst="rect">
+            <a:avLst/>
+          </a:prstGeom>
+        </p:spPr>
+      </p:pic>
       <p:sp>
         <p:nvSpPr>
-          <p:cNvPr id="22" name="Rectangle 21">
+          <p:cNvPr id="2" name="Titel 1">
             <a:extLst>
               <a:ext uri="{FF2B5EF4-FFF2-40B4-BE49-F238E27FC236}">
-                <a16:creationId xmlns:a16="http://schemas.microsoft.com/office/drawing/2014/main" id="{C8A3C342-1D03-412F-8DD3-BF519E8E0AE9}"/>
+                <a16:creationId xmlns:a16="http://schemas.microsoft.com/office/drawing/2014/main" id="{89DE6C0D-A385-46ED-DA22-2166CEF74990}"/>
+              </a:ext>
+            </a:extLst>
+          </p:cNvPr>
+          <p:cNvSpPr>
+            <a:spLocks noGrp="1"/>
+          </p:cNvSpPr>
+          <p:nvPr>
+            <p:ph type="title"/>
+          </p:nvPr>
+        </p:nvSpPr>
+        <p:spPr>
+          <a:xfrm>
+            <a:off x="1154955" y="1447800"/>
+            <a:ext cx="8825658" cy="3329581"/>
+          </a:xfrm>
+        </p:spPr>
+        <p:txBody>
+          <a:bodyPr vert="horz" lIns="91440" tIns="45720" rIns="91440" bIns="45720" rtlCol="0" anchor="b">
+            <a:normAutofit/>
+          </a:bodyPr>
+          <a:lstStyle/>
+          <a:p>
+            <a:r>
+              <a:rPr lang="en-US" sz="7200"/>
+              <a:t>Gennemgang af RC modtager</a:t>
+            </a:r>
+          </a:p>
+        </p:txBody>
+      </p:sp>
+      <p:sp>
+        <p:nvSpPr>
+          <p:cNvPr id="21" name="Rectangle 20">
+            <a:extLst>
+              <a:ext uri="{FF2B5EF4-FFF2-40B4-BE49-F238E27FC236}">
+                <a16:creationId xmlns:a16="http://schemas.microsoft.com/office/drawing/2014/main" id="{C885E190-58DD-42DD-A4A8-401E15C92A52}"/>
               </a:ext>
               <a:ext uri="{C183D7F6-B498-43B3-948B-1728B52AA6E4}">
                 <adec:decorative xmlns:adec="http://schemas.microsoft.com/office/drawing/2017/decorative" val="1"/>
@@ -28360,26 +30195,27 @@
         </p:nvSpPr>
         <p:spPr>
           <a:xfrm>
-            <a:off x="0" y="0"/>
-            <a:ext cx="12192000" cy="6858000"/>
+            <a:off x="10437812" y="0"/>
+            <a:ext cx="685800" cy="1143000"/>
           </a:xfrm>
           <a:prstGeom prst="rect">
             <a:avLst/>
           </a:prstGeom>
+          <a:solidFill>
+            <a:schemeClr val="accent1"/>
+          </a:solidFill>
           <a:ln>
             <a:noFill/>
           </a:ln>
         </p:spPr>
         <p:style>
-          <a:lnRef idx="2">
-            <a:schemeClr val="accent1">
-              <a:shade val="50000"/>
-            </a:schemeClr>
+          <a:lnRef idx="1">
+            <a:schemeClr val="accent1"/>
           </a:lnRef>
-          <a:fillRef idx="1003">
-            <a:schemeClr val="dk2"/>
+          <a:fillRef idx="3">
+            <a:schemeClr val="accent1"/>
           </a:fillRef>
-          <a:effectRef idx="0">
+          <a:effectRef idx="2">
             <a:schemeClr val="accent1"/>
           </a:effectRef>
           <a:fontRef idx="minor">
@@ -28387,844 +30223,17 @@
           </a:fontRef>
         </p:style>
         <p:txBody>
-          <a:bodyPr rtlCol="0" anchor="ctr"/>
+          <a:bodyPr/>
           <a:lstStyle/>
           <a:p>
-            <a:pPr algn="ctr"/>
-            <a:endParaRPr lang="en-US"/>
+            <a:endParaRPr lang="en-DK"/>
           </a:p>
         </p:txBody>
       </p:sp>
-      <p:sp>
-        <p:nvSpPr>
-          <p:cNvPr id="2" name="Titel 1">
-            <a:extLst>
-              <a:ext uri="{FF2B5EF4-FFF2-40B4-BE49-F238E27FC236}">
-                <a16:creationId xmlns:a16="http://schemas.microsoft.com/office/drawing/2014/main" id="{0E2176DF-A862-76E4-A890-A342F5C32F4F}"/>
-              </a:ext>
-            </a:extLst>
-          </p:cNvPr>
-          <p:cNvSpPr>
-            <a:spLocks noGrp="1"/>
-          </p:cNvSpPr>
-          <p:nvPr>
-            <p:ph type="title"/>
-          </p:nvPr>
-        </p:nvSpPr>
-        <p:spPr>
-          <a:xfrm>
-            <a:off x="648930" y="629266"/>
-            <a:ext cx="6188190" cy="1622321"/>
-          </a:xfrm>
-        </p:spPr>
-        <p:txBody>
-          <a:bodyPr vert="horz" lIns="91440" tIns="45720" rIns="91440" bIns="45720" rtlCol="0" anchor="t">
-            <a:normAutofit/>
-          </a:bodyPr>
-          <a:lstStyle/>
-          <a:p>
-            <a:r>
-              <a:rPr lang="en-US">
-                <a:solidFill>
-                  <a:srgbClr val="EBEBEB"/>
-                </a:solidFill>
-              </a:rPr>
-              <a:t>Agenda</a:t>
-            </a:r>
-          </a:p>
-        </p:txBody>
-      </p:sp>
-      <p:sp>
-        <p:nvSpPr>
-          <p:cNvPr id="4" name="Pladsholder til indhold 3">
-            <a:extLst>
-              <a:ext uri="{FF2B5EF4-FFF2-40B4-BE49-F238E27FC236}">
-                <a16:creationId xmlns:a16="http://schemas.microsoft.com/office/drawing/2014/main" id="{FD901860-CA22-A6E4-4A3F-1B211F20A5AD}"/>
-              </a:ext>
-            </a:extLst>
-          </p:cNvPr>
-          <p:cNvSpPr>
-            <a:spLocks noGrp="1"/>
-          </p:cNvSpPr>
-          <p:nvPr>
-            <p:ph sz="half" idx="2"/>
-          </p:nvPr>
-        </p:nvSpPr>
-        <p:spPr>
-          <a:xfrm>
-            <a:off x="648930" y="2438400"/>
-            <a:ext cx="6188189" cy="3785419"/>
-          </a:xfrm>
-        </p:spPr>
-        <p:txBody>
-          <a:bodyPr vert="horz" lIns="91440" tIns="45720" rIns="91440" bIns="45720" rtlCol="0">
-            <a:normAutofit lnSpcReduction="10000"/>
-          </a:bodyPr>
-          <a:lstStyle/>
-          <a:p>
-            <a:r>
-              <a:rPr lang="en-US" dirty="0" err="1">
-                <a:solidFill>
-                  <a:srgbClr val="FFFFFF"/>
-                </a:solidFill>
-              </a:rPr>
-              <a:t>Diagramopsætning</a:t>
-            </a:r>
-            <a:endParaRPr lang="en-US" dirty="0">
-              <a:solidFill>
-                <a:srgbClr val="FFFFFF"/>
-              </a:solidFill>
-            </a:endParaRPr>
-          </a:p>
-          <a:p>
-            <a:r>
-              <a:rPr lang="en-US" dirty="0" err="1">
-                <a:solidFill>
-                  <a:srgbClr val="FFFFFF"/>
-                </a:solidFill>
-              </a:rPr>
-              <a:t>Gennemgang</a:t>
-            </a:r>
-            <a:r>
-              <a:rPr lang="en-US" dirty="0">
-                <a:solidFill>
-                  <a:srgbClr val="FFFFFF"/>
-                </a:solidFill>
-              </a:rPr>
-              <a:t> </a:t>
-            </a:r>
-            <a:r>
-              <a:rPr lang="en-US" dirty="0" err="1">
-                <a:solidFill>
-                  <a:srgbClr val="FFFFFF"/>
-                </a:solidFill>
-              </a:rPr>
-              <a:t>af</a:t>
-            </a:r>
-            <a:r>
-              <a:rPr lang="en-US" dirty="0">
-                <a:solidFill>
-                  <a:srgbClr val="FFFFFF"/>
-                </a:solidFill>
-              </a:rPr>
-              <a:t> </a:t>
-            </a:r>
-            <a:r>
-              <a:rPr lang="en-US" dirty="0" err="1">
-                <a:solidFill>
-                  <a:srgbClr val="FFFFFF"/>
-                </a:solidFill>
-              </a:rPr>
-              <a:t>fjernbetjenning</a:t>
-            </a:r>
-            <a:endParaRPr lang="en-US" dirty="0">
-              <a:solidFill>
-                <a:srgbClr val="FFFFFF"/>
-              </a:solidFill>
-            </a:endParaRPr>
-          </a:p>
-          <a:p>
-            <a:r>
-              <a:rPr lang="en-US" dirty="0">
-                <a:solidFill>
-                  <a:srgbClr val="FFFFFF"/>
-                </a:solidFill>
-              </a:rPr>
-              <a:t>Layout editor</a:t>
-            </a:r>
-          </a:p>
-          <a:p>
-            <a:r>
-              <a:rPr lang="en-US" dirty="0" err="1">
-                <a:solidFill>
-                  <a:srgbClr val="FFFFFF"/>
-                </a:solidFill>
-              </a:rPr>
-              <a:t>Gennemgang</a:t>
-            </a:r>
-            <a:r>
-              <a:rPr lang="en-US" dirty="0">
-                <a:solidFill>
-                  <a:srgbClr val="FFFFFF"/>
-                </a:solidFill>
-              </a:rPr>
-              <a:t> </a:t>
-            </a:r>
-            <a:r>
-              <a:rPr lang="en-US" dirty="0" err="1">
-                <a:solidFill>
-                  <a:srgbClr val="FFFFFF"/>
-                </a:solidFill>
-              </a:rPr>
-              <a:t>af</a:t>
-            </a:r>
-            <a:r>
-              <a:rPr lang="en-US" dirty="0">
-                <a:solidFill>
-                  <a:srgbClr val="FFFFFF"/>
-                </a:solidFill>
-              </a:rPr>
-              <a:t> Layout</a:t>
-            </a:r>
-          </a:p>
-          <a:p>
-            <a:r>
-              <a:rPr lang="en-US" dirty="0">
-                <a:solidFill>
-                  <a:srgbClr val="FFFFFF"/>
-                </a:solidFill>
-              </a:rPr>
-              <a:t>3D-visning</a:t>
-            </a:r>
-            <a:endParaRPr lang="en-DK" dirty="0">
-              <a:solidFill>
-                <a:srgbClr val="FFFFFF"/>
-              </a:solidFill>
-            </a:endParaRPr>
-          </a:p>
-          <a:p>
-            <a:r>
-              <a:rPr lang="en-DK" dirty="0">
-                <a:solidFill>
-                  <a:srgbClr val="FFFFFF"/>
-                </a:solidFill>
-              </a:rPr>
-              <a:t>ESP32</a:t>
-            </a:r>
-          </a:p>
-          <a:p>
-            <a:pPr lvl="1"/>
-            <a:r>
-              <a:rPr lang="en-DK" dirty="0">
-                <a:solidFill>
-                  <a:srgbClr val="FFFFFF"/>
-                </a:solidFill>
-              </a:rPr>
-              <a:t>Serial</a:t>
-            </a:r>
-          </a:p>
-          <a:p>
-            <a:pPr lvl="1"/>
-            <a:r>
-              <a:rPr lang="en-DK" dirty="0">
-                <a:solidFill>
-                  <a:srgbClr val="FFFFFF"/>
-                </a:solidFill>
-              </a:rPr>
-              <a:t>GPIO</a:t>
-            </a:r>
-          </a:p>
-          <a:p>
-            <a:pPr lvl="1"/>
-            <a:r>
-              <a:rPr lang="en-DK" dirty="0" err="1">
-                <a:solidFill>
-                  <a:srgbClr val="FFFFFF"/>
-                </a:solidFill>
-              </a:rPr>
-              <a:t>ESPnow</a:t>
-            </a:r>
-            <a:endParaRPr lang="en-DK" dirty="0">
-              <a:solidFill>
-                <a:srgbClr val="FFFFFF"/>
-              </a:solidFill>
-            </a:endParaRPr>
-          </a:p>
-          <a:p>
-            <a:pPr lvl="1"/>
-            <a:r>
-              <a:rPr lang="en-DK" dirty="0" err="1">
-                <a:solidFill>
-                  <a:srgbClr val="FFFFFF"/>
-                </a:solidFill>
-              </a:rPr>
-              <a:t>Gennemgang</a:t>
-            </a:r>
-            <a:r>
-              <a:rPr lang="en-DK" dirty="0">
-                <a:solidFill>
-                  <a:srgbClr val="FFFFFF"/>
-                </a:solidFill>
-              </a:rPr>
-              <a:t> </a:t>
-            </a:r>
-            <a:r>
-              <a:rPr lang="en-DK" dirty="0" err="1">
-                <a:solidFill>
-                  <a:srgbClr val="FFFFFF"/>
-                </a:solidFill>
-              </a:rPr>
-              <a:t>af</a:t>
-            </a:r>
-            <a:r>
-              <a:rPr lang="en-DK" dirty="0">
-                <a:solidFill>
-                  <a:srgbClr val="FFFFFF"/>
-                </a:solidFill>
-              </a:rPr>
-              <a:t> RC program</a:t>
-            </a:r>
-          </a:p>
-          <a:p>
-            <a:pPr marL="0" indent="0"/>
-            <a:endParaRPr lang="en-US" dirty="0">
-              <a:solidFill>
-                <a:srgbClr val="FFFFFF"/>
-              </a:solidFill>
-            </a:endParaRPr>
-          </a:p>
-        </p:txBody>
-      </p:sp>
-      <p:sp>
-        <p:nvSpPr>
-          <p:cNvPr id="24" name="Freeform 31">
-            <a:extLst>
-              <a:ext uri="{FF2B5EF4-FFF2-40B4-BE49-F238E27FC236}">
-                <a16:creationId xmlns:a16="http://schemas.microsoft.com/office/drawing/2014/main" id="{81CC9B02-E087-4350-AEBD-2C3CF001AF01}"/>
-              </a:ext>
-              <a:ext uri="{C183D7F6-B498-43B3-948B-1728B52AA6E4}">
-                <adec:decorative xmlns:adec="http://schemas.microsoft.com/office/drawing/2017/decorative" val="1"/>
-              </a:ext>
-            </a:extLst>
-          </p:cNvPr>
-          <p:cNvSpPr>
-            <a:spLocks noGrp="1" noRot="1" noChangeAspect="1" noMove="1" noResize="1" noEditPoints="1" noAdjustHandles="1" noChangeArrowheads="1" noChangeShapeType="1" noTextEdit="1"/>
-          </p:cNvSpPr>
-          <p:nvPr>
-            <p:extLst>
-              <p:ext uri="{386F3935-93C4-4BCD-93E2-E3B085C9AB24}">
-                <p16:designElem xmlns:p16="http://schemas.microsoft.com/office/powerpoint/2015/main" val="1"/>
-              </p:ext>
-            </p:extLst>
-          </p:nvPr>
-        </p:nvSpPr>
-        <p:spPr>
-          <a:xfrm>
-            <a:off x="7015974" y="-1"/>
-            <a:ext cx="559472" cy="3709642"/>
-          </a:xfrm>
-          <a:custGeom>
-            <a:avLst/>
-            <a:gdLst>
-              <a:gd name="connsiteX0" fmla="*/ 0 w 559472"/>
-              <a:gd name="connsiteY0" fmla="*/ 0 h 3709642"/>
-              <a:gd name="connsiteX1" fmla="*/ 473952 w 559472"/>
-              <a:gd name="connsiteY1" fmla="*/ 0 h 3709642"/>
-              <a:gd name="connsiteX2" fmla="*/ 485840 w 559472"/>
-              <a:gd name="connsiteY2" fmla="*/ 161194 h 3709642"/>
-              <a:gd name="connsiteX3" fmla="*/ 523949 w 559472"/>
-              <a:gd name="connsiteY3" fmla="*/ 3672197 h 3709642"/>
-              <a:gd name="connsiteX4" fmla="*/ 454748 w 559472"/>
-              <a:gd name="connsiteY4" fmla="*/ 3709642 h 3709642"/>
-              <a:gd name="connsiteX5" fmla="*/ 448224 w 559472"/>
-              <a:gd name="connsiteY5" fmla="*/ 3510471 h 3709642"/>
-              <a:gd name="connsiteX6" fmla="*/ 443564 w 559472"/>
-              <a:gd name="connsiteY6" fmla="*/ 3408563 h 3709642"/>
-              <a:gd name="connsiteX7" fmla="*/ 438902 w 559472"/>
-              <a:gd name="connsiteY7" fmla="*/ 3304407 h 3709642"/>
-              <a:gd name="connsiteX8" fmla="*/ 433941 w 559472"/>
-              <a:gd name="connsiteY8" fmla="*/ 3198777 h 3709642"/>
-              <a:gd name="connsiteX9" fmla="*/ 427584 w 559472"/>
-              <a:gd name="connsiteY9" fmla="*/ 3092510 h 3709642"/>
-              <a:gd name="connsiteX10" fmla="*/ 420988 w 559472"/>
-              <a:gd name="connsiteY10" fmla="*/ 2984390 h 3709642"/>
-              <a:gd name="connsiteX11" fmla="*/ 414330 w 559472"/>
-              <a:gd name="connsiteY11" fmla="*/ 2874401 h 3709642"/>
-              <a:gd name="connsiteX12" fmla="*/ 406840 w 559472"/>
-              <a:gd name="connsiteY12" fmla="*/ 2762980 h 3709642"/>
-              <a:gd name="connsiteX13" fmla="*/ 397745 w 559472"/>
-              <a:gd name="connsiteY13" fmla="*/ 2650566 h 3709642"/>
-              <a:gd name="connsiteX14" fmla="*/ 389154 w 559472"/>
-              <a:gd name="connsiteY14" fmla="*/ 2536612 h 3709642"/>
-              <a:gd name="connsiteX15" fmla="*/ 379225 w 559472"/>
-              <a:gd name="connsiteY15" fmla="*/ 2421642 h 3709642"/>
-              <a:gd name="connsiteX16" fmla="*/ 368316 w 559472"/>
-              <a:gd name="connsiteY16" fmla="*/ 2305627 h 3709642"/>
-              <a:gd name="connsiteX17" fmla="*/ 357466 w 559472"/>
-              <a:gd name="connsiteY17" fmla="*/ 2189233 h 3709642"/>
-              <a:gd name="connsiteX18" fmla="*/ 344982 w 559472"/>
-              <a:gd name="connsiteY18" fmla="*/ 2071473 h 3709642"/>
-              <a:gd name="connsiteX19" fmla="*/ 332466 w 559472"/>
-              <a:gd name="connsiteY19" fmla="*/ 1952216 h 3709642"/>
-              <a:gd name="connsiteX20" fmla="*/ 319121 w 559472"/>
-              <a:gd name="connsiteY20" fmla="*/ 1833776 h 3709642"/>
-              <a:gd name="connsiteX21" fmla="*/ 304408 w 559472"/>
-              <a:gd name="connsiteY21" fmla="*/ 1713948 h 3709642"/>
-              <a:gd name="connsiteX22" fmla="*/ 288685 w 559472"/>
-              <a:gd name="connsiteY22" fmla="*/ 1592703 h 3709642"/>
-              <a:gd name="connsiteX23" fmla="*/ 273050 w 559472"/>
-              <a:gd name="connsiteY23" fmla="*/ 1471451 h 3709642"/>
-              <a:gd name="connsiteX24" fmla="*/ 255813 w 559472"/>
-              <a:gd name="connsiteY24" fmla="*/ 1350328 h 3709642"/>
-              <a:gd name="connsiteX25" fmla="*/ 237060 w 559472"/>
-              <a:gd name="connsiteY25" fmla="*/ 1227080 h 3709642"/>
-              <a:gd name="connsiteX26" fmla="*/ 218488 w 559472"/>
-              <a:gd name="connsiteY26" fmla="*/ 1106065 h 3709642"/>
-              <a:gd name="connsiteX27" fmla="*/ 198221 w 559472"/>
-              <a:gd name="connsiteY27" fmla="*/ 982940 h 3709642"/>
-              <a:gd name="connsiteX28" fmla="*/ 177152 w 559472"/>
-              <a:gd name="connsiteY28" fmla="*/ 858755 h 3709642"/>
-              <a:gd name="connsiteX29" fmla="*/ 155551 w 559472"/>
-              <a:gd name="connsiteY29" fmla="*/ 736861 h 3709642"/>
-              <a:gd name="connsiteX30" fmla="*/ 131782 w 559472"/>
-              <a:gd name="connsiteY30" fmla="*/ 613645 h 3709642"/>
-              <a:gd name="connsiteX31" fmla="*/ 107123 w 559472"/>
-              <a:gd name="connsiteY31" fmla="*/ 490500 h 3709642"/>
-              <a:gd name="connsiteX32" fmla="*/ 82552 w 559472"/>
-              <a:gd name="connsiteY32" fmla="*/ 367348 h 3709642"/>
-              <a:gd name="connsiteX33" fmla="*/ 55608 w 559472"/>
-              <a:gd name="connsiteY33" fmla="*/ 244762 h 3709642"/>
-              <a:gd name="connsiteX34" fmla="*/ 28130 w 559472"/>
-              <a:gd name="connsiteY34" fmla="*/ 122220 h 3709642"/>
-              <a:gd name="connsiteX35" fmla="*/ 0 w 559472"/>
-              <a:gd name="connsiteY35" fmla="*/ 0 h 3709642"/>
-            </a:gdLst>
-            <a:ahLst/>
-            <a:cxnLst>
-              <a:cxn ang="0">
-                <a:pos x="connsiteX0" y="connsiteY0"/>
-              </a:cxn>
-              <a:cxn ang="0">
-                <a:pos x="connsiteX1" y="connsiteY1"/>
-              </a:cxn>
-              <a:cxn ang="0">
-                <a:pos x="connsiteX2" y="connsiteY2"/>
-              </a:cxn>
-              <a:cxn ang="0">
-                <a:pos x="connsiteX3" y="connsiteY3"/>
-              </a:cxn>
-              <a:cxn ang="0">
-                <a:pos x="connsiteX4" y="connsiteY4"/>
-              </a:cxn>
-              <a:cxn ang="0">
-                <a:pos x="connsiteX5" y="connsiteY5"/>
-              </a:cxn>
-              <a:cxn ang="0">
-                <a:pos x="connsiteX6" y="connsiteY6"/>
-              </a:cxn>
-              <a:cxn ang="0">
-                <a:pos x="connsiteX7" y="connsiteY7"/>
-              </a:cxn>
-              <a:cxn ang="0">
-                <a:pos x="connsiteX8" y="connsiteY8"/>
-              </a:cxn>
-              <a:cxn ang="0">
-                <a:pos x="connsiteX9" y="connsiteY9"/>
-              </a:cxn>
-              <a:cxn ang="0">
-                <a:pos x="connsiteX10" y="connsiteY10"/>
-              </a:cxn>
-              <a:cxn ang="0">
-                <a:pos x="connsiteX11" y="connsiteY11"/>
-              </a:cxn>
-              <a:cxn ang="0">
-                <a:pos x="connsiteX12" y="connsiteY12"/>
-              </a:cxn>
-              <a:cxn ang="0">
-                <a:pos x="connsiteX13" y="connsiteY13"/>
-              </a:cxn>
-              <a:cxn ang="0">
-                <a:pos x="connsiteX14" y="connsiteY14"/>
-              </a:cxn>
-              <a:cxn ang="0">
-                <a:pos x="connsiteX15" y="connsiteY15"/>
-              </a:cxn>
-              <a:cxn ang="0">
-                <a:pos x="connsiteX16" y="connsiteY16"/>
-              </a:cxn>
-              <a:cxn ang="0">
-                <a:pos x="connsiteX17" y="connsiteY17"/>
-              </a:cxn>
-              <a:cxn ang="0">
-                <a:pos x="connsiteX18" y="connsiteY18"/>
-              </a:cxn>
-              <a:cxn ang="0">
-                <a:pos x="connsiteX19" y="connsiteY19"/>
-              </a:cxn>
-              <a:cxn ang="0">
-                <a:pos x="connsiteX20" y="connsiteY20"/>
-              </a:cxn>
-              <a:cxn ang="0">
-                <a:pos x="connsiteX21" y="connsiteY21"/>
-              </a:cxn>
-              <a:cxn ang="0">
-                <a:pos x="connsiteX22" y="connsiteY22"/>
-              </a:cxn>
-              <a:cxn ang="0">
-                <a:pos x="connsiteX23" y="connsiteY23"/>
-              </a:cxn>
-              <a:cxn ang="0">
-                <a:pos x="connsiteX24" y="connsiteY24"/>
-              </a:cxn>
-              <a:cxn ang="0">
-                <a:pos x="connsiteX25" y="connsiteY25"/>
-              </a:cxn>
-              <a:cxn ang="0">
-                <a:pos x="connsiteX26" y="connsiteY26"/>
-              </a:cxn>
-              <a:cxn ang="0">
-                <a:pos x="connsiteX27" y="connsiteY27"/>
-              </a:cxn>
-              <a:cxn ang="0">
-                <a:pos x="connsiteX28" y="connsiteY28"/>
-              </a:cxn>
-              <a:cxn ang="0">
-                <a:pos x="connsiteX29" y="connsiteY29"/>
-              </a:cxn>
-              <a:cxn ang="0">
-                <a:pos x="connsiteX30" y="connsiteY30"/>
-              </a:cxn>
-              <a:cxn ang="0">
-                <a:pos x="connsiteX31" y="connsiteY31"/>
-              </a:cxn>
-              <a:cxn ang="0">
-                <a:pos x="connsiteX32" y="connsiteY32"/>
-              </a:cxn>
-              <a:cxn ang="0">
-                <a:pos x="connsiteX33" y="connsiteY33"/>
-              </a:cxn>
-              <a:cxn ang="0">
-                <a:pos x="connsiteX34" y="connsiteY34"/>
-              </a:cxn>
-              <a:cxn ang="0">
-                <a:pos x="connsiteX35" y="connsiteY35"/>
-              </a:cxn>
-            </a:cxnLst>
-            <a:rect l="l" t="t" r="r" b="b"/>
-            <a:pathLst>
-              <a:path w="559472" h="3709642">
-                <a:moveTo>
-                  <a:pt x="0" y="0"/>
-                </a:moveTo>
-                <a:lnTo>
-                  <a:pt x="473952" y="0"/>
-                </a:lnTo>
-                <a:lnTo>
-                  <a:pt x="485840" y="161194"/>
-                </a:lnTo>
-                <a:cubicBezTo>
-                  <a:pt x="552063" y="1147770"/>
-                  <a:pt x="592441" y="3086737"/>
-                  <a:pt x="523949" y="3672197"/>
-                </a:cubicBezTo>
-                <a:cubicBezTo>
-                  <a:pt x="500842" y="3684557"/>
-                  <a:pt x="477855" y="3697282"/>
-                  <a:pt x="454748" y="3709642"/>
-                </a:cubicBezTo>
-                <a:lnTo>
-                  <a:pt x="448224" y="3510471"/>
-                </a:lnTo>
-                <a:lnTo>
-                  <a:pt x="443564" y="3408563"/>
-                </a:lnTo>
-                <a:lnTo>
-                  <a:pt x="438902" y="3304407"/>
-                </a:lnTo>
-                <a:lnTo>
-                  <a:pt x="433941" y="3198777"/>
-                </a:lnTo>
-                <a:lnTo>
-                  <a:pt x="427584" y="3092510"/>
-                </a:lnTo>
-                <a:lnTo>
-                  <a:pt x="420988" y="2984390"/>
-                </a:lnTo>
-                <a:lnTo>
-                  <a:pt x="414330" y="2874401"/>
-                </a:lnTo>
-                <a:lnTo>
-                  <a:pt x="406840" y="2762980"/>
-                </a:lnTo>
-                <a:lnTo>
-                  <a:pt x="397745" y="2650566"/>
-                </a:lnTo>
-                <a:lnTo>
-                  <a:pt x="389154" y="2536612"/>
-                </a:lnTo>
-                <a:lnTo>
-                  <a:pt x="379225" y="2421642"/>
-                </a:lnTo>
-                <a:lnTo>
-                  <a:pt x="368316" y="2305627"/>
-                </a:lnTo>
-                <a:lnTo>
-                  <a:pt x="357466" y="2189233"/>
-                </a:lnTo>
-                <a:lnTo>
-                  <a:pt x="344982" y="2071473"/>
-                </a:lnTo>
-                <a:lnTo>
-                  <a:pt x="332466" y="1952216"/>
-                </a:lnTo>
-                <a:lnTo>
-                  <a:pt x="319121" y="1833776"/>
-                </a:lnTo>
-                <a:lnTo>
-                  <a:pt x="304408" y="1713948"/>
-                </a:lnTo>
-                <a:lnTo>
-                  <a:pt x="288685" y="1592703"/>
-                </a:lnTo>
-                <a:lnTo>
-                  <a:pt x="273050" y="1471451"/>
-                </a:lnTo>
-                <a:lnTo>
-                  <a:pt x="255813" y="1350328"/>
-                </a:lnTo>
-                <a:lnTo>
-                  <a:pt x="237060" y="1227080"/>
-                </a:lnTo>
-                <a:lnTo>
-                  <a:pt x="218488" y="1106065"/>
-                </a:lnTo>
-                <a:lnTo>
-                  <a:pt x="198221" y="982940"/>
-                </a:lnTo>
-                <a:lnTo>
-                  <a:pt x="177152" y="858755"/>
-                </a:lnTo>
-                <a:lnTo>
-                  <a:pt x="155551" y="736861"/>
-                </a:lnTo>
-                <a:lnTo>
-                  <a:pt x="131782" y="613645"/>
-                </a:lnTo>
-                <a:lnTo>
-                  <a:pt x="107123" y="490500"/>
-                </a:lnTo>
-                <a:lnTo>
-                  <a:pt x="82552" y="367348"/>
-                </a:lnTo>
-                <a:lnTo>
-                  <a:pt x="55608" y="244762"/>
-                </a:lnTo>
-                <a:lnTo>
-                  <a:pt x="28130" y="122220"/>
-                </a:lnTo>
-                <a:lnTo>
-                  <a:pt x="0" y="0"/>
-                </a:lnTo>
-                <a:close/>
-              </a:path>
-            </a:pathLst>
-          </a:custGeom>
-          <a:solidFill>
-            <a:schemeClr val="tx1">
-              <a:alpha val="20000"/>
-            </a:schemeClr>
-          </a:solidFill>
-          <a:ln>
-            <a:noFill/>
-          </a:ln>
-        </p:spPr>
-        <p:txBody>
-          <a:bodyPr rtlCol="0" anchor="ctr"/>
-          <a:lstStyle/>
-          <a:p>
-            <a:pPr algn="ctr"/>
-            <a:endParaRPr lang="en-US"/>
-          </a:p>
-        </p:txBody>
-      </p:sp>
-      <p:pic>
-        <p:nvPicPr>
-          <p:cNvPr id="6" name="Picture 5" descr="En side i en planner">
-            <a:extLst>
-              <a:ext uri="{FF2B5EF4-FFF2-40B4-BE49-F238E27FC236}">
-                <a16:creationId xmlns:a16="http://schemas.microsoft.com/office/drawing/2014/main" id="{08AAD6AC-852C-C07D-4089-63C54138C61C}"/>
-              </a:ext>
-            </a:extLst>
-          </p:cNvPr>
-          <p:cNvPicPr>
-            <a:picLocks noChangeAspect="1"/>
-          </p:cNvPicPr>
-          <p:nvPr/>
-        </p:nvPicPr>
-        <p:blipFill>
-          <a:blip r:embed="rId7"/>
-          <a:srcRect l="19424" r="32267" b="-2"/>
-          <a:stretch/>
-        </p:blipFill>
-        <p:spPr>
-          <a:xfrm>
-            <a:off x="7229175" y="1"/>
-            <a:ext cx="4963245" cy="6858001"/>
-          </a:xfrm>
-          <a:custGeom>
-            <a:avLst/>
-            <a:gdLst/>
-            <a:ahLst/>
-            <a:cxnLst/>
-            <a:rect l="l" t="t" r="r" b="b"/>
-            <a:pathLst>
-              <a:path w="4963245" h="6858001">
-                <a:moveTo>
-                  <a:pt x="1177" y="0"/>
-                </a:moveTo>
-                <a:lnTo>
-                  <a:pt x="1344715" y="0"/>
-                </a:lnTo>
-                <a:lnTo>
-                  <a:pt x="1344715" y="1"/>
-                </a:lnTo>
-                <a:lnTo>
-                  <a:pt x="4963245" y="1"/>
-                </a:lnTo>
-                <a:lnTo>
-                  <a:pt x="4963244" y="6858001"/>
-                </a:lnTo>
-                <a:lnTo>
-                  <a:pt x="900697" y="6858001"/>
-                </a:lnTo>
-                <a:lnTo>
-                  <a:pt x="900697" y="6858000"/>
-                </a:lnTo>
-                <a:lnTo>
-                  <a:pt x="0" y="6858000"/>
-                </a:lnTo>
-                <a:lnTo>
-                  <a:pt x="5883" y="6817538"/>
-                </a:lnTo>
-                <a:lnTo>
-                  <a:pt x="23196" y="6698894"/>
-                </a:lnTo>
-                <a:lnTo>
-                  <a:pt x="35299" y="6612483"/>
-                </a:lnTo>
-                <a:lnTo>
-                  <a:pt x="48073" y="6509613"/>
-                </a:lnTo>
-                <a:lnTo>
-                  <a:pt x="63369" y="6387541"/>
-                </a:lnTo>
-                <a:lnTo>
-                  <a:pt x="79506" y="6252438"/>
-                </a:lnTo>
-                <a:lnTo>
-                  <a:pt x="96483" y="6100191"/>
-                </a:lnTo>
-                <a:lnTo>
-                  <a:pt x="114469" y="5934227"/>
-                </a:lnTo>
-                <a:lnTo>
-                  <a:pt x="132454" y="5753862"/>
-                </a:lnTo>
-                <a:lnTo>
-                  <a:pt x="150776" y="5561838"/>
-                </a:lnTo>
-                <a:lnTo>
-                  <a:pt x="167753" y="5354726"/>
-                </a:lnTo>
-                <a:lnTo>
-                  <a:pt x="184058" y="5138013"/>
-                </a:lnTo>
-                <a:lnTo>
-                  <a:pt x="198849" y="4908956"/>
-                </a:lnTo>
-                <a:lnTo>
-                  <a:pt x="212969" y="4670298"/>
-                </a:lnTo>
-                <a:lnTo>
-                  <a:pt x="226248" y="4421352"/>
-                </a:lnTo>
-                <a:lnTo>
-                  <a:pt x="230955" y="4293793"/>
-                </a:lnTo>
-                <a:lnTo>
-                  <a:pt x="236165" y="4163492"/>
-                </a:lnTo>
-                <a:lnTo>
-                  <a:pt x="241040" y="4031133"/>
-                </a:lnTo>
-                <a:lnTo>
-                  <a:pt x="244234" y="3898087"/>
-                </a:lnTo>
-                <a:lnTo>
-                  <a:pt x="247091" y="3762299"/>
-                </a:lnTo>
-                <a:lnTo>
-                  <a:pt x="250117" y="3625139"/>
-                </a:lnTo>
-                <a:lnTo>
-                  <a:pt x="252134" y="3485236"/>
-                </a:lnTo>
-                <a:lnTo>
-                  <a:pt x="252134" y="3343961"/>
-                </a:lnTo>
-                <a:lnTo>
-                  <a:pt x="253142" y="3201315"/>
-                </a:lnTo>
-                <a:lnTo>
-                  <a:pt x="252134" y="3057297"/>
-                </a:lnTo>
-                <a:lnTo>
-                  <a:pt x="250117" y="2911221"/>
-                </a:lnTo>
-                <a:lnTo>
-                  <a:pt x="248268" y="2765146"/>
-                </a:lnTo>
-                <a:lnTo>
-                  <a:pt x="244234" y="2617013"/>
-                </a:lnTo>
-                <a:lnTo>
-                  <a:pt x="240032" y="2467509"/>
-                </a:lnTo>
-                <a:lnTo>
-                  <a:pt x="235157" y="2318004"/>
-                </a:lnTo>
-                <a:lnTo>
-                  <a:pt x="228266" y="2167128"/>
-                </a:lnTo>
-                <a:lnTo>
-                  <a:pt x="220029" y="2014881"/>
-                </a:lnTo>
-                <a:lnTo>
-                  <a:pt x="212129" y="1861947"/>
-                </a:lnTo>
-                <a:lnTo>
-                  <a:pt x="202044" y="1709014"/>
-                </a:lnTo>
-                <a:lnTo>
-                  <a:pt x="189941" y="1554023"/>
-                </a:lnTo>
-                <a:lnTo>
-                  <a:pt x="177839" y="1401090"/>
-                </a:lnTo>
-                <a:lnTo>
-                  <a:pt x="163887" y="1245413"/>
-                </a:lnTo>
-                <a:lnTo>
-                  <a:pt x="148591" y="1089051"/>
-                </a:lnTo>
-                <a:lnTo>
-                  <a:pt x="132455" y="934746"/>
-                </a:lnTo>
-                <a:lnTo>
-                  <a:pt x="113629" y="778383"/>
-                </a:lnTo>
-                <a:lnTo>
-                  <a:pt x="93458" y="622707"/>
-                </a:lnTo>
-                <a:lnTo>
-                  <a:pt x="73455" y="466344"/>
-                </a:lnTo>
-                <a:lnTo>
-                  <a:pt x="50091" y="310668"/>
-                </a:lnTo>
-                <a:lnTo>
-                  <a:pt x="26222" y="155677"/>
-                </a:lnTo>
-                <a:close/>
-              </a:path>
-            </a:pathLst>
-          </a:custGeom>
-        </p:spPr>
-      </p:pic>
     </p:spTree>
     <p:extLst>
       <p:ext uri="{BB962C8B-B14F-4D97-AF65-F5344CB8AC3E}">
-        <p14:creationId xmlns:p14="http://schemas.microsoft.com/office/powerpoint/2010/main" val="2356359541"/>
+        <p14:creationId xmlns:p14="http://schemas.microsoft.com/office/powerpoint/2010/main" val="3837220164"/>
       </p:ext>
     </p:extLst>
   </p:cSld>
@@ -29234,30 +30243,14 @@
 </p:sld>
 </file>
 
-<file path=ppt/slides/slide4.xml><?xml version="1.0" encoding="utf-8"?>
+<file path=ppt/slides/slide3.xml><?xml version="1.0" encoding="utf-8"?>
 <p:sld xmlns:a="http://schemas.openxmlformats.org/drawingml/2006/main" xmlns:r="http://schemas.openxmlformats.org/officeDocument/2006/relationships" xmlns:p="http://schemas.openxmlformats.org/presentationml/2006/main">
   <p:cSld>
     <p:bg>
       <p:bgPr>
-        <a:blipFill rotWithShape="1">
-          <a:blip r:embed="rId2">
-            <a:duotone>
-              <a:schemeClr val="bg2">
-                <a:shade val="69000"/>
-                <a:hueMod val="108000"/>
-                <a:satMod val="164000"/>
-                <a:lumMod val="74000"/>
-              </a:schemeClr>
-              <a:schemeClr val="bg2">
-                <a:tint val="96000"/>
-                <a:hueMod val="88000"/>
-                <a:satMod val="140000"/>
-                <a:lumMod val="132000"/>
-              </a:schemeClr>
-            </a:duotone>
-          </a:blip>
-          <a:stretch/>
-        </a:blipFill>
+        <a:solidFill>
+          <a:schemeClr val="bg1"/>
+        </a:solidFill>
         <a:effectLst/>
       </p:bgPr>
     </p:bg>
@@ -29277,10 +30270,54 @@
       </p:grpSpPr>
       <p:pic>
         <p:nvPicPr>
-          <p:cNvPr id="22" name="Picture 21">
+          <p:cNvPr id="29" name="Picture 28">
             <a:extLst>
               <a:ext uri="{FF2B5EF4-FFF2-40B4-BE49-F238E27FC236}">
                 <a16:creationId xmlns:a16="http://schemas.microsoft.com/office/drawing/2014/main" id="{DF19BAF3-7E20-4B9D-B544-BABAEEA1FA75}"/>
+              </a:ext>
+              <a:ext uri="{C183D7F6-B498-43B3-948B-1728B52AA6E4}">
+                <adec:decorative xmlns:adec="http://schemas.microsoft.com/office/drawing/2017/decorative" val="1"/>
+              </a:ext>
+            </a:extLst>
+          </p:cNvPr>
+          <p:cNvPicPr>
+            <a:picLocks noGrp="1" noRot="1" noChangeAspect="1" noMove="1" noResize="1" noEditPoints="1" noAdjustHandles="1" noChangeArrowheads="1" noChangeShapeType="1" noCrop="1"/>
+          </p:cNvPicPr>
+          <p:nvPr>
+            <p:extLst>
+              <p:ext uri="{386F3935-93C4-4BCD-93E2-E3B085C9AB24}">
+                <p16:designElem xmlns:p16="http://schemas.microsoft.com/office/powerpoint/2015/main" val="1"/>
+              </p:ext>
+            </p:extLst>
+          </p:nvPr>
+        </p:nvPicPr>
+        <p:blipFill rotWithShape="1">
+          <a:blip r:embed="rId2">
+            <a:extLst>
+              <a:ext uri="{28A0092B-C50C-407E-A947-70E740481C1C}">
+                <a14:useLocalDpi xmlns:a14="http://schemas.microsoft.com/office/drawing/2010/main" val="0"/>
+              </a:ext>
+            </a:extLst>
+          </a:blip>
+          <a:srcRect l="3613"/>
+          <a:stretch/>
+        </p:blipFill>
+        <p:spPr>
+          <a:xfrm>
+            <a:off x="0" y="2669685"/>
+            <a:ext cx="4037012" cy="4188315"/>
+          </a:xfrm>
+          <a:prstGeom prst="rect">
+            <a:avLst/>
+          </a:prstGeom>
+        </p:spPr>
+      </p:pic>
+      <p:pic>
+        <p:nvPicPr>
+          <p:cNvPr id="31" name="Picture 30">
+            <a:extLst>
+              <a:ext uri="{FF2B5EF4-FFF2-40B4-BE49-F238E27FC236}">
+                <a16:creationId xmlns:a16="http://schemas.microsoft.com/office/drawing/2014/main" id="{950648F4-ABCD-4DF0-8641-76CFB2354721}"/>
               </a:ext>
               <a:ext uri="{C183D7F6-B498-43B3-948B-1728B52AA6E4}">
                 <adec:decorative xmlns:adec="http://schemas.microsoft.com/office/drawing/2017/decorative" val="1"/>
@@ -29306,50 +30343,6 @@
               </a:ext>
             </a:extLst>
           </a:blip>
-          <a:srcRect l="3613"/>
-          <a:stretch/>
-        </p:blipFill>
-        <p:spPr>
-          <a:xfrm>
-            <a:off x="0" y="2669685"/>
-            <a:ext cx="4037012" cy="4188315"/>
-          </a:xfrm>
-          <a:prstGeom prst="rect">
-            <a:avLst/>
-          </a:prstGeom>
-        </p:spPr>
-      </p:pic>
-      <p:pic>
-        <p:nvPicPr>
-          <p:cNvPr id="24" name="Picture 23">
-            <a:extLst>
-              <a:ext uri="{FF2B5EF4-FFF2-40B4-BE49-F238E27FC236}">
-                <a16:creationId xmlns:a16="http://schemas.microsoft.com/office/drawing/2014/main" id="{950648F4-ABCD-4DF0-8641-76CFB2354721}"/>
-              </a:ext>
-              <a:ext uri="{C183D7F6-B498-43B3-948B-1728B52AA6E4}">
-                <adec:decorative xmlns:adec="http://schemas.microsoft.com/office/drawing/2017/decorative" val="1"/>
-              </a:ext>
-            </a:extLst>
-          </p:cNvPr>
-          <p:cNvPicPr>
-            <a:picLocks noGrp="1" noRot="1" noChangeAspect="1" noMove="1" noResize="1" noEditPoints="1" noAdjustHandles="1" noChangeArrowheads="1" noChangeShapeType="1" noCrop="1"/>
-          </p:cNvPicPr>
-          <p:nvPr>
-            <p:extLst>
-              <p:ext uri="{386F3935-93C4-4BCD-93E2-E3B085C9AB24}">
-                <p16:designElem xmlns:p16="http://schemas.microsoft.com/office/powerpoint/2015/main" val="1"/>
-              </p:ext>
-            </p:extLst>
-          </p:nvPr>
-        </p:nvPicPr>
-        <p:blipFill rotWithShape="1">
-          <a:blip r:embed="rId4">
-            <a:extLst>
-              <a:ext uri="{28A0092B-C50C-407E-A947-70E740481C1C}">
-                <a14:useLocalDpi xmlns:a14="http://schemas.microsoft.com/office/drawing/2010/main" val="0"/>
-              </a:ext>
-            </a:extLst>
-          </a:blip>
           <a:srcRect l="35640"/>
           <a:stretch/>
         </p:blipFill>
@@ -29365,7 +30358,7 @@
       </p:pic>
       <p:sp>
         <p:nvSpPr>
-          <p:cNvPr id="26" name="Oval 25">
+          <p:cNvPr id="33" name="Oval 32">
             <a:extLst>
               <a:ext uri="{FF2B5EF4-FFF2-40B4-BE49-F238E27FC236}">
                 <a16:creationId xmlns:a16="http://schemas.microsoft.com/office/drawing/2014/main" id="{989BE678-777B-482A-A616-FEDC47B162E5}"/>
@@ -29452,10 +30445,54 @@
       </p:sp>
       <p:pic>
         <p:nvPicPr>
-          <p:cNvPr id="28" name="Picture 27">
+          <p:cNvPr id="35" name="Picture 34">
             <a:extLst>
               <a:ext uri="{FF2B5EF4-FFF2-40B4-BE49-F238E27FC236}">
                 <a16:creationId xmlns:a16="http://schemas.microsoft.com/office/drawing/2014/main" id="{CF1EB4BD-9C7E-4AA3-9681-C7EB0DA6250B}"/>
+              </a:ext>
+              <a:ext uri="{C183D7F6-B498-43B3-948B-1728B52AA6E4}">
+                <adec:decorative xmlns:adec="http://schemas.microsoft.com/office/drawing/2017/decorative" val="1"/>
+              </a:ext>
+            </a:extLst>
+          </p:cNvPr>
+          <p:cNvPicPr>
+            <a:picLocks noGrp="1" noRot="1" noChangeAspect="1" noMove="1" noResize="1" noEditPoints="1" noAdjustHandles="1" noChangeArrowheads="1" noChangeShapeType="1" noCrop="1"/>
+          </p:cNvPicPr>
+          <p:nvPr>
+            <p:extLst>
+              <p:ext uri="{386F3935-93C4-4BCD-93E2-E3B085C9AB24}">
+                <p16:designElem xmlns:p16="http://schemas.microsoft.com/office/powerpoint/2015/main" val="1"/>
+              </p:ext>
+            </p:extLst>
+          </p:nvPr>
+        </p:nvPicPr>
+        <p:blipFill rotWithShape="1">
+          <a:blip r:embed="rId4">
+            <a:extLst>
+              <a:ext uri="{28A0092B-C50C-407E-A947-70E740481C1C}">
+                <a14:useLocalDpi xmlns:a14="http://schemas.microsoft.com/office/drawing/2010/main" val="0"/>
+              </a:ext>
+            </a:extLst>
+          </a:blip>
+          <a:srcRect t="28813"/>
+          <a:stretch/>
+        </p:blipFill>
+        <p:spPr>
+          <a:xfrm>
+            <a:off x="7999412" y="0"/>
+            <a:ext cx="1603387" cy="1141407"/>
+          </a:xfrm>
+          <a:prstGeom prst="rect">
+            <a:avLst/>
+          </a:prstGeom>
+        </p:spPr>
+      </p:pic>
+      <p:pic>
+        <p:nvPicPr>
+          <p:cNvPr id="37" name="Picture 36">
+            <a:extLst>
+              <a:ext uri="{FF2B5EF4-FFF2-40B4-BE49-F238E27FC236}">
+                <a16:creationId xmlns:a16="http://schemas.microsoft.com/office/drawing/2014/main" id="{94AAE3AA-3759-4D28-B0EF-575F25A5146C}"/>
               </a:ext>
               <a:ext uri="{C183D7F6-B498-43B3-948B-1728B52AA6E4}">
                 <adec:decorative xmlns:adec="http://schemas.microsoft.com/office/drawing/2017/decorative" val="1"/>
@@ -29481,50 +30518,6 @@
               </a:ext>
             </a:extLst>
           </a:blip>
-          <a:srcRect t="28813"/>
-          <a:stretch/>
-        </p:blipFill>
-        <p:spPr>
-          <a:xfrm>
-            <a:off x="7999412" y="0"/>
-            <a:ext cx="1603387" cy="1141407"/>
-          </a:xfrm>
-          <a:prstGeom prst="rect">
-            <a:avLst/>
-          </a:prstGeom>
-        </p:spPr>
-      </p:pic>
-      <p:pic>
-        <p:nvPicPr>
-          <p:cNvPr id="30" name="Picture 29">
-            <a:extLst>
-              <a:ext uri="{FF2B5EF4-FFF2-40B4-BE49-F238E27FC236}">
-                <a16:creationId xmlns:a16="http://schemas.microsoft.com/office/drawing/2014/main" id="{94AAE3AA-3759-4D28-B0EF-575F25A5146C}"/>
-              </a:ext>
-              <a:ext uri="{C183D7F6-B498-43B3-948B-1728B52AA6E4}">
-                <adec:decorative xmlns:adec="http://schemas.microsoft.com/office/drawing/2017/decorative" val="1"/>
-              </a:ext>
-            </a:extLst>
-          </p:cNvPr>
-          <p:cNvPicPr>
-            <a:picLocks noGrp="1" noRot="1" noChangeAspect="1" noMove="1" noResize="1" noEditPoints="1" noAdjustHandles="1" noChangeArrowheads="1" noChangeShapeType="1" noCrop="1"/>
-          </p:cNvPicPr>
-          <p:nvPr>
-            <p:extLst>
-              <p:ext uri="{386F3935-93C4-4BCD-93E2-E3B085C9AB24}">
-                <p16:designElem xmlns:p16="http://schemas.microsoft.com/office/powerpoint/2015/main" val="1"/>
-              </p:ext>
-            </p:extLst>
-          </p:nvPr>
-        </p:nvPicPr>
-        <p:blipFill rotWithShape="1">
-          <a:blip r:embed="rId6">
-            <a:extLst>
-              <a:ext uri="{28A0092B-C50C-407E-A947-70E740481C1C}">
-                <a14:useLocalDpi xmlns:a14="http://schemas.microsoft.com/office/drawing/2010/main" val="0"/>
-              </a:ext>
-            </a:extLst>
-          </a:blip>
           <a:srcRect b="23320"/>
           <a:stretch/>
         </p:blipFill>
@@ -29540,7 +30533,7 @@
       </p:pic>
       <p:sp>
         <p:nvSpPr>
-          <p:cNvPr id="32" name="Rectangle 31">
+          <p:cNvPr id="39" name="Rectangle 38">
             <a:extLst>
               <a:ext uri="{FF2B5EF4-FFF2-40B4-BE49-F238E27FC236}">
                 <a16:creationId xmlns:a16="http://schemas.microsoft.com/office/drawing/2014/main" id="{D28BE0C3-2102-4820-B88B-A448B1840D14}"/>
@@ -29598,12 +30591,12 @@
           </a:p>
         </p:txBody>
       </p:sp>
-      <p:sp>
+      <p:sp useBgFill="1">
         <p:nvSpPr>
-          <p:cNvPr id="34" name="Rectangle 33">
+          <p:cNvPr id="41" name="Rectangle 40">
             <a:extLst>
               <a:ext uri="{FF2B5EF4-FFF2-40B4-BE49-F238E27FC236}">
-                <a16:creationId xmlns:a16="http://schemas.microsoft.com/office/drawing/2014/main" id="{C8A3C342-1D03-412F-8DD3-BF519E8E0AE9}"/>
+                <a16:creationId xmlns:a16="http://schemas.microsoft.com/office/drawing/2014/main" id="{29787B81-C7DF-412B-A405-EF4454012DEE}"/>
               </a:ext>
               <a:ext uri="{C183D7F6-B498-43B3-948B-1728B52AA6E4}">
                 <adec:decorative xmlns:adec="http://schemas.microsoft.com/office/drawing/2017/decorative" val="1"/>
@@ -29639,8 +30632,8 @@
               <a:shade val="50000"/>
             </a:schemeClr>
           </a:lnRef>
-          <a:fillRef idx="1003">
-            <a:schemeClr val="dk2"/>
+          <a:fillRef idx="1">
+            <a:schemeClr val="accent1"/>
           </a:fillRef>
           <a:effectRef idx="0">
             <a:schemeClr val="accent1"/>
@@ -29658,6 +30651,561 @@
           </a:p>
         </p:txBody>
       </p:sp>
+      <p:pic>
+        <p:nvPicPr>
+          <p:cNvPr id="6" name="Picture 5" descr="En side i en planner">
+            <a:extLst>
+              <a:ext uri="{FF2B5EF4-FFF2-40B4-BE49-F238E27FC236}">
+                <a16:creationId xmlns:a16="http://schemas.microsoft.com/office/drawing/2014/main" id="{08AAD6AC-852C-C07D-4089-63C54138C61C}"/>
+              </a:ext>
+            </a:extLst>
+          </p:cNvPr>
+          <p:cNvPicPr>
+            <a:picLocks noChangeAspect="1"/>
+          </p:cNvPicPr>
+          <p:nvPr/>
+        </p:nvPicPr>
+        <p:blipFill>
+          <a:blip r:embed="rId6">
+            <a:alphaModFix amt="35000"/>
+          </a:blip>
+          <a:srcRect t="2792" b="12939"/>
+          <a:stretch/>
+        </p:blipFill>
+        <p:spPr>
+          <a:xfrm>
+            <a:off x="20" y="-1"/>
+            <a:ext cx="12191980" cy="6858000"/>
+          </a:xfrm>
+          <a:prstGeom prst="rect">
+            <a:avLst/>
+          </a:prstGeom>
+        </p:spPr>
+      </p:pic>
+      <p:sp>
+        <p:nvSpPr>
+          <p:cNvPr id="2" name="Titel 1">
+            <a:extLst>
+              <a:ext uri="{FF2B5EF4-FFF2-40B4-BE49-F238E27FC236}">
+                <a16:creationId xmlns:a16="http://schemas.microsoft.com/office/drawing/2014/main" id="{0E2176DF-A862-76E4-A890-A342F5C32F4F}"/>
+              </a:ext>
+            </a:extLst>
+          </p:cNvPr>
+          <p:cNvSpPr>
+            <a:spLocks noGrp="1"/>
+          </p:cNvSpPr>
+          <p:nvPr>
+            <p:ph type="title"/>
+          </p:nvPr>
+        </p:nvSpPr>
+        <p:spPr>
+          <a:xfrm>
+            <a:off x="646111" y="452718"/>
+            <a:ext cx="9404723" cy="1400530"/>
+          </a:xfrm>
+        </p:spPr>
+        <p:txBody>
+          <a:bodyPr vert="horz" lIns="91440" tIns="45720" rIns="91440" bIns="45720" rtlCol="0" anchor="t">
+            <a:normAutofit/>
+          </a:bodyPr>
+          <a:lstStyle/>
+          <a:p>
+            <a:r>
+              <a:rPr lang="en-US"/>
+              <a:t>Agenda</a:t>
+            </a:r>
+          </a:p>
+        </p:txBody>
+      </p:sp>
+      <p:sp>
+        <p:nvSpPr>
+          <p:cNvPr id="4" name="Pladsholder til indhold 3">
+            <a:extLst>
+              <a:ext uri="{FF2B5EF4-FFF2-40B4-BE49-F238E27FC236}">
+                <a16:creationId xmlns:a16="http://schemas.microsoft.com/office/drawing/2014/main" id="{FD901860-CA22-A6E4-4A3F-1B211F20A5AD}"/>
+              </a:ext>
+            </a:extLst>
+          </p:cNvPr>
+          <p:cNvSpPr>
+            <a:spLocks noGrp="1"/>
+          </p:cNvSpPr>
+          <p:nvPr>
+            <p:ph sz="half" idx="2"/>
+          </p:nvPr>
+        </p:nvSpPr>
+        <p:spPr>
+          <a:xfrm>
+            <a:off x="1103312" y="2052918"/>
+            <a:ext cx="8946541" cy="4195481"/>
+          </a:xfrm>
+        </p:spPr>
+        <p:txBody>
+          <a:bodyPr vert="horz" lIns="91440" tIns="45720" rIns="91440" bIns="45720" rtlCol="0">
+            <a:normAutofit/>
+          </a:bodyPr>
+          <a:lstStyle/>
+          <a:p>
+            <a:r>
+              <a:rPr lang="en-US"/>
+              <a:t>Diagramopsætning</a:t>
+            </a:r>
+          </a:p>
+          <a:p>
+            <a:r>
+              <a:rPr lang="en-US"/>
+              <a:t>Gennemgang af fjernbetjenning</a:t>
+            </a:r>
+          </a:p>
+          <a:p>
+            <a:r>
+              <a:rPr lang="en-US"/>
+              <a:t>Layout editor</a:t>
+            </a:r>
+          </a:p>
+          <a:p>
+            <a:r>
+              <a:rPr lang="en-US"/>
+              <a:t>Gennemgang af Layout</a:t>
+            </a:r>
+          </a:p>
+          <a:p>
+            <a:r>
+              <a:rPr lang="en-US"/>
+              <a:t>3D-visning</a:t>
+            </a:r>
+          </a:p>
+          <a:p>
+            <a:r>
+              <a:rPr lang="en-US"/>
+              <a:t>ESP32</a:t>
+            </a:r>
+          </a:p>
+          <a:p>
+            <a:pPr lvl="1"/>
+            <a:r>
+              <a:rPr lang="en-US"/>
+              <a:t>Serial</a:t>
+            </a:r>
+          </a:p>
+          <a:p>
+            <a:pPr lvl="1"/>
+            <a:r>
+              <a:rPr lang="en-US"/>
+              <a:t>GPIO</a:t>
+            </a:r>
+          </a:p>
+          <a:p>
+            <a:pPr lvl="1"/>
+            <a:r>
+              <a:rPr lang="en-US"/>
+              <a:t>ESPnow</a:t>
+            </a:r>
+          </a:p>
+          <a:p>
+            <a:pPr lvl="1"/>
+            <a:r>
+              <a:rPr lang="en-US"/>
+              <a:t>Gennemgang af RC program</a:t>
+            </a:r>
+          </a:p>
+          <a:p>
+            <a:pPr marL="0" indent="0"/>
+            <a:endParaRPr lang="en-US"/>
+          </a:p>
+        </p:txBody>
+      </p:sp>
+    </p:spTree>
+    <p:extLst>
+      <p:ext uri="{BB962C8B-B14F-4D97-AF65-F5344CB8AC3E}">
+        <p14:creationId xmlns:p14="http://schemas.microsoft.com/office/powerpoint/2010/main" val="2356359541"/>
+      </p:ext>
+    </p:extLst>
+  </p:cSld>
+  <p:clrMapOvr>
+    <a:masterClrMapping/>
+  </p:clrMapOvr>
+</p:sld>
+</file>
+
+<file path=ppt/slides/slide4.xml><?xml version="1.0" encoding="utf-8"?>
+<p:sld xmlns:a="http://schemas.openxmlformats.org/drawingml/2006/main" xmlns:r="http://schemas.openxmlformats.org/officeDocument/2006/relationships" xmlns:p="http://schemas.openxmlformats.org/presentationml/2006/main">
+  <p:cSld>
+    <p:bg>
+      <p:bgPr>
+        <a:solidFill>
+          <a:schemeClr val="bg1"/>
+        </a:solidFill>
+        <a:effectLst/>
+      </p:bgPr>
+    </p:bg>
+    <p:spTree>
+      <p:nvGrpSpPr>
+        <p:cNvPr id="1" name=""/>
+        <p:cNvGrpSpPr/>
+        <p:nvPr/>
+      </p:nvGrpSpPr>
+      <p:grpSpPr>
+        <a:xfrm>
+          <a:off x="0" y="0"/>
+          <a:ext cx="0" cy="0"/>
+          <a:chOff x="0" y="0"/>
+          <a:chExt cx="0" cy="0"/>
+        </a:xfrm>
+      </p:grpSpPr>
+      <p:pic>
+        <p:nvPicPr>
+          <p:cNvPr id="43" name="Picture 42">
+            <a:extLst>
+              <a:ext uri="{FF2B5EF4-FFF2-40B4-BE49-F238E27FC236}">
+                <a16:creationId xmlns:a16="http://schemas.microsoft.com/office/drawing/2014/main" id="{DF19BAF3-7E20-4B9D-B544-BABAEEA1FA75}"/>
+              </a:ext>
+              <a:ext uri="{C183D7F6-B498-43B3-948B-1728B52AA6E4}">
+                <adec:decorative xmlns:adec="http://schemas.microsoft.com/office/drawing/2017/decorative" val="1"/>
+              </a:ext>
+            </a:extLst>
+          </p:cNvPr>
+          <p:cNvPicPr>
+            <a:picLocks noGrp="1" noRot="1" noChangeAspect="1" noMove="1" noResize="1" noEditPoints="1" noAdjustHandles="1" noChangeArrowheads="1" noChangeShapeType="1" noCrop="1"/>
+          </p:cNvPicPr>
+          <p:nvPr>
+            <p:extLst>
+              <p:ext uri="{386F3935-93C4-4BCD-93E2-E3B085C9AB24}">
+                <p16:designElem xmlns:p16="http://schemas.microsoft.com/office/powerpoint/2015/main" val="1"/>
+              </p:ext>
+            </p:extLst>
+          </p:nvPr>
+        </p:nvPicPr>
+        <p:blipFill rotWithShape="1">
+          <a:blip r:embed="rId2">
+            <a:extLst>
+              <a:ext uri="{28A0092B-C50C-407E-A947-70E740481C1C}">
+                <a14:useLocalDpi xmlns:a14="http://schemas.microsoft.com/office/drawing/2010/main" val="0"/>
+              </a:ext>
+            </a:extLst>
+          </a:blip>
+          <a:srcRect l="3613"/>
+          <a:stretch/>
+        </p:blipFill>
+        <p:spPr>
+          <a:xfrm>
+            <a:off x="0" y="2669685"/>
+            <a:ext cx="4037012" cy="4188315"/>
+          </a:xfrm>
+          <a:prstGeom prst="rect">
+            <a:avLst/>
+          </a:prstGeom>
+        </p:spPr>
+      </p:pic>
+      <p:pic>
+        <p:nvPicPr>
+          <p:cNvPr id="45" name="Picture 44">
+            <a:extLst>
+              <a:ext uri="{FF2B5EF4-FFF2-40B4-BE49-F238E27FC236}">
+                <a16:creationId xmlns:a16="http://schemas.microsoft.com/office/drawing/2014/main" id="{950648F4-ABCD-4DF0-8641-76CFB2354721}"/>
+              </a:ext>
+              <a:ext uri="{C183D7F6-B498-43B3-948B-1728B52AA6E4}">
+                <adec:decorative xmlns:adec="http://schemas.microsoft.com/office/drawing/2017/decorative" val="1"/>
+              </a:ext>
+            </a:extLst>
+          </p:cNvPr>
+          <p:cNvPicPr>
+            <a:picLocks noGrp="1" noRot="1" noChangeAspect="1" noMove="1" noResize="1" noEditPoints="1" noAdjustHandles="1" noChangeArrowheads="1" noChangeShapeType="1" noCrop="1"/>
+          </p:cNvPicPr>
+          <p:nvPr>
+            <p:extLst>
+              <p:ext uri="{386F3935-93C4-4BCD-93E2-E3B085C9AB24}">
+                <p16:designElem xmlns:p16="http://schemas.microsoft.com/office/powerpoint/2015/main" val="1"/>
+              </p:ext>
+            </p:extLst>
+          </p:nvPr>
+        </p:nvPicPr>
+        <p:blipFill rotWithShape="1">
+          <a:blip r:embed="rId3">
+            <a:extLst>
+              <a:ext uri="{28A0092B-C50C-407E-A947-70E740481C1C}">
+                <a14:useLocalDpi xmlns:a14="http://schemas.microsoft.com/office/drawing/2010/main" val="0"/>
+              </a:ext>
+            </a:extLst>
+          </a:blip>
+          <a:srcRect l="35640"/>
+          <a:stretch/>
+        </p:blipFill>
+        <p:spPr>
+          <a:xfrm>
+            <a:off x="0" y="2892347"/>
+            <a:ext cx="1522412" cy="2365453"/>
+          </a:xfrm>
+          <a:prstGeom prst="rect">
+            <a:avLst/>
+          </a:prstGeom>
+        </p:spPr>
+      </p:pic>
+      <p:sp>
+        <p:nvSpPr>
+          <p:cNvPr id="47" name="Oval 46">
+            <a:extLst>
+              <a:ext uri="{FF2B5EF4-FFF2-40B4-BE49-F238E27FC236}">
+                <a16:creationId xmlns:a16="http://schemas.microsoft.com/office/drawing/2014/main" id="{989BE678-777B-482A-A616-FEDC47B162E5}"/>
+              </a:ext>
+              <a:ext uri="{C183D7F6-B498-43B3-948B-1728B52AA6E4}">
+                <adec:decorative xmlns:adec="http://schemas.microsoft.com/office/drawing/2017/decorative" val="1"/>
+              </a:ext>
+            </a:extLst>
+          </p:cNvPr>
+          <p:cNvSpPr>
+            <a:spLocks noGrp="1" noRot="1" noChangeAspect="1" noMove="1" noResize="1" noEditPoints="1" noAdjustHandles="1" noChangeArrowheads="1" noChangeShapeType="1" noTextEdit="1"/>
+          </p:cNvSpPr>
+          <p:nvPr>
+            <p:extLst>
+              <p:ext uri="{386F3935-93C4-4BCD-93E2-E3B085C9AB24}">
+                <p16:designElem xmlns:p16="http://schemas.microsoft.com/office/powerpoint/2015/main" val="1"/>
+              </p:ext>
+            </p:extLst>
+          </p:nvPr>
+        </p:nvSpPr>
+        <p:spPr>
+          <a:xfrm>
+            <a:off x="8609012" y="1676400"/>
+            <a:ext cx="2819400" cy="2819400"/>
+          </a:xfrm>
+          <a:prstGeom prst="ellipse">
+            <a:avLst/>
+          </a:prstGeom>
+          <a:gradFill flip="none" rotWithShape="1">
+            <a:gsLst>
+              <a:gs pos="0">
+                <a:schemeClr val="bg2">
+                  <a:lumMod val="60000"/>
+                  <a:lumOff val="40000"/>
+                  <a:alpha val="7000"/>
+                </a:schemeClr>
+              </a:gs>
+              <a:gs pos="69000">
+                <a:schemeClr val="bg2">
+                  <a:lumMod val="60000"/>
+                  <a:lumOff val="40000"/>
+                  <a:alpha val="0"/>
+                </a:schemeClr>
+              </a:gs>
+              <a:gs pos="36000">
+                <a:schemeClr val="bg2">
+                  <a:lumMod val="60000"/>
+                  <a:lumOff val="40000"/>
+                  <a:alpha val="6000"/>
+                </a:schemeClr>
+              </a:gs>
+            </a:gsLst>
+            <a:path path="circle">
+              <a:fillToRect l="50000" t="50000" r="50000" b="50000"/>
+            </a:path>
+            <a:tileRect/>
+          </a:gradFill>
+          <a:ln>
+            <a:noFill/>
+          </a:ln>
+          <a:effectLst/>
+        </p:spPr>
+        <p:style>
+          <a:lnRef idx="1">
+            <a:schemeClr val="accent1"/>
+          </a:lnRef>
+          <a:fillRef idx="3">
+            <a:schemeClr val="accent1"/>
+          </a:fillRef>
+          <a:effectRef idx="2">
+            <a:schemeClr val="accent1"/>
+          </a:effectRef>
+          <a:fontRef idx="minor">
+            <a:schemeClr val="lt1"/>
+          </a:fontRef>
+        </p:style>
+        <p:txBody>
+          <a:bodyPr/>
+          <a:lstStyle/>
+          <a:p>
+            <a:endParaRPr lang="en-DK"/>
+          </a:p>
+        </p:txBody>
+      </p:sp>
+      <p:pic>
+        <p:nvPicPr>
+          <p:cNvPr id="49" name="Picture 48">
+            <a:extLst>
+              <a:ext uri="{FF2B5EF4-FFF2-40B4-BE49-F238E27FC236}">
+                <a16:creationId xmlns:a16="http://schemas.microsoft.com/office/drawing/2014/main" id="{CF1EB4BD-9C7E-4AA3-9681-C7EB0DA6250B}"/>
+              </a:ext>
+              <a:ext uri="{C183D7F6-B498-43B3-948B-1728B52AA6E4}">
+                <adec:decorative xmlns:adec="http://schemas.microsoft.com/office/drawing/2017/decorative" val="1"/>
+              </a:ext>
+            </a:extLst>
+          </p:cNvPr>
+          <p:cNvPicPr>
+            <a:picLocks noGrp="1" noRot="1" noChangeAspect="1" noMove="1" noResize="1" noEditPoints="1" noAdjustHandles="1" noChangeArrowheads="1" noChangeShapeType="1" noCrop="1"/>
+          </p:cNvPicPr>
+          <p:nvPr>
+            <p:extLst>
+              <p:ext uri="{386F3935-93C4-4BCD-93E2-E3B085C9AB24}">
+                <p16:designElem xmlns:p16="http://schemas.microsoft.com/office/powerpoint/2015/main" val="1"/>
+              </p:ext>
+            </p:extLst>
+          </p:nvPr>
+        </p:nvPicPr>
+        <p:blipFill rotWithShape="1">
+          <a:blip r:embed="rId4">
+            <a:extLst>
+              <a:ext uri="{28A0092B-C50C-407E-A947-70E740481C1C}">
+                <a14:useLocalDpi xmlns:a14="http://schemas.microsoft.com/office/drawing/2010/main" val="0"/>
+              </a:ext>
+            </a:extLst>
+          </a:blip>
+          <a:srcRect t="28813"/>
+          <a:stretch/>
+        </p:blipFill>
+        <p:spPr>
+          <a:xfrm>
+            <a:off x="7999412" y="0"/>
+            <a:ext cx="1603387" cy="1141407"/>
+          </a:xfrm>
+          <a:prstGeom prst="rect">
+            <a:avLst/>
+          </a:prstGeom>
+        </p:spPr>
+      </p:pic>
+      <p:pic>
+        <p:nvPicPr>
+          <p:cNvPr id="51" name="Picture 50">
+            <a:extLst>
+              <a:ext uri="{FF2B5EF4-FFF2-40B4-BE49-F238E27FC236}">
+                <a16:creationId xmlns:a16="http://schemas.microsoft.com/office/drawing/2014/main" id="{94AAE3AA-3759-4D28-B0EF-575F25A5146C}"/>
+              </a:ext>
+              <a:ext uri="{C183D7F6-B498-43B3-948B-1728B52AA6E4}">
+                <adec:decorative xmlns:adec="http://schemas.microsoft.com/office/drawing/2017/decorative" val="1"/>
+              </a:ext>
+            </a:extLst>
+          </p:cNvPr>
+          <p:cNvPicPr>
+            <a:picLocks noGrp="1" noRot="1" noChangeAspect="1" noMove="1" noResize="1" noEditPoints="1" noAdjustHandles="1" noChangeArrowheads="1" noChangeShapeType="1" noCrop="1"/>
+          </p:cNvPicPr>
+          <p:nvPr>
+            <p:extLst>
+              <p:ext uri="{386F3935-93C4-4BCD-93E2-E3B085C9AB24}">
+                <p16:designElem xmlns:p16="http://schemas.microsoft.com/office/powerpoint/2015/main" val="1"/>
+              </p:ext>
+            </p:extLst>
+          </p:nvPr>
+        </p:nvPicPr>
+        <p:blipFill rotWithShape="1">
+          <a:blip r:embed="rId5">
+            <a:extLst>
+              <a:ext uri="{28A0092B-C50C-407E-A947-70E740481C1C}">
+                <a14:useLocalDpi xmlns:a14="http://schemas.microsoft.com/office/drawing/2010/main" val="0"/>
+              </a:ext>
+            </a:extLst>
+          </a:blip>
+          <a:srcRect b="23320"/>
+          <a:stretch/>
+        </p:blipFill>
+        <p:spPr>
+          <a:xfrm>
+            <a:off x="8605878" y="6096000"/>
+            <a:ext cx="993734" cy="762000"/>
+          </a:xfrm>
+          <a:prstGeom prst="rect">
+            <a:avLst/>
+          </a:prstGeom>
+        </p:spPr>
+      </p:pic>
+      <p:sp>
+        <p:nvSpPr>
+          <p:cNvPr id="53" name="Rectangle 52">
+            <a:extLst>
+              <a:ext uri="{FF2B5EF4-FFF2-40B4-BE49-F238E27FC236}">
+                <a16:creationId xmlns:a16="http://schemas.microsoft.com/office/drawing/2014/main" id="{D28BE0C3-2102-4820-B88B-A448B1840D14}"/>
+              </a:ext>
+              <a:ext uri="{C183D7F6-B498-43B3-948B-1728B52AA6E4}">
+                <adec:decorative xmlns:adec="http://schemas.microsoft.com/office/drawing/2017/decorative" val="1"/>
+              </a:ext>
+            </a:extLst>
+          </p:cNvPr>
+          <p:cNvSpPr>
+            <a:spLocks noGrp="1" noRot="1" noChangeAspect="1" noMove="1" noResize="1" noEditPoints="1" noAdjustHandles="1" noChangeArrowheads="1" noChangeShapeType="1" noTextEdit="1"/>
+          </p:cNvSpPr>
+          <p:nvPr>
+            <p:extLst>
+              <p:ext uri="{386F3935-93C4-4BCD-93E2-E3B085C9AB24}">
+                <p16:designElem xmlns:p16="http://schemas.microsoft.com/office/powerpoint/2015/main" val="1"/>
+              </p:ext>
+            </p:extLst>
+          </p:nvPr>
+        </p:nvSpPr>
+        <p:spPr>
+          <a:xfrm>
+            <a:off x="10437812" y="0"/>
+            <a:ext cx="685800" cy="1143000"/>
+          </a:xfrm>
+          <a:prstGeom prst="rect">
+            <a:avLst/>
+          </a:prstGeom>
+          <a:solidFill>
+            <a:schemeClr val="accent1"/>
+          </a:solidFill>
+          <a:ln>
+            <a:noFill/>
+          </a:ln>
+        </p:spPr>
+        <p:style>
+          <a:lnRef idx="1">
+            <a:schemeClr val="accent1"/>
+          </a:lnRef>
+          <a:fillRef idx="3">
+            <a:schemeClr val="accent1"/>
+          </a:fillRef>
+          <a:effectRef idx="2">
+            <a:schemeClr val="accent1"/>
+          </a:effectRef>
+          <a:fontRef idx="minor">
+            <a:schemeClr val="lt1"/>
+          </a:fontRef>
+        </p:style>
+        <p:txBody>
+          <a:bodyPr/>
+          <a:lstStyle/>
+          <a:p>
+            <a:endParaRPr lang="en-DK"/>
+          </a:p>
+        </p:txBody>
+      </p:sp>
+      <p:pic>
+        <p:nvPicPr>
+          <p:cNvPr id="17" name="Billede 16">
+            <a:extLst>
+              <a:ext uri="{FF2B5EF4-FFF2-40B4-BE49-F238E27FC236}">
+                <a16:creationId xmlns:a16="http://schemas.microsoft.com/office/drawing/2014/main" id="{2A4F5E1E-42C1-4BDD-9F20-75B15887B2AA}"/>
+              </a:ext>
+            </a:extLst>
+          </p:cNvPr>
+          <p:cNvPicPr>
+            <a:picLocks noChangeAspect="1"/>
+          </p:cNvPicPr>
+          <p:nvPr/>
+        </p:nvPicPr>
+        <p:blipFill>
+          <a:blip r:embed="rId6">
+            <a:alphaModFix amt="35000"/>
+          </a:blip>
+          <a:srcRect t="16113" b="16116"/>
+          <a:stretch/>
+        </p:blipFill>
+        <p:spPr>
+          <a:xfrm>
+            <a:off x="20" y="-1"/>
+            <a:ext cx="12191980" cy="6858000"/>
+          </a:xfrm>
+          <a:prstGeom prst="rect">
+            <a:avLst/>
+          </a:prstGeom>
+        </p:spPr>
+      </p:pic>
       <p:sp>
         <p:nvSpPr>
           <p:cNvPr id="2" name="Titel 1">
@@ -29676,8 +31224,8 @@
         </p:nvSpPr>
         <p:spPr>
           <a:xfrm>
-            <a:off x="5411931" y="452718"/>
-            <a:ext cx="4638903" cy="1400530"/>
+            <a:off x="646111" y="452718"/>
+            <a:ext cx="9404723" cy="1400530"/>
           </a:xfrm>
         </p:spPr>
         <p:txBody>
@@ -29687,7 +31235,7 @@
           <a:lstStyle/>
           <a:p>
             <a:r>
-              <a:rPr lang="en-US" sz="3900"/>
+              <a:rPr lang="en-US"/>
               <a:t>Åbning af eksistrende projekt</a:t>
             </a:r>
           </a:p>
@@ -29695,556 +31243,10 @@
       </p:sp>
       <p:sp>
         <p:nvSpPr>
-          <p:cNvPr id="36" name="Freeform 31">
+          <p:cNvPr id="55" name="Rectangle 54">
             <a:extLst>
               <a:ext uri="{FF2B5EF4-FFF2-40B4-BE49-F238E27FC236}">
-                <a16:creationId xmlns:a16="http://schemas.microsoft.com/office/drawing/2014/main" id="{81CC9B02-E087-4350-AEBD-2C3CF001AF01}"/>
-              </a:ext>
-              <a:ext uri="{C183D7F6-B498-43B3-948B-1728B52AA6E4}">
-                <adec:decorative xmlns:adec="http://schemas.microsoft.com/office/drawing/2017/decorative" val="1"/>
-              </a:ext>
-            </a:extLst>
-          </p:cNvPr>
-          <p:cNvSpPr>
-            <a:spLocks noGrp="1" noRot="1" noChangeAspect="1" noMove="1" noResize="1" noEditPoints="1" noAdjustHandles="1" noChangeArrowheads="1" noChangeShapeType="1" noTextEdit="1"/>
-          </p:cNvSpPr>
-          <p:nvPr>
-            <p:extLst>
-              <p:ext uri="{386F3935-93C4-4BCD-93E2-E3B085C9AB24}">
-                <p16:designElem xmlns:p16="http://schemas.microsoft.com/office/powerpoint/2015/main" val="1"/>
-              </p:ext>
-            </p:extLst>
-          </p:nvPr>
-        </p:nvSpPr>
-        <p:spPr>
-          <a:xfrm flipH="1">
-            <a:off x="4628375" y="-1573"/>
-            <a:ext cx="559472" cy="3709642"/>
-          </a:xfrm>
-          <a:custGeom>
-            <a:avLst/>
-            <a:gdLst>
-              <a:gd name="connsiteX0" fmla="*/ 0 w 559472"/>
-              <a:gd name="connsiteY0" fmla="*/ 0 h 3709642"/>
-              <a:gd name="connsiteX1" fmla="*/ 473952 w 559472"/>
-              <a:gd name="connsiteY1" fmla="*/ 0 h 3709642"/>
-              <a:gd name="connsiteX2" fmla="*/ 485840 w 559472"/>
-              <a:gd name="connsiteY2" fmla="*/ 161194 h 3709642"/>
-              <a:gd name="connsiteX3" fmla="*/ 523949 w 559472"/>
-              <a:gd name="connsiteY3" fmla="*/ 3672197 h 3709642"/>
-              <a:gd name="connsiteX4" fmla="*/ 454748 w 559472"/>
-              <a:gd name="connsiteY4" fmla="*/ 3709642 h 3709642"/>
-              <a:gd name="connsiteX5" fmla="*/ 448224 w 559472"/>
-              <a:gd name="connsiteY5" fmla="*/ 3510471 h 3709642"/>
-              <a:gd name="connsiteX6" fmla="*/ 443564 w 559472"/>
-              <a:gd name="connsiteY6" fmla="*/ 3408563 h 3709642"/>
-              <a:gd name="connsiteX7" fmla="*/ 438902 w 559472"/>
-              <a:gd name="connsiteY7" fmla="*/ 3304407 h 3709642"/>
-              <a:gd name="connsiteX8" fmla="*/ 433941 w 559472"/>
-              <a:gd name="connsiteY8" fmla="*/ 3198777 h 3709642"/>
-              <a:gd name="connsiteX9" fmla="*/ 427584 w 559472"/>
-              <a:gd name="connsiteY9" fmla="*/ 3092510 h 3709642"/>
-              <a:gd name="connsiteX10" fmla="*/ 420988 w 559472"/>
-              <a:gd name="connsiteY10" fmla="*/ 2984390 h 3709642"/>
-              <a:gd name="connsiteX11" fmla="*/ 414330 w 559472"/>
-              <a:gd name="connsiteY11" fmla="*/ 2874401 h 3709642"/>
-              <a:gd name="connsiteX12" fmla="*/ 406840 w 559472"/>
-              <a:gd name="connsiteY12" fmla="*/ 2762980 h 3709642"/>
-              <a:gd name="connsiteX13" fmla="*/ 397745 w 559472"/>
-              <a:gd name="connsiteY13" fmla="*/ 2650566 h 3709642"/>
-              <a:gd name="connsiteX14" fmla="*/ 389154 w 559472"/>
-              <a:gd name="connsiteY14" fmla="*/ 2536612 h 3709642"/>
-              <a:gd name="connsiteX15" fmla="*/ 379225 w 559472"/>
-              <a:gd name="connsiteY15" fmla="*/ 2421642 h 3709642"/>
-              <a:gd name="connsiteX16" fmla="*/ 368316 w 559472"/>
-              <a:gd name="connsiteY16" fmla="*/ 2305627 h 3709642"/>
-              <a:gd name="connsiteX17" fmla="*/ 357466 w 559472"/>
-              <a:gd name="connsiteY17" fmla="*/ 2189233 h 3709642"/>
-              <a:gd name="connsiteX18" fmla="*/ 344982 w 559472"/>
-              <a:gd name="connsiteY18" fmla="*/ 2071473 h 3709642"/>
-              <a:gd name="connsiteX19" fmla="*/ 332466 w 559472"/>
-              <a:gd name="connsiteY19" fmla="*/ 1952216 h 3709642"/>
-              <a:gd name="connsiteX20" fmla="*/ 319121 w 559472"/>
-              <a:gd name="connsiteY20" fmla="*/ 1833776 h 3709642"/>
-              <a:gd name="connsiteX21" fmla="*/ 304408 w 559472"/>
-              <a:gd name="connsiteY21" fmla="*/ 1713948 h 3709642"/>
-              <a:gd name="connsiteX22" fmla="*/ 288685 w 559472"/>
-              <a:gd name="connsiteY22" fmla="*/ 1592703 h 3709642"/>
-              <a:gd name="connsiteX23" fmla="*/ 273050 w 559472"/>
-              <a:gd name="connsiteY23" fmla="*/ 1471451 h 3709642"/>
-              <a:gd name="connsiteX24" fmla="*/ 255813 w 559472"/>
-              <a:gd name="connsiteY24" fmla="*/ 1350328 h 3709642"/>
-              <a:gd name="connsiteX25" fmla="*/ 237060 w 559472"/>
-              <a:gd name="connsiteY25" fmla="*/ 1227080 h 3709642"/>
-              <a:gd name="connsiteX26" fmla="*/ 218488 w 559472"/>
-              <a:gd name="connsiteY26" fmla="*/ 1106065 h 3709642"/>
-              <a:gd name="connsiteX27" fmla="*/ 198221 w 559472"/>
-              <a:gd name="connsiteY27" fmla="*/ 982940 h 3709642"/>
-              <a:gd name="connsiteX28" fmla="*/ 177152 w 559472"/>
-              <a:gd name="connsiteY28" fmla="*/ 858755 h 3709642"/>
-              <a:gd name="connsiteX29" fmla="*/ 155551 w 559472"/>
-              <a:gd name="connsiteY29" fmla="*/ 736861 h 3709642"/>
-              <a:gd name="connsiteX30" fmla="*/ 131782 w 559472"/>
-              <a:gd name="connsiteY30" fmla="*/ 613645 h 3709642"/>
-              <a:gd name="connsiteX31" fmla="*/ 107123 w 559472"/>
-              <a:gd name="connsiteY31" fmla="*/ 490500 h 3709642"/>
-              <a:gd name="connsiteX32" fmla="*/ 82552 w 559472"/>
-              <a:gd name="connsiteY32" fmla="*/ 367348 h 3709642"/>
-              <a:gd name="connsiteX33" fmla="*/ 55608 w 559472"/>
-              <a:gd name="connsiteY33" fmla="*/ 244762 h 3709642"/>
-              <a:gd name="connsiteX34" fmla="*/ 28130 w 559472"/>
-              <a:gd name="connsiteY34" fmla="*/ 122220 h 3709642"/>
-              <a:gd name="connsiteX35" fmla="*/ 0 w 559472"/>
-              <a:gd name="connsiteY35" fmla="*/ 0 h 3709642"/>
-            </a:gdLst>
-            <a:ahLst/>
-            <a:cxnLst>
-              <a:cxn ang="0">
-                <a:pos x="connsiteX0" y="connsiteY0"/>
-              </a:cxn>
-              <a:cxn ang="0">
-                <a:pos x="connsiteX1" y="connsiteY1"/>
-              </a:cxn>
-              <a:cxn ang="0">
-                <a:pos x="connsiteX2" y="connsiteY2"/>
-              </a:cxn>
-              <a:cxn ang="0">
-                <a:pos x="connsiteX3" y="connsiteY3"/>
-              </a:cxn>
-              <a:cxn ang="0">
-                <a:pos x="connsiteX4" y="connsiteY4"/>
-              </a:cxn>
-              <a:cxn ang="0">
-                <a:pos x="connsiteX5" y="connsiteY5"/>
-              </a:cxn>
-              <a:cxn ang="0">
-                <a:pos x="connsiteX6" y="connsiteY6"/>
-              </a:cxn>
-              <a:cxn ang="0">
-                <a:pos x="connsiteX7" y="connsiteY7"/>
-              </a:cxn>
-              <a:cxn ang="0">
-                <a:pos x="connsiteX8" y="connsiteY8"/>
-              </a:cxn>
-              <a:cxn ang="0">
-                <a:pos x="connsiteX9" y="connsiteY9"/>
-              </a:cxn>
-              <a:cxn ang="0">
-                <a:pos x="connsiteX10" y="connsiteY10"/>
-              </a:cxn>
-              <a:cxn ang="0">
-                <a:pos x="connsiteX11" y="connsiteY11"/>
-              </a:cxn>
-              <a:cxn ang="0">
-                <a:pos x="connsiteX12" y="connsiteY12"/>
-              </a:cxn>
-              <a:cxn ang="0">
-                <a:pos x="connsiteX13" y="connsiteY13"/>
-              </a:cxn>
-              <a:cxn ang="0">
-                <a:pos x="connsiteX14" y="connsiteY14"/>
-              </a:cxn>
-              <a:cxn ang="0">
-                <a:pos x="connsiteX15" y="connsiteY15"/>
-              </a:cxn>
-              <a:cxn ang="0">
-                <a:pos x="connsiteX16" y="connsiteY16"/>
-              </a:cxn>
-              <a:cxn ang="0">
-                <a:pos x="connsiteX17" y="connsiteY17"/>
-              </a:cxn>
-              <a:cxn ang="0">
-                <a:pos x="connsiteX18" y="connsiteY18"/>
-              </a:cxn>
-              <a:cxn ang="0">
-                <a:pos x="connsiteX19" y="connsiteY19"/>
-              </a:cxn>
-              <a:cxn ang="0">
-                <a:pos x="connsiteX20" y="connsiteY20"/>
-              </a:cxn>
-              <a:cxn ang="0">
-                <a:pos x="connsiteX21" y="connsiteY21"/>
-              </a:cxn>
-              <a:cxn ang="0">
-                <a:pos x="connsiteX22" y="connsiteY22"/>
-              </a:cxn>
-              <a:cxn ang="0">
-                <a:pos x="connsiteX23" y="connsiteY23"/>
-              </a:cxn>
-              <a:cxn ang="0">
-                <a:pos x="connsiteX24" y="connsiteY24"/>
-              </a:cxn>
-              <a:cxn ang="0">
-                <a:pos x="connsiteX25" y="connsiteY25"/>
-              </a:cxn>
-              <a:cxn ang="0">
-                <a:pos x="connsiteX26" y="connsiteY26"/>
-              </a:cxn>
-              <a:cxn ang="0">
-                <a:pos x="connsiteX27" y="connsiteY27"/>
-              </a:cxn>
-              <a:cxn ang="0">
-                <a:pos x="connsiteX28" y="connsiteY28"/>
-              </a:cxn>
-              <a:cxn ang="0">
-                <a:pos x="connsiteX29" y="connsiteY29"/>
-              </a:cxn>
-              <a:cxn ang="0">
-                <a:pos x="connsiteX30" y="connsiteY30"/>
-              </a:cxn>
-              <a:cxn ang="0">
-                <a:pos x="connsiteX31" y="connsiteY31"/>
-              </a:cxn>
-              <a:cxn ang="0">
-                <a:pos x="connsiteX32" y="connsiteY32"/>
-              </a:cxn>
-              <a:cxn ang="0">
-                <a:pos x="connsiteX33" y="connsiteY33"/>
-              </a:cxn>
-              <a:cxn ang="0">
-                <a:pos x="connsiteX34" y="connsiteY34"/>
-              </a:cxn>
-              <a:cxn ang="0">
-                <a:pos x="connsiteX35" y="connsiteY35"/>
-              </a:cxn>
-            </a:cxnLst>
-            <a:rect l="l" t="t" r="r" b="b"/>
-            <a:pathLst>
-              <a:path w="559472" h="3709642">
-                <a:moveTo>
-                  <a:pt x="0" y="0"/>
-                </a:moveTo>
-                <a:lnTo>
-                  <a:pt x="473952" y="0"/>
-                </a:lnTo>
-                <a:lnTo>
-                  <a:pt x="485840" y="161194"/>
-                </a:lnTo>
-                <a:cubicBezTo>
-                  <a:pt x="552063" y="1147770"/>
-                  <a:pt x="592441" y="3086737"/>
-                  <a:pt x="523949" y="3672197"/>
-                </a:cubicBezTo>
-                <a:cubicBezTo>
-                  <a:pt x="500842" y="3684557"/>
-                  <a:pt x="477855" y="3697282"/>
-                  <a:pt x="454748" y="3709642"/>
-                </a:cubicBezTo>
-                <a:lnTo>
-                  <a:pt x="448224" y="3510471"/>
-                </a:lnTo>
-                <a:lnTo>
-                  <a:pt x="443564" y="3408563"/>
-                </a:lnTo>
-                <a:lnTo>
-                  <a:pt x="438902" y="3304407"/>
-                </a:lnTo>
-                <a:lnTo>
-                  <a:pt x="433941" y="3198777"/>
-                </a:lnTo>
-                <a:lnTo>
-                  <a:pt x="427584" y="3092510"/>
-                </a:lnTo>
-                <a:lnTo>
-                  <a:pt x="420988" y="2984390"/>
-                </a:lnTo>
-                <a:lnTo>
-                  <a:pt x="414330" y="2874401"/>
-                </a:lnTo>
-                <a:lnTo>
-                  <a:pt x="406840" y="2762980"/>
-                </a:lnTo>
-                <a:lnTo>
-                  <a:pt x="397745" y="2650566"/>
-                </a:lnTo>
-                <a:lnTo>
-                  <a:pt x="389154" y="2536612"/>
-                </a:lnTo>
-                <a:lnTo>
-                  <a:pt x="379225" y="2421642"/>
-                </a:lnTo>
-                <a:lnTo>
-                  <a:pt x="368316" y="2305627"/>
-                </a:lnTo>
-                <a:lnTo>
-                  <a:pt x="357466" y="2189233"/>
-                </a:lnTo>
-                <a:lnTo>
-                  <a:pt x="344982" y="2071473"/>
-                </a:lnTo>
-                <a:lnTo>
-                  <a:pt x="332466" y="1952216"/>
-                </a:lnTo>
-                <a:lnTo>
-                  <a:pt x="319121" y="1833776"/>
-                </a:lnTo>
-                <a:lnTo>
-                  <a:pt x="304408" y="1713948"/>
-                </a:lnTo>
-                <a:lnTo>
-                  <a:pt x="288685" y="1592703"/>
-                </a:lnTo>
-                <a:lnTo>
-                  <a:pt x="273050" y="1471451"/>
-                </a:lnTo>
-                <a:lnTo>
-                  <a:pt x="255813" y="1350328"/>
-                </a:lnTo>
-                <a:lnTo>
-                  <a:pt x="237060" y="1227080"/>
-                </a:lnTo>
-                <a:lnTo>
-                  <a:pt x="218488" y="1106065"/>
-                </a:lnTo>
-                <a:lnTo>
-                  <a:pt x="198221" y="982940"/>
-                </a:lnTo>
-                <a:lnTo>
-                  <a:pt x="177152" y="858755"/>
-                </a:lnTo>
-                <a:lnTo>
-                  <a:pt x="155551" y="736861"/>
-                </a:lnTo>
-                <a:lnTo>
-                  <a:pt x="131782" y="613645"/>
-                </a:lnTo>
-                <a:lnTo>
-                  <a:pt x="107123" y="490500"/>
-                </a:lnTo>
-                <a:lnTo>
-                  <a:pt x="82552" y="367348"/>
-                </a:lnTo>
-                <a:lnTo>
-                  <a:pt x="55608" y="244762"/>
-                </a:lnTo>
-                <a:lnTo>
-                  <a:pt x="28130" y="122220"/>
-                </a:lnTo>
-                <a:lnTo>
-                  <a:pt x="0" y="0"/>
-                </a:lnTo>
-                <a:close/>
-              </a:path>
-            </a:pathLst>
-          </a:custGeom>
-          <a:solidFill>
-            <a:schemeClr val="tx1">
-              <a:alpha val="20000"/>
-            </a:schemeClr>
-          </a:solidFill>
-          <a:ln>
-            <a:noFill/>
-          </a:ln>
-        </p:spPr>
-        <p:txBody>
-          <a:bodyPr rtlCol="0" anchor="ctr"/>
-          <a:lstStyle/>
-          <a:p>
-            <a:pPr algn="ctr"/>
-            <a:endParaRPr lang="en-US"/>
-          </a:p>
-        </p:txBody>
-      </p:sp>
-      <p:pic>
-        <p:nvPicPr>
-          <p:cNvPr id="17" name="Billede 16">
-            <a:extLst>
-              <a:ext uri="{FF2B5EF4-FFF2-40B4-BE49-F238E27FC236}">
-                <a16:creationId xmlns:a16="http://schemas.microsoft.com/office/drawing/2014/main" id="{2A4F5E1E-42C1-4BDD-9F20-75B15887B2AA}"/>
-              </a:ext>
-            </a:extLst>
-          </p:cNvPr>
-          <p:cNvPicPr>
-            <a:picLocks noChangeAspect="1"/>
-          </p:cNvPicPr>
-          <p:nvPr/>
-        </p:nvPicPr>
-        <p:blipFill>
-          <a:blip r:embed="rId7"/>
-          <a:srcRect l="19687" r="20127" b="2"/>
-          <a:stretch/>
-        </p:blipFill>
-        <p:spPr>
-          <a:xfrm>
-            <a:off x="3" y="10"/>
-            <a:ext cx="4973099" cy="6857991"/>
-          </a:xfrm>
-          <a:custGeom>
-            <a:avLst/>
-            <a:gdLst/>
-            <a:ahLst/>
-            <a:cxnLst/>
-            <a:rect l="l" t="t" r="r" b="b"/>
-            <a:pathLst>
-              <a:path w="4973099" h="6858001">
-                <a:moveTo>
-                  <a:pt x="3628384" y="0"/>
-                </a:moveTo>
-                <a:lnTo>
-                  <a:pt x="4971922" y="0"/>
-                </a:lnTo>
-                <a:lnTo>
-                  <a:pt x="4946877" y="155677"/>
-                </a:lnTo>
-                <a:lnTo>
-                  <a:pt x="4923008" y="310668"/>
-                </a:lnTo>
-                <a:lnTo>
-                  <a:pt x="4899644" y="466344"/>
-                </a:lnTo>
-                <a:lnTo>
-                  <a:pt x="4879641" y="622707"/>
-                </a:lnTo>
-                <a:lnTo>
-                  <a:pt x="4859470" y="778383"/>
-                </a:lnTo>
-                <a:lnTo>
-                  <a:pt x="4840644" y="934746"/>
-                </a:lnTo>
-                <a:lnTo>
-                  <a:pt x="4824508" y="1089051"/>
-                </a:lnTo>
-                <a:lnTo>
-                  <a:pt x="4809212" y="1245413"/>
-                </a:lnTo>
-                <a:lnTo>
-                  <a:pt x="4795260" y="1401090"/>
-                </a:lnTo>
-                <a:lnTo>
-                  <a:pt x="4783158" y="1554023"/>
-                </a:lnTo>
-                <a:lnTo>
-                  <a:pt x="4771055" y="1709014"/>
-                </a:lnTo>
-                <a:lnTo>
-                  <a:pt x="4760970" y="1861947"/>
-                </a:lnTo>
-                <a:lnTo>
-                  <a:pt x="4753070" y="2014881"/>
-                </a:lnTo>
-                <a:lnTo>
-                  <a:pt x="4744833" y="2167128"/>
-                </a:lnTo>
-                <a:lnTo>
-                  <a:pt x="4737942" y="2318004"/>
-                </a:lnTo>
-                <a:lnTo>
-                  <a:pt x="4733067" y="2467509"/>
-                </a:lnTo>
-                <a:lnTo>
-                  <a:pt x="4728865" y="2617013"/>
-                </a:lnTo>
-                <a:lnTo>
-                  <a:pt x="4724831" y="2765146"/>
-                </a:lnTo>
-                <a:lnTo>
-                  <a:pt x="4722982" y="2911221"/>
-                </a:lnTo>
-                <a:lnTo>
-                  <a:pt x="4720965" y="3057297"/>
-                </a:lnTo>
-                <a:lnTo>
-                  <a:pt x="4719956" y="3201315"/>
-                </a:lnTo>
-                <a:lnTo>
-                  <a:pt x="4720965" y="3343961"/>
-                </a:lnTo>
-                <a:lnTo>
-                  <a:pt x="4720965" y="3485236"/>
-                </a:lnTo>
-                <a:lnTo>
-                  <a:pt x="4722982" y="3625139"/>
-                </a:lnTo>
-                <a:lnTo>
-                  <a:pt x="4726007" y="3762299"/>
-                </a:lnTo>
-                <a:lnTo>
-                  <a:pt x="4728865" y="3898087"/>
-                </a:lnTo>
-                <a:lnTo>
-                  <a:pt x="4732059" y="4031133"/>
-                </a:lnTo>
-                <a:lnTo>
-                  <a:pt x="4736933" y="4163492"/>
-                </a:lnTo>
-                <a:lnTo>
-                  <a:pt x="4742144" y="4293793"/>
-                </a:lnTo>
-                <a:lnTo>
-                  <a:pt x="4746850" y="4421352"/>
-                </a:lnTo>
-                <a:lnTo>
-                  <a:pt x="4760130" y="4670298"/>
-                </a:lnTo>
-                <a:lnTo>
-                  <a:pt x="4774249" y="4908956"/>
-                </a:lnTo>
-                <a:lnTo>
-                  <a:pt x="4789041" y="5138013"/>
-                </a:lnTo>
-                <a:lnTo>
-                  <a:pt x="4805346" y="5354726"/>
-                </a:lnTo>
-                <a:lnTo>
-                  <a:pt x="4822323" y="5561838"/>
-                </a:lnTo>
-                <a:lnTo>
-                  <a:pt x="4840644" y="5753862"/>
-                </a:lnTo>
-                <a:lnTo>
-                  <a:pt x="4858630" y="5934227"/>
-                </a:lnTo>
-                <a:lnTo>
-                  <a:pt x="4876615" y="6100191"/>
-                </a:lnTo>
-                <a:lnTo>
-                  <a:pt x="4893592" y="6252438"/>
-                </a:lnTo>
-                <a:lnTo>
-                  <a:pt x="4909729" y="6387541"/>
-                </a:lnTo>
-                <a:lnTo>
-                  <a:pt x="4925025" y="6509613"/>
-                </a:lnTo>
-                <a:lnTo>
-                  <a:pt x="4937800" y="6612483"/>
-                </a:lnTo>
-                <a:lnTo>
-                  <a:pt x="4949902" y="6698894"/>
-                </a:lnTo>
-                <a:lnTo>
-                  <a:pt x="4967216" y="6817538"/>
-                </a:lnTo>
-                <a:lnTo>
-                  <a:pt x="4973099" y="6858000"/>
-                </a:lnTo>
-                <a:lnTo>
-                  <a:pt x="4075210" y="6858000"/>
-                </a:lnTo>
-                <a:lnTo>
-                  <a:pt x="4075210" y="6858001"/>
-                </a:lnTo>
-                <a:lnTo>
-                  <a:pt x="0" y="6858001"/>
-                </a:lnTo>
-                <a:lnTo>
-                  <a:pt x="0" y="1"/>
-                </a:lnTo>
-                <a:lnTo>
-                  <a:pt x="3628384" y="1"/>
-                </a:lnTo>
-                <a:close/>
-              </a:path>
-            </a:pathLst>
-          </a:custGeom>
-        </p:spPr>
-      </p:pic>
-      <p:sp>
-        <p:nvSpPr>
-          <p:cNvPr id="38" name="Rectangle 37">
-            <a:extLst>
-              <a:ext uri="{FF2B5EF4-FFF2-40B4-BE49-F238E27FC236}">
-                <a16:creationId xmlns:a16="http://schemas.microsoft.com/office/drawing/2014/main" id="{D6F18ACE-6E82-4ADC-8A2F-A1771B309B16}"/>
+                <a16:creationId xmlns:a16="http://schemas.microsoft.com/office/drawing/2014/main" id="{0D187C4E-14B9-4504-B200-5127823FA78C}"/>
               </a:ext>
               <a:ext uri="{C183D7F6-B498-43B3-948B-1728B52AA6E4}">
                 <adec:decorative xmlns:adec="http://schemas.microsoft.com/office/drawing/2017/decorative" val="1"/>
@@ -30317,8 +31319,8 @@
         </p:nvSpPr>
         <p:spPr>
           <a:xfrm>
-            <a:off x="5410950" y="2052918"/>
-            <a:ext cx="4638903" cy="4195481"/>
+            <a:off x="1103312" y="2052918"/>
+            <a:ext cx="8946541" cy="4195481"/>
           </a:xfrm>
         </p:spPr>
         <p:txBody>
@@ -30381,12 +31383,12 @@
           <a:chExt cx="0" cy="0"/>
         </a:xfrm>
       </p:grpSpPr>
-      <p:sp>
+      <p:sp useBgFill="1">
         <p:nvSpPr>
-          <p:cNvPr id="10" name="Rectangle 9">
+          <p:cNvPr id="21" name="Rectangle 20">
             <a:extLst>
               <a:ext uri="{FF2B5EF4-FFF2-40B4-BE49-F238E27FC236}">
-                <a16:creationId xmlns:a16="http://schemas.microsoft.com/office/drawing/2014/main" id="{EE4E366E-272A-409E-840F-9A6A64A9E3FF}"/>
+                <a16:creationId xmlns:a16="http://schemas.microsoft.com/office/drawing/2014/main" id="{29787B81-C7DF-412B-A405-EF4454012DEE}"/>
               </a:ext>
               <a:ext uri="{C183D7F6-B498-43B3-948B-1728B52AA6E4}">
                 <adec:decorative xmlns:adec="http://schemas.microsoft.com/office/drawing/2017/decorative" val="1"/>
@@ -30422,8 +31424,8 @@
               <a:shade val="50000"/>
             </a:schemeClr>
           </a:lnRef>
-          <a:fillRef idx="1003">
-            <a:schemeClr val="dk2"/>
+          <a:fillRef idx="1">
+            <a:schemeClr val="accent1"/>
           </a:fillRef>
           <a:effectRef idx="0">
             <a:schemeClr val="accent1"/>
@@ -30441,430 +31443,37 @@
           </a:p>
         </p:txBody>
       </p:sp>
-      <p:sp>
-        <p:nvSpPr>
-          <p:cNvPr id="12" name="Rectangle 11">
+      <p:pic>
+        <p:nvPicPr>
+          <p:cNvPr id="5" name="Billede 4">
             <a:extLst>
               <a:ext uri="{FF2B5EF4-FFF2-40B4-BE49-F238E27FC236}">
-                <a16:creationId xmlns:a16="http://schemas.microsoft.com/office/drawing/2014/main" id="{A721560C-E4AB-4287-A29C-3F6916794CB9}"/>
-              </a:ext>
-              <a:ext uri="{C183D7F6-B498-43B3-948B-1728B52AA6E4}">
-                <adec:decorative xmlns:adec="http://schemas.microsoft.com/office/drawing/2017/decorative" val="1"/>
+                <a16:creationId xmlns:a16="http://schemas.microsoft.com/office/drawing/2014/main" id="{B8087103-0AE5-4466-9F53-502440693982}"/>
               </a:ext>
             </a:extLst>
           </p:cNvPr>
-          <p:cNvSpPr>
-            <a:spLocks noGrp="1" noRot="1" noChangeAspect="1" noMove="1" noResize="1" noEditPoints="1" noAdjustHandles="1" noChangeArrowheads="1" noChangeShapeType="1" noTextEdit="1"/>
-          </p:cNvSpPr>
-          <p:nvPr>
-            <p:extLst>
-              <p:ext uri="{386F3935-93C4-4BCD-93E2-E3B085C9AB24}">
-                <p16:designElem xmlns:p16="http://schemas.microsoft.com/office/powerpoint/2015/main" val="1"/>
-              </p:ext>
-            </p:extLst>
-          </p:nvPr>
-        </p:nvSpPr>
+          <p:cNvPicPr>
+            <a:picLocks noChangeAspect="1"/>
+          </p:cNvPicPr>
+          <p:nvPr/>
+        </p:nvPicPr>
+        <p:blipFill>
+          <a:blip r:embed="rId2">
+            <a:alphaModFix amt="35000"/>
+          </a:blip>
+          <a:srcRect t="21239" b="5232"/>
+          <a:stretch/>
+        </p:blipFill>
         <p:spPr>
           <a:xfrm>
-            <a:off x="10442448" y="0"/>
-            <a:ext cx="685800" cy="1143000"/>
+            <a:off x="20" y="-1"/>
+            <a:ext cx="12191980" cy="6858000"/>
           </a:xfrm>
           <a:prstGeom prst="rect">
             <a:avLst/>
           </a:prstGeom>
-          <a:solidFill>
-            <a:schemeClr val="accent1"/>
-          </a:solidFill>
-          <a:ln>
-            <a:noFill/>
-          </a:ln>
         </p:spPr>
-        <p:style>
-          <a:lnRef idx="1">
-            <a:schemeClr val="accent1"/>
-          </a:lnRef>
-          <a:fillRef idx="3">
-            <a:schemeClr val="accent1"/>
-          </a:fillRef>
-          <a:effectRef idx="2">
-            <a:schemeClr val="accent1"/>
-          </a:effectRef>
-          <a:fontRef idx="minor">
-            <a:schemeClr val="lt1"/>
-          </a:fontRef>
-        </p:style>
-        <p:txBody>
-          <a:bodyPr/>
-          <a:lstStyle/>
-          <a:p>
-            <a:endParaRPr lang="en-DK"/>
-          </a:p>
-        </p:txBody>
-      </p:sp>
-      <p:sp>
-        <p:nvSpPr>
-          <p:cNvPr id="14" name="Freeform 7">
-            <a:extLst>
-              <a:ext uri="{FF2B5EF4-FFF2-40B4-BE49-F238E27FC236}">
-                <a16:creationId xmlns:a16="http://schemas.microsoft.com/office/drawing/2014/main" id="{DF6CFF07-D953-4F9C-9A0E-E0A6AACB6158}"/>
-              </a:ext>
-              <a:ext uri="{C183D7F6-B498-43B3-948B-1728B52AA6E4}">
-                <adec:decorative xmlns:adec="http://schemas.microsoft.com/office/drawing/2017/decorative" val="1"/>
-              </a:ext>
-            </a:extLst>
-          </p:cNvPr>
-          <p:cNvSpPr>
-            <a:spLocks noGrp="1" noRot="1" noChangeAspect="1" noMove="1" noResize="1" noEditPoints="1" noAdjustHandles="1" noChangeArrowheads="1" noChangeShapeType="1" noTextEdit="1"/>
-          </p:cNvSpPr>
-          <p:nvPr>
-            <p:extLst>
-              <p:ext uri="{386F3935-93C4-4BCD-93E2-E3B085C9AB24}">
-                <p16:designElem xmlns:p16="http://schemas.microsoft.com/office/powerpoint/2015/main" val="1"/>
-              </p:ext>
-            </p:extLst>
-          </p:nvPr>
-        </p:nvSpPr>
-        <p:spPr>
-          <a:xfrm>
-            <a:off x="8719939" y="1460230"/>
-            <a:ext cx="3472060" cy="825932"/>
-          </a:xfrm>
-          <a:custGeom>
-            <a:avLst/>
-            <a:gdLst>
-              <a:gd name="connsiteX0" fmla="*/ 3470310 w 3472060"/>
-              <a:gd name="connsiteY0" fmla="*/ 0 h 825932"/>
-              <a:gd name="connsiteX1" fmla="*/ 3472060 w 3472060"/>
-              <a:gd name="connsiteY1" fmla="*/ 12850 h 825932"/>
-              <a:gd name="connsiteX2" fmla="*/ 3472060 w 3472060"/>
-              <a:gd name="connsiteY2" fmla="*/ 480529 h 825932"/>
-              <a:gd name="connsiteX3" fmla="*/ 3363699 w 3472060"/>
-              <a:gd name="connsiteY3" fmla="*/ 498471 h 825932"/>
-              <a:gd name="connsiteX4" fmla="*/ 42060 w 3472060"/>
-              <a:gd name="connsiteY4" fmla="*/ 824486 h 825932"/>
-              <a:gd name="connsiteX5" fmla="*/ 0 w 3472060"/>
-              <a:gd name="connsiteY5" fmla="*/ 758452 h 825932"/>
-              <a:gd name="connsiteX6" fmla="*/ 188014 w 3472060"/>
-              <a:gd name="connsiteY6" fmla="*/ 735602 h 825932"/>
-              <a:gd name="connsiteX7" fmla="*/ 284087 w 3472060"/>
-              <a:gd name="connsiteY7" fmla="*/ 722590 h 825932"/>
-              <a:gd name="connsiteX8" fmla="*/ 382288 w 3472060"/>
-              <a:gd name="connsiteY8" fmla="*/ 709392 h 825932"/>
-              <a:gd name="connsiteX9" fmla="*/ 481858 w 3472060"/>
-              <a:gd name="connsiteY9" fmla="*/ 695774 h 825932"/>
-              <a:gd name="connsiteX10" fmla="*/ 581897 w 3472060"/>
-              <a:gd name="connsiteY10" fmla="*/ 680711 h 825932"/>
-              <a:gd name="connsiteX11" fmla="*/ 683670 w 3472060"/>
-              <a:gd name="connsiteY11" fmla="*/ 665256 h 825932"/>
-              <a:gd name="connsiteX12" fmla="*/ 787206 w 3472060"/>
-              <a:gd name="connsiteY12" fmla="*/ 649587 h 825932"/>
-              <a:gd name="connsiteX13" fmla="*/ 892019 w 3472060"/>
-              <a:gd name="connsiteY13" fmla="*/ 632968 h 825932"/>
-              <a:gd name="connsiteX14" fmla="*/ 997620 w 3472060"/>
-              <a:gd name="connsiteY14" fmla="*/ 614667 h 825932"/>
-              <a:gd name="connsiteX15" fmla="*/ 1104727 w 3472060"/>
-              <a:gd name="connsiteY15" fmla="*/ 596741 h 825932"/>
-              <a:gd name="connsiteX16" fmla="*/ 1212669 w 3472060"/>
-              <a:gd name="connsiteY16" fmla="*/ 577397 h 825932"/>
-              <a:gd name="connsiteX17" fmla="*/ 1321506 w 3472060"/>
-              <a:gd name="connsiteY17" fmla="*/ 556988 h 825932"/>
-              <a:gd name="connsiteX18" fmla="*/ 1430709 w 3472060"/>
-              <a:gd name="connsiteY18" fmla="*/ 536607 h 825932"/>
-              <a:gd name="connsiteX19" fmla="*/ 1541050 w 3472060"/>
-              <a:gd name="connsiteY19" fmla="*/ 514481 h 825932"/>
-              <a:gd name="connsiteX20" fmla="*/ 1652805 w 3472060"/>
-              <a:gd name="connsiteY20" fmla="*/ 492202 h 825932"/>
-              <a:gd name="connsiteX21" fmla="*/ 1763708 w 3472060"/>
-              <a:gd name="connsiteY21" fmla="*/ 469161 h 825932"/>
-              <a:gd name="connsiteX22" fmla="*/ 1875795 w 3472060"/>
-              <a:gd name="connsiteY22" fmla="*/ 444641 h 825932"/>
-              <a:gd name="connsiteX23" fmla="*/ 1989128 w 3472060"/>
-              <a:gd name="connsiteY23" fmla="*/ 418995 h 825932"/>
-              <a:gd name="connsiteX24" fmla="*/ 2102476 w 3472060"/>
-              <a:gd name="connsiteY24" fmla="*/ 393438 h 825932"/>
-              <a:gd name="connsiteX25" fmla="*/ 2215549 w 3472060"/>
-              <a:gd name="connsiteY25" fmla="*/ 366291 h 825932"/>
-              <a:gd name="connsiteX26" fmla="*/ 2330490 w 3472060"/>
-              <a:gd name="connsiteY26" fmla="*/ 337455 h 825932"/>
-              <a:gd name="connsiteX27" fmla="*/ 2443333 w 3472060"/>
-              <a:gd name="connsiteY27" fmla="*/ 308983 h 825932"/>
-              <a:gd name="connsiteX28" fmla="*/ 2558014 w 3472060"/>
-              <a:gd name="connsiteY28" fmla="*/ 278646 h 825932"/>
-              <a:gd name="connsiteX29" fmla="*/ 2673621 w 3472060"/>
-              <a:gd name="connsiteY29" fmla="*/ 247421 h 825932"/>
-              <a:gd name="connsiteX30" fmla="*/ 2787008 w 3472060"/>
-              <a:gd name="connsiteY30" fmla="*/ 215853 h 825932"/>
-              <a:gd name="connsiteX31" fmla="*/ 2901442 w 3472060"/>
-              <a:gd name="connsiteY31" fmla="*/ 182011 h 825932"/>
-              <a:gd name="connsiteX32" fmla="*/ 3015722 w 3472060"/>
-              <a:gd name="connsiteY32" fmla="*/ 147286 h 825932"/>
-              <a:gd name="connsiteX33" fmla="*/ 3130018 w 3472060"/>
-              <a:gd name="connsiteY33" fmla="*/ 112649 h 825932"/>
-              <a:gd name="connsiteX34" fmla="*/ 3243551 w 3472060"/>
-              <a:gd name="connsiteY34" fmla="*/ 75688 h 825932"/>
-              <a:gd name="connsiteX35" fmla="*/ 3356992 w 3472060"/>
-              <a:gd name="connsiteY35" fmla="*/ 38197 h 825932"/>
-              <a:gd name="connsiteX36" fmla="*/ 3470310 w 3472060"/>
-              <a:gd name="connsiteY36" fmla="*/ 0 h 825932"/>
-            </a:gdLst>
-            <a:ahLst/>
-            <a:cxnLst>
-              <a:cxn ang="0">
-                <a:pos x="connsiteX0" y="connsiteY0"/>
-              </a:cxn>
-              <a:cxn ang="0">
-                <a:pos x="connsiteX1" y="connsiteY1"/>
-              </a:cxn>
-              <a:cxn ang="0">
-                <a:pos x="connsiteX2" y="connsiteY2"/>
-              </a:cxn>
-              <a:cxn ang="0">
-                <a:pos x="connsiteX3" y="connsiteY3"/>
-              </a:cxn>
-              <a:cxn ang="0">
-                <a:pos x="connsiteX4" y="connsiteY4"/>
-              </a:cxn>
-              <a:cxn ang="0">
-                <a:pos x="connsiteX5" y="connsiteY5"/>
-              </a:cxn>
-              <a:cxn ang="0">
-                <a:pos x="connsiteX6" y="connsiteY6"/>
-              </a:cxn>
-              <a:cxn ang="0">
-                <a:pos x="connsiteX7" y="connsiteY7"/>
-              </a:cxn>
-              <a:cxn ang="0">
-                <a:pos x="connsiteX8" y="connsiteY8"/>
-              </a:cxn>
-              <a:cxn ang="0">
-                <a:pos x="connsiteX9" y="connsiteY9"/>
-              </a:cxn>
-              <a:cxn ang="0">
-                <a:pos x="connsiteX10" y="connsiteY10"/>
-              </a:cxn>
-              <a:cxn ang="0">
-                <a:pos x="connsiteX11" y="connsiteY11"/>
-              </a:cxn>
-              <a:cxn ang="0">
-                <a:pos x="connsiteX12" y="connsiteY12"/>
-              </a:cxn>
-              <a:cxn ang="0">
-                <a:pos x="connsiteX13" y="connsiteY13"/>
-              </a:cxn>
-              <a:cxn ang="0">
-                <a:pos x="connsiteX14" y="connsiteY14"/>
-              </a:cxn>
-              <a:cxn ang="0">
-                <a:pos x="connsiteX15" y="connsiteY15"/>
-              </a:cxn>
-              <a:cxn ang="0">
-                <a:pos x="connsiteX16" y="connsiteY16"/>
-              </a:cxn>
-              <a:cxn ang="0">
-                <a:pos x="connsiteX17" y="connsiteY17"/>
-              </a:cxn>
-              <a:cxn ang="0">
-                <a:pos x="connsiteX18" y="connsiteY18"/>
-              </a:cxn>
-              <a:cxn ang="0">
-                <a:pos x="connsiteX19" y="connsiteY19"/>
-              </a:cxn>
-              <a:cxn ang="0">
-                <a:pos x="connsiteX20" y="connsiteY20"/>
-              </a:cxn>
-              <a:cxn ang="0">
-                <a:pos x="connsiteX21" y="connsiteY21"/>
-              </a:cxn>
-              <a:cxn ang="0">
-                <a:pos x="connsiteX22" y="connsiteY22"/>
-              </a:cxn>
-              <a:cxn ang="0">
-                <a:pos x="connsiteX23" y="connsiteY23"/>
-              </a:cxn>
-              <a:cxn ang="0">
-                <a:pos x="connsiteX24" y="connsiteY24"/>
-              </a:cxn>
-              <a:cxn ang="0">
-                <a:pos x="connsiteX25" y="connsiteY25"/>
-              </a:cxn>
-              <a:cxn ang="0">
-                <a:pos x="connsiteX26" y="connsiteY26"/>
-              </a:cxn>
-              <a:cxn ang="0">
-                <a:pos x="connsiteX27" y="connsiteY27"/>
-              </a:cxn>
-              <a:cxn ang="0">
-                <a:pos x="connsiteX28" y="connsiteY28"/>
-              </a:cxn>
-              <a:cxn ang="0">
-                <a:pos x="connsiteX29" y="connsiteY29"/>
-              </a:cxn>
-              <a:cxn ang="0">
-                <a:pos x="connsiteX30" y="connsiteY30"/>
-              </a:cxn>
-              <a:cxn ang="0">
-                <a:pos x="connsiteX31" y="connsiteY31"/>
-              </a:cxn>
-              <a:cxn ang="0">
-                <a:pos x="connsiteX32" y="connsiteY32"/>
-              </a:cxn>
-              <a:cxn ang="0">
-                <a:pos x="connsiteX33" y="connsiteY33"/>
-              </a:cxn>
-              <a:cxn ang="0">
-                <a:pos x="connsiteX34" y="connsiteY34"/>
-              </a:cxn>
-              <a:cxn ang="0">
-                <a:pos x="connsiteX35" y="connsiteY35"/>
-              </a:cxn>
-              <a:cxn ang="0">
-                <a:pos x="connsiteX36" y="connsiteY36"/>
-              </a:cxn>
-            </a:cxnLst>
-            <a:rect l="l" t="t" r="r" b="b"/>
-            <a:pathLst>
-              <a:path w="3472060" h="825932">
-                <a:moveTo>
-                  <a:pt x="3470310" y="0"/>
-                </a:moveTo>
-                <a:lnTo>
-                  <a:pt x="3472060" y="12850"/>
-                </a:lnTo>
-                <a:lnTo>
-                  <a:pt x="3472060" y="480529"/>
-                </a:lnTo>
-                <a:lnTo>
-                  <a:pt x="3363699" y="498471"/>
-                </a:lnTo>
-                <a:cubicBezTo>
-                  <a:pt x="2435623" y="645518"/>
-                  <a:pt x="603076" y="844866"/>
-                  <a:pt x="42060" y="824486"/>
-                </a:cubicBezTo>
-                <a:cubicBezTo>
-                  <a:pt x="28151" y="802425"/>
-                  <a:pt x="13909" y="780513"/>
-                  <a:pt x="0" y="758452"/>
-                </a:cubicBezTo>
-                <a:lnTo>
-                  <a:pt x="188014" y="735602"/>
-                </a:lnTo>
-                <a:lnTo>
-                  <a:pt x="284087" y="722590"/>
-                </a:lnTo>
-                <a:lnTo>
-                  <a:pt x="382288" y="709392"/>
-                </a:lnTo>
-                <a:lnTo>
-                  <a:pt x="481858" y="695774"/>
-                </a:lnTo>
-                <a:lnTo>
-                  <a:pt x="581897" y="680711"/>
-                </a:lnTo>
-                <a:lnTo>
-                  <a:pt x="683670" y="665256"/>
-                </a:lnTo>
-                <a:lnTo>
-                  <a:pt x="787206" y="649587"/>
-                </a:lnTo>
-                <a:lnTo>
-                  <a:pt x="892019" y="632968"/>
-                </a:lnTo>
-                <a:lnTo>
-                  <a:pt x="997620" y="614667"/>
-                </a:lnTo>
-                <a:lnTo>
-                  <a:pt x="1104727" y="596741"/>
-                </a:lnTo>
-                <a:lnTo>
-                  <a:pt x="1212669" y="577397"/>
-                </a:lnTo>
-                <a:lnTo>
-                  <a:pt x="1321506" y="556988"/>
-                </a:lnTo>
-                <a:lnTo>
-                  <a:pt x="1430709" y="536607"/>
-                </a:lnTo>
-                <a:lnTo>
-                  <a:pt x="1541050" y="514481"/>
-                </a:lnTo>
-                <a:lnTo>
-                  <a:pt x="1652805" y="492202"/>
-                </a:lnTo>
-                <a:lnTo>
-                  <a:pt x="1763708" y="469161"/>
-                </a:lnTo>
-                <a:lnTo>
-                  <a:pt x="1875795" y="444641"/>
-                </a:lnTo>
-                <a:lnTo>
-                  <a:pt x="1989128" y="418995"/>
-                </a:lnTo>
-                <a:lnTo>
-                  <a:pt x="2102476" y="393438"/>
-                </a:lnTo>
-                <a:lnTo>
-                  <a:pt x="2215549" y="366291"/>
-                </a:lnTo>
-                <a:lnTo>
-                  <a:pt x="2330490" y="337455"/>
-                </a:lnTo>
-                <a:lnTo>
-                  <a:pt x="2443333" y="308983"/>
-                </a:lnTo>
-                <a:lnTo>
-                  <a:pt x="2558014" y="278646"/>
-                </a:lnTo>
-                <a:lnTo>
-                  <a:pt x="2673621" y="247421"/>
-                </a:lnTo>
-                <a:lnTo>
-                  <a:pt x="2787008" y="215853"/>
-                </a:lnTo>
-                <a:lnTo>
-                  <a:pt x="2901442" y="182011"/>
-                </a:lnTo>
-                <a:lnTo>
-                  <a:pt x="3015722" y="147286"/>
-                </a:lnTo>
-                <a:lnTo>
-                  <a:pt x="3130018" y="112649"/>
-                </a:lnTo>
-                <a:lnTo>
-                  <a:pt x="3243551" y="75688"/>
-                </a:lnTo>
-                <a:lnTo>
-                  <a:pt x="3356992" y="38197"/>
-                </a:lnTo>
-                <a:lnTo>
-                  <a:pt x="3470310" y="0"/>
-                </a:lnTo>
-                <a:close/>
-              </a:path>
-            </a:pathLst>
-          </a:custGeom>
-          <a:solidFill>
-            <a:schemeClr val="bg1">
-              <a:alpha val="20000"/>
-            </a:schemeClr>
-          </a:solidFill>
-          <a:ln>
-            <a:noFill/>
-          </a:ln>
-        </p:spPr>
-        <p:txBody>
-          <a:bodyPr rtlCol="0" anchor="ctr"/>
-          <a:lstStyle/>
-          <a:p>
-            <a:pPr algn="ctr"/>
-            <a:endParaRPr lang="en-US">
-              <a:solidFill>
-                <a:schemeClr val="tx1"/>
-              </a:solidFill>
-            </a:endParaRPr>
-          </a:p>
-        </p:txBody>
-      </p:sp>
+      </p:pic>
       <p:sp>
         <p:nvSpPr>
           <p:cNvPr id="2" name="Titel 1">
@@ -30883,8 +31492,8 @@
         </p:nvSpPr>
         <p:spPr>
           <a:xfrm>
-            <a:off x="648930" y="629267"/>
-            <a:ext cx="9252154" cy="1016654"/>
+            <a:off x="646111" y="452718"/>
+            <a:ext cx="9404723" cy="1400530"/>
           </a:xfrm>
         </p:spPr>
         <p:txBody>
@@ -30894,488 +31503,10 @@
           <a:lstStyle/>
           <a:p>
             <a:r>
-              <a:rPr lang="en-GB">
-                <a:solidFill>
-                  <a:srgbClr val="EBEBEB"/>
-                </a:solidFill>
-              </a:rPr>
+              <a:rPr lang="en-GB"/>
               <a:t>PlacePart</a:t>
             </a:r>
-            <a:endParaRPr lang="LID4096">
-              <a:solidFill>
-                <a:srgbClr val="EBEBEB"/>
-              </a:solidFill>
-            </a:endParaRPr>
-          </a:p>
-        </p:txBody>
-      </p:sp>
-      <p:sp useBgFill="1">
-        <p:nvSpPr>
-          <p:cNvPr id="16" name="Freeform: Shape 15">
-            <a:extLst>
-              <a:ext uri="{FF2B5EF4-FFF2-40B4-BE49-F238E27FC236}">
-                <a16:creationId xmlns:a16="http://schemas.microsoft.com/office/drawing/2014/main" id="{DAA4FEEE-0B5F-41BF-825D-60F9FB089568}"/>
-              </a:ext>
-              <a:ext uri="{C183D7F6-B498-43B3-948B-1728B52AA6E4}">
-                <adec:decorative xmlns:adec="http://schemas.microsoft.com/office/drawing/2017/decorative" val="1"/>
-              </a:ext>
-            </a:extLst>
-          </p:cNvPr>
-          <p:cNvSpPr>
-            <a:spLocks noGrp="1" noRot="1" noChangeAspect="1" noMove="1" noResize="1" noEditPoints="1" noAdjustHandles="1" noChangeArrowheads="1" noChangeShapeType="1" noTextEdit="1"/>
-          </p:cNvSpPr>
-          <p:nvPr>
-            <p:extLst>
-              <p:ext uri="{386F3935-93C4-4BCD-93E2-E3B085C9AB24}">
-                <p16:designElem xmlns:p16="http://schemas.microsoft.com/office/powerpoint/2015/main" val="1"/>
-              </p:ext>
-            </p:extLst>
-          </p:nvPr>
-        </p:nvSpPr>
-        <p:spPr bwMode="gray">
-          <a:xfrm>
-            <a:off x="1" y="1762067"/>
-            <a:ext cx="12192417" cy="5095933"/>
-          </a:xfrm>
-          <a:custGeom>
-            <a:avLst/>
-            <a:gdLst>
-              <a:gd name="connsiteX0" fmla="*/ 0 w 12192417"/>
-              <a:gd name="connsiteY0" fmla="*/ 0 h 5095933"/>
-              <a:gd name="connsiteX1" fmla="*/ 71931 w 12192417"/>
-              <a:gd name="connsiteY1" fmla="*/ 12261 h 5095933"/>
-              <a:gd name="connsiteX2" fmla="*/ 282848 w 12192417"/>
-              <a:gd name="connsiteY2" fmla="*/ 48343 h 5095933"/>
-              <a:gd name="connsiteX3" fmla="*/ 436463 w 12192417"/>
-              <a:gd name="connsiteY3" fmla="*/ 73565 h 5095933"/>
-              <a:gd name="connsiteX4" fmla="*/ 619338 w 12192417"/>
-              <a:gd name="connsiteY4" fmla="*/ 100188 h 5095933"/>
-              <a:gd name="connsiteX5" fmla="*/ 836350 w 12192417"/>
-              <a:gd name="connsiteY5" fmla="*/ 132066 h 5095933"/>
-              <a:gd name="connsiteX6" fmla="*/ 1076527 w 12192417"/>
-              <a:gd name="connsiteY6" fmla="*/ 165696 h 5095933"/>
-              <a:gd name="connsiteX7" fmla="*/ 1347183 w 12192417"/>
-              <a:gd name="connsiteY7" fmla="*/ 201077 h 5095933"/>
-              <a:gd name="connsiteX8" fmla="*/ 1642222 w 12192417"/>
-              <a:gd name="connsiteY8" fmla="*/ 238560 h 5095933"/>
-              <a:gd name="connsiteX9" fmla="*/ 1962863 w 12192417"/>
-              <a:gd name="connsiteY9" fmla="*/ 276043 h 5095933"/>
-              <a:gd name="connsiteX10" fmla="*/ 2304231 w 12192417"/>
-              <a:gd name="connsiteY10" fmla="*/ 314227 h 5095933"/>
-              <a:gd name="connsiteX11" fmla="*/ 2672420 w 12192417"/>
-              <a:gd name="connsiteY11" fmla="*/ 349608 h 5095933"/>
-              <a:gd name="connsiteX12" fmla="*/ 3057677 w 12192417"/>
-              <a:gd name="connsiteY12" fmla="*/ 383588 h 5095933"/>
-              <a:gd name="connsiteX13" fmla="*/ 3464880 w 12192417"/>
-              <a:gd name="connsiteY13" fmla="*/ 414415 h 5095933"/>
-              <a:gd name="connsiteX14" fmla="*/ 3889151 w 12192417"/>
-              <a:gd name="connsiteY14" fmla="*/ 443841 h 5095933"/>
-              <a:gd name="connsiteX15" fmla="*/ 4331709 w 12192417"/>
-              <a:gd name="connsiteY15" fmla="*/ 471515 h 5095933"/>
-              <a:gd name="connsiteX16" fmla="*/ 4558475 w 12192417"/>
-              <a:gd name="connsiteY16" fmla="*/ 481324 h 5095933"/>
-              <a:gd name="connsiteX17" fmla="*/ 4790117 w 12192417"/>
-              <a:gd name="connsiteY17" fmla="*/ 492183 h 5095933"/>
-              <a:gd name="connsiteX18" fmla="*/ 5025417 w 12192417"/>
-              <a:gd name="connsiteY18" fmla="*/ 502342 h 5095933"/>
-              <a:gd name="connsiteX19" fmla="*/ 5261936 w 12192417"/>
-              <a:gd name="connsiteY19" fmla="*/ 508998 h 5095933"/>
-              <a:gd name="connsiteX20" fmla="*/ 5503331 w 12192417"/>
-              <a:gd name="connsiteY20" fmla="*/ 514953 h 5095933"/>
-              <a:gd name="connsiteX21" fmla="*/ 5747166 w 12192417"/>
-              <a:gd name="connsiteY21" fmla="*/ 521259 h 5095933"/>
-              <a:gd name="connsiteX22" fmla="*/ 5995876 w 12192417"/>
-              <a:gd name="connsiteY22" fmla="*/ 525463 h 5095933"/>
-              <a:gd name="connsiteX23" fmla="*/ 6247025 w 12192417"/>
-              <a:gd name="connsiteY23" fmla="*/ 525463 h 5095933"/>
-              <a:gd name="connsiteX24" fmla="*/ 6500612 w 12192417"/>
-              <a:gd name="connsiteY24" fmla="*/ 527565 h 5095933"/>
-              <a:gd name="connsiteX25" fmla="*/ 6756638 w 12192417"/>
-              <a:gd name="connsiteY25" fmla="*/ 525463 h 5095933"/>
-              <a:gd name="connsiteX26" fmla="*/ 7016321 w 12192417"/>
-              <a:gd name="connsiteY26" fmla="*/ 521259 h 5095933"/>
-              <a:gd name="connsiteX27" fmla="*/ 7276004 w 12192417"/>
-              <a:gd name="connsiteY27" fmla="*/ 517406 h 5095933"/>
-              <a:gd name="connsiteX28" fmla="*/ 7539344 w 12192417"/>
-              <a:gd name="connsiteY28" fmla="*/ 508998 h 5095933"/>
-              <a:gd name="connsiteX29" fmla="*/ 7805123 w 12192417"/>
-              <a:gd name="connsiteY29" fmla="*/ 500241 h 5095933"/>
-              <a:gd name="connsiteX30" fmla="*/ 8070902 w 12192417"/>
-              <a:gd name="connsiteY30" fmla="*/ 490082 h 5095933"/>
-              <a:gd name="connsiteX31" fmla="*/ 8339120 w 12192417"/>
-              <a:gd name="connsiteY31" fmla="*/ 475719 h 5095933"/>
-              <a:gd name="connsiteX32" fmla="*/ 8609775 w 12192417"/>
-              <a:gd name="connsiteY32" fmla="*/ 458554 h 5095933"/>
-              <a:gd name="connsiteX33" fmla="*/ 8881650 w 12192417"/>
-              <a:gd name="connsiteY33" fmla="*/ 442089 h 5095933"/>
-              <a:gd name="connsiteX34" fmla="*/ 9153525 w 12192417"/>
-              <a:gd name="connsiteY34" fmla="*/ 421071 h 5095933"/>
-              <a:gd name="connsiteX35" fmla="*/ 9429057 w 12192417"/>
-              <a:gd name="connsiteY35" fmla="*/ 395849 h 5095933"/>
-              <a:gd name="connsiteX36" fmla="*/ 9700932 w 12192417"/>
-              <a:gd name="connsiteY36" fmla="*/ 370626 h 5095933"/>
-              <a:gd name="connsiteX37" fmla="*/ 9977683 w 12192417"/>
-              <a:gd name="connsiteY37" fmla="*/ 341551 h 5095933"/>
-              <a:gd name="connsiteX38" fmla="*/ 10255654 w 12192417"/>
-              <a:gd name="connsiteY38" fmla="*/ 309673 h 5095933"/>
-              <a:gd name="connsiteX39" fmla="*/ 10529967 w 12192417"/>
-              <a:gd name="connsiteY39" fmla="*/ 276043 h 5095933"/>
-              <a:gd name="connsiteX40" fmla="*/ 10807938 w 12192417"/>
-              <a:gd name="connsiteY40" fmla="*/ 236809 h 5095933"/>
-              <a:gd name="connsiteX41" fmla="*/ 11084689 w 12192417"/>
-              <a:gd name="connsiteY41" fmla="*/ 194772 h 5095933"/>
-              <a:gd name="connsiteX42" fmla="*/ 11362660 w 12192417"/>
-              <a:gd name="connsiteY42" fmla="*/ 153085 h 5095933"/>
-              <a:gd name="connsiteX43" fmla="*/ 11639411 w 12192417"/>
-              <a:gd name="connsiteY43" fmla="*/ 104392 h 5095933"/>
-              <a:gd name="connsiteX44" fmla="*/ 11914944 w 12192417"/>
-              <a:gd name="connsiteY44" fmla="*/ 54648 h 5095933"/>
-              <a:gd name="connsiteX45" fmla="*/ 12191695 w 12192417"/>
-              <a:gd name="connsiteY45" fmla="*/ 2452 h 5095933"/>
-              <a:gd name="connsiteX46" fmla="*/ 12191695 w 12192417"/>
-              <a:gd name="connsiteY46" fmla="*/ 2162231 h 5095933"/>
-              <a:gd name="connsiteX47" fmla="*/ 12192417 w 12192417"/>
-              <a:gd name="connsiteY47" fmla="*/ 2162231 h 5095933"/>
-              <a:gd name="connsiteX48" fmla="*/ 12192417 w 12192417"/>
-              <a:gd name="connsiteY48" fmla="*/ 5095933 h 5095933"/>
-              <a:gd name="connsiteX49" fmla="*/ 0 w 12192417"/>
-              <a:gd name="connsiteY49" fmla="*/ 5095933 h 5095933"/>
-              <a:gd name="connsiteX50" fmla="*/ 0 w 12192417"/>
-              <a:gd name="connsiteY50" fmla="*/ 2791958 h 5095933"/>
-              <a:gd name="connsiteX51" fmla="*/ 0 w 12192417"/>
-              <a:gd name="connsiteY51" fmla="*/ 2162231 h 5095933"/>
-            </a:gdLst>
-            <a:ahLst/>
-            <a:cxnLst>
-              <a:cxn ang="0">
-                <a:pos x="connsiteX0" y="connsiteY0"/>
-              </a:cxn>
-              <a:cxn ang="0">
-                <a:pos x="connsiteX1" y="connsiteY1"/>
-              </a:cxn>
-              <a:cxn ang="0">
-                <a:pos x="connsiteX2" y="connsiteY2"/>
-              </a:cxn>
-              <a:cxn ang="0">
-                <a:pos x="connsiteX3" y="connsiteY3"/>
-              </a:cxn>
-              <a:cxn ang="0">
-                <a:pos x="connsiteX4" y="connsiteY4"/>
-              </a:cxn>
-              <a:cxn ang="0">
-                <a:pos x="connsiteX5" y="connsiteY5"/>
-              </a:cxn>
-              <a:cxn ang="0">
-                <a:pos x="connsiteX6" y="connsiteY6"/>
-              </a:cxn>
-              <a:cxn ang="0">
-                <a:pos x="connsiteX7" y="connsiteY7"/>
-              </a:cxn>
-              <a:cxn ang="0">
-                <a:pos x="connsiteX8" y="connsiteY8"/>
-              </a:cxn>
-              <a:cxn ang="0">
-                <a:pos x="connsiteX9" y="connsiteY9"/>
-              </a:cxn>
-              <a:cxn ang="0">
-                <a:pos x="connsiteX10" y="connsiteY10"/>
-              </a:cxn>
-              <a:cxn ang="0">
-                <a:pos x="connsiteX11" y="connsiteY11"/>
-              </a:cxn>
-              <a:cxn ang="0">
-                <a:pos x="connsiteX12" y="connsiteY12"/>
-              </a:cxn>
-              <a:cxn ang="0">
-                <a:pos x="connsiteX13" y="connsiteY13"/>
-              </a:cxn>
-              <a:cxn ang="0">
-                <a:pos x="connsiteX14" y="connsiteY14"/>
-              </a:cxn>
-              <a:cxn ang="0">
-                <a:pos x="connsiteX15" y="connsiteY15"/>
-              </a:cxn>
-              <a:cxn ang="0">
-                <a:pos x="connsiteX16" y="connsiteY16"/>
-              </a:cxn>
-              <a:cxn ang="0">
-                <a:pos x="connsiteX17" y="connsiteY17"/>
-              </a:cxn>
-              <a:cxn ang="0">
-                <a:pos x="connsiteX18" y="connsiteY18"/>
-              </a:cxn>
-              <a:cxn ang="0">
-                <a:pos x="connsiteX19" y="connsiteY19"/>
-              </a:cxn>
-              <a:cxn ang="0">
-                <a:pos x="connsiteX20" y="connsiteY20"/>
-              </a:cxn>
-              <a:cxn ang="0">
-                <a:pos x="connsiteX21" y="connsiteY21"/>
-              </a:cxn>
-              <a:cxn ang="0">
-                <a:pos x="connsiteX22" y="connsiteY22"/>
-              </a:cxn>
-              <a:cxn ang="0">
-                <a:pos x="connsiteX23" y="connsiteY23"/>
-              </a:cxn>
-              <a:cxn ang="0">
-                <a:pos x="connsiteX24" y="connsiteY24"/>
-              </a:cxn>
-              <a:cxn ang="0">
-                <a:pos x="connsiteX25" y="connsiteY25"/>
-              </a:cxn>
-              <a:cxn ang="0">
-                <a:pos x="connsiteX26" y="connsiteY26"/>
-              </a:cxn>
-              <a:cxn ang="0">
-                <a:pos x="connsiteX27" y="connsiteY27"/>
-              </a:cxn>
-              <a:cxn ang="0">
-                <a:pos x="connsiteX28" y="connsiteY28"/>
-              </a:cxn>
-              <a:cxn ang="0">
-                <a:pos x="connsiteX29" y="connsiteY29"/>
-              </a:cxn>
-              <a:cxn ang="0">
-                <a:pos x="connsiteX30" y="connsiteY30"/>
-              </a:cxn>
-              <a:cxn ang="0">
-                <a:pos x="connsiteX31" y="connsiteY31"/>
-              </a:cxn>
-              <a:cxn ang="0">
-                <a:pos x="connsiteX32" y="connsiteY32"/>
-              </a:cxn>
-              <a:cxn ang="0">
-                <a:pos x="connsiteX33" y="connsiteY33"/>
-              </a:cxn>
-              <a:cxn ang="0">
-                <a:pos x="connsiteX34" y="connsiteY34"/>
-              </a:cxn>
-              <a:cxn ang="0">
-                <a:pos x="connsiteX35" y="connsiteY35"/>
-              </a:cxn>
-              <a:cxn ang="0">
-                <a:pos x="connsiteX36" y="connsiteY36"/>
-              </a:cxn>
-              <a:cxn ang="0">
-                <a:pos x="connsiteX37" y="connsiteY37"/>
-              </a:cxn>
-              <a:cxn ang="0">
-                <a:pos x="connsiteX38" y="connsiteY38"/>
-              </a:cxn>
-              <a:cxn ang="0">
-                <a:pos x="connsiteX39" y="connsiteY39"/>
-              </a:cxn>
-              <a:cxn ang="0">
-                <a:pos x="connsiteX40" y="connsiteY40"/>
-              </a:cxn>
-              <a:cxn ang="0">
-                <a:pos x="connsiteX41" y="connsiteY41"/>
-              </a:cxn>
-              <a:cxn ang="0">
-                <a:pos x="connsiteX42" y="connsiteY42"/>
-              </a:cxn>
-              <a:cxn ang="0">
-                <a:pos x="connsiteX43" y="connsiteY43"/>
-              </a:cxn>
-              <a:cxn ang="0">
-                <a:pos x="connsiteX44" y="connsiteY44"/>
-              </a:cxn>
-              <a:cxn ang="0">
-                <a:pos x="connsiteX45" y="connsiteY45"/>
-              </a:cxn>
-              <a:cxn ang="0">
-                <a:pos x="connsiteX46" y="connsiteY46"/>
-              </a:cxn>
-              <a:cxn ang="0">
-                <a:pos x="connsiteX47" y="connsiteY47"/>
-              </a:cxn>
-              <a:cxn ang="0">
-                <a:pos x="connsiteX48" y="connsiteY48"/>
-              </a:cxn>
-              <a:cxn ang="0">
-                <a:pos x="connsiteX49" y="connsiteY49"/>
-              </a:cxn>
-              <a:cxn ang="0">
-                <a:pos x="connsiteX50" y="connsiteY50"/>
-              </a:cxn>
-              <a:cxn ang="0">
-                <a:pos x="connsiteX51" y="connsiteY51"/>
-              </a:cxn>
-            </a:cxnLst>
-            <a:rect l="l" t="t" r="r" b="b"/>
-            <a:pathLst>
-              <a:path w="12192417" h="5095933">
-                <a:moveTo>
-                  <a:pt x="0" y="0"/>
-                </a:moveTo>
-                <a:lnTo>
-                  <a:pt x="71931" y="12261"/>
-                </a:lnTo>
-                <a:lnTo>
-                  <a:pt x="282848" y="48343"/>
-                </a:lnTo>
-                <a:lnTo>
-                  <a:pt x="436463" y="73565"/>
-                </a:lnTo>
-                <a:lnTo>
-                  <a:pt x="619338" y="100188"/>
-                </a:lnTo>
-                <a:lnTo>
-                  <a:pt x="836350" y="132066"/>
-                </a:lnTo>
-                <a:lnTo>
-                  <a:pt x="1076527" y="165696"/>
-                </a:lnTo>
-                <a:lnTo>
-                  <a:pt x="1347183" y="201077"/>
-                </a:lnTo>
-                <a:lnTo>
-                  <a:pt x="1642222" y="238560"/>
-                </a:lnTo>
-                <a:lnTo>
-                  <a:pt x="1962863" y="276043"/>
-                </a:lnTo>
-                <a:lnTo>
-                  <a:pt x="2304231" y="314227"/>
-                </a:lnTo>
-                <a:lnTo>
-                  <a:pt x="2672420" y="349608"/>
-                </a:lnTo>
-                <a:lnTo>
-                  <a:pt x="3057677" y="383588"/>
-                </a:lnTo>
-                <a:lnTo>
-                  <a:pt x="3464880" y="414415"/>
-                </a:lnTo>
-                <a:lnTo>
-                  <a:pt x="3889151" y="443841"/>
-                </a:lnTo>
-                <a:lnTo>
-                  <a:pt x="4331709" y="471515"/>
-                </a:lnTo>
-                <a:lnTo>
-                  <a:pt x="4558475" y="481324"/>
-                </a:lnTo>
-                <a:lnTo>
-                  <a:pt x="4790117" y="492183"/>
-                </a:lnTo>
-                <a:lnTo>
-                  <a:pt x="5025417" y="502342"/>
-                </a:lnTo>
-                <a:lnTo>
-                  <a:pt x="5261936" y="508998"/>
-                </a:lnTo>
-                <a:lnTo>
-                  <a:pt x="5503331" y="514953"/>
-                </a:lnTo>
-                <a:lnTo>
-                  <a:pt x="5747166" y="521259"/>
-                </a:lnTo>
-                <a:lnTo>
-                  <a:pt x="5995876" y="525463"/>
-                </a:lnTo>
-                <a:lnTo>
-                  <a:pt x="6247025" y="525463"/>
-                </a:lnTo>
-                <a:lnTo>
-                  <a:pt x="6500612" y="527565"/>
-                </a:lnTo>
-                <a:lnTo>
-                  <a:pt x="6756638" y="525463"/>
-                </a:lnTo>
-                <a:lnTo>
-                  <a:pt x="7016321" y="521259"/>
-                </a:lnTo>
-                <a:lnTo>
-                  <a:pt x="7276004" y="517406"/>
-                </a:lnTo>
-                <a:lnTo>
-                  <a:pt x="7539344" y="508998"/>
-                </a:lnTo>
-                <a:lnTo>
-                  <a:pt x="7805123" y="500241"/>
-                </a:lnTo>
-                <a:lnTo>
-                  <a:pt x="8070902" y="490082"/>
-                </a:lnTo>
-                <a:lnTo>
-                  <a:pt x="8339120" y="475719"/>
-                </a:lnTo>
-                <a:lnTo>
-                  <a:pt x="8609775" y="458554"/>
-                </a:lnTo>
-                <a:lnTo>
-                  <a:pt x="8881650" y="442089"/>
-                </a:lnTo>
-                <a:lnTo>
-                  <a:pt x="9153525" y="421071"/>
-                </a:lnTo>
-                <a:lnTo>
-                  <a:pt x="9429057" y="395849"/>
-                </a:lnTo>
-                <a:lnTo>
-                  <a:pt x="9700932" y="370626"/>
-                </a:lnTo>
-                <a:lnTo>
-                  <a:pt x="9977683" y="341551"/>
-                </a:lnTo>
-                <a:lnTo>
-                  <a:pt x="10255654" y="309673"/>
-                </a:lnTo>
-                <a:lnTo>
-                  <a:pt x="10529967" y="276043"/>
-                </a:lnTo>
-                <a:lnTo>
-                  <a:pt x="10807938" y="236809"/>
-                </a:lnTo>
-                <a:lnTo>
-                  <a:pt x="11084689" y="194772"/>
-                </a:lnTo>
-                <a:lnTo>
-                  <a:pt x="11362660" y="153085"/>
-                </a:lnTo>
-                <a:lnTo>
-                  <a:pt x="11639411" y="104392"/>
-                </a:lnTo>
-                <a:lnTo>
-                  <a:pt x="11914944" y="54648"/>
-                </a:lnTo>
-                <a:lnTo>
-                  <a:pt x="12191695" y="2452"/>
-                </a:lnTo>
-                <a:lnTo>
-                  <a:pt x="12191695" y="2162231"/>
-                </a:lnTo>
-                <a:lnTo>
-                  <a:pt x="12192417" y="2162231"/>
-                </a:lnTo>
-                <a:lnTo>
-                  <a:pt x="12192417" y="5095933"/>
-                </a:lnTo>
-                <a:lnTo>
-                  <a:pt x="0" y="5095933"/>
-                </a:lnTo>
-                <a:lnTo>
-                  <a:pt x="0" y="2791958"/>
-                </a:lnTo>
-                <a:lnTo>
-                  <a:pt x="0" y="2162231"/>
-                </a:lnTo>
-                <a:close/>
-              </a:path>
-            </a:pathLst>
-          </a:custGeom>
-          <a:ln>
-            <a:noFill/>
-          </a:ln>
-        </p:spPr>
-        <p:txBody>
-          <a:bodyPr/>
-          <a:lstStyle/>
-          <a:p>
-            <a:endParaRPr lang="en-DK"/>
+            <a:endParaRPr lang="LID4096"/>
           </a:p>
         </p:txBody>
       </p:sp>
@@ -31397,8 +31528,8 @@
         </p:nvSpPr>
         <p:spPr>
           <a:xfrm>
-            <a:off x="648931" y="2548281"/>
-            <a:ext cx="5122606" cy="3658689"/>
+            <a:off x="1103312" y="2052918"/>
+            <a:ext cx="8946541" cy="4195481"/>
           </a:xfrm>
         </p:spPr>
         <p:txBody>
@@ -31509,37 +31640,6 @@
           </a:p>
         </p:txBody>
       </p:sp>
-      <p:pic>
-        <p:nvPicPr>
-          <p:cNvPr id="5" name="Billede 4">
-            <a:extLst>
-              <a:ext uri="{FF2B5EF4-FFF2-40B4-BE49-F238E27FC236}">
-                <a16:creationId xmlns:a16="http://schemas.microsoft.com/office/drawing/2014/main" id="{B8087103-0AE5-4466-9F53-502440693982}"/>
-              </a:ext>
-            </a:extLst>
-          </p:cNvPr>
-          <p:cNvPicPr>
-            <a:picLocks noChangeAspect="1"/>
-          </p:cNvPicPr>
-          <p:nvPr/>
-        </p:nvPicPr>
-        <p:blipFill>
-          <a:blip r:embed="rId2"/>
-          <a:stretch>
-            <a:fillRect/>
-          </a:stretch>
-        </p:blipFill>
-        <p:spPr>
-          <a:xfrm>
-            <a:off x="6424254" y="2548281"/>
-            <a:ext cx="4786951" cy="3662018"/>
-          </a:xfrm>
-          <a:prstGeom prst="rect">
-            <a:avLst/>
-          </a:prstGeom>
-          <a:effectLst/>
-        </p:spPr>
-      </p:pic>
     </p:spTree>
     <p:extLst>
       <p:ext uri="{BB962C8B-B14F-4D97-AF65-F5344CB8AC3E}">
@@ -31548,7 +31648,7 @@
     </p:extLst>
   </p:cSld>
   <p:clrMapOvr>
-    <a:overrideClrMapping bg1="lt1" tx1="dk1" bg2="lt2" tx2="dk2" accent1="accent1" accent2="accent2" accent3="accent3" accent4="accent4" accent5="accent5" accent6="accent6" hlink="hlink" folHlink="folHlink"/>
+    <a:overrideClrMapping bg1="dk1" tx1="lt1" bg2="dk2" tx2="lt2" accent1="accent1" accent2="accent2" accent3="accent3" accent4="accent4" accent5="accent5" accent6="accent6" hlink="hlink" folHlink="folHlink"/>
   </p:clrMapOvr>
 </p:sld>
 </file>
